--- a/ppt/卒業研究.pptx
+++ b/ppt/卒業研究.pptx
@@ -5,10 +5,10 @@
     <p:sldMasterId id="2147483648" r:id="rId1"/>
   </p:sldMasterIdLst>
   <p:notesMasterIdLst>
-    <p:notesMasterId r:id="rId20"/>
+    <p:notesMasterId r:id="rId22"/>
   </p:notesMasterIdLst>
   <p:handoutMasterIdLst>
-    <p:handoutMasterId r:id="rId21"/>
+    <p:handoutMasterId r:id="rId23"/>
   </p:handoutMasterIdLst>
   <p:sldIdLst>
     <p:sldId id="256" r:id="rId2"/>
@@ -17,18 +17,20 @@
     <p:sldId id="259" r:id="rId5"/>
     <p:sldId id="260" r:id="rId6"/>
     <p:sldId id="262" r:id="rId7"/>
-    <p:sldId id="270" r:id="rId8"/>
-    <p:sldId id="272" r:id="rId9"/>
-    <p:sldId id="273" r:id="rId10"/>
-    <p:sldId id="274" r:id="rId11"/>
-    <p:sldId id="275" r:id="rId12"/>
-    <p:sldId id="276" r:id="rId13"/>
-    <p:sldId id="279" r:id="rId14"/>
-    <p:sldId id="266" r:id="rId15"/>
-    <p:sldId id="267" r:id="rId16"/>
-    <p:sldId id="264" r:id="rId17"/>
-    <p:sldId id="271" r:id="rId18"/>
-    <p:sldId id="268" r:id="rId19"/>
+    <p:sldId id="280" r:id="rId8"/>
+    <p:sldId id="270" r:id="rId9"/>
+    <p:sldId id="281" r:id="rId10"/>
+    <p:sldId id="272" r:id="rId11"/>
+    <p:sldId id="273" r:id="rId12"/>
+    <p:sldId id="274" r:id="rId13"/>
+    <p:sldId id="275" r:id="rId14"/>
+    <p:sldId id="276" r:id="rId15"/>
+    <p:sldId id="279" r:id="rId16"/>
+    <p:sldId id="266" r:id="rId17"/>
+    <p:sldId id="267" r:id="rId18"/>
+    <p:sldId id="264" r:id="rId19"/>
+    <p:sldId id="271" r:id="rId20"/>
+    <p:sldId id="268" r:id="rId21"/>
   </p:sldIdLst>
   <p:sldSz cx="9144000" cy="6858000" type="screen4x3"/>
   <p:notesSz cx="6858000" cy="9144000"/>
@@ -212,7 +214,7 @@
           <a:p>
             <a:fld id="{74825FEB-C9F8-43E7-A6A0-63C03333387A}" type="datetimeFigureOut">
               <a:rPr kumimoji="1" lang="ja-JP" altLang="en-US" smtClean="0"/>
-              <a:t>2013/12/28</a:t>
+              <a:t>2014/1/6</a:t>
             </a:fld>
             <a:endParaRPr kumimoji="1" lang="ja-JP" altLang="en-US"/>
           </a:p>
@@ -377,7 +379,7 @@
           <a:p>
             <a:fld id="{7DF372ED-9A20-47C3-A076-E002DD6BB04D}" type="datetimeFigureOut">
               <a:rPr kumimoji="1" lang="ja-JP" altLang="en-US" smtClean="0"/>
-              <a:t>2013/12/28</a:t>
+              <a:t>2014/1/6</a:t>
             </a:fld>
             <a:endParaRPr kumimoji="1" lang="ja-JP" altLang="en-US"/>
           </a:p>
@@ -721,6 +723,17 @@
           <a:bodyPr/>
           <a:lstStyle/>
           <a:p>
+            <a:r>
+              <a:rPr kumimoji="1" lang="ja-JP" altLang="en-US" dirty="0" smtClean="0"/>
+              <a:t>＋フォントの大きさとかを検討する。</a:t>
+            </a:r>
+            <a:endParaRPr kumimoji="1" lang="en-US" altLang="ja-JP" dirty="0" smtClean="0"/>
+          </a:p>
+          <a:p>
+            <a:r>
+              <a:rPr kumimoji="1" lang="ja-JP" altLang="en-US" dirty="0" smtClean="0"/>
+              <a:t>＋どう見せるとか、レイアウトを検討する、最後に。</a:t>
+            </a:r>
             <a:endParaRPr kumimoji="1" lang="ja-JP" altLang="en-US" dirty="0"/>
           </a:p>
         </p:txBody>
@@ -826,7 +839,7 @@
           <a:p>
             <a:fld id="{FEFB3154-A281-48F2-8DC9-C99E29F1ECF4}" type="slidenum">
               <a:rPr kumimoji="1" lang="ja-JP" altLang="en-US" smtClean="0"/>
-              <a:t>10</a:t>
+              <a:t>11</a:t>
             </a:fld>
             <a:endParaRPr kumimoji="1" lang="ja-JP" altLang="en-US"/>
           </a:p>
@@ -835,7 +848,7 @@
     </p:spTree>
     <p:extLst>
       <p:ext uri="{BB962C8B-B14F-4D97-AF65-F5344CB8AC3E}">
-        <p14:creationId xmlns:p14="http://schemas.microsoft.com/office/powerpoint/2010/main" val="88015040"/>
+        <p14:creationId xmlns:p14="http://schemas.microsoft.com/office/powerpoint/2010/main" val="2334585315"/>
       </p:ext>
     </p:extLst>
   </p:cSld>
@@ -910,7 +923,7 @@
           <a:p>
             <a:fld id="{FEFB3154-A281-48F2-8DC9-C99E29F1ECF4}" type="slidenum">
               <a:rPr kumimoji="1" lang="ja-JP" altLang="en-US" smtClean="0"/>
-              <a:t>11</a:t>
+              <a:t>12</a:t>
             </a:fld>
             <a:endParaRPr kumimoji="1" lang="ja-JP" altLang="en-US"/>
           </a:p>
@@ -919,7 +932,7 @@
     </p:spTree>
     <p:extLst>
       <p:ext uri="{BB962C8B-B14F-4D97-AF65-F5344CB8AC3E}">
-        <p14:creationId xmlns:p14="http://schemas.microsoft.com/office/powerpoint/2010/main" val="3782568936"/>
+        <p14:creationId xmlns:p14="http://schemas.microsoft.com/office/powerpoint/2010/main" val="88015040"/>
       </p:ext>
     </p:extLst>
   </p:cSld>
@@ -994,7 +1007,7 @@
           <a:p>
             <a:fld id="{FEFB3154-A281-48F2-8DC9-C99E29F1ECF4}" type="slidenum">
               <a:rPr kumimoji="1" lang="ja-JP" altLang="en-US" smtClean="0"/>
-              <a:t>12</a:t>
+              <a:t>13</a:t>
             </a:fld>
             <a:endParaRPr kumimoji="1" lang="ja-JP" altLang="en-US"/>
           </a:p>
@@ -1003,7 +1016,7 @@
     </p:spTree>
     <p:extLst>
       <p:ext uri="{BB962C8B-B14F-4D97-AF65-F5344CB8AC3E}">
-        <p14:creationId xmlns:p14="http://schemas.microsoft.com/office/powerpoint/2010/main" val="2965410416"/>
+        <p14:creationId xmlns:p14="http://schemas.microsoft.com/office/powerpoint/2010/main" val="3782568936"/>
       </p:ext>
     </p:extLst>
   </p:cSld>
@@ -1078,7 +1091,7 @@
           <a:p>
             <a:fld id="{FEFB3154-A281-48F2-8DC9-C99E29F1ECF4}" type="slidenum">
               <a:rPr kumimoji="1" lang="ja-JP" altLang="en-US" smtClean="0"/>
-              <a:t>13</a:t>
+              <a:t>14</a:t>
             </a:fld>
             <a:endParaRPr kumimoji="1" lang="ja-JP" altLang="en-US"/>
           </a:p>
@@ -1087,7 +1100,7 @@
     </p:spTree>
     <p:extLst>
       <p:ext uri="{BB962C8B-B14F-4D97-AF65-F5344CB8AC3E}">
-        <p14:creationId xmlns:p14="http://schemas.microsoft.com/office/powerpoint/2010/main" val="2604688079"/>
+        <p14:creationId xmlns:p14="http://schemas.microsoft.com/office/powerpoint/2010/main" val="2965410416"/>
       </p:ext>
     </p:extLst>
   </p:cSld>
@@ -1162,7 +1175,7 @@
           <a:p>
             <a:fld id="{FEFB3154-A281-48F2-8DC9-C99E29F1ECF4}" type="slidenum">
               <a:rPr kumimoji="1" lang="ja-JP" altLang="en-US" smtClean="0"/>
-              <a:t>14</a:t>
+              <a:t>15</a:t>
             </a:fld>
             <a:endParaRPr kumimoji="1" lang="ja-JP" altLang="en-US"/>
           </a:p>
@@ -1171,7 +1184,7 @@
     </p:spTree>
     <p:extLst>
       <p:ext uri="{BB962C8B-B14F-4D97-AF65-F5344CB8AC3E}">
-        <p14:creationId xmlns:p14="http://schemas.microsoft.com/office/powerpoint/2010/main" val="2781046782"/>
+        <p14:creationId xmlns:p14="http://schemas.microsoft.com/office/powerpoint/2010/main" val="2604688079"/>
       </p:ext>
     </p:extLst>
   </p:cSld>
@@ -1246,7 +1259,7 @@
           <a:p>
             <a:fld id="{FEFB3154-A281-48F2-8DC9-C99E29F1ECF4}" type="slidenum">
               <a:rPr kumimoji="1" lang="ja-JP" altLang="en-US" smtClean="0"/>
-              <a:t>15</a:t>
+              <a:t>16</a:t>
             </a:fld>
             <a:endParaRPr kumimoji="1" lang="ja-JP" altLang="en-US"/>
           </a:p>
@@ -1255,7 +1268,7 @@
     </p:spTree>
     <p:extLst>
       <p:ext uri="{BB962C8B-B14F-4D97-AF65-F5344CB8AC3E}">
-        <p14:creationId xmlns:p14="http://schemas.microsoft.com/office/powerpoint/2010/main" val="857273442"/>
+        <p14:creationId xmlns:p14="http://schemas.microsoft.com/office/powerpoint/2010/main" val="2781046782"/>
       </p:ext>
     </p:extLst>
   </p:cSld>
@@ -1330,7 +1343,7 @@
           <a:p>
             <a:fld id="{FEFB3154-A281-48F2-8DC9-C99E29F1ECF4}" type="slidenum">
               <a:rPr kumimoji="1" lang="ja-JP" altLang="en-US" smtClean="0"/>
-              <a:t>16</a:t>
+              <a:t>17</a:t>
             </a:fld>
             <a:endParaRPr kumimoji="1" lang="ja-JP" altLang="en-US"/>
           </a:p>
@@ -1339,7 +1352,7 @@
     </p:spTree>
     <p:extLst>
       <p:ext uri="{BB962C8B-B14F-4D97-AF65-F5344CB8AC3E}">
-        <p14:creationId xmlns:p14="http://schemas.microsoft.com/office/powerpoint/2010/main" val="966408925"/>
+        <p14:creationId xmlns:p14="http://schemas.microsoft.com/office/powerpoint/2010/main" val="857273442"/>
       </p:ext>
     </p:extLst>
   </p:cSld>
@@ -1414,7 +1427,7 @@
           <a:p>
             <a:fld id="{FEFB3154-A281-48F2-8DC9-C99E29F1ECF4}" type="slidenum">
               <a:rPr kumimoji="1" lang="ja-JP" altLang="en-US" smtClean="0"/>
-              <a:t>17</a:t>
+              <a:t>18</a:t>
             </a:fld>
             <a:endParaRPr kumimoji="1" lang="ja-JP" altLang="en-US"/>
           </a:p>
@@ -1423,7 +1436,7 @@
     </p:spTree>
     <p:extLst>
       <p:ext uri="{BB962C8B-B14F-4D97-AF65-F5344CB8AC3E}">
-        <p14:creationId xmlns:p14="http://schemas.microsoft.com/office/powerpoint/2010/main" val="689900653"/>
+        <p14:creationId xmlns:p14="http://schemas.microsoft.com/office/powerpoint/2010/main" val="966408925"/>
       </p:ext>
     </p:extLst>
   </p:cSld>
@@ -1498,7 +1511,91 @@
           <a:p>
             <a:fld id="{FEFB3154-A281-48F2-8DC9-C99E29F1ECF4}" type="slidenum">
               <a:rPr kumimoji="1" lang="ja-JP" altLang="en-US" smtClean="0"/>
-              <a:t>18</a:t>
+              <a:t>19</a:t>
+            </a:fld>
+            <a:endParaRPr kumimoji="1" lang="ja-JP" altLang="en-US"/>
+          </a:p>
+        </p:txBody>
+      </p:sp>
+    </p:spTree>
+    <p:extLst>
+      <p:ext uri="{BB962C8B-B14F-4D97-AF65-F5344CB8AC3E}">
+        <p14:creationId xmlns:p14="http://schemas.microsoft.com/office/powerpoint/2010/main" val="689900653"/>
+      </p:ext>
+    </p:extLst>
+  </p:cSld>
+  <p:clrMapOvr>
+    <a:masterClrMapping/>
+  </p:clrMapOvr>
+</p:notes>
+</file>
+
+<file path=ppt/notesSlides/notesSlide19.xml><?xml version="1.0" encoding="utf-8"?>
+<p:notes xmlns:a="http://schemas.openxmlformats.org/drawingml/2006/main" xmlns:r="http://schemas.openxmlformats.org/officeDocument/2006/relationships" xmlns:p="http://schemas.openxmlformats.org/presentationml/2006/main">
+  <p:cSld>
+    <p:spTree>
+      <p:nvGrpSpPr>
+        <p:cNvPr id="1" name=""/>
+        <p:cNvGrpSpPr/>
+        <p:nvPr/>
+      </p:nvGrpSpPr>
+      <p:grpSpPr>
+        <a:xfrm>
+          <a:off x="0" y="0"/>
+          <a:ext cx="0" cy="0"/>
+          <a:chOff x="0" y="0"/>
+          <a:chExt cx="0" cy="0"/>
+        </a:xfrm>
+      </p:grpSpPr>
+      <p:sp>
+        <p:nvSpPr>
+          <p:cNvPr id="2" name="スライド イメージ プレースホルダー 1"/>
+          <p:cNvSpPr>
+            <a:spLocks noGrp="1" noRot="1" noChangeAspect="1"/>
+          </p:cNvSpPr>
+          <p:nvPr>
+            <p:ph type="sldImg"/>
+          </p:nvPr>
+        </p:nvSpPr>
+        <p:spPr/>
+      </p:sp>
+      <p:sp>
+        <p:nvSpPr>
+          <p:cNvPr id="3" name="ノート プレースホルダー 2"/>
+          <p:cNvSpPr>
+            <a:spLocks noGrp="1"/>
+          </p:cNvSpPr>
+          <p:nvPr>
+            <p:ph type="body" idx="1"/>
+          </p:nvPr>
+        </p:nvSpPr>
+        <p:spPr/>
+        <p:txBody>
+          <a:bodyPr/>
+          <a:lstStyle/>
+          <a:p>
+            <a:endParaRPr kumimoji="1" lang="ja-JP" altLang="en-US"/>
+          </a:p>
+        </p:txBody>
+      </p:sp>
+      <p:sp>
+        <p:nvSpPr>
+          <p:cNvPr id="4" name="スライド番号プレースホルダー 3"/>
+          <p:cNvSpPr>
+            <a:spLocks noGrp="1"/>
+          </p:cNvSpPr>
+          <p:nvPr>
+            <p:ph type="sldNum" sz="quarter" idx="10"/>
+          </p:nvPr>
+        </p:nvSpPr>
+        <p:spPr/>
+        <p:txBody>
+          <a:bodyPr/>
+          <a:lstStyle/>
+          <a:p>
+            <a:fld id="{FEFB3154-A281-48F2-8DC9-C99E29F1ECF4}" type="slidenum">
+              <a:rPr kumimoji="1" lang="ja-JP" altLang="en-US" smtClean="0"/>
+              <a:t>20</a:t>
             </a:fld>
             <a:endParaRPr kumimoji="1" lang="ja-JP" altLang="en-US"/>
           </a:p>
@@ -1561,7 +1658,18 @@
           <a:bodyPr/>
           <a:lstStyle/>
           <a:p>
-            <a:endParaRPr kumimoji="1" lang="ja-JP" altLang="en-US"/>
+            <a:r>
+              <a:rPr kumimoji="1" lang="ja-JP" altLang="en-US" dirty="0" smtClean="0"/>
+              <a:t>＋感染、免疫、病原体駆除</a:t>
+            </a:r>
+            <a:endParaRPr kumimoji="1" lang="en-US" altLang="ja-JP" dirty="0" smtClean="0"/>
+          </a:p>
+          <a:p>
+            <a:r>
+              <a:rPr kumimoji="1" lang="ja-JP" altLang="en-US" dirty="0" smtClean="0"/>
+              <a:t>＋ＳＩＲよりも正確に表現できるＡＢＭ</a:t>
+            </a:r>
+            <a:endParaRPr kumimoji="1" lang="ja-JP" altLang="en-US" dirty="0"/>
           </a:p>
         </p:txBody>
       </p:sp>
@@ -1645,7 +1753,19 @@
           <a:bodyPr/>
           <a:lstStyle/>
           <a:p>
-            <a:endParaRPr kumimoji="1" lang="ja-JP" altLang="en-US"/>
+            <a:r>
+              <a:rPr kumimoji="1" lang="ja-JP" altLang="en-US" dirty="0" smtClean="0"/>
+              <a:t>＋</a:t>
+            </a:r>
+            <a:r>
+              <a:rPr kumimoji="1" lang="en-US" altLang="ja-JP" dirty="0" smtClean="0"/>
+              <a:t>2</a:t>
+            </a:r>
+            <a:r>
+              <a:rPr kumimoji="1" lang="ja-JP" altLang="en-US" dirty="0" smtClean="0"/>
+              <a:t>種類のウイルスが流行した場合に他方の免疫を喪失する場合の実例を調べる。</a:t>
+            </a:r>
+            <a:endParaRPr kumimoji="1" lang="ja-JP" altLang="en-US" dirty="0"/>
           </a:p>
         </p:txBody>
       </p:sp>
@@ -1729,7 +1849,11 @@
           <a:bodyPr/>
           <a:lstStyle/>
           <a:p>
-            <a:endParaRPr kumimoji="1" lang="ja-JP" altLang="en-US"/>
+            <a:r>
+              <a:rPr kumimoji="1" lang="ja-JP" altLang="en-US" dirty="0" smtClean="0"/>
+              <a:t>＋「免疫の喪失」までは、ＳＩＲで表現することができない。</a:t>
+            </a:r>
+            <a:endParaRPr kumimoji="1" lang="ja-JP" altLang="en-US" dirty="0"/>
           </a:p>
         </p:txBody>
       </p:sp>
@@ -1981,7 +2105,11 @@
           <a:bodyPr/>
           <a:lstStyle/>
           <a:p>
-            <a:endParaRPr kumimoji="1" lang="ja-JP" altLang="en-US"/>
+            <a:r>
+              <a:rPr kumimoji="1" lang="ja-JP" altLang="en-US" dirty="0" smtClean="0"/>
+              <a:t>テスト</a:t>
+            </a:r>
+            <a:endParaRPr kumimoji="1" lang="en-US" altLang="ja-JP" dirty="0" smtClean="0"/>
           </a:p>
         </p:txBody>
       </p:sp>
@@ -2011,7 +2139,7 @@
     </p:spTree>
     <p:extLst>
       <p:ext uri="{BB962C8B-B14F-4D97-AF65-F5344CB8AC3E}">
-        <p14:creationId xmlns:p14="http://schemas.microsoft.com/office/powerpoint/2010/main" val="1903063822"/>
+        <p14:creationId xmlns:p14="http://schemas.microsoft.com/office/powerpoint/2010/main" val="171884667"/>
       </p:ext>
     </p:extLst>
   </p:cSld>
@@ -2095,7 +2223,7 @@
     </p:spTree>
     <p:extLst>
       <p:ext uri="{BB962C8B-B14F-4D97-AF65-F5344CB8AC3E}">
-        <p14:creationId xmlns:p14="http://schemas.microsoft.com/office/powerpoint/2010/main" val="2603317105"/>
+        <p14:creationId xmlns:p14="http://schemas.microsoft.com/office/powerpoint/2010/main" val="1903063822"/>
       </p:ext>
     </p:extLst>
   </p:cSld>
@@ -2170,7 +2298,7 @@
           <a:p>
             <a:fld id="{FEFB3154-A281-48F2-8DC9-C99E29F1ECF4}" type="slidenum">
               <a:rPr kumimoji="1" lang="ja-JP" altLang="en-US" smtClean="0"/>
-              <a:t>9</a:t>
+              <a:t>10</a:t>
             </a:fld>
             <a:endParaRPr kumimoji="1" lang="ja-JP" altLang="en-US"/>
           </a:p>
@@ -2179,7 +2307,7 @@
     </p:spTree>
     <p:extLst>
       <p:ext uri="{BB962C8B-B14F-4D97-AF65-F5344CB8AC3E}">
-        <p14:creationId xmlns:p14="http://schemas.microsoft.com/office/powerpoint/2010/main" val="2334585315"/>
+        <p14:creationId xmlns:p14="http://schemas.microsoft.com/office/powerpoint/2010/main" val="2603317105"/>
       </p:ext>
     </p:extLst>
   </p:cSld>
@@ -2370,7 +2498,7 @@
           <a:p>
             <a:fld id="{764389B5-BBD8-4BB5-AA3B-F6D4F6020998}" type="datetimeFigureOut">
               <a:rPr kumimoji="1" lang="ja-JP" altLang="en-US" smtClean="0"/>
-              <a:t>2013/12/28</a:t>
+              <a:t>2014/1/6</a:t>
             </a:fld>
             <a:endParaRPr kumimoji="1" lang="ja-JP" altLang="en-US"/>
           </a:p>
@@ -2572,7 +2700,7 @@
           <a:p>
             <a:fld id="{764389B5-BBD8-4BB5-AA3B-F6D4F6020998}" type="datetimeFigureOut">
               <a:rPr kumimoji="1" lang="ja-JP" altLang="en-US" smtClean="0"/>
-              <a:t>2013/12/28</a:t>
+              <a:t>2014/1/6</a:t>
             </a:fld>
             <a:endParaRPr kumimoji="1" lang="ja-JP" altLang="en-US"/>
           </a:p>
@@ -2784,7 +2912,7 @@
           <a:p>
             <a:fld id="{764389B5-BBD8-4BB5-AA3B-F6D4F6020998}" type="datetimeFigureOut">
               <a:rPr kumimoji="1" lang="ja-JP" altLang="en-US" smtClean="0"/>
-              <a:t>2013/12/28</a:t>
+              <a:t>2014/1/6</a:t>
             </a:fld>
             <a:endParaRPr kumimoji="1" lang="ja-JP" altLang="en-US"/>
           </a:p>
@@ -2986,7 +3114,7 @@
           <a:p>
             <a:fld id="{764389B5-BBD8-4BB5-AA3B-F6D4F6020998}" type="datetimeFigureOut">
               <a:rPr kumimoji="1" lang="ja-JP" altLang="en-US" smtClean="0"/>
-              <a:t>2013/12/28</a:t>
+              <a:t>2014/1/6</a:t>
             </a:fld>
             <a:endParaRPr kumimoji="1" lang="ja-JP" altLang="en-US"/>
           </a:p>
@@ -3232,7 +3360,7 @@
           <a:p>
             <a:fld id="{764389B5-BBD8-4BB5-AA3B-F6D4F6020998}" type="datetimeFigureOut">
               <a:rPr kumimoji="1" lang="ja-JP" altLang="en-US" smtClean="0"/>
-              <a:t>2013/12/28</a:t>
+              <a:t>2014/1/6</a:t>
             </a:fld>
             <a:endParaRPr kumimoji="1" lang="ja-JP" altLang="en-US"/>
           </a:p>
@@ -3584,7 +3712,7 @@
           <a:p>
             <a:fld id="{764389B5-BBD8-4BB5-AA3B-F6D4F6020998}" type="datetimeFigureOut">
               <a:rPr kumimoji="1" lang="ja-JP" altLang="en-US" smtClean="0"/>
-              <a:t>2013/12/28</a:t>
+              <a:t>2014/1/6</a:t>
             </a:fld>
             <a:endParaRPr kumimoji="1" lang="ja-JP" altLang="en-US"/>
           </a:p>
@@ -4070,7 +4198,7 @@
           <a:p>
             <a:fld id="{764389B5-BBD8-4BB5-AA3B-F6D4F6020998}" type="datetimeFigureOut">
               <a:rPr kumimoji="1" lang="ja-JP" altLang="en-US" smtClean="0"/>
-              <a:t>2013/12/28</a:t>
+              <a:t>2014/1/6</a:t>
             </a:fld>
             <a:endParaRPr kumimoji="1" lang="ja-JP" altLang="en-US"/>
           </a:p>
@@ -4188,7 +4316,7 @@
           <a:p>
             <a:fld id="{764389B5-BBD8-4BB5-AA3B-F6D4F6020998}" type="datetimeFigureOut">
               <a:rPr kumimoji="1" lang="ja-JP" altLang="en-US" smtClean="0"/>
-              <a:t>2013/12/28</a:t>
+              <a:t>2014/1/6</a:t>
             </a:fld>
             <a:endParaRPr kumimoji="1" lang="ja-JP" altLang="en-US"/>
           </a:p>
@@ -4283,7 +4411,7 @@
           <a:p>
             <a:fld id="{764389B5-BBD8-4BB5-AA3B-F6D4F6020998}" type="datetimeFigureOut">
               <a:rPr kumimoji="1" lang="ja-JP" altLang="en-US" smtClean="0"/>
-              <a:t>2013/12/28</a:t>
+              <a:t>2014/1/6</a:t>
             </a:fld>
             <a:endParaRPr kumimoji="1" lang="ja-JP" altLang="en-US"/>
           </a:p>
@@ -4592,7 +4720,7 @@
           <a:p>
             <a:fld id="{764389B5-BBD8-4BB5-AA3B-F6D4F6020998}" type="datetimeFigureOut">
               <a:rPr kumimoji="1" lang="ja-JP" altLang="en-US" smtClean="0"/>
-              <a:t>2013/12/28</a:t>
+              <a:t>2014/1/6</a:t>
             </a:fld>
             <a:endParaRPr kumimoji="1" lang="ja-JP" altLang="en-US"/>
           </a:p>
@@ -4845,7 +4973,7 @@
           <a:p>
             <a:fld id="{764389B5-BBD8-4BB5-AA3B-F6D4F6020998}" type="datetimeFigureOut">
               <a:rPr kumimoji="1" lang="ja-JP" altLang="en-US" smtClean="0"/>
-              <a:t>2013/12/28</a:t>
+              <a:t>2014/1/6</a:t>
             </a:fld>
             <a:endParaRPr kumimoji="1" lang="ja-JP" altLang="en-US"/>
           </a:p>
@@ -5090,7 +5218,7 @@
           <a:p>
             <a:fld id="{764389B5-BBD8-4BB5-AA3B-F6D4F6020998}" type="datetimeFigureOut">
               <a:rPr kumimoji="1" lang="ja-JP" altLang="en-US" smtClean="0"/>
-              <a:t>2013/12/28</a:t>
+              <a:t>2014/1/6</a:t>
             </a:fld>
             <a:endParaRPr kumimoji="1" lang="ja-JP" altLang="en-US"/>
           </a:p>
@@ -5484,11 +5612,7 @@
           <a:p>
             <a:r>
               <a:rPr kumimoji="1" lang="ja-JP" altLang="en-US" sz="3600" dirty="0" smtClean="0"/>
-              <a:t>電子タグで表現される免疫</a:t>
-            </a:r>
-            <a:r>
-              <a:rPr kumimoji="1" lang="ja-JP" altLang="en-US" sz="3600" dirty="0" smtClean="0"/>
-              <a:t>機構を持つ</a:t>
+              <a:t>電子タグで表現される免疫機構を持つ</a:t>
             </a:r>
             <a:r>
               <a:rPr kumimoji="1" lang="en-US" altLang="ja-JP" sz="3600" dirty="0" smtClean="0"/>
@@ -5585,7 +5709,7 @@
           <a:p>
             <a:r>
               <a:rPr kumimoji="1" lang="ja-JP" altLang="en-US" dirty="0" smtClean="0"/>
-              <a:t>結論</a:t>
+              <a:t>数値計算結果</a:t>
             </a:r>
             <a:endParaRPr kumimoji="1" lang="ja-JP" altLang="en-US" dirty="0"/>
           </a:p>
@@ -5608,16 +5732,15 @@
           <a:p>
             <a:r>
               <a:rPr kumimoji="1" lang="ja-JP" altLang="en-US" dirty="0" smtClean="0"/>
-              <a:t>２、３行</a:t>
-            </a:r>
-            <a:endParaRPr kumimoji="1" lang="ja-JP" altLang="en-US" dirty="0"/>
+              <a:t>グラフ表示</a:t>
+            </a:r>
           </a:p>
         </p:txBody>
       </p:sp>
     </p:spTree>
     <p:extLst>
       <p:ext uri="{BB962C8B-B14F-4D97-AF65-F5344CB8AC3E}">
-        <p14:creationId xmlns:p14="http://schemas.microsoft.com/office/powerpoint/2010/main" val="3466877443"/>
+        <p14:creationId xmlns:p14="http://schemas.microsoft.com/office/powerpoint/2010/main" val="3483215692"/>
       </p:ext>
     </p:extLst>
   </p:cSld>
@@ -5668,7 +5791,7 @@
           <a:p>
             <a:r>
               <a:rPr kumimoji="1" lang="ja-JP" altLang="en-US" dirty="0" smtClean="0"/>
-              <a:t>今後の研究方針</a:t>
+              <a:t>数値計算結果の分析</a:t>
             </a:r>
             <a:endParaRPr kumimoji="1" lang="ja-JP" altLang="en-US" dirty="0"/>
           </a:p>
@@ -5689,6 +5812,10 @@
           <a:bodyPr/>
           <a:lstStyle/>
           <a:p>
+            <a:r>
+              <a:rPr kumimoji="1" lang="ja-JP" altLang="en-US" dirty="0" smtClean="0"/>
+              <a:t>多くて３、４つ</a:t>
+            </a:r>
             <a:endParaRPr kumimoji="1" lang="ja-JP" altLang="en-US" dirty="0"/>
           </a:p>
         </p:txBody>
@@ -5696,7 +5823,7 @@
     </p:spTree>
     <p:extLst>
       <p:ext uri="{BB962C8B-B14F-4D97-AF65-F5344CB8AC3E}">
-        <p14:creationId xmlns:p14="http://schemas.microsoft.com/office/powerpoint/2010/main" val="4140513809"/>
+        <p14:creationId xmlns:p14="http://schemas.microsoft.com/office/powerpoint/2010/main" val="3736256567"/>
       </p:ext>
     </p:extLst>
   </p:cSld>
@@ -5745,6 +5872,10 @@
           <a:bodyPr/>
           <a:lstStyle/>
           <a:p>
+            <a:r>
+              <a:rPr kumimoji="1" lang="ja-JP" altLang="en-US" dirty="0" smtClean="0"/>
+              <a:t>結論</a:t>
+            </a:r>
             <a:endParaRPr kumimoji="1" lang="ja-JP" altLang="en-US" dirty="0"/>
           </a:p>
         </p:txBody>
@@ -5764,20 +5895,31 @@
           <a:bodyPr/>
           <a:lstStyle/>
           <a:p>
-            <a:endParaRPr kumimoji="1" lang="ja-JP" altLang="en-US"/>
+            <a:r>
+              <a:rPr kumimoji="1" lang="ja-JP" altLang="en-US" dirty="0" smtClean="0"/>
+              <a:t>２、３行</a:t>
+            </a:r>
+            <a:endParaRPr kumimoji="1" lang="ja-JP" altLang="en-US" dirty="0"/>
           </a:p>
         </p:txBody>
       </p:sp>
     </p:spTree>
     <p:extLst>
       <p:ext uri="{BB962C8B-B14F-4D97-AF65-F5344CB8AC3E}">
-        <p14:creationId xmlns:p14="http://schemas.microsoft.com/office/powerpoint/2010/main" val="2262437481"/>
+        <p14:creationId xmlns:p14="http://schemas.microsoft.com/office/powerpoint/2010/main" val="3466877443"/>
       </p:ext>
     </p:extLst>
   </p:cSld>
   <p:clrMapOvr>
     <a:masterClrMapping/>
   </p:clrMapOvr>
+  <p:timing>
+    <p:tnLst>
+      <p:par>
+        <p:cTn id="1" dur="indefinite" restart="never" nodeType="tmRoot"/>
+      </p:par>
+    </p:tnLst>
+  </p:timing>
 </p:sld>
 </file>
 
@@ -5800,12 +5942,35 @@
       </p:grpSpPr>
       <p:sp>
         <p:nvSpPr>
-          <p:cNvPr id="4" name="タイトル 3"/>
+          <p:cNvPr id="2" name="タイトル 1"/>
           <p:cNvSpPr>
             <a:spLocks noGrp="1"/>
           </p:cNvSpPr>
           <p:nvPr>
             <p:ph type="title"/>
+          </p:nvPr>
+        </p:nvSpPr>
+        <p:spPr/>
+        <p:txBody>
+          <a:bodyPr/>
+          <a:lstStyle/>
+          <a:p>
+            <a:r>
+              <a:rPr kumimoji="1" lang="ja-JP" altLang="en-US" dirty="0" smtClean="0"/>
+              <a:t>今後の研究方針</a:t>
+            </a:r>
+            <a:endParaRPr kumimoji="1" lang="ja-JP" altLang="en-US" dirty="0"/>
+          </a:p>
+        </p:txBody>
+      </p:sp>
+      <p:sp>
+        <p:nvSpPr>
+          <p:cNvPr id="3" name="コンテンツ プレースホルダー 2"/>
+          <p:cNvSpPr>
+            <a:spLocks noGrp="1"/>
+          </p:cNvSpPr>
+          <p:nvPr>
+            <p:ph idx="1"/>
           </p:nvPr>
         </p:nvSpPr>
         <p:spPr/>
@@ -5820,13 +5985,20 @@
     </p:spTree>
     <p:extLst>
       <p:ext uri="{BB962C8B-B14F-4D97-AF65-F5344CB8AC3E}">
-        <p14:creationId xmlns:p14="http://schemas.microsoft.com/office/powerpoint/2010/main" val="1059239015"/>
+        <p14:creationId xmlns:p14="http://schemas.microsoft.com/office/powerpoint/2010/main" val="4140513809"/>
       </p:ext>
     </p:extLst>
   </p:cSld>
   <p:clrMapOvr>
     <a:masterClrMapping/>
   </p:clrMapOvr>
+  <p:timing>
+    <p:tnLst>
+      <p:par>
+        <p:cTn id="1" dur="indefinite" restart="never" nodeType="tmRoot"/>
+      </p:par>
+    </p:tnLst>
+  </p:timing>
 </p:sld>
 </file>
 
@@ -5859,15 +6031,9 @@
         </p:nvSpPr>
         <p:spPr/>
         <p:txBody>
-          <a:bodyPr>
-            <a:normAutofit/>
-          </a:bodyPr>
-          <a:lstStyle/>
-          <a:p>
-            <a:r>
-              <a:rPr kumimoji="1" lang="ja-JP" altLang="en-US" dirty="0" smtClean="0"/>
-              <a:t>電子タグによる免疫機構の表現</a:t>
-            </a:r>
+          <a:bodyPr/>
+          <a:lstStyle/>
+          <a:p>
             <a:endParaRPr kumimoji="1" lang="ja-JP" altLang="en-US" dirty="0"/>
           </a:p>
         </p:txBody>
@@ -5894,20 +6060,13 @@
     </p:spTree>
     <p:extLst>
       <p:ext uri="{BB962C8B-B14F-4D97-AF65-F5344CB8AC3E}">
-        <p14:creationId xmlns:p14="http://schemas.microsoft.com/office/powerpoint/2010/main" val="3599667620"/>
+        <p14:creationId xmlns:p14="http://schemas.microsoft.com/office/powerpoint/2010/main" val="2262437481"/>
       </p:ext>
     </p:extLst>
   </p:cSld>
   <p:clrMapOvr>
     <a:masterClrMapping/>
   </p:clrMapOvr>
-  <p:timing>
-    <p:tnLst>
-      <p:par>
-        <p:cTn id="1" dur="indefinite" restart="never" nodeType="tmRoot"/>
-      </p:par>
-    </p:tnLst>
-  </p:timing>
 </p:sld>
 </file>
 
@@ -5930,7 +6089,7 @@
       </p:grpSpPr>
       <p:sp>
         <p:nvSpPr>
-          <p:cNvPr id="2" name="タイトル 1"/>
+          <p:cNvPr id="4" name="タイトル 3"/>
           <p:cNvSpPr>
             <a:spLocks noGrp="1"/>
           </p:cNvSpPr>
@@ -5940,55 +6099,23 @@
         </p:nvSpPr>
         <p:spPr/>
         <p:txBody>
-          <a:bodyPr>
-            <a:normAutofit fontScale="90000"/>
-          </a:bodyPr>
-          <a:lstStyle/>
-          <a:p>
-            <a:r>
-              <a:rPr kumimoji="1" lang="ja-JP" altLang="en-US" dirty="0" smtClean="0"/>
-              <a:t>電子タグを用いた免疫機構の表現の妥当性</a:t>
-            </a:r>
+          <a:bodyPr/>
+          <a:lstStyle/>
+          <a:p>
             <a:endParaRPr kumimoji="1" lang="ja-JP" altLang="en-US" dirty="0"/>
-          </a:p>
-        </p:txBody>
-      </p:sp>
-      <p:sp>
-        <p:nvSpPr>
-          <p:cNvPr id="3" name="コンテンツ プレースホルダー 2"/>
-          <p:cNvSpPr>
-            <a:spLocks noGrp="1"/>
-          </p:cNvSpPr>
-          <p:nvPr>
-            <p:ph idx="1"/>
-          </p:nvPr>
-        </p:nvSpPr>
-        <p:spPr/>
-        <p:txBody>
-          <a:bodyPr/>
-          <a:lstStyle/>
-          <a:p>
-            <a:endParaRPr kumimoji="1" lang="ja-JP" altLang="en-US"/>
           </a:p>
         </p:txBody>
       </p:sp>
     </p:spTree>
     <p:extLst>
       <p:ext uri="{BB962C8B-B14F-4D97-AF65-F5344CB8AC3E}">
-        <p14:creationId xmlns:p14="http://schemas.microsoft.com/office/powerpoint/2010/main" val="296766167"/>
+        <p14:creationId xmlns:p14="http://schemas.microsoft.com/office/powerpoint/2010/main" val="1059239015"/>
       </p:ext>
     </p:extLst>
   </p:cSld>
   <p:clrMapOvr>
     <a:masterClrMapping/>
   </p:clrMapOvr>
-  <p:timing>
-    <p:tnLst>
-      <p:par>
-        <p:cTn id="1" dur="indefinite" restart="never" nodeType="tmRoot"/>
-      </p:par>
-    </p:tnLst>
-  </p:timing>
 </p:sld>
 </file>
 
@@ -6021,12 +6148,14 @@
         </p:nvSpPr>
         <p:spPr/>
         <p:txBody>
-          <a:bodyPr/>
+          <a:bodyPr>
+            <a:normAutofit/>
+          </a:bodyPr>
           <a:lstStyle/>
           <a:p>
             <a:r>
               <a:rPr kumimoji="1" lang="ja-JP" altLang="en-US" dirty="0" smtClean="0"/>
-              <a:t>延長された表現型とは</a:t>
+              <a:t>電子タグによる免疫機構の表現</a:t>
             </a:r>
             <a:endParaRPr kumimoji="1" lang="ja-JP" altLang="en-US" dirty="0"/>
           </a:p>
@@ -6047,17 +6176,14 @@
           <a:bodyPr/>
           <a:lstStyle/>
           <a:p>
-            <a:pPr marL="0" indent="0">
-              <a:buNone/>
-            </a:pPr>
-            <a:endParaRPr kumimoji="1" lang="ja-JP" altLang="en-US" dirty="0"/>
+            <a:endParaRPr kumimoji="1" lang="ja-JP" altLang="en-US"/>
           </a:p>
         </p:txBody>
       </p:sp>
     </p:spTree>
     <p:extLst>
       <p:ext uri="{BB962C8B-B14F-4D97-AF65-F5344CB8AC3E}">
-        <p14:creationId xmlns:p14="http://schemas.microsoft.com/office/powerpoint/2010/main" val="3461091930"/>
+        <p14:creationId xmlns:p14="http://schemas.microsoft.com/office/powerpoint/2010/main" val="3599667620"/>
       </p:ext>
     </p:extLst>
   </p:cSld>
@@ -6093,41 +6219,24 @@
       </p:grpSpPr>
       <p:sp>
         <p:nvSpPr>
-          <p:cNvPr id="2" name="フローチャート : 代替処理 1"/>
-          <p:cNvSpPr/>
-          <p:nvPr/>
-        </p:nvSpPr>
-        <p:spPr>
-          <a:xfrm>
-            <a:off x="323528" y="260648"/>
-            <a:ext cx="1656184" cy="432048"/>
-          </a:xfrm>
-          <a:prstGeom prst="flowChartAlternateProcess">
-            <a:avLst/>
-          </a:prstGeom>
-        </p:spPr>
-        <p:style>
-          <a:lnRef idx="2">
-            <a:schemeClr val="accent1"/>
-          </a:lnRef>
-          <a:fillRef idx="1">
-            <a:schemeClr val="lt1"/>
-          </a:fillRef>
-          <a:effectRef idx="0">
-            <a:schemeClr val="accent1"/>
-          </a:effectRef>
-          <a:fontRef idx="minor">
-            <a:schemeClr val="dk1"/>
-          </a:fontRef>
-        </p:style>
-        <p:txBody>
-          <a:bodyPr rtlCol="0" anchor="ctr"/>
-          <a:lstStyle/>
-          <a:p>
-            <a:pPr algn="ctr"/>
+          <p:cNvPr id="2" name="タイトル 1"/>
+          <p:cNvSpPr>
+            <a:spLocks noGrp="1"/>
+          </p:cNvSpPr>
+          <p:nvPr>
+            <p:ph type="title"/>
+          </p:nvPr>
+        </p:nvSpPr>
+        <p:spPr/>
+        <p:txBody>
+          <a:bodyPr>
+            <a:normAutofit fontScale="90000"/>
+          </a:bodyPr>
+          <a:lstStyle/>
+          <a:p>
             <a:r>
               <a:rPr kumimoji="1" lang="ja-JP" altLang="en-US" dirty="0" smtClean="0"/>
-              <a:t>個体の行動</a:t>
+              <a:t>電子タグを用いた免疫機構の表現の妥当性</a:t>
             </a:r>
             <a:endParaRPr kumimoji="1" lang="ja-JP" altLang="en-US" dirty="0"/>
           </a:p>
@@ -6135,302 +6244,27 @@
       </p:sp>
       <p:sp>
         <p:nvSpPr>
-          <p:cNvPr id="3" name="フローチャート : 代替処理 2"/>
-          <p:cNvSpPr/>
-          <p:nvPr/>
-        </p:nvSpPr>
-        <p:spPr>
-          <a:xfrm>
-            <a:off x="5906616" y="4345568"/>
-            <a:ext cx="914400" cy="612648"/>
-          </a:xfrm>
-          <a:prstGeom prst="flowChartAlternateProcess">
-            <a:avLst/>
-          </a:prstGeom>
-        </p:spPr>
-        <p:style>
-          <a:lnRef idx="2">
-            <a:schemeClr val="accent1"/>
-          </a:lnRef>
-          <a:fillRef idx="1">
-            <a:schemeClr val="lt1"/>
-          </a:fillRef>
-          <a:effectRef idx="0">
-            <a:schemeClr val="accent1"/>
-          </a:effectRef>
-          <a:fontRef idx="minor">
-            <a:schemeClr val="dk1"/>
-          </a:fontRef>
-        </p:style>
-        <p:txBody>
-          <a:bodyPr rtlCol="0" anchor="ctr"/>
-          <a:lstStyle/>
-          <a:p>
-            <a:pPr algn="ctr"/>
-            <a:endParaRPr kumimoji="1" lang="ja-JP" altLang="en-US"/>
-          </a:p>
-        </p:txBody>
-      </p:sp>
-      <p:sp>
-        <p:nvSpPr>
-          <p:cNvPr id="4" name="フローチャート : 端子 3"/>
-          <p:cNvSpPr/>
-          <p:nvPr/>
-        </p:nvSpPr>
-        <p:spPr>
-          <a:xfrm>
-            <a:off x="323528" y="1700808"/>
-            <a:ext cx="914400" cy="301752"/>
-          </a:xfrm>
-          <a:prstGeom prst="flowChartTerminator">
-            <a:avLst/>
-          </a:prstGeom>
-        </p:spPr>
-        <p:style>
-          <a:lnRef idx="2">
-            <a:schemeClr val="accent1"/>
-          </a:lnRef>
-          <a:fillRef idx="1">
-            <a:schemeClr val="lt1"/>
-          </a:fillRef>
-          <a:effectRef idx="0">
-            <a:schemeClr val="accent1"/>
-          </a:effectRef>
-          <a:fontRef idx="minor">
-            <a:schemeClr val="dk1"/>
-          </a:fontRef>
-        </p:style>
-        <p:txBody>
-          <a:bodyPr rtlCol="0" anchor="ctr"/>
-          <a:lstStyle/>
-          <a:p>
-            <a:pPr algn="ctr"/>
-            <a:r>
-              <a:rPr kumimoji="1" lang="ja-JP" altLang="en-US" dirty="0" smtClean="0"/>
-              <a:t>開始</a:t>
-            </a:r>
-            <a:endParaRPr kumimoji="1" lang="ja-JP" altLang="en-US" dirty="0"/>
-          </a:p>
-        </p:txBody>
-      </p:sp>
-      <p:sp>
-        <p:nvSpPr>
-          <p:cNvPr id="5" name="フローチャート : 端子 4"/>
-          <p:cNvSpPr/>
-          <p:nvPr/>
-        </p:nvSpPr>
-        <p:spPr>
-          <a:xfrm>
-            <a:off x="5906616" y="6165304"/>
-            <a:ext cx="914400" cy="301752"/>
-          </a:xfrm>
-          <a:prstGeom prst="flowChartTerminator">
-            <a:avLst/>
-          </a:prstGeom>
-        </p:spPr>
-        <p:style>
-          <a:lnRef idx="2">
-            <a:schemeClr val="accent1"/>
-          </a:lnRef>
-          <a:fillRef idx="1">
-            <a:schemeClr val="lt1"/>
-          </a:fillRef>
-          <a:effectRef idx="0">
-            <a:schemeClr val="accent1"/>
-          </a:effectRef>
-          <a:fontRef idx="minor">
-            <a:schemeClr val="dk1"/>
-          </a:fontRef>
-        </p:style>
-        <p:txBody>
-          <a:bodyPr rtlCol="0" anchor="ctr"/>
-          <a:lstStyle/>
-          <a:p>
-            <a:pPr algn="ctr"/>
-            <a:r>
-              <a:rPr kumimoji="1" lang="ja-JP" altLang="en-US" dirty="0" smtClean="0"/>
-              <a:t>終了</a:t>
-            </a:r>
-            <a:endParaRPr kumimoji="1" lang="ja-JP" altLang="en-US" dirty="0"/>
-          </a:p>
-        </p:txBody>
-      </p:sp>
-      <p:sp>
-        <p:nvSpPr>
-          <p:cNvPr id="6" name="フローチャート : 代替処理 5"/>
-          <p:cNvSpPr/>
-          <p:nvPr/>
-        </p:nvSpPr>
-        <p:spPr>
-          <a:xfrm>
-            <a:off x="323528" y="4149080"/>
-            <a:ext cx="3646496" cy="1235436"/>
-          </a:xfrm>
-          <a:prstGeom prst="flowChartAlternateProcess">
-            <a:avLst/>
-          </a:prstGeom>
-        </p:spPr>
-        <p:style>
-          <a:lnRef idx="2">
-            <a:schemeClr val="accent1"/>
-          </a:lnRef>
-          <a:fillRef idx="1">
-            <a:schemeClr val="lt1"/>
-          </a:fillRef>
-          <a:effectRef idx="0">
-            <a:schemeClr val="accent1"/>
-          </a:effectRef>
-          <a:fontRef idx="minor">
-            <a:schemeClr val="dk1"/>
-          </a:fontRef>
-        </p:style>
-        <p:txBody>
-          <a:bodyPr rtlCol="0" anchor="ctr"/>
-          <a:lstStyle/>
-          <a:p>
-            <a:pPr algn="ctr"/>
-            <a:r>
-              <a:rPr kumimoji="1" lang="ja-JP" altLang="en-US" dirty="0" smtClean="0"/>
-              <a:t>近隣の他個体それぞれに対して、保持ウイルスの中からランダムで１つ選び、待機ウイルスに加える</a:t>
-            </a:r>
-            <a:endParaRPr kumimoji="1" lang="ja-JP" altLang="en-US" dirty="0"/>
-          </a:p>
-        </p:txBody>
-      </p:sp>
-      <p:sp>
-        <p:nvSpPr>
-          <p:cNvPr id="7" name="フローチャート : 代替処理 6"/>
-          <p:cNvSpPr/>
-          <p:nvPr/>
-        </p:nvSpPr>
-        <p:spPr>
-          <a:xfrm>
-            <a:off x="5906616" y="5236664"/>
-            <a:ext cx="914400" cy="612648"/>
-          </a:xfrm>
-          <a:prstGeom prst="flowChartAlternateProcess">
-            <a:avLst/>
-          </a:prstGeom>
-        </p:spPr>
-        <p:style>
-          <a:lnRef idx="2">
-            <a:schemeClr val="accent1"/>
-          </a:lnRef>
-          <a:fillRef idx="1">
-            <a:schemeClr val="lt1"/>
-          </a:fillRef>
-          <a:effectRef idx="0">
-            <a:schemeClr val="accent1"/>
-          </a:effectRef>
-          <a:fontRef idx="minor">
-            <a:schemeClr val="dk1"/>
-          </a:fontRef>
-        </p:style>
-        <p:txBody>
-          <a:bodyPr rtlCol="0" anchor="ctr"/>
-          <a:lstStyle/>
-          <a:p>
-            <a:pPr algn="ctr"/>
-            <a:endParaRPr kumimoji="1" lang="ja-JP" altLang="en-US"/>
-          </a:p>
-        </p:txBody>
-      </p:sp>
-      <p:sp>
-        <p:nvSpPr>
-          <p:cNvPr id="8" name="フローチャート : 代替処理 7"/>
-          <p:cNvSpPr/>
-          <p:nvPr/>
-        </p:nvSpPr>
-        <p:spPr>
-          <a:xfrm>
-            <a:off x="323528" y="3068960"/>
-            <a:ext cx="2376264" cy="792088"/>
-          </a:xfrm>
-          <a:prstGeom prst="flowChartAlternateProcess">
-            <a:avLst/>
-          </a:prstGeom>
-        </p:spPr>
-        <p:style>
-          <a:lnRef idx="2">
-            <a:schemeClr val="accent1"/>
-          </a:lnRef>
-          <a:fillRef idx="1">
-            <a:schemeClr val="lt1"/>
-          </a:fillRef>
-          <a:effectRef idx="0">
-            <a:schemeClr val="accent1"/>
-          </a:effectRef>
-          <a:fontRef idx="minor">
-            <a:schemeClr val="dk1"/>
-          </a:fontRef>
-        </p:style>
-        <p:txBody>
-          <a:bodyPr rtlCol="0" anchor="ctr"/>
-          <a:lstStyle/>
-          <a:p>
-            <a:pPr algn="ctr"/>
-            <a:r>
-              <a:rPr lang="ja-JP" altLang="en-US" dirty="0" smtClean="0"/>
-              <a:t>ランダムに</a:t>
-            </a:r>
-            <a:endParaRPr lang="en-US" altLang="ja-JP" dirty="0" smtClean="0"/>
-          </a:p>
-          <a:p>
-            <a:pPr algn="ctr"/>
-            <a:r>
-              <a:rPr lang="ja-JP" altLang="en-US" dirty="0" smtClean="0"/>
-              <a:t>土地に配置される</a:t>
-            </a:r>
-            <a:endParaRPr kumimoji="1" lang="ja-JP" altLang="en-US" dirty="0"/>
-          </a:p>
-        </p:txBody>
-      </p:sp>
-      <p:sp>
-        <p:nvSpPr>
-          <p:cNvPr id="9" name="フローチャート : 代替処理 8"/>
-          <p:cNvSpPr/>
-          <p:nvPr/>
-        </p:nvSpPr>
-        <p:spPr>
-          <a:xfrm>
-            <a:off x="323528" y="2209588"/>
-            <a:ext cx="1512168" cy="612648"/>
-          </a:xfrm>
-          <a:prstGeom prst="flowChartAlternateProcess">
-            <a:avLst/>
-          </a:prstGeom>
-        </p:spPr>
-        <p:style>
-          <a:lnRef idx="2">
-            <a:schemeClr val="accent1"/>
-          </a:lnRef>
-          <a:fillRef idx="1">
-            <a:schemeClr val="lt1"/>
-          </a:fillRef>
-          <a:effectRef idx="0">
-            <a:schemeClr val="accent1"/>
-          </a:effectRef>
-          <a:fontRef idx="minor">
-            <a:schemeClr val="dk1"/>
-          </a:fontRef>
-        </p:style>
-        <p:txBody>
-          <a:bodyPr rtlCol="0" anchor="ctr"/>
-          <a:lstStyle/>
-          <a:p>
-            <a:pPr algn="ctr"/>
-            <a:r>
-              <a:rPr kumimoji="1" lang="ja-JP" altLang="en-US" dirty="0" smtClean="0"/>
-              <a:t>初期感染</a:t>
-            </a:r>
-            <a:endParaRPr kumimoji="1" lang="ja-JP" altLang="en-US" dirty="0"/>
+          <p:cNvPr id="3" name="コンテンツ プレースホルダー 2"/>
+          <p:cNvSpPr>
+            <a:spLocks noGrp="1"/>
+          </p:cNvSpPr>
+          <p:nvPr>
+            <p:ph idx="1"/>
+          </p:nvPr>
+        </p:nvSpPr>
+        <p:spPr/>
+        <p:txBody>
+          <a:bodyPr/>
+          <a:lstStyle/>
+          <a:p>
+            <a:endParaRPr kumimoji="1" lang="ja-JP" altLang="en-US"/>
           </a:p>
         </p:txBody>
       </p:sp>
     </p:spTree>
     <p:extLst>
       <p:ext uri="{BB962C8B-B14F-4D97-AF65-F5344CB8AC3E}">
-        <p14:creationId xmlns:p14="http://schemas.microsoft.com/office/powerpoint/2010/main" val="1149217472"/>
+        <p14:creationId xmlns:p14="http://schemas.microsoft.com/office/powerpoint/2010/main" val="296766167"/>
       </p:ext>
     </p:extLst>
   </p:cSld>
@@ -6481,7 +6315,7 @@
           <a:p>
             <a:r>
               <a:rPr kumimoji="1" lang="ja-JP" altLang="en-US" dirty="0" smtClean="0"/>
-              <a:t>パラメータ集合の分類</a:t>
+              <a:t>延長された表現型とは</a:t>
             </a:r>
             <a:endParaRPr kumimoji="1" lang="ja-JP" altLang="en-US" dirty="0"/>
           </a:p>
@@ -6502,10 +6336,9 @@
           <a:bodyPr/>
           <a:lstStyle/>
           <a:p>
-            <a:r>
-              <a:rPr kumimoji="1" lang="ja-JP" altLang="en-US" dirty="0" smtClean="0"/>
-              <a:t>８つ</a:t>
-            </a:r>
+            <a:pPr marL="0" indent="0">
+              <a:buNone/>
+            </a:pPr>
             <a:endParaRPr kumimoji="1" lang="ja-JP" altLang="en-US" dirty="0"/>
           </a:p>
         </p:txBody>
@@ -6513,7 +6346,380 @@
     </p:spTree>
     <p:extLst>
       <p:ext uri="{BB962C8B-B14F-4D97-AF65-F5344CB8AC3E}">
-        <p14:creationId xmlns:p14="http://schemas.microsoft.com/office/powerpoint/2010/main" val="3741923519"/>
+        <p14:creationId xmlns:p14="http://schemas.microsoft.com/office/powerpoint/2010/main" val="3461091930"/>
+      </p:ext>
+    </p:extLst>
+  </p:cSld>
+  <p:clrMapOvr>
+    <a:masterClrMapping/>
+  </p:clrMapOvr>
+  <p:timing>
+    <p:tnLst>
+      <p:par>
+        <p:cTn id="1" dur="indefinite" restart="never" nodeType="tmRoot"/>
+      </p:par>
+    </p:tnLst>
+  </p:timing>
+</p:sld>
+</file>
+
+<file path=ppt/slides/slide19.xml><?xml version="1.0" encoding="utf-8"?>
+<p:sld xmlns:a="http://schemas.openxmlformats.org/drawingml/2006/main" xmlns:r="http://schemas.openxmlformats.org/officeDocument/2006/relationships" xmlns:p="http://schemas.openxmlformats.org/presentationml/2006/main">
+  <p:cSld>
+    <p:spTree>
+      <p:nvGrpSpPr>
+        <p:cNvPr id="1" name=""/>
+        <p:cNvGrpSpPr/>
+        <p:nvPr/>
+      </p:nvGrpSpPr>
+      <p:grpSpPr>
+        <a:xfrm>
+          <a:off x="0" y="0"/>
+          <a:ext cx="0" cy="0"/>
+          <a:chOff x="0" y="0"/>
+          <a:chExt cx="0" cy="0"/>
+        </a:xfrm>
+      </p:grpSpPr>
+      <p:sp>
+        <p:nvSpPr>
+          <p:cNvPr id="2" name="フローチャート : 代替処理 1"/>
+          <p:cNvSpPr/>
+          <p:nvPr/>
+        </p:nvSpPr>
+        <p:spPr>
+          <a:xfrm>
+            <a:off x="323528" y="260648"/>
+            <a:ext cx="1656184" cy="432048"/>
+          </a:xfrm>
+          <a:prstGeom prst="flowChartAlternateProcess">
+            <a:avLst/>
+          </a:prstGeom>
+        </p:spPr>
+        <p:style>
+          <a:lnRef idx="2">
+            <a:schemeClr val="accent1"/>
+          </a:lnRef>
+          <a:fillRef idx="1">
+            <a:schemeClr val="lt1"/>
+          </a:fillRef>
+          <a:effectRef idx="0">
+            <a:schemeClr val="accent1"/>
+          </a:effectRef>
+          <a:fontRef idx="minor">
+            <a:schemeClr val="dk1"/>
+          </a:fontRef>
+        </p:style>
+        <p:txBody>
+          <a:bodyPr rtlCol="0" anchor="ctr"/>
+          <a:lstStyle/>
+          <a:p>
+            <a:pPr algn="ctr"/>
+            <a:r>
+              <a:rPr kumimoji="1" lang="ja-JP" altLang="en-US" dirty="0" smtClean="0"/>
+              <a:t>個体の行動</a:t>
+            </a:r>
+            <a:endParaRPr kumimoji="1" lang="ja-JP" altLang="en-US" dirty="0"/>
+          </a:p>
+        </p:txBody>
+      </p:sp>
+      <p:sp>
+        <p:nvSpPr>
+          <p:cNvPr id="3" name="フローチャート : 代替処理 2"/>
+          <p:cNvSpPr/>
+          <p:nvPr/>
+        </p:nvSpPr>
+        <p:spPr>
+          <a:xfrm>
+            <a:off x="5906616" y="4345568"/>
+            <a:ext cx="914400" cy="612648"/>
+          </a:xfrm>
+          <a:prstGeom prst="flowChartAlternateProcess">
+            <a:avLst/>
+          </a:prstGeom>
+        </p:spPr>
+        <p:style>
+          <a:lnRef idx="2">
+            <a:schemeClr val="accent1"/>
+          </a:lnRef>
+          <a:fillRef idx="1">
+            <a:schemeClr val="lt1"/>
+          </a:fillRef>
+          <a:effectRef idx="0">
+            <a:schemeClr val="accent1"/>
+          </a:effectRef>
+          <a:fontRef idx="minor">
+            <a:schemeClr val="dk1"/>
+          </a:fontRef>
+        </p:style>
+        <p:txBody>
+          <a:bodyPr rtlCol="0" anchor="ctr"/>
+          <a:lstStyle/>
+          <a:p>
+            <a:pPr algn="ctr"/>
+            <a:endParaRPr kumimoji="1" lang="ja-JP" altLang="en-US"/>
+          </a:p>
+        </p:txBody>
+      </p:sp>
+      <p:sp>
+        <p:nvSpPr>
+          <p:cNvPr id="4" name="フローチャート : 端子 3"/>
+          <p:cNvSpPr/>
+          <p:nvPr/>
+        </p:nvSpPr>
+        <p:spPr>
+          <a:xfrm>
+            <a:off x="323528" y="1700808"/>
+            <a:ext cx="914400" cy="301752"/>
+          </a:xfrm>
+          <a:prstGeom prst="flowChartTerminator">
+            <a:avLst/>
+          </a:prstGeom>
+        </p:spPr>
+        <p:style>
+          <a:lnRef idx="2">
+            <a:schemeClr val="accent1"/>
+          </a:lnRef>
+          <a:fillRef idx="1">
+            <a:schemeClr val="lt1"/>
+          </a:fillRef>
+          <a:effectRef idx="0">
+            <a:schemeClr val="accent1"/>
+          </a:effectRef>
+          <a:fontRef idx="minor">
+            <a:schemeClr val="dk1"/>
+          </a:fontRef>
+        </p:style>
+        <p:txBody>
+          <a:bodyPr rtlCol="0" anchor="ctr"/>
+          <a:lstStyle/>
+          <a:p>
+            <a:pPr algn="ctr"/>
+            <a:r>
+              <a:rPr kumimoji="1" lang="ja-JP" altLang="en-US" dirty="0" smtClean="0"/>
+              <a:t>開始</a:t>
+            </a:r>
+            <a:endParaRPr kumimoji="1" lang="ja-JP" altLang="en-US" dirty="0"/>
+          </a:p>
+        </p:txBody>
+      </p:sp>
+      <p:sp>
+        <p:nvSpPr>
+          <p:cNvPr id="5" name="フローチャート : 端子 4"/>
+          <p:cNvSpPr/>
+          <p:nvPr/>
+        </p:nvSpPr>
+        <p:spPr>
+          <a:xfrm>
+            <a:off x="5906616" y="6165304"/>
+            <a:ext cx="914400" cy="301752"/>
+          </a:xfrm>
+          <a:prstGeom prst="flowChartTerminator">
+            <a:avLst/>
+          </a:prstGeom>
+        </p:spPr>
+        <p:style>
+          <a:lnRef idx="2">
+            <a:schemeClr val="accent1"/>
+          </a:lnRef>
+          <a:fillRef idx="1">
+            <a:schemeClr val="lt1"/>
+          </a:fillRef>
+          <a:effectRef idx="0">
+            <a:schemeClr val="accent1"/>
+          </a:effectRef>
+          <a:fontRef idx="minor">
+            <a:schemeClr val="dk1"/>
+          </a:fontRef>
+        </p:style>
+        <p:txBody>
+          <a:bodyPr rtlCol="0" anchor="ctr"/>
+          <a:lstStyle/>
+          <a:p>
+            <a:pPr algn="ctr"/>
+            <a:r>
+              <a:rPr kumimoji="1" lang="ja-JP" altLang="en-US" dirty="0" smtClean="0"/>
+              <a:t>終了</a:t>
+            </a:r>
+            <a:endParaRPr kumimoji="1" lang="ja-JP" altLang="en-US" dirty="0"/>
+          </a:p>
+        </p:txBody>
+      </p:sp>
+      <p:sp>
+        <p:nvSpPr>
+          <p:cNvPr id="6" name="フローチャート : 代替処理 5"/>
+          <p:cNvSpPr/>
+          <p:nvPr/>
+        </p:nvSpPr>
+        <p:spPr>
+          <a:xfrm>
+            <a:off x="323528" y="4149080"/>
+            <a:ext cx="3646496" cy="1235436"/>
+          </a:xfrm>
+          <a:prstGeom prst="flowChartAlternateProcess">
+            <a:avLst/>
+          </a:prstGeom>
+        </p:spPr>
+        <p:style>
+          <a:lnRef idx="2">
+            <a:schemeClr val="accent1"/>
+          </a:lnRef>
+          <a:fillRef idx="1">
+            <a:schemeClr val="lt1"/>
+          </a:fillRef>
+          <a:effectRef idx="0">
+            <a:schemeClr val="accent1"/>
+          </a:effectRef>
+          <a:fontRef idx="minor">
+            <a:schemeClr val="dk1"/>
+          </a:fontRef>
+        </p:style>
+        <p:txBody>
+          <a:bodyPr rtlCol="0" anchor="ctr"/>
+          <a:lstStyle/>
+          <a:p>
+            <a:pPr algn="ctr"/>
+            <a:r>
+              <a:rPr kumimoji="1" lang="ja-JP" altLang="en-US" dirty="0" smtClean="0"/>
+              <a:t>近隣の他個体それぞれに対して、保持ウイルスの中からランダムで１つ選び、待機ウイルスに加える</a:t>
+            </a:r>
+            <a:endParaRPr kumimoji="1" lang="ja-JP" altLang="en-US" dirty="0"/>
+          </a:p>
+        </p:txBody>
+      </p:sp>
+      <p:sp>
+        <p:nvSpPr>
+          <p:cNvPr id="7" name="フローチャート : 代替処理 6"/>
+          <p:cNvSpPr/>
+          <p:nvPr/>
+        </p:nvSpPr>
+        <p:spPr>
+          <a:xfrm>
+            <a:off x="5906616" y="5236664"/>
+            <a:ext cx="914400" cy="612648"/>
+          </a:xfrm>
+          <a:prstGeom prst="flowChartAlternateProcess">
+            <a:avLst/>
+          </a:prstGeom>
+        </p:spPr>
+        <p:style>
+          <a:lnRef idx="2">
+            <a:schemeClr val="accent1"/>
+          </a:lnRef>
+          <a:fillRef idx="1">
+            <a:schemeClr val="lt1"/>
+          </a:fillRef>
+          <a:effectRef idx="0">
+            <a:schemeClr val="accent1"/>
+          </a:effectRef>
+          <a:fontRef idx="minor">
+            <a:schemeClr val="dk1"/>
+          </a:fontRef>
+        </p:style>
+        <p:txBody>
+          <a:bodyPr rtlCol="0" anchor="ctr"/>
+          <a:lstStyle/>
+          <a:p>
+            <a:pPr algn="ctr"/>
+            <a:endParaRPr kumimoji="1" lang="ja-JP" altLang="en-US"/>
+          </a:p>
+        </p:txBody>
+      </p:sp>
+      <p:sp>
+        <p:nvSpPr>
+          <p:cNvPr id="8" name="フローチャート : 代替処理 7"/>
+          <p:cNvSpPr/>
+          <p:nvPr/>
+        </p:nvSpPr>
+        <p:spPr>
+          <a:xfrm>
+            <a:off x="323528" y="3068960"/>
+            <a:ext cx="2376264" cy="792088"/>
+          </a:xfrm>
+          <a:prstGeom prst="flowChartAlternateProcess">
+            <a:avLst/>
+          </a:prstGeom>
+        </p:spPr>
+        <p:style>
+          <a:lnRef idx="2">
+            <a:schemeClr val="accent1"/>
+          </a:lnRef>
+          <a:fillRef idx="1">
+            <a:schemeClr val="lt1"/>
+          </a:fillRef>
+          <a:effectRef idx="0">
+            <a:schemeClr val="accent1"/>
+          </a:effectRef>
+          <a:fontRef idx="minor">
+            <a:schemeClr val="dk1"/>
+          </a:fontRef>
+        </p:style>
+        <p:txBody>
+          <a:bodyPr rtlCol="0" anchor="ctr"/>
+          <a:lstStyle/>
+          <a:p>
+            <a:pPr algn="ctr"/>
+            <a:r>
+              <a:rPr lang="ja-JP" altLang="en-US" dirty="0" smtClean="0"/>
+              <a:t>ランダムに</a:t>
+            </a:r>
+            <a:endParaRPr lang="en-US" altLang="ja-JP" dirty="0" smtClean="0"/>
+          </a:p>
+          <a:p>
+            <a:pPr algn="ctr"/>
+            <a:r>
+              <a:rPr lang="ja-JP" altLang="en-US" dirty="0" smtClean="0"/>
+              <a:t>土地に配置される</a:t>
+            </a:r>
+            <a:endParaRPr kumimoji="1" lang="ja-JP" altLang="en-US" dirty="0"/>
+          </a:p>
+        </p:txBody>
+      </p:sp>
+      <p:sp>
+        <p:nvSpPr>
+          <p:cNvPr id="9" name="フローチャート : 代替処理 8"/>
+          <p:cNvSpPr/>
+          <p:nvPr/>
+        </p:nvSpPr>
+        <p:spPr>
+          <a:xfrm>
+            <a:off x="323528" y="2209588"/>
+            <a:ext cx="1512168" cy="612648"/>
+          </a:xfrm>
+          <a:prstGeom prst="flowChartAlternateProcess">
+            <a:avLst/>
+          </a:prstGeom>
+        </p:spPr>
+        <p:style>
+          <a:lnRef idx="2">
+            <a:schemeClr val="accent1"/>
+          </a:lnRef>
+          <a:fillRef idx="1">
+            <a:schemeClr val="lt1"/>
+          </a:fillRef>
+          <a:effectRef idx="0">
+            <a:schemeClr val="accent1"/>
+          </a:effectRef>
+          <a:fontRef idx="minor">
+            <a:schemeClr val="dk1"/>
+          </a:fontRef>
+        </p:style>
+        <p:txBody>
+          <a:bodyPr rtlCol="0" anchor="ctr"/>
+          <a:lstStyle/>
+          <a:p>
+            <a:pPr algn="ctr"/>
+            <a:r>
+              <a:rPr kumimoji="1" lang="ja-JP" altLang="en-US" dirty="0" smtClean="0"/>
+              <a:t>初期感染</a:t>
+            </a:r>
+            <a:endParaRPr kumimoji="1" lang="ja-JP" altLang="en-US" dirty="0"/>
+          </a:p>
+        </p:txBody>
+      </p:sp>
+    </p:spTree>
+    <p:extLst>
+      <p:ext uri="{BB962C8B-B14F-4D97-AF65-F5344CB8AC3E}">
+        <p14:creationId xmlns:p14="http://schemas.microsoft.com/office/powerpoint/2010/main" val="1149217472"/>
       </p:ext>
     </p:extLst>
   </p:cSld>
@@ -6587,7 +6793,26 @@
           <a:p>
             <a:r>
               <a:rPr kumimoji="1" lang="ja-JP" altLang="en-US" dirty="0" smtClean="0"/>
-              <a:t>電子タグの照合により感染・免疫・病原体駆除を電子タグを用いて表現することにより、伝染病の感染拡大現象を微分方程式を用いたＳＩＲモデルよりも正確に表現できるＡＢＭを構築する。</a:t>
+              <a:t>電子タグの照合により感染・免疫・病原体駆除を電子タグを用いて表現</a:t>
+            </a:r>
+            <a:r>
+              <a:rPr kumimoji="1" lang="ja-JP" altLang="en-US" dirty="0" smtClean="0"/>
+              <a:t>する</a:t>
+            </a:r>
+            <a:endParaRPr kumimoji="1" lang="en-US" altLang="ja-JP" dirty="0" smtClean="0"/>
+          </a:p>
+          <a:p>
+            <a:r>
+              <a:rPr lang="ja-JP" altLang="en-US" dirty="0"/>
+              <a:t>これ</a:t>
+            </a:r>
+            <a:r>
+              <a:rPr kumimoji="1" lang="ja-JP" altLang="en-US" dirty="0" smtClean="0"/>
+              <a:t>に</a:t>
+            </a:r>
+            <a:r>
+              <a:rPr kumimoji="1" lang="ja-JP" altLang="en-US" dirty="0" smtClean="0"/>
+              <a:t>より、伝染病の感染拡大現象を微分方程式を用いたＳＩＲモデルよりも正確に表現できるＡＢＭを構築する。</a:t>
             </a:r>
             <a:endParaRPr kumimoji="1" lang="ja-JP" altLang="en-US" dirty="0"/>
           </a:p>
@@ -6603,6 +6828,89 @@
   <p:clrMapOvr>
     <a:masterClrMapping/>
   </p:clrMapOvr>
+</p:sld>
+</file>
+
+<file path=ppt/slides/slide20.xml><?xml version="1.0" encoding="utf-8"?>
+<p:sld xmlns:a="http://schemas.openxmlformats.org/drawingml/2006/main" xmlns:r="http://schemas.openxmlformats.org/officeDocument/2006/relationships" xmlns:p="http://schemas.openxmlformats.org/presentationml/2006/main">
+  <p:cSld>
+    <p:spTree>
+      <p:nvGrpSpPr>
+        <p:cNvPr id="1" name=""/>
+        <p:cNvGrpSpPr/>
+        <p:nvPr/>
+      </p:nvGrpSpPr>
+      <p:grpSpPr>
+        <a:xfrm>
+          <a:off x="0" y="0"/>
+          <a:ext cx="0" cy="0"/>
+          <a:chOff x="0" y="0"/>
+          <a:chExt cx="0" cy="0"/>
+        </a:xfrm>
+      </p:grpSpPr>
+      <p:sp>
+        <p:nvSpPr>
+          <p:cNvPr id="2" name="タイトル 1"/>
+          <p:cNvSpPr>
+            <a:spLocks noGrp="1"/>
+          </p:cNvSpPr>
+          <p:nvPr>
+            <p:ph type="title"/>
+          </p:nvPr>
+        </p:nvSpPr>
+        <p:spPr/>
+        <p:txBody>
+          <a:bodyPr/>
+          <a:lstStyle/>
+          <a:p>
+            <a:r>
+              <a:rPr kumimoji="1" lang="ja-JP" altLang="en-US" dirty="0" smtClean="0"/>
+              <a:t>パラメータ集合の分類</a:t>
+            </a:r>
+            <a:endParaRPr kumimoji="1" lang="ja-JP" altLang="en-US" dirty="0"/>
+          </a:p>
+        </p:txBody>
+      </p:sp>
+      <p:sp>
+        <p:nvSpPr>
+          <p:cNvPr id="3" name="コンテンツ プレースホルダー 2"/>
+          <p:cNvSpPr>
+            <a:spLocks noGrp="1"/>
+          </p:cNvSpPr>
+          <p:nvPr>
+            <p:ph idx="1"/>
+          </p:nvPr>
+        </p:nvSpPr>
+        <p:spPr/>
+        <p:txBody>
+          <a:bodyPr/>
+          <a:lstStyle/>
+          <a:p>
+            <a:r>
+              <a:rPr kumimoji="1" lang="ja-JP" altLang="en-US" dirty="0" smtClean="0"/>
+              <a:t>８つ</a:t>
+            </a:r>
+            <a:endParaRPr kumimoji="1" lang="ja-JP" altLang="en-US" dirty="0"/>
+          </a:p>
+        </p:txBody>
+      </p:sp>
+    </p:spTree>
+    <p:extLst>
+      <p:ext uri="{BB962C8B-B14F-4D97-AF65-F5344CB8AC3E}">
+        <p14:creationId xmlns:p14="http://schemas.microsoft.com/office/powerpoint/2010/main" val="3741923519"/>
+      </p:ext>
+    </p:extLst>
+  </p:cSld>
+  <p:clrMapOvr>
+    <a:masterClrMapping/>
+  </p:clrMapOvr>
+  <p:timing>
+    <p:tnLst>
+      <p:par>
+        <p:cTn id="1" dur="indefinite" restart="never" nodeType="tmRoot"/>
+      </p:par>
+    </p:tnLst>
+  </p:timing>
 </p:sld>
 </file>
 
@@ -6667,7 +6975,22 @@
             </a:r>
             <a:r>
               <a:rPr kumimoji="1" lang="ja-JP" altLang="en-US" dirty="0" smtClean="0"/>
-              <a:t>種類のウイルスが流行した場合、一方のウイルスの免疫を獲得することにより他方のウイルスに対する免疫を失うことが起こりうる。その結果社会全体で発生する免疫獲得とウイルス感染との間のある種の振動現象を数値解析的に再現する。</a:t>
+              <a:t>種類のウイルスが流行した場合、一方のウイルスの免疫を獲得することにより他方のウイルスに対する免疫を失うことが起こりうる</a:t>
+            </a:r>
+            <a:r>
+              <a:rPr kumimoji="1" lang="ja-JP" altLang="en-US" dirty="0" smtClean="0"/>
+              <a:t>。</a:t>
+            </a:r>
+            <a:endParaRPr lang="en-US" altLang="ja-JP" dirty="0"/>
+          </a:p>
+          <a:p>
+            <a:r>
+              <a:rPr kumimoji="1" lang="ja-JP" altLang="en-US" dirty="0" smtClean="0"/>
+              <a:t>その</a:t>
+            </a:r>
+            <a:r>
+              <a:rPr kumimoji="1" lang="ja-JP" altLang="en-US" dirty="0" smtClean="0"/>
+              <a:t>結果社会全体で発生する免疫獲得とウイルス感染との間のある種の振動現象を数値解析的に再現する。</a:t>
             </a:r>
             <a:endParaRPr kumimoji="1" lang="ja-JP" altLang="en-US" dirty="0"/>
           </a:p>
@@ -6750,7 +7073,37 @@
           <a:p>
             <a:r>
               <a:rPr kumimoji="1" lang="ja-JP" altLang="en-US" dirty="0" smtClean="0"/>
-              <a:t>従来の微分方程式を基礎としたモデルでは個体における免疫機構の詳細にまで立ち入ることができなかった。本研究では電子タグを用いることにより、免疫機構をより正確にモデル化することができる。これにより社会全体における伝染病の感染拡大だけではなく、免疫機構の社会的な広がりをも表現することができる。</a:t>
+              <a:t>従来の微分方程式を基礎としたモデルでは個体における免疫機構の詳細にまで立ち入ることができなかった</a:t>
+            </a:r>
+            <a:r>
+              <a:rPr kumimoji="1" lang="ja-JP" altLang="en-US" dirty="0" smtClean="0"/>
+              <a:t>。</a:t>
+            </a:r>
+            <a:endParaRPr kumimoji="1" lang="en-US" altLang="ja-JP" dirty="0" smtClean="0"/>
+          </a:p>
+          <a:p>
+            <a:r>
+              <a:rPr kumimoji="1" lang="ja-JP" altLang="en-US" dirty="0" smtClean="0"/>
+              <a:t>電子</a:t>
+            </a:r>
+            <a:r>
+              <a:rPr kumimoji="1" lang="ja-JP" altLang="en-US" dirty="0" smtClean="0"/>
+              <a:t>タグを用いることにより、免疫機構をより正確にモデル化することができる</a:t>
+            </a:r>
+            <a:r>
+              <a:rPr kumimoji="1" lang="ja-JP" altLang="en-US" dirty="0" smtClean="0"/>
+              <a:t>。</a:t>
+            </a:r>
+            <a:endParaRPr kumimoji="1" lang="en-US" altLang="ja-JP" dirty="0" smtClean="0"/>
+          </a:p>
+          <a:p>
+            <a:r>
+              <a:rPr kumimoji="1" lang="ja-JP" altLang="en-US" dirty="0" smtClean="0"/>
+              <a:t>これ</a:t>
+            </a:r>
+            <a:r>
+              <a:rPr kumimoji="1" lang="ja-JP" altLang="en-US" dirty="0" smtClean="0"/>
+              <a:t>により社会全体における伝染病の感染拡大だけではなく、免疫機構の社会的な広がりをも表現することができる。</a:t>
             </a:r>
             <a:endParaRPr kumimoji="1" lang="ja-JP" altLang="en-US" dirty="0"/>
           </a:p>
@@ -6921,6 +7274,78 @@
 </file>
 
 <file path=ppt/slides/slide7.xml><?xml version="1.0" encoding="utf-8"?>
+<p:sld xmlns:a="http://schemas.openxmlformats.org/drawingml/2006/main" xmlns:r="http://schemas.openxmlformats.org/officeDocument/2006/relationships" xmlns:p="http://schemas.openxmlformats.org/presentationml/2006/main">
+  <p:cSld>
+    <p:spTree>
+      <p:nvGrpSpPr>
+        <p:cNvPr id="1" name=""/>
+        <p:cNvGrpSpPr/>
+        <p:nvPr/>
+      </p:nvGrpSpPr>
+      <p:grpSpPr>
+        <a:xfrm>
+          <a:off x="0" y="0"/>
+          <a:ext cx="0" cy="0"/>
+          <a:chOff x="0" y="0"/>
+          <a:chExt cx="0" cy="0"/>
+        </a:xfrm>
+      </p:grpSpPr>
+      <p:sp>
+        <p:nvSpPr>
+          <p:cNvPr id="2" name="タイトル 1"/>
+          <p:cNvSpPr>
+            <a:spLocks noGrp="1"/>
+          </p:cNvSpPr>
+          <p:nvPr>
+            <p:ph type="title"/>
+          </p:nvPr>
+        </p:nvSpPr>
+        <p:spPr/>
+        <p:txBody>
+          <a:bodyPr/>
+          <a:lstStyle/>
+          <a:p>
+            <a:r>
+              <a:rPr kumimoji="1" lang="ja-JP" altLang="en-US" dirty="0" smtClean="0"/>
+              <a:t>（（（数理伝染病学とは何か</a:t>
+            </a:r>
+            <a:endParaRPr kumimoji="1" lang="ja-JP" altLang="en-US" dirty="0"/>
+          </a:p>
+        </p:txBody>
+      </p:sp>
+      <p:sp>
+        <p:nvSpPr>
+          <p:cNvPr id="3" name="コンテンツ プレースホルダー 2"/>
+          <p:cNvSpPr>
+            <a:spLocks noGrp="1"/>
+          </p:cNvSpPr>
+          <p:nvPr>
+            <p:ph idx="1"/>
+          </p:nvPr>
+        </p:nvSpPr>
+        <p:spPr/>
+        <p:txBody>
+          <a:bodyPr/>
+          <a:lstStyle/>
+          <a:p>
+            <a:endParaRPr kumimoji="1" lang="ja-JP" altLang="en-US"/>
+          </a:p>
+        </p:txBody>
+      </p:sp>
+    </p:spTree>
+    <p:extLst>
+      <p:ext uri="{BB962C8B-B14F-4D97-AF65-F5344CB8AC3E}">
+        <p14:creationId xmlns:p14="http://schemas.microsoft.com/office/powerpoint/2010/main" val="2288893661"/>
+      </p:ext>
+    </p:extLst>
+  </p:cSld>
+  <p:clrMapOvr>
+    <a:masterClrMapping/>
+  </p:clrMapOvr>
+</p:sld>
+</file>
+
+<file path=ppt/slides/slide8.xml><?xml version="1.0" encoding="utf-8"?>
 <p:sld xmlns:a="http://schemas.openxmlformats.org/drawingml/2006/main" xmlns:r="http://schemas.openxmlformats.org/officeDocument/2006/relationships" xmlns:p="http://schemas.openxmlformats.org/presentationml/2006/main">
   <p:cSld>
     <p:spTree>
@@ -7624,7 +8049,11 @@
           <a:p>
             <a:r>
               <a:rPr kumimoji="1" lang="ja-JP" altLang="en-US" sz="3600" dirty="0" smtClean="0"/>
-              <a:t>数理モデルの構築</a:t>
+              <a:t>数理モデルの</a:t>
+            </a:r>
+            <a:r>
+              <a:rPr kumimoji="1" lang="ja-JP" altLang="en-US" sz="3600" dirty="0" smtClean="0"/>
+              <a:t>構築</a:t>
             </a:r>
             <a:endParaRPr kumimoji="1" lang="ja-JP" altLang="en-US" sz="3600" dirty="0"/>
           </a:p>
@@ -7634,88 +8063,6 @@
     <p:extLst>
       <p:ext uri="{BB962C8B-B14F-4D97-AF65-F5344CB8AC3E}">
         <p14:creationId xmlns:p14="http://schemas.microsoft.com/office/powerpoint/2010/main" val="2685871103"/>
-      </p:ext>
-    </p:extLst>
-  </p:cSld>
-  <p:clrMapOvr>
-    <a:masterClrMapping/>
-  </p:clrMapOvr>
-  <p:timing>
-    <p:tnLst>
-      <p:par>
-        <p:cTn id="1" dur="indefinite" restart="never" nodeType="tmRoot"/>
-      </p:par>
-    </p:tnLst>
-  </p:timing>
-</p:sld>
-</file>
-
-<file path=ppt/slides/slide8.xml><?xml version="1.0" encoding="utf-8"?>
-<p:sld xmlns:a="http://schemas.openxmlformats.org/drawingml/2006/main" xmlns:r="http://schemas.openxmlformats.org/officeDocument/2006/relationships" xmlns:p="http://schemas.openxmlformats.org/presentationml/2006/main">
-  <p:cSld>
-    <p:spTree>
-      <p:nvGrpSpPr>
-        <p:cNvPr id="1" name=""/>
-        <p:cNvGrpSpPr/>
-        <p:nvPr/>
-      </p:nvGrpSpPr>
-      <p:grpSpPr>
-        <a:xfrm>
-          <a:off x="0" y="0"/>
-          <a:ext cx="0" cy="0"/>
-          <a:chOff x="0" y="0"/>
-          <a:chExt cx="0" cy="0"/>
-        </a:xfrm>
-      </p:grpSpPr>
-      <p:sp>
-        <p:nvSpPr>
-          <p:cNvPr id="2" name="タイトル 1"/>
-          <p:cNvSpPr>
-            <a:spLocks noGrp="1"/>
-          </p:cNvSpPr>
-          <p:nvPr>
-            <p:ph type="title"/>
-          </p:nvPr>
-        </p:nvSpPr>
-        <p:spPr/>
-        <p:txBody>
-          <a:bodyPr/>
-          <a:lstStyle/>
-          <a:p>
-            <a:r>
-              <a:rPr kumimoji="1" lang="ja-JP" altLang="en-US" dirty="0" smtClean="0"/>
-              <a:t>数値計算結果</a:t>
-            </a:r>
-            <a:endParaRPr kumimoji="1" lang="ja-JP" altLang="en-US" dirty="0"/>
-          </a:p>
-        </p:txBody>
-      </p:sp>
-      <p:sp>
-        <p:nvSpPr>
-          <p:cNvPr id="3" name="コンテンツ プレースホルダー 2"/>
-          <p:cNvSpPr>
-            <a:spLocks noGrp="1"/>
-          </p:cNvSpPr>
-          <p:nvPr>
-            <p:ph idx="1"/>
-          </p:nvPr>
-        </p:nvSpPr>
-        <p:spPr/>
-        <p:txBody>
-          <a:bodyPr/>
-          <a:lstStyle/>
-          <a:p>
-            <a:r>
-              <a:rPr kumimoji="1" lang="ja-JP" altLang="en-US" dirty="0" smtClean="0"/>
-              <a:t>グラフ表示</a:t>
-            </a:r>
-          </a:p>
-        </p:txBody>
-      </p:sp>
-    </p:spTree>
-    <p:extLst>
-      <p:ext uri="{BB962C8B-B14F-4D97-AF65-F5344CB8AC3E}">
-        <p14:creationId xmlns:p14="http://schemas.microsoft.com/office/powerpoint/2010/main" val="3483215692"/>
       </p:ext>
     </p:extLst>
   </p:cSld>
@@ -7766,30 +8113,7 @@
           <a:p>
             <a:r>
               <a:rPr kumimoji="1" lang="ja-JP" altLang="en-US" dirty="0" smtClean="0"/>
-              <a:t>数値計算結果の分析</a:t>
-            </a:r>
-            <a:endParaRPr kumimoji="1" lang="ja-JP" altLang="en-US" dirty="0"/>
-          </a:p>
-        </p:txBody>
-      </p:sp>
-      <p:sp>
-        <p:nvSpPr>
-          <p:cNvPr id="3" name="コンテンツ プレースホルダー 2"/>
-          <p:cNvSpPr>
-            <a:spLocks noGrp="1"/>
-          </p:cNvSpPr>
-          <p:nvPr>
-            <p:ph idx="1"/>
-          </p:nvPr>
-        </p:nvSpPr>
-        <p:spPr/>
-        <p:txBody>
-          <a:bodyPr/>
-          <a:lstStyle/>
-          <a:p>
-            <a:r>
-              <a:rPr kumimoji="1" lang="ja-JP" altLang="en-US" dirty="0" smtClean="0"/>
-              <a:t>多くて３、４つ</a:t>
+              <a:t>微分方程式モデルとの比較</a:t>
             </a:r>
             <a:endParaRPr kumimoji="1" lang="ja-JP" altLang="en-US" dirty="0"/>
           </a:p>
@@ -7798,20 +8122,13 @@
     </p:spTree>
     <p:extLst>
       <p:ext uri="{BB962C8B-B14F-4D97-AF65-F5344CB8AC3E}">
-        <p14:creationId xmlns:p14="http://schemas.microsoft.com/office/powerpoint/2010/main" val="3736256567"/>
+        <p14:creationId xmlns:p14="http://schemas.microsoft.com/office/powerpoint/2010/main" val="4010009998"/>
       </p:ext>
     </p:extLst>
   </p:cSld>
   <p:clrMapOvr>
     <a:masterClrMapping/>
   </p:clrMapOvr>
-  <p:timing>
-    <p:tnLst>
-      <p:par>
-        <p:cTn id="1" dur="indefinite" restart="never" nodeType="tmRoot"/>
-      </p:par>
-    </p:tnLst>
-  </p:timing>
 </p:sld>
 </file>
 

--- a/ppt/卒業研究.pptx
+++ b/ppt/卒業研究.pptx
@@ -5,32 +5,36 @@
     <p:sldMasterId id="2147483648" r:id="rId1"/>
   </p:sldMasterIdLst>
   <p:notesMasterIdLst>
-    <p:notesMasterId r:id="rId22"/>
+    <p:notesMasterId r:id="rId26"/>
   </p:notesMasterIdLst>
   <p:handoutMasterIdLst>
-    <p:handoutMasterId r:id="rId23"/>
+    <p:handoutMasterId r:id="rId27"/>
   </p:handoutMasterIdLst>
   <p:sldIdLst>
     <p:sldId id="256" r:id="rId2"/>
     <p:sldId id="258" r:id="rId3"/>
     <p:sldId id="265" r:id="rId4"/>
     <p:sldId id="259" r:id="rId5"/>
-    <p:sldId id="260" r:id="rId6"/>
-    <p:sldId id="262" r:id="rId7"/>
-    <p:sldId id="280" r:id="rId8"/>
-    <p:sldId id="270" r:id="rId9"/>
-    <p:sldId id="281" r:id="rId10"/>
-    <p:sldId id="272" r:id="rId11"/>
-    <p:sldId id="273" r:id="rId12"/>
-    <p:sldId id="274" r:id="rId13"/>
-    <p:sldId id="275" r:id="rId14"/>
-    <p:sldId id="276" r:id="rId15"/>
-    <p:sldId id="279" r:id="rId16"/>
-    <p:sldId id="266" r:id="rId17"/>
-    <p:sldId id="267" r:id="rId18"/>
-    <p:sldId id="264" r:id="rId19"/>
-    <p:sldId id="271" r:id="rId20"/>
-    <p:sldId id="268" r:id="rId21"/>
+    <p:sldId id="285" r:id="rId6"/>
+    <p:sldId id="260" r:id="rId7"/>
+    <p:sldId id="262" r:id="rId8"/>
+    <p:sldId id="280" r:id="rId9"/>
+    <p:sldId id="283" r:id="rId10"/>
+    <p:sldId id="270" r:id="rId11"/>
+    <p:sldId id="266" r:id="rId12"/>
+    <p:sldId id="286" r:id="rId13"/>
+    <p:sldId id="284" r:id="rId14"/>
+    <p:sldId id="281" r:id="rId15"/>
+    <p:sldId id="272" r:id="rId16"/>
+    <p:sldId id="273" r:id="rId17"/>
+    <p:sldId id="274" r:id="rId18"/>
+    <p:sldId id="275" r:id="rId19"/>
+    <p:sldId id="276" r:id="rId20"/>
+    <p:sldId id="282" r:id="rId21"/>
+    <p:sldId id="267" r:id="rId22"/>
+    <p:sldId id="264" r:id="rId23"/>
+    <p:sldId id="271" r:id="rId24"/>
+    <p:sldId id="268" r:id="rId25"/>
   </p:sldIdLst>
   <p:sldSz cx="9144000" cy="6858000" type="screen4x3"/>
   <p:notesSz cx="6858000" cy="9144000"/>
@@ -214,7 +218,7 @@
           <a:p>
             <a:fld id="{74825FEB-C9F8-43E7-A6A0-63C03333387A}" type="datetimeFigureOut">
               <a:rPr kumimoji="1" lang="ja-JP" altLang="en-US" smtClean="0"/>
-              <a:t>2014/1/6</a:t>
+              <a:t>2014/1/13</a:t>
             </a:fld>
             <a:endParaRPr kumimoji="1" lang="ja-JP" altLang="en-US"/>
           </a:p>
@@ -379,7 +383,7 @@
           <a:p>
             <a:fld id="{7DF372ED-9A20-47C3-A076-E002DD6BB04D}" type="datetimeFigureOut">
               <a:rPr kumimoji="1" lang="ja-JP" altLang="en-US" smtClean="0"/>
-              <a:t>2014/1/6</a:t>
+              <a:t>2014/1/13</a:t>
             </a:fld>
             <a:endParaRPr kumimoji="1" lang="ja-JP" altLang="en-US"/>
           </a:p>
@@ -818,7 +822,11 @@
           <a:bodyPr/>
           <a:lstStyle/>
           <a:p>
-            <a:endParaRPr kumimoji="1" lang="ja-JP" altLang="en-US"/>
+            <a:r>
+              <a:rPr kumimoji="1" lang="ja-JP" altLang="en-US" dirty="0" err="1" smtClean="0"/>
+              <a:t>ぼつ</a:t>
+            </a:r>
+            <a:endParaRPr kumimoji="1" lang="en-US" altLang="ja-JP" dirty="0" smtClean="0"/>
           </a:p>
         </p:txBody>
       </p:sp>
@@ -839,7 +847,7 @@
           <a:p>
             <a:fld id="{FEFB3154-A281-48F2-8DC9-C99E29F1ECF4}" type="slidenum">
               <a:rPr kumimoji="1" lang="ja-JP" altLang="en-US" smtClean="0"/>
-              <a:t>11</a:t>
+              <a:t>14</a:t>
             </a:fld>
             <a:endParaRPr kumimoji="1" lang="ja-JP" altLang="en-US"/>
           </a:p>
@@ -848,7 +856,7 @@
     </p:spTree>
     <p:extLst>
       <p:ext uri="{BB962C8B-B14F-4D97-AF65-F5344CB8AC3E}">
-        <p14:creationId xmlns:p14="http://schemas.microsoft.com/office/powerpoint/2010/main" val="2334585315"/>
+        <p14:creationId xmlns:p14="http://schemas.microsoft.com/office/powerpoint/2010/main" val="3987876615"/>
       </p:ext>
     </p:extLst>
   </p:cSld>
@@ -923,7 +931,7 @@
           <a:p>
             <a:fld id="{FEFB3154-A281-48F2-8DC9-C99E29F1ECF4}" type="slidenum">
               <a:rPr kumimoji="1" lang="ja-JP" altLang="en-US" smtClean="0"/>
-              <a:t>12</a:t>
+              <a:t>15</a:t>
             </a:fld>
             <a:endParaRPr kumimoji="1" lang="ja-JP" altLang="en-US"/>
           </a:p>
@@ -932,7 +940,7 @@
     </p:spTree>
     <p:extLst>
       <p:ext uri="{BB962C8B-B14F-4D97-AF65-F5344CB8AC3E}">
-        <p14:creationId xmlns:p14="http://schemas.microsoft.com/office/powerpoint/2010/main" val="88015040"/>
+        <p14:creationId xmlns:p14="http://schemas.microsoft.com/office/powerpoint/2010/main" val="2603317105"/>
       </p:ext>
     </p:extLst>
   </p:cSld>
@@ -1007,7 +1015,7 @@
           <a:p>
             <a:fld id="{FEFB3154-A281-48F2-8DC9-C99E29F1ECF4}" type="slidenum">
               <a:rPr kumimoji="1" lang="ja-JP" altLang="en-US" smtClean="0"/>
-              <a:t>13</a:t>
+              <a:t>16</a:t>
             </a:fld>
             <a:endParaRPr kumimoji="1" lang="ja-JP" altLang="en-US"/>
           </a:p>
@@ -1016,7 +1024,7 @@
     </p:spTree>
     <p:extLst>
       <p:ext uri="{BB962C8B-B14F-4D97-AF65-F5344CB8AC3E}">
-        <p14:creationId xmlns:p14="http://schemas.microsoft.com/office/powerpoint/2010/main" val="3782568936"/>
+        <p14:creationId xmlns:p14="http://schemas.microsoft.com/office/powerpoint/2010/main" val="2334585315"/>
       </p:ext>
     </p:extLst>
   </p:cSld>
@@ -1091,7 +1099,7 @@
           <a:p>
             <a:fld id="{FEFB3154-A281-48F2-8DC9-C99E29F1ECF4}" type="slidenum">
               <a:rPr kumimoji="1" lang="ja-JP" altLang="en-US" smtClean="0"/>
-              <a:t>14</a:t>
+              <a:t>17</a:t>
             </a:fld>
             <a:endParaRPr kumimoji="1" lang="ja-JP" altLang="en-US"/>
           </a:p>
@@ -1100,7 +1108,7 @@
     </p:spTree>
     <p:extLst>
       <p:ext uri="{BB962C8B-B14F-4D97-AF65-F5344CB8AC3E}">
-        <p14:creationId xmlns:p14="http://schemas.microsoft.com/office/powerpoint/2010/main" val="2965410416"/>
+        <p14:creationId xmlns:p14="http://schemas.microsoft.com/office/powerpoint/2010/main" val="88015040"/>
       </p:ext>
     </p:extLst>
   </p:cSld>
@@ -1175,7 +1183,7 @@
           <a:p>
             <a:fld id="{FEFB3154-A281-48F2-8DC9-C99E29F1ECF4}" type="slidenum">
               <a:rPr kumimoji="1" lang="ja-JP" altLang="en-US" smtClean="0"/>
-              <a:t>15</a:t>
+              <a:t>18</a:t>
             </a:fld>
             <a:endParaRPr kumimoji="1" lang="ja-JP" altLang="en-US"/>
           </a:p>
@@ -1184,7 +1192,7 @@
     </p:spTree>
     <p:extLst>
       <p:ext uri="{BB962C8B-B14F-4D97-AF65-F5344CB8AC3E}">
-        <p14:creationId xmlns:p14="http://schemas.microsoft.com/office/powerpoint/2010/main" val="2604688079"/>
+        <p14:creationId xmlns:p14="http://schemas.microsoft.com/office/powerpoint/2010/main" val="3782568936"/>
       </p:ext>
     </p:extLst>
   </p:cSld>
@@ -1259,7 +1267,7 @@
           <a:p>
             <a:fld id="{FEFB3154-A281-48F2-8DC9-C99E29F1ECF4}" type="slidenum">
               <a:rPr kumimoji="1" lang="ja-JP" altLang="en-US" smtClean="0"/>
-              <a:t>16</a:t>
+              <a:t>19</a:t>
             </a:fld>
             <a:endParaRPr kumimoji="1" lang="ja-JP" altLang="en-US"/>
           </a:p>
@@ -1268,7 +1276,7 @@
     </p:spTree>
     <p:extLst>
       <p:ext uri="{BB962C8B-B14F-4D97-AF65-F5344CB8AC3E}">
-        <p14:creationId xmlns:p14="http://schemas.microsoft.com/office/powerpoint/2010/main" val="2781046782"/>
+        <p14:creationId xmlns:p14="http://schemas.microsoft.com/office/powerpoint/2010/main" val="2965410416"/>
       </p:ext>
     </p:extLst>
   </p:cSld>
@@ -1343,7 +1351,7 @@
           <a:p>
             <a:fld id="{FEFB3154-A281-48F2-8DC9-C99E29F1ECF4}" type="slidenum">
               <a:rPr kumimoji="1" lang="ja-JP" altLang="en-US" smtClean="0"/>
-              <a:t>17</a:t>
+              <a:t>21</a:t>
             </a:fld>
             <a:endParaRPr kumimoji="1" lang="ja-JP" altLang="en-US"/>
           </a:p>
@@ -1427,7 +1435,7 @@
           <a:p>
             <a:fld id="{FEFB3154-A281-48F2-8DC9-C99E29F1ECF4}" type="slidenum">
               <a:rPr kumimoji="1" lang="ja-JP" altLang="en-US" smtClean="0"/>
-              <a:t>18</a:t>
+              <a:t>22</a:t>
             </a:fld>
             <a:endParaRPr kumimoji="1" lang="ja-JP" altLang="en-US"/>
           </a:p>
@@ -1511,7 +1519,7 @@
           <a:p>
             <a:fld id="{FEFB3154-A281-48F2-8DC9-C99E29F1ECF4}" type="slidenum">
               <a:rPr kumimoji="1" lang="ja-JP" altLang="en-US" smtClean="0"/>
-              <a:t>19</a:t>
+              <a:t>23</a:t>
             </a:fld>
             <a:endParaRPr kumimoji="1" lang="ja-JP" altLang="en-US"/>
           </a:p>
@@ -1595,7 +1603,7 @@
           <a:p>
             <a:fld id="{FEFB3154-A281-48F2-8DC9-C99E29F1ECF4}" type="slidenum">
               <a:rPr kumimoji="1" lang="ja-JP" altLang="en-US" smtClean="0"/>
-              <a:t>20</a:t>
+              <a:t>24</a:t>
             </a:fld>
             <a:endParaRPr kumimoji="1" lang="ja-JP" altLang="en-US"/>
           </a:p>
@@ -1958,7 +1966,7 @@
           <a:p>
             <a:fld id="{FEFB3154-A281-48F2-8DC9-C99E29F1ECF4}" type="slidenum">
               <a:rPr kumimoji="1" lang="ja-JP" altLang="en-US" smtClean="0"/>
-              <a:t>5</a:t>
+              <a:t>6</a:t>
             </a:fld>
             <a:endParaRPr kumimoji="1" lang="ja-JP" altLang="en-US"/>
           </a:p>
@@ -2042,7 +2050,7 @@
           <a:p>
             <a:fld id="{FEFB3154-A281-48F2-8DC9-C99E29F1ECF4}" type="slidenum">
               <a:rPr kumimoji="1" lang="ja-JP" altLang="en-US" smtClean="0"/>
-              <a:t>6</a:t>
+              <a:t>7</a:t>
             </a:fld>
             <a:endParaRPr kumimoji="1" lang="ja-JP" altLang="en-US"/>
           </a:p>
@@ -2130,7 +2138,7 @@
           <a:p>
             <a:fld id="{FEFB3154-A281-48F2-8DC9-C99E29F1ECF4}" type="slidenum">
               <a:rPr kumimoji="1" lang="ja-JP" altLang="en-US" smtClean="0"/>
-              <a:t>7</a:t>
+              <a:t>8</a:t>
             </a:fld>
             <a:endParaRPr kumimoji="1" lang="ja-JP" altLang="en-US"/>
           </a:p>
@@ -2214,7 +2222,7 @@
           <a:p>
             <a:fld id="{FEFB3154-A281-48F2-8DC9-C99E29F1ECF4}" type="slidenum">
               <a:rPr kumimoji="1" lang="ja-JP" altLang="en-US" smtClean="0"/>
-              <a:t>8</a:t>
+              <a:t>10</a:t>
             </a:fld>
             <a:endParaRPr kumimoji="1" lang="ja-JP" altLang="en-US"/>
           </a:p>
@@ -2277,7 +2285,7 @@
           <a:bodyPr/>
           <a:lstStyle/>
           <a:p>
-            <a:endParaRPr kumimoji="1" lang="ja-JP" altLang="en-US"/>
+            <a:endParaRPr kumimoji="1" lang="ja-JP" altLang="en-US" dirty="0"/>
           </a:p>
         </p:txBody>
       </p:sp>
@@ -2298,7 +2306,7 @@
           <a:p>
             <a:fld id="{FEFB3154-A281-48F2-8DC9-C99E29F1ECF4}" type="slidenum">
               <a:rPr kumimoji="1" lang="ja-JP" altLang="en-US" smtClean="0"/>
-              <a:t>10</a:t>
+              <a:t>11</a:t>
             </a:fld>
             <a:endParaRPr kumimoji="1" lang="ja-JP" altLang="en-US"/>
           </a:p>
@@ -2307,7 +2315,7 @@
     </p:spTree>
     <p:extLst>
       <p:ext uri="{BB962C8B-B14F-4D97-AF65-F5344CB8AC3E}">
-        <p14:creationId xmlns:p14="http://schemas.microsoft.com/office/powerpoint/2010/main" val="2603317105"/>
+        <p14:creationId xmlns:p14="http://schemas.microsoft.com/office/powerpoint/2010/main" val="2781046782"/>
       </p:ext>
     </p:extLst>
   </p:cSld>
@@ -2498,7 +2506,7 @@
           <a:p>
             <a:fld id="{764389B5-BBD8-4BB5-AA3B-F6D4F6020998}" type="datetimeFigureOut">
               <a:rPr kumimoji="1" lang="ja-JP" altLang="en-US" smtClean="0"/>
-              <a:t>2014/1/6</a:t>
+              <a:t>2014/1/13</a:t>
             </a:fld>
             <a:endParaRPr kumimoji="1" lang="ja-JP" altLang="en-US"/>
           </a:p>
@@ -2700,7 +2708,7 @@
           <a:p>
             <a:fld id="{764389B5-BBD8-4BB5-AA3B-F6D4F6020998}" type="datetimeFigureOut">
               <a:rPr kumimoji="1" lang="ja-JP" altLang="en-US" smtClean="0"/>
-              <a:t>2014/1/6</a:t>
+              <a:t>2014/1/13</a:t>
             </a:fld>
             <a:endParaRPr kumimoji="1" lang="ja-JP" altLang="en-US"/>
           </a:p>
@@ -2912,7 +2920,7 @@
           <a:p>
             <a:fld id="{764389B5-BBD8-4BB5-AA3B-F6D4F6020998}" type="datetimeFigureOut">
               <a:rPr kumimoji="1" lang="ja-JP" altLang="en-US" smtClean="0"/>
-              <a:t>2014/1/6</a:t>
+              <a:t>2014/1/13</a:t>
             </a:fld>
             <a:endParaRPr kumimoji="1" lang="ja-JP" altLang="en-US"/>
           </a:p>
@@ -3114,7 +3122,7 @@
           <a:p>
             <a:fld id="{764389B5-BBD8-4BB5-AA3B-F6D4F6020998}" type="datetimeFigureOut">
               <a:rPr kumimoji="1" lang="ja-JP" altLang="en-US" smtClean="0"/>
-              <a:t>2014/1/6</a:t>
+              <a:t>2014/1/13</a:t>
             </a:fld>
             <a:endParaRPr kumimoji="1" lang="ja-JP" altLang="en-US"/>
           </a:p>
@@ -3360,7 +3368,7 @@
           <a:p>
             <a:fld id="{764389B5-BBD8-4BB5-AA3B-F6D4F6020998}" type="datetimeFigureOut">
               <a:rPr kumimoji="1" lang="ja-JP" altLang="en-US" smtClean="0"/>
-              <a:t>2014/1/6</a:t>
+              <a:t>2014/1/13</a:t>
             </a:fld>
             <a:endParaRPr kumimoji="1" lang="ja-JP" altLang="en-US"/>
           </a:p>
@@ -3712,7 +3720,7 @@
           <a:p>
             <a:fld id="{764389B5-BBD8-4BB5-AA3B-F6D4F6020998}" type="datetimeFigureOut">
               <a:rPr kumimoji="1" lang="ja-JP" altLang="en-US" smtClean="0"/>
-              <a:t>2014/1/6</a:t>
+              <a:t>2014/1/13</a:t>
             </a:fld>
             <a:endParaRPr kumimoji="1" lang="ja-JP" altLang="en-US"/>
           </a:p>
@@ -4198,7 +4206,7 @@
           <a:p>
             <a:fld id="{764389B5-BBD8-4BB5-AA3B-F6D4F6020998}" type="datetimeFigureOut">
               <a:rPr kumimoji="1" lang="ja-JP" altLang="en-US" smtClean="0"/>
-              <a:t>2014/1/6</a:t>
+              <a:t>2014/1/13</a:t>
             </a:fld>
             <a:endParaRPr kumimoji="1" lang="ja-JP" altLang="en-US"/>
           </a:p>
@@ -4316,7 +4324,7 @@
           <a:p>
             <a:fld id="{764389B5-BBD8-4BB5-AA3B-F6D4F6020998}" type="datetimeFigureOut">
               <a:rPr kumimoji="1" lang="ja-JP" altLang="en-US" smtClean="0"/>
-              <a:t>2014/1/6</a:t>
+              <a:t>2014/1/13</a:t>
             </a:fld>
             <a:endParaRPr kumimoji="1" lang="ja-JP" altLang="en-US"/>
           </a:p>
@@ -4411,7 +4419,7 @@
           <a:p>
             <a:fld id="{764389B5-BBD8-4BB5-AA3B-F6D4F6020998}" type="datetimeFigureOut">
               <a:rPr kumimoji="1" lang="ja-JP" altLang="en-US" smtClean="0"/>
-              <a:t>2014/1/6</a:t>
+              <a:t>2014/1/13</a:t>
             </a:fld>
             <a:endParaRPr kumimoji="1" lang="ja-JP" altLang="en-US"/>
           </a:p>
@@ -4720,7 +4728,7 @@
           <a:p>
             <a:fld id="{764389B5-BBD8-4BB5-AA3B-F6D4F6020998}" type="datetimeFigureOut">
               <a:rPr kumimoji="1" lang="ja-JP" altLang="en-US" smtClean="0"/>
-              <a:t>2014/1/6</a:t>
+              <a:t>2014/1/13</a:t>
             </a:fld>
             <a:endParaRPr kumimoji="1" lang="ja-JP" altLang="en-US"/>
           </a:p>
@@ -4973,7 +4981,7 @@
           <a:p>
             <a:fld id="{764389B5-BBD8-4BB5-AA3B-F6D4F6020998}" type="datetimeFigureOut">
               <a:rPr kumimoji="1" lang="ja-JP" altLang="en-US" smtClean="0"/>
-              <a:t>2014/1/6</a:t>
+              <a:t>2014/1/13</a:t>
             </a:fld>
             <a:endParaRPr kumimoji="1" lang="ja-JP" altLang="en-US"/>
           </a:p>
@@ -5218,7 +5226,7 @@
           <a:p>
             <a:fld id="{764389B5-BBD8-4BB5-AA3B-F6D4F6020998}" type="datetimeFigureOut">
               <a:rPr kumimoji="1" lang="ja-JP" altLang="en-US" smtClean="0"/>
-              <a:t>2014/1/6</a:t>
+              <a:t>2014/1/13</a:t>
             </a:fld>
             <a:endParaRPr kumimoji="1" lang="ja-JP" altLang="en-US"/>
           </a:p>
@@ -5612,7 +5620,7 @@
           <a:p>
             <a:r>
               <a:rPr kumimoji="1" lang="ja-JP" altLang="en-US" sz="3600" dirty="0" smtClean="0"/>
-              <a:t>電子タグで表現される免疫機構を持つ</a:t>
+              <a:t>電子タグを持つ</a:t>
             </a:r>
             <a:r>
               <a:rPr kumimoji="1" lang="en-US" altLang="ja-JP" sz="3600" dirty="0" smtClean="0"/>
@@ -5676,1676 +5684,6 @@
 </file>
 
 <file path=ppt/slides/slide10.xml><?xml version="1.0" encoding="utf-8"?>
-<p:sld xmlns:a="http://schemas.openxmlformats.org/drawingml/2006/main" xmlns:r="http://schemas.openxmlformats.org/officeDocument/2006/relationships" xmlns:p="http://schemas.openxmlformats.org/presentationml/2006/main">
-  <p:cSld>
-    <p:spTree>
-      <p:nvGrpSpPr>
-        <p:cNvPr id="1" name=""/>
-        <p:cNvGrpSpPr/>
-        <p:nvPr/>
-      </p:nvGrpSpPr>
-      <p:grpSpPr>
-        <a:xfrm>
-          <a:off x="0" y="0"/>
-          <a:ext cx="0" cy="0"/>
-          <a:chOff x="0" y="0"/>
-          <a:chExt cx="0" cy="0"/>
-        </a:xfrm>
-      </p:grpSpPr>
-      <p:sp>
-        <p:nvSpPr>
-          <p:cNvPr id="2" name="タイトル 1"/>
-          <p:cNvSpPr>
-            <a:spLocks noGrp="1"/>
-          </p:cNvSpPr>
-          <p:nvPr>
-            <p:ph type="title"/>
-          </p:nvPr>
-        </p:nvSpPr>
-        <p:spPr/>
-        <p:txBody>
-          <a:bodyPr/>
-          <a:lstStyle/>
-          <a:p>
-            <a:r>
-              <a:rPr kumimoji="1" lang="ja-JP" altLang="en-US" dirty="0" smtClean="0"/>
-              <a:t>数値計算結果</a:t>
-            </a:r>
-            <a:endParaRPr kumimoji="1" lang="ja-JP" altLang="en-US" dirty="0"/>
-          </a:p>
-        </p:txBody>
-      </p:sp>
-      <p:sp>
-        <p:nvSpPr>
-          <p:cNvPr id="3" name="コンテンツ プレースホルダー 2"/>
-          <p:cNvSpPr>
-            <a:spLocks noGrp="1"/>
-          </p:cNvSpPr>
-          <p:nvPr>
-            <p:ph idx="1"/>
-          </p:nvPr>
-        </p:nvSpPr>
-        <p:spPr/>
-        <p:txBody>
-          <a:bodyPr/>
-          <a:lstStyle/>
-          <a:p>
-            <a:r>
-              <a:rPr kumimoji="1" lang="ja-JP" altLang="en-US" dirty="0" smtClean="0"/>
-              <a:t>グラフ表示</a:t>
-            </a:r>
-          </a:p>
-        </p:txBody>
-      </p:sp>
-    </p:spTree>
-    <p:extLst>
-      <p:ext uri="{BB962C8B-B14F-4D97-AF65-F5344CB8AC3E}">
-        <p14:creationId xmlns:p14="http://schemas.microsoft.com/office/powerpoint/2010/main" val="3483215692"/>
-      </p:ext>
-    </p:extLst>
-  </p:cSld>
-  <p:clrMapOvr>
-    <a:masterClrMapping/>
-  </p:clrMapOvr>
-  <p:timing>
-    <p:tnLst>
-      <p:par>
-        <p:cTn id="1" dur="indefinite" restart="never" nodeType="tmRoot"/>
-      </p:par>
-    </p:tnLst>
-  </p:timing>
-</p:sld>
-</file>
-
-<file path=ppt/slides/slide11.xml><?xml version="1.0" encoding="utf-8"?>
-<p:sld xmlns:a="http://schemas.openxmlformats.org/drawingml/2006/main" xmlns:r="http://schemas.openxmlformats.org/officeDocument/2006/relationships" xmlns:p="http://schemas.openxmlformats.org/presentationml/2006/main">
-  <p:cSld>
-    <p:spTree>
-      <p:nvGrpSpPr>
-        <p:cNvPr id="1" name=""/>
-        <p:cNvGrpSpPr/>
-        <p:nvPr/>
-      </p:nvGrpSpPr>
-      <p:grpSpPr>
-        <a:xfrm>
-          <a:off x="0" y="0"/>
-          <a:ext cx="0" cy="0"/>
-          <a:chOff x="0" y="0"/>
-          <a:chExt cx="0" cy="0"/>
-        </a:xfrm>
-      </p:grpSpPr>
-      <p:sp>
-        <p:nvSpPr>
-          <p:cNvPr id="2" name="タイトル 1"/>
-          <p:cNvSpPr>
-            <a:spLocks noGrp="1"/>
-          </p:cNvSpPr>
-          <p:nvPr>
-            <p:ph type="title"/>
-          </p:nvPr>
-        </p:nvSpPr>
-        <p:spPr/>
-        <p:txBody>
-          <a:bodyPr/>
-          <a:lstStyle/>
-          <a:p>
-            <a:r>
-              <a:rPr kumimoji="1" lang="ja-JP" altLang="en-US" dirty="0" smtClean="0"/>
-              <a:t>数値計算結果の分析</a:t>
-            </a:r>
-            <a:endParaRPr kumimoji="1" lang="ja-JP" altLang="en-US" dirty="0"/>
-          </a:p>
-        </p:txBody>
-      </p:sp>
-      <p:sp>
-        <p:nvSpPr>
-          <p:cNvPr id="3" name="コンテンツ プレースホルダー 2"/>
-          <p:cNvSpPr>
-            <a:spLocks noGrp="1"/>
-          </p:cNvSpPr>
-          <p:nvPr>
-            <p:ph idx="1"/>
-          </p:nvPr>
-        </p:nvSpPr>
-        <p:spPr/>
-        <p:txBody>
-          <a:bodyPr/>
-          <a:lstStyle/>
-          <a:p>
-            <a:r>
-              <a:rPr kumimoji="1" lang="ja-JP" altLang="en-US" dirty="0" smtClean="0"/>
-              <a:t>多くて３、４つ</a:t>
-            </a:r>
-            <a:endParaRPr kumimoji="1" lang="ja-JP" altLang="en-US" dirty="0"/>
-          </a:p>
-        </p:txBody>
-      </p:sp>
-    </p:spTree>
-    <p:extLst>
-      <p:ext uri="{BB962C8B-B14F-4D97-AF65-F5344CB8AC3E}">
-        <p14:creationId xmlns:p14="http://schemas.microsoft.com/office/powerpoint/2010/main" val="3736256567"/>
-      </p:ext>
-    </p:extLst>
-  </p:cSld>
-  <p:clrMapOvr>
-    <a:masterClrMapping/>
-  </p:clrMapOvr>
-  <p:timing>
-    <p:tnLst>
-      <p:par>
-        <p:cTn id="1" dur="indefinite" restart="never" nodeType="tmRoot"/>
-      </p:par>
-    </p:tnLst>
-  </p:timing>
-</p:sld>
-</file>
-
-<file path=ppt/slides/slide12.xml><?xml version="1.0" encoding="utf-8"?>
-<p:sld xmlns:a="http://schemas.openxmlformats.org/drawingml/2006/main" xmlns:r="http://schemas.openxmlformats.org/officeDocument/2006/relationships" xmlns:p="http://schemas.openxmlformats.org/presentationml/2006/main">
-  <p:cSld>
-    <p:spTree>
-      <p:nvGrpSpPr>
-        <p:cNvPr id="1" name=""/>
-        <p:cNvGrpSpPr/>
-        <p:nvPr/>
-      </p:nvGrpSpPr>
-      <p:grpSpPr>
-        <a:xfrm>
-          <a:off x="0" y="0"/>
-          <a:ext cx="0" cy="0"/>
-          <a:chOff x="0" y="0"/>
-          <a:chExt cx="0" cy="0"/>
-        </a:xfrm>
-      </p:grpSpPr>
-      <p:sp>
-        <p:nvSpPr>
-          <p:cNvPr id="2" name="タイトル 1"/>
-          <p:cNvSpPr>
-            <a:spLocks noGrp="1"/>
-          </p:cNvSpPr>
-          <p:nvPr>
-            <p:ph type="title"/>
-          </p:nvPr>
-        </p:nvSpPr>
-        <p:spPr/>
-        <p:txBody>
-          <a:bodyPr/>
-          <a:lstStyle/>
-          <a:p>
-            <a:r>
-              <a:rPr kumimoji="1" lang="ja-JP" altLang="en-US" dirty="0" smtClean="0"/>
-              <a:t>結論</a:t>
-            </a:r>
-            <a:endParaRPr kumimoji="1" lang="ja-JP" altLang="en-US" dirty="0"/>
-          </a:p>
-        </p:txBody>
-      </p:sp>
-      <p:sp>
-        <p:nvSpPr>
-          <p:cNvPr id="3" name="コンテンツ プレースホルダー 2"/>
-          <p:cNvSpPr>
-            <a:spLocks noGrp="1"/>
-          </p:cNvSpPr>
-          <p:nvPr>
-            <p:ph idx="1"/>
-          </p:nvPr>
-        </p:nvSpPr>
-        <p:spPr/>
-        <p:txBody>
-          <a:bodyPr/>
-          <a:lstStyle/>
-          <a:p>
-            <a:r>
-              <a:rPr kumimoji="1" lang="ja-JP" altLang="en-US" dirty="0" smtClean="0"/>
-              <a:t>２、３行</a:t>
-            </a:r>
-            <a:endParaRPr kumimoji="1" lang="ja-JP" altLang="en-US" dirty="0"/>
-          </a:p>
-        </p:txBody>
-      </p:sp>
-    </p:spTree>
-    <p:extLst>
-      <p:ext uri="{BB962C8B-B14F-4D97-AF65-F5344CB8AC3E}">
-        <p14:creationId xmlns:p14="http://schemas.microsoft.com/office/powerpoint/2010/main" val="3466877443"/>
-      </p:ext>
-    </p:extLst>
-  </p:cSld>
-  <p:clrMapOvr>
-    <a:masterClrMapping/>
-  </p:clrMapOvr>
-  <p:timing>
-    <p:tnLst>
-      <p:par>
-        <p:cTn id="1" dur="indefinite" restart="never" nodeType="tmRoot"/>
-      </p:par>
-    </p:tnLst>
-  </p:timing>
-</p:sld>
-</file>
-
-<file path=ppt/slides/slide13.xml><?xml version="1.0" encoding="utf-8"?>
-<p:sld xmlns:a="http://schemas.openxmlformats.org/drawingml/2006/main" xmlns:r="http://schemas.openxmlformats.org/officeDocument/2006/relationships" xmlns:p="http://schemas.openxmlformats.org/presentationml/2006/main">
-  <p:cSld>
-    <p:spTree>
-      <p:nvGrpSpPr>
-        <p:cNvPr id="1" name=""/>
-        <p:cNvGrpSpPr/>
-        <p:nvPr/>
-      </p:nvGrpSpPr>
-      <p:grpSpPr>
-        <a:xfrm>
-          <a:off x="0" y="0"/>
-          <a:ext cx="0" cy="0"/>
-          <a:chOff x="0" y="0"/>
-          <a:chExt cx="0" cy="0"/>
-        </a:xfrm>
-      </p:grpSpPr>
-      <p:sp>
-        <p:nvSpPr>
-          <p:cNvPr id="2" name="タイトル 1"/>
-          <p:cNvSpPr>
-            <a:spLocks noGrp="1"/>
-          </p:cNvSpPr>
-          <p:nvPr>
-            <p:ph type="title"/>
-          </p:nvPr>
-        </p:nvSpPr>
-        <p:spPr/>
-        <p:txBody>
-          <a:bodyPr/>
-          <a:lstStyle/>
-          <a:p>
-            <a:r>
-              <a:rPr kumimoji="1" lang="ja-JP" altLang="en-US" dirty="0" smtClean="0"/>
-              <a:t>今後の研究方針</a:t>
-            </a:r>
-            <a:endParaRPr kumimoji="1" lang="ja-JP" altLang="en-US" dirty="0"/>
-          </a:p>
-        </p:txBody>
-      </p:sp>
-      <p:sp>
-        <p:nvSpPr>
-          <p:cNvPr id="3" name="コンテンツ プレースホルダー 2"/>
-          <p:cNvSpPr>
-            <a:spLocks noGrp="1"/>
-          </p:cNvSpPr>
-          <p:nvPr>
-            <p:ph idx="1"/>
-          </p:nvPr>
-        </p:nvSpPr>
-        <p:spPr/>
-        <p:txBody>
-          <a:bodyPr/>
-          <a:lstStyle/>
-          <a:p>
-            <a:endParaRPr kumimoji="1" lang="ja-JP" altLang="en-US" dirty="0"/>
-          </a:p>
-        </p:txBody>
-      </p:sp>
-    </p:spTree>
-    <p:extLst>
-      <p:ext uri="{BB962C8B-B14F-4D97-AF65-F5344CB8AC3E}">
-        <p14:creationId xmlns:p14="http://schemas.microsoft.com/office/powerpoint/2010/main" val="4140513809"/>
-      </p:ext>
-    </p:extLst>
-  </p:cSld>
-  <p:clrMapOvr>
-    <a:masterClrMapping/>
-  </p:clrMapOvr>
-  <p:timing>
-    <p:tnLst>
-      <p:par>
-        <p:cTn id="1" dur="indefinite" restart="never" nodeType="tmRoot"/>
-      </p:par>
-    </p:tnLst>
-  </p:timing>
-</p:sld>
-</file>
-
-<file path=ppt/slides/slide14.xml><?xml version="1.0" encoding="utf-8"?>
-<p:sld xmlns:a="http://schemas.openxmlformats.org/drawingml/2006/main" xmlns:r="http://schemas.openxmlformats.org/officeDocument/2006/relationships" xmlns:p="http://schemas.openxmlformats.org/presentationml/2006/main">
-  <p:cSld>
-    <p:spTree>
-      <p:nvGrpSpPr>
-        <p:cNvPr id="1" name=""/>
-        <p:cNvGrpSpPr/>
-        <p:nvPr/>
-      </p:nvGrpSpPr>
-      <p:grpSpPr>
-        <a:xfrm>
-          <a:off x="0" y="0"/>
-          <a:ext cx="0" cy="0"/>
-          <a:chOff x="0" y="0"/>
-          <a:chExt cx="0" cy="0"/>
-        </a:xfrm>
-      </p:grpSpPr>
-      <p:sp>
-        <p:nvSpPr>
-          <p:cNvPr id="2" name="タイトル 1"/>
-          <p:cNvSpPr>
-            <a:spLocks noGrp="1"/>
-          </p:cNvSpPr>
-          <p:nvPr>
-            <p:ph type="title"/>
-          </p:nvPr>
-        </p:nvSpPr>
-        <p:spPr/>
-        <p:txBody>
-          <a:bodyPr/>
-          <a:lstStyle/>
-          <a:p>
-            <a:endParaRPr kumimoji="1" lang="ja-JP" altLang="en-US" dirty="0"/>
-          </a:p>
-        </p:txBody>
-      </p:sp>
-      <p:sp>
-        <p:nvSpPr>
-          <p:cNvPr id="3" name="コンテンツ プレースホルダー 2"/>
-          <p:cNvSpPr>
-            <a:spLocks noGrp="1"/>
-          </p:cNvSpPr>
-          <p:nvPr>
-            <p:ph idx="1"/>
-          </p:nvPr>
-        </p:nvSpPr>
-        <p:spPr/>
-        <p:txBody>
-          <a:bodyPr/>
-          <a:lstStyle/>
-          <a:p>
-            <a:endParaRPr kumimoji="1" lang="ja-JP" altLang="en-US"/>
-          </a:p>
-        </p:txBody>
-      </p:sp>
-    </p:spTree>
-    <p:extLst>
-      <p:ext uri="{BB962C8B-B14F-4D97-AF65-F5344CB8AC3E}">
-        <p14:creationId xmlns:p14="http://schemas.microsoft.com/office/powerpoint/2010/main" val="2262437481"/>
-      </p:ext>
-    </p:extLst>
-  </p:cSld>
-  <p:clrMapOvr>
-    <a:masterClrMapping/>
-  </p:clrMapOvr>
-</p:sld>
-</file>
-
-<file path=ppt/slides/slide15.xml><?xml version="1.0" encoding="utf-8"?>
-<p:sld xmlns:a="http://schemas.openxmlformats.org/drawingml/2006/main" xmlns:r="http://schemas.openxmlformats.org/officeDocument/2006/relationships" xmlns:p="http://schemas.openxmlformats.org/presentationml/2006/main">
-  <p:cSld>
-    <p:spTree>
-      <p:nvGrpSpPr>
-        <p:cNvPr id="1" name=""/>
-        <p:cNvGrpSpPr/>
-        <p:nvPr/>
-      </p:nvGrpSpPr>
-      <p:grpSpPr>
-        <a:xfrm>
-          <a:off x="0" y="0"/>
-          <a:ext cx="0" cy="0"/>
-          <a:chOff x="0" y="0"/>
-          <a:chExt cx="0" cy="0"/>
-        </a:xfrm>
-      </p:grpSpPr>
-      <p:sp>
-        <p:nvSpPr>
-          <p:cNvPr id="4" name="タイトル 3"/>
-          <p:cNvSpPr>
-            <a:spLocks noGrp="1"/>
-          </p:cNvSpPr>
-          <p:nvPr>
-            <p:ph type="title"/>
-          </p:nvPr>
-        </p:nvSpPr>
-        <p:spPr/>
-        <p:txBody>
-          <a:bodyPr/>
-          <a:lstStyle/>
-          <a:p>
-            <a:endParaRPr kumimoji="1" lang="ja-JP" altLang="en-US" dirty="0"/>
-          </a:p>
-        </p:txBody>
-      </p:sp>
-    </p:spTree>
-    <p:extLst>
-      <p:ext uri="{BB962C8B-B14F-4D97-AF65-F5344CB8AC3E}">
-        <p14:creationId xmlns:p14="http://schemas.microsoft.com/office/powerpoint/2010/main" val="1059239015"/>
-      </p:ext>
-    </p:extLst>
-  </p:cSld>
-  <p:clrMapOvr>
-    <a:masterClrMapping/>
-  </p:clrMapOvr>
-</p:sld>
-</file>
-
-<file path=ppt/slides/slide16.xml><?xml version="1.0" encoding="utf-8"?>
-<p:sld xmlns:a="http://schemas.openxmlformats.org/drawingml/2006/main" xmlns:r="http://schemas.openxmlformats.org/officeDocument/2006/relationships" xmlns:p="http://schemas.openxmlformats.org/presentationml/2006/main">
-  <p:cSld>
-    <p:spTree>
-      <p:nvGrpSpPr>
-        <p:cNvPr id="1" name=""/>
-        <p:cNvGrpSpPr/>
-        <p:nvPr/>
-      </p:nvGrpSpPr>
-      <p:grpSpPr>
-        <a:xfrm>
-          <a:off x="0" y="0"/>
-          <a:ext cx="0" cy="0"/>
-          <a:chOff x="0" y="0"/>
-          <a:chExt cx="0" cy="0"/>
-        </a:xfrm>
-      </p:grpSpPr>
-      <p:sp>
-        <p:nvSpPr>
-          <p:cNvPr id="2" name="タイトル 1"/>
-          <p:cNvSpPr>
-            <a:spLocks noGrp="1"/>
-          </p:cNvSpPr>
-          <p:nvPr>
-            <p:ph type="title"/>
-          </p:nvPr>
-        </p:nvSpPr>
-        <p:spPr/>
-        <p:txBody>
-          <a:bodyPr>
-            <a:normAutofit/>
-          </a:bodyPr>
-          <a:lstStyle/>
-          <a:p>
-            <a:r>
-              <a:rPr kumimoji="1" lang="ja-JP" altLang="en-US" dirty="0" smtClean="0"/>
-              <a:t>電子タグによる免疫機構の表現</a:t>
-            </a:r>
-            <a:endParaRPr kumimoji="1" lang="ja-JP" altLang="en-US" dirty="0"/>
-          </a:p>
-        </p:txBody>
-      </p:sp>
-      <p:sp>
-        <p:nvSpPr>
-          <p:cNvPr id="3" name="コンテンツ プレースホルダー 2"/>
-          <p:cNvSpPr>
-            <a:spLocks noGrp="1"/>
-          </p:cNvSpPr>
-          <p:nvPr>
-            <p:ph idx="1"/>
-          </p:nvPr>
-        </p:nvSpPr>
-        <p:spPr/>
-        <p:txBody>
-          <a:bodyPr/>
-          <a:lstStyle/>
-          <a:p>
-            <a:endParaRPr kumimoji="1" lang="ja-JP" altLang="en-US"/>
-          </a:p>
-        </p:txBody>
-      </p:sp>
-    </p:spTree>
-    <p:extLst>
-      <p:ext uri="{BB962C8B-B14F-4D97-AF65-F5344CB8AC3E}">
-        <p14:creationId xmlns:p14="http://schemas.microsoft.com/office/powerpoint/2010/main" val="3599667620"/>
-      </p:ext>
-    </p:extLst>
-  </p:cSld>
-  <p:clrMapOvr>
-    <a:masterClrMapping/>
-  </p:clrMapOvr>
-  <p:timing>
-    <p:tnLst>
-      <p:par>
-        <p:cTn id="1" dur="indefinite" restart="never" nodeType="tmRoot"/>
-      </p:par>
-    </p:tnLst>
-  </p:timing>
-</p:sld>
-</file>
-
-<file path=ppt/slides/slide17.xml><?xml version="1.0" encoding="utf-8"?>
-<p:sld xmlns:a="http://schemas.openxmlformats.org/drawingml/2006/main" xmlns:r="http://schemas.openxmlformats.org/officeDocument/2006/relationships" xmlns:p="http://schemas.openxmlformats.org/presentationml/2006/main">
-  <p:cSld>
-    <p:spTree>
-      <p:nvGrpSpPr>
-        <p:cNvPr id="1" name=""/>
-        <p:cNvGrpSpPr/>
-        <p:nvPr/>
-      </p:nvGrpSpPr>
-      <p:grpSpPr>
-        <a:xfrm>
-          <a:off x="0" y="0"/>
-          <a:ext cx="0" cy="0"/>
-          <a:chOff x="0" y="0"/>
-          <a:chExt cx="0" cy="0"/>
-        </a:xfrm>
-      </p:grpSpPr>
-      <p:sp>
-        <p:nvSpPr>
-          <p:cNvPr id="2" name="タイトル 1"/>
-          <p:cNvSpPr>
-            <a:spLocks noGrp="1"/>
-          </p:cNvSpPr>
-          <p:nvPr>
-            <p:ph type="title"/>
-          </p:nvPr>
-        </p:nvSpPr>
-        <p:spPr/>
-        <p:txBody>
-          <a:bodyPr>
-            <a:normAutofit fontScale="90000"/>
-          </a:bodyPr>
-          <a:lstStyle/>
-          <a:p>
-            <a:r>
-              <a:rPr kumimoji="1" lang="ja-JP" altLang="en-US" dirty="0" smtClean="0"/>
-              <a:t>電子タグを用いた免疫機構の表現の妥当性</a:t>
-            </a:r>
-            <a:endParaRPr kumimoji="1" lang="ja-JP" altLang="en-US" dirty="0"/>
-          </a:p>
-        </p:txBody>
-      </p:sp>
-      <p:sp>
-        <p:nvSpPr>
-          <p:cNvPr id="3" name="コンテンツ プレースホルダー 2"/>
-          <p:cNvSpPr>
-            <a:spLocks noGrp="1"/>
-          </p:cNvSpPr>
-          <p:nvPr>
-            <p:ph idx="1"/>
-          </p:nvPr>
-        </p:nvSpPr>
-        <p:spPr/>
-        <p:txBody>
-          <a:bodyPr/>
-          <a:lstStyle/>
-          <a:p>
-            <a:endParaRPr kumimoji="1" lang="ja-JP" altLang="en-US"/>
-          </a:p>
-        </p:txBody>
-      </p:sp>
-    </p:spTree>
-    <p:extLst>
-      <p:ext uri="{BB962C8B-B14F-4D97-AF65-F5344CB8AC3E}">
-        <p14:creationId xmlns:p14="http://schemas.microsoft.com/office/powerpoint/2010/main" val="296766167"/>
-      </p:ext>
-    </p:extLst>
-  </p:cSld>
-  <p:clrMapOvr>
-    <a:masterClrMapping/>
-  </p:clrMapOvr>
-  <p:timing>
-    <p:tnLst>
-      <p:par>
-        <p:cTn id="1" dur="indefinite" restart="never" nodeType="tmRoot"/>
-      </p:par>
-    </p:tnLst>
-  </p:timing>
-</p:sld>
-</file>
-
-<file path=ppt/slides/slide18.xml><?xml version="1.0" encoding="utf-8"?>
-<p:sld xmlns:a="http://schemas.openxmlformats.org/drawingml/2006/main" xmlns:r="http://schemas.openxmlformats.org/officeDocument/2006/relationships" xmlns:p="http://schemas.openxmlformats.org/presentationml/2006/main">
-  <p:cSld>
-    <p:spTree>
-      <p:nvGrpSpPr>
-        <p:cNvPr id="1" name=""/>
-        <p:cNvGrpSpPr/>
-        <p:nvPr/>
-      </p:nvGrpSpPr>
-      <p:grpSpPr>
-        <a:xfrm>
-          <a:off x="0" y="0"/>
-          <a:ext cx="0" cy="0"/>
-          <a:chOff x="0" y="0"/>
-          <a:chExt cx="0" cy="0"/>
-        </a:xfrm>
-      </p:grpSpPr>
-      <p:sp>
-        <p:nvSpPr>
-          <p:cNvPr id="2" name="タイトル 1"/>
-          <p:cNvSpPr>
-            <a:spLocks noGrp="1"/>
-          </p:cNvSpPr>
-          <p:nvPr>
-            <p:ph type="title"/>
-          </p:nvPr>
-        </p:nvSpPr>
-        <p:spPr/>
-        <p:txBody>
-          <a:bodyPr/>
-          <a:lstStyle/>
-          <a:p>
-            <a:r>
-              <a:rPr kumimoji="1" lang="ja-JP" altLang="en-US" dirty="0" smtClean="0"/>
-              <a:t>延長された表現型とは</a:t>
-            </a:r>
-            <a:endParaRPr kumimoji="1" lang="ja-JP" altLang="en-US" dirty="0"/>
-          </a:p>
-        </p:txBody>
-      </p:sp>
-      <p:sp>
-        <p:nvSpPr>
-          <p:cNvPr id="3" name="コンテンツ プレースホルダー 2"/>
-          <p:cNvSpPr>
-            <a:spLocks noGrp="1"/>
-          </p:cNvSpPr>
-          <p:nvPr>
-            <p:ph idx="1"/>
-          </p:nvPr>
-        </p:nvSpPr>
-        <p:spPr/>
-        <p:txBody>
-          <a:bodyPr/>
-          <a:lstStyle/>
-          <a:p>
-            <a:pPr marL="0" indent="0">
-              <a:buNone/>
-            </a:pPr>
-            <a:endParaRPr kumimoji="1" lang="ja-JP" altLang="en-US" dirty="0"/>
-          </a:p>
-        </p:txBody>
-      </p:sp>
-    </p:spTree>
-    <p:extLst>
-      <p:ext uri="{BB962C8B-B14F-4D97-AF65-F5344CB8AC3E}">
-        <p14:creationId xmlns:p14="http://schemas.microsoft.com/office/powerpoint/2010/main" val="3461091930"/>
-      </p:ext>
-    </p:extLst>
-  </p:cSld>
-  <p:clrMapOvr>
-    <a:masterClrMapping/>
-  </p:clrMapOvr>
-  <p:timing>
-    <p:tnLst>
-      <p:par>
-        <p:cTn id="1" dur="indefinite" restart="never" nodeType="tmRoot"/>
-      </p:par>
-    </p:tnLst>
-  </p:timing>
-</p:sld>
-</file>
-
-<file path=ppt/slides/slide19.xml><?xml version="1.0" encoding="utf-8"?>
-<p:sld xmlns:a="http://schemas.openxmlformats.org/drawingml/2006/main" xmlns:r="http://schemas.openxmlformats.org/officeDocument/2006/relationships" xmlns:p="http://schemas.openxmlformats.org/presentationml/2006/main">
-  <p:cSld>
-    <p:spTree>
-      <p:nvGrpSpPr>
-        <p:cNvPr id="1" name=""/>
-        <p:cNvGrpSpPr/>
-        <p:nvPr/>
-      </p:nvGrpSpPr>
-      <p:grpSpPr>
-        <a:xfrm>
-          <a:off x="0" y="0"/>
-          <a:ext cx="0" cy="0"/>
-          <a:chOff x="0" y="0"/>
-          <a:chExt cx="0" cy="0"/>
-        </a:xfrm>
-      </p:grpSpPr>
-      <p:sp>
-        <p:nvSpPr>
-          <p:cNvPr id="2" name="フローチャート : 代替処理 1"/>
-          <p:cNvSpPr/>
-          <p:nvPr/>
-        </p:nvSpPr>
-        <p:spPr>
-          <a:xfrm>
-            <a:off x="323528" y="260648"/>
-            <a:ext cx="1656184" cy="432048"/>
-          </a:xfrm>
-          <a:prstGeom prst="flowChartAlternateProcess">
-            <a:avLst/>
-          </a:prstGeom>
-        </p:spPr>
-        <p:style>
-          <a:lnRef idx="2">
-            <a:schemeClr val="accent1"/>
-          </a:lnRef>
-          <a:fillRef idx="1">
-            <a:schemeClr val="lt1"/>
-          </a:fillRef>
-          <a:effectRef idx="0">
-            <a:schemeClr val="accent1"/>
-          </a:effectRef>
-          <a:fontRef idx="minor">
-            <a:schemeClr val="dk1"/>
-          </a:fontRef>
-        </p:style>
-        <p:txBody>
-          <a:bodyPr rtlCol="0" anchor="ctr"/>
-          <a:lstStyle/>
-          <a:p>
-            <a:pPr algn="ctr"/>
-            <a:r>
-              <a:rPr kumimoji="1" lang="ja-JP" altLang="en-US" dirty="0" smtClean="0"/>
-              <a:t>個体の行動</a:t>
-            </a:r>
-            <a:endParaRPr kumimoji="1" lang="ja-JP" altLang="en-US" dirty="0"/>
-          </a:p>
-        </p:txBody>
-      </p:sp>
-      <p:sp>
-        <p:nvSpPr>
-          <p:cNvPr id="3" name="フローチャート : 代替処理 2"/>
-          <p:cNvSpPr/>
-          <p:nvPr/>
-        </p:nvSpPr>
-        <p:spPr>
-          <a:xfrm>
-            <a:off x="5906616" y="4345568"/>
-            <a:ext cx="914400" cy="612648"/>
-          </a:xfrm>
-          <a:prstGeom prst="flowChartAlternateProcess">
-            <a:avLst/>
-          </a:prstGeom>
-        </p:spPr>
-        <p:style>
-          <a:lnRef idx="2">
-            <a:schemeClr val="accent1"/>
-          </a:lnRef>
-          <a:fillRef idx="1">
-            <a:schemeClr val="lt1"/>
-          </a:fillRef>
-          <a:effectRef idx="0">
-            <a:schemeClr val="accent1"/>
-          </a:effectRef>
-          <a:fontRef idx="minor">
-            <a:schemeClr val="dk1"/>
-          </a:fontRef>
-        </p:style>
-        <p:txBody>
-          <a:bodyPr rtlCol="0" anchor="ctr"/>
-          <a:lstStyle/>
-          <a:p>
-            <a:pPr algn="ctr"/>
-            <a:endParaRPr kumimoji="1" lang="ja-JP" altLang="en-US"/>
-          </a:p>
-        </p:txBody>
-      </p:sp>
-      <p:sp>
-        <p:nvSpPr>
-          <p:cNvPr id="4" name="フローチャート : 端子 3"/>
-          <p:cNvSpPr/>
-          <p:nvPr/>
-        </p:nvSpPr>
-        <p:spPr>
-          <a:xfrm>
-            <a:off x="323528" y="1700808"/>
-            <a:ext cx="914400" cy="301752"/>
-          </a:xfrm>
-          <a:prstGeom prst="flowChartTerminator">
-            <a:avLst/>
-          </a:prstGeom>
-        </p:spPr>
-        <p:style>
-          <a:lnRef idx="2">
-            <a:schemeClr val="accent1"/>
-          </a:lnRef>
-          <a:fillRef idx="1">
-            <a:schemeClr val="lt1"/>
-          </a:fillRef>
-          <a:effectRef idx="0">
-            <a:schemeClr val="accent1"/>
-          </a:effectRef>
-          <a:fontRef idx="minor">
-            <a:schemeClr val="dk1"/>
-          </a:fontRef>
-        </p:style>
-        <p:txBody>
-          <a:bodyPr rtlCol="0" anchor="ctr"/>
-          <a:lstStyle/>
-          <a:p>
-            <a:pPr algn="ctr"/>
-            <a:r>
-              <a:rPr kumimoji="1" lang="ja-JP" altLang="en-US" dirty="0" smtClean="0"/>
-              <a:t>開始</a:t>
-            </a:r>
-            <a:endParaRPr kumimoji="1" lang="ja-JP" altLang="en-US" dirty="0"/>
-          </a:p>
-        </p:txBody>
-      </p:sp>
-      <p:sp>
-        <p:nvSpPr>
-          <p:cNvPr id="5" name="フローチャート : 端子 4"/>
-          <p:cNvSpPr/>
-          <p:nvPr/>
-        </p:nvSpPr>
-        <p:spPr>
-          <a:xfrm>
-            <a:off x="5906616" y="6165304"/>
-            <a:ext cx="914400" cy="301752"/>
-          </a:xfrm>
-          <a:prstGeom prst="flowChartTerminator">
-            <a:avLst/>
-          </a:prstGeom>
-        </p:spPr>
-        <p:style>
-          <a:lnRef idx="2">
-            <a:schemeClr val="accent1"/>
-          </a:lnRef>
-          <a:fillRef idx="1">
-            <a:schemeClr val="lt1"/>
-          </a:fillRef>
-          <a:effectRef idx="0">
-            <a:schemeClr val="accent1"/>
-          </a:effectRef>
-          <a:fontRef idx="minor">
-            <a:schemeClr val="dk1"/>
-          </a:fontRef>
-        </p:style>
-        <p:txBody>
-          <a:bodyPr rtlCol="0" anchor="ctr"/>
-          <a:lstStyle/>
-          <a:p>
-            <a:pPr algn="ctr"/>
-            <a:r>
-              <a:rPr kumimoji="1" lang="ja-JP" altLang="en-US" dirty="0" smtClean="0"/>
-              <a:t>終了</a:t>
-            </a:r>
-            <a:endParaRPr kumimoji="1" lang="ja-JP" altLang="en-US" dirty="0"/>
-          </a:p>
-        </p:txBody>
-      </p:sp>
-      <p:sp>
-        <p:nvSpPr>
-          <p:cNvPr id="6" name="フローチャート : 代替処理 5"/>
-          <p:cNvSpPr/>
-          <p:nvPr/>
-        </p:nvSpPr>
-        <p:spPr>
-          <a:xfrm>
-            <a:off x="323528" y="4149080"/>
-            <a:ext cx="3646496" cy="1235436"/>
-          </a:xfrm>
-          <a:prstGeom prst="flowChartAlternateProcess">
-            <a:avLst/>
-          </a:prstGeom>
-        </p:spPr>
-        <p:style>
-          <a:lnRef idx="2">
-            <a:schemeClr val="accent1"/>
-          </a:lnRef>
-          <a:fillRef idx="1">
-            <a:schemeClr val="lt1"/>
-          </a:fillRef>
-          <a:effectRef idx="0">
-            <a:schemeClr val="accent1"/>
-          </a:effectRef>
-          <a:fontRef idx="minor">
-            <a:schemeClr val="dk1"/>
-          </a:fontRef>
-        </p:style>
-        <p:txBody>
-          <a:bodyPr rtlCol="0" anchor="ctr"/>
-          <a:lstStyle/>
-          <a:p>
-            <a:pPr algn="ctr"/>
-            <a:r>
-              <a:rPr kumimoji="1" lang="ja-JP" altLang="en-US" dirty="0" smtClean="0"/>
-              <a:t>近隣の他個体それぞれに対して、保持ウイルスの中からランダムで１つ選び、待機ウイルスに加える</a:t>
-            </a:r>
-            <a:endParaRPr kumimoji="1" lang="ja-JP" altLang="en-US" dirty="0"/>
-          </a:p>
-        </p:txBody>
-      </p:sp>
-      <p:sp>
-        <p:nvSpPr>
-          <p:cNvPr id="7" name="フローチャート : 代替処理 6"/>
-          <p:cNvSpPr/>
-          <p:nvPr/>
-        </p:nvSpPr>
-        <p:spPr>
-          <a:xfrm>
-            <a:off x="5906616" y="5236664"/>
-            <a:ext cx="914400" cy="612648"/>
-          </a:xfrm>
-          <a:prstGeom prst="flowChartAlternateProcess">
-            <a:avLst/>
-          </a:prstGeom>
-        </p:spPr>
-        <p:style>
-          <a:lnRef idx="2">
-            <a:schemeClr val="accent1"/>
-          </a:lnRef>
-          <a:fillRef idx="1">
-            <a:schemeClr val="lt1"/>
-          </a:fillRef>
-          <a:effectRef idx="0">
-            <a:schemeClr val="accent1"/>
-          </a:effectRef>
-          <a:fontRef idx="minor">
-            <a:schemeClr val="dk1"/>
-          </a:fontRef>
-        </p:style>
-        <p:txBody>
-          <a:bodyPr rtlCol="0" anchor="ctr"/>
-          <a:lstStyle/>
-          <a:p>
-            <a:pPr algn="ctr"/>
-            <a:endParaRPr kumimoji="1" lang="ja-JP" altLang="en-US"/>
-          </a:p>
-        </p:txBody>
-      </p:sp>
-      <p:sp>
-        <p:nvSpPr>
-          <p:cNvPr id="8" name="フローチャート : 代替処理 7"/>
-          <p:cNvSpPr/>
-          <p:nvPr/>
-        </p:nvSpPr>
-        <p:spPr>
-          <a:xfrm>
-            <a:off x="323528" y="3068960"/>
-            <a:ext cx="2376264" cy="792088"/>
-          </a:xfrm>
-          <a:prstGeom prst="flowChartAlternateProcess">
-            <a:avLst/>
-          </a:prstGeom>
-        </p:spPr>
-        <p:style>
-          <a:lnRef idx="2">
-            <a:schemeClr val="accent1"/>
-          </a:lnRef>
-          <a:fillRef idx="1">
-            <a:schemeClr val="lt1"/>
-          </a:fillRef>
-          <a:effectRef idx="0">
-            <a:schemeClr val="accent1"/>
-          </a:effectRef>
-          <a:fontRef idx="minor">
-            <a:schemeClr val="dk1"/>
-          </a:fontRef>
-        </p:style>
-        <p:txBody>
-          <a:bodyPr rtlCol="0" anchor="ctr"/>
-          <a:lstStyle/>
-          <a:p>
-            <a:pPr algn="ctr"/>
-            <a:r>
-              <a:rPr lang="ja-JP" altLang="en-US" dirty="0" smtClean="0"/>
-              <a:t>ランダムに</a:t>
-            </a:r>
-            <a:endParaRPr lang="en-US" altLang="ja-JP" dirty="0" smtClean="0"/>
-          </a:p>
-          <a:p>
-            <a:pPr algn="ctr"/>
-            <a:r>
-              <a:rPr lang="ja-JP" altLang="en-US" dirty="0" smtClean="0"/>
-              <a:t>土地に配置される</a:t>
-            </a:r>
-            <a:endParaRPr kumimoji="1" lang="ja-JP" altLang="en-US" dirty="0"/>
-          </a:p>
-        </p:txBody>
-      </p:sp>
-      <p:sp>
-        <p:nvSpPr>
-          <p:cNvPr id="9" name="フローチャート : 代替処理 8"/>
-          <p:cNvSpPr/>
-          <p:nvPr/>
-        </p:nvSpPr>
-        <p:spPr>
-          <a:xfrm>
-            <a:off x="323528" y="2209588"/>
-            <a:ext cx="1512168" cy="612648"/>
-          </a:xfrm>
-          <a:prstGeom prst="flowChartAlternateProcess">
-            <a:avLst/>
-          </a:prstGeom>
-        </p:spPr>
-        <p:style>
-          <a:lnRef idx="2">
-            <a:schemeClr val="accent1"/>
-          </a:lnRef>
-          <a:fillRef idx="1">
-            <a:schemeClr val="lt1"/>
-          </a:fillRef>
-          <a:effectRef idx="0">
-            <a:schemeClr val="accent1"/>
-          </a:effectRef>
-          <a:fontRef idx="minor">
-            <a:schemeClr val="dk1"/>
-          </a:fontRef>
-        </p:style>
-        <p:txBody>
-          <a:bodyPr rtlCol="0" anchor="ctr"/>
-          <a:lstStyle/>
-          <a:p>
-            <a:pPr algn="ctr"/>
-            <a:r>
-              <a:rPr kumimoji="1" lang="ja-JP" altLang="en-US" dirty="0" smtClean="0"/>
-              <a:t>初期感染</a:t>
-            </a:r>
-            <a:endParaRPr kumimoji="1" lang="ja-JP" altLang="en-US" dirty="0"/>
-          </a:p>
-        </p:txBody>
-      </p:sp>
-    </p:spTree>
-    <p:extLst>
-      <p:ext uri="{BB962C8B-B14F-4D97-AF65-F5344CB8AC3E}">
-        <p14:creationId xmlns:p14="http://schemas.microsoft.com/office/powerpoint/2010/main" val="1149217472"/>
-      </p:ext>
-    </p:extLst>
-  </p:cSld>
-  <p:clrMapOvr>
-    <a:masterClrMapping/>
-  </p:clrMapOvr>
-  <p:timing>
-    <p:tnLst>
-      <p:par>
-        <p:cTn id="1" dur="indefinite" restart="never" nodeType="tmRoot"/>
-      </p:par>
-    </p:tnLst>
-  </p:timing>
-</p:sld>
-</file>
-
-<file path=ppt/slides/slide2.xml><?xml version="1.0" encoding="utf-8"?>
-<p:sld xmlns:a="http://schemas.openxmlformats.org/drawingml/2006/main" xmlns:r="http://schemas.openxmlformats.org/officeDocument/2006/relationships" xmlns:p="http://schemas.openxmlformats.org/presentationml/2006/main">
-  <p:cSld>
-    <p:spTree>
-      <p:nvGrpSpPr>
-        <p:cNvPr id="1" name=""/>
-        <p:cNvGrpSpPr/>
-        <p:nvPr/>
-      </p:nvGrpSpPr>
-      <p:grpSpPr>
-        <a:xfrm>
-          <a:off x="0" y="0"/>
-          <a:ext cx="0" cy="0"/>
-          <a:chOff x="0" y="0"/>
-          <a:chExt cx="0" cy="0"/>
-        </a:xfrm>
-      </p:grpSpPr>
-      <p:sp>
-        <p:nvSpPr>
-          <p:cNvPr id="2" name="タイトル 1"/>
-          <p:cNvSpPr>
-            <a:spLocks noGrp="1"/>
-          </p:cNvSpPr>
-          <p:nvPr>
-            <p:ph type="title"/>
-          </p:nvPr>
-        </p:nvSpPr>
-        <p:spPr/>
-        <p:txBody>
-          <a:bodyPr/>
-          <a:lstStyle/>
-          <a:p>
-            <a:r>
-              <a:rPr kumimoji="1" lang="ja-JP" altLang="en-US" dirty="0" smtClean="0"/>
-              <a:t>研究目的</a:t>
-            </a:r>
-            <a:endParaRPr kumimoji="1" lang="ja-JP" altLang="en-US" dirty="0"/>
-          </a:p>
-        </p:txBody>
-      </p:sp>
-      <p:sp>
-        <p:nvSpPr>
-          <p:cNvPr id="3" name="コンテンツ プレースホルダー 2"/>
-          <p:cNvSpPr>
-            <a:spLocks noGrp="1"/>
-          </p:cNvSpPr>
-          <p:nvPr>
-            <p:ph idx="1"/>
-          </p:nvPr>
-        </p:nvSpPr>
-        <p:spPr/>
-        <p:txBody>
-          <a:bodyPr/>
-          <a:lstStyle/>
-          <a:p>
-            <a:r>
-              <a:rPr kumimoji="1" lang="ja-JP" altLang="en-US" dirty="0" smtClean="0"/>
-              <a:t>電子タグの照合により感染・免疫・病原体駆除を電子タグを用いて表現</a:t>
-            </a:r>
-            <a:r>
-              <a:rPr kumimoji="1" lang="ja-JP" altLang="en-US" dirty="0" smtClean="0"/>
-              <a:t>する</a:t>
-            </a:r>
-            <a:endParaRPr kumimoji="1" lang="en-US" altLang="ja-JP" dirty="0" smtClean="0"/>
-          </a:p>
-          <a:p>
-            <a:r>
-              <a:rPr lang="ja-JP" altLang="en-US" dirty="0"/>
-              <a:t>これ</a:t>
-            </a:r>
-            <a:r>
-              <a:rPr kumimoji="1" lang="ja-JP" altLang="en-US" dirty="0" smtClean="0"/>
-              <a:t>に</a:t>
-            </a:r>
-            <a:r>
-              <a:rPr kumimoji="1" lang="ja-JP" altLang="en-US" dirty="0" smtClean="0"/>
-              <a:t>より、伝染病の感染拡大現象を微分方程式を用いたＳＩＲモデルよりも正確に表現できるＡＢＭを構築する。</a:t>
-            </a:r>
-            <a:endParaRPr kumimoji="1" lang="ja-JP" altLang="en-US" dirty="0"/>
-          </a:p>
-        </p:txBody>
-      </p:sp>
-    </p:spTree>
-    <p:extLst>
-      <p:ext uri="{BB962C8B-B14F-4D97-AF65-F5344CB8AC3E}">
-        <p14:creationId xmlns:p14="http://schemas.microsoft.com/office/powerpoint/2010/main" val="4191126535"/>
-      </p:ext>
-    </p:extLst>
-  </p:cSld>
-  <p:clrMapOvr>
-    <a:masterClrMapping/>
-  </p:clrMapOvr>
-</p:sld>
-</file>
-
-<file path=ppt/slides/slide20.xml><?xml version="1.0" encoding="utf-8"?>
-<p:sld xmlns:a="http://schemas.openxmlformats.org/drawingml/2006/main" xmlns:r="http://schemas.openxmlformats.org/officeDocument/2006/relationships" xmlns:p="http://schemas.openxmlformats.org/presentationml/2006/main">
-  <p:cSld>
-    <p:spTree>
-      <p:nvGrpSpPr>
-        <p:cNvPr id="1" name=""/>
-        <p:cNvGrpSpPr/>
-        <p:nvPr/>
-      </p:nvGrpSpPr>
-      <p:grpSpPr>
-        <a:xfrm>
-          <a:off x="0" y="0"/>
-          <a:ext cx="0" cy="0"/>
-          <a:chOff x="0" y="0"/>
-          <a:chExt cx="0" cy="0"/>
-        </a:xfrm>
-      </p:grpSpPr>
-      <p:sp>
-        <p:nvSpPr>
-          <p:cNvPr id="2" name="タイトル 1"/>
-          <p:cNvSpPr>
-            <a:spLocks noGrp="1"/>
-          </p:cNvSpPr>
-          <p:nvPr>
-            <p:ph type="title"/>
-          </p:nvPr>
-        </p:nvSpPr>
-        <p:spPr/>
-        <p:txBody>
-          <a:bodyPr/>
-          <a:lstStyle/>
-          <a:p>
-            <a:r>
-              <a:rPr kumimoji="1" lang="ja-JP" altLang="en-US" dirty="0" smtClean="0"/>
-              <a:t>パラメータ集合の分類</a:t>
-            </a:r>
-            <a:endParaRPr kumimoji="1" lang="ja-JP" altLang="en-US" dirty="0"/>
-          </a:p>
-        </p:txBody>
-      </p:sp>
-      <p:sp>
-        <p:nvSpPr>
-          <p:cNvPr id="3" name="コンテンツ プレースホルダー 2"/>
-          <p:cNvSpPr>
-            <a:spLocks noGrp="1"/>
-          </p:cNvSpPr>
-          <p:nvPr>
-            <p:ph idx="1"/>
-          </p:nvPr>
-        </p:nvSpPr>
-        <p:spPr/>
-        <p:txBody>
-          <a:bodyPr/>
-          <a:lstStyle/>
-          <a:p>
-            <a:r>
-              <a:rPr kumimoji="1" lang="ja-JP" altLang="en-US" dirty="0" smtClean="0"/>
-              <a:t>８つ</a:t>
-            </a:r>
-            <a:endParaRPr kumimoji="1" lang="ja-JP" altLang="en-US" dirty="0"/>
-          </a:p>
-        </p:txBody>
-      </p:sp>
-    </p:spTree>
-    <p:extLst>
-      <p:ext uri="{BB962C8B-B14F-4D97-AF65-F5344CB8AC3E}">
-        <p14:creationId xmlns:p14="http://schemas.microsoft.com/office/powerpoint/2010/main" val="3741923519"/>
-      </p:ext>
-    </p:extLst>
-  </p:cSld>
-  <p:clrMapOvr>
-    <a:masterClrMapping/>
-  </p:clrMapOvr>
-  <p:timing>
-    <p:tnLst>
-      <p:par>
-        <p:cTn id="1" dur="indefinite" restart="never" nodeType="tmRoot"/>
-      </p:par>
-    </p:tnLst>
-  </p:timing>
-</p:sld>
-</file>
-
-<file path=ppt/slides/slide3.xml><?xml version="1.0" encoding="utf-8"?>
-<p:sld xmlns:a="http://schemas.openxmlformats.org/drawingml/2006/main" xmlns:r="http://schemas.openxmlformats.org/officeDocument/2006/relationships" xmlns:p="http://schemas.openxmlformats.org/presentationml/2006/main">
-  <p:cSld>
-    <p:spTree>
-      <p:nvGrpSpPr>
-        <p:cNvPr id="1" name=""/>
-        <p:cNvGrpSpPr/>
-        <p:nvPr/>
-      </p:nvGrpSpPr>
-      <p:grpSpPr>
-        <a:xfrm>
-          <a:off x="0" y="0"/>
-          <a:ext cx="0" cy="0"/>
-          <a:chOff x="0" y="0"/>
-          <a:chExt cx="0" cy="0"/>
-        </a:xfrm>
-      </p:grpSpPr>
-      <p:sp>
-        <p:nvSpPr>
-          <p:cNvPr id="2" name="タイトル 1"/>
-          <p:cNvSpPr>
-            <a:spLocks noGrp="1"/>
-          </p:cNvSpPr>
-          <p:nvPr>
-            <p:ph type="title"/>
-          </p:nvPr>
-        </p:nvSpPr>
-        <p:spPr/>
-        <p:txBody>
-          <a:bodyPr/>
-          <a:lstStyle/>
-          <a:p>
-            <a:r>
-              <a:rPr kumimoji="1" lang="ja-JP" altLang="en-US" dirty="0" smtClean="0"/>
-              <a:t>研究目的２</a:t>
-            </a:r>
-            <a:endParaRPr kumimoji="1" lang="ja-JP" altLang="en-US" dirty="0"/>
-          </a:p>
-        </p:txBody>
-      </p:sp>
-      <p:sp>
-        <p:nvSpPr>
-          <p:cNvPr id="3" name="コンテンツ プレースホルダー 2"/>
-          <p:cNvSpPr>
-            <a:spLocks noGrp="1"/>
-          </p:cNvSpPr>
-          <p:nvPr>
-            <p:ph idx="1"/>
-          </p:nvPr>
-        </p:nvSpPr>
-        <p:spPr/>
-        <p:txBody>
-          <a:bodyPr/>
-          <a:lstStyle/>
-          <a:p>
-            <a:r>
-              <a:rPr kumimoji="1" lang="en-US" altLang="ja-JP" dirty="0" smtClean="0"/>
-              <a:t>2</a:t>
-            </a:r>
-            <a:r>
-              <a:rPr kumimoji="1" lang="ja-JP" altLang="en-US" dirty="0" smtClean="0"/>
-              <a:t>種類のウイルスが流行した場合、一方のウイルスの免疫を獲得することにより他方のウイルスに対する免疫を失うことが起こりうる</a:t>
-            </a:r>
-            <a:r>
-              <a:rPr kumimoji="1" lang="ja-JP" altLang="en-US" dirty="0" smtClean="0"/>
-              <a:t>。</a:t>
-            </a:r>
-            <a:endParaRPr lang="en-US" altLang="ja-JP" dirty="0"/>
-          </a:p>
-          <a:p>
-            <a:r>
-              <a:rPr kumimoji="1" lang="ja-JP" altLang="en-US" dirty="0" smtClean="0"/>
-              <a:t>その</a:t>
-            </a:r>
-            <a:r>
-              <a:rPr kumimoji="1" lang="ja-JP" altLang="en-US" dirty="0" smtClean="0"/>
-              <a:t>結果社会全体で発生する免疫獲得とウイルス感染との間のある種の振動現象を数値解析的に再現する。</a:t>
-            </a:r>
-            <a:endParaRPr kumimoji="1" lang="ja-JP" altLang="en-US" dirty="0"/>
-          </a:p>
-        </p:txBody>
-      </p:sp>
-    </p:spTree>
-    <p:extLst>
-      <p:ext uri="{BB962C8B-B14F-4D97-AF65-F5344CB8AC3E}">
-        <p14:creationId xmlns:p14="http://schemas.microsoft.com/office/powerpoint/2010/main" val="2535459551"/>
-      </p:ext>
-    </p:extLst>
-  </p:cSld>
-  <p:clrMapOvr>
-    <a:masterClrMapping/>
-  </p:clrMapOvr>
-  <p:timing>
-    <p:tnLst>
-      <p:par>
-        <p:cTn id="1" dur="indefinite" restart="never" nodeType="tmRoot"/>
-      </p:par>
-    </p:tnLst>
-  </p:timing>
-</p:sld>
-</file>
-
-<file path=ppt/slides/slide4.xml><?xml version="1.0" encoding="utf-8"?>
-<p:sld xmlns:a="http://schemas.openxmlformats.org/drawingml/2006/main" xmlns:r="http://schemas.openxmlformats.org/officeDocument/2006/relationships" xmlns:p="http://schemas.openxmlformats.org/presentationml/2006/main">
-  <p:cSld>
-    <p:spTree>
-      <p:nvGrpSpPr>
-        <p:cNvPr id="1" name=""/>
-        <p:cNvGrpSpPr/>
-        <p:nvPr/>
-      </p:nvGrpSpPr>
-      <p:grpSpPr>
-        <a:xfrm>
-          <a:off x="0" y="0"/>
-          <a:ext cx="0" cy="0"/>
-          <a:chOff x="0" y="0"/>
-          <a:chExt cx="0" cy="0"/>
-        </a:xfrm>
-      </p:grpSpPr>
-      <p:sp>
-        <p:nvSpPr>
-          <p:cNvPr id="2" name="タイトル 1"/>
-          <p:cNvSpPr>
-            <a:spLocks noGrp="1"/>
-          </p:cNvSpPr>
-          <p:nvPr>
-            <p:ph type="title"/>
-          </p:nvPr>
-        </p:nvSpPr>
-        <p:spPr/>
-        <p:txBody>
-          <a:bodyPr/>
-          <a:lstStyle/>
-          <a:p>
-            <a:r>
-              <a:rPr kumimoji="1" lang="ja-JP" altLang="en-US" dirty="0" smtClean="0"/>
-              <a:t>研究の意義と背景</a:t>
-            </a:r>
-            <a:endParaRPr kumimoji="1" lang="ja-JP" altLang="en-US" dirty="0"/>
-          </a:p>
-        </p:txBody>
-      </p:sp>
-      <p:sp>
-        <p:nvSpPr>
-          <p:cNvPr id="3" name="コンテンツ プレースホルダー 2"/>
-          <p:cNvSpPr>
-            <a:spLocks noGrp="1"/>
-          </p:cNvSpPr>
-          <p:nvPr>
-            <p:ph idx="1"/>
-          </p:nvPr>
-        </p:nvSpPr>
-        <p:spPr/>
-        <p:txBody>
-          <a:bodyPr/>
-          <a:lstStyle/>
-          <a:p>
-            <a:r>
-              <a:rPr kumimoji="1" lang="ja-JP" altLang="en-US" dirty="0" smtClean="0"/>
-              <a:t>従来の微分方程式を基礎としたモデルでは個体における免疫機構の詳細にまで立ち入ることができなかった</a:t>
-            </a:r>
-            <a:r>
-              <a:rPr kumimoji="1" lang="ja-JP" altLang="en-US" dirty="0" smtClean="0"/>
-              <a:t>。</a:t>
-            </a:r>
-            <a:endParaRPr kumimoji="1" lang="en-US" altLang="ja-JP" dirty="0" smtClean="0"/>
-          </a:p>
-          <a:p>
-            <a:r>
-              <a:rPr kumimoji="1" lang="ja-JP" altLang="en-US" dirty="0" smtClean="0"/>
-              <a:t>電子</a:t>
-            </a:r>
-            <a:r>
-              <a:rPr kumimoji="1" lang="ja-JP" altLang="en-US" dirty="0" smtClean="0"/>
-              <a:t>タグを用いることにより、免疫機構をより正確にモデル化することができる</a:t>
-            </a:r>
-            <a:r>
-              <a:rPr kumimoji="1" lang="ja-JP" altLang="en-US" dirty="0" smtClean="0"/>
-              <a:t>。</a:t>
-            </a:r>
-            <a:endParaRPr kumimoji="1" lang="en-US" altLang="ja-JP" dirty="0" smtClean="0"/>
-          </a:p>
-          <a:p>
-            <a:r>
-              <a:rPr kumimoji="1" lang="ja-JP" altLang="en-US" dirty="0" smtClean="0"/>
-              <a:t>これ</a:t>
-            </a:r>
-            <a:r>
-              <a:rPr kumimoji="1" lang="ja-JP" altLang="en-US" dirty="0" smtClean="0"/>
-              <a:t>により社会全体における伝染病の感染拡大だけではなく、免疫機構の社会的な広がりをも表現することができる。</a:t>
-            </a:r>
-            <a:endParaRPr kumimoji="1" lang="ja-JP" altLang="en-US" dirty="0"/>
-          </a:p>
-        </p:txBody>
-      </p:sp>
-    </p:spTree>
-    <p:extLst>
-      <p:ext uri="{BB962C8B-B14F-4D97-AF65-F5344CB8AC3E}">
-        <p14:creationId xmlns:p14="http://schemas.microsoft.com/office/powerpoint/2010/main" val="1965611721"/>
-      </p:ext>
-    </p:extLst>
-  </p:cSld>
-  <p:clrMapOvr>
-    <a:masterClrMapping/>
-  </p:clrMapOvr>
-</p:sld>
-</file>
-
-<file path=ppt/slides/slide5.xml><?xml version="1.0" encoding="utf-8"?>
-<p:sld xmlns:a="http://schemas.openxmlformats.org/drawingml/2006/main" xmlns:r="http://schemas.openxmlformats.org/officeDocument/2006/relationships" xmlns:p="http://schemas.openxmlformats.org/presentationml/2006/main">
-  <p:cSld>
-    <p:spTree>
-      <p:nvGrpSpPr>
-        <p:cNvPr id="1" name=""/>
-        <p:cNvGrpSpPr/>
-        <p:nvPr/>
-      </p:nvGrpSpPr>
-      <p:grpSpPr>
-        <a:xfrm>
-          <a:off x="0" y="0"/>
-          <a:ext cx="0" cy="0"/>
-          <a:chOff x="0" y="0"/>
-          <a:chExt cx="0" cy="0"/>
-        </a:xfrm>
-      </p:grpSpPr>
-      <p:sp>
-        <p:nvSpPr>
-          <p:cNvPr id="2" name="タイトル 1"/>
-          <p:cNvSpPr>
-            <a:spLocks noGrp="1"/>
-          </p:cNvSpPr>
-          <p:nvPr>
-            <p:ph type="title"/>
-          </p:nvPr>
-        </p:nvSpPr>
-        <p:spPr/>
-        <p:txBody>
-          <a:bodyPr/>
-          <a:lstStyle/>
-          <a:p>
-            <a:r>
-              <a:rPr kumimoji="1" lang="ja-JP" altLang="en-US" dirty="0" smtClean="0"/>
-              <a:t>先行研究紹介</a:t>
-            </a:r>
-            <a:endParaRPr kumimoji="1" lang="ja-JP" altLang="en-US" dirty="0"/>
-          </a:p>
-        </p:txBody>
-      </p:sp>
-      <p:sp>
-        <p:nvSpPr>
-          <p:cNvPr id="3" name="コンテンツ プレースホルダー 2"/>
-          <p:cNvSpPr>
-            <a:spLocks noGrp="1"/>
-          </p:cNvSpPr>
-          <p:nvPr>
-            <p:ph idx="1"/>
-          </p:nvPr>
-        </p:nvSpPr>
-        <p:spPr/>
-        <p:txBody>
-          <a:bodyPr/>
-          <a:lstStyle/>
-          <a:p>
-            <a:endParaRPr kumimoji="1" lang="ja-JP" altLang="en-US"/>
-          </a:p>
-        </p:txBody>
-      </p:sp>
-    </p:spTree>
-    <p:extLst>
-      <p:ext uri="{BB962C8B-B14F-4D97-AF65-F5344CB8AC3E}">
-        <p14:creationId xmlns:p14="http://schemas.microsoft.com/office/powerpoint/2010/main" val="492649640"/>
-      </p:ext>
-    </p:extLst>
-  </p:cSld>
-  <p:clrMapOvr>
-    <a:masterClrMapping/>
-  </p:clrMapOvr>
-</p:sld>
-</file>
-
-<file path=ppt/slides/slide6.xml><?xml version="1.0" encoding="utf-8"?>
-<p:sld xmlns:a="http://schemas.openxmlformats.org/drawingml/2006/main" xmlns:r="http://schemas.openxmlformats.org/officeDocument/2006/relationships" xmlns:p="http://schemas.openxmlformats.org/presentationml/2006/main">
-  <p:cSld>
-    <p:spTree>
-      <p:nvGrpSpPr>
-        <p:cNvPr id="1" name=""/>
-        <p:cNvGrpSpPr/>
-        <p:nvPr/>
-      </p:nvGrpSpPr>
-      <p:grpSpPr>
-        <a:xfrm>
-          <a:off x="0" y="0"/>
-          <a:ext cx="0" cy="0"/>
-          <a:chOff x="0" y="0"/>
-          <a:chExt cx="0" cy="0"/>
-        </a:xfrm>
-      </p:grpSpPr>
-      <p:sp>
-        <p:nvSpPr>
-          <p:cNvPr id="2" name="タイトル 1"/>
-          <p:cNvSpPr>
-            <a:spLocks noGrp="1"/>
-          </p:cNvSpPr>
-          <p:nvPr>
-            <p:ph type="title"/>
-          </p:nvPr>
-        </p:nvSpPr>
-        <p:spPr/>
-        <p:txBody>
-          <a:bodyPr/>
-          <a:lstStyle/>
-          <a:p>
-            <a:r>
-              <a:rPr kumimoji="1" lang="ja-JP" altLang="en-US" dirty="0" smtClean="0"/>
-              <a:t>（（（ＡＢＭとは何か</a:t>
-            </a:r>
-            <a:endParaRPr kumimoji="1" lang="ja-JP" altLang="en-US" dirty="0"/>
-          </a:p>
-        </p:txBody>
-      </p:sp>
-      <p:sp>
-        <p:nvSpPr>
-          <p:cNvPr id="3" name="コンテンツ プレースホルダー 2"/>
-          <p:cNvSpPr>
-            <a:spLocks noGrp="1"/>
-          </p:cNvSpPr>
-          <p:nvPr>
-            <p:ph idx="1"/>
-          </p:nvPr>
-        </p:nvSpPr>
-        <p:spPr/>
-        <p:txBody>
-          <a:bodyPr/>
-          <a:lstStyle/>
-          <a:p>
-            <a:endParaRPr kumimoji="1" lang="ja-JP" altLang="en-US" dirty="0"/>
-          </a:p>
-        </p:txBody>
-      </p:sp>
-    </p:spTree>
-    <p:extLst>
-      <p:ext uri="{BB962C8B-B14F-4D97-AF65-F5344CB8AC3E}">
-        <p14:creationId xmlns:p14="http://schemas.microsoft.com/office/powerpoint/2010/main" val="862563941"/>
-      </p:ext>
-    </p:extLst>
-  </p:cSld>
-  <p:clrMapOvr>
-    <a:masterClrMapping/>
-  </p:clrMapOvr>
-  <p:timing>
-    <p:tnLst>
-      <p:par>
-        <p:cTn id="1" dur="indefinite" restart="never" nodeType="tmRoot"/>
-      </p:par>
-    </p:tnLst>
-  </p:timing>
-</p:sld>
-</file>
-
-<file path=ppt/slides/slide7.xml><?xml version="1.0" encoding="utf-8"?>
-<p:sld xmlns:a="http://schemas.openxmlformats.org/drawingml/2006/main" xmlns:r="http://schemas.openxmlformats.org/officeDocument/2006/relationships" xmlns:p="http://schemas.openxmlformats.org/presentationml/2006/main">
-  <p:cSld>
-    <p:spTree>
-      <p:nvGrpSpPr>
-        <p:cNvPr id="1" name=""/>
-        <p:cNvGrpSpPr/>
-        <p:nvPr/>
-      </p:nvGrpSpPr>
-      <p:grpSpPr>
-        <a:xfrm>
-          <a:off x="0" y="0"/>
-          <a:ext cx="0" cy="0"/>
-          <a:chOff x="0" y="0"/>
-          <a:chExt cx="0" cy="0"/>
-        </a:xfrm>
-      </p:grpSpPr>
-      <p:sp>
-        <p:nvSpPr>
-          <p:cNvPr id="2" name="タイトル 1"/>
-          <p:cNvSpPr>
-            <a:spLocks noGrp="1"/>
-          </p:cNvSpPr>
-          <p:nvPr>
-            <p:ph type="title"/>
-          </p:nvPr>
-        </p:nvSpPr>
-        <p:spPr/>
-        <p:txBody>
-          <a:bodyPr/>
-          <a:lstStyle/>
-          <a:p>
-            <a:r>
-              <a:rPr kumimoji="1" lang="ja-JP" altLang="en-US" dirty="0" smtClean="0"/>
-              <a:t>（（（数理伝染病学とは何か</a:t>
-            </a:r>
-            <a:endParaRPr kumimoji="1" lang="ja-JP" altLang="en-US" dirty="0"/>
-          </a:p>
-        </p:txBody>
-      </p:sp>
-      <p:sp>
-        <p:nvSpPr>
-          <p:cNvPr id="3" name="コンテンツ プレースホルダー 2"/>
-          <p:cNvSpPr>
-            <a:spLocks noGrp="1"/>
-          </p:cNvSpPr>
-          <p:nvPr>
-            <p:ph idx="1"/>
-          </p:nvPr>
-        </p:nvSpPr>
-        <p:spPr/>
-        <p:txBody>
-          <a:bodyPr/>
-          <a:lstStyle/>
-          <a:p>
-            <a:endParaRPr kumimoji="1" lang="ja-JP" altLang="en-US"/>
-          </a:p>
-        </p:txBody>
-      </p:sp>
-    </p:spTree>
-    <p:extLst>
-      <p:ext uri="{BB962C8B-B14F-4D97-AF65-F5344CB8AC3E}">
-        <p14:creationId xmlns:p14="http://schemas.microsoft.com/office/powerpoint/2010/main" val="2288893661"/>
-      </p:ext>
-    </p:extLst>
-  </p:cSld>
-  <p:clrMapOvr>
-    <a:masterClrMapping/>
-  </p:clrMapOvr>
-</p:sld>
-</file>
-
-<file path=ppt/slides/slide8.xml><?xml version="1.0" encoding="utf-8"?>
 <p:sld xmlns:a="http://schemas.openxmlformats.org/drawingml/2006/main" xmlns:r="http://schemas.openxmlformats.org/officeDocument/2006/relationships" xmlns:p="http://schemas.openxmlformats.org/presentationml/2006/main">
   <p:cSld>
     <p:spTree>
@@ -7596,7 +5934,7 @@
             <a:pPr algn="ctr"/>
             <a:r>
               <a:rPr kumimoji="1" lang="ja-JP" altLang="en-US" b="1" dirty="0" smtClean="0"/>
-              <a:t>再配置</a:t>
+              <a:t>移動</a:t>
             </a:r>
             <a:endParaRPr kumimoji="1" lang="ja-JP" altLang="en-US" b="1" dirty="0"/>
           </a:p>
@@ -8049,11 +6387,7 @@
           <a:p>
             <a:r>
               <a:rPr kumimoji="1" lang="ja-JP" altLang="en-US" sz="3600" dirty="0" smtClean="0"/>
-              <a:t>数理モデルの</a:t>
-            </a:r>
-            <a:r>
-              <a:rPr kumimoji="1" lang="ja-JP" altLang="en-US" sz="3600" dirty="0" smtClean="0"/>
-              <a:t>構築</a:t>
+              <a:t>アルゴリズム</a:t>
             </a:r>
             <a:endParaRPr kumimoji="1" lang="ja-JP" altLang="en-US" sz="3600" dirty="0"/>
           </a:p>
@@ -8079,6 +6413,2062 @@
 </p:sld>
 </file>
 
+<file path=ppt/slides/slide11.xml><?xml version="1.0" encoding="utf-8"?>
+<p:sld xmlns:a="http://schemas.openxmlformats.org/drawingml/2006/main" xmlns:r="http://schemas.openxmlformats.org/officeDocument/2006/relationships" xmlns:p="http://schemas.openxmlformats.org/presentationml/2006/main">
+  <p:cSld>
+    <p:spTree>
+      <p:nvGrpSpPr>
+        <p:cNvPr id="1" name=""/>
+        <p:cNvGrpSpPr/>
+        <p:nvPr/>
+      </p:nvGrpSpPr>
+      <p:grpSpPr>
+        <a:xfrm>
+          <a:off x="0" y="0"/>
+          <a:ext cx="0" cy="0"/>
+          <a:chOff x="0" y="0"/>
+          <a:chExt cx="0" cy="0"/>
+        </a:xfrm>
+      </p:grpSpPr>
+      <p:sp>
+        <p:nvSpPr>
+          <p:cNvPr id="2" name="タイトル 1"/>
+          <p:cNvSpPr>
+            <a:spLocks noGrp="1"/>
+          </p:cNvSpPr>
+          <p:nvPr>
+            <p:ph type="title"/>
+          </p:nvPr>
+        </p:nvSpPr>
+        <p:spPr/>
+        <p:txBody>
+          <a:bodyPr>
+            <a:normAutofit/>
+          </a:bodyPr>
+          <a:lstStyle/>
+          <a:p>
+            <a:r>
+              <a:rPr kumimoji="1" lang="ja-JP" altLang="en-US" sz="3600" dirty="0" smtClean="0"/>
+              <a:t>電子タグによる免疫機構の表現</a:t>
+            </a:r>
+            <a:endParaRPr kumimoji="1" lang="ja-JP" altLang="en-US" sz="3600" dirty="0"/>
+          </a:p>
+        </p:txBody>
+      </p:sp>
+      <p:pic>
+        <p:nvPicPr>
+          <p:cNvPr id="2051" name="Picture 3" descr="C:\Users\Naoki\workspace\ImmuneSystem\PPT\tag.png"/>
+          <p:cNvPicPr>
+            <a:picLocks noChangeAspect="1" noChangeArrowheads="1"/>
+          </p:cNvPicPr>
+          <p:nvPr/>
+        </p:nvPicPr>
+        <p:blipFill>
+          <a:blip r:embed="rId3">
+            <a:extLst>
+              <a:ext uri="{28A0092B-C50C-407E-A947-70E740481C1C}">
+                <a14:useLocalDpi xmlns:a14="http://schemas.microsoft.com/office/drawing/2010/main" val="0"/>
+              </a:ext>
+            </a:extLst>
+          </a:blip>
+          <a:srcRect/>
+          <a:stretch>
+            <a:fillRect/>
+          </a:stretch>
+        </p:blipFill>
+        <p:spPr bwMode="auto">
+          <a:xfrm>
+            <a:off x="611560" y="1484784"/>
+            <a:ext cx="7808541" cy="4761055"/>
+          </a:xfrm>
+          <a:prstGeom prst="rect">
+            <a:avLst/>
+          </a:prstGeom>
+          <a:noFill/>
+          <a:extLst>
+            <a:ext uri="{909E8E84-426E-40DD-AFC4-6F175D3DCCD1}">
+              <a14:hiddenFill xmlns:a14="http://schemas.microsoft.com/office/drawing/2010/main">
+                <a:solidFill>
+                  <a:srgbClr val="FFFFFF"/>
+                </a:solidFill>
+              </a14:hiddenFill>
+            </a:ext>
+          </a:extLst>
+        </p:spPr>
+      </p:pic>
+    </p:spTree>
+    <p:extLst>
+      <p:ext uri="{BB962C8B-B14F-4D97-AF65-F5344CB8AC3E}">
+        <p14:creationId xmlns:p14="http://schemas.microsoft.com/office/powerpoint/2010/main" val="3599667620"/>
+      </p:ext>
+    </p:extLst>
+  </p:cSld>
+  <p:clrMapOvr>
+    <a:masterClrMapping/>
+  </p:clrMapOvr>
+  <p:timing>
+    <p:tnLst>
+      <p:par>
+        <p:cTn id="1" dur="indefinite" restart="never" nodeType="tmRoot"/>
+      </p:par>
+    </p:tnLst>
+  </p:timing>
+</p:sld>
+</file>
+
+<file path=ppt/slides/slide12.xml><?xml version="1.0" encoding="utf-8"?>
+<p:sld xmlns:a="http://schemas.openxmlformats.org/drawingml/2006/main" xmlns:r="http://schemas.openxmlformats.org/officeDocument/2006/relationships" xmlns:p="http://schemas.openxmlformats.org/presentationml/2006/main">
+  <p:cSld>
+    <p:spTree>
+      <p:nvGrpSpPr>
+        <p:cNvPr id="1" name=""/>
+        <p:cNvGrpSpPr/>
+        <p:nvPr/>
+      </p:nvGrpSpPr>
+      <p:grpSpPr>
+        <a:xfrm>
+          <a:off x="0" y="0"/>
+          <a:ext cx="0" cy="0"/>
+          <a:chOff x="0" y="0"/>
+          <a:chExt cx="0" cy="0"/>
+        </a:xfrm>
+      </p:grpSpPr>
+      <p:pic>
+        <p:nvPicPr>
+          <p:cNvPr id="1026" name="Picture 2" descr="C:\Users\Naoki\workspace\ImmuneSystem\PPT\tag2.png"/>
+          <p:cNvPicPr>
+            <a:picLocks noChangeAspect="1" noChangeArrowheads="1"/>
+          </p:cNvPicPr>
+          <p:nvPr/>
+        </p:nvPicPr>
+        <p:blipFill>
+          <a:blip r:embed="rId2">
+            <a:extLst>
+              <a:ext uri="{28A0092B-C50C-407E-A947-70E740481C1C}">
+                <a14:useLocalDpi xmlns:a14="http://schemas.microsoft.com/office/drawing/2010/main" val="0"/>
+              </a:ext>
+            </a:extLst>
+          </a:blip>
+          <a:srcRect/>
+          <a:stretch>
+            <a:fillRect/>
+          </a:stretch>
+        </p:blipFill>
+        <p:spPr bwMode="auto">
+          <a:xfrm>
+            <a:off x="1259632" y="620688"/>
+            <a:ext cx="7524750" cy="5638800"/>
+          </a:xfrm>
+          <a:prstGeom prst="rect">
+            <a:avLst/>
+          </a:prstGeom>
+          <a:noFill/>
+          <a:extLst>
+            <a:ext uri="{909E8E84-426E-40DD-AFC4-6F175D3DCCD1}">
+              <a14:hiddenFill xmlns:a14="http://schemas.microsoft.com/office/drawing/2010/main">
+                <a:solidFill>
+                  <a:srgbClr val="FFFFFF"/>
+                </a:solidFill>
+              </a14:hiddenFill>
+            </a:ext>
+          </a:extLst>
+        </p:spPr>
+      </p:pic>
+    </p:spTree>
+    <p:extLst>
+      <p:ext uri="{BB962C8B-B14F-4D97-AF65-F5344CB8AC3E}">
+        <p14:creationId xmlns:p14="http://schemas.microsoft.com/office/powerpoint/2010/main" val="4159369643"/>
+      </p:ext>
+    </p:extLst>
+  </p:cSld>
+  <p:clrMapOvr>
+    <a:masterClrMapping/>
+  </p:clrMapOvr>
+</p:sld>
+</file>
+
+<file path=ppt/slides/slide13.xml><?xml version="1.0" encoding="utf-8"?>
+<p:sld xmlns:a="http://schemas.openxmlformats.org/drawingml/2006/main" xmlns:r="http://schemas.openxmlformats.org/officeDocument/2006/relationships" xmlns:p="http://schemas.openxmlformats.org/presentationml/2006/main">
+  <p:cSld>
+    <p:spTree>
+      <p:nvGrpSpPr>
+        <p:cNvPr id="1" name=""/>
+        <p:cNvGrpSpPr/>
+        <p:nvPr/>
+      </p:nvGrpSpPr>
+      <p:grpSpPr>
+        <a:xfrm>
+          <a:off x="0" y="0"/>
+          <a:ext cx="0" cy="0"/>
+          <a:chOff x="0" y="0"/>
+          <a:chExt cx="0" cy="0"/>
+        </a:xfrm>
+      </p:grpSpPr>
+      <p:sp>
+        <p:nvSpPr>
+          <p:cNvPr id="2" name="タイトル 1"/>
+          <p:cNvSpPr>
+            <a:spLocks noGrp="1"/>
+          </p:cNvSpPr>
+          <p:nvPr>
+            <p:ph type="title"/>
+          </p:nvPr>
+        </p:nvSpPr>
+        <p:spPr/>
+        <p:txBody>
+          <a:bodyPr/>
+          <a:lstStyle/>
+          <a:p>
+            <a:r>
+              <a:rPr kumimoji="1" lang="ja-JP" altLang="en-US" dirty="0" smtClean="0"/>
+              <a:t>抗原抗体反応とは</a:t>
+            </a:r>
+            <a:endParaRPr kumimoji="1" lang="ja-JP" altLang="en-US" dirty="0"/>
+          </a:p>
+        </p:txBody>
+      </p:sp>
+      <p:sp>
+        <p:nvSpPr>
+          <p:cNvPr id="3" name="コンテンツ プレースホルダー 2"/>
+          <p:cNvSpPr>
+            <a:spLocks noGrp="1"/>
+          </p:cNvSpPr>
+          <p:nvPr>
+            <p:ph idx="1"/>
+          </p:nvPr>
+        </p:nvSpPr>
+        <p:spPr/>
+        <p:txBody>
+          <a:bodyPr/>
+          <a:lstStyle/>
+          <a:p>
+            <a:endParaRPr kumimoji="1" lang="ja-JP" altLang="en-US"/>
+          </a:p>
+        </p:txBody>
+      </p:sp>
+    </p:spTree>
+    <p:extLst>
+      <p:ext uri="{BB962C8B-B14F-4D97-AF65-F5344CB8AC3E}">
+        <p14:creationId xmlns:p14="http://schemas.microsoft.com/office/powerpoint/2010/main" val="3859860042"/>
+      </p:ext>
+    </p:extLst>
+  </p:cSld>
+  <p:clrMapOvr>
+    <a:masterClrMapping/>
+  </p:clrMapOvr>
+</p:sld>
+</file>
+
+<file path=ppt/slides/slide14.xml><?xml version="1.0" encoding="utf-8"?>
+<p:sld xmlns:a="http://schemas.openxmlformats.org/drawingml/2006/main" xmlns:r="http://schemas.openxmlformats.org/officeDocument/2006/relationships" xmlns:p="http://schemas.openxmlformats.org/presentationml/2006/main">
+  <p:cSld>
+    <p:spTree>
+      <p:nvGrpSpPr>
+        <p:cNvPr id="1" name=""/>
+        <p:cNvGrpSpPr/>
+        <p:nvPr/>
+      </p:nvGrpSpPr>
+      <p:grpSpPr>
+        <a:xfrm>
+          <a:off x="0" y="0"/>
+          <a:ext cx="0" cy="0"/>
+          <a:chOff x="0" y="0"/>
+          <a:chExt cx="0" cy="0"/>
+        </a:xfrm>
+      </p:grpSpPr>
+      <p:sp>
+        <p:nvSpPr>
+          <p:cNvPr id="2" name="タイトル 1"/>
+          <p:cNvSpPr>
+            <a:spLocks noGrp="1"/>
+          </p:cNvSpPr>
+          <p:nvPr>
+            <p:ph type="title"/>
+          </p:nvPr>
+        </p:nvSpPr>
+        <p:spPr/>
+        <p:txBody>
+          <a:bodyPr/>
+          <a:lstStyle/>
+          <a:p>
+            <a:r>
+              <a:rPr kumimoji="1" lang="ja-JP" altLang="en-US" dirty="0" smtClean="0"/>
+              <a:t>（（（ＳＩＲモデルとの比較</a:t>
+            </a:r>
+            <a:endParaRPr kumimoji="1" lang="ja-JP" altLang="en-US" dirty="0"/>
+          </a:p>
+        </p:txBody>
+      </p:sp>
+      <p:pic>
+        <p:nvPicPr>
+          <p:cNvPr id="1026" name="Picture 2" descr="C:\Users\Naoki\workspace\ImmuneSystem\PPT\SIR.png"/>
+          <p:cNvPicPr>
+            <a:picLocks noChangeAspect="1" noChangeArrowheads="1"/>
+          </p:cNvPicPr>
+          <p:nvPr/>
+        </p:nvPicPr>
+        <p:blipFill>
+          <a:blip r:embed="rId3">
+            <a:extLst>
+              <a:ext uri="{28A0092B-C50C-407E-A947-70E740481C1C}">
+                <a14:useLocalDpi xmlns:a14="http://schemas.microsoft.com/office/drawing/2010/main" val="0"/>
+              </a:ext>
+            </a:extLst>
+          </a:blip>
+          <a:srcRect/>
+          <a:stretch>
+            <a:fillRect/>
+          </a:stretch>
+        </p:blipFill>
+        <p:spPr bwMode="auto">
+          <a:xfrm>
+            <a:off x="2123728" y="1484784"/>
+            <a:ext cx="4762500" cy="4762500"/>
+          </a:xfrm>
+          <a:prstGeom prst="rect">
+            <a:avLst/>
+          </a:prstGeom>
+          <a:noFill/>
+          <a:extLst>
+            <a:ext uri="{909E8E84-426E-40DD-AFC4-6F175D3DCCD1}">
+              <a14:hiddenFill xmlns:a14="http://schemas.microsoft.com/office/drawing/2010/main">
+                <a:solidFill>
+                  <a:srgbClr val="FFFFFF"/>
+                </a:solidFill>
+              </a14:hiddenFill>
+            </a:ext>
+          </a:extLst>
+        </p:spPr>
+      </p:pic>
+    </p:spTree>
+    <p:extLst>
+      <p:ext uri="{BB962C8B-B14F-4D97-AF65-F5344CB8AC3E}">
+        <p14:creationId xmlns:p14="http://schemas.microsoft.com/office/powerpoint/2010/main" val="4010009998"/>
+      </p:ext>
+    </p:extLst>
+  </p:cSld>
+  <p:clrMapOvr>
+    <a:masterClrMapping/>
+  </p:clrMapOvr>
+</p:sld>
+</file>
+
+<file path=ppt/slides/slide15.xml><?xml version="1.0" encoding="utf-8"?>
+<p:sld xmlns:a="http://schemas.openxmlformats.org/drawingml/2006/main" xmlns:r="http://schemas.openxmlformats.org/officeDocument/2006/relationships" xmlns:p="http://schemas.openxmlformats.org/presentationml/2006/main">
+  <p:cSld>
+    <p:spTree>
+      <p:nvGrpSpPr>
+        <p:cNvPr id="1" name=""/>
+        <p:cNvGrpSpPr/>
+        <p:nvPr/>
+      </p:nvGrpSpPr>
+      <p:grpSpPr>
+        <a:xfrm>
+          <a:off x="0" y="0"/>
+          <a:ext cx="0" cy="0"/>
+          <a:chOff x="0" y="0"/>
+          <a:chExt cx="0" cy="0"/>
+        </a:xfrm>
+      </p:grpSpPr>
+      <p:sp>
+        <p:nvSpPr>
+          <p:cNvPr id="2" name="タイトル 1"/>
+          <p:cNvSpPr>
+            <a:spLocks noGrp="1"/>
+          </p:cNvSpPr>
+          <p:nvPr>
+            <p:ph type="title"/>
+          </p:nvPr>
+        </p:nvSpPr>
+        <p:spPr/>
+        <p:txBody>
+          <a:bodyPr/>
+          <a:lstStyle/>
+          <a:p>
+            <a:r>
+              <a:rPr kumimoji="1" lang="ja-JP" altLang="en-US" dirty="0" smtClean="0"/>
+              <a:t>数値計算結果</a:t>
+            </a:r>
+            <a:endParaRPr kumimoji="1" lang="ja-JP" altLang="en-US" dirty="0"/>
+          </a:p>
+        </p:txBody>
+      </p:sp>
+      <p:sp>
+        <p:nvSpPr>
+          <p:cNvPr id="3" name="コンテンツ プレースホルダー 2"/>
+          <p:cNvSpPr>
+            <a:spLocks noGrp="1"/>
+          </p:cNvSpPr>
+          <p:nvPr>
+            <p:ph idx="1"/>
+          </p:nvPr>
+        </p:nvSpPr>
+        <p:spPr/>
+        <p:txBody>
+          <a:bodyPr/>
+          <a:lstStyle/>
+          <a:p>
+            <a:r>
+              <a:rPr kumimoji="1" lang="ja-JP" altLang="en-US" dirty="0" smtClean="0"/>
+              <a:t>グラフ表示</a:t>
+            </a:r>
+          </a:p>
+        </p:txBody>
+      </p:sp>
+    </p:spTree>
+    <p:extLst>
+      <p:ext uri="{BB962C8B-B14F-4D97-AF65-F5344CB8AC3E}">
+        <p14:creationId xmlns:p14="http://schemas.microsoft.com/office/powerpoint/2010/main" val="3483215692"/>
+      </p:ext>
+    </p:extLst>
+  </p:cSld>
+  <p:clrMapOvr>
+    <a:masterClrMapping/>
+  </p:clrMapOvr>
+  <p:timing>
+    <p:tnLst>
+      <p:par>
+        <p:cTn id="1" dur="indefinite" restart="never" nodeType="tmRoot"/>
+      </p:par>
+    </p:tnLst>
+  </p:timing>
+</p:sld>
+</file>
+
+<file path=ppt/slides/slide16.xml><?xml version="1.0" encoding="utf-8"?>
+<p:sld xmlns:a="http://schemas.openxmlformats.org/drawingml/2006/main" xmlns:r="http://schemas.openxmlformats.org/officeDocument/2006/relationships" xmlns:p="http://schemas.openxmlformats.org/presentationml/2006/main">
+  <p:cSld>
+    <p:spTree>
+      <p:nvGrpSpPr>
+        <p:cNvPr id="1" name=""/>
+        <p:cNvGrpSpPr/>
+        <p:nvPr/>
+      </p:nvGrpSpPr>
+      <p:grpSpPr>
+        <a:xfrm>
+          <a:off x="0" y="0"/>
+          <a:ext cx="0" cy="0"/>
+          <a:chOff x="0" y="0"/>
+          <a:chExt cx="0" cy="0"/>
+        </a:xfrm>
+      </p:grpSpPr>
+      <p:sp>
+        <p:nvSpPr>
+          <p:cNvPr id="2" name="タイトル 1"/>
+          <p:cNvSpPr>
+            <a:spLocks noGrp="1"/>
+          </p:cNvSpPr>
+          <p:nvPr>
+            <p:ph type="title"/>
+          </p:nvPr>
+        </p:nvSpPr>
+        <p:spPr/>
+        <p:txBody>
+          <a:bodyPr/>
+          <a:lstStyle/>
+          <a:p>
+            <a:r>
+              <a:rPr kumimoji="1" lang="ja-JP" altLang="en-US" dirty="0" smtClean="0"/>
+              <a:t>数値計算結果の分析</a:t>
+            </a:r>
+            <a:endParaRPr kumimoji="1" lang="ja-JP" altLang="en-US" dirty="0"/>
+          </a:p>
+        </p:txBody>
+      </p:sp>
+      <p:sp>
+        <p:nvSpPr>
+          <p:cNvPr id="3" name="コンテンツ プレースホルダー 2"/>
+          <p:cNvSpPr>
+            <a:spLocks noGrp="1"/>
+          </p:cNvSpPr>
+          <p:nvPr>
+            <p:ph idx="1"/>
+          </p:nvPr>
+        </p:nvSpPr>
+        <p:spPr/>
+        <p:txBody>
+          <a:bodyPr/>
+          <a:lstStyle/>
+          <a:p>
+            <a:r>
+              <a:rPr kumimoji="1" lang="ja-JP" altLang="en-US" dirty="0" smtClean="0"/>
+              <a:t>多くて３、４つ</a:t>
+            </a:r>
+            <a:endParaRPr kumimoji="1" lang="ja-JP" altLang="en-US" dirty="0"/>
+          </a:p>
+        </p:txBody>
+      </p:sp>
+    </p:spTree>
+    <p:extLst>
+      <p:ext uri="{BB962C8B-B14F-4D97-AF65-F5344CB8AC3E}">
+        <p14:creationId xmlns:p14="http://schemas.microsoft.com/office/powerpoint/2010/main" val="3736256567"/>
+      </p:ext>
+    </p:extLst>
+  </p:cSld>
+  <p:clrMapOvr>
+    <a:masterClrMapping/>
+  </p:clrMapOvr>
+  <p:timing>
+    <p:tnLst>
+      <p:par>
+        <p:cTn id="1" dur="indefinite" restart="never" nodeType="tmRoot"/>
+      </p:par>
+    </p:tnLst>
+  </p:timing>
+</p:sld>
+</file>
+
+<file path=ppt/slides/slide17.xml><?xml version="1.0" encoding="utf-8"?>
+<p:sld xmlns:a="http://schemas.openxmlformats.org/drawingml/2006/main" xmlns:r="http://schemas.openxmlformats.org/officeDocument/2006/relationships" xmlns:p="http://schemas.openxmlformats.org/presentationml/2006/main">
+  <p:cSld>
+    <p:spTree>
+      <p:nvGrpSpPr>
+        <p:cNvPr id="1" name=""/>
+        <p:cNvGrpSpPr/>
+        <p:nvPr/>
+      </p:nvGrpSpPr>
+      <p:grpSpPr>
+        <a:xfrm>
+          <a:off x="0" y="0"/>
+          <a:ext cx="0" cy="0"/>
+          <a:chOff x="0" y="0"/>
+          <a:chExt cx="0" cy="0"/>
+        </a:xfrm>
+      </p:grpSpPr>
+      <p:sp>
+        <p:nvSpPr>
+          <p:cNvPr id="2" name="タイトル 1"/>
+          <p:cNvSpPr>
+            <a:spLocks noGrp="1"/>
+          </p:cNvSpPr>
+          <p:nvPr>
+            <p:ph type="title"/>
+          </p:nvPr>
+        </p:nvSpPr>
+        <p:spPr/>
+        <p:txBody>
+          <a:bodyPr/>
+          <a:lstStyle/>
+          <a:p>
+            <a:r>
+              <a:rPr kumimoji="1" lang="ja-JP" altLang="en-US" dirty="0" smtClean="0"/>
+              <a:t>結論</a:t>
+            </a:r>
+            <a:endParaRPr kumimoji="1" lang="ja-JP" altLang="en-US" dirty="0"/>
+          </a:p>
+        </p:txBody>
+      </p:sp>
+      <p:sp>
+        <p:nvSpPr>
+          <p:cNvPr id="3" name="コンテンツ プレースホルダー 2"/>
+          <p:cNvSpPr>
+            <a:spLocks noGrp="1"/>
+          </p:cNvSpPr>
+          <p:nvPr>
+            <p:ph idx="1"/>
+          </p:nvPr>
+        </p:nvSpPr>
+        <p:spPr/>
+        <p:txBody>
+          <a:bodyPr/>
+          <a:lstStyle/>
+          <a:p>
+            <a:r>
+              <a:rPr kumimoji="1" lang="ja-JP" altLang="en-US" dirty="0" smtClean="0"/>
+              <a:t>２、３行</a:t>
+            </a:r>
+            <a:endParaRPr kumimoji="1" lang="ja-JP" altLang="en-US" dirty="0"/>
+          </a:p>
+        </p:txBody>
+      </p:sp>
+    </p:spTree>
+    <p:extLst>
+      <p:ext uri="{BB962C8B-B14F-4D97-AF65-F5344CB8AC3E}">
+        <p14:creationId xmlns:p14="http://schemas.microsoft.com/office/powerpoint/2010/main" val="3466877443"/>
+      </p:ext>
+    </p:extLst>
+  </p:cSld>
+  <p:clrMapOvr>
+    <a:masterClrMapping/>
+  </p:clrMapOvr>
+  <p:timing>
+    <p:tnLst>
+      <p:par>
+        <p:cTn id="1" dur="indefinite" restart="never" nodeType="tmRoot"/>
+      </p:par>
+    </p:tnLst>
+  </p:timing>
+</p:sld>
+</file>
+
+<file path=ppt/slides/slide18.xml><?xml version="1.0" encoding="utf-8"?>
+<p:sld xmlns:a="http://schemas.openxmlformats.org/drawingml/2006/main" xmlns:r="http://schemas.openxmlformats.org/officeDocument/2006/relationships" xmlns:p="http://schemas.openxmlformats.org/presentationml/2006/main">
+  <p:cSld>
+    <p:spTree>
+      <p:nvGrpSpPr>
+        <p:cNvPr id="1" name=""/>
+        <p:cNvGrpSpPr/>
+        <p:nvPr/>
+      </p:nvGrpSpPr>
+      <p:grpSpPr>
+        <a:xfrm>
+          <a:off x="0" y="0"/>
+          <a:ext cx="0" cy="0"/>
+          <a:chOff x="0" y="0"/>
+          <a:chExt cx="0" cy="0"/>
+        </a:xfrm>
+      </p:grpSpPr>
+      <p:sp>
+        <p:nvSpPr>
+          <p:cNvPr id="2" name="タイトル 1"/>
+          <p:cNvSpPr>
+            <a:spLocks noGrp="1"/>
+          </p:cNvSpPr>
+          <p:nvPr>
+            <p:ph type="title"/>
+          </p:nvPr>
+        </p:nvSpPr>
+        <p:spPr/>
+        <p:txBody>
+          <a:bodyPr/>
+          <a:lstStyle/>
+          <a:p>
+            <a:r>
+              <a:rPr kumimoji="1" lang="ja-JP" altLang="en-US" dirty="0" smtClean="0"/>
+              <a:t>今後の研究方針</a:t>
+            </a:r>
+            <a:endParaRPr kumimoji="1" lang="ja-JP" altLang="en-US" dirty="0"/>
+          </a:p>
+        </p:txBody>
+      </p:sp>
+      <p:sp>
+        <p:nvSpPr>
+          <p:cNvPr id="3" name="コンテンツ プレースホルダー 2"/>
+          <p:cNvSpPr>
+            <a:spLocks noGrp="1"/>
+          </p:cNvSpPr>
+          <p:nvPr>
+            <p:ph idx="1"/>
+          </p:nvPr>
+        </p:nvSpPr>
+        <p:spPr/>
+        <p:txBody>
+          <a:bodyPr/>
+          <a:lstStyle/>
+          <a:p>
+            <a:endParaRPr kumimoji="1" lang="ja-JP" altLang="en-US" dirty="0"/>
+          </a:p>
+        </p:txBody>
+      </p:sp>
+    </p:spTree>
+    <p:extLst>
+      <p:ext uri="{BB962C8B-B14F-4D97-AF65-F5344CB8AC3E}">
+        <p14:creationId xmlns:p14="http://schemas.microsoft.com/office/powerpoint/2010/main" val="4140513809"/>
+      </p:ext>
+    </p:extLst>
+  </p:cSld>
+  <p:clrMapOvr>
+    <a:masterClrMapping/>
+  </p:clrMapOvr>
+  <p:timing>
+    <p:tnLst>
+      <p:par>
+        <p:cTn id="1" dur="indefinite" restart="never" nodeType="tmRoot"/>
+      </p:par>
+    </p:tnLst>
+  </p:timing>
+</p:sld>
+</file>
+
+<file path=ppt/slides/slide19.xml><?xml version="1.0" encoding="utf-8"?>
+<p:sld xmlns:a="http://schemas.openxmlformats.org/drawingml/2006/main" xmlns:r="http://schemas.openxmlformats.org/officeDocument/2006/relationships" xmlns:p="http://schemas.openxmlformats.org/presentationml/2006/main">
+  <p:cSld>
+    <p:spTree>
+      <p:nvGrpSpPr>
+        <p:cNvPr id="1" name=""/>
+        <p:cNvGrpSpPr/>
+        <p:nvPr/>
+      </p:nvGrpSpPr>
+      <p:grpSpPr>
+        <a:xfrm>
+          <a:off x="0" y="0"/>
+          <a:ext cx="0" cy="0"/>
+          <a:chOff x="0" y="0"/>
+          <a:chExt cx="0" cy="0"/>
+        </a:xfrm>
+      </p:grpSpPr>
+      <p:sp>
+        <p:nvSpPr>
+          <p:cNvPr id="2" name="タイトル 1"/>
+          <p:cNvSpPr>
+            <a:spLocks noGrp="1"/>
+          </p:cNvSpPr>
+          <p:nvPr>
+            <p:ph type="title"/>
+          </p:nvPr>
+        </p:nvSpPr>
+        <p:spPr/>
+        <p:txBody>
+          <a:bodyPr/>
+          <a:lstStyle/>
+          <a:p>
+            <a:endParaRPr kumimoji="1" lang="ja-JP" altLang="en-US" dirty="0"/>
+          </a:p>
+        </p:txBody>
+      </p:sp>
+      <p:sp>
+        <p:nvSpPr>
+          <p:cNvPr id="3" name="コンテンツ プレースホルダー 2"/>
+          <p:cNvSpPr>
+            <a:spLocks noGrp="1"/>
+          </p:cNvSpPr>
+          <p:nvPr>
+            <p:ph idx="1"/>
+          </p:nvPr>
+        </p:nvSpPr>
+        <p:spPr/>
+        <p:txBody>
+          <a:bodyPr/>
+          <a:lstStyle/>
+          <a:p>
+            <a:endParaRPr kumimoji="1" lang="ja-JP" altLang="en-US"/>
+          </a:p>
+        </p:txBody>
+      </p:sp>
+    </p:spTree>
+    <p:extLst>
+      <p:ext uri="{BB962C8B-B14F-4D97-AF65-F5344CB8AC3E}">
+        <p14:creationId xmlns:p14="http://schemas.microsoft.com/office/powerpoint/2010/main" val="2262437481"/>
+      </p:ext>
+    </p:extLst>
+  </p:cSld>
+  <p:clrMapOvr>
+    <a:masterClrMapping/>
+  </p:clrMapOvr>
+</p:sld>
+</file>
+
+<file path=ppt/slides/slide2.xml><?xml version="1.0" encoding="utf-8"?>
+<p:sld xmlns:a="http://schemas.openxmlformats.org/drawingml/2006/main" xmlns:r="http://schemas.openxmlformats.org/officeDocument/2006/relationships" xmlns:p="http://schemas.openxmlformats.org/presentationml/2006/main">
+  <p:cSld>
+    <p:spTree>
+      <p:nvGrpSpPr>
+        <p:cNvPr id="1" name=""/>
+        <p:cNvGrpSpPr/>
+        <p:nvPr/>
+      </p:nvGrpSpPr>
+      <p:grpSpPr>
+        <a:xfrm>
+          <a:off x="0" y="0"/>
+          <a:ext cx="0" cy="0"/>
+          <a:chOff x="0" y="0"/>
+          <a:chExt cx="0" cy="0"/>
+        </a:xfrm>
+      </p:grpSpPr>
+      <p:sp>
+        <p:nvSpPr>
+          <p:cNvPr id="2" name="タイトル 1"/>
+          <p:cNvSpPr>
+            <a:spLocks noGrp="1"/>
+          </p:cNvSpPr>
+          <p:nvPr>
+            <p:ph type="title"/>
+          </p:nvPr>
+        </p:nvSpPr>
+        <p:spPr/>
+        <p:txBody>
+          <a:bodyPr/>
+          <a:lstStyle/>
+          <a:p>
+            <a:r>
+              <a:rPr kumimoji="1" lang="ja-JP" altLang="en-US" dirty="0" smtClean="0"/>
+              <a:t>研究目的</a:t>
+            </a:r>
+            <a:endParaRPr kumimoji="1" lang="ja-JP" altLang="en-US" dirty="0"/>
+          </a:p>
+        </p:txBody>
+      </p:sp>
+      <p:sp>
+        <p:nvSpPr>
+          <p:cNvPr id="3" name="コンテンツ プレースホルダー 2"/>
+          <p:cNvSpPr>
+            <a:spLocks noGrp="1"/>
+          </p:cNvSpPr>
+          <p:nvPr>
+            <p:ph idx="1"/>
+          </p:nvPr>
+        </p:nvSpPr>
+        <p:spPr/>
+        <p:txBody>
+          <a:bodyPr/>
+          <a:lstStyle/>
+          <a:p>
+            <a:r>
+              <a:rPr kumimoji="1" lang="ja-JP" altLang="en-US" dirty="0" smtClean="0"/>
+              <a:t>抗原抗体反応を電子タグを用いて表現する</a:t>
+            </a:r>
+            <a:endParaRPr kumimoji="1" lang="en-US" altLang="ja-JP" dirty="0" smtClean="0"/>
+          </a:p>
+          <a:p>
+            <a:r>
+              <a:rPr kumimoji="1" lang="ja-JP" altLang="en-US" dirty="0" smtClean="0"/>
+              <a:t>ＡＢＭは微分方程式を用いた数理疫学モデルよりも多くの現象を表現できる</a:t>
+            </a:r>
+            <a:endParaRPr kumimoji="1" lang="ja-JP" altLang="en-US" dirty="0"/>
+          </a:p>
+        </p:txBody>
+      </p:sp>
+    </p:spTree>
+    <p:extLst>
+      <p:ext uri="{BB962C8B-B14F-4D97-AF65-F5344CB8AC3E}">
+        <p14:creationId xmlns:p14="http://schemas.microsoft.com/office/powerpoint/2010/main" val="4191126535"/>
+      </p:ext>
+    </p:extLst>
+  </p:cSld>
+  <p:clrMapOvr>
+    <a:masterClrMapping/>
+  </p:clrMapOvr>
+</p:sld>
+</file>
+
+<file path=ppt/slides/slide20.xml><?xml version="1.0" encoding="utf-8"?>
+<p:sld xmlns:a="http://schemas.openxmlformats.org/drawingml/2006/main" xmlns:r="http://schemas.openxmlformats.org/officeDocument/2006/relationships" xmlns:p="http://schemas.openxmlformats.org/presentationml/2006/main">
+  <p:cSld>
+    <p:spTree>
+      <p:nvGrpSpPr>
+        <p:cNvPr id="1" name=""/>
+        <p:cNvGrpSpPr/>
+        <p:nvPr/>
+      </p:nvGrpSpPr>
+      <p:grpSpPr>
+        <a:xfrm>
+          <a:off x="0" y="0"/>
+          <a:ext cx="0" cy="0"/>
+          <a:chOff x="0" y="0"/>
+          <a:chExt cx="0" cy="0"/>
+        </a:xfrm>
+      </p:grpSpPr>
+      <p:sp>
+        <p:nvSpPr>
+          <p:cNvPr id="2" name="タイトル 1"/>
+          <p:cNvSpPr>
+            <a:spLocks noGrp="1"/>
+          </p:cNvSpPr>
+          <p:nvPr>
+            <p:ph type="title"/>
+          </p:nvPr>
+        </p:nvSpPr>
+        <p:spPr/>
+        <p:txBody>
+          <a:bodyPr/>
+          <a:lstStyle/>
+          <a:p>
+            <a:endParaRPr kumimoji="1" lang="ja-JP" altLang="en-US" dirty="0"/>
+          </a:p>
+        </p:txBody>
+      </p:sp>
+      <p:sp>
+        <p:nvSpPr>
+          <p:cNvPr id="3" name="コンテンツ プレースホルダー 2"/>
+          <p:cNvSpPr>
+            <a:spLocks noGrp="1"/>
+          </p:cNvSpPr>
+          <p:nvPr>
+            <p:ph idx="1"/>
+          </p:nvPr>
+        </p:nvSpPr>
+        <p:spPr/>
+        <p:txBody>
+          <a:bodyPr/>
+          <a:lstStyle/>
+          <a:p>
+            <a:endParaRPr kumimoji="1" lang="ja-JP" altLang="en-US"/>
+          </a:p>
+        </p:txBody>
+      </p:sp>
+    </p:spTree>
+    <p:extLst>
+      <p:ext uri="{BB962C8B-B14F-4D97-AF65-F5344CB8AC3E}">
+        <p14:creationId xmlns:p14="http://schemas.microsoft.com/office/powerpoint/2010/main" val="357915486"/>
+      </p:ext>
+    </p:extLst>
+  </p:cSld>
+  <p:clrMapOvr>
+    <a:masterClrMapping/>
+  </p:clrMapOvr>
+</p:sld>
+</file>
+
+<file path=ppt/slides/slide21.xml><?xml version="1.0" encoding="utf-8"?>
+<p:sld xmlns:a="http://schemas.openxmlformats.org/drawingml/2006/main" xmlns:r="http://schemas.openxmlformats.org/officeDocument/2006/relationships" xmlns:p="http://schemas.openxmlformats.org/presentationml/2006/main">
+  <p:cSld>
+    <p:spTree>
+      <p:nvGrpSpPr>
+        <p:cNvPr id="1" name=""/>
+        <p:cNvGrpSpPr/>
+        <p:nvPr/>
+      </p:nvGrpSpPr>
+      <p:grpSpPr>
+        <a:xfrm>
+          <a:off x="0" y="0"/>
+          <a:ext cx="0" cy="0"/>
+          <a:chOff x="0" y="0"/>
+          <a:chExt cx="0" cy="0"/>
+        </a:xfrm>
+      </p:grpSpPr>
+      <p:sp>
+        <p:nvSpPr>
+          <p:cNvPr id="2" name="タイトル 1"/>
+          <p:cNvSpPr>
+            <a:spLocks noGrp="1"/>
+          </p:cNvSpPr>
+          <p:nvPr>
+            <p:ph type="title"/>
+          </p:nvPr>
+        </p:nvSpPr>
+        <p:spPr/>
+        <p:txBody>
+          <a:bodyPr>
+            <a:normAutofit fontScale="90000"/>
+          </a:bodyPr>
+          <a:lstStyle/>
+          <a:p>
+            <a:r>
+              <a:rPr kumimoji="1" lang="ja-JP" altLang="en-US" dirty="0" smtClean="0"/>
+              <a:t>（（（電子タグを用いた免疫機構の表現の妥当性</a:t>
+            </a:r>
+            <a:endParaRPr kumimoji="1" lang="ja-JP" altLang="en-US" dirty="0"/>
+          </a:p>
+        </p:txBody>
+      </p:sp>
+      <p:sp>
+        <p:nvSpPr>
+          <p:cNvPr id="3" name="コンテンツ プレースホルダー 2"/>
+          <p:cNvSpPr>
+            <a:spLocks noGrp="1"/>
+          </p:cNvSpPr>
+          <p:nvPr>
+            <p:ph idx="1"/>
+          </p:nvPr>
+        </p:nvSpPr>
+        <p:spPr/>
+        <p:txBody>
+          <a:bodyPr/>
+          <a:lstStyle/>
+          <a:p>
+            <a:endParaRPr kumimoji="1" lang="ja-JP" altLang="en-US"/>
+          </a:p>
+        </p:txBody>
+      </p:sp>
+    </p:spTree>
+    <p:extLst>
+      <p:ext uri="{BB962C8B-B14F-4D97-AF65-F5344CB8AC3E}">
+        <p14:creationId xmlns:p14="http://schemas.microsoft.com/office/powerpoint/2010/main" val="296766167"/>
+      </p:ext>
+    </p:extLst>
+  </p:cSld>
+  <p:clrMapOvr>
+    <a:masterClrMapping/>
+  </p:clrMapOvr>
+  <p:timing>
+    <p:tnLst>
+      <p:par>
+        <p:cTn id="1" dur="indefinite" restart="never" nodeType="tmRoot"/>
+      </p:par>
+    </p:tnLst>
+  </p:timing>
+</p:sld>
+</file>
+
+<file path=ppt/slides/slide22.xml><?xml version="1.0" encoding="utf-8"?>
+<p:sld xmlns:a="http://schemas.openxmlformats.org/drawingml/2006/main" xmlns:r="http://schemas.openxmlformats.org/officeDocument/2006/relationships" xmlns:p="http://schemas.openxmlformats.org/presentationml/2006/main">
+  <p:cSld>
+    <p:spTree>
+      <p:nvGrpSpPr>
+        <p:cNvPr id="1" name=""/>
+        <p:cNvGrpSpPr/>
+        <p:nvPr/>
+      </p:nvGrpSpPr>
+      <p:grpSpPr>
+        <a:xfrm>
+          <a:off x="0" y="0"/>
+          <a:ext cx="0" cy="0"/>
+          <a:chOff x="0" y="0"/>
+          <a:chExt cx="0" cy="0"/>
+        </a:xfrm>
+      </p:grpSpPr>
+      <p:sp>
+        <p:nvSpPr>
+          <p:cNvPr id="2" name="タイトル 1"/>
+          <p:cNvSpPr>
+            <a:spLocks noGrp="1"/>
+          </p:cNvSpPr>
+          <p:nvPr>
+            <p:ph type="title"/>
+          </p:nvPr>
+        </p:nvSpPr>
+        <p:spPr/>
+        <p:txBody>
+          <a:bodyPr/>
+          <a:lstStyle/>
+          <a:p>
+            <a:r>
+              <a:rPr kumimoji="1" lang="ja-JP" altLang="en-US" dirty="0" smtClean="0"/>
+              <a:t>延長された表現型とは</a:t>
+            </a:r>
+            <a:endParaRPr kumimoji="1" lang="ja-JP" altLang="en-US" dirty="0"/>
+          </a:p>
+        </p:txBody>
+      </p:sp>
+      <p:sp>
+        <p:nvSpPr>
+          <p:cNvPr id="3" name="コンテンツ プレースホルダー 2"/>
+          <p:cNvSpPr>
+            <a:spLocks noGrp="1"/>
+          </p:cNvSpPr>
+          <p:nvPr>
+            <p:ph idx="1"/>
+          </p:nvPr>
+        </p:nvSpPr>
+        <p:spPr/>
+        <p:txBody>
+          <a:bodyPr/>
+          <a:lstStyle/>
+          <a:p>
+            <a:pPr marL="0" indent="0">
+              <a:buNone/>
+            </a:pPr>
+            <a:endParaRPr kumimoji="1" lang="ja-JP" altLang="en-US" dirty="0"/>
+          </a:p>
+        </p:txBody>
+      </p:sp>
+    </p:spTree>
+    <p:extLst>
+      <p:ext uri="{BB962C8B-B14F-4D97-AF65-F5344CB8AC3E}">
+        <p14:creationId xmlns:p14="http://schemas.microsoft.com/office/powerpoint/2010/main" val="3461091930"/>
+      </p:ext>
+    </p:extLst>
+  </p:cSld>
+  <p:clrMapOvr>
+    <a:masterClrMapping/>
+  </p:clrMapOvr>
+  <p:timing>
+    <p:tnLst>
+      <p:par>
+        <p:cTn id="1" dur="indefinite" restart="never" nodeType="tmRoot"/>
+      </p:par>
+    </p:tnLst>
+  </p:timing>
+</p:sld>
+</file>
+
+<file path=ppt/slides/slide23.xml><?xml version="1.0" encoding="utf-8"?>
+<p:sld xmlns:a="http://schemas.openxmlformats.org/drawingml/2006/main" xmlns:r="http://schemas.openxmlformats.org/officeDocument/2006/relationships" xmlns:p="http://schemas.openxmlformats.org/presentationml/2006/main">
+  <p:cSld>
+    <p:spTree>
+      <p:nvGrpSpPr>
+        <p:cNvPr id="1" name=""/>
+        <p:cNvGrpSpPr/>
+        <p:nvPr/>
+      </p:nvGrpSpPr>
+      <p:grpSpPr>
+        <a:xfrm>
+          <a:off x="0" y="0"/>
+          <a:ext cx="0" cy="0"/>
+          <a:chOff x="0" y="0"/>
+          <a:chExt cx="0" cy="0"/>
+        </a:xfrm>
+      </p:grpSpPr>
+      <p:sp>
+        <p:nvSpPr>
+          <p:cNvPr id="2" name="フローチャート : 代替処理 1"/>
+          <p:cNvSpPr/>
+          <p:nvPr/>
+        </p:nvSpPr>
+        <p:spPr>
+          <a:xfrm>
+            <a:off x="323528" y="260648"/>
+            <a:ext cx="1656184" cy="432048"/>
+          </a:xfrm>
+          <a:prstGeom prst="flowChartAlternateProcess">
+            <a:avLst/>
+          </a:prstGeom>
+        </p:spPr>
+        <p:style>
+          <a:lnRef idx="2">
+            <a:schemeClr val="accent1"/>
+          </a:lnRef>
+          <a:fillRef idx="1">
+            <a:schemeClr val="lt1"/>
+          </a:fillRef>
+          <a:effectRef idx="0">
+            <a:schemeClr val="accent1"/>
+          </a:effectRef>
+          <a:fontRef idx="minor">
+            <a:schemeClr val="dk1"/>
+          </a:fontRef>
+        </p:style>
+        <p:txBody>
+          <a:bodyPr rtlCol="0" anchor="ctr"/>
+          <a:lstStyle/>
+          <a:p>
+            <a:pPr algn="ctr"/>
+            <a:r>
+              <a:rPr kumimoji="1" lang="ja-JP" altLang="en-US" dirty="0" smtClean="0"/>
+              <a:t>個体の行動</a:t>
+            </a:r>
+            <a:endParaRPr kumimoji="1" lang="ja-JP" altLang="en-US" dirty="0"/>
+          </a:p>
+        </p:txBody>
+      </p:sp>
+      <p:sp>
+        <p:nvSpPr>
+          <p:cNvPr id="3" name="フローチャート : 代替処理 2"/>
+          <p:cNvSpPr/>
+          <p:nvPr/>
+        </p:nvSpPr>
+        <p:spPr>
+          <a:xfrm>
+            <a:off x="5906616" y="4345568"/>
+            <a:ext cx="914400" cy="612648"/>
+          </a:xfrm>
+          <a:prstGeom prst="flowChartAlternateProcess">
+            <a:avLst/>
+          </a:prstGeom>
+        </p:spPr>
+        <p:style>
+          <a:lnRef idx="2">
+            <a:schemeClr val="accent1"/>
+          </a:lnRef>
+          <a:fillRef idx="1">
+            <a:schemeClr val="lt1"/>
+          </a:fillRef>
+          <a:effectRef idx="0">
+            <a:schemeClr val="accent1"/>
+          </a:effectRef>
+          <a:fontRef idx="minor">
+            <a:schemeClr val="dk1"/>
+          </a:fontRef>
+        </p:style>
+        <p:txBody>
+          <a:bodyPr rtlCol="0" anchor="ctr"/>
+          <a:lstStyle/>
+          <a:p>
+            <a:pPr algn="ctr"/>
+            <a:endParaRPr kumimoji="1" lang="ja-JP" altLang="en-US"/>
+          </a:p>
+        </p:txBody>
+      </p:sp>
+      <p:sp>
+        <p:nvSpPr>
+          <p:cNvPr id="4" name="フローチャート : 端子 3"/>
+          <p:cNvSpPr/>
+          <p:nvPr/>
+        </p:nvSpPr>
+        <p:spPr>
+          <a:xfrm>
+            <a:off x="323528" y="1700808"/>
+            <a:ext cx="914400" cy="301752"/>
+          </a:xfrm>
+          <a:prstGeom prst="flowChartTerminator">
+            <a:avLst/>
+          </a:prstGeom>
+        </p:spPr>
+        <p:style>
+          <a:lnRef idx="2">
+            <a:schemeClr val="accent1"/>
+          </a:lnRef>
+          <a:fillRef idx="1">
+            <a:schemeClr val="lt1"/>
+          </a:fillRef>
+          <a:effectRef idx="0">
+            <a:schemeClr val="accent1"/>
+          </a:effectRef>
+          <a:fontRef idx="minor">
+            <a:schemeClr val="dk1"/>
+          </a:fontRef>
+        </p:style>
+        <p:txBody>
+          <a:bodyPr rtlCol="0" anchor="ctr"/>
+          <a:lstStyle/>
+          <a:p>
+            <a:pPr algn="ctr"/>
+            <a:r>
+              <a:rPr kumimoji="1" lang="ja-JP" altLang="en-US" dirty="0" smtClean="0"/>
+              <a:t>開始</a:t>
+            </a:r>
+            <a:endParaRPr kumimoji="1" lang="ja-JP" altLang="en-US" dirty="0"/>
+          </a:p>
+        </p:txBody>
+      </p:sp>
+      <p:sp>
+        <p:nvSpPr>
+          <p:cNvPr id="5" name="フローチャート : 端子 4"/>
+          <p:cNvSpPr/>
+          <p:nvPr/>
+        </p:nvSpPr>
+        <p:spPr>
+          <a:xfrm>
+            <a:off x="5906616" y="6165304"/>
+            <a:ext cx="914400" cy="301752"/>
+          </a:xfrm>
+          <a:prstGeom prst="flowChartTerminator">
+            <a:avLst/>
+          </a:prstGeom>
+        </p:spPr>
+        <p:style>
+          <a:lnRef idx="2">
+            <a:schemeClr val="accent1"/>
+          </a:lnRef>
+          <a:fillRef idx="1">
+            <a:schemeClr val="lt1"/>
+          </a:fillRef>
+          <a:effectRef idx="0">
+            <a:schemeClr val="accent1"/>
+          </a:effectRef>
+          <a:fontRef idx="minor">
+            <a:schemeClr val="dk1"/>
+          </a:fontRef>
+        </p:style>
+        <p:txBody>
+          <a:bodyPr rtlCol="0" anchor="ctr"/>
+          <a:lstStyle/>
+          <a:p>
+            <a:pPr algn="ctr"/>
+            <a:r>
+              <a:rPr kumimoji="1" lang="ja-JP" altLang="en-US" dirty="0" smtClean="0"/>
+              <a:t>終了</a:t>
+            </a:r>
+            <a:endParaRPr kumimoji="1" lang="ja-JP" altLang="en-US" dirty="0"/>
+          </a:p>
+        </p:txBody>
+      </p:sp>
+      <p:sp>
+        <p:nvSpPr>
+          <p:cNvPr id="6" name="フローチャート : 代替処理 5"/>
+          <p:cNvSpPr/>
+          <p:nvPr/>
+        </p:nvSpPr>
+        <p:spPr>
+          <a:xfrm>
+            <a:off x="323528" y="4149080"/>
+            <a:ext cx="3646496" cy="1235436"/>
+          </a:xfrm>
+          <a:prstGeom prst="flowChartAlternateProcess">
+            <a:avLst/>
+          </a:prstGeom>
+        </p:spPr>
+        <p:style>
+          <a:lnRef idx="2">
+            <a:schemeClr val="accent1"/>
+          </a:lnRef>
+          <a:fillRef idx="1">
+            <a:schemeClr val="lt1"/>
+          </a:fillRef>
+          <a:effectRef idx="0">
+            <a:schemeClr val="accent1"/>
+          </a:effectRef>
+          <a:fontRef idx="minor">
+            <a:schemeClr val="dk1"/>
+          </a:fontRef>
+        </p:style>
+        <p:txBody>
+          <a:bodyPr rtlCol="0" anchor="ctr"/>
+          <a:lstStyle/>
+          <a:p>
+            <a:pPr algn="ctr"/>
+            <a:r>
+              <a:rPr kumimoji="1" lang="ja-JP" altLang="en-US" dirty="0" smtClean="0"/>
+              <a:t>近隣の他個体それぞれに対して、保持ウイルスの中からランダムで１つ選び、待機ウイルスに加える</a:t>
+            </a:r>
+            <a:endParaRPr kumimoji="1" lang="ja-JP" altLang="en-US" dirty="0"/>
+          </a:p>
+        </p:txBody>
+      </p:sp>
+      <p:sp>
+        <p:nvSpPr>
+          <p:cNvPr id="7" name="フローチャート : 代替処理 6"/>
+          <p:cNvSpPr/>
+          <p:nvPr/>
+        </p:nvSpPr>
+        <p:spPr>
+          <a:xfrm>
+            <a:off x="5914449" y="5236664"/>
+            <a:ext cx="914400" cy="612648"/>
+          </a:xfrm>
+          <a:prstGeom prst="flowChartAlternateProcess">
+            <a:avLst/>
+          </a:prstGeom>
+        </p:spPr>
+        <p:style>
+          <a:lnRef idx="2">
+            <a:schemeClr val="accent1"/>
+          </a:lnRef>
+          <a:fillRef idx="1">
+            <a:schemeClr val="lt1"/>
+          </a:fillRef>
+          <a:effectRef idx="0">
+            <a:schemeClr val="accent1"/>
+          </a:effectRef>
+          <a:fontRef idx="minor">
+            <a:schemeClr val="dk1"/>
+          </a:fontRef>
+        </p:style>
+        <p:txBody>
+          <a:bodyPr rtlCol="0" anchor="ctr"/>
+          <a:lstStyle/>
+          <a:p>
+            <a:pPr algn="ctr"/>
+            <a:endParaRPr kumimoji="1" lang="ja-JP" altLang="en-US"/>
+          </a:p>
+        </p:txBody>
+      </p:sp>
+      <p:sp>
+        <p:nvSpPr>
+          <p:cNvPr id="8" name="フローチャート : 代替処理 7"/>
+          <p:cNvSpPr/>
+          <p:nvPr/>
+        </p:nvSpPr>
+        <p:spPr>
+          <a:xfrm>
+            <a:off x="323528" y="3068960"/>
+            <a:ext cx="2376264" cy="792088"/>
+          </a:xfrm>
+          <a:prstGeom prst="flowChartAlternateProcess">
+            <a:avLst/>
+          </a:prstGeom>
+        </p:spPr>
+        <p:style>
+          <a:lnRef idx="2">
+            <a:schemeClr val="accent1"/>
+          </a:lnRef>
+          <a:fillRef idx="1">
+            <a:schemeClr val="lt1"/>
+          </a:fillRef>
+          <a:effectRef idx="0">
+            <a:schemeClr val="accent1"/>
+          </a:effectRef>
+          <a:fontRef idx="minor">
+            <a:schemeClr val="dk1"/>
+          </a:fontRef>
+        </p:style>
+        <p:txBody>
+          <a:bodyPr rtlCol="0" anchor="ctr"/>
+          <a:lstStyle/>
+          <a:p>
+            <a:pPr algn="ctr"/>
+            <a:r>
+              <a:rPr lang="ja-JP" altLang="en-US" dirty="0" smtClean="0"/>
+              <a:t>ランダムに</a:t>
+            </a:r>
+            <a:endParaRPr lang="en-US" altLang="ja-JP" dirty="0" smtClean="0"/>
+          </a:p>
+          <a:p>
+            <a:pPr algn="ctr"/>
+            <a:r>
+              <a:rPr lang="ja-JP" altLang="en-US" dirty="0" smtClean="0"/>
+              <a:t>土地に配置される</a:t>
+            </a:r>
+            <a:endParaRPr kumimoji="1" lang="ja-JP" altLang="en-US" dirty="0"/>
+          </a:p>
+        </p:txBody>
+      </p:sp>
+      <p:sp>
+        <p:nvSpPr>
+          <p:cNvPr id="9" name="フローチャート : 代替処理 8"/>
+          <p:cNvSpPr/>
+          <p:nvPr/>
+        </p:nvSpPr>
+        <p:spPr>
+          <a:xfrm>
+            <a:off x="323528" y="2209588"/>
+            <a:ext cx="1512168" cy="612648"/>
+          </a:xfrm>
+          <a:prstGeom prst="flowChartAlternateProcess">
+            <a:avLst/>
+          </a:prstGeom>
+        </p:spPr>
+        <p:style>
+          <a:lnRef idx="2">
+            <a:schemeClr val="accent1"/>
+          </a:lnRef>
+          <a:fillRef idx="1">
+            <a:schemeClr val="lt1"/>
+          </a:fillRef>
+          <a:effectRef idx="0">
+            <a:schemeClr val="accent1"/>
+          </a:effectRef>
+          <a:fontRef idx="minor">
+            <a:schemeClr val="dk1"/>
+          </a:fontRef>
+        </p:style>
+        <p:txBody>
+          <a:bodyPr rtlCol="0" anchor="ctr"/>
+          <a:lstStyle/>
+          <a:p>
+            <a:pPr algn="ctr"/>
+            <a:r>
+              <a:rPr kumimoji="1" lang="ja-JP" altLang="en-US" dirty="0" smtClean="0"/>
+              <a:t>初期感染</a:t>
+            </a:r>
+            <a:endParaRPr kumimoji="1" lang="ja-JP" altLang="en-US" dirty="0"/>
+          </a:p>
+        </p:txBody>
+      </p:sp>
+    </p:spTree>
+    <p:extLst>
+      <p:ext uri="{BB962C8B-B14F-4D97-AF65-F5344CB8AC3E}">
+        <p14:creationId xmlns:p14="http://schemas.microsoft.com/office/powerpoint/2010/main" val="1149217472"/>
+      </p:ext>
+    </p:extLst>
+  </p:cSld>
+  <p:clrMapOvr>
+    <a:masterClrMapping/>
+  </p:clrMapOvr>
+  <p:timing>
+    <p:tnLst>
+      <p:par>
+        <p:cTn id="1" dur="indefinite" restart="never" nodeType="tmRoot"/>
+      </p:par>
+    </p:tnLst>
+  </p:timing>
+</p:sld>
+</file>
+
+<file path=ppt/slides/slide24.xml><?xml version="1.0" encoding="utf-8"?>
+<p:sld xmlns:a="http://schemas.openxmlformats.org/drawingml/2006/main" xmlns:r="http://schemas.openxmlformats.org/officeDocument/2006/relationships" xmlns:p="http://schemas.openxmlformats.org/presentationml/2006/main">
+  <p:cSld>
+    <p:spTree>
+      <p:nvGrpSpPr>
+        <p:cNvPr id="1" name=""/>
+        <p:cNvGrpSpPr/>
+        <p:nvPr/>
+      </p:nvGrpSpPr>
+      <p:grpSpPr>
+        <a:xfrm>
+          <a:off x="0" y="0"/>
+          <a:ext cx="0" cy="0"/>
+          <a:chOff x="0" y="0"/>
+          <a:chExt cx="0" cy="0"/>
+        </a:xfrm>
+      </p:grpSpPr>
+      <p:sp>
+        <p:nvSpPr>
+          <p:cNvPr id="2" name="タイトル 1"/>
+          <p:cNvSpPr>
+            <a:spLocks noGrp="1"/>
+          </p:cNvSpPr>
+          <p:nvPr>
+            <p:ph type="title"/>
+          </p:nvPr>
+        </p:nvSpPr>
+        <p:spPr/>
+        <p:txBody>
+          <a:bodyPr/>
+          <a:lstStyle/>
+          <a:p>
+            <a:r>
+              <a:rPr kumimoji="1" lang="ja-JP" altLang="en-US" dirty="0" smtClean="0"/>
+              <a:t>パラメータ集合の分類</a:t>
+            </a:r>
+            <a:endParaRPr kumimoji="1" lang="ja-JP" altLang="en-US" dirty="0"/>
+          </a:p>
+        </p:txBody>
+      </p:sp>
+      <p:sp>
+        <p:nvSpPr>
+          <p:cNvPr id="3" name="コンテンツ プレースホルダー 2"/>
+          <p:cNvSpPr>
+            <a:spLocks noGrp="1"/>
+          </p:cNvSpPr>
+          <p:nvPr>
+            <p:ph idx="1"/>
+          </p:nvPr>
+        </p:nvSpPr>
+        <p:spPr/>
+        <p:txBody>
+          <a:bodyPr/>
+          <a:lstStyle/>
+          <a:p>
+            <a:r>
+              <a:rPr kumimoji="1" lang="ja-JP" altLang="en-US" dirty="0" smtClean="0"/>
+              <a:t>８つ</a:t>
+            </a:r>
+            <a:endParaRPr kumimoji="1" lang="ja-JP" altLang="en-US" dirty="0"/>
+          </a:p>
+        </p:txBody>
+      </p:sp>
+    </p:spTree>
+    <p:extLst>
+      <p:ext uri="{BB962C8B-B14F-4D97-AF65-F5344CB8AC3E}">
+        <p14:creationId xmlns:p14="http://schemas.microsoft.com/office/powerpoint/2010/main" val="3741923519"/>
+      </p:ext>
+    </p:extLst>
+  </p:cSld>
+  <p:clrMapOvr>
+    <a:masterClrMapping/>
+  </p:clrMapOvr>
+  <p:timing>
+    <p:tnLst>
+      <p:par>
+        <p:cTn id="1" dur="indefinite" restart="never" nodeType="tmRoot"/>
+      </p:par>
+    </p:tnLst>
+  </p:timing>
+</p:sld>
+</file>
+
+<file path=ppt/slides/slide3.xml><?xml version="1.0" encoding="utf-8"?>
+<p:sld xmlns:a="http://schemas.openxmlformats.org/drawingml/2006/main" xmlns:r="http://schemas.openxmlformats.org/officeDocument/2006/relationships" xmlns:p="http://schemas.openxmlformats.org/presentationml/2006/main">
+  <p:cSld>
+    <p:spTree>
+      <p:nvGrpSpPr>
+        <p:cNvPr id="1" name=""/>
+        <p:cNvGrpSpPr/>
+        <p:nvPr/>
+      </p:nvGrpSpPr>
+      <p:grpSpPr>
+        <a:xfrm>
+          <a:off x="0" y="0"/>
+          <a:ext cx="0" cy="0"/>
+          <a:chOff x="0" y="0"/>
+          <a:chExt cx="0" cy="0"/>
+        </a:xfrm>
+      </p:grpSpPr>
+      <p:sp>
+        <p:nvSpPr>
+          <p:cNvPr id="2" name="タイトル 1"/>
+          <p:cNvSpPr>
+            <a:spLocks noGrp="1"/>
+          </p:cNvSpPr>
+          <p:nvPr>
+            <p:ph type="title"/>
+          </p:nvPr>
+        </p:nvSpPr>
+        <p:spPr/>
+        <p:txBody>
+          <a:bodyPr/>
+          <a:lstStyle/>
+          <a:p>
+            <a:r>
+              <a:rPr kumimoji="1" lang="ja-JP" altLang="en-US" dirty="0" smtClean="0"/>
+              <a:t>研究目的２</a:t>
+            </a:r>
+            <a:endParaRPr kumimoji="1" lang="ja-JP" altLang="en-US" dirty="0"/>
+          </a:p>
+        </p:txBody>
+      </p:sp>
+      <p:sp>
+        <p:nvSpPr>
+          <p:cNvPr id="3" name="コンテンツ プレースホルダー 2"/>
+          <p:cNvSpPr>
+            <a:spLocks noGrp="1"/>
+          </p:cNvSpPr>
+          <p:nvPr>
+            <p:ph idx="1"/>
+          </p:nvPr>
+        </p:nvSpPr>
+        <p:spPr/>
+        <p:txBody>
+          <a:bodyPr/>
+          <a:lstStyle/>
+          <a:p>
+            <a:r>
+              <a:rPr kumimoji="1" lang="en-US" altLang="ja-JP" dirty="0" smtClean="0"/>
+              <a:t>2</a:t>
+            </a:r>
+            <a:r>
+              <a:rPr kumimoji="1" lang="ja-JP" altLang="en-US" dirty="0" smtClean="0"/>
+              <a:t>種類のウイルスが流行した場合、一方のウイルスの免疫を獲得することにより他方のウイルスに対する免疫を失うことが起こりうる。</a:t>
+            </a:r>
+            <a:endParaRPr lang="en-US" altLang="ja-JP" dirty="0"/>
+          </a:p>
+          <a:p>
+            <a:r>
+              <a:rPr kumimoji="1" lang="ja-JP" altLang="en-US" dirty="0" smtClean="0"/>
+              <a:t>その結果社会全体で発生する免疫獲得とウイルス感染との間のある種の振動現象を数値解析的に再現する。</a:t>
+            </a:r>
+            <a:endParaRPr kumimoji="1" lang="ja-JP" altLang="en-US" dirty="0"/>
+          </a:p>
+        </p:txBody>
+      </p:sp>
+    </p:spTree>
+    <p:extLst>
+      <p:ext uri="{BB962C8B-B14F-4D97-AF65-F5344CB8AC3E}">
+        <p14:creationId xmlns:p14="http://schemas.microsoft.com/office/powerpoint/2010/main" val="2535459551"/>
+      </p:ext>
+    </p:extLst>
+  </p:cSld>
+  <p:clrMapOvr>
+    <a:masterClrMapping/>
+  </p:clrMapOvr>
+  <p:timing>
+    <p:tnLst>
+      <p:par>
+        <p:cTn id="1" dur="indefinite" restart="never" nodeType="tmRoot"/>
+      </p:par>
+    </p:tnLst>
+  </p:timing>
+</p:sld>
+</file>
+
+<file path=ppt/slides/slide4.xml><?xml version="1.0" encoding="utf-8"?>
+<p:sld xmlns:a="http://schemas.openxmlformats.org/drawingml/2006/main" xmlns:r="http://schemas.openxmlformats.org/officeDocument/2006/relationships" xmlns:p="http://schemas.openxmlformats.org/presentationml/2006/main">
+  <p:cSld>
+    <p:spTree>
+      <p:nvGrpSpPr>
+        <p:cNvPr id="1" name=""/>
+        <p:cNvGrpSpPr/>
+        <p:nvPr/>
+      </p:nvGrpSpPr>
+      <p:grpSpPr>
+        <a:xfrm>
+          <a:off x="0" y="0"/>
+          <a:ext cx="0" cy="0"/>
+          <a:chOff x="0" y="0"/>
+          <a:chExt cx="0" cy="0"/>
+        </a:xfrm>
+      </p:grpSpPr>
+      <p:sp>
+        <p:nvSpPr>
+          <p:cNvPr id="2" name="タイトル 1"/>
+          <p:cNvSpPr>
+            <a:spLocks noGrp="1"/>
+          </p:cNvSpPr>
+          <p:nvPr>
+            <p:ph type="title"/>
+          </p:nvPr>
+        </p:nvSpPr>
+        <p:spPr/>
+        <p:txBody>
+          <a:bodyPr/>
+          <a:lstStyle/>
+          <a:p>
+            <a:r>
+              <a:rPr kumimoji="1" lang="ja-JP" altLang="en-US" dirty="0" smtClean="0"/>
+              <a:t>研究の意義</a:t>
+            </a:r>
+            <a:endParaRPr kumimoji="1" lang="ja-JP" altLang="en-US" dirty="0"/>
+          </a:p>
+        </p:txBody>
+      </p:sp>
+      <p:sp>
+        <p:nvSpPr>
+          <p:cNvPr id="3" name="コンテンツ プレースホルダー 2"/>
+          <p:cNvSpPr>
+            <a:spLocks noGrp="1"/>
+          </p:cNvSpPr>
+          <p:nvPr>
+            <p:ph idx="1"/>
+          </p:nvPr>
+        </p:nvSpPr>
+        <p:spPr/>
+        <p:txBody>
+          <a:bodyPr/>
+          <a:lstStyle/>
+          <a:p>
+            <a:r>
+              <a:rPr kumimoji="1" lang="ja-JP" altLang="en-US" dirty="0" smtClean="0">
+                <a:solidFill>
+                  <a:srgbClr val="FF0000"/>
+                </a:solidFill>
+              </a:rPr>
+              <a:t>従来の微分方程式</a:t>
+            </a:r>
+            <a:r>
+              <a:rPr kumimoji="1" lang="ja-JP" altLang="en-US" dirty="0" smtClean="0"/>
+              <a:t>を基礎としたモデルでは個体における</a:t>
+            </a:r>
+            <a:r>
+              <a:rPr kumimoji="1" lang="ja-JP" altLang="en-US" dirty="0" smtClean="0">
+                <a:solidFill>
+                  <a:srgbClr val="FF0000"/>
+                </a:solidFill>
+              </a:rPr>
+              <a:t>免疫機構の詳細にまで立ち入ることができなかった</a:t>
+            </a:r>
+            <a:r>
+              <a:rPr kumimoji="1" lang="ja-JP" altLang="en-US" dirty="0" smtClean="0"/>
+              <a:t>。</a:t>
+            </a:r>
+            <a:endParaRPr kumimoji="1" lang="en-US" altLang="ja-JP" dirty="0" smtClean="0"/>
+          </a:p>
+          <a:p>
+            <a:r>
+              <a:rPr kumimoji="1" lang="ja-JP" altLang="en-US" dirty="0" smtClean="0">
+                <a:solidFill>
+                  <a:srgbClr val="FF0000"/>
+                </a:solidFill>
+              </a:rPr>
+              <a:t>電子タグ</a:t>
+            </a:r>
+            <a:r>
+              <a:rPr kumimoji="1" lang="ja-JP" altLang="en-US" dirty="0" smtClean="0"/>
+              <a:t>を用いることにより、</a:t>
+            </a:r>
+            <a:r>
+              <a:rPr kumimoji="1" lang="ja-JP" altLang="en-US" dirty="0" smtClean="0">
+                <a:solidFill>
+                  <a:srgbClr val="FF0000"/>
+                </a:solidFill>
+              </a:rPr>
+              <a:t>免疫機構</a:t>
+            </a:r>
+            <a:r>
+              <a:rPr kumimoji="1" lang="ja-JP" altLang="en-US" dirty="0" smtClean="0"/>
+              <a:t>をより</a:t>
+            </a:r>
+            <a:r>
+              <a:rPr kumimoji="1" lang="ja-JP" altLang="en-US" dirty="0" smtClean="0">
+                <a:solidFill>
+                  <a:srgbClr val="FF0000"/>
+                </a:solidFill>
+              </a:rPr>
+              <a:t>正確にモデル化</a:t>
+            </a:r>
+            <a:r>
+              <a:rPr kumimoji="1" lang="ja-JP" altLang="en-US" dirty="0" smtClean="0"/>
+              <a:t>することができる。</a:t>
+            </a:r>
+            <a:endParaRPr kumimoji="1" lang="en-US" altLang="ja-JP" dirty="0" smtClean="0"/>
+          </a:p>
+          <a:p>
+            <a:r>
+              <a:rPr kumimoji="1" lang="ja-JP" altLang="en-US" dirty="0" smtClean="0"/>
+              <a:t>これにより社会全体における</a:t>
+            </a:r>
+            <a:r>
+              <a:rPr kumimoji="1" lang="ja-JP" altLang="en-US" dirty="0" smtClean="0">
+                <a:solidFill>
+                  <a:srgbClr val="FF0000"/>
+                </a:solidFill>
+              </a:rPr>
+              <a:t>伝染病の感染拡大</a:t>
+            </a:r>
+            <a:r>
+              <a:rPr kumimoji="1" lang="ja-JP" altLang="en-US" dirty="0" smtClean="0"/>
+              <a:t>だけではなく、</a:t>
+            </a:r>
+            <a:r>
+              <a:rPr kumimoji="1" lang="ja-JP" altLang="en-US" dirty="0" smtClean="0">
+                <a:solidFill>
+                  <a:srgbClr val="FF0000"/>
+                </a:solidFill>
+              </a:rPr>
+              <a:t>免疫機構の社会的な広がり</a:t>
+            </a:r>
+            <a:r>
+              <a:rPr kumimoji="1" lang="ja-JP" altLang="en-US" dirty="0" smtClean="0"/>
+              <a:t>をも表現することができる。</a:t>
+            </a:r>
+            <a:endParaRPr kumimoji="1" lang="ja-JP" altLang="en-US" dirty="0"/>
+          </a:p>
+        </p:txBody>
+      </p:sp>
+    </p:spTree>
+    <p:extLst>
+      <p:ext uri="{BB962C8B-B14F-4D97-AF65-F5344CB8AC3E}">
+        <p14:creationId xmlns:p14="http://schemas.microsoft.com/office/powerpoint/2010/main" val="1965611721"/>
+      </p:ext>
+    </p:extLst>
+  </p:cSld>
+  <p:clrMapOvr>
+    <a:masterClrMapping/>
+  </p:clrMapOvr>
+</p:sld>
+</file>
+
+<file path=ppt/slides/slide5.xml><?xml version="1.0" encoding="utf-8"?>
+<p:sld xmlns:a="http://schemas.openxmlformats.org/drawingml/2006/main" xmlns:r="http://schemas.openxmlformats.org/officeDocument/2006/relationships" xmlns:p="http://schemas.openxmlformats.org/presentationml/2006/main">
+  <p:cSld>
+    <p:spTree>
+      <p:nvGrpSpPr>
+        <p:cNvPr id="1" name=""/>
+        <p:cNvGrpSpPr/>
+        <p:nvPr/>
+      </p:nvGrpSpPr>
+      <p:grpSpPr>
+        <a:xfrm>
+          <a:off x="0" y="0"/>
+          <a:ext cx="0" cy="0"/>
+          <a:chOff x="0" y="0"/>
+          <a:chExt cx="0" cy="0"/>
+        </a:xfrm>
+      </p:grpSpPr>
+      <p:sp>
+        <p:nvSpPr>
+          <p:cNvPr id="2" name="タイトル 1"/>
+          <p:cNvSpPr>
+            <a:spLocks noGrp="1"/>
+          </p:cNvSpPr>
+          <p:nvPr>
+            <p:ph type="title"/>
+          </p:nvPr>
+        </p:nvSpPr>
+        <p:spPr/>
+        <p:txBody>
+          <a:bodyPr/>
+          <a:lstStyle/>
+          <a:p>
+            <a:endParaRPr kumimoji="1" lang="ja-JP" altLang="en-US" dirty="0"/>
+          </a:p>
+        </p:txBody>
+      </p:sp>
+      <p:sp>
+        <p:nvSpPr>
+          <p:cNvPr id="3" name="コンテンツ プレースホルダー 2"/>
+          <p:cNvSpPr>
+            <a:spLocks noGrp="1"/>
+          </p:cNvSpPr>
+          <p:nvPr>
+            <p:ph idx="1"/>
+          </p:nvPr>
+        </p:nvSpPr>
+        <p:spPr/>
+        <p:txBody>
+          <a:bodyPr/>
+          <a:lstStyle/>
+          <a:p>
+            <a:endParaRPr kumimoji="1" lang="ja-JP" altLang="en-US"/>
+          </a:p>
+        </p:txBody>
+      </p:sp>
+    </p:spTree>
+    <p:extLst>
+      <p:ext uri="{BB962C8B-B14F-4D97-AF65-F5344CB8AC3E}">
+        <p14:creationId xmlns:p14="http://schemas.microsoft.com/office/powerpoint/2010/main" val="885643225"/>
+      </p:ext>
+    </p:extLst>
+  </p:cSld>
+  <p:clrMapOvr>
+    <a:masterClrMapping/>
+  </p:clrMapOvr>
+</p:sld>
+</file>
+
+<file path=ppt/slides/slide6.xml><?xml version="1.0" encoding="utf-8"?>
+<p:sld xmlns:a="http://schemas.openxmlformats.org/drawingml/2006/main" xmlns:r="http://schemas.openxmlformats.org/officeDocument/2006/relationships" xmlns:p="http://schemas.openxmlformats.org/presentationml/2006/main">
+  <p:cSld>
+    <p:spTree>
+      <p:nvGrpSpPr>
+        <p:cNvPr id="1" name=""/>
+        <p:cNvGrpSpPr/>
+        <p:nvPr/>
+      </p:nvGrpSpPr>
+      <p:grpSpPr>
+        <a:xfrm>
+          <a:off x="0" y="0"/>
+          <a:ext cx="0" cy="0"/>
+          <a:chOff x="0" y="0"/>
+          <a:chExt cx="0" cy="0"/>
+        </a:xfrm>
+      </p:grpSpPr>
+      <p:sp>
+        <p:nvSpPr>
+          <p:cNvPr id="2" name="タイトル 1"/>
+          <p:cNvSpPr>
+            <a:spLocks noGrp="1"/>
+          </p:cNvSpPr>
+          <p:nvPr>
+            <p:ph type="title"/>
+          </p:nvPr>
+        </p:nvSpPr>
+        <p:spPr/>
+        <p:txBody>
+          <a:bodyPr/>
+          <a:lstStyle/>
+          <a:p>
+            <a:r>
+              <a:rPr kumimoji="1" lang="ja-JP" altLang="en-US" dirty="0" smtClean="0"/>
+              <a:t>先行研究紹介</a:t>
+            </a:r>
+            <a:endParaRPr kumimoji="1" lang="ja-JP" altLang="en-US" dirty="0"/>
+          </a:p>
+        </p:txBody>
+      </p:sp>
+      <p:sp>
+        <p:nvSpPr>
+          <p:cNvPr id="3" name="コンテンツ プレースホルダー 2"/>
+          <p:cNvSpPr>
+            <a:spLocks noGrp="1"/>
+          </p:cNvSpPr>
+          <p:nvPr>
+            <p:ph idx="1"/>
+          </p:nvPr>
+        </p:nvSpPr>
+        <p:spPr/>
+        <p:txBody>
+          <a:bodyPr/>
+          <a:lstStyle/>
+          <a:p>
+            <a:endParaRPr kumimoji="1" lang="ja-JP" altLang="en-US"/>
+          </a:p>
+        </p:txBody>
+      </p:sp>
+    </p:spTree>
+    <p:extLst>
+      <p:ext uri="{BB962C8B-B14F-4D97-AF65-F5344CB8AC3E}">
+        <p14:creationId xmlns:p14="http://schemas.microsoft.com/office/powerpoint/2010/main" val="492649640"/>
+      </p:ext>
+    </p:extLst>
+  </p:cSld>
+  <p:clrMapOvr>
+    <a:masterClrMapping/>
+  </p:clrMapOvr>
+</p:sld>
+</file>
+
+<file path=ppt/slides/slide7.xml><?xml version="1.0" encoding="utf-8"?>
+<p:sld xmlns:a="http://schemas.openxmlformats.org/drawingml/2006/main" xmlns:r="http://schemas.openxmlformats.org/officeDocument/2006/relationships" xmlns:p="http://schemas.openxmlformats.org/presentationml/2006/main">
+  <p:cSld>
+    <p:spTree>
+      <p:nvGrpSpPr>
+        <p:cNvPr id="1" name=""/>
+        <p:cNvGrpSpPr/>
+        <p:nvPr/>
+      </p:nvGrpSpPr>
+      <p:grpSpPr>
+        <a:xfrm>
+          <a:off x="0" y="0"/>
+          <a:ext cx="0" cy="0"/>
+          <a:chOff x="0" y="0"/>
+          <a:chExt cx="0" cy="0"/>
+        </a:xfrm>
+      </p:grpSpPr>
+      <p:sp>
+        <p:nvSpPr>
+          <p:cNvPr id="2" name="タイトル 1"/>
+          <p:cNvSpPr>
+            <a:spLocks noGrp="1"/>
+          </p:cNvSpPr>
+          <p:nvPr>
+            <p:ph type="title"/>
+          </p:nvPr>
+        </p:nvSpPr>
+        <p:spPr/>
+        <p:txBody>
+          <a:bodyPr/>
+          <a:lstStyle/>
+          <a:p>
+            <a:r>
+              <a:rPr kumimoji="1" lang="ja-JP" altLang="en-US" dirty="0" smtClean="0"/>
+              <a:t>（（（ＡＢＭとは何か</a:t>
+            </a:r>
+            <a:endParaRPr kumimoji="1" lang="ja-JP" altLang="en-US" dirty="0"/>
+          </a:p>
+        </p:txBody>
+      </p:sp>
+      <p:sp>
+        <p:nvSpPr>
+          <p:cNvPr id="3" name="コンテンツ プレースホルダー 2"/>
+          <p:cNvSpPr>
+            <a:spLocks noGrp="1"/>
+          </p:cNvSpPr>
+          <p:nvPr>
+            <p:ph idx="1"/>
+          </p:nvPr>
+        </p:nvSpPr>
+        <p:spPr/>
+        <p:txBody>
+          <a:bodyPr/>
+          <a:lstStyle/>
+          <a:p>
+            <a:endParaRPr kumimoji="1" lang="ja-JP" altLang="en-US" dirty="0"/>
+          </a:p>
+        </p:txBody>
+      </p:sp>
+    </p:spTree>
+    <p:extLst>
+      <p:ext uri="{BB962C8B-B14F-4D97-AF65-F5344CB8AC3E}">
+        <p14:creationId xmlns:p14="http://schemas.microsoft.com/office/powerpoint/2010/main" val="862563941"/>
+      </p:ext>
+    </p:extLst>
+  </p:cSld>
+  <p:clrMapOvr>
+    <a:masterClrMapping/>
+  </p:clrMapOvr>
+  <p:timing>
+    <p:tnLst>
+      <p:par>
+        <p:cTn id="1" dur="indefinite" restart="never" nodeType="tmRoot"/>
+      </p:par>
+    </p:tnLst>
+  </p:timing>
+</p:sld>
+</file>
+
+<file path=ppt/slides/slide8.xml><?xml version="1.0" encoding="utf-8"?>
+<p:sld xmlns:a="http://schemas.openxmlformats.org/drawingml/2006/main" xmlns:r="http://schemas.openxmlformats.org/officeDocument/2006/relationships" xmlns:p="http://schemas.openxmlformats.org/presentationml/2006/main">
+  <p:cSld>
+    <p:spTree>
+      <p:nvGrpSpPr>
+        <p:cNvPr id="1" name=""/>
+        <p:cNvGrpSpPr/>
+        <p:nvPr/>
+      </p:nvGrpSpPr>
+      <p:grpSpPr>
+        <a:xfrm>
+          <a:off x="0" y="0"/>
+          <a:ext cx="0" cy="0"/>
+          <a:chOff x="0" y="0"/>
+          <a:chExt cx="0" cy="0"/>
+        </a:xfrm>
+      </p:grpSpPr>
+      <p:sp>
+        <p:nvSpPr>
+          <p:cNvPr id="2" name="タイトル 1"/>
+          <p:cNvSpPr>
+            <a:spLocks noGrp="1"/>
+          </p:cNvSpPr>
+          <p:nvPr>
+            <p:ph type="title"/>
+          </p:nvPr>
+        </p:nvSpPr>
+        <p:spPr/>
+        <p:txBody>
+          <a:bodyPr/>
+          <a:lstStyle/>
+          <a:p>
+            <a:r>
+              <a:rPr kumimoji="1" lang="ja-JP" altLang="en-US" dirty="0" smtClean="0"/>
+              <a:t>（（（数理伝染病学とは何か</a:t>
+            </a:r>
+            <a:endParaRPr kumimoji="1" lang="ja-JP" altLang="en-US" dirty="0"/>
+          </a:p>
+        </p:txBody>
+      </p:sp>
+      <p:sp>
+        <p:nvSpPr>
+          <p:cNvPr id="3" name="コンテンツ プレースホルダー 2"/>
+          <p:cNvSpPr>
+            <a:spLocks noGrp="1"/>
+          </p:cNvSpPr>
+          <p:nvPr>
+            <p:ph idx="1"/>
+          </p:nvPr>
+        </p:nvSpPr>
+        <p:spPr/>
+        <p:txBody>
+          <a:bodyPr/>
+          <a:lstStyle/>
+          <a:p>
+            <a:endParaRPr kumimoji="1" lang="ja-JP" altLang="en-US"/>
+          </a:p>
+        </p:txBody>
+      </p:sp>
+    </p:spTree>
+    <p:extLst>
+      <p:ext uri="{BB962C8B-B14F-4D97-AF65-F5344CB8AC3E}">
+        <p14:creationId xmlns:p14="http://schemas.microsoft.com/office/powerpoint/2010/main" val="2288893661"/>
+      </p:ext>
+    </p:extLst>
+  </p:cSld>
+  <p:clrMapOvr>
+    <a:masterClrMapping/>
+  </p:clrMapOvr>
+</p:sld>
+</file>
+
 <file path=ppt/slides/slide9.xml><?xml version="1.0" encoding="utf-8"?>
 <p:sld xmlns:a="http://schemas.openxmlformats.org/drawingml/2006/main" xmlns:r="http://schemas.openxmlformats.org/officeDocument/2006/relationships" xmlns:p="http://schemas.openxmlformats.org/presentationml/2006/main">
   <p:cSld>
@@ -8112,17 +8502,36 @@
           <a:lstStyle/>
           <a:p>
             <a:r>
-              <a:rPr kumimoji="1" lang="ja-JP" altLang="en-US" dirty="0" smtClean="0"/>
-              <a:t>微分方程式モデルとの比較</a:t>
+              <a:rPr kumimoji="1" lang="en-US" altLang="ja-JP" dirty="0" smtClean="0"/>
+              <a:t>Agent Based Epidemic Model</a:t>
             </a:r>
             <a:endParaRPr kumimoji="1" lang="ja-JP" altLang="en-US" dirty="0"/>
+          </a:p>
+        </p:txBody>
+      </p:sp>
+      <p:sp>
+        <p:nvSpPr>
+          <p:cNvPr id="3" name="コンテンツ プレースホルダー 2"/>
+          <p:cNvSpPr>
+            <a:spLocks noGrp="1"/>
+          </p:cNvSpPr>
+          <p:nvPr>
+            <p:ph idx="1"/>
+          </p:nvPr>
+        </p:nvSpPr>
+        <p:spPr/>
+        <p:txBody>
+          <a:bodyPr/>
+          <a:lstStyle/>
+          <a:p>
+            <a:endParaRPr kumimoji="1" lang="ja-JP" altLang="en-US"/>
           </a:p>
         </p:txBody>
       </p:sp>
     </p:spTree>
     <p:extLst>
       <p:ext uri="{BB962C8B-B14F-4D97-AF65-F5344CB8AC3E}">
-        <p14:creationId xmlns:p14="http://schemas.microsoft.com/office/powerpoint/2010/main" val="4010009998"/>
+        <p14:creationId xmlns:p14="http://schemas.microsoft.com/office/powerpoint/2010/main" val="1153891437"/>
       </p:ext>
     </p:extLst>
   </p:cSld>

--- a/ppt/卒業研究.pptx
+++ b/ppt/卒業研究.pptx
@@ -822,11 +822,7 @@
           <a:bodyPr/>
           <a:lstStyle/>
           <a:p>
-            <a:r>
-              <a:rPr kumimoji="1" lang="ja-JP" altLang="en-US" dirty="0" err="1" smtClean="0"/>
-              <a:t>ぼつ</a:t>
-            </a:r>
-            <a:endParaRPr kumimoji="1" lang="en-US" altLang="ja-JP" dirty="0" smtClean="0"/>
+            <a:endParaRPr kumimoji="1" lang="ja-JP" altLang="en-US" dirty="0"/>
           </a:p>
         </p:txBody>
       </p:sp>
@@ -847,7 +843,7 @@
           <a:p>
             <a:fld id="{FEFB3154-A281-48F2-8DC9-C99E29F1ECF4}" type="slidenum">
               <a:rPr kumimoji="1" lang="ja-JP" altLang="en-US" smtClean="0"/>
-              <a:t>14</a:t>
+              <a:t>12</a:t>
             </a:fld>
             <a:endParaRPr kumimoji="1" lang="ja-JP" altLang="en-US"/>
           </a:p>
@@ -856,7 +852,7 @@
     </p:spTree>
     <p:extLst>
       <p:ext uri="{BB962C8B-B14F-4D97-AF65-F5344CB8AC3E}">
-        <p14:creationId xmlns:p14="http://schemas.microsoft.com/office/powerpoint/2010/main" val="3987876615"/>
+        <p14:creationId xmlns:p14="http://schemas.microsoft.com/office/powerpoint/2010/main" val="2853416026"/>
       </p:ext>
     </p:extLst>
   </p:cSld>
@@ -910,7 +906,11 @@
           <a:bodyPr/>
           <a:lstStyle/>
           <a:p>
-            <a:endParaRPr kumimoji="1" lang="ja-JP" altLang="en-US"/>
+            <a:r>
+              <a:rPr kumimoji="1" lang="ja-JP" altLang="en-US" dirty="0" err="1" smtClean="0"/>
+              <a:t>ぼつ</a:t>
+            </a:r>
+            <a:endParaRPr kumimoji="1" lang="en-US" altLang="ja-JP" dirty="0" smtClean="0"/>
           </a:p>
         </p:txBody>
       </p:sp>
@@ -931,7 +931,7 @@
           <a:p>
             <a:fld id="{FEFB3154-A281-48F2-8DC9-C99E29F1ECF4}" type="slidenum">
               <a:rPr kumimoji="1" lang="ja-JP" altLang="en-US" smtClean="0"/>
-              <a:t>15</a:t>
+              <a:t>14</a:t>
             </a:fld>
             <a:endParaRPr kumimoji="1" lang="ja-JP" altLang="en-US"/>
           </a:p>
@@ -940,7 +940,7 @@
     </p:spTree>
     <p:extLst>
       <p:ext uri="{BB962C8B-B14F-4D97-AF65-F5344CB8AC3E}">
-        <p14:creationId xmlns:p14="http://schemas.microsoft.com/office/powerpoint/2010/main" val="2603317105"/>
+        <p14:creationId xmlns:p14="http://schemas.microsoft.com/office/powerpoint/2010/main" val="3987876615"/>
       </p:ext>
     </p:extLst>
   </p:cSld>
@@ -1015,7 +1015,7 @@
           <a:p>
             <a:fld id="{FEFB3154-A281-48F2-8DC9-C99E29F1ECF4}" type="slidenum">
               <a:rPr kumimoji="1" lang="ja-JP" altLang="en-US" smtClean="0"/>
-              <a:t>16</a:t>
+              <a:t>15</a:t>
             </a:fld>
             <a:endParaRPr kumimoji="1" lang="ja-JP" altLang="en-US"/>
           </a:p>
@@ -1024,7 +1024,7 @@
     </p:spTree>
     <p:extLst>
       <p:ext uri="{BB962C8B-B14F-4D97-AF65-F5344CB8AC3E}">
-        <p14:creationId xmlns:p14="http://schemas.microsoft.com/office/powerpoint/2010/main" val="2334585315"/>
+        <p14:creationId xmlns:p14="http://schemas.microsoft.com/office/powerpoint/2010/main" val="2603317105"/>
       </p:ext>
     </p:extLst>
   </p:cSld>
@@ -1099,7 +1099,7 @@
           <a:p>
             <a:fld id="{FEFB3154-A281-48F2-8DC9-C99E29F1ECF4}" type="slidenum">
               <a:rPr kumimoji="1" lang="ja-JP" altLang="en-US" smtClean="0"/>
-              <a:t>17</a:t>
+              <a:t>16</a:t>
             </a:fld>
             <a:endParaRPr kumimoji="1" lang="ja-JP" altLang="en-US"/>
           </a:p>
@@ -1108,7 +1108,7 @@
     </p:spTree>
     <p:extLst>
       <p:ext uri="{BB962C8B-B14F-4D97-AF65-F5344CB8AC3E}">
-        <p14:creationId xmlns:p14="http://schemas.microsoft.com/office/powerpoint/2010/main" val="88015040"/>
+        <p14:creationId xmlns:p14="http://schemas.microsoft.com/office/powerpoint/2010/main" val="2334585315"/>
       </p:ext>
     </p:extLst>
   </p:cSld>
@@ -1183,7 +1183,7 @@
           <a:p>
             <a:fld id="{FEFB3154-A281-48F2-8DC9-C99E29F1ECF4}" type="slidenum">
               <a:rPr kumimoji="1" lang="ja-JP" altLang="en-US" smtClean="0"/>
-              <a:t>18</a:t>
+              <a:t>17</a:t>
             </a:fld>
             <a:endParaRPr kumimoji="1" lang="ja-JP" altLang="en-US"/>
           </a:p>
@@ -1192,7 +1192,7 @@
     </p:spTree>
     <p:extLst>
       <p:ext uri="{BB962C8B-B14F-4D97-AF65-F5344CB8AC3E}">
-        <p14:creationId xmlns:p14="http://schemas.microsoft.com/office/powerpoint/2010/main" val="3782568936"/>
+        <p14:creationId xmlns:p14="http://schemas.microsoft.com/office/powerpoint/2010/main" val="88015040"/>
       </p:ext>
     </p:extLst>
   </p:cSld>
@@ -1267,7 +1267,7 @@
           <a:p>
             <a:fld id="{FEFB3154-A281-48F2-8DC9-C99E29F1ECF4}" type="slidenum">
               <a:rPr kumimoji="1" lang="ja-JP" altLang="en-US" smtClean="0"/>
-              <a:t>19</a:t>
+              <a:t>18</a:t>
             </a:fld>
             <a:endParaRPr kumimoji="1" lang="ja-JP" altLang="en-US"/>
           </a:p>
@@ -1276,7 +1276,7 @@
     </p:spTree>
     <p:extLst>
       <p:ext uri="{BB962C8B-B14F-4D97-AF65-F5344CB8AC3E}">
-        <p14:creationId xmlns:p14="http://schemas.microsoft.com/office/powerpoint/2010/main" val="2965410416"/>
+        <p14:creationId xmlns:p14="http://schemas.microsoft.com/office/powerpoint/2010/main" val="3782568936"/>
       </p:ext>
     </p:extLst>
   </p:cSld>
@@ -1351,7 +1351,7 @@
           <a:p>
             <a:fld id="{FEFB3154-A281-48F2-8DC9-C99E29F1ECF4}" type="slidenum">
               <a:rPr kumimoji="1" lang="ja-JP" altLang="en-US" smtClean="0"/>
-              <a:t>21</a:t>
+              <a:t>19</a:t>
             </a:fld>
             <a:endParaRPr kumimoji="1" lang="ja-JP" altLang="en-US"/>
           </a:p>
@@ -1360,7 +1360,7 @@
     </p:spTree>
     <p:extLst>
       <p:ext uri="{BB962C8B-B14F-4D97-AF65-F5344CB8AC3E}">
-        <p14:creationId xmlns:p14="http://schemas.microsoft.com/office/powerpoint/2010/main" val="857273442"/>
+        <p14:creationId xmlns:p14="http://schemas.microsoft.com/office/powerpoint/2010/main" val="2965410416"/>
       </p:ext>
     </p:extLst>
   </p:cSld>
@@ -1435,7 +1435,7 @@
           <a:p>
             <a:fld id="{FEFB3154-A281-48F2-8DC9-C99E29F1ECF4}" type="slidenum">
               <a:rPr kumimoji="1" lang="ja-JP" altLang="en-US" smtClean="0"/>
-              <a:t>22</a:t>
+              <a:t>21</a:t>
             </a:fld>
             <a:endParaRPr kumimoji="1" lang="ja-JP" altLang="en-US"/>
           </a:p>
@@ -1444,7 +1444,7 @@
     </p:spTree>
     <p:extLst>
       <p:ext uri="{BB962C8B-B14F-4D97-AF65-F5344CB8AC3E}">
-        <p14:creationId xmlns:p14="http://schemas.microsoft.com/office/powerpoint/2010/main" val="966408925"/>
+        <p14:creationId xmlns:p14="http://schemas.microsoft.com/office/powerpoint/2010/main" val="857273442"/>
       </p:ext>
     </p:extLst>
   </p:cSld>
@@ -1519,7 +1519,7 @@
           <a:p>
             <a:fld id="{FEFB3154-A281-48F2-8DC9-C99E29F1ECF4}" type="slidenum">
               <a:rPr kumimoji="1" lang="ja-JP" altLang="en-US" smtClean="0"/>
-              <a:t>23</a:t>
+              <a:t>22</a:t>
             </a:fld>
             <a:endParaRPr kumimoji="1" lang="ja-JP" altLang="en-US"/>
           </a:p>
@@ -1528,7 +1528,7 @@
     </p:spTree>
     <p:extLst>
       <p:ext uri="{BB962C8B-B14F-4D97-AF65-F5344CB8AC3E}">
-        <p14:creationId xmlns:p14="http://schemas.microsoft.com/office/powerpoint/2010/main" val="689900653"/>
+        <p14:creationId xmlns:p14="http://schemas.microsoft.com/office/powerpoint/2010/main" val="966408925"/>
       </p:ext>
     </p:extLst>
   </p:cSld>
@@ -1603,7 +1603,7 @@
           <a:p>
             <a:fld id="{FEFB3154-A281-48F2-8DC9-C99E29F1ECF4}" type="slidenum">
               <a:rPr kumimoji="1" lang="ja-JP" altLang="en-US" smtClean="0"/>
-              <a:t>24</a:t>
+              <a:t>23</a:t>
             </a:fld>
             <a:endParaRPr kumimoji="1" lang="ja-JP" altLang="en-US"/>
           </a:p>
@@ -1612,7 +1612,7 @@
     </p:spTree>
     <p:extLst>
       <p:ext uri="{BB962C8B-B14F-4D97-AF65-F5344CB8AC3E}">
-        <p14:creationId xmlns:p14="http://schemas.microsoft.com/office/powerpoint/2010/main" val="704800061"/>
+        <p14:creationId xmlns:p14="http://schemas.microsoft.com/office/powerpoint/2010/main" val="689900653"/>
       </p:ext>
     </p:extLst>
   </p:cSld>
@@ -1708,6 +1708,90 @@
     <p:extLst>
       <p:ext uri="{BB962C8B-B14F-4D97-AF65-F5344CB8AC3E}">
         <p14:creationId xmlns:p14="http://schemas.microsoft.com/office/powerpoint/2010/main" val="2633903590"/>
+      </p:ext>
+    </p:extLst>
+  </p:cSld>
+  <p:clrMapOvr>
+    <a:masterClrMapping/>
+  </p:clrMapOvr>
+</p:notes>
+</file>
+
+<file path=ppt/notesSlides/notesSlide20.xml><?xml version="1.0" encoding="utf-8"?>
+<p:notes xmlns:a="http://schemas.openxmlformats.org/drawingml/2006/main" xmlns:r="http://schemas.openxmlformats.org/officeDocument/2006/relationships" xmlns:p="http://schemas.openxmlformats.org/presentationml/2006/main">
+  <p:cSld>
+    <p:spTree>
+      <p:nvGrpSpPr>
+        <p:cNvPr id="1" name=""/>
+        <p:cNvGrpSpPr/>
+        <p:nvPr/>
+      </p:nvGrpSpPr>
+      <p:grpSpPr>
+        <a:xfrm>
+          <a:off x="0" y="0"/>
+          <a:ext cx="0" cy="0"/>
+          <a:chOff x="0" y="0"/>
+          <a:chExt cx="0" cy="0"/>
+        </a:xfrm>
+      </p:grpSpPr>
+      <p:sp>
+        <p:nvSpPr>
+          <p:cNvPr id="2" name="スライド イメージ プレースホルダー 1"/>
+          <p:cNvSpPr>
+            <a:spLocks noGrp="1" noRot="1" noChangeAspect="1"/>
+          </p:cNvSpPr>
+          <p:nvPr>
+            <p:ph type="sldImg"/>
+          </p:nvPr>
+        </p:nvSpPr>
+        <p:spPr/>
+      </p:sp>
+      <p:sp>
+        <p:nvSpPr>
+          <p:cNvPr id="3" name="ノート プレースホルダー 2"/>
+          <p:cNvSpPr>
+            <a:spLocks noGrp="1"/>
+          </p:cNvSpPr>
+          <p:nvPr>
+            <p:ph type="body" idx="1"/>
+          </p:nvPr>
+        </p:nvSpPr>
+        <p:spPr/>
+        <p:txBody>
+          <a:bodyPr/>
+          <a:lstStyle/>
+          <a:p>
+            <a:endParaRPr kumimoji="1" lang="ja-JP" altLang="en-US"/>
+          </a:p>
+        </p:txBody>
+      </p:sp>
+      <p:sp>
+        <p:nvSpPr>
+          <p:cNvPr id="4" name="スライド番号プレースホルダー 3"/>
+          <p:cNvSpPr>
+            <a:spLocks noGrp="1"/>
+          </p:cNvSpPr>
+          <p:nvPr>
+            <p:ph type="sldNum" sz="quarter" idx="10"/>
+          </p:nvPr>
+        </p:nvSpPr>
+        <p:spPr/>
+        <p:txBody>
+          <a:bodyPr/>
+          <a:lstStyle/>
+          <a:p>
+            <a:fld id="{FEFB3154-A281-48F2-8DC9-C99E29F1ECF4}" type="slidenum">
+              <a:rPr kumimoji="1" lang="ja-JP" altLang="en-US" smtClean="0"/>
+              <a:t>24</a:t>
+            </a:fld>
+            <a:endParaRPr kumimoji="1" lang="ja-JP" altLang="en-US"/>
+          </a:p>
+        </p:txBody>
+      </p:sp>
+    </p:spTree>
+    <p:extLst>
+      <p:ext uri="{BB962C8B-B14F-4D97-AF65-F5344CB8AC3E}">
+        <p14:creationId xmlns:p14="http://schemas.microsoft.com/office/powerpoint/2010/main" val="704800061"/>
       </p:ext>
     </p:extLst>
   </p:cSld>
@@ -5714,6 +5798,14 @@
           <a:prstGeom prst="flowChartTerminator">
             <a:avLst/>
           </a:prstGeom>
+          <a:solidFill>
+            <a:srgbClr val="55D034"/>
+          </a:solidFill>
+          <a:ln>
+            <a:solidFill>
+              <a:schemeClr val="tx1"/>
+            </a:solidFill>
+          </a:ln>
         </p:spPr>
         <p:style>
           <a:lnRef idx="2">
@@ -5754,6 +5846,14 @@
           <a:prstGeom prst="flowChartTerminator">
             <a:avLst/>
           </a:prstGeom>
+          <a:solidFill>
+            <a:srgbClr val="55D034"/>
+          </a:solidFill>
+          <a:ln>
+            <a:solidFill>
+              <a:schemeClr val="tx1"/>
+            </a:solidFill>
+          </a:ln>
         </p:spPr>
         <p:style>
           <a:lnRef idx="2">
@@ -5794,6 +5894,14 @@
           <a:prstGeom prst="flowChartManualOperation">
             <a:avLst/>
           </a:prstGeom>
+          <a:solidFill>
+            <a:srgbClr val="55D034"/>
+          </a:solidFill>
+          <a:ln>
+            <a:solidFill>
+              <a:schemeClr val="tx1"/>
+            </a:solidFill>
+          </a:ln>
         </p:spPr>
         <p:style>
           <a:lnRef idx="2">
@@ -5834,6 +5942,14 @@
           <a:prstGeom prst="flowChartManualOperation">
             <a:avLst/>
           </a:prstGeom>
+          <a:solidFill>
+            <a:srgbClr val="55D034"/>
+          </a:solidFill>
+          <a:ln>
+            <a:solidFill>
+              <a:schemeClr val="tx1"/>
+            </a:solidFill>
+          </a:ln>
         </p:spPr>
         <p:style>
           <a:lnRef idx="2">
@@ -5878,6 +5994,9 @@
             <a:avLst/>
           </a:prstGeom>
           <a:ln>
+            <a:solidFill>
+              <a:schemeClr val="tx1"/>
+            </a:solidFill>
             <a:tailEnd type="arrow"/>
           </a:ln>
         </p:spPr>
@@ -5912,6 +6031,14 @@
           <a:prstGeom prst="flowChartPredefinedProcess">
             <a:avLst/>
           </a:prstGeom>
+          <a:solidFill>
+            <a:srgbClr val="55D034"/>
+          </a:solidFill>
+          <a:ln>
+            <a:solidFill>
+              <a:schemeClr val="tx1"/>
+            </a:solidFill>
+          </a:ln>
         </p:spPr>
         <p:style>
           <a:lnRef idx="2">
@@ -5954,6 +6081,14 @@
           <a:prstGeom prst="flowChartPredefinedProcess">
             <a:avLst/>
           </a:prstGeom>
+          <a:solidFill>
+            <a:srgbClr val="55D034"/>
+          </a:solidFill>
+          <a:ln>
+            <a:solidFill>
+              <a:schemeClr val="tx1"/>
+            </a:solidFill>
+          </a:ln>
         </p:spPr>
         <p:style>
           <a:lnRef idx="2">
@@ -5996,6 +6131,14 @@
           <a:prstGeom prst="flowChartPredefinedProcess">
             <a:avLst/>
           </a:prstGeom>
+          <a:solidFill>
+            <a:srgbClr val="55D034"/>
+          </a:solidFill>
+          <a:ln>
+            <a:solidFill>
+              <a:schemeClr val="tx1"/>
+            </a:solidFill>
+          </a:ln>
         </p:spPr>
         <p:style>
           <a:lnRef idx="2">
@@ -6038,6 +6181,14 @@
           <a:prstGeom prst="flowChartPredefinedProcess">
             <a:avLst/>
           </a:prstGeom>
+          <a:solidFill>
+            <a:srgbClr val="55D034"/>
+          </a:solidFill>
+          <a:ln>
+            <a:solidFill>
+              <a:schemeClr val="tx1"/>
+            </a:solidFill>
+          </a:ln>
         </p:spPr>
         <p:style>
           <a:lnRef idx="2">
@@ -6088,6 +6239,9 @@
             </a:avLst>
           </a:prstGeom>
           <a:ln>
+            <a:solidFill>
+              <a:schemeClr val="tx1"/>
+            </a:solidFill>
             <a:tailEnd type="arrow"/>
           </a:ln>
         </p:spPr>
@@ -6128,6 +6282,9 @@
             </a:avLst>
           </a:prstGeom>
           <a:ln>
+            <a:solidFill>
+              <a:schemeClr val="tx1"/>
+            </a:solidFill>
             <a:tailEnd type="arrow"/>
           </a:ln>
         </p:spPr>
@@ -6160,6 +6317,14 @@
           <a:prstGeom prst="flowChartPredefinedProcess">
             <a:avLst/>
           </a:prstGeom>
+          <a:solidFill>
+            <a:srgbClr val="55D034"/>
+          </a:solidFill>
+          <a:ln>
+            <a:solidFill>
+              <a:schemeClr val="tx1"/>
+            </a:solidFill>
+          </a:ln>
         </p:spPr>
         <p:style>
           <a:lnRef idx="2">
@@ -6206,6 +6371,9 @@
             <a:avLst/>
           </a:prstGeom>
           <a:ln>
+            <a:solidFill>
+              <a:schemeClr val="tx1"/>
+            </a:solidFill>
             <a:tailEnd type="arrow"/>
           </a:ln>
         </p:spPr>
@@ -6242,6 +6410,9 @@
             <a:avLst/>
           </a:prstGeom>
           <a:ln>
+            <a:solidFill>
+              <a:schemeClr val="tx1"/>
+            </a:solidFill>
             <a:tailEnd type="arrow"/>
           </a:ln>
         </p:spPr>
@@ -6278,6 +6449,9 @@
             <a:avLst/>
           </a:prstGeom>
           <a:ln>
+            <a:solidFill>
+              <a:schemeClr val="tx1"/>
+            </a:solidFill>
             <a:tailEnd type="arrow"/>
           </a:ln>
         </p:spPr>
@@ -6314,6 +6488,9 @@
             <a:avLst/>
           </a:prstGeom>
           <a:ln>
+            <a:solidFill>
+              <a:schemeClr val="tx1"/>
+            </a:solidFill>
             <a:tailEnd type="arrow"/>
           </a:ln>
         </p:spPr>
@@ -6350,6 +6527,9 @@
             <a:avLst/>
           </a:prstGeom>
           <a:ln>
+            <a:solidFill>
+              <a:schemeClr val="tx1"/>
+            </a:solidFill>
             <a:tailEnd type="arrow"/>
           </a:ln>
         </p:spPr>
@@ -6457,7 +6637,7 @@
       </p:sp>
       <p:pic>
         <p:nvPicPr>
-          <p:cNvPr id="2051" name="Picture 3" descr="C:\Users\Naoki\workspace\ImmuneSystem\PPT\tag.png"/>
+          <p:cNvPr id="3" name="Picture 3" descr="C:\Users\Naoki\workspace\AgentBasedEpidemicModel\PPT\tag1_2.png"/>
           <p:cNvPicPr>
             <a:picLocks noChangeAspect="1" noChangeArrowheads="1"/>
           </p:cNvPicPr>
@@ -6478,8 +6658,8 @@
         </p:blipFill>
         <p:spPr bwMode="auto">
           <a:xfrm>
-            <a:off x="611560" y="1484784"/>
-            <a:ext cx="7808541" cy="4761055"/>
+            <a:off x="349517" y="1139340"/>
+            <a:ext cx="8537809" cy="6833707"/>
           </a:xfrm>
           <a:prstGeom prst="rect">
             <a:avLst/>
@@ -6535,14 +6715,14 @@
       </p:grpSpPr>
       <p:pic>
         <p:nvPicPr>
-          <p:cNvPr id="1026" name="Picture 2" descr="C:\Users\Naoki\workspace\ImmuneSystem\PPT\tag2.png"/>
+          <p:cNvPr id="1030" name="Picture 6" descr="C:\Users\Naoki\workspace\AgentBasedEpidemicModel\PPT\tag_3.png"/>
           <p:cNvPicPr>
             <a:picLocks noChangeAspect="1" noChangeArrowheads="1"/>
           </p:cNvPicPr>
           <p:nvPr/>
         </p:nvPicPr>
         <p:blipFill>
-          <a:blip r:embed="rId2">
+          <a:blip r:embed="rId3">
             <a:extLst>
               <a:ext uri="{28A0092B-C50C-407E-A947-70E740481C1C}">
                 <a14:useLocalDpi xmlns:a14="http://schemas.microsoft.com/office/drawing/2010/main" val="0"/>
@@ -6556,8 +6736,8 @@
         </p:blipFill>
         <p:spPr bwMode="auto">
           <a:xfrm>
-            <a:off x="1259632" y="620688"/>
-            <a:ext cx="7524750" cy="5638800"/>
+            <a:off x="755576" y="548680"/>
+            <a:ext cx="7687447" cy="6153072"/>
           </a:xfrm>
           <a:prstGeom prst="rect">
             <a:avLst/>
@@ -6584,6 +6764,13 @@
   <p:clrMapOvr>
     <a:masterClrMapping/>
   </p:clrMapOvr>
+  <p:timing>
+    <p:tnLst>
+      <p:par>
+        <p:cTn id="1" dur="indefinite" restart="never" nodeType="tmRoot"/>
+      </p:par>
+    </p:tnLst>
+  </p:timing>
 </p:sld>
 </file>
 
@@ -8315,6 +8502,13 @@
   <p:clrMapOvr>
     <a:masterClrMapping/>
   </p:clrMapOvr>
+  <p:timing>
+    <p:tnLst>
+      <p:par>
+        <p:cTn id="1" dur="indefinite" restart="never" nodeType="tmRoot"/>
+      </p:par>
+    </p:tnLst>
+  </p:timing>
 </p:sld>
 </file>
 
@@ -8538,6 +8732,13 @@
   <p:clrMapOvr>
     <a:masterClrMapping/>
   </p:clrMapOvr>
+  <p:timing>
+    <p:tnLst>
+      <p:par>
+        <p:cTn id="1" dur="indefinite" restart="never" nodeType="tmRoot"/>
+      </p:par>
+    </p:tnLst>
+  </p:timing>
 </p:sld>
 </file>
 

--- a/ppt/卒業研究.pptx
+++ b/ppt/卒業研究.pptx
@@ -5,10 +5,10 @@
     <p:sldMasterId id="2147483648" r:id="rId1"/>
   </p:sldMasterIdLst>
   <p:notesMasterIdLst>
-    <p:notesMasterId r:id="rId26"/>
+    <p:notesMasterId r:id="rId25"/>
   </p:notesMasterIdLst>
   <p:handoutMasterIdLst>
-    <p:handoutMasterId r:id="rId27"/>
+    <p:handoutMasterId r:id="rId26"/>
   </p:handoutMasterIdLst>
   <p:sldIdLst>
     <p:sldId id="256" r:id="rId2"/>
@@ -33,8 +33,7 @@
     <p:sldId id="282" r:id="rId21"/>
     <p:sldId id="267" r:id="rId22"/>
     <p:sldId id="264" r:id="rId23"/>
-    <p:sldId id="271" r:id="rId24"/>
-    <p:sldId id="268" r:id="rId25"/>
+    <p:sldId id="268" r:id="rId24"/>
   </p:sldIdLst>
   <p:sldSz cx="9144000" cy="6858000" type="screen4x3"/>
   <p:notesSz cx="6858000" cy="9144000"/>
@@ -1612,7 +1611,7 @@
     </p:spTree>
     <p:extLst>
       <p:ext uri="{BB962C8B-B14F-4D97-AF65-F5344CB8AC3E}">
-        <p14:creationId xmlns:p14="http://schemas.microsoft.com/office/powerpoint/2010/main" val="689900653"/>
+        <p14:creationId xmlns:p14="http://schemas.microsoft.com/office/powerpoint/2010/main" val="704800061"/>
       </p:ext>
     </p:extLst>
   </p:cSld>
@@ -1708,90 +1707,6 @@
     <p:extLst>
       <p:ext uri="{BB962C8B-B14F-4D97-AF65-F5344CB8AC3E}">
         <p14:creationId xmlns:p14="http://schemas.microsoft.com/office/powerpoint/2010/main" val="2633903590"/>
-      </p:ext>
-    </p:extLst>
-  </p:cSld>
-  <p:clrMapOvr>
-    <a:masterClrMapping/>
-  </p:clrMapOvr>
-</p:notes>
-</file>
-
-<file path=ppt/notesSlides/notesSlide20.xml><?xml version="1.0" encoding="utf-8"?>
-<p:notes xmlns:a="http://schemas.openxmlformats.org/drawingml/2006/main" xmlns:r="http://schemas.openxmlformats.org/officeDocument/2006/relationships" xmlns:p="http://schemas.openxmlformats.org/presentationml/2006/main">
-  <p:cSld>
-    <p:spTree>
-      <p:nvGrpSpPr>
-        <p:cNvPr id="1" name=""/>
-        <p:cNvGrpSpPr/>
-        <p:nvPr/>
-      </p:nvGrpSpPr>
-      <p:grpSpPr>
-        <a:xfrm>
-          <a:off x="0" y="0"/>
-          <a:ext cx="0" cy="0"/>
-          <a:chOff x="0" y="0"/>
-          <a:chExt cx="0" cy="0"/>
-        </a:xfrm>
-      </p:grpSpPr>
-      <p:sp>
-        <p:nvSpPr>
-          <p:cNvPr id="2" name="スライド イメージ プレースホルダー 1"/>
-          <p:cNvSpPr>
-            <a:spLocks noGrp="1" noRot="1" noChangeAspect="1"/>
-          </p:cNvSpPr>
-          <p:nvPr>
-            <p:ph type="sldImg"/>
-          </p:nvPr>
-        </p:nvSpPr>
-        <p:spPr/>
-      </p:sp>
-      <p:sp>
-        <p:nvSpPr>
-          <p:cNvPr id="3" name="ノート プレースホルダー 2"/>
-          <p:cNvSpPr>
-            <a:spLocks noGrp="1"/>
-          </p:cNvSpPr>
-          <p:nvPr>
-            <p:ph type="body" idx="1"/>
-          </p:nvPr>
-        </p:nvSpPr>
-        <p:spPr/>
-        <p:txBody>
-          <a:bodyPr/>
-          <a:lstStyle/>
-          <a:p>
-            <a:endParaRPr kumimoji="1" lang="ja-JP" altLang="en-US"/>
-          </a:p>
-        </p:txBody>
-      </p:sp>
-      <p:sp>
-        <p:nvSpPr>
-          <p:cNvPr id="4" name="スライド番号プレースホルダー 3"/>
-          <p:cNvSpPr>
-            <a:spLocks noGrp="1"/>
-          </p:cNvSpPr>
-          <p:nvPr>
-            <p:ph type="sldNum" sz="quarter" idx="10"/>
-          </p:nvPr>
-        </p:nvSpPr>
-        <p:spPr/>
-        <p:txBody>
-          <a:bodyPr/>
-          <a:lstStyle/>
-          <a:p>
-            <a:fld id="{FEFB3154-A281-48F2-8DC9-C99E29F1ECF4}" type="slidenum">
-              <a:rPr kumimoji="1" lang="ja-JP" altLang="en-US" smtClean="0"/>
-              <a:t>24</a:t>
-            </a:fld>
-            <a:endParaRPr kumimoji="1" lang="ja-JP" altLang="en-US"/>
-          </a:p>
-        </p:txBody>
-      </p:sp>
-    </p:spTree>
-    <p:extLst>
-      <p:ext uri="{BB962C8B-B14F-4D97-AF65-F5344CB8AC3E}">
-        <p14:creationId xmlns:p14="http://schemas.microsoft.com/office/powerpoint/2010/main" val="704800061"/>
       </p:ext>
     </p:extLst>
   </p:cSld>
@@ -6980,28 +6895,47 @@
           </a:p>
         </p:txBody>
       </p:sp>
-      <p:sp>
-        <p:nvSpPr>
-          <p:cNvPr id="3" name="コンテンツ プレースホルダー 2"/>
-          <p:cNvSpPr>
-            <a:spLocks noGrp="1"/>
-          </p:cNvSpPr>
-          <p:nvPr>
-            <p:ph idx="1"/>
-          </p:nvPr>
-        </p:nvSpPr>
-        <p:spPr/>
-        <p:txBody>
-          <a:bodyPr/>
-          <a:lstStyle/>
-          <a:p>
-            <a:r>
-              <a:rPr kumimoji="1" lang="ja-JP" altLang="en-US" dirty="0" smtClean="0"/>
-              <a:t>グラフ表示</a:t>
-            </a:r>
-          </a:p>
-        </p:txBody>
-      </p:sp>
+      <p:pic>
+        <p:nvPicPr>
+          <p:cNvPr id="1034" name="Picture 10" descr="F:\img\HasImmunity.png"/>
+          <p:cNvPicPr>
+            <a:picLocks noChangeAspect="1" noChangeArrowheads="1"/>
+          </p:cNvPicPr>
+          <p:nvPr/>
+        </p:nvPicPr>
+        <p:blipFill>
+          <a:blip r:embed="rId3">
+            <a:extLst>
+              <a:ext uri="{28A0092B-C50C-407E-A947-70E740481C1C}">
+                <a14:useLocalDpi xmlns:a14="http://schemas.microsoft.com/office/drawing/2010/main" val="0"/>
+              </a:ext>
+            </a:extLst>
+          </a:blip>
+          <a:srcRect/>
+          <a:stretch>
+            <a:fillRect/>
+          </a:stretch>
+        </p:blipFill>
+        <p:spPr bwMode="auto">
+          <a:xfrm>
+            <a:off x="539552" y="1412776"/>
+            <a:ext cx="7618412" cy="1905000"/>
+          </a:xfrm>
+          <a:prstGeom prst="rect">
+            <a:avLst/>
+          </a:prstGeom>
+          <a:noFill/>
+          <a:extLst>
+            <a:ext uri="{909E8E84-426E-40DD-AFC4-6F175D3DCCD1}">
+              <a14:hiddenFill xmlns:a14="http://schemas.microsoft.com/office/drawing/2010/main">
+                <a:solidFill>
+                  <a:srgbClr val="FFFFFF"/>
+                </a:solidFill>
+              </a14:hiddenFill>
+            </a:ext>
+          </a:extLst>
+        </p:spPr>
+      </p:pic>
     </p:spTree>
     <p:extLst>
       <p:ext uri="{BB962C8B-B14F-4D97-AF65-F5344CB8AC3E}">
@@ -7668,379 +7602,6 @@
       </p:grpSpPr>
       <p:sp>
         <p:nvSpPr>
-          <p:cNvPr id="2" name="フローチャート : 代替処理 1"/>
-          <p:cNvSpPr/>
-          <p:nvPr/>
-        </p:nvSpPr>
-        <p:spPr>
-          <a:xfrm>
-            <a:off x="323528" y="260648"/>
-            <a:ext cx="1656184" cy="432048"/>
-          </a:xfrm>
-          <a:prstGeom prst="flowChartAlternateProcess">
-            <a:avLst/>
-          </a:prstGeom>
-        </p:spPr>
-        <p:style>
-          <a:lnRef idx="2">
-            <a:schemeClr val="accent1"/>
-          </a:lnRef>
-          <a:fillRef idx="1">
-            <a:schemeClr val="lt1"/>
-          </a:fillRef>
-          <a:effectRef idx="0">
-            <a:schemeClr val="accent1"/>
-          </a:effectRef>
-          <a:fontRef idx="minor">
-            <a:schemeClr val="dk1"/>
-          </a:fontRef>
-        </p:style>
-        <p:txBody>
-          <a:bodyPr rtlCol="0" anchor="ctr"/>
-          <a:lstStyle/>
-          <a:p>
-            <a:pPr algn="ctr"/>
-            <a:r>
-              <a:rPr kumimoji="1" lang="ja-JP" altLang="en-US" dirty="0" smtClean="0"/>
-              <a:t>個体の行動</a:t>
-            </a:r>
-            <a:endParaRPr kumimoji="1" lang="ja-JP" altLang="en-US" dirty="0"/>
-          </a:p>
-        </p:txBody>
-      </p:sp>
-      <p:sp>
-        <p:nvSpPr>
-          <p:cNvPr id="3" name="フローチャート : 代替処理 2"/>
-          <p:cNvSpPr/>
-          <p:nvPr/>
-        </p:nvSpPr>
-        <p:spPr>
-          <a:xfrm>
-            <a:off x="5906616" y="4345568"/>
-            <a:ext cx="914400" cy="612648"/>
-          </a:xfrm>
-          <a:prstGeom prst="flowChartAlternateProcess">
-            <a:avLst/>
-          </a:prstGeom>
-        </p:spPr>
-        <p:style>
-          <a:lnRef idx="2">
-            <a:schemeClr val="accent1"/>
-          </a:lnRef>
-          <a:fillRef idx="1">
-            <a:schemeClr val="lt1"/>
-          </a:fillRef>
-          <a:effectRef idx="0">
-            <a:schemeClr val="accent1"/>
-          </a:effectRef>
-          <a:fontRef idx="minor">
-            <a:schemeClr val="dk1"/>
-          </a:fontRef>
-        </p:style>
-        <p:txBody>
-          <a:bodyPr rtlCol="0" anchor="ctr"/>
-          <a:lstStyle/>
-          <a:p>
-            <a:pPr algn="ctr"/>
-            <a:endParaRPr kumimoji="1" lang="ja-JP" altLang="en-US"/>
-          </a:p>
-        </p:txBody>
-      </p:sp>
-      <p:sp>
-        <p:nvSpPr>
-          <p:cNvPr id="4" name="フローチャート : 端子 3"/>
-          <p:cNvSpPr/>
-          <p:nvPr/>
-        </p:nvSpPr>
-        <p:spPr>
-          <a:xfrm>
-            <a:off x="323528" y="1700808"/>
-            <a:ext cx="914400" cy="301752"/>
-          </a:xfrm>
-          <a:prstGeom prst="flowChartTerminator">
-            <a:avLst/>
-          </a:prstGeom>
-        </p:spPr>
-        <p:style>
-          <a:lnRef idx="2">
-            <a:schemeClr val="accent1"/>
-          </a:lnRef>
-          <a:fillRef idx="1">
-            <a:schemeClr val="lt1"/>
-          </a:fillRef>
-          <a:effectRef idx="0">
-            <a:schemeClr val="accent1"/>
-          </a:effectRef>
-          <a:fontRef idx="minor">
-            <a:schemeClr val="dk1"/>
-          </a:fontRef>
-        </p:style>
-        <p:txBody>
-          <a:bodyPr rtlCol="0" anchor="ctr"/>
-          <a:lstStyle/>
-          <a:p>
-            <a:pPr algn="ctr"/>
-            <a:r>
-              <a:rPr kumimoji="1" lang="ja-JP" altLang="en-US" dirty="0" smtClean="0"/>
-              <a:t>開始</a:t>
-            </a:r>
-            <a:endParaRPr kumimoji="1" lang="ja-JP" altLang="en-US" dirty="0"/>
-          </a:p>
-        </p:txBody>
-      </p:sp>
-      <p:sp>
-        <p:nvSpPr>
-          <p:cNvPr id="5" name="フローチャート : 端子 4"/>
-          <p:cNvSpPr/>
-          <p:nvPr/>
-        </p:nvSpPr>
-        <p:spPr>
-          <a:xfrm>
-            <a:off x="5906616" y="6165304"/>
-            <a:ext cx="914400" cy="301752"/>
-          </a:xfrm>
-          <a:prstGeom prst="flowChartTerminator">
-            <a:avLst/>
-          </a:prstGeom>
-        </p:spPr>
-        <p:style>
-          <a:lnRef idx="2">
-            <a:schemeClr val="accent1"/>
-          </a:lnRef>
-          <a:fillRef idx="1">
-            <a:schemeClr val="lt1"/>
-          </a:fillRef>
-          <a:effectRef idx="0">
-            <a:schemeClr val="accent1"/>
-          </a:effectRef>
-          <a:fontRef idx="minor">
-            <a:schemeClr val="dk1"/>
-          </a:fontRef>
-        </p:style>
-        <p:txBody>
-          <a:bodyPr rtlCol="0" anchor="ctr"/>
-          <a:lstStyle/>
-          <a:p>
-            <a:pPr algn="ctr"/>
-            <a:r>
-              <a:rPr kumimoji="1" lang="ja-JP" altLang="en-US" dirty="0" smtClean="0"/>
-              <a:t>終了</a:t>
-            </a:r>
-            <a:endParaRPr kumimoji="1" lang="ja-JP" altLang="en-US" dirty="0"/>
-          </a:p>
-        </p:txBody>
-      </p:sp>
-      <p:sp>
-        <p:nvSpPr>
-          <p:cNvPr id="6" name="フローチャート : 代替処理 5"/>
-          <p:cNvSpPr/>
-          <p:nvPr/>
-        </p:nvSpPr>
-        <p:spPr>
-          <a:xfrm>
-            <a:off x="323528" y="4149080"/>
-            <a:ext cx="3646496" cy="1235436"/>
-          </a:xfrm>
-          <a:prstGeom prst="flowChartAlternateProcess">
-            <a:avLst/>
-          </a:prstGeom>
-        </p:spPr>
-        <p:style>
-          <a:lnRef idx="2">
-            <a:schemeClr val="accent1"/>
-          </a:lnRef>
-          <a:fillRef idx="1">
-            <a:schemeClr val="lt1"/>
-          </a:fillRef>
-          <a:effectRef idx="0">
-            <a:schemeClr val="accent1"/>
-          </a:effectRef>
-          <a:fontRef idx="minor">
-            <a:schemeClr val="dk1"/>
-          </a:fontRef>
-        </p:style>
-        <p:txBody>
-          <a:bodyPr rtlCol="0" anchor="ctr"/>
-          <a:lstStyle/>
-          <a:p>
-            <a:pPr algn="ctr"/>
-            <a:r>
-              <a:rPr kumimoji="1" lang="ja-JP" altLang="en-US" dirty="0" smtClean="0"/>
-              <a:t>近隣の他個体それぞれに対して、保持ウイルスの中からランダムで１つ選び、待機ウイルスに加える</a:t>
-            </a:r>
-            <a:endParaRPr kumimoji="1" lang="ja-JP" altLang="en-US" dirty="0"/>
-          </a:p>
-        </p:txBody>
-      </p:sp>
-      <p:sp>
-        <p:nvSpPr>
-          <p:cNvPr id="7" name="フローチャート : 代替処理 6"/>
-          <p:cNvSpPr/>
-          <p:nvPr/>
-        </p:nvSpPr>
-        <p:spPr>
-          <a:xfrm>
-            <a:off x="5914449" y="5236664"/>
-            <a:ext cx="914400" cy="612648"/>
-          </a:xfrm>
-          <a:prstGeom prst="flowChartAlternateProcess">
-            <a:avLst/>
-          </a:prstGeom>
-        </p:spPr>
-        <p:style>
-          <a:lnRef idx="2">
-            <a:schemeClr val="accent1"/>
-          </a:lnRef>
-          <a:fillRef idx="1">
-            <a:schemeClr val="lt1"/>
-          </a:fillRef>
-          <a:effectRef idx="0">
-            <a:schemeClr val="accent1"/>
-          </a:effectRef>
-          <a:fontRef idx="minor">
-            <a:schemeClr val="dk1"/>
-          </a:fontRef>
-        </p:style>
-        <p:txBody>
-          <a:bodyPr rtlCol="0" anchor="ctr"/>
-          <a:lstStyle/>
-          <a:p>
-            <a:pPr algn="ctr"/>
-            <a:endParaRPr kumimoji="1" lang="ja-JP" altLang="en-US"/>
-          </a:p>
-        </p:txBody>
-      </p:sp>
-      <p:sp>
-        <p:nvSpPr>
-          <p:cNvPr id="8" name="フローチャート : 代替処理 7"/>
-          <p:cNvSpPr/>
-          <p:nvPr/>
-        </p:nvSpPr>
-        <p:spPr>
-          <a:xfrm>
-            <a:off x="323528" y="3068960"/>
-            <a:ext cx="2376264" cy="792088"/>
-          </a:xfrm>
-          <a:prstGeom prst="flowChartAlternateProcess">
-            <a:avLst/>
-          </a:prstGeom>
-        </p:spPr>
-        <p:style>
-          <a:lnRef idx="2">
-            <a:schemeClr val="accent1"/>
-          </a:lnRef>
-          <a:fillRef idx="1">
-            <a:schemeClr val="lt1"/>
-          </a:fillRef>
-          <a:effectRef idx="0">
-            <a:schemeClr val="accent1"/>
-          </a:effectRef>
-          <a:fontRef idx="minor">
-            <a:schemeClr val="dk1"/>
-          </a:fontRef>
-        </p:style>
-        <p:txBody>
-          <a:bodyPr rtlCol="0" anchor="ctr"/>
-          <a:lstStyle/>
-          <a:p>
-            <a:pPr algn="ctr"/>
-            <a:r>
-              <a:rPr lang="ja-JP" altLang="en-US" dirty="0" smtClean="0"/>
-              <a:t>ランダムに</a:t>
-            </a:r>
-            <a:endParaRPr lang="en-US" altLang="ja-JP" dirty="0" smtClean="0"/>
-          </a:p>
-          <a:p>
-            <a:pPr algn="ctr"/>
-            <a:r>
-              <a:rPr lang="ja-JP" altLang="en-US" dirty="0" smtClean="0"/>
-              <a:t>土地に配置される</a:t>
-            </a:r>
-            <a:endParaRPr kumimoji="1" lang="ja-JP" altLang="en-US" dirty="0"/>
-          </a:p>
-        </p:txBody>
-      </p:sp>
-      <p:sp>
-        <p:nvSpPr>
-          <p:cNvPr id="9" name="フローチャート : 代替処理 8"/>
-          <p:cNvSpPr/>
-          <p:nvPr/>
-        </p:nvSpPr>
-        <p:spPr>
-          <a:xfrm>
-            <a:off x="323528" y="2209588"/>
-            <a:ext cx="1512168" cy="612648"/>
-          </a:xfrm>
-          <a:prstGeom prst="flowChartAlternateProcess">
-            <a:avLst/>
-          </a:prstGeom>
-        </p:spPr>
-        <p:style>
-          <a:lnRef idx="2">
-            <a:schemeClr val="accent1"/>
-          </a:lnRef>
-          <a:fillRef idx="1">
-            <a:schemeClr val="lt1"/>
-          </a:fillRef>
-          <a:effectRef idx="0">
-            <a:schemeClr val="accent1"/>
-          </a:effectRef>
-          <a:fontRef idx="minor">
-            <a:schemeClr val="dk1"/>
-          </a:fontRef>
-        </p:style>
-        <p:txBody>
-          <a:bodyPr rtlCol="0" anchor="ctr"/>
-          <a:lstStyle/>
-          <a:p>
-            <a:pPr algn="ctr"/>
-            <a:r>
-              <a:rPr kumimoji="1" lang="ja-JP" altLang="en-US" dirty="0" smtClean="0"/>
-              <a:t>初期感染</a:t>
-            </a:r>
-            <a:endParaRPr kumimoji="1" lang="ja-JP" altLang="en-US" dirty="0"/>
-          </a:p>
-        </p:txBody>
-      </p:sp>
-    </p:spTree>
-    <p:extLst>
-      <p:ext uri="{BB962C8B-B14F-4D97-AF65-F5344CB8AC3E}">
-        <p14:creationId xmlns:p14="http://schemas.microsoft.com/office/powerpoint/2010/main" val="1149217472"/>
-      </p:ext>
-    </p:extLst>
-  </p:cSld>
-  <p:clrMapOvr>
-    <a:masterClrMapping/>
-  </p:clrMapOvr>
-  <p:timing>
-    <p:tnLst>
-      <p:par>
-        <p:cTn id="1" dur="indefinite" restart="never" nodeType="tmRoot"/>
-      </p:par>
-    </p:tnLst>
-  </p:timing>
-</p:sld>
-</file>
-
-<file path=ppt/slides/slide24.xml><?xml version="1.0" encoding="utf-8"?>
-<p:sld xmlns:a="http://schemas.openxmlformats.org/drawingml/2006/main" xmlns:r="http://schemas.openxmlformats.org/officeDocument/2006/relationships" xmlns:p="http://schemas.openxmlformats.org/presentationml/2006/main">
-  <p:cSld>
-    <p:spTree>
-      <p:nvGrpSpPr>
-        <p:cNvPr id="1" name=""/>
-        <p:cNvGrpSpPr/>
-        <p:nvPr/>
-      </p:nvGrpSpPr>
-      <p:grpSpPr>
-        <a:xfrm>
-          <a:off x="0" y="0"/>
-          <a:ext cx="0" cy="0"/>
-          <a:chOff x="0" y="0"/>
-          <a:chExt cx="0" cy="0"/>
-        </a:xfrm>
-      </p:grpSpPr>
-      <p:sp>
-        <p:nvSpPr>
           <p:cNvPr id="2" name="タイトル 1"/>
           <p:cNvSpPr>
             <a:spLocks noGrp="1"/>
@@ -8697,7 +8258,11 @@
           <a:p>
             <a:r>
               <a:rPr kumimoji="1" lang="en-US" altLang="ja-JP" dirty="0" smtClean="0"/>
-              <a:t>Agent Based Epidemic Model</a:t>
+              <a:t>Agent Based Epidemic </a:t>
+            </a:r>
+            <a:r>
+              <a:rPr kumimoji="1" lang="en-US" altLang="ja-JP" dirty="0" smtClean="0"/>
+              <a:t>Model</a:t>
             </a:r>
             <a:endParaRPr kumimoji="1" lang="ja-JP" altLang="en-US" dirty="0"/>
           </a:p>

--- a/ppt/卒業研究.pptx
+++ b/ppt/卒業研究.pptx
@@ -5,35 +5,32 @@
     <p:sldMasterId id="2147483648" r:id="rId1"/>
   </p:sldMasterIdLst>
   <p:notesMasterIdLst>
-    <p:notesMasterId r:id="rId25"/>
+    <p:notesMasterId r:id="rId22"/>
   </p:notesMasterIdLst>
   <p:handoutMasterIdLst>
-    <p:handoutMasterId r:id="rId26"/>
+    <p:handoutMasterId r:id="rId23"/>
   </p:handoutMasterIdLst>
   <p:sldIdLst>
     <p:sldId id="256" r:id="rId2"/>
     <p:sldId id="258" r:id="rId3"/>
-    <p:sldId id="265" r:id="rId4"/>
-    <p:sldId id="259" r:id="rId5"/>
-    <p:sldId id="285" r:id="rId6"/>
-    <p:sldId id="260" r:id="rId7"/>
-    <p:sldId id="262" r:id="rId8"/>
-    <p:sldId id="280" r:id="rId9"/>
-    <p:sldId id="283" r:id="rId10"/>
-    <p:sldId id="270" r:id="rId11"/>
-    <p:sldId id="266" r:id="rId12"/>
-    <p:sldId id="286" r:id="rId13"/>
-    <p:sldId id="284" r:id="rId14"/>
-    <p:sldId id="281" r:id="rId15"/>
-    <p:sldId id="272" r:id="rId16"/>
-    <p:sldId id="273" r:id="rId17"/>
-    <p:sldId id="274" r:id="rId18"/>
-    <p:sldId id="275" r:id="rId19"/>
-    <p:sldId id="276" r:id="rId20"/>
-    <p:sldId id="282" r:id="rId21"/>
-    <p:sldId id="267" r:id="rId22"/>
-    <p:sldId id="264" r:id="rId23"/>
-    <p:sldId id="268" r:id="rId24"/>
+    <p:sldId id="259" r:id="rId4"/>
+    <p:sldId id="285" r:id="rId5"/>
+    <p:sldId id="260" r:id="rId6"/>
+    <p:sldId id="280" r:id="rId7"/>
+    <p:sldId id="283" r:id="rId8"/>
+    <p:sldId id="270" r:id="rId9"/>
+    <p:sldId id="266" r:id="rId10"/>
+    <p:sldId id="286" r:id="rId11"/>
+    <p:sldId id="284" r:id="rId12"/>
+    <p:sldId id="272" r:id="rId13"/>
+    <p:sldId id="273" r:id="rId14"/>
+    <p:sldId id="274" r:id="rId15"/>
+    <p:sldId id="275" r:id="rId16"/>
+    <p:sldId id="267" r:id="rId17"/>
+    <p:sldId id="264" r:id="rId18"/>
+    <p:sldId id="265" r:id="rId19"/>
+    <p:sldId id="268" r:id="rId20"/>
+    <p:sldId id="287" r:id="rId21"/>
   </p:sldIdLst>
   <p:sldSz cx="9144000" cy="6858000" type="screen4x3"/>
   <p:notesSz cx="6858000" cy="9144000"/>
@@ -217,7 +214,7 @@
           <a:p>
             <a:fld id="{74825FEB-C9F8-43E7-A6A0-63C03333387A}" type="datetimeFigureOut">
               <a:rPr kumimoji="1" lang="ja-JP" altLang="en-US" smtClean="0"/>
-              <a:t>2014/1/13</a:t>
+              <a:t>2014/1/14</a:t>
             </a:fld>
             <a:endParaRPr kumimoji="1" lang="ja-JP" altLang="en-US"/>
           </a:p>
@@ -382,7 +379,7 @@
           <a:p>
             <a:fld id="{7DF372ED-9A20-47C3-A076-E002DD6BB04D}" type="datetimeFigureOut">
               <a:rPr kumimoji="1" lang="ja-JP" altLang="en-US" smtClean="0"/>
-              <a:t>2014/1/13</a:t>
+              <a:t>2014/1/14</a:t>
             </a:fld>
             <a:endParaRPr kumimoji="1" lang="ja-JP" altLang="en-US"/>
           </a:p>
@@ -821,7 +818,7 @@
           <a:bodyPr/>
           <a:lstStyle/>
           <a:p>
-            <a:endParaRPr kumimoji="1" lang="ja-JP" altLang="en-US" dirty="0"/>
+            <a:endParaRPr kumimoji="1" lang="ja-JP" altLang="en-US"/>
           </a:p>
         </p:txBody>
       </p:sp>
@@ -842,7 +839,7 @@
           <a:p>
             <a:fld id="{FEFB3154-A281-48F2-8DC9-C99E29F1ECF4}" type="slidenum">
               <a:rPr kumimoji="1" lang="ja-JP" altLang="en-US" smtClean="0"/>
-              <a:t>12</a:t>
+              <a:t>13</a:t>
             </a:fld>
             <a:endParaRPr kumimoji="1" lang="ja-JP" altLang="en-US"/>
           </a:p>
@@ -851,7 +848,7 @@
     </p:spTree>
     <p:extLst>
       <p:ext uri="{BB962C8B-B14F-4D97-AF65-F5344CB8AC3E}">
-        <p14:creationId xmlns:p14="http://schemas.microsoft.com/office/powerpoint/2010/main" val="2853416026"/>
+        <p14:creationId xmlns:p14="http://schemas.microsoft.com/office/powerpoint/2010/main" val="2334585315"/>
       </p:ext>
     </p:extLst>
   </p:cSld>
@@ -905,11 +902,7 @@
           <a:bodyPr/>
           <a:lstStyle/>
           <a:p>
-            <a:r>
-              <a:rPr kumimoji="1" lang="ja-JP" altLang="en-US" dirty="0" err="1" smtClean="0"/>
-              <a:t>ぼつ</a:t>
-            </a:r>
-            <a:endParaRPr kumimoji="1" lang="en-US" altLang="ja-JP" dirty="0" smtClean="0"/>
+            <a:endParaRPr kumimoji="1" lang="ja-JP" altLang="en-US"/>
           </a:p>
         </p:txBody>
       </p:sp>
@@ -939,7 +932,7 @@
     </p:spTree>
     <p:extLst>
       <p:ext uri="{BB962C8B-B14F-4D97-AF65-F5344CB8AC3E}">
-        <p14:creationId xmlns:p14="http://schemas.microsoft.com/office/powerpoint/2010/main" val="3987876615"/>
+        <p14:creationId xmlns:p14="http://schemas.microsoft.com/office/powerpoint/2010/main" val="88015040"/>
       </p:ext>
     </p:extLst>
   </p:cSld>
@@ -1023,7 +1016,7 @@
     </p:spTree>
     <p:extLst>
       <p:ext uri="{BB962C8B-B14F-4D97-AF65-F5344CB8AC3E}">
-        <p14:creationId xmlns:p14="http://schemas.microsoft.com/office/powerpoint/2010/main" val="2603317105"/>
+        <p14:creationId xmlns:p14="http://schemas.microsoft.com/office/powerpoint/2010/main" val="3782568936"/>
       </p:ext>
     </p:extLst>
   </p:cSld>
@@ -1107,7 +1100,7 @@
     </p:spTree>
     <p:extLst>
       <p:ext uri="{BB962C8B-B14F-4D97-AF65-F5344CB8AC3E}">
-        <p14:creationId xmlns:p14="http://schemas.microsoft.com/office/powerpoint/2010/main" val="2334585315"/>
+        <p14:creationId xmlns:p14="http://schemas.microsoft.com/office/powerpoint/2010/main" val="857273442"/>
       </p:ext>
     </p:extLst>
   </p:cSld>
@@ -1191,7 +1184,7 @@
     </p:spTree>
     <p:extLst>
       <p:ext uri="{BB962C8B-B14F-4D97-AF65-F5344CB8AC3E}">
-        <p14:creationId xmlns:p14="http://schemas.microsoft.com/office/powerpoint/2010/main" val="88015040"/>
+        <p14:creationId xmlns:p14="http://schemas.microsoft.com/office/powerpoint/2010/main" val="966408925"/>
       </p:ext>
     </p:extLst>
   </p:cSld>
@@ -1245,7 +1238,19 @@
           <a:bodyPr/>
           <a:lstStyle/>
           <a:p>
-            <a:endParaRPr kumimoji="1" lang="ja-JP" altLang="en-US"/>
+            <a:r>
+              <a:rPr kumimoji="1" lang="ja-JP" altLang="en-US" dirty="0" smtClean="0"/>
+              <a:t>＋</a:t>
+            </a:r>
+            <a:r>
+              <a:rPr kumimoji="1" lang="en-US" altLang="ja-JP" dirty="0" smtClean="0"/>
+              <a:t>2</a:t>
+            </a:r>
+            <a:r>
+              <a:rPr kumimoji="1" lang="ja-JP" altLang="en-US" dirty="0" smtClean="0"/>
+              <a:t>種類のウイルスが流行した場合に他方の免疫を喪失する場合の実例を調べる。</a:t>
+            </a:r>
+            <a:endParaRPr kumimoji="1" lang="ja-JP" altLang="en-US" dirty="0"/>
           </a:p>
         </p:txBody>
       </p:sp>
@@ -1275,7 +1280,7 @@
     </p:spTree>
     <p:extLst>
       <p:ext uri="{BB962C8B-B14F-4D97-AF65-F5344CB8AC3E}">
-        <p14:creationId xmlns:p14="http://schemas.microsoft.com/office/powerpoint/2010/main" val="3782568936"/>
+        <p14:creationId xmlns:p14="http://schemas.microsoft.com/office/powerpoint/2010/main" val="1931179438"/>
       </p:ext>
     </p:extLst>
   </p:cSld>
@@ -1351,258 +1356,6 @@
             <a:fld id="{FEFB3154-A281-48F2-8DC9-C99E29F1ECF4}" type="slidenum">
               <a:rPr kumimoji="1" lang="ja-JP" altLang="en-US" smtClean="0"/>
               <a:t>19</a:t>
-            </a:fld>
-            <a:endParaRPr kumimoji="1" lang="ja-JP" altLang="en-US"/>
-          </a:p>
-        </p:txBody>
-      </p:sp>
-    </p:spTree>
-    <p:extLst>
-      <p:ext uri="{BB962C8B-B14F-4D97-AF65-F5344CB8AC3E}">
-        <p14:creationId xmlns:p14="http://schemas.microsoft.com/office/powerpoint/2010/main" val="2965410416"/>
-      </p:ext>
-    </p:extLst>
-  </p:cSld>
-  <p:clrMapOvr>
-    <a:masterClrMapping/>
-  </p:clrMapOvr>
-</p:notes>
-</file>
-
-<file path=ppt/notesSlides/notesSlide17.xml><?xml version="1.0" encoding="utf-8"?>
-<p:notes xmlns:a="http://schemas.openxmlformats.org/drawingml/2006/main" xmlns:r="http://schemas.openxmlformats.org/officeDocument/2006/relationships" xmlns:p="http://schemas.openxmlformats.org/presentationml/2006/main">
-  <p:cSld>
-    <p:spTree>
-      <p:nvGrpSpPr>
-        <p:cNvPr id="1" name=""/>
-        <p:cNvGrpSpPr/>
-        <p:nvPr/>
-      </p:nvGrpSpPr>
-      <p:grpSpPr>
-        <a:xfrm>
-          <a:off x="0" y="0"/>
-          <a:ext cx="0" cy="0"/>
-          <a:chOff x="0" y="0"/>
-          <a:chExt cx="0" cy="0"/>
-        </a:xfrm>
-      </p:grpSpPr>
-      <p:sp>
-        <p:nvSpPr>
-          <p:cNvPr id="2" name="スライド イメージ プレースホルダー 1"/>
-          <p:cNvSpPr>
-            <a:spLocks noGrp="1" noRot="1" noChangeAspect="1"/>
-          </p:cNvSpPr>
-          <p:nvPr>
-            <p:ph type="sldImg"/>
-          </p:nvPr>
-        </p:nvSpPr>
-        <p:spPr/>
-      </p:sp>
-      <p:sp>
-        <p:nvSpPr>
-          <p:cNvPr id="3" name="ノート プレースホルダー 2"/>
-          <p:cNvSpPr>
-            <a:spLocks noGrp="1"/>
-          </p:cNvSpPr>
-          <p:nvPr>
-            <p:ph type="body" idx="1"/>
-          </p:nvPr>
-        </p:nvSpPr>
-        <p:spPr/>
-        <p:txBody>
-          <a:bodyPr/>
-          <a:lstStyle/>
-          <a:p>
-            <a:endParaRPr kumimoji="1" lang="ja-JP" altLang="en-US"/>
-          </a:p>
-        </p:txBody>
-      </p:sp>
-      <p:sp>
-        <p:nvSpPr>
-          <p:cNvPr id="4" name="スライド番号プレースホルダー 3"/>
-          <p:cNvSpPr>
-            <a:spLocks noGrp="1"/>
-          </p:cNvSpPr>
-          <p:nvPr>
-            <p:ph type="sldNum" sz="quarter" idx="10"/>
-          </p:nvPr>
-        </p:nvSpPr>
-        <p:spPr/>
-        <p:txBody>
-          <a:bodyPr/>
-          <a:lstStyle/>
-          <a:p>
-            <a:fld id="{FEFB3154-A281-48F2-8DC9-C99E29F1ECF4}" type="slidenum">
-              <a:rPr kumimoji="1" lang="ja-JP" altLang="en-US" smtClean="0"/>
-              <a:t>21</a:t>
-            </a:fld>
-            <a:endParaRPr kumimoji="1" lang="ja-JP" altLang="en-US"/>
-          </a:p>
-        </p:txBody>
-      </p:sp>
-    </p:spTree>
-    <p:extLst>
-      <p:ext uri="{BB962C8B-B14F-4D97-AF65-F5344CB8AC3E}">
-        <p14:creationId xmlns:p14="http://schemas.microsoft.com/office/powerpoint/2010/main" val="857273442"/>
-      </p:ext>
-    </p:extLst>
-  </p:cSld>
-  <p:clrMapOvr>
-    <a:masterClrMapping/>
-  </p:clrMapOvr>
-</p:notes>
-</file>
-
-<file path=ppt/notesSlides/notesSlide18.xml><?xml version="1.0" encoding="utf-8"?>
-<p:notes xmlns:a="http://schemas.openxmlformats.org/drawingml/2006/main" xmlns:r="http://schemas.openxmlformats.org/officeDocument/2006/relationships" xmlns:p="http://schemas.openxmlformats.org/presentationml/2006/main">
-  <p:cSld>
-    <p:spTree>
-      <p:nvGrpSpPr>
-        <p:cNvPr id="1" name=""/>
-        <p:cNvGrpSpPr/>
-        <p:nvPr/>
-      </p:nvGrpSpPr>
-      <p:grpSpPr>
-        <a:xfrm>
-          <a:off x="0" y="0"/>
-          <a:ext cx="0" cy="0"/>
-          <a:chOff x="0" y="0"/>
-          <a:chExt cx="0" cy="0"/>
-        </a:xfrm>
-      </p:grpSpPr>
-      <p:sp>
-        <p:nvSpPr>
-          <p:cNvPr id="2" name="スライド イメージ プレースホルダー 1"/>
-          <p:cNvSpPr>
-            <a:spLocks noGrp="1" noRot="1" noChangeAspect="1"/>
-          </p:cNvSpPr>
-          <p:nvPr>
-            <p:ph type="sldImg"/>
-          </p:nvPr>
-        </p:nvSpPr>
-        <p:spPr/>
-      </p:sp>
-      <p:sp>
-        <p:nvSpPr>
-          <p:cNvPr id="3" name="ノート プレースホルダー 2"/>
-          <p:cNvSpPr>
-            <a:spLocks noGrp="1"/>
-          </p:cNvSpPr>
-          <p:nvPr>
-            <p:ph type="body" idx="1"/>
-          </p:nvPr>
-        </p:nvSpPr>
-        <p:spPr/>
-        <p:txBody>
-          <a:bodyPr/>
-          <a:lstStyle/>
-          <a:p>
-            <a:endParaRPr kumimoji="1" lang="ja-JP" altLang="en-US"/>
-          </a:p>
-        </p:txBody>
-      </p:sp>
-      <p:sp>
-        <p:nvSpPr>
-          <p:cNvPr id="4" name="スライド番号プレースホルダー 3"/>
-          <p:cNvSpPr>
-            <a:spLocks noGrp="1"/>
-          </p:cNvSpPr>
-          <p:nvPr>
-            <p:ph type="sldNum" sz="quarter" idx="10"/>
-          </p:nvPr>
-        </p:nvSpPr>
-        <p:spPr/>
-        <p:txBody>
-          <a:bodyPr/>
-          <a:lstStyle/>
-          <a:p>
-            <a:fld id="{FEFB3154-A281-48F2-8DC9-C99E29F1ECF4}" type="slidenum">
-              <a:rPr kumimoji="1" lang="ja-JP" altLang="en-US" smtClean="0"/>
-              <a:t>22</a:t>
-            </a:fld>
-            <a:endParaRPr kumimoji="1" lang="ja-JP" altLang="en-US"/>
-          </a:p>
-        </p:txBody>
-      </p:sp>
-    </p:spTree>
-    <p:extLst>
-      <p:ext uri="{BB962C8B-B14F-4D97-AF65-F5344CB8AC3E}">
-        <p14:creationId xmlns:p14="http://schemas.microsoft.com/office/powerpoint/2010/main" val="966408925"/>
-      </p:ext>
-    </p:extLst>
-  </p:cSld>
-  <p:clrMapOvr>
-    <a:masterClrMapping/>
-  </p:clrMapOvr>
-</p:notes>
-</file>
-
-<file path=ppt/notesSlides/notesSlide19.xml><?xml version="1.0" encoding="utf-8"?>
-<p:notes xmlns:a="http://schemas.openxmlformats.org/drawingml/2006/main" xmlns:r="http://schemas.openxmlformats.org/officeDocument/2006/relationships" xmlns:p="http://schemas.openxmlformats.org/presentationml/2006/main">
-  <p:cSld>
-    <p:spTree>
-      <p:nvGrpSpPr>
-        <p:cNvPr id="1" name=""/>
-        <p:cNvGrpSpPr/>
-        <p:nvPr/>
-      </p:nvGrpSpPr>
-      <p:grpSpPr>
-        <a:xfrm>
-          <a:off x="0" y="0"/>
-          <a:ext cx="0" cy="0"/>
-          <a:chOff x="0" y="0"/>
-          <a:chExt cx="0" cy="0"/>
-        </a:xfrm>
-      </p:grpSpPr>
-      <p:sp>
-        <p:nvSpPr>
-          <p:cNvPr id="2" name="スライド イメージ プレースホルダー 1"/>
-          <p:cNvSpPr>
-            <a:spLocks noGrp="1" noRot="1" noChangeAspect="1"/>
-          </p:cNvSpPr>
-          <p:nvPr>
-            <p:ph type="sldImg"/>
-          </p:nvPr>
-        </p:nvSpPr>
-        <p:spPr/>
-      </p:sp>
-      <p:sp>
-        <p:nvSpPr>
-          <p:cNvPr id="3" name="ノート プレースホルダー 2"/>
-          <p:cNvSpPr>
-            <a:spLocks noGrp="1"/>
-          </p:cNvSpPr>
-          <p:nvPr>
-            <p:ph type="body" idx="1"/>
-          </p:nvPr>
-        </p:nvSpPr>
-        <p:spPr/>
-        <p:txBody>
-          <a:bodyPr/>
-          <a:lstStyle/>
-          <a:p>
-            <a:endParaRPr kumimoji="1" lang="ja-JP" altLang="en-US"/>
-          </a:p>
-        </p:txBody>
-      </p:sp>
-      <p:sp>
-        <p:nvSpPr>
-          <p:cNvPr id="4" name="スライド番号プレースホルダー 3"/>
-          <p:cNvSpPr>
-            <a:spLocks noGrp="1"/>
-          </p:cNvSpPr>
-          <p:nvPr>
-            <p:ph type="sldNum" sz="quarter" idx="10"/>
-          </p:nvPr>
-        </p:nvSpPr>
-        <p:spPr/>
-        <p:txBody>
-          <a:bodyPr/>
-          <a:lstStyle/>
-          <a:p>
-            <a:fld id="{FEFB3154-A281-48F2-8DC9-C99E29F1ECF4}" type="slidenum">
-              <a:rPr kumimoji="1" lang="ja-JP" altLang="en-US" smtClean="0"/>
-              <a:t>23</a:t>
             </a:fld>
             <a:endParaRPr kumimoji="1" lang="ja-JP" altLang="en-US"/>
           </a:p>
@@ -1762,15 +1515,7 @@
           <a:p>
             <a:r>
               <a:rPr kumimoji="1" lang="ja-JP" altLang="en-US" dirty="0" smtClean="0"/>
-              <a:t>＋</a:t>
-            </a:r>
-            <a:r>
-              <a:rPr kumimoji="1" lang="en-US" altLang="ja-JP" dirty="0" smtClean="0"/>
-              <a:t>2</a:t>
-            </a:r>
-            <a:r>
-              <a:rPr kumimoji="1" lang="ja-JP" altLang="en-US" dirty="0" smtClean="0"/>
-              <a:t>種類のウイルスが流行した場合に他方の免疫を喪失する場合の実例を調べる。</a:t>
+              <a:t>＋「免疫の喪失」までは、ＳＩＲで表現することができない。</a:t>
             </a:r>
             <a:endParaRPr kumimoji="1" lang="ja-JP" altLang="en-US" dirty="0"/>
           </a:p>
@@ -1802,7 +1547,7 @@
     </p:spTree>
     <p:extLst>
       <p:ext uri="{BB962C8B-B14F-4D97-AF65-F5344CB8AC3E}">
-        <p14:creationId xmlns:p14="http://schemas.microsoft.com/office/powerpoint/2010/main" val="1931179438"/>
+        <p14:creationId xmlns:p14="http://schemas.microsoft.com/office/powerpoint/2010/main" val="2482776378"/>
       </p:ext>
     </p:extLst>
   </p:cSld>
@@ -1856,11 +1601,7 @@
           <a:bodyPr/>
           <a:lstStyle/>
           <a:p>
-            <a:r>
-              <a:rPr kumimoji="1" lang="ja-JP" altLang="en-US" dirty="0" smtClean="0"/>
-              <a:t>＋「免疫の喪失」までは、ＳＩＲで表現することができない。</a:t>
-            </a:r>
-            <a:endParaRPr kumimoji="1" lang="ja-JP" altLang="en-US" dirty="0"/>
+            <a:endParaRPr kumimoji="1" lang="ja-JP" altLang="en-US"/>
           </a:p>
         </p:txBody>
       </p:sp>
@@ -1881,7 +1622,7 @@
           <a:p>
             <a:fld id="{FEFB3154-A281-48F2-8DC9-C99E29F1ECF4}" type="slidenum">
               <a:rPr kumimoji="1" lang="ja-JP" altLang="en-US" smtClean="0"/>
-              <a:t>4</a:t>
+              <a:t>5</a:t>
             </a:fld>
             <a:endParaRPr kumimoji="1" lang="ja-JP" altLang="en-US"/>
           </a:p>
@@ -1890,7 +1631,7 @@
     </p:spTree>
     <p:extLst>
       <p:ext uri="{BB962C8B-B14F-4D97-AF65-F5344CB8AC3E}">
-        <p14:creationId xmlns:p14="http://schemas.microsoft.com/office/powerpoint/2010/main" val="2482776378"/>
+        <p14:creationId xmlns:p14="http://schemas.microsoft.com/office/powerpoint/2010/main" val="3118068528"/>
       </p:ext>
     </p:extLst>
   </p:cSld>
@@ -1944,7 +1685,11 @@
           <a:bodyPr/>
           <a:lstStyle/>
           <a:p>
-            <a:endParaRPr kumimoji="1" lang="ja-JP" altLang="en-US"/>
+            <a:r>
+              <a:rPr kumimoji="1" lang="ja-JP" altLang="en-US" dirty="0" smtClean="0"/>
+              <a:t>テスト</a:t>
+            </a:r>
+            <a:endParaRPr kumimoji="1" lang="en-US" altLang="ja-JP" dirty="0" smtClean="0"/>
           </a:p>
         </p:txBody>
       </p:sp>
@@ -1974,7 +1719,7 @@
     </p:spTree>
     <p:extLst>
       <p:ext uri="{BB962C8B-B14F-4D97-AF65-F5344CB8AC3E}">
-        <p14:creationId xmlns:p14="http://schemas.microsoft.com/office/powerpoint/2010/main" val="3118068528"/>
+        <p14:creationId xmlns:p14="http://schemas.microsoft.com/office/powerpoint/2010/main" val="171884667"/>
       </p:ext>
     </p:extLst>
   </p:cSld>
@@ -2049,7 +1794,7 @@
           <a:p>
             <a:fld id="{FEFB3154-A281-48F2-8DC9-C99E29F1ECF4}" type="slidenum">
               <a:rPr kumimoji="1" lang="ja-JP" altLang="en-US" smtClean="0"/>
-              <a:t>7</a:t>
+              <a:t>8</a:t>
             </a:fld>
             <a:endParaRPr kumimoji="1" lang="ja-JP" altLang="en-US"/>
           </a:p>
@@ -2058,7 +1803,7 @@
     </p:spTree>
     <p:extLst>
       <p:ext uri="{BB962C8B-B14F-4D97-AF65-F5344CB8AC3E}">
-        <p14:creationId xmlns:p14="http://schemas.microsoft.com/office/powerpoint/2010/main" val="2846837617"/>
+        <p14:creationId xmlns:p14="http://schemas.microsoft.com/office/powerpoint/2010/main" val="1903063822"/>
       </p:ext>
     </p:extLst>
   </p:cSld>
@@ -2112,11 +1857,7 @@
           <a:bodyPr/>
           <a:lstStyle/>
           <a:p>
-            <a:r>
-              <a:rPr kumimoji="1" lang="ja-JP" altLang="en-US" dirty="0" smtClean="0"/>
-              <a:t>テスト</a:t>
-            </a:r>
-            <a:endParaRPr kumimoji="1" lang="en-US" altLang="ja-JP" dirty="0" smtClean="0"/>
+            <a:endParaRPr kumimoji="1" lang="ja-JP" altLang="en-US" dirty="0"/>
           </a:p>
         </p:txBody>
       </p:sp>
@@ -2137,7 +1878,7 @@
           <a:p>
             <a:fld id="{FEFB3154-A281-48F2-8DC9-C99E29F1ECF4}" type="slidenum">
               <a:rPr kumimoji="1" lang="ja-JP" altLang="en-US" smtClean="0"/>
-              <a:t>8</a:t>
+              <a:t>9</a:t>
             </a:fld>
             <a:endParaRPr kumimoji="1" lang="ja-JP" altLang="en-US"/>
           </a:p>
@@ -2146,7 +1887,7 @@
     </p:spTree>
     <p:extLst>
       <p:ext uri="{BB962C8B-B14F-4D97-AF65-F5344CB8AC3E}">
-        <p14:creationId xmlns:p14="http://schemas.microsoft.com/office/powerpoint/2010/main" val="171884667"/>
+        <p14:creationId xmlns:p14="http://schemas.microsoft.com/office/powerpoint/2010/main" val="2781046782"/>
       </p:ext>
     </p:extLst>
   </p:cSld>
@@ -2200,7 +1941,7 @@
           <a:bodyPr/>
           <a:lstStyle/>
           <a:p>
-            <a:endParaRPr kumimoji="1" lang="ja-JP" altLang="en-US"/>
+            <a:endParaRPr kumimoji="1" lang="ja-JP" altLang="en-US" dirty="0"/>
           </a:p>
         </p:txBody>
       </p:sp>
@@ -2230,7 +1971,7 @@
     </p:spTree>
     <p:extLst>
       <p:ext uri="{BB962C8B-B14F-4D97-AF65-F5344CB8AC3E}">
-        <p14:creationId xmlns:p14="http://schemas.microsoft.com/office/powerpoint/2010/main" val="1903063822"/>
+        <p14:creationId xmlns:p14="http://schemas.microsoft.com/office/powerpoint/2010/main" val="2853416026"/>
       </p:ext>
     </p:extLst>
   </p:cSld>
@@ -2284,7 +2025,7 @@
           <a:bodyPr/>
           <a:lstStyle/>
           <a:p>
-            <a:endParaRPr kumimoji="1" lang="ja-JP" altLang="en-US" dirty="0"/>
+            <a:endParaRPr kumimoji="1" lang="ja-JP" altLang="en-US"/>
           </a:p>
         </p:txBody>
       </p:sp>
@@ -2305,7 +2046,7 @@
           <a:p>
             <a:fld id="{FEFB3154-A281-48F2-8DC9-C99E29F1ECF4}" type="slidenum">
               <a:rPr kumimoji="1" lang="ja-JP" altLang="en-US" smtClean="0"/>
-              <a:t>11</a:t>
+              <a:t>12</a:t>
             </a:fld>
             <a:endParaRPr kumimoji="1" lang="ja-JP" altLang="en-US"/>
           </a:p>
@@ -2314,7 +2055,7 @@
     </p:spTree>
     <p:extLst>
       <p:ext uri="{BB962C8B-B14F-4D97-AF65-F5344CB8AC3E}">
-        <p14:creationId xmlns:p14="http://schemas.microsoft.com/office/powerpoint/2010/main" val="2781046782"/>
+        <p14:creationId xmlns:p14="http://schemas.microsoft.com/office/powerpoint/2010/main" val="2603317105"/>
       </p:ext>
     </p:extLst>
   </p:cSld>
@@ -2505,7 +2246,7 @@
           <a:p>
             <a:fld id="{764389B5-BBD8-4BB5-AA3B-F6D4F6020998}" type="datetimeFigureOut">
               <a:rPr kumimoji="1" lang="ja-JP" altLang="en-US" smtClean="0"/>
-              <a:t>2014/1/13</a:t>
+              <a:t>2014/1/14</a:t>
             </a:fld>
             <a:endParaRPr kumimoji="1" lang="ja-JP" altLang="en-US"/>
           </a:p>
@@ -2707,7 +2448,7 @@
           <a:p>
             <a:fld id="{764389B5-BBD8-4BB5-AA3B-F6D4F6020998}" type="datetimeFigureOut">
               <a:rPr kumimoji="1" lang="ja-JP" altLang="en-US" smtClean="0"/>
-              <a:t>2014/1/13</a:t>
+              <a:t>2014/1/14</a:t>
             </a:fld>
             <a:endParaRPr kumimoji="1" lang="ja-JP" altLang="en-US"/>
           </a:p>
@@ -2919,7 +2660,7 @@
           <a:p>
             <a:fld id="{764389B5-BBD8-4BB5-AA3B-F6D4F6020998}" type="datetimeFigureOut">
               <a:rPr kumimoji="1" lang="ja-JP" altLang="en-US" smtClean="0"/>
-              <a:t>2014/1/13</a:t>
+              <a:t>2014/1/14</a:t>
             </a:fld>
             <a:endParaRPr kumimoji="1" lang="ja-JP" altLang="en-US"/>
           </a:p>
@@ -3121,7 +2862,7 @@
           <a:p>
             <a:fld id="{764389B5-BBD8-4BB5-AA3B-F6D4F6020998}" type="datetimeFigureOut">
               <a:rPr kumimoji="1" lang="ja-JP" altLang="en-US" smtClean="0"/>
-              <a:t>2014/1/13</a:t>
+              <a:t>2014/1/14</a:t>
             </a:fld>
             <a:endParaRPr kumimoji="1" lang="ja-JP" altLang="en-US"/>
           </a:p>
@@ -3367,7 +3108,7 @@
           <a:p>
             <a:fld id="{764389B5-BBD8-4BB5-AA3B-F6D4F6020998}" type="datetimeFigureOut">
               <a:rPr kumimoji="1" lang="ja-JP" altLang="en-US" smtClean="0"/>
-              <a:t>2014/1/13</a:t>
+              <a:t>2014/1/14</a:t>
             </a:fld>
             <a:endParaRPr kumimoji="1" lang="ja-JP" altLang="en-US"/>
           </a:p>
@@ -3719,7 +3460,7 @@
           <a:p>
             <a:fld id="{764389B5-BBD8-4BB5-AA3B-F6D4F6020998}" type="datetimeFigureOut">
               <a:rPr kumimoji="1" lang="ja-JP" altLang="en-US" smtClean="0"/>
-              <a:t>2014/1/13</a:t>
+              <a:t>2014/1/14</a:t>
             </a:fld>
             <a:endParaRPr kumimoji="1" lang="ja-JP" altLang="en-US"/>
           </a:p>
@@ -4205,7 +3946,7 @@
           <a:p>
             <a:fld id="{764389B5-BBD8-4BB5-AA3B-F6D4F6020998}" type="datetimeFigureOut">
               <a:rPr kumimoji="1" lang="ja-JP" altLang="en-US" smtClean="0"/>
-              <a:t>2014/1/13</a:t>
+              <a:t>2014/1/14</a:t>
             </a:fld>
             <a:endParaRPr kumimoji="1" lang="ja-JP" altLang="en-US"/>
           </a:p>
@@ -4323,7 +4064,7 @@
           <a:p>
             <a:fld id="{764389B5-BBD8-4BB5-AA3B-F6D4F6020998}" type="datetimeFigureOut">
               <a:rPr kumimoji="1" lang="ja-JP" altLang="en-US" smtClean="0"/>
-              <a:t>2014/1/13</a:t>
+              <a:t>2014/1/14</a:t>
             </a:fld>
             <a:endParaRPr kumimoji="1" lang="ja-JP" altLang="en-US"/>
           </a:p>
@@ -4418,7 +4159,7 @@
           <a:p>
             <a:fld id="{764389B5-BBD8-4BB5-AA3B-F6D4F6020998}" type="datetimeFigureOut">
               <a:rPr kumimoji="1" lang="ja-JP" altLang="en-US" smtClean="0"/>
-              <a:t>2014/1/13</a:t>
+              <a:t>2014/1/14</a:t>
             </a:fld>
             <a:endParaRPr kumimoji="1" lang="ja-JP" altLang="en-US"/>
           </a:p>
@@ -4727,7 +4468,7 @@
           <a:p>
             <a:fld id="{764389B5-BBD8-4BB5-AA3B-F6D4F6020998}" type="datetimeFigureOut">
               <a:rPr kumimoji="1" lang="ja-JP" altLang="en-US" smtClean="0"/>
-              <a:t>2014/1/13</a:t>
+              <a:t>2014/1/14</a:t>
             </a:fld>
             <a:endParaRPr kumimoji="1" lang="ja-JP" altLang="en-US"/>
           </a:p>
@@ -4980,7 +4721,7 @@
           <a:p>
             <a:fld id="{764389B5-BBD8-4BB5-AA3B-F6D4F6020998}" type="datetimeFigureOut">
               <a:rPr kumimoji="1" lang="ja-JP" altLang="en-US" smtClean="0"/>
-              <a:t>2014/1/13</a:t>
+              <a:t>2014/1/14</a:t>
             </a:fld>
             <a:endParaRPr kumimoji="1" lang="ja-JP" altLang="en-US"/>
           </a:p>
@@ -5225,7 +4966,7 @@
           <a:p>
             <a:fld id="{764389B5-BBD8-4BB5-AA3B-F6D4F6020998}" type="datetimeFigureOut">
               <a:rPr kumimoji="1" lang="ja-JP" altLang="en-US" smtClean="0"/>
-              <a:t>2014/1/13</a:t>
+              <a:t>2014/1/14</a:t>
             </a:fld>
             <a:endParaRPr kumimoji="1" lang="ja-JP" altLang="en-US"/>
           </a:p>
@@ -5618,16 +5359,28 @@
           <a:lstStyle/>
           <a:p>
             <a:r>
+              <a:rPr lang="ja-JP" altLang="en-US" sz="3600" dirty="0"/>
+              <a:t>抗原</a:t>
+            </a:r>
+            <a:r>
+              <a:rPr lang="ja-JP" altLang="en-US" sz="3600" dirty="0" smtClean="0"/>
+              <a:t>抗体反応を表現する</a:t>
+            </a:r>
+            <a:r>
               <a:rPr kumimoji="1" lang="ja-JP" altLang="en-US" sz="3600" dirty="0" smtClean="0"/>
-              <a:t>電子タグを持つ</a:t>
+              <a:t>電子</a:t>
+            </a:r>
+            <a:r>
+              <a:rPr kumimoji="1" lang="ja-JP" altLang="en-US" sz="3600" dirty="0" smtClean="0"/>
+              <a:t>タグを持つ</a:t>
             </a:r>
             <a:r>
               <a:rPr kumimoji="1" lang="en-US" altLang="ja-JP" sz="3600" dirty="0" smtClean="0"/>
-              <a:t>Agent Based Epidemic Model</a:t>
-            </a:r>
-            <a:r>
-              <a:rPr kumimoji="1" lang="ja-JP" altLang="en-US" sz="3600" dirty="0" smtClean="0"/>
-              <a:t>に対する数値解析的研究</a:t>
+              <a:t>Agent Based Epidemic </a:t>
+            </a:r>
+            <a:r>
+              <a:rPr kumimoji="1" lang="en-US" altLang="ja-JP" sz="3600" dirty="0" smtClean="0"/>
+              <a:t>Model</a:t>
             </a:r>
             <a:endParaRPr kumimoji="1" lang="ja-JP" altLang="en-US" sz="3600" dirty="0"/>
           </a:p>
@@ -5683,6 +5436,1425 @@
 </file>
 
 <file path=ppt/slides/slide10.xml><?xml version="1.0" encoding="utf-8"?>
+<p:sld xmlns:a="http://schemas.openxmlformats.org/drawingml/2006/main" xmlns:r="http://schemas.openxmlformats.org/officeDocument/2006/relationships" xmlns:p="http://schemas.openxmlformats.org/presentationml/2006/main">
+  <p:cSld>
+    <p:spTree>
+      <p:nvGrpSpPr>
+        <p:cNvPr id="1" name=""/>
+        <p:cNvGrpSpPr/>
+        <p:nvPr/>
+      </p:nvGrpSpPr>
+      <p:grpSpPr>
+        <a:xfrm>
+          <a:off x="0" y="0"/>
+          <a:ext cx="0" cy="0"/>
+          <a:chOff x="0" y="0"/>
+          <a:chExt cx="0" cy="0"/>
+        </a:xfrm>
+      </p:grpSpPr>
+      <p:pic>
+        <p:nvPicPr>
+          <p:cNvPr id="1030" name="Picture 6" descr="C:\Users\Naoki\workspace\AgentBasedEpidemicModel\PPT\tag_3.png"/>
+          <p:cNvPicPr>
+            <a:picLocks noChangeAspect="1" noChangeArrowheads="1"/>
+          </p:cNvPicPr>
+          <p:nvPr/>
+        </p:nvPicPr>
+        <p:blipFill>
+          <a:blip r:embed="rId3">
+            <a:extLst>
+              <a:ext uri="{28A0092B-C50C-407E-A947-70E740481C1C}">
+                <a14:useLocalDpi xmlns:a14="http://schemas.microsoft.com/office/drawing/2010/main" val="0"/>
+              </a:ext>
+            </a:extLst>
+          </a:blip>
+          <a:srcRect/>
+          <a:stretch>
+            <a:fillRect/>
+          </a:stretch>
+        </p:blipFill>
+        <p:spPr bwMode="auto">
+          <a:xfrm>
+            <a:off x="755576" y="548680"/>
+            <a:ext cx="7687447" cy="6153072"/>
+          </a:xfrm>
+          <a:prstGeom prst="rect">
+            <a:avLst/>
+          </a:prstGeom>
+          <a:noFill/>
+          <a:extLst>
+            <a:ext uri="{909E8E84-426E-40DD-AFC4-6F175D3DCCD1}">
+              <a14:hiddenFill xmlns:a14="http://schemas.microsoft.com/office/drawing/2010/main">
+                <a:solidFill>
+                  <a:srgbClr val="FFFFFF"/>
+                </a:solidFill>
+              </a14:hiddenFill>
+            </a:ext>
+          </a:extLst>
+        </p:spPr>
+      </p:pic>
+    </p:spTree>
+    <p:extLst>
+      <p:ext uri="{BB962C8B-B14F-4D97-AF65-F5344CB8AC3E}">
+        <p14:creationId xmlns:p14="http://schemas.microsoft.com/office/powerpoint/2010/main" val="4159369643"/>
+      </p:ext>
+    </p:extLst>
+  </p:cSld>
+  <p:clrMapOvr>
+    <a:masterClrMapping/>
+  </p:clrMapOvr>
+  <p:timing>
+    <p:tnLst>
+      <p:par>
+        <p:cTn id="1" dur="indefinite" restart="never" nodeType="tmRoot"/>
+      </p:par>
+    </p:tnLst>
+  </p:timing>
+</p:sld>
+</file>
+
+<file path=ppt/slides/slide11.xml><?xml version="1.0" encoding="utf-8"?>
+<p:sld xmlns:a="http://schemas.openxmlformats.org/drawingml/2006/main" xmlns:r="http://schemas.openxmlformats.org/officeDocument/2006/relationships" xmlns:p="http://schemas.openxmlformats.org/presentationml/2006/main">
+  <p:cSld>
+    <p:spTree>
+      <p:nvGrpSpPr>
+        <p:cNvPr id="1" name=""/>
+        <p:cNvGrpSpPr/>
+        <p:nvPr/>
+      </p:nvGrpSpPr>
+      <p:grpSpPr>
+        <a:xfrm>
+          <a:off x="0" y="0"/>
+          <a:ext cx="0" cy="0"/>
+          <a:chOff x="0" y="0"/>
+          <a:chExt cx="0" cy="0"/>
+        </a:xfrm>
+      </p:grpSpPr>
+      <p:sp>
+        <p:nvSpPr>
+          <p:cNvPr id="2" name="タイトル 1"/>
+          <p:cNvSpPr>
+            <a:spLocks noGrp="1"/>
+          </p:cNvSpPr>
+          <p:nvPr>
+            <p:ph type="title"/>
+          </p:nvPr>
+        </p:nvSpPr>
+        <p:spPr/>
+        <p:txBody>
+          <a:bodyPr/>
+          <a:lstStyle/>
+          <a:p>
+            <a:r>
+              <a:rPr kumimoji="1" lang="ja-JP" altLang="en-US" dirty="0" smtClean="0"/>
+              <a:t>抗原抗体反応とは</a:t>
+            </a:r>
+            <a:endParaRPr kumimoji="1" lang="ja-JP" altLang="en-US" dirty="0"/>
+          </a:p>
+        </p:txBody>
+      </p:sp>
+      <p:sp>
+        <p:nvSpPr>
+          <p:cNvPr id="3" name="コンテンツ プレースホルダー 2"/>
+          <p:cNvSpPr>
+            <a:spLocks noGrp="1"/>
+          </p:cNvSpPr>
+          <p:nvPr>
+            <p:ph idx="1"/>
+          </p:nvPr>
+        </p:nvSpPr>
+        <p:spPr/>
+        <p:txBody>
+          <a:bodyPr/>
+          <a:lstStyle/>
+          <a:p>
+            <a:r>
+              <a:rPr kumimoji="1" lang="ja-JP" altLang="en-US" dirty="0" smtClean="0"/>
+              <a:t>抗原に対して抗体が反応して結合する反応</a:t>
+            </a:r>
+            <a:endParaRPr kumimoji="1" lang="en-US" altLang="ja-JP" dirty="0" smtClean="0"/>
+          </a:p>
+          <a:p>
+            <a:r>
+              <a:rPr lang="ja-JP" altLang="en-US" dirty="0" smtClean="0"/>
+              <a:t>例）</a:t>
+            </a:r>
+            <a:endParaRPr kumimoji="1" lang="ja-JP" altLang="en-US" dirty="0"/>
+          </a:p>
+        </p:txBody>
+      </p:sp>
+    </p:spTree>
+    <p:extLst>
+      <p:ext uri="{BB962C8B-B14F-4D97-AF65-F5344CB8AC3E}">
+        <p14:creationId xmlns:p14="http://schemas.microsoft.com/office/powerpoint/2010/main" val="3859860042"/>
+      </p:ext>
+    </p:extLst>
+  </p:cSld>
+  <p:clrMapOvr>
+    <a:masterClrMapping/>
+  </p:clrMapOvr>
+</p:sld>
+</file>
+
+<file path=ppt/slides/slide12.xml><?xml version="1.0" encoding="utf-8"?>
+<p:sld xmlns:a="http://schemas.openxmlformats.org/drawingml/2006/main" xmlns:r="http://schemas.openxmlformats.org/officeDocument/2006/relationships" xmlns:p="http://schemas.openxmlformats.org/presentationml/2006/main">
+  <p:cSld>
+    <p:spTree>
+      <p:nvGrpSpPr>
+        <p:cNvPr id="1" name=""/>
+        <p:cNvGrpSpPr/>
+        <p:nvPr/>
+      </p:nvGrpSpPr>
+      <p:grpSpPr>
+        <a:xfrm>
+          <a:off x="0" y="0"/>
+          <a:ext cx="0" cy="0"/>
+          <a:chOff x="0" y="0"/>
+          <a:chExt cx="0" cy="0"/>
+        </a:xfrm>
+      </p:grpSpPr>
+      <p:sp>
+        <p:nvSpPr>
+          <p:cNvPr id="2" name="タイトル 1"/>
+          <p:cNvSpPr>
+            <a:spLocks noGrp="1"/>
+          </p:cNvSpPr>
+          <p:nvPr>
+            <p:ph type="title"/>
+          </p:nvPr>
+        </p:nvSpPr>
+        <p:spPr/>
+        <p:txBody>
+          <a:bodyPr/>
+          <a:lstStyle/>
+          <a:p>
+            <a:r>
+              <a:rPr kumimoji="1" lang="ja-JP" altLang="en-US" dirty="0" smtClean="0"/>
+              <a:t>数値計算結果</a:t>
+            </a:r>
+            <a:endParaRPr kumimoji="1" lang="ja-JP" altLang="en-US" dirty="0"/>
+          </a:p>
+        </p:txBody>
+      </p:sp>
+    </p:spTree>
+    <p:extLst>
+      <p:ext uri="{BB962C8B-B14F-4D97-AF65-F5344CB8AC3E}">
+        <p14:creationId xmlns:p14="http://schemas.microsoft.com/office/powerpoint/2010/main" val="3483215692"/>
+      </p:ext>
+    </p:extLst>
+  </p:cSld>
+  <p:clrMapOvr>
+    <a:masterClrMapping/>
+  </p:clrMapOvr>
+  <p:timing>
+    <p:tnLst>
+      <p:par>
+        <p:cTn id="1" dur="indefinite" restart="never" nodeType="tmRoot"/>
+      </p:par>
+    </p:tnLst>
+  </p:timing>
+</p:sld>
+</file>
+
+<file path=ppt/slides/slide13.xml><?xml version="1.0" encoding="utf-8"?>
+<p:sld xmlns:a="http://schemas.openxmlformats.org/drawingml/2006/main" xmlns:r="http://schemas.openxmlformats.org/officeDocument/2006/relationships" xmlns:p="http://schemas.openxmlformats.org/presentationml/2006/main">
+  <p:cSld>
+    <p:spTree>
+      <p:nvGrpSpPr>
+        <p:cNvPr id="1" name=""/>
+        <p:cNvGrpSpPr/>
+        <p:nvPr/>
+      </p:nvGrpSpPr>
+      <p:grpSpPr>
+        <a:xfrm>
+          <a:off x="0" y="0"/>
+          <a:ext cx="0" cy="0"/>
+          <a:chOff x="0" y="0"/>
+          <a:chExt cx="0" cy="0"/>
+        </a:xfrm>
+      </p:grpSpPr>
+      <p:sp>
+        <p:nvSpPr>
+          <p:cNvPr id="2" name="タイトル 1"/>
+          <p:cNvSpPr>
+            <a:spLocks noGrp="1"/>
+          </p:cNvSpPr>
+          <p:nvPr>
+            <p:ph type="title"/>
+          </p:nvPr>
+        </p:nvSpPr>
+        <p:spPr/>
+        <p:txBody>
+          <a:bodyPr/>
+          <a:lstStyle/>
+          <a:p>
+            <a:r>
+              <a:rPr kumimoji="1" lang="ja-JP" altLang="en-US" dirty="0" smtClean="0"/>
+              <a:t>数値計算結果の分析</a:t>
+            </a:r>
+            <a:endParaRPr kumimoji="1" lang="ja-JP" altLang="en-US" dirty="0"/>
+          </a:p>
+        </p:txBody>
+      </p:sp>
+      <p:sp>
+        <p:nvSpPr>
+          <p:cNvPr id="3" name="コンテンツ プレースホルダー 2"/>
+          <p:cNvSpPr>
+            <a:spLocks noGrp="1"/>
+          </p:cNvSpPr>
+          <p:nvPr>
+            <p:ph idx="1"/>
+          </p:nvPr>
+        </p:nvSpPr>
+        <p:spPr/>
+        <p:txBody>
+          <a:bodyPr/>
+          <a:lstStyle/>
+          <a:p>
+            <a:r>
+              <a:rPr kumimoji="1" lang="ja-JP" altLang="en-US" dirty="0" smtClean="0"/>
+              <a:t>多くて３、４つ</a:t>
+            </a:r>
+            <a:endParaRPr kumimoji="1" lang="ja-JP" altLang="en-US" dirty="0"/>
+          </a:p>
+        </p:txBody>
+      </p:sp>
+    </p:spTree>
+    <p:extLst>
+      <p:ext uri="{BB962C8B-B14F-4D97-AF65-F5344CB8AC3E}">
+        <p14:creationId xmlns:p14="http://schemas.microsoft.com/office/powerpoint/2010/main" val="3736256567"/>
+      </p:ext>
+    </p:extLst>
+  </p:cSld>
+  <p:clrMapOvr>
+    <a:masterClrMapping/>
+  </p:clrMapOvr>
+  <p:timing>
+    <p:tnLst>
+      <p:par>
+        <p:cTn id="1" dur="indefinite" restart="never" nodeType="tmRoot"/>
+      </p:par>
+    </p:tnLst>
+  </p:timing>
+</p:sld>
+</file>
+
+<file path=ppt/slides/slide14.xml><?xml version="1.0" encoding="utf-8"?>
+<p:sld xmlns:a="http://schemas.openxmlformats.org/drawingml/2006/main" xmlns:r="http://schemas.openxmlformats.org/officeDocument/2006/relationships" xmlns:p="http://schemas.openxmlformats.org/presentationml/2006/main">
+  <p:cSld>
+    <p:spTree>
+      <p:nvGrpSpPr>
+        <p:cNvPr id="1" name=""/>
+        <p:cNvGrpSpPr/>
+        <p:nvPr/>
+      </p:nvGrpSpPr>
+      <p:grpSpPr>
+        <a:xfrm>
+          <a:off x="0" y="0"/>
+          <a:ext cx="0" cy="0"/>
+          <a:chOff x="0" y="0"/>
+          <a:chExt cx="0" cy="0"/>
+        </a:xfrm>
+      </p:grpSpPr>
+      <p:sp>
+        <p:nvSpPr>
+          <p:cNvPr id="2" name="タイトル 1"/>
+          <p:cNvSpPr>
+            <a:spLocks noGrp="1"/>
+          </p:cNvSpPr>
+          <p:nvPr>
+            <p:ph type="title"/>
+          </p:nvPr>
+        </p:nvSpPr>
+        <p:spPr/>
+        <p:txBody>
+          <a:bodyPr/>
+          <a:lstStyle/>
+          <a:p>
+            <a:r>
+              <a:rPr kumimoji="1" lang="ja-JP" altLang="en-US" dirty="0" smtClean="0"/>
+              <a:t>結論</a:t>
+            </a:r>
+            <a:endParaRPr kumimoji="1" lang="ja-JP" altLang="en-US" dirty="0"/>
+          </a:p>
+        </p:txBody>
+      </p:sp>
+      <p:sp>
+        <p:nvSpPr>
+          <p:cNvPr id="3" name="コンテンツ プレースホルダー 2"/>
+          <p:cNvSpPr>
+            <a:spLocks noGrp="1"/>
+          </p:cNvSpPr>
+          <p:nvPr>
+            <p:ph idx="1"/>
+          </p:nvPr>
+        </p:nvSpPr>
+        <p:spPr/>
+        <p:txBody>
+          <a:bodyPr/>
+          <a:lstStyle/>
+          <a:p>
+            <a:r>
+              <a:rPr kumimoji="1" lang="ja-JP" altLang="en-US" dirty="0" smtClean="0"/>
+              <a:t>ウイルスのタグの長さに比べて、免疫機構のタグが短い場合でもオーバーラップによって十分な抗体を作ることができる。</a:t>
+            </a:r>
+            <a:endParaRPr kumimoji="1" lang="ja-JP" altLang="en-US" dirty="0"/>
+          </a:p>
+        </p:txBody>
+      </p:sp>
+    </p:spTree>
+    <p:extLst>
+      <p:ext uri="{BB962C8B-B14F-4D97-AF65-F5344CB8AC3E}">
+        <p14:creationId xmlns:p14="http://schemas.microsoft.com/office/powerpoint/2010/main" val="3466877443"/>
+      </p:ext>
+    </p:extLst>
+  </p:cSld>
+  <p:clrMapOvr>
+    <a:masterClrMapping/>
+  </p:clrMapOvr>
+  <p:timing>
+    <p:tnLst>
+      <p:par>
+        <p:cTn id="1" dur="indefinite" restart="never" nodeType="tmRoot"/>
+      </p:par>
+    </p:tnLst>
+  </p:timing>
+</p:sld>
+</file>
+
+<file path=ppt/slides/slide15.xml><?xml version="1.0" encoding="utf-8"?>
+<p:sld xmlns:a="http://schemas.openxmlformats.org/drawingml/2006/main" xmlns:r="http://schemas.openxmlformats.org/officeDocument/2006/relationships" xmlns:p="http://schemas.openxmlformats.org/presentationml/2006/main">
+  <p:cSld>
+    <p:spTree>
+      <p:nvGrpSpPr>
+        <p:cNvPr id="1" name=""/>
+        <p:cNvGrpSpPr/>
+        <p:nvPr/>
+      </p:nvGrpSpPr>
+      <p:grpSpPr>
+        <a:xfrm>
+          <a:off x="0" y="0"/>
+          <a:ext cx="0" cy="0"/>
+          <a:chOff x="0" y="0"/>
+          <a:chExt cx="0" cy="0"/>
+        </a:xfrm>
+      </p:grpSpPr>
+      <p:sp>
+        <p:nvSpPr>
+          <p:cNvPr id="2" name="タイトル 1"/>
+          <p:cNvSpPr>
+            <a:spLocks noGrp="1"/>
+          </p:cNvSpPr>
+          <p:nvPr>
+            <p:ph type="title"/>
+          </p:nvPr>
+        </p:nvSpPr>
+        <p:spPr/>
+        <p:txBody>
+          <a:bodyPr/>
+          <a:lstStyle/>
+          <a:p>
+            <a:r>
+              <a:rPr kumimoji="1" lang="ja-JP" altLang="en-US" dirty="0" smtClean="0"/>
+              <a:t>空間非一様モデル（今後の課題）</a:t>
+            </a:r>
+            <a:endParaRPr kumimoji="1" lang="ja-JP" altLang="en-US" dirty="0"/>
+          </a:p>
+        </p:txBody>
+      </p:sp>
+      <p:sp>
+        <p:nvSpPr>
+          <p:cNvPr id="3" name="コンテンツ プレースホルダー 2"/>
+          <p:cNvSpPr>
+            <a:spLocks noGrp="1"/>
+          </p:cNvSpPr>
+          <p:nvPr>
+            <p:ph idx="1"/>
+          </p:nvPr>
+        </p:nvSpPr>
+        <p:spPr/>
+        <p:txBody>
+          <a:bodyPr/>
+          <a:lstStyle/>
+          <a:p>
+            <a:r>
+              <a:rPr kumimoji="1" lang="ja-JP" altLang="en-US" dirty="0" smtClean="0"/>
+              <a:t>病原体の広がりは数理疫学モデルによって表現されてきたが、抗体の広がりは十分に調べられていない。電子タグを用いることにより、抗体の社会的な広がりを表現したい。</a:t>
+            </a:r>
+            <a:endParaRPr kumimoji="1" lang="en-US" altLang="ja-JP" dirty="0" smtClean="0"/>
+          </a:p>
+          <a:p>
+            <a:endParaRPr kumimoji="1" lang="ja-JP" altLang="en-US" dirty="0"/>
+          </a:p>
+        </p:txBody>
+      </p:sp>
+    </p:spTree>
+    <p:extLst>
+      <p:ext uri="{BB962C8B-B14F-4D97-AF65-F5344CB8AC3E}">
+        <p14:creationId xmlns:p14="http://schemas.microsoft.com/office/powerpoint/2010/main" val="4140513809"/>
+      </p:ext>
+    </p:extLst>
+  </p:cSld>
+  <p:clrMapOvr>
+    <a:masterClrMapping/>
+  </p:clrMapOvr>
+  <p:timing>
+    <p:tnLst>
+      <p:par>
+        <p:cTn id="1" dur="indefinite" restart="never" nodeType="tmRoot"/>
+      </p:par>
+    </p:tnLst>
+  </p:timing>
+</p:sld>
+</file>
+
+<file path=ppt/slides/slide16.xml><?xml version="1.0" encoding="utf-8"?>
+<p:sld xmlns:a="http://schemas.openxmlformats.org/drawingml/2006/main" xmlns:r="http://schemas.openxmlformats.org/officeDocument/2006/relationships" xmlns:p="http://schemas.openxmlformats.org/presentationml/2006/main">
+  <p:cSld>
+    <p:spTree>
+      <p:nvGrpSpPr>
+        <p:cNvPr id="1" name=""/>
+        <p:cNvGrpSpPr/>
+        <p:nvPr/>
+      </p:nvGrpSpPr>
+      <p:grpSpPr>
+        <a:xfrm>
+          <a:off x="0" y="0"/>
+          <a:ext cx="0" cy="0"/>
+          <a:chOff x="0" y="0"/>
+          <a:chExt cx="0" cy="0"/>
+        </a:xfrm>
+      </p:grpSpPr>
+      <p:sp>
+        <p:nvSpPr>
+          <p:cNvPr id="2" name="タイトル 1"/>
+          <p:cNvSpPr>
+            <a:spLocks noGrp="1"/>
+          </p:cNvSpPr>
+          <p:nvPr>
+            <p:ph type="title"/>
+          </p:nvPr>
+        </p:nvSpPr>
+        <p:spPr/>
+        <p:txBody>
+          <a:bodyPr>
+            <a:normAutofit fontScale="90000"/>
+          </a:bodyPr>
+          <a:lstStyle/>
+          <a:p>
+            <a:r>
+              <a:rPr kumimoji="1" lang="ja-JP" altLang="en-US" dirty="0" smtClean="0"/>
+              <a:t>（（（電子タグを用いた免疫機構の表現の妥当性</a:t>
+            </a:r>
+            <a:endParaRPr kumimoji="1" lang="ja-JP" altLang="en-US" dirty="0"/>
+          </a:p>
+        </p:txBody>
+      </p:sp>
+      <p:sp>
+        <p:nvSpPr>
+          <p:cNvPr id="3" name="コンテンツ プレースホルダー 2"/>
+          <p:cNvSpPr>
+            <a:spLocks noGrp="1"/>
+          </p:cNvSpPr>
+          <p:nvPr>
+            <p:ph idx="1"/>
+          </p:nvPr>
+        </p:nvSpPr>
+        <p:spPr/>
+        <p:txBody>
+          <a:bodyPr/>
+          <a:lstStyle/>
+          <a:p>
+            <a:endParaRPr kumimoji="1" lang="ja-JP" altLang="en-US"/>
+          </a:p>
+        </p:txBody>
+      </p:sp>
+    </p:spTree>
+    <p:extLst>
+      <p:ext uri="{BB962C8B-B14F-4D97-AF65-F5344CB8AC3E}">
+        <p14:creationId xmlns:p14="http://schemas.microsoft.com/office/powerpoint/2010/main" val="296766167"/>
+      </p:ext>
+    </p:extLst>
+  </p:cSld>
+  <p:clrMapOvr>
+    <a:masterClrMapping/>
+  </p:clrMapOvr>
+  <p:timing>
+    <p:tnLst>
+      <p:par>
+        <p:cTn id="1" dur="indefinite" restart="never" nodeType="tmRoot"/>
+      </p:par>
+    </p:tnLst>
+  </p:timing>
+</p:sld>
+</file>
+
+<file path=ppt/slides/slide17.xml><?xml version="1.0" encoding="utf-8"?>
+<p:sld xmlns:a="http://schemas.openxmlformats.org/drawingml/2006/main" xmlns:r="http://schemas.openxmlformats.org/officeDocument/2006/relationships" xmlns:p="http://schemas.openxmlformats.org/presentationml/2006/main">
+  <p:cSld>
+    <p:spTree>
+      <p:nvGrpSpPr>
+        <p:cNvPr id="1" name=""/>
+        <p:cNvGrpSpPr/>
+        <p:nvPr/>
+      </p:nvGrpSpPr>
+      <p:grpSpPr>
+        <a:xfrm>
+          <a:off x="0" y="0"/>
+          <a:ext cx="0" cy="0"/>
+          <a:chOff x="0" y="0"/>
+          <a:chExt cx="0" cy="0"/>
+        </a:xfrm>
+      </p:grpSpPr>
+      <p:sp>
+        <p:nvSpPr>
+          <p:cNvPr id="2" name="タイトル 1"/>
+          <p:cNvSpPr>
+            <a:spLocks noGrp="1"/>
+          </p:cNvSpPr>
+          <p:nvPr>
+            <p:ph type="title"/>
+          </p:nvPr>
+        </p:nvSpPr>
+        <p:spPr/>
+        <p:txBody>
+          <a:bodyPr/>
+          <a:lstStyle/>
+          <a:p>
+            <a:r>
+              <a:rPr kumimoji="1" lang="ja-JP" altLang="en-US" dirty="0" smtClean="0"/>
+              <a:t>延長された表現型とは</a:t>
+            </a:r>
+            <a:endParaRPr kumimoji="1" lang="ja-JP" altLang="en-US" dirty="0"/>
+          </a:p>
+        </p:txBody>
+      </p:sp>
+      <p:sp>
+        <p:nvSpPr>
+          <p:cNvPr id="3" name="コンテンツ プレースホルダー 2"/>
+          <p:cNvSpPr>
+            <a:spLocks noGrp="1"/>
+          </p:cNvSpPr>
+          <p:nvPr>
+            <p:ph idx="1"/>
+          </p:nvPr>
+        </p:nvSpPr>
+        <p:spPr/>
+        <p:txBody>
+          <a:bodyPr/>
+          <a:lstStyle/>
+          <a:p>
+            <a:pPr marL="0" indent="0">
+              <a:buNone/>
+            </a:pPr>
+            <a:endParaRPr kumimoji="1" lang="ja-JP" altLang="en-US" dirty="0"/>
+          </a:p>
+        </p:txBody>
+      </p:sp>
+    </p:spTree>
+    <p:extLst>
+      <p:ext uri="{BB962C8B-B14F-4D97-AF65-F5344CB8AC3E}">
+        <p14:creationId xmlns:p14="http://schemas.microsoft.com/office/powerpoint/2010/main" val="3461091930"/>
+      </p:ext>
+    </p:extLst>
+  </p:cSld>
+  <p:clrMapOvr>
+    <a:masterClrMapping/>
+  </p:clrMapOvr>
+  <p:timing>
+    <p:tnLst>
+      <p:par>
+        <p:cTn id="1" dur="indefinite" restart="never" nodeType="tmRoot"/>
+      </p:par>
+    </p:tnLst>
+  </p:timing>
+</p:sld>
+</file>
+
+<file path=ppt/slides/slide18.xml><?xml version="1.0" encoding="utf-8"?>
+<p:sld xmlns:a="http://schemas.openxmlformats.org/drawingml/2006/main" xmlns:r="http://schemas.openxmlformats.org/officeDocument/2006/relationships" xmlns:p="http://schemas.openxmlformats.org/presentationml/2006/main">
+  <p:cSld>
+    <p:spTree>
+      <p:nvGrpSpPr>
+        <p:cNvPr id="1" name=""/>
+        <p:cNvGrpSpPr/>
+        <p:nvPr/>
+      </p:nvGrpSpPr>
+      <p:grpSpPr>
+        <a:xfrm>
+          <a:off x="0" y="0"/>
+          <a:ext cx="0" cy="0"/>
+          <a:chOff x="0" y="0"/>
+          <a:chExt cx="0" cy="0"/>
+        </a:xfrm>
+      </p:grpSpPr>
+      <p:sp>
+        <p:nvSpPr>
+          <p:cNvPr id="2" name="タイトル 1"/>
+          <p:cNvSpPr>
+            <a:spLocks noGrp="1"/>
+          </p:cNvSpPr>
+          <p:nvPr>
+            <p:ph type="title"/>
+          </p:nvPr>
+        </p:nvSpPr>
+        <p:spPr/>
+        <p:txBody>
+          <a:bodyPr/>
+          <a:lstStyle/>
+          <a:p>
+            <a:r>
+              <a:rPr kumimoji="1" lang="ja-JP" altLang="en-US" dirty="0" smtClean="0"/>
+              <a:t>研究目的２</a:t>
+            </a:r>
+            <a:endParaRPr kumimoji="1" lang="ja-JP" altLang="en-US" dirty="0"/>
+          </a:p>
+        </p:txBody>
+      </p:sp>
+      <p:sp>
+        <p:nvSpPr>
+          <p:cNvPr id="3" name="コンテンツ プレースホルダー 2"/>
+          <p:cNvSpPr>
+            <a:spLocks noGrp="1"/>
+          </p:cNvSpPr>
+          <p:nvPr>
+            <p:ph idx="1"/>
+          </p:nvPr>
+        </p:nvSpPr>
+        <p:spPr/>
+        <p:txBody>
+          <a:bodyPr/>
+          <a:lstStyle/>
+          <a:p>
+            <a:r>
+              <a:rPr kumimoji="1" lang="en-US" altLang="ja-JP" dirty="0" smtClean="0"/>
+              <a:t>2</a:t>
+            </a:r>
+            <a:r>
+              <a:rPr kumimoji="1" lang="ja-JP" altLang="en-US" dirty="0" smtClean="0"/>
+              <a:t>種類のウイルスが流行した場合、一方のウイルスの免疫を獲得することにより他方のウイルスに対する免疫を失うことが起こりうる。</a:t>
+            </a:r>
+            <a:endParaRPr lang="en-US" altLang="ja-JP" dirty="0"/>
+          </a:p>
+          <a:p>
+            <a:r>
+              <a:rPr kumimoji="1" lang="ja-JP" altLang="en-US" dirty="0" smtClean="0"/>
+              <a:t>その結果社会全体で発生する免疫獲得とウイルス感染との間のある種の振動現象を数値解析的に再現する。</a:t>
+            </a:r>
+            <a:endParaRPr kumimoji="1" lang="ja-JP" altLang="en-US" dirty="0"/>
+          </a:p>
+        </p:txBody>
+      </p:sp>
+    </p:spTree>
+    <p:extLst>
+      <p:ext uri="{BB962C8B-B14F-4D97-AF65-F5344CB8AC3E}">
+        <p14:creationId xmlns:p14="http://schemas.microsoft.com/office/powerpoint/2010/main" val="2535459551"/>
+      </p:ext>
+    </p:extLst>
+  </p:cSld>
+  <p:clrMapOvr>
+    <a:masterClrMapping/>
+  </p:clrMapOvr>
+  <p:timing>
+    <p:tnLst>
+      <p:par>
+        <p:cTn id="1" dur="indefinite" restart="never" nodeType="tmRoot"/>
+      </p:par>
+    </p:tnLst>
+  </p:timing>
+</p:sld>
+</file>
+
+<file path=ppt/slides/slide19.xml><?xml version="1.0" encoding="utf-8"?>
+<p:sld xmlns:a="http://schemas.openxmlformats.org/drawingml/2006/main" xmlns:r="http://schemas.openxmlformats.org/officeDocument/2006/relationships" xmlns:p="http://schemas.openxmlformats.org/presentationml/2006/main">
+  <p:cSld>
+    <p:spTree>
+      <p:nvGrpSpPr>
+        <p:cNvPr id="1" name=""/>
+        <p:cNvGrpSpPr/>
+        <p:nvPr/>
+      </p:nvGrpSpPr>
+      <p:grpSpPr>
+        <a:xfrm>
+          <a:off x="0" y="0"/>
+          <a:ext cx="0" cy="0"/>
+          <a:chOff x="0" y="0"/>
+          <a:chExt cx="0" cy="0"/>
+        </a:xfrm>
+      </p:grpSpPr>
+      <p:sp>
+        <p:nvSpPr>
+          <p:cNvPr id="2" name="タイトル 1"/>
+          <p:cNvSpPr>
+            <a:spLocks noGrp="1"/>
+          </p:cNvSpPr>
+          <p:nvPr>
+            <p:ph type="title"/>
+          </p:nvPr>
+        </p:nvSpPr>
+        <p:spPr/>
+        <p:txBody>
+          <a:bodyPr/>
+          <a:lstStyle/>
+          <a:p>
+            <a:r>
+              <a:rPr kumimoji="1" lang="ja-JP" altLang="en-US" dirty="0" smtClean="0"/>
+              <a:t>パラメータ集合の分類</a:t>
+            </a:r>
+            <a:endParaRPr kumimoji="1" lang="ja-JP" altLang="en-US" dirty="0"/>
+          </a:p>
+        </p:txBody>
+      </p:sp>
+      <p:sp>
+        <p:nvSpPr>
+          <p:cNvPr id="3" name="コンテンツ プレースホルダー 2"/>
+          <p:cNvSpPr>
+            <a:spLocks noGrp="1"/>
+          </p:cNvSpPr>
+          <p:nvPr>
+            <p:ph idx="1"/>
+          </p:nvPr>
+        </p:nvSpPr>
+        <p:spPr/>
+        <p:txBody>
+          <a:bodyPr/>
+          <a:lstStyle/>
+          <a:p>
+            <a:r>
+              <a:rPr kumimoji="1" lang="ja-JP" altLang="en-US" dirty="0" smtClean="0"/>
+              <a:t>８つ</a:t>
+            </a:r>
+            <a:endParaRPr kumimoji="1" lang="ja-JP" altLang="en-US" dirty="0"/>
+          </a:p>
+        </p:txBody>
+      </p:sp>
+    </p:spTree>
+    <p:extLst>
+      <p:ext uri="{BB962C8B-B14F-4D97-AF65-F5344CB8AC3E}">
+        <p14:creationId xmlns:p14="http://schemas.microsoft.com/office/powerpoint/2010/main" val="3741923519"/>
+      </p:ext>
+    </p:extLst>
+  </p:cSld>
+  <p:clrMapOvr>
+    <a:masterClrMapping/>
+  </p:clrMapOvr>
+  <p:timing>
+    <p:tnLst>
+      <p:par>
+        <p:cTn id="1" dur="indefinite" restart="never" nodeType="tmRoot"/>
+      </p:par>
+    </p:tnLst>
+  </p:timing>
+</p:sld>
+</file>
+
+<file path=ppt/slides/slide2.xml><?xml version="1.0" encoding="utf-8"?>
+<p:sld xmlns:a="http://schemas.openxmlformats.org/drawingml/2006/main" xmlns:r="http://schemas.openxmlformats.org/officeDocument/2006/relationships" xmlns:p="http://schemas.openxmlformats.org/presentationml/2006/main">
+  <p:cSld>
+    <p:spTree>
+      <p:nvGrpSpPr>
+        <p:cNvPr id="1" name=""/>
+        <p:cNvGrpSpPr/>
+        <p:nvPr/>
+      </p:nvGrpSpPr>
+      <p:grpSpPr>
+        <a:xfrm>
+          <a:off x="0" y="0"/>
+          <a:ext cx="0" cy="0"/>
+          <a:chOff x="0" y="0"/>
+          <a:chExt cx="0" cy="0"/>
+        </a:xfrm>
+      </p:grpSpPr>
+      <p:sp>
+        <p:nvSpPr>
+          <p:cNvPr id="2" name="タイトル 1"/>
+          <p:cNvSpPr>
+            <a:spLocks noGrp="1"/>
+          </p:cNvSpPr>
+          <p:nvPr>
+            <p:ph type="title"/>
+          </p:nvPr>
+        </p:nvSpPr>
+        <p:spPr/>
+        <p:txBody>
+          <a:bodyPr/>
+          <a:lstStyle/>
+          <a:p>
+            <a:r>
+              <a:rPr kumimoji="1" lang="ja-JP" altLang="en-US" dirty="0" smtClean="0"/>
+              <a:t>研究目的</a:t>
+            </a:r>
+            <a:endParaRPr kumimoji="1" lang="ja-JP" altLang="en-US" dirty="0"/>
+          </a:p>
+        </p:txBody>
+      </p:sp>
+      <p:sp>
+        <p:nvSpPr>
+          <p:cNvPr id="3" name="コンテンツ プレースホルダー 2"/>
+          <p:cNvSpPr>
+            <a:spLocks noGrp="1"/>
+          </p:cNvSpPr>
+          <p:nvPr>
+            <p:ph idx="1"/>
+          </p:nvPr>
+        </p:nvSpPr>
+        <p:spPr/>
+        <p:txBody>
+          <a:bodyPr/>
+          <a:lstStyle/>
+          <a:p>
+            <a:r>
+              <a:rPr kumimoji="1" lang="ja-JP" altLang="en-US" dirty="0" smtClean="0"/>
+              <a:t>抗原抗体反応</a:t>
+            </a:r>
+            <a:r>
+              <a:rPr kumimoji="1" lang="ja-JP" altLang="en-US" dirty="0" smtClean="0"/>
+              <a:t>を表現する電子</a:t>
+            </a:r>
+            <a:r>
+              <a:rPr kumimoji="1" lang="ja-JP" altLang="en-US" dirty="0" smtClean="0"/>
+              <a:t>タグ</a:t>
+            </a:r>
+            <a:r>
+              <a:rPr kumimoji="1" lang="ja-JP" altLang="en-US" dirty="0" smtClean="0"/>
+              <a:t>を持つエージェントによって構成される</a:t>
+            </a:r>
+            <a:r>
+              <a:rPr kumimoji="1" lang="en-US" altLang="ja-JP" dirty="0" smtClean="0"/>
+              <a:t>Agent Based Epidemic Model</a:t>
+            </a:r>
+            <a:r>
+              <a:rPr kumimoji="1" lang="ja-JP" altLang="en-US" dirty="0" smtClean="0"/>
+              <a:t>を構築する。</a:t>
+            </a:r>
+            <a:endParaRPr kumimoji="1" lang="en-US" altLang="ja-JP" dirty="0" smtClean="0"/>
+          </a:p>
+        </p:txBody>
+      </p:sp>
+    </p:spTree>
+    <p:extLst>
+      <p:ext uri="{BB962C8B-B14F-4D97-AF65-F5344CB8AC3E}">
+        <p14:creationId xmlns:p14="http://schemas.microsoft.com/office/powerpoint/2010/main" val="4191126535"/>
+      </p:ext>
+    </p:extLst>
+  </p:cSld>
+  <p:clrMapOvr>
+    <a:masterClrMapping/>
+  </p:clrMapOvr>
+</p:sld>
+</file>
+
+<file path=ppt/slides/slide20.xml><?xml version="1.0" encoding="utf-8"?>
+<p:sld xmlns:a="http://schemas.openxmlformats.org/drawingml/2006/main" xmlns:r="http://schemas.openxmlformats.org/officeDocument/2006/relationships" xmlns:p="http://schemas.openxmlformats.org/presentationml/2006/main">
+  <p:cSld>
+    <p:spTree>
+      <p:nvGrpSpPr>
+        <p:cNvPr id="1" name=""/>
+        <p:cNvGrpSpPr/>
+        <p:nvPr/>
+      </p:nvGrpSpPr>
+      <p:grpSpPr>
+        <a:xfrm>
+          <a:off x="0" y="0"/>
+          <a:ext cx="0" cy="0"/>
+          <a:chOff x="0" y="0"/>
+          <a:chExt cx="0" cy="0"/>
+        </a:xfrm>
+      </p:grpSpPr>
+      <p:sp>
+        <p:nvSpPr>
+          <p:cNvPr id="2" name="タイトル 1"/>
+          <p:cNvSpPr>
+            <a:spLocks noGrp="1"/>
+          </p:cNvSpPr>
+          <p:nvPr>
+            <p:ph type="title"/>
+          </p:nvPr>
+        </p:nvSpPr>
+        <p:spPr/>
+        <p:txBody>
+          <a:bodyPr/>
+          <a:lstStyle/>
+          <a:p>
+            <a:r>
+              <a:rPr kumimoji="1" lang="ja-JP" altLang="en-US" dirty="0" smtClean="0"/>
+              <a:t>（（（ＳＩＲモデルとの比較</a:t>
+            </a:r>
+            <a:endParaRPr kumimoji="1" lang="ja-JP" altLang="en-US" dirty="0"/>
+          </a:p>
+        </p:txBody>
+      </p:sp>
+      <p:sp>
+        <p:nvSpPr>
+          <p:cNvPr id="3" name="コンテンツ プレースホルダー 2"/>
+          <p:cNvSpPr>
+            <a:spLocks noGrp="1"/>
+          </p:cNvSpPr>
+          <p:nvPr>
+            <p:ph idx="1"/>
+          </p:nvPr>
+        </p:nvSpPr>
+        <p:spPr/>
+        <p:txBody>
+          <a:bodyPr/>
+          <a:lstStyle/>
+          <a:p>
+            <a:endParaRPr kumimoji="1" lang="ja-JP" altLang="en-US"/>
+          </a:p>
+        </p:txBody>
+      </p:sp>
+    </p:spTree>
+    <p:extLst>
+      <p:ext uri="{BB962C8B-B14F-4D97-AF65-F5344CB8AC3E}">
+        <p14:creationId xmlns:p14="http://schemas.microsoft.com/office/powerpoint/2010/main" val="3979639942"/>
+      </p:ext>
+    </p:extLst>
+  </p:cSld>
+  <p:clrMapOvr>
+    <a:masterClrMapping/>
+  </p:clrMapOvr>
+</p:sld>
+</file>
+
+<file path=ppt/slides/slide3.xml><?xml version="1.0" encoding="utf-8"?>
+<p:sld xmlns:a="http://schemas.openxmlformats.org/drawingml/2006/main" xmlns:r="http://schemas.openxmlformats.org/officeDocument/2006/relationships" xmlns:p="http://schemas.openxmlformats.org/presentationml/2006/main">
+  <p:cSld>
+    <p:spTree>
+      <p:nvGrpSpPr>
+        <p:cNvPr id="1" name=""/>
+        <p:cNvGrpSpPr/>
+        <p:nvPr/>
+      </p:nvGrpSpPr>
+      <p:grpSpPr>
+        <a:xfrm>
+          <a:off x="0" y="0"/>
+          <a:ext cx="0" cy="0"/>
+          <a:chOff x="0" y="0"/>
+          <a:chExt cx="0" cy="0"/>
+        </a:xfrm>
+      </p:grpSpPr>
+      <p:sp>
+        <p:nvSpPr>
+          <p:cNvPr id="2" name="タイトル 1"/>
+          <p:cNvSpPr>
+            <a:spLocks noGrp="1"/>
+          </p:cNvSpPr>
+          <p:nvPr>
+            <p:ph type="title"/>
+          </p:nvPr>
+        </p:nvSpPr>
+        <p:spPr/>
+        <p:txBody>
+          <a:bodyPr/>
+          <a:lstStyle/>
+          <a:p>
+            <a:r>
+              <a:rPr kumimoji="1" lang="ja-JP" altLang="en-US" dirty="0" smtClean="0"/>
+              <a:t>研究の意義</a:t>
+            </a:r>
+            <a:endParaRPr kumimoji="1" lang="ja-JP" altLang="en-US" dirty="0"/>
+          </a:p>
+        </p:txBody>
+      </p:sp>
+      <p:sp>
+        <p:nvSpPr>
+          <p:cNvPr id="3" name="コンテンツ プレースホルダー 2"/>
+          <p:cNvSpPr>
+            <a:spLocks noGrp="1"/>
+          </p:cNvSpPr>
+          <p:nvPr>
+            <p:ph idx="1"/>
+          </p:nvPr>
+        </p:nvSpPr>
+        <p:spPr/>
+        <p:txBody>
+          <a:bodyPr>
+            <a:normAutofit/>
+          </a:bodyPr>
+          <a:lstStyle/>
+          <a:p>
+            <a:r>
+              <a:rPr kumimoji="1" lang="ja-JP" altLang="en-US" dirty="0" smtClean="0"/>
+              <a:t>微分方程式疫学モデル</a:t>
+            </a:r>
+            <a:r>
+              <a:rPr kumimoji="1" lang="ja-JP" altLang="en-US" dirty="0" smtClean="0"/>
+              <a:t>で</a:t>
+            </a:r>
+            <a:r>
+              <a:rPr kumimoji="1" lang="ja-JP" altLang="en-US" dirty="0" smtClean="0"/>
+              <a:t>は</a:t>
+            </a:r>
+            <a:r>
+              <a:rPr lang="ja-JP" altLang="en-US" dirty="0" smtClean="0"/>
+              <a:t>生体内の</a:t>
+            </a:r>
+            <a:r>
+              <a:rPr kumimoji="1" lang="ja-JP" altLang="en-US" dirty="0" smtClean="0"/>
+              <a:t>免疫</a:t>
+            </a:r>
+            <a:r>
+              <a:rPr kumimoji="1" lang="ja-JP" altLang="en-US" dirty="0" smtClean="0"/>
+              <a:t>機構の</a:t>
+            </a:r>
+            <a:r>
+              <a:rPr kumimoji="1" lang="ja-JP" altLang="en-US" dirty="0" smtClean="0"/>
+              <a:t>詳細は表現されていない。</a:t>
+            </a:r>
+            <a:endParaRPr kumimoji="1" lang="en-US" altLang="ja-JP" dirty="0" smtClean="0"/>
+          </a:p>
+          <a:p>
+            <a:r>
+              <a:rPr kumimoji="1" lang="ja-JP" altLang="en-US" dirty="0" smtClean="0"/>
+              <a:t>電子</a:t>
+            </a:r>
+            <a:r>
+              <a:rPr kumimoji="1" lang="ja-JP" altLang="en-US" dirty="0" smtClean="0"/>
+              <a:t>タグに</a:t>
+            </a:r>
+            <a:r>
+              <a:rPr kumimoji="1" lang="ja-JP" altLang="en-US" dirty="0" smtClean="0"/>
+              <a:t>より、免疫</a:t>
+            </a:r>
+            <a:r>
+              <a:rPr kumimoji="1" lang="ja-JP" altLang="en-US" dirty="0" smtClean="0"/>
+              <a:t>機構をモデル化</a:t>
+            </a:r>
+            <a:r>
+              <a:rPr kumimoji="1" lang="ja-JP" altLang="en-US" dirty="0" smtClean="0"/>
+              <a:t>することができる。</a:t>
+            </a:r>
+            <a:endParaRPr kumimoji="1" lang="en-US" altLang="ja-JP" dirty="0" smtClean="0"/>
+          </a:p>
+          <a:p>
+            <a:r>
+              <a:rPr kumimoji="1" lang="ja-JP" altLang="en-US" dirty="0" smtClean="0"/>
+              <a:t>免疫の</a:t>
+            </a:r>
+            <a:r>
+              <a:rPr kumimoji="1" lang="ja-JP" altLang="en-US" dirty="0" smtClean="0"/>
+              <a:t>社会的な広がり</a:t>
+            </a:r>
+            <a:r>
+              <a:rPr kumimoji="1" lang="ja-JP" altLang="en-US" dirty="0" smtClean="0"/>
+              <a:t>を表現できる。</a:t>
+            </a:r>
+            <a:endParaRPr kumimoji="1" lang="en-US" altLang="ja-JP" dirty="0" smtClean="0"/>
+          </a:p>
+        </p:txBody>
+      </p:sp>
+    </p:spTree>
+    <p:extLst>
+      <p:ext uri="{BB962C8B-B14F-4D97-AF65-F5344CB8AC3E}">
+        <p14:creationId xmlns:p14="http://schemas.microsoft.com/office/powerpoint/2010/main" val="1965611721"/>
+      </p:ext>
+    </p:extLst>
+  </p:cSld>
+  <p:clrMapOvr>
+    <a:masterClrMapping/>
+  </p:clrMapOvr>
+</p:sld>
+</file>
+
+<file path=ppt/slides/slide4.xml><?xml version="1.0" encoding="utf-8"?>
+<p:sld xmlns:a="http://schemas.openxmlformats.org/drawingml/2006/main" xmlns:r="http://schemas.openxmlformats.org/officeDocument/2006/relationships" xmlns:p="http://schemas.openxmlformats.org/presentationml/2006/main">
+  <p:cSld>
+    <p:spTree>
+      <p:nvGrpSpPr>
+        <p:cNvPr id="1" name=""/>
+        <p:cNvGrpSpPr/>
+        <p:nvPr/>
+      </p:nvGrpSpPr>
+      <p:grpSpPr>
+        <a:xfrm>
+          <a:off x="0" y="0"/>
+          <a:ext cx="0" cy="0"/>
+          <a:chOff x="0" y="0"/>
+          <a:chExt cx="0" cy="0"/>
+        </a:xfrm>
+      </p:grpSpPr>
+      <p:sp>
+        <p:nvSpPr>
+          <p:cNvPr id="2" name="タイトル 1"/>
+          <p:cNvSpPr>
+            <a:spLocks noGrp="1"/>
+          </p:cNvSpPr>
+          <p:nvPr>
+            <p:ph type="title"/>
+          </p:nvPr>
+        </p:nvSpPr>
+        <p:spPr/>
+        <p:txBody>
+          <a:bodyPr/>
+          <a:lstStyle/>
+          <a:p>
+            <a:endParaRPr kumimoji="1" lang="ja-JP" altLang="en-US" dirty="0"/>
+          </a:p>
+        </p:txBody>
+      </p:sp>
+      <p:sp>
+        <p:nvSpPr>
+          <p:cNvPr id="3" name="コンテンツ プレースホルダー 2"/>
+          <p:cNvSpPr>
+            <a:spLocks noGrp="1"/>
+          </p:cNvSpPr>
+          <p:nvPr>
+            <p:ph idx="1"/>
+          </p:nvPr>
+        </p:nvSpPr>
+        <p:spPr/>
+        <p:txBody>
+          <a:bodyPr/>
+          <a:lstStyle/>
+          <a:p>
+            <a:endParaRPr kumimoji="1" lang="ja-JP" altLang="en-US"/>
+          </a:p>
+        </p:txBody>
+      </p:sp>
+    </p:spTree>
+    <p:extLst>
+      <p:ext uri="{BB962C8B-B14F-4D97-AF65-F5344CB8AC3E}">
+        <p14:creationId xmlns:p14="http://schemas.microsoft.com/office/powerpoint/2010/main" val="885643225"/>
+      </p:ext>
+    </p:extLst>
+  </p:cSld>
+  <p:clrMapOvr>
+    <a:masterClrMapping/>
+  </p:clrMapOvr>
+</p:sld>
+</file>
+
+<file path=ppt/slides/slide5.xml><?xml version="1.0" encoding="utf-8"?>
+<p:sld xmlns:a="http://schemas.openxmlformats.org/drawingml/2006/main" xmlns:r="http://schemas.openxmlformats.org/officeDocument/2006/relationships" xmlns:p="http://schemas.openxmlformats.org/presentationml/2006/main">
+  <p:cSld>
+    <p:spTree>
+      <p:nvGrpSpPr>
+        <p:cNvPr id="1" name=""/>
+        <p:cNvGrpSpPr/>
+        <p:nvPr/>
+      </p:nvGrpSpPr>
+      <p:grpSpPr>
+        <a:xfrm>
+          <a:off x="0" y="0"/>
+          <a:ext cx="0" cy="0"/>
+          <a:chOff x="0" y="0"/>
+          <a:chExt cx="0" cy="0"/>
+        </a:xfrm>
+      </p:grpSpPr>
+      <p:sp>
+        <p:nvSpPr>
+          <p:cNvPr id="2" name="タイトル 1"/>
+          <p:cNvSpPr>
+            <a:spLocks noGrp="1"/>
+          </p:cNvSpPr>
+          <p:nvPr>
+            <p:ph type="title"/>
+          </p:nvPr>
+        </p:nvSpPr>
+        <p:spPr/>
+        <p:txBody>
+          <a:bodyPr/>
+          <a:lstStyle/>
+          <a:p>
+            <a:r>
+              <a:rPr kumimoji="1" lang="ja-JP" altLang="en-US" dirty="0" smtClean="0"/>
+              <a:t>先行研究紹介</a:t>
+            </a:r>
+            <a:endParaRPr kumimoji="1" lang="ja-JP" altLang="en-US" dirty="0"/>
+          </a:p>
+        </p:txBody>
+      </p:sp>
+      <p:sp>
+        <p:nvSpPr>
+          <p:cNvPr id="3" name="コンテンツ プレースホルダー 2"/>
+          <p:cNvSpPr>
+            <a:spLocks noGrp="1"/>
+          </p:cNvSpPr>
+          <p:nvPr>
+            <p:ph idx="1"/>
+          </p:nvPr>
+        </p:nvSpPr>
+        <p:spPr/>
+        <p:txBody>
+          <a:bodyPr/>
+          <a:lstStyle/>
+          <a:p>
+            <a:endParaRPr kumimoji="1" lang="ja-JP" altLang="en-US"/>
+          </a:p>
+        </p:txBody>
+      </p:sp>
+    </p:spTree>
+    <p:extLst>
+      <p:ext uri="{BB962C8B-B14F-4D97-AF65-F5344CB8AC3E}">
+        <p14:creationId xmlns:p14="http://schemas.microsoft.com/office/powerpoint/2010/main" val="492649640"/>
+      </p:ext>
+    </p:extLst>
+  </p:cSld>
+  <p:clrMapOvr>
+    <a:masterClrMapping/>
+  </p:clrMapOvr>
+  <p:timing>
+    <p:tnLst>
+      <p:par>
+        <p:cTn id="1" dur="indefinite" restart="never" nodeType="tmRoot"/>
+      </p:par>
+    </p:tnLst>
+  </p:timing>
+</p:sld>
+</file>
+
+<file path=ppt/slides/slide6.xml><?xml version="1.0" encoding="utf-8"?>
+<p:sld xmlns:a="http://schemas.openxmlformats.org/drawingml/2006/main" xmlns:r="http://schemas.openxmlformats.org/officeDocument/2006/relationships" xmlns:p="http://schemas.openxmlformats.org/presentationml/2006/main">
+  <p:cSld>
+    <p:spTree>
+      <p:nvGrpSpPr>
+        <p:cNvPr id="1" name=""/>
+        <p:cNvGrpSpPr/>
+        <p:nvPr/>
+      </p:nvGrpSpPr>
+      <p:grpSpPr>
+        <a:xfrm>
+          <a:off x="0" y="0"/>
+          <a:ext cx="0" cy="0"/>
+          <a:chOff x="0" y="0"/>
+          <a:chExt cx="0" cy="0"/>
+        </a:xfrm>
+      </p:grpSpPr>
+      <p:sp>
+        <p:nvSpPr>
+          <p:cNvPr id="2" name="タイトル 1"/>
+          <p:cNvSpPr>
+            <a:spLocks noGrp="1"/>
+          </p:cNvSpPr>
+          <p:nvPr>
+            <p:ph type="title"/>
+          </p:nvPr>
+        </p:nvSpPr>
+        <p:spPr/>
+        <p:txBody>
+          <a:bodyPr/>
+          <a:lstStyle/>
+          <a:p>
+            <a:r>
+              <a:rPr kumimoji="1" lang="ja-JP" altLang="en-US" dirty="0" smtClean="0"/>
+              <a:t>（（（数理伝染病学とは何か</a:t>
+            </a:r>
+            <a:endParaRPr kumimoji="1" lang="ja-JP" altLang="en-US" dirty="0"/>
+          </a:p>
+        </p:txBody>
+      </p:sp>
+      <p:sp>
+        <p:nvSpPr>
+          <p:cNvPr id="3" name="コンテンツ プレースホルダー 2"/>
+          <p:cNvSpPr>
+            <a:spLocks noGrp="1"/>
+          </p:cNvSpPr>
+          <p:nvPr>
+            <p:ph idx="1"/>
+          </p:nvPr>
+        </p:nvSpPr>
+        <p:spPr/>
+        <p:txBody>
+          <a:bodyPr/>
+          <a:lstStyle/>
+          <a:p>
+            <a:endParaRPr kumimoji="1" lang="ja-JP" altLang="en-US"/>
+          </a:p>
+        </p:txBody>
+      </p:sp>
+    </p:spTree>
+    <p:extLst>
+      <p:ext uri="{BB962C8B-B14F-4D97-AF65-F5344CB8AC3E}">
+        <p14:creationId xmlns:p14="http://schemas.microsoft.com/office/powerpoint/2010/main" val="2288893661"/>
+      </p:ext>
+    </p:extLst>
+  </p:cSld>
+  <p:clrMapOvr>
+    <a:masterClrMapping/>
+  </p:clrMapOvr>
+</p:sld>
+</file>
+
+<file path=ppt/slides/slide7.xml><?xml version="1.0" encoding="utf-8"?>
+<p:sld xmlns:a="http://schemas.openxmlformats.org/drawingml/2006/main" xmlns:r="http://schemas.openxmlformats.org/officeDocument/2006/relationships" xmlns:p="http://schemas.openxmlformats.org/presentationml/2006/main">
+  <p:cSld>
+    <p:spTree>
+      <p:nvGrpSpPr>
+        <p:cNvPr id="1" name=""/>
+        <p:cNvGrpSpPr/>
+        <p:nvPr/>
+      </p:nvGrpSpPr>
+      <p:grpSpPr>
+        <a:xfrm>
+          <a:off x="0" y="0"/>
+          <a:ext cx="0" cy="0"/>
+          <a:chOff x="0" y="0"/>
+          <a:chExt cx="0" cy="0"/>
+        </a:xfrm>
+      </p:grpSpPr>
+      <p:sp>
+        <p:nvSpPr>
+          <p:cNvPr id="2" name="タイトル 1"/>
+          <p:cNvSpPr>
+            <a:spLocks noGrp="1"/>
+          </p:cNvSpPr>
+          <p:nvPr>
+            <p:ph type="title"/>
+          </p:nvPr>
+        </p:nvSpPr>
+        <p:spPr/>
+        <p:txBody>
+          <a:bodyPr/>
+          <a:lstStyle/>
+          <a:p>
+            <a:r>
+              <a:rPr kumimoji="1" lang="en-US" altLang="ja-JP" dirty="0" smtClean="0"/>
+              <a:t>Agent Based Epidemic Model</a:t>
+            </a:r>
+            <a:endParaRPr kumimoji="1" lang="ja-JP" altLang="en-US" dirty="0"/>
+          </a:p>
+        </p:txBody>
+      </p:sp>
+      <p:sp>
+        <p:nvSpPr>
+          <p:cNvPr id="3" name="コンテンツ プレースホルダー 2"/>
+          <p:cNvSpPr>
+            <a:spLocks noGrp="1"/>
+          </p:cNvSpPr>
+          <p:nvPr>
+            <p:ph idx="1"/>
+          </p:nvPr>
+        </p:nvSpPr>
+        <p:spPr/>
+        <p:txBody>
+          <a:bodyPr/>
+          <a:lstStyle/>
+          <a:p>
+            <a:endParaRPr kumimoji="1" lang="ja-JP" altLang="en-US"/>
+          </a:p>
+        </p:txBody>
+      </p:sp>
+    </p:spTree>
+    <p:extLst>
+      <p:ext uri="{BB962C8B-B14F-4D97-AF65-F5344CB8AC3E}">
+        <p14:creationId xmlns:p14="http://schemas.microsoft.com/office/powerpoint/2010/main" val="1153891437"/>
+      </p:ext>
+    </p:extLst>
+  </p:cSld>
+  <p:clrMapOvr>
+    <a:masterClrMapping/>
+  </p:clrMapOvr>
+  <p:timing>
+    <p:tnLst>
+      <p:par>
+        <p:cTn id="1" dur="indefinite" restart="never" nodeType="tmRoot"/>
+      </p:par>
+    </p:tnLst>
+  </p:timing>
+</p:sld>
+</file>
+
+<file path=ppt/slides/slide8.xml><?xml version="1.0" encoding="utf-8"?>
 <p:sld xmlns:a="http://schemas.openxmlformats.org/drawingml/2006/main" xmlns:r="http://schemas.openxmlformats.org/officeDocument/2006/relationships" xmlns:p="http://schemas.openxmlformats.org/presentationml/2006/main">
   <p:cSld>
     <p:spTree>
@@ -6508,7 +7680,7 @@
 </p:sld>
 </file>
 
-<file path=ppt/slides/slide11.xml><?xml version="1.0" encoding="utf-8"?>
+<file path=ppt/slides/slide9.xml><?xml version="1.0" encoding="utf-8"?>
 <p:sld xmlns:a="http://schemas.openxmlformats.org/drawingml/2006/main" xmlns:r="http://schemas.openxmlformats.org/officeDocument/2006/relationships" xmlns:p="http://schemas.openxmlformats.org/presentationml/2006/main">
   <p:cSld>
     <p:spTree>
@@ -6595,1702 +7767,6 @@
     <p:extLst>
       <p:ext uri="{BB962C8B-B14F-4D97-AF65-F5344CB8AC3E}">
         <p14:creationId xmlns:p14="http://schemas.microsoft.com/office/powerpoint/2010/main" val="3599667620"/>
-      </p:ext>
-    </p:extLst>
-  </p:cSld>
-  <p:clrMapOvr>
-    <a:masterClrMapping/>
-  </p:clrMapOvr>
-  <p:timing>
-    <p:tnLst>
-      <p:par>
-        <p:cTn id="1" dur="indefinite" restart="never" nodeType="tmRoot"/>
-      </p:par>
-    </p:tnLst>
-  </p:timing>
-</p:sld>
-</file>
-
-<file path=ppt/slides/slide12.xml><?xml version="1.0" encoding="utf-8"?>
-<p:sld xmlns:a="http://schemas.openxmlformats.org/drawingml/2006/main" xmlns:r="http://schemas.openxmlformats.org/officeDocument/2006/relationships" xmlns:p="http://schemas.openxmlformats.org/presentationml/2006/main">
-  <p:cSld>
-    <p:spTree>
-      <p:nvGrpSpPr>
-        <p:cNvPr id="1" name=""/>
-        <p:cNvGrpSpPr/>
-        <p:nvPr/>
-      </p:nvGrpSpPr>
-      <p:grpSpPr>
-        <a:xfrm>
-          <a:off x="0" y="0"/>
-          <a:ext cx="0" cy="0"/>
-          <a:chOff x="0" y="0"/>
-          <a:chExt cx="0" cy="0"/>
-        </a:xfrm>
-      </p:grpSpPr>
-      <p:pic>
-        <p:nvPicPr>
-          <p:cNvPr id="1030" name="Picture 6" descr="C:\Users\Naoki\workspace\AgentBasedEpidemicModel\PPT\tag_3.png"/>
-          <p:cNvPicPr>
-            <a:picLocks noChangeAspect="1" noChangeArrowheads="1"/>
-          </p:cNvPicPr>
-          <p:nvPr/>
-        </p:nvPicPr>
-        <p:blipFill>
-          <a:blip r:embed="rId3">
-            <a:extLst>
-              <a:ext uri="{28A0092B-C50C-407E-A947-70E740481C1C}">
-                <a14:useLocalDpi xmlns:a14="http://schemas.microsoft.com/office/drawing/2010/main" val="0"/>
-              </a:ext>
-            </a:extLst>
-          </a:blip>
-          <a:srcRect/>
-          <a:stretch>
-            <a:fillRect/>
-          </a:stretch>
-        </p:blipFill>
-        <p:spPr bwMode="auto">
-          <a:xfrm>
-            <a:off x="755576" y="548680"/>
-            <a:ext cx="7687447" cy="6153072"/>
-          </a:xfrm>
-          <a:prstGeom prst="rect">
-            <a:avLst/>
-          </a:prstGeom>
-          <a:noFill/>
-          <a:extLst>
-            <a:ext uri="{909E8E84-426E-40DD-AFC4-6F175D3DCCD1}">
-              <a14:hiddenFill xmlns:a14="http://schemas.microsoft.com/office/drawing/2010/main">
-                <a:solidFill>
-                  <a:srgbClr val="FFFFFF"/>
-                </a:solidFill>
-              </a14:hiddenFill>
-            </a:ext>
-          </a:extLst>
-        </p:spPr>
-      </p:pic>
-    </p:spTree>
-    <p:extLst>
-      <p:ext uri="{BB962C8B-B14F-4D97-AF65-F5344CB8AC3E}">
-        <p14:creationId xmlns:p14="http://schemas.microsoft.com/office/powerpoint/2010/main" val="4159369643"/>
-      </p:ext>
-    </p:extLst>
-  </p:cSld>
-  <p:clrMapOvr>
-    <a:masterClrMapping/>
-  </p:clrMapOvr>
-  <p:timing>
-    <p:tnLst>
-      <p:par>
-        <p:cTn id="1" dur="indefinite" restart="never" nodeType="tmRoot"/>
-      </p:par>
-    </p:tnLst>
-  </p:timing>
-</p:sld>
-</file>
-
-<file path=ppt/slides/slide13.xml><?xml version="1.0" encoding="utf-8"?>
-<p:sld xmlns:a="http://schemas.openxmlformats.org/drawingml/2006/main" xmlns:r="http://schemas.openxmlformats.org/officeDocument/2006/relationships" xmlns:p="http://schemas.openxmlformats.org/presentationml/2006/main">
-  <p:cSld>
-    <p:spTree>
-      <p:nvGrpSpPr>
-        <p:cNvPr id="1" name=""/>
-        <p:cNvGrpSpPr/>
-        <p:nvPr/>
-      </p:nvGrpSpPr>
-      <p:grpSpPr>
-        <a:xfrm>
-          <a:off x="0" y="0"/>
-          <a:ext cx="0" cy="0"/>
-          <a:chOff x="0" y="0"/>
-          <a:chExt cx="0" cy="0"/>
-        </a:xfrm>
-      </p:grpSpPr>
-      <p:sp>
-        <p:nvSpPr>
-          <p:cNvPr id="2" name="タイトル 1"/>
-          <p:cNvSpPr>
-            <a:spLocks noGrp="1"/>
-          </p:cNvSpPr>
-          <p:nvPr>
-            <p:ph type="title"/>
-          </p:nvPr>
-        </p:nvSpPr>
-        <p:spPr/>
-        <p:txBody>
-          <a:bodyPr/>
-          <a:lstStyle/>
-          <a:p>
-            <a:r>
-              <a:rPr kumimoji="1" lang="ja-JP" altLang="en-US" dirty="0" smtClean="0"/>
-              <a:t>抗原抗体反応とは</a:t>
-            </a:r>
-            <a:endParaRPr kumimoji="1" lang="ja-JP" altLang="en-US" dirty="0"/>
-          </a:p>
-        </p:txBody>
-      </p:sp>
-      <p:sp>
-        <p:nvSpPr>
-          <p:cNvPr id="3" name="コンテンツ プレースホルダー 2"/>
-          <p:cNvSpPr>
-            <a:spLocks noGrp="1"/>
-          </p:cNvSpPr>
-          <p:nvPr>
-            <p:ph idx="1"/>
-          </p:nvPr>
-        </p:nvSpPr>
-        <p:spPr/>
-        <p:txBody>
-          <a:bodyPr/>
-          <a:lstStyle/>
-          <a:p>
-            <a:endParaRPr kumimoji="1" lang="ja-JP" altLang="en-US"/>
-          </a:p>
-        </p:txBody>
-      </p:sp>
-    </p:spTree>
-    <p:extLst>
-      <p:ext uri="{BB962C8B-B14F-4D97-AF65-F5344CB8AC3E}">
-        <p14:creationId xmlns:p14="http://schemas.microsoft.com/office/powerpoint/2010/main" val="3859860042"/>
-      </p:ext>
-    </p:extLst>
-  </p:cSld>
-  <p:clrMapOvr>
-    <a:masterClrMapping/>
-  </p:clrMapOvr>
-</p:sld>
-</file>
-
-<file path=ppt/slides/slide14.xml><?xml version="1.0" encoding="utf-8"?>
-<p:sld xmlns:a="http://schemas.openxmlformats.org/drawingml/2006/main" xmlns:r="http://schemas.openxmlformats.org/officeDocument/2006/relationships" xmlns:p="http://schemas.openxmlformats.org/presentationml/2006/main">
-  <p:cSld>
-    <p:spTree>
-      <p:nvGrpSpPr>
-        <p:cNvPr id="1" name=""/>
-        <p:cNvGrpSpPr/>
-        <p:nvPr/>
-      </p:nvGrpSpPr>
-      <p:grpSpPr>
-        <a:xfrm>
-          <a:off x="0" y="0"/>
-          <a:ext cx="0" cy="0"/>
-          <a:chOff x="0" y="0"/>
-          <a:chExt cx="0" cy="0"/>
-        </a:xfrm>
-      </p:grpSpPr>
-      <p:sp>
-        <p:nvSpPr>
-          <p:cNvPr id="2" name="タイトル 1"/>
-          <p:cNvSpPr>
-            <a:spLocks noGrp="1"/>
-          </p:cNvSpPr>
-          <p:nvPr>
-            <p:ph type="title"/>
-          </p:nvPr>
-        </p:nvSpPr>
-        <p:spPr/>
-        <p:txBody>
-          <a:bodyPr/>
-          <a:lstStyle/>
-          <a:p>
-            <a:r>
-              <a:rPr kumimoji="1" lang="ja-JP" altLang="en-US" dirty="0" smtClean="0"/>
-              <a:t>（（（ＳＩＲモデルとの比較</a:t>
-            </a:r>
-            <a:endParaRPr kumimoji="1" lang="ja-JP" altLang="en-US" dirty="0"/>
-          </a:p>
-        </p:txBody>
-      </p:sp>
-      <p:pic>
-        <p:nvPicPr>
-          <p:cNvPr id="1026" name="Picture 2" descr="C:\Users\Naoki\workspace\ImmuneSystem\PPT\SIR.png"/>
-          <p:cNvPicPr>
-            <a:picLocks noChangeAspect="1" noChangeArrowheads="1"/>
-          </p:cNvPicPr>
-          <p:nvPr/>
-        </p:nvPicPr>
-        <p:blipFill>
-          <a:blip r:embed="rId3">
-            <a:extLst>
-              <a:ext uri="{28A0092B-C50C-407E-A947-70E740481C1C}">
-                <a14:useLocalDpi xmlns:a14="http://schemas.microsoft.com/office/drawing/2010/main" val="0"/>
-              </a:ext>
-            </a:extLst>
-          </a:blip>
-          <a:srcRect/>
-          <a:stretch>
-            <a:fillRect/>
-          </a:stretch>
-        </p:blipFill>
-        <p:spPr bwMode="auto">
-          <a:xfrm>
-            <a:off x="2123728" y="1484784"/>
-            <a:ext cx="4762500" cy="4762500"/>
-          </a:xfrm>
-          <a:prstGeom prst="rect">
-            <a:avLst/>
-          </a:prstGeom>
-          <a:noFill/>
-          <a:extLst>
-            <a:ext uri="{909E8E84-426E-40DD-AFC4-6F175D3DCCD1}">
-              <a14:hiddenFill xmlns:a14="http://schemas.microsoft.com/office/drawing/2010/main">
-                <a:solidFill>
-                  <a:srgbClr val="FFFFFF"/>
-                </a:solidFill>
-              </a14:hiddenFill>
-            </a:ext>
-          </a:extLst>
-        </p:spPr>
-      </p:pic>
-    </p:spTree>
-    <p:extLst>
-      <p:ext uri="{BB962C8B-B14F-4D97-AF65-F5344CB8AC3E}">
-        <p14:creationId xmlns:p14="http://schemas.microsoft.com/office/powerpoint/2010/main" val="4010009998"/>
-      </p:ext>
-    </p:extLst>
-  </p:cSld>
-  <p:clrMapOvr>
-    <a:masterClrMapping/>
-  </p:clrMapOvr>
-</p:sld>
-</file>
-
-<file path=ppt/slides/slide15.xml><?xml version="1.0" encoding="utf-8"?>
-<p:sld xmlns:a="http://schemas.openxmlformats.org/drawingml/2006/main" xmlns:r="http://schemas.openxmlformats.org/officeDocument/2006/relationships" xmlns:p="http://schemas.openxmlformats.org/presentationml/2006/main">
-  <p:cSld>
-    <p:spTree>
-      <p:nvGrpSpPr>
-        <p:cNvPr id="1" name=""/>
-        <p:cNvGrpSpPr/>
-        <p:nvPr/>
-      </p:nvGrpSpPr>
-      <p:grpSpPr>
-        <a:xfrm>
-          <a:off x="0" y="0"/>
-          <a:ext cx="0" cy="0"/>
-          <a:chOff x="0" y="0"/>
-          <a:chExt cx="0" cy="0"/>
-        </a:xfrm>
-      </p:grpSpPr>
-      <p:sp>
-        <p:nvSpPr>
-          <p:cNvPr id="2" name="タイトル 1"/>
-          <p:cNvSpPr>
-            <a:spLocks noGrp="1"/>
-          </p:cNvSpPr>
-          <p:nvPr>
-            <p:ph type="title"/>
-          </p:nvPr>
-        </p:nvSpPr>
-        <p:spPr/>
-        <p:txBody>
-          <a:bodyPr/>
-          <a:lstStyle/>
-          <a:p>
-            <a:r>
-              <a:rPr kumimoji="1" lang="ja-JP" altLang="en-US" dirty="0" smtClean="0"/>
-              <a:t>数値計算結果</a:t>
-            </a:r>
-            <a:endParaRPr kumimoji="1" lang="ja-JP" altLang="en-US" dirty="0"/>
-          </a:p>
-        </p:txBody>
-      </p:sp>
-      <p:pic>
-        <p:nvPicPr>
-          <p:cNvPr id="1034" name="Picture 10" descr="F:\img\HasImmunity.png"/>
-          <p:cNvPicPr>
-            <a:picLocks noChangeAspect="1" noChangeArrowheads="1"/>
-          </p:cNvPicPr>
-          <p:nvPr/>
-        </p:nvPicPr>
-        <p:blipFill>
-          <a:blip r:embed="rId3">
-            <a:extLst>
-              <a:ext uri="{28A0092B-C50C-407E-A947-70E740481C1C}">
-                <a14:useLocalDpi xmlns:a14="http://schemas.microsoft.com/office/drawing/2010/main" val="0"/>
-              </a:ext>
-            </a:extLst>
-          </a:blip>
-          <a:srcRect/>
-          <a:stretch>
-            <a:fillRect/>
-          </a:stretch>
-        </p:blipFill>
-        <p:spPr bwMode="auto">
-          <a:xfrm>
-            <a:off x="539552" y="1412776"/>
-            <a:ext cx="7618412" cy="1905000"/>
-          </a:xfrm>
-          <a:prstGeom prst="rect">
-            <a:avLst/>
-          </a:prstGeom>
-          <a:noFill/>
-          <a:extLst>
-            <a:ext uri="{909E8E84-426E-40DD-AFC4-6F175D3DCCD1}">
-              <a14:hiddenFill xmlns:a14="http://schemas.microsoft.com/office/drawing/2010/main">
-                <a:solidFill>
-                  <a:srgbClr val="FFFFFF"/>
-                </a:solidFill>
-              </a14:hiddenFill>
-            </a:ext>
-          </a:extLst>
-        </p:spPr>
-      </p:pic>
-    </p:spTree>
-    <p:extLst>
-      <p:ext uri="{BB962C8B-B14F-4D97-AF65-F5344CB8AC3E}">
-        <p14:creationId xmlns:p14="http://schemas.microsoft.com/office/powerpoint/2010/main" val="3483215692"/>
-      </p:ext>
-    </p:extLst>
-  </p:cSld>
-  <p:clrMapOvr>
-    <a:masterClrMapping/>
-  </p:clrMapOvr>
-  <p:timing>
-    <p:tnLst>
-      <p:par>
-        <p:cTn id="1" dur="indefinite" restart="never" nodeType="tmRoot"/>
-      </p:par>
-    </p:tnLst>
-  </p:timing>
-</p:sld>
-</file>
-
-<file path=ppt/slides/slide16.xml><?xml version="1.0" encoding="utf-8"?>
-<p:sld xmlns:a="http://schemas.openxmlformats.org/drawingml/2006/main" xmlns:r="http://schemas.openxmlformats.org/officeDocument/2006/relationships" xmlns:p="http://schemas.openxmlformats.org/presentationml/2006/main">
-  <p:cSld>
-    <p:spTree>
-      <p:nvGrpSpPr>
-        <p:cNvPr id="1" name=""/>
-        <p:cNvGrpSpPr/>
-        <p:nvPr/>
-      </p:nvGrpSpPr>
-      <p:grpSpPr>
-        <a:xfrm>
-          <a:off x="0" y="0"/>
-          <a:ext cx="0" cy="0"/>
-          <a:chOff x="0" y="0"/>
-          <a:chExt cx="0" cy="0"/>
-        </a:xfrm>
-      </p:grpSpPr>
-      <p:sp>
-        <p:nvSpPr>
-          <p:cNvPr id="2" name="タイトル 1"/>
-          <p:cNvSpPr>
-            <a:spLocks noGrp="1"/>
-          </p:cNvSpPr>
-          <p:nvPr>
-            <p:ph type="title"/>
-          </p:nvPr>
-        </p:nvSpPr>
-        <p:spPr/>
-        <p:txBody>
-          <a:bodyPr/>
-          <a:lstStyle/>
-          <a:p>
-            <a:r>
-              <a:rPr kumimoji="1" lang="ja-JP" altLang="en-US" dirty="0" smtClean="0"/>
-              <a:t>数値計算結果の分析</a:t>
-            </a:r>
-            <a:endParaRPr kumimoji="1" lang="ja-JP" altLang="en-US" dirty="0"/>
-          </a:p>
-        </p:txBody>
-      </p:sp>
-      <p:sp>
-        <p:nvSpPr>
-          <p:cNvPr id="3" name="コンテンツ プレースホルダー 2"/>
-          <p:cNvSpPr>
-            <a:spLocks noGrp="1"/>
-          </p:cNvSpPr>
-          <p:nvPr>
-            <p:ph idx="1"/>
-          </p:nvPr>
-        </p:nvSpPr>
-        <p:spPr/>
-        <p:txBody>
-          <a:bodyPr/>
-          <a:lstStyle/>
-          <a:p>
-            <a:r>
-              <a:rPr kumimoji="1" lang="ja-JP" altLang="en-US" dirty="0" smtClean="0"/>
-              <a:t>多くて３、４つ</a:t>
-            </a:r>
-            <a:endParaRPr kumimoji="1" lang="ja-JP" altLang="en-US" dirty="0"/>
-          </a:p>
-        </p:txBody>
-      </p:sp>
-    </p:spTree>
-    <p:extLst>
-      <p:ext uri="{BB962C8B-B14F-4D97-AF65-F5344CB8AC3E}">
-        <p14:creationId xmlns:p14="http://schemas.microsoft.com/office/powerpoint/2010/main" val="3736256567"/>
-      </p:ext>
-    </p:extLst>
-  </p:cSld>
-  <p:clrMapOvr>
-    <a:masterClrMapping/>
-  </p:clrMapOvr>
-  <p:timing>
-    <p:tnLst>
-      <p:par>
-        <p:cTn id="1" dur="indefinite" restart="never" nodeType="tmRoot"/>
-      </p:par>
-    </p:tnLst>
-  </p:timing>
-</p:sld>
-</file>
-
-<file path=ppt/slides/slide17.xml><?xml version="1.0" encoding="utf-8"?>
-<p:sld xmlns:a="http://schemas.openxmlformats.org/drawingml/2006/main" xmlns:r="http://schemas.openxmlformats.org/officeDocument/2006/relationships" xmlns:p="http://schemas.openxmlformats.org/presentationml/2006/main">
-  <p:cSld>
-    <p:spTree>
-      <p:nvGrpSpPr>
-        <p:cNvPr id="1" name=""/>
-        <p:cNvGrpSpPr/>
-        <p:nvPr/>
-      </p:nvGrpSpPr>
-      <p:grpSpPr>
-        <a:xfrm>
-          <a:off x="0" y="0"/>
-          <a:ext cx="0" cy="0"/>
-          <a:chOff x="0" y="0"/>
-          <a:chExt cx="0" cy="0"/>
-        </a:xfrm>
-      </p:grpSpPr>
-      <p:sp>
-        <p:nvSpPr>
-          <p:cNvPr id="2" name="タイトル 1"/>
-          <p:cNvSpPr>
-            <a:spLocks noGrp="1"/>
-          </p:cNvSpPr>
-          <p:nvPr>
-            <p:ph type="title"/>
-          </p:nvPr>
-        </p:nvSpPr>
-        <p:spPr/>
-        <p:txBody>
-          <a:bodyPr/>
-          <a:lstStyle/>
-          <a:p>
-            <a:r>
-              <a:rPr kumimoji="1" lang="ja-JP" altLang="en-US" dirty="0" smtClean="0"/>
-              <a:t>結論</a:t>
-            </a:r>
-            <a:endParaRPr kumimoji="1" lang="ja-JP" altLang="en-US" dirty="0"/>
-          </a:p>
-        </p:txBody>
-      </p:sp>
-      <p:sp>
-        <p:nvSpPr>
-          <p:cNvPr id="3" name="コンテンツ プレースホルダー 2"/>
-          <p:cNvSpPr>
-            <a:spLocks noGrp="1"/>
-          </p:cNvSpPr>
-          <p:nvPr>
-            <p:ph idx="1"/>
-          </p:nvPr>
-        </p:nvSpPr>
-        <p:spPr/>
-        <p:txBody>
-          <a:bodyPr/>
-          <a:lstStyle/>
-          <a:p>
-            <a:r>
-              <a:rPr kumimoji="1" lang="ja-JP" altLang="en-US" dirty="0" smtClean="0"/>
-              <a:t>２、３行</a:t>
-            </a:r>
-            <a:endParaRPr kumimoji="1" lang="ja-JP" altLang="en-US" dirty="0"/>
-          </a:p>
-        </p:txBody>
-      </p:sp>
-    </p:spTree>
-    <p:extLst>
-      <p:ext uri="{BB962C8B-B14F-4D97-AF65-F5344CB8AC3E}">
-        <p14:creationId xmlns:p14="http://schemas.microsoft.com/office/powerpoint/2010/main" val="3466877443"/>
-      </p:ext>
-    </p:extLst>
-  </p:cSld>
-  <p:clrMapOvr>
-    <a:masterClrMapping/>
-  </p:clrMapOvr>
-  <p:timing>
-    <p:tnLst>
-      <p:par>
-        <p:cTn id="1" dur="indefinite" restart="never" nodeType="tmRoot"/>
-      </p:par>
-    </p:tnLst>
-  </p:timing>
-</p:sld>
-</file>
-
-<file path=ppt/slides/slide18.xml><?xml version="1.0" encoding="utf-8"?>
-<p:sld xmlns:a="http://schemas.openxmlformats.org/drawingml/2006/main" xmlns:r="http://schemas.openxmlformats.org/officeDocument/2006/relationships" xmlns:p="http://schemas.openxmlformats.org/presentationml/2006/main">
-  <p:cSld>
-    <p:spTree>
-      <p:nvGrpSpPr>
-        <p:cNvPr id="1" name=""/>
-        <p:cNvGrpSpPr/>
-        <p:nvPr/>
-      </p:nvGrpSpPr>
-      <p:grpSpPr>
-        <a:xfrm>
-          <a:off x="0" y="0"/>
-          <a:ext cx="0" cy="0"/>
-          <a:chOff x="0" y="0"/>
-          <a:chExt cx="0" cy="0"/>
-        </a:xfrm>
-      </p:grpSpPr>
-      <p:sp>
-        <p:nvSpPr>
-          <p:cNvPr id="2" name="タイトル 1"/>
-          <p:cNvSpPr>
-            <a:spLocks noGrp="1"/>
-          </p:cNvSpPr>
-          <p:nvPr>
-            <p:ph type="title"/>
-          </p:nvPr>
-        </p:nvSpPr>
-        <p:spPr/>
-        <p:txBody>
-          <a:bodyPr/>
-          <a:lstStyle/>
-          <a:p>
-            <a:r>
-              <a:rPr kumimoji="1" lang="ja-JP" altLang="en-US" dirty="0" smtClean="0"/>
-              <a:t>今後の研究方針</a:t>
-            </a:r>
-            <a:endParaRPr kumimoji="1" lang="ja-JP" altLang="en-US" dirty="0"/>
-          </a:p>
-        </p:txBody>
-      </p:sp>
-      <p:sp>
-        <p:nvSpPr>
-          <p:cNvPr id="3" name="コンテンツ プレースホルダー 2"/>
-          <p:cNvSpPr>
-            <a:spLocks noGrp="1"/>
-          </p:cNvSpPr>
-          <p:nvPr>
-            <p:ph idx="1"/>
-          </p:nvPr>
-        </p:nvSpPr>
-        <p:spPr/>
-        <p:txBody>
-          <a:bodyPr/>
-          <a:lstStyle/>
-          <a:p>
-            <a:endParaRPr kumimoji="1" lang="ja-JP" altLang="en-US" dirty="0"/>
-          </a:p>
-        </p:txBody>
-      </p:sp>
-    </p:spTree>
-    <p:extLst>
-      <p:ext uri="{BB962C8B-B14F-4D97-AF65-F5344CB8AC3E}">
-        <p14:creationId xmlns:p14="http://schemas.microsoft.com/office/powerpoint/2010/main" val="4140513809"/>
-      </p:ext>
-    </p:extLst>
-  </p:cSld>
-  <p:clrMapOvr>
-    <a:masterClrMapping/>
-  </p:clrMapOvr>
-  <p:timing>
-    <p:tnLst>
-      <p:par>
-        <p:cTn id="1" dur="indefinite" restart="never" nodeType="tmRoot"/>
-      </p:par>
-    </p:tnLst>
-  </p:timing>
-</p:sld>
-</file>
-
-<file path=ppt/slides/slide19.xml><?xml version="1.0" encoding="utf-8"?>
-<p:sld xmlns:a="http://schemas.openxmlformats.org/drawingml/2006/main" xmlns:r="http://schemas.openxmlformats.org/officeDocument/2006/relationships" xmlns:p="http://schemas.openxmlformats.org/presentationml/2006/main">
-  <p:cSld>
-    <p:spTree>
-      <p:nvGrpSpPr>
-        <p:cNvPr id="1" name=""/>
-        <p:cNvGrpSpPr/>
-        <p:nvPr/>
-      </p:nvGrpSpPr>
-      <p:grpSpPr>
-        <a:xfrm>
-          <a:off x="0" y="0"/>
-          <a:ext cx="0" cy="0"/>
-          <a:chOff x="0" y="0"/>
-          <a:chExt cx="0" cy="0"/>
-        </a:xfrm>
-      </p:grpSpPr>
-      <p:sp>
-        <p:nvSpPr>
-          <p:cNvPr id="2" name="タイトル 1"/>
-          <p:cNvSpPr>
-            <a:spLocks noGrp="1"/>
-          </p:cNvSpPr>
-          <p:nvPr>
-            <p:ph type="title"/>
-          </p:nvPr>
-        </p:nvSpPr>
-        <p:spPr/>
-        <p:txBody>
-          <a:bodyPr/>
-          <a:lstStyle/>
-          <a:p>
-            <a:endParaRPr kumimoji="1" lang="ja-JP" altLang="en-US" dirty="0"/>
-          </a:p>
-        </p:txBody>
-      </p:sp>
-      <p:sp>
-        <p:nvSpPr>
-          <p:cNvPr id="3" name="コンテンツ プレースホルダー 2"/>
-          <p:cNvSpPr>
-            <a:spLocks noGrp="1"/>
-          </p:cNvSpPr>
-          <p:nvPr>
-            <p:ph idx="1"/>
-          </p:nvPr>
-        </p:nvSpPr>
-        <p:spPr/>
-        <p:txBody>
-          <a:bodyPr/>
-          <a:lstStyle/>
-          <a:p>
-            <a:endParaRPr kumimoji="1" lang="ja-JP" altLang="en-US"/>
-          </a:p>
-        </p:txBody>
-      </p:sp>
-    </p:spTree>
-    <p:extLst>
-      <p:ext uri="{BB962C8B-B14F-4D97-AF65-F5344CB8AC3E}">
-        <p14:creationId xmlns:p14="http://schemas.microsoft.com/office/powerpoint/2010/main" val="2262437481"/>
-      </p:ext>
-    </p:extLst>
-  </p:cSld>
-  <p:clrMapOvr>
-    <a:masterClrMapping/>
-  </p:clrMapOvr>
-</p:sld>
-</file>
-
-<file path=ppt/slides/slide2.xml><?xml version="1.0" encoding="utf-8"?>
-<p:sld xmlns:a="http://schemas.openxmlformats.org/drawingml/2006/main" xmlns:r="http://schemas.openxmlformats.org/officeDocument/2006/relationships" xmlns:p="http://schemas.openxmlformats.org/presentationml/2006/main">
-  <p:cSld>
-    <p:spTree>
-      <p:nvGrpSpPr>
-        <p:cNvPr id="1" name=""/>
-        <p:cNvGrpSpPr/>
-        <p:nvPr/>
-      </p:nvGrpSpPr>
-      <p:grpSpPr>
-        <a:xfrm>
-          <a:off x="0" y="0"/>
-          <a:ext cx="0" cy="0"/>
-          <a:chOff x="0" y="0"/>
-          <a:chExt cx="0" cy="0"/>
-        </a:xfrm>
-      </p:grpSpPr>
-      <p:sp>
-        <p:nvSpPr>
-          <p:cNvPr id="2" name="タイトル 1"/>
-          <p:cNvSpPr>
-            <a:spLocks noGrp="1"/>
-          </p:cNvSpPr>
-          <p:nvPr>
-            <p:ph type="title"/>
-          </p:nvPr>
-        </p:nvSpPr>
-        <p:spPr/>
-        <p:txBody>
-          <a:bodyPr/>
-          <a:lstStyle/>
-          <a:p>
-            <a:r>
-              <a:rPr kumimoji="1" lang="ja-JP" altLang="en-US" dirty="0" smtClean="0"/>
-              <a:t>研究目的</a:t>
-            </a:r>
-            <a:endParaRPr kumimoji="1" lang="ja-JP" altLang="en-US" dirty="0"/>
-          </a:p>
-        </p:txBody>
-      </p:sp>
-      <p:sp>
-        <p:nvSpPr>
-          <p:cNvPr id="3" name="コンテンツ プレースホルダー 2"/>
-          <p:cNvSpPr>
-            <a:spLocks noGrp="1"/>
-          </p:cNvSpPr>
-          <p:nvPr>
-            <p:ph idx="1"/>
-          </p:nvPr>
-        </p:nvSpPr>
-        <p:spPr/>
-        <p:txBody>
-          <a:bodyPr/>
-          <a:lstStyle/>
-          <a:p>
-            <a:r>
-              <a:rPr kumimoji="1" lang="ja-JP" altLang="en-US" dirty="0" smtClean="0"/>
-              <a:t>抗原抗体反応を電子タグを用いて表現する</a:t>
-            </a:r>
-            <a:endParaRPr kumimoji="1" lang="en-US" altLang="ja-JP" dirty="0" smtClean="0"/>
-          </a:p>
-          <a:p>
-            <a:r>
-              <a:rPr kumimoji="1" lang="ja-JP" altLang="en-US" dirty="0" smtClean="0"/>
-              <a:t>ＡＢＭは微分方程式を用いた数理疫学モデルよりも多くの現象を表現できる</a:t>
-            </a:r>
-            <a:endParaRPr kumimoji="1" lang="ja-JP" altLang="en-US" dirty="0"/>
-          </a:p>
-        </p:txBody>
-      </p:sp>
-    </p:spTree>
-    <p:extLst>
-      <p:ext uri="{BB962C8B-B14F-4D97-AF65-F5344CB8AC3E}">
-        <p14:creationId xmlns:p14="http://schemas.microsoft.com/office/powerpoint/2010/main" val="4191126535"/>
-      </p:ext>
-    </p:extLst>
-  </p:cSld>
-  <p:clrMapOvr>
-    <a:masterClrMapping/>
-  </p:clrMapOvr>
-</p:sld>
-</file>
-
-<file path=ppt/slides/slide20.xml><?xml version="1.0" encoding="utf-8"?>
-<p:sld xmlns:a="http://schemas.openxmlformats.org/drawingml/2006/main" xmlns:r="http://schemas.openxmlformats.org/officeDocument/2006/relationships" xmlns:p="http://schemas.openxmlformats.org/presentationml/2006/main">
-  <p:cSld>
-    <p:spTree>
-      <p:nvGrpSpPr>
-        <p:cNvPr id="1" name=""/>
-        <p:cNvGrpSpPr/>
-        <p:nvPr/>
-      </p:nvGrpSpPr>
-      <p:grpSpPr>
-        <a:xfrm>
-          <a:off x="0" y="0"/>
-          <a:ext cx="0" cy="0"/>
-          <a:chOff x="0" y="0"/>
-          <a:chExt cx="0" cy="0"/>
-        </a:xfrm>
-      </p:grpSpPr>
-      <p:sp>
-        <p:nvSpPr>
-          <p:cNvPr id="2" name="タイトル 1"/>
-          <p:cNvSpPr>
-            <a:spLocks noGrp="1"/>
-          </p:cNvSpPr>
-          <p:nvPr>
-            <p:ph type="title"/>
-          </p:nvPr>
-        </p:nvSpPr>
-        <p:spPr/>
-        <p:txBody>
-          <a:bodyPr/>
-          <a:lstStyle/>
-          <a:p>
-            <a:endParaRPr kumimoji="1" lang="ja-JP" altLang="en-US" dirty="0"/>
-          </a:p>
-        </p:txBody>
-      </p:sp>
-      <p:sp>
-        <p:nvSpPr>
-          <p:cNvPr id="3" name="コンテンツ プレースホルダー 2"/>
-          <p:cNvSpPr>
-            <a:spLocks noGrp="1"/>
-          </p:cNvSpPr>
-          <p:nvPr>
-            <p:ph idx="1"/>
-          </p:nvPr>
-        </p:nvSpPr>
-        <p:spPr/>
-        <p:txBody>
-          <a:bodyPr/>
-          <a:lstStyle/>
-          <a:p>
-            <a:endParaRPr kumimoji="1" lang="ja-JP" altLang="en-US"/>
-          </a:p>
-        </p:txBody>
-      </p:sp>
-    </p:spTree>
-    <p:extLst>
-      <p:ext uri="{BB962C8B-B14F-4D97-AF65-F5344CB8AC3E}">
-        <p14:creationId xmlns:p14="http://schemas.microsoft.com/office/powerpoint/2010/main" val="357915486"/>
-      </p:ext>
-    </p:extLst>
-  </p:cSld>
-  <p:clrMapOvr>
-    <a:masterClrMapping/>
-  </p:clrMapOvr>
-</p:sld>
-</file>
-
-<file path=ppt/slides/slide21.xml><?xml version="1.0" encoding="utf-8"?>
-<p:sld xmlns:a="http://schemas.openxmlformats.org/drawingml/2006/main" xmlns:r="http://schemas.openxmlformats.org/officeDocument/2006/relationships" xmlns:p="http://schemas.openxmlformats.org/presentationml/2006/main">
-  <p:cSld>
-    <p:spTree>
-      <p:nvGrpSpPr>
-        <p:cNvPr id="1" name=""/>
-        <p:cNvGrpSpPr/>
-        <p:nvPr/>
-      </p:nvGrpSpPr>
-      <p:grpSpPr>
-        <a:xfrm>
-          <a:off x="0" y="0"/>
-          <a:ext cx="0" cy="0"/>
-          <a:chOff x="0" y="0"/>
-          <a:chExt cx="0" cy="0"/>
-        </a:xfrm>
-      </p:grpSpPr>
-      <p:sp>
-        <p:nvSpPr>
-          <p:cNvPr id="2" name="タイトル 1"/>
-          <p:cNvSpPr>
-            <a:spLocks noGrp="1"/>
-          </p:cNvSpPr>
-          <p:nvPr>
-            <p:ph type="title"/>
-          </p:nvPr>
-        </p:nvSpPr>
-        <p:spPr/>
-        <p:txBody>
-          <a:bodyPr>
-            <a:normAutofit fontScale="90000"/>
-          </a:bodyPr>
-          <a:lstStyle/>
-          <a:p>
-            <a:r>
-              <a:rPr kumimoji="1" lang="ja-JP" altLang="en-US" dirty="0" smtClean="0"/>
-              <a:t>（（（電子タグを用いた免疫機構の表現の妥当性</a:t>
-            </a:r>
-            <a:endParaRPr kumimoji="1" lang="ja-JP" altLang="en-US" dirty="0"/>
-          </a:p>
-        </p:txBody>
-      </p:sp>
-      <p:sp>
-        <p:nvSpPr>
-          <p:cNvPr id="3" name="コンテンツ プレースホルダー 2"/>
-          <p:cNvSpPr>
-            <a:spLocks noGrp="1"/>
-          </p:cNvSpPr>
-          <p:nvPr>
-            <p:ph idx="1"/>
-          </p:nvPr>
-        </p:nvSpPr>
-        <p:spPr/>
-        <p:txBody>
-          <a:bodyPr/>
-          <a:lstStyle/>
-          <a:p>
-            <a:endParaRPr kumimoji="1" lang="ja-JP" altLang="en-US"/>
-          </a:p>
-        </p:txBody>
-      </p:sp>
-    </p:spTree>
-    <p:extLst>
-      <p:ext uri="{BB962C8B-B14F-4D97-AF65-F5344CB8AC3E}">
-        <p14:creationId xmlns:p14="http://schemas.microsoft.com/office/powerpoint/2010/main" val="296766167"/>
-      </p:ext>
-    </p:extLst>
-  </p:cSld>
-  <p:clrMapOvr>
-    <a:masterClrMapping/>
-  </p:clrMapOvr>
-  <p:timing>
-    <p:tnLst>
-      <p:par>
-        <p:cTn id="1" dur="indefinite" restart="never" nodeType="tmRoot"/>
-      </p:par>
-    </p:tnLst>
-  </p:timing>
-</p:sld>
-</file>
-
-<file path=ppt/slides/slide22.xml><?xml version="1.0" encoding="utf-8"?>
-<p:sld xmlns:a="http://schemas.openxmlformats.org/drawingml/2006/main" xmlns:r="http://schemas.openxmlformats.org/officeDocument/2006/relationships" xmlns:p="http://schemas.openxmlformats.org/presentationml/2006/main">
-  <p:cSld>
-    <p:spTree>
-      <p:nvGrpSpPr>
-        <p:cNvPr id="1" name=""/>
-        <p:cNvGrpSpPr/>
-        <p:nvPr/>
-      </p:nvGrpSpPr>
-      <p:grpSpPr>
-        <a:xfrm>
-          <a:off x="0" y="0"/>
-          <a:ext cx="0" cy="0"/>
-          <a:chOff x="0" y="0"/>
-          <a:chExt cx="0" cy="0"/>
-        </a:xfrm>
-      </p:grpSpPr>
-      <p:sp>
-        <p:nvSpPr>
-          <p:cNvPr id="2" name="タイトル 1"/>
-          <p:cNvSpPr>
-            <a:spLocks noGrp="1"/>
-          </p:cNvSpPr>
-          <p:nvPr>
-            <p:ph type="title"/>
-          </p:nvPr>
-        </p:nvSpPr>
-        <p:spPr/>
-        <p:txBody>
-          <a:bodyPr/>
-          <a:lstStyle/>
-          <a:p>
-            <a:r>
-              <a:rPr kumimoji="1" lang="ja-JP" altLang="en-US" dirty="0" smtClean="0"/>
-              <a:t>延長された表現型とは</a:t>
-            </a:r>
-            <a:endParaRPr kumimoji="1" lang="ja-JP" altLang="en-US" dirty="0"/>
-          </a:p>
-        </p:txBody>
-      </p:sp>
-      <p:sp>
-        <p:nvSpPr>
-          <p:cNvPr id="3" name="コンテンツ プレースホルダー 2"/>
-          <p:cNvSpPr>
-            <a:spLocks noGrp="1"/>
-          </p:cNvSpPr>
-          <p:nvPr>
-            <p:ph idx="1"/>
-          </p:nvPr>
-        </p:nvSpPr>
-        <p:spPr/>
-        <p:txBody>
-          <a:bodyPr/>
-          <a:lstStyle/>
-          <a:p>
-            <a:pPr marL="0" indent="0">
-              <a:buNone/>
-            </a:pPr>
-            <a:endParaRPr kumimoji="1" lang="ja-JP" altLang="en-US" dirty="0"/>
-          </a:p>
-        </p:txBody>
-      </p:sp>
-    </p:spTree>
-    <p:extLst>
-      <p:ext uri="{BB962C8B-B14F-4D97-AF65-F5344CB8AC3E}">
-        <p14:creationId xmlns:p14="http://schemas.microsoft.com/office/powerpoint/2010/main" val="3461091930"/>
-      </p:ext>
-    </p:extLst>
-  </p:cSld>
-  <p:clrMapOvr>
-    <a:masterClrMapping/>
-  </p:clrMapOvr>
-  <p:timing>
-    <p:tnLst>
-      <p:par>
-        <p:cTn id="1" dur="indefinite" restart="never" nodeType="tmRoot"/>
-      </p:par>
-    </p:tnLst>
-  </p:timing>
-</p:sld>
-</file>
-
-<file path=ppt/slides/slide23.xml><?xml version="1.0" encoding="utf-8"?>
-<p:sld xmlns:a="http://schemas.openxmlformats.org/drawingml/2006/main" xmlns:r="http://schemas.openxmlformats.org/officeDocument/2006/relationships" xmlns:p="http://schemas.openxmlformats.org/presentationml/2006/main">
-  <p:cSld>
-    <p:spTree>
-      <p:nvGrpSpPr>
-        <p:cNvPr id="1" name=""/>
-        <p:cNvGrpSpPr/>
-        <p:nvPr/>
-      </p:nvGrpSpPr>
-      <p:grpSpPr>
-        <a:xfrm>
-          <a:off x="0" y="0"/>
-          <a:ext cx="0" cy="0"/>
-          <a:chOff x="0" y="0"/>
-          <a:chExt cx="0" cy="0"/>
-        </a:xfrm>
-      </p:grpSpPr>
-      <p:sp>
-        <p:nvSpPr>
-          <p:cNvPr id="2" name="タイトル 1"/>
-          <p:cNvSpPr>
-            <a:spLocks noGrp="1"/>
-          </p:cNvSpPr>
-          <p:nvPr>
-            <p:ph type="title"/>
-          </p:nvPr>
-        </p:nvSpPr>
-        <p:spPr/>
-        <p:txBody>
-          <a:bodyPr/>
-          <a:lstStyle/>
-          <a:p>
-            <a:r>
-              <a:rPr kumimoji="1" lang="ja-JP" altLang="en-US" dirty="0" smtClean="0"/>
-              <a:t>パラメータ集合の分類</a:t>
-            </a:r>
-            <a:endParaRPr kumimoji="1" lang="ja-JP" altLang="en-US" dirty="0"/>
-          </a:p>
-        </p:txBody>
-      </p:sp>
-      <p:sp>
-        <p:nvSpPr>
-          <p:cNvPr id="3" name="コンテンツ プレースホルダー 2"/>
-          <p:cNvSpPr>
-            <a:spLocks noGrp="1"/>
-          </p:cNvSpPr>
-          <p:nvPr>
-            <p:ph idx="1"/>
-          </p:nvPr>
-        </p:nvSpPr>
-        <p:spPr/>
-        <p:txBody>
-          <a:bodyPr/>
-          <a:lstStyle/>
-          <a:p>
-            <a:r>
-              <a:rPr kumimoji="1" lang="ja-JP" altLang="en-US" dirty="0" smtClean="0"/>
-              <a:t>８つ</a:t>
-            </a:r>
-            <a:endParaRPr kumimoji="1" lang="ja-JP" altLang="en-US" dirty="0"/>
-          </a:p>
-        </p:txBody>
-      </p:sp>
-    </p:spTree>
-    <p:extLst>
-      <p:ext uri="{BB962C8B-B14F-4D97-AF65-F5344CB8AC3E}">
-        <p14:creationId xmlns:p14="http://schemas.microsoft.com/office/powerpoint/2010/main" val="3741923519"/>
-      </p:ext>
-    </p:extLst>
-  </p:cSld>
-  <p:clrMapOvr>
-    <a:masterClrMapping/>
-  </p:clrMapOvr>
-  <p:timing>
-    <p:tnLst>
-      <p:par>
-        <p:cTn id="1" dur="indefinite" restart="never" nodeType="tmRoot"/>
-      </p:par>
-    </p:tnLst>
-  </p:timing>
-</p:sld>
-</file>
-
-<file path=ppt/slides/slide3.xml><?xml version="1.0" encoding="utf-8"?>
-<p:sld xmlns:a="http://schemas.openxmlformats.org/drawingml/2006/main" xmlns:r="http://schemas.openxmlformats.org/officeDocument/2006/relationships" xmlns:p="http://schemas.openxmlformats.org/presentationml/2006/main">
-  <p:cSld>
-    <p:spTree>
-      <p:nvGrpSpPr>
-        <p:cNvPr id="1" name=""/>
-        <p:cNvGrpSpPr/>
-        <p:nvPr/>
-      </p:nvGrpSpPr>
-      <p:grpSpPr>
-        <a:xfrm>
-          <a:off x="0" y="0"/>
-          <a:ext cx="0" cy="0"/>
-          <a:chOff x="0" y="0"/>
-          <a:chExt cx="0" cy="0"/>
-        </a:xfrm>
-      </p:grpSpPr>
-      <p:sp>
-        <p:nvSpPr>
-          <p:cNvPr id="2" name="タイトル 1"/>
-          <p:cNvSpPr>
-            <a:spLocks noGrp="1"/>
-          </p:cNvSpPr>
-          <p:nvPr>
-            <p:ph type="title"/>
-          </p:nvPr>
-        </p:nvSpPr>
-        <p:spPr/>
-        <p:txBody>
-          <a:bodyPr/>
-          <a:lstStyle/>
-          <a:p>
-            <a:r>
-              <a:rPr kumimoji="1" lang="ja-JP" altLang="en-US" dirty="0" smtClean="0"/>
-              <a:t>研究目的２</a:t>
-            </a:r>
-            <a:endParaRPr kumimoji="1" lang="ja-JP" altLang="en-US" dirty="0"/>
-          </a:p>
-        </p:txBody>
-      </p:sp>
-      <p:sp>
-        <p:nvSpPr>
-          <p:cNvPr id="3" name="コンテンツ プレースホルダー 2"/>
-          <p:cNvSpPr>
-            <a:spLocks noGrp="1"/>
-          </p:cNvSpPr>
-          <p:nvPr>
-            <p:ph idx="1"/>
-          </p:nvPr>
-        </p:nvSpPr>
-        <p:spPr/>
-        <p:txBody>
-          <a:bodyPr/>
-          <a:lstStyle/>
-          <a:p>
-            <a:r>
-              <a:rPr kumimoji="1" lang="en-US" altLang="ja-JP" dirty="0" smtClean="0"/>
-              <a:t>2</a:t>
-            </a:r>
-            <a:r>
-              <a:rPr kumimoji="1" lang="ja-JP" altLang="en-US" dirty="0" smtClean="0"/>
-              <a:t>種類のウイルスが流行した場合、一方のウイルスの免疫を獲得することにより他方のウイルスに対する免疫を失うことが起こりうる。</a:t>
-            </a:r>
-            <a:endParaRPr lang="en-US" altLang="ja-JP" dirty="0"/>
-          </a:p>
-          <a:p>
-            <a:r>
-              <a:rPr kumimoji="1" lang="ja-JP" altLang="en-US" dirty="0" smtClean="0"/>
-              <a:t>その結果社会全体で発生する免疫獲得とウイルス感染との間のある種の振動現象を数値解析的に再現する。</a:t>
-            </a:r>
-            <a:endParaRPr kumimoji="1" lang="ja-JP" altLang="en-US" dirty="0"/>
-          </a:p>
-        </p:txBody>
-      </p:sp>
-    </p:spTree>
-    <p:extLst>
-      <p:ext uri="{BB962C8B-B14F-4D97-AF65-F5344CB8AC3E}">
-        <p14:creationId xmlns:p14="http://schemas.microsoft.com/office/powerpoint/2010/main" val="2535459551"/>
-      </p:ext>
-    </p:extLst>
-  </p:cSld>
-  <p:clrMapOvr>
-    <a:masterClrMapping/>
-  </p:clrMapOvr>
-  <p:timing>
-    <p:tnLst>
-      <p:par>
-        <p:cTn id="1" dur="indefinite" restart="never" nodeType="tmRoot"/>
-      </p:par>
-    </p:tnLst>
-  </p:timing>
-</p:sld>
-</file>
-
-<file path=ppt/slides/slide4.xml><?xml version="1.0" encoding="utf-8"?>
-<p:sld xmlns:a="http://schemas.openxmlformats.org/drawingml/2006/main" xmlns:r="http://schemas.openxmlformats.org/officeDocument/2006/relationships" xmlns:p="http://schemas.openxmlformats.org/presentationml/2006/main">
-  <p:cSld>
-    <p:spTree>
-      <p:nvGrpSpPr>
-        <p:cNvPr id="1" name=""/>
-        <p:cNvGrpSpPr/>
-        <p:nvPr/>
-      </p:nvGrpSpPr>
-      <p:grpSpPr>
-        <a:xfrm>
-          <a:off x="0" y="0"/>
-          <a:ext cx="0" cy="0"/>
-          <a:chOff x="0" y="0"/>
-          <a:chExt cx="0" cy="0"/>
-        </a:xfrm>
-      </p:grpSpPr>
-      <p:sp>
-        <p:nvSpPr>
-          <p:cNvPr id="2" name="タイトル 1"/>
-          <p:cNvSpPr>
-            <a:spLocks noGrp="1"/>
-          </p:cNvSpPr>
-          <p:nvPr>
-            <p:ph type="title"/>
-          </p:nvPr>
-        </p:nvSpPr>
-        <p:spPr/>
-        <p:txBody>
-          <a:bodyPr/>
-          <a:lstStyle/>
-          <a:p>
-            <a:r>
-              <a:rPr kumimoji="1" lang="ja-JP" altLang="en-US" dirty="0" smtClean="0"/>
-              <a:t>研究の意義</a:t>
-            </a:r>
-            <a:endParaRPr kumimoji="1" lang="ja-JP" altLang="en-US" dirty="0"/>
-          </a:p>
-        </p:txBody>
-      </p:sp>
-      <p:sp>
-        <p:nvSpPr>
-          <p:cNvPr id="3" name="コンテンツ プレースホルダー 2"/>
-          <p:cNvSpPr>
-            <a:spLocks noGrp="1"/>
-          </p:cNvSpPr>
-          <p:nvPr>
-            <p:ph idx="1"/>
-          </p:nvPr>
-        </p:nvSpPr>
-        <p:spPr/>
-        <p:txBody>
-          <a:bodyPr/>
-          <a:lstStyle/>
-          <a:p>
-            <a:r>
-              <a:rPr kumimoji="1" lang="ja-JP" altLang="en-US" dirty="0" smtClean="0">
-                <a:solidFill>
-                  <a:srgbClr val="FF0000"/>
-                </a:solidFill>
-              </a:rPr>
-              <a:t>従来の微分方程式</a:t>
-            </a:r>
-            <a:r>
-              <a:rPr kumimoji="1" lang="ja-JP" altLang="en-US" dirty="0" smtClean="0"/>
-              <a:t>を基礎としたモデルでは個体における</a:t>
-            </a:r>
-            <a:r>
-              <a:rPr kumimoji="1" lang="ja-JP" altLang="en-US" dirty="0" smtClean="0">
-                <a:solidFill>
-                  <a:srgbClr val="FF0000"/>
-                </a:solidFill>
-              </a:rPr>
-              <a:t>免疫機構の詳細にまで立ち入ることができなかった</a:t>
-            </a:r>
-            <a:r>
-              <a:rPr kumimoji="1" lang="ja-JP" altLang="en-US" dirty="0" smtClean="0"/>
-              <a:t>。</a:t>
-            </a:r>
-            <a:endParaRPr kumimoji="1" lang="en-US" altLang="ja-JP" dirty="0" smtClean="0"/>
-          </a:p>
-          <a:p>
-            <a:r>
-              <a:rPr kumimoji="1" lang="ja-JP" altLang="en-US" dirty="0" smtClean="0">
-                <a:solidFill>
-                  <a:srgbClr val="FF0000"/>
-                </a:solidFill>
-              </a:rPr>
-              <a:t>電子タグ</a:t>
-            </a:r>
-            <a:r>
-              <a:rPr kumimoji="1" lang="ja-JP" altLang="en-US" dirty="0" smtClean="0"/>
-              <a:t>を用いることにより、</a:t>
-            </a:r>
-            <a:r>
-              <a:rPr kumimoji="1" lang="ja-JP" altLang="en-US" dirty="0" smtClean="0">
-                <a:solidFill>
-                  <a:srgbClr val="FF0000"/>
-                </a:solidFill>
-              </a:rPr>
-              <a:t>免疫機構</a:t>
-            </a:r>
-            <a:r>
-              <a:rPr kumimoji="1" lang="ja-JP" altLang="en-US" dirty="0" smtClean="0"/>
-              <a:t>をより</a:t>
-            </a:r>
-            <a:r>
-              <a:rPr kumimoji="1" lang="ja-JP" altLang="en-US" dirty="0" smtClean="0">
-                <a:solidFill>
-                  <a:srgbClr val="FF0000"/>
-                </a:solidFill>
-              </a:rPr>
-              <a:t>正確にモデル化</a:t>
-            </a:r>
-            <a:r>
-              <a:rPr kumimoji="1" lang="ja-JP" altLang="en-US" dirty="0" smtClean="0"/>
-              <a:t>することができる。</a:t>
-            </a:r>
-            <a:endParaRPr kumimoji="1" lang="en-US" altLang="ja-JP" dirty="0" smtClean="0"/>
-          </a:p>
-          <a:p>
-            <a:r>
-              <a:rPr kumimoji="1" lang="ja-JP" altLang="en-US" dirty="0" smtClean="0"/>
-              <a:t>これにより社会全体における</a:t>
-            </a:r>
-            <a:r>
-              <a:rPr kumimoji="1" lang="ja-JP" altLang="en-US" dirty="0" smtClean="0">
-                <a:solidFill>
-                  <a:srgbClr val="FF0000"/>
-                </a:solidFill>
-              </a:rPr>
-              <a:t>伝染病の感染拡大</a:t>
-            </a:r>
-            <a:r>
-              <a:rPr kumimoji="1" lang="ja-JP" altLang="en-US" dirty="0" smtClean="0"/>
-              <a:t>だけではなく、</a:t>
-            </a:r>
-            <a:r>
-              <a:rPr kumimoji="1" lang="ja-JP" altLang="en-US" dirty="0" smtClean="0">
-                <a:solidFill>
-                  <a:srgbClr val="FF0000"/>
-                </a:solidFill>
-              </a:rPr>
-              <a:t>免疫機構の社会的な広がり</a:t>
-            </a:r>
-            <a:r>
-              <a:rPr kumimoji="1" lang="ja-JP" altLang="en-US" dirty="0" smtClean="0"/>
-              <a:t>をも表現することができる。</a:t>
-            </a:r>
-            <a:endParaRPr kumimoji="1" lang="ja-JP" altLang="en-US" dirty="0"/>
-          </a:p>
-        </p:txBody>
-      </p:sp>
-    </p:spTree>
-    <p:extLst>
-      <p:ext uri="{BB962C8B-B14F-4D97-AF65-F5344CB8AC3E}">
-        <p14:creationId xmlns:p14="http://schemas.microsoft.com/office/powerpoint/2010/main" val="1965611721"/>
-      </p:ext>
-    </p:extLst>
-  </p:cSld>
-  <p:clrMapOvr>
-    <a:masterClrMapping/>
-  </p:clrMapOvr>
-</p:sld>
-</file>
-
-<file path=ppt/slides/slide5.xml><?xml version="1.0" encoding="utf-8"?>
-<p:sld xmlns:a="http://schemas.openxmlformats.org/drawingml/2006/main" xmlns:r="http://schemas.openxmlformats.org/officeDocument/2006/relationships" xmlns:p="http://schemas.openxmlformats.org/presentationml/2006/main">
-  <p:cSld>
-    <p:spTree>
-      <p:nvGrpSpPr>
-        <p:cNvPr id="1" name=""/>
-        <p:cNvGrpSpPr/>
-        <p:nvPr/>
-      </p:nvGrpSpPr>
-      <p:grpSpPr>
-        <a:xfrm>
-          <a:off x="0" y="0"/>
-          <a:ext cx="0" cy="0"/>
-          <a:chOff x="0" y="0"/>
-          <a:chExt cx="0" cy="0"/>
-        </a:xfrm>
-      </p:grpSpPr>
-      <p:sp>
-        <p:nvSpPr>
-          <p:cNvPr id="2" name="タイトル 1"/>
-          <p:cNvSpPr>
-            <a:spLocks noGrp="1"/>
-          </p:cNvSpPr>
-          <p:nvPr>
-            <p:ph type="title"/>
-          </p:nvPr>
-        </p:nvSpPr>
-        <p:spPr/>
-        <p:txBody>
-          <a:bodyPr/>
-          <a:lstStyle/>
-          <a:p>
-            <a:endParaRPr kumimoji="1" lang="ja-JP" altLang="en-US" dirty="0"/>
-          </a:p>
-        </p:txBody>
-      </p:sp>
-      <p:sp>
-        <p:nvSpPr>
-          <p:cNvPr id="3" name="コンテンツ プレースホルダー 2"/>
-          <p:cNvSpPr>
-            <a:spLocks noGrp="1"/>
-          </p:cNvSpPr>
-          <p:nvPr>
-            <p:ph idx="1"/>
-          </p:nvPr>
-        </p:nvSpPr>
-        <p:spPr/>
-        <p:txBody>
-          <a:bodyPr/>
-          <a:lstStyle/>
-          <a:p>
-            <a:endParaRPr kumimoji="1" lang="ja-JP" altLang="en-US"/>
-          </a:p>
-        </p:txBody>
-      </p:sp>
-    </p:spTree>
-    <p:extLst>
-      <p:ext uri="{BB962C8B-B14F-4D97-AF65-F5344CB8AC3E}">
-        <p14:creationId xmlns:p14="http://schemas.microsoft.com/office/powerpoint/2010/main" val="885643225"/>
-      </p:ext>
-    </p:extLst>
-  </p:cSld>
-  <p:clrMapOvr>
-    <a:masterClrMapping/>
-  </p:clrMapOvr>
-</p:sld>
-</file>
-
-<file path=ppt/slides/slide6.xml><?xml version="1.0" encoding="utf-8"?>
-<p:sld xmlns:a="http://schemas.openxmlformats.org/drawingml/2006/main" xmlns:r="http://schemas.openxmlformats.org/officeDocument/2006/relationships" xmlns:p="http://schemas.openxmlformats.org/presentationml/2006/main">
-  <p:cSld>
-    <p:spTree>
-      <p:nvGrpSpPr>
-        <p:cNvPr id="1" name=""/>
-        <p:cNvGrpSpPr/>
-        <p:nvPr/>
-      </p:nvGrpSpPr>
-      <p:grpSpPr>
-        <a:xfrm>
-          <a:off x="0" y="0"/>
-          <a:ext cx="0" cy="0"/>
-          <a:chOff x="0" y="0"/>
-          <a:chExt cx="0" cy="0"/>
-        </a:xfrm>
-      </p:grpSpPr>
-      <p:sp>
-        <p:nvSpPr>
-          <p:cNvPr id="2" name="タイトル 1"/>
-          <p:cNvSpPr>
-            <a:spLocks noGrp="1"/>
-          </p:cNvSpPr>
-          <p:nvPr>
-            <p:ph type="title"/>
-          </p:nvPr>
-        </p:nvSpPr>
-        <p:spPr/>
-        <p:txBody>
-          <a:bodyPr/>
-          <a:lstStyle/>
-          <a:p>
-            <a:r>
-              <a:rPr kumimoji="1" lang="ja-JP" altLang="en-US" dirty="0" smtClean="0"/>
-              <a:t>先行研究紹介</a:t>
-            </a:r>
-            <a:endParaRPr kumimoji="1" lang="ja-JP" altLang="en-US" dirty="0"/>
-          </a:p>
-        </p:txBody>
-      </p:sp>
-      <p:sp>
-        <p:nvSpPr>
-          <p:cNvPr id="3" name="コンテンツ プレースホルダー 2"/>
-          <p:cNvSpPr>
-            <a:spLocks noGrp="1"/>
-          </p:cNvSpPr>
-          <p:nvPr>
-            <p:ph idx="1"/>
-          </p:nvPr>
-        </p:nvSpPr>
-        <p:spPr/>
-        <p:txBody>
-          <a:bodyPr/>
-          <a:lstStyle/>
-          <a:p>
-            <a:endParaRPr kumimoji="1" lang="ja-JP" altLang="en-US"/>
-          </a:p>
-        </p:txBody>
-      </p:sp>
-    </p:spTree>
-    <p:extLst>
-      <p:ext uri="{BB962C8B-B14F-4D97-AF65-F5344CB8AC3E}">
-        <p14:creationId xmlns:p14="http://schemas.microsoft.com/office/powerpoint/2010/main" val="492649640"/>
-      </p:ext>
-    </p:extLst>
-  </p:cSld>
-  <p:clrMapOvr>
-    <a:masterClrMapping/>
-  </p:clrMapOvr>
-  <p:timing>
-    <p:tnLst>
-      <p:par>
-        <p:cTn id="1" dur="indefinite" restart="never" nodeType="tmRoot"/>
-      </p:par>
-    </p:tnLst>
-  </p:timing>
-</p:sld>
-</file>
-
-<file path=ppt/slides/slide7.xml><?xml version="1.0" encoding="utf-8"?>
-<p:sld xmlns:a="http://schemas.openxmlformats.org/drawingml/2006/main" xmlns:r="http://schemas.openxmlformats.org/officeDocument/2006/relationships" xmlns:p="http://schemas.openxmlformats.org/presentationml/2006/main">
-  <p:cSld>
-    <p:spTree>
-      <p:nvGrpSpPr>
-        <p:cNvPr id="1" name=""/>
-        <p:cNvGrpSpPr/>
-        <p:nvPr/>
-      </p:nvGrpSpPr>
-      <p:grpSpPr>
-        <a:xfrm>
-          <a:off x="0" y="0"/>
-          <a:ext cx="0" cy="0"/>
-          <a:chOff x="0" y="0"/>
-          <a:chExt cx="0" cy="0"/>
-        </a:xfrm>
-      </p:grpSpPr>
-      <p:sp>
-        <p:nvSpPr>
-          <p:cNvPr id="2" name="タイトル 1"/>
-          <p:cNvSpPr>
-            <a:spLocks noGrp="1"/>
-          </p:cNvSpPr>
-          <p:nvPr>
-            <p:ph type="title"/>
-          </p:nvPr>
-        </p:nvSpPr>
-        <p:spPr/>
-        <p:txBody>
-          <a:bodyPr/>
-          <a:lstStyle/>
-          <a:p>
-            <a:r>
-              <a:rPr kumimoji="1" lang="ja-JP" altLang="en-US" dirty="0" smtClean="0"/>
-              <a:t>（（（ＡＢＭとは何か</a:t>
-            </a:r>
-            <a:endParaRPr kumimoji="1" lang="ja-JP" altLang="en-US" dirty="0"/>
-          </a:p>
-        </p:txBody>
-      </p:sp>
-      <p:sp>
-        <p:nvSpPr>
-          <p:cNvPr id="3" name="コンテンツ プレースホルダー 2"/>
-          <p:cNvSpPr>
-            <a:spLocks noGrp="1"/>
-          </p:cNvSpPr>
-          <p:nvPr>
-            <p:ph idx="1"/>
-          </p:nvPr>
-        </p:nvSpPr>
-        <p:spPr/>
-        <p:txBody>
-          <a:bodyPr/>
-          <a:lstStyle/>
-          <a:p>
-            <a:endParaRPr kumimoji="1" lang="ja-JP" altLang="en-US" dirty="0"/>
-          </a:p>
-        </p:txBody>
-      </p:sp>
-    </p:spTree>
-    <p:extLst>
-      <p:ext uri="{BB962C8B-B14F-4D97-AF65-F5344CB8AC3E}">
-        <p14:creationId xmlns:p14="http://schemas.microsoft.com/office/powerpoint/2010/main" val="862563941"/>
-      </p:ext>
-    </p:extLst>
-  </p:cSld>
-  <p:clrMapOvr>
-    <a:masterClrMapping/>
-  </p:clrMapOvr>
-  <p:timing>
-    <p:tnLst>
-      <p:par>
-        <p:cTn id="1" dur="indefinite" restart="never" nodeType="tmRoot"/>
-      </p:par>
-    </p:tnLst>
-  </p:timing>
-</p:sld>
-</file>
-
-<file path=ppt/slides/slide8.xml><?xml version="1.0" encoding="utf-8"?>
-<p:sld xmlns:a="http://schemas.openxmlformats.org/drawingml/2006/main" xmlns:r="http://schemas.openxmlformats.org/officeDocument/2006/relationships" xmlns:p="http://schemas.openxmlformats.org/presentationml/2006/main">
-  <p:cSld>
-    <p:spTree>
-      <p:nvGrpSpPr>
-        <p:cNvPr id="1" name=""/>
-        <p:cNvGrpSpPr/>
-        <p:nvPr/>
-      </p:nvGrpSpPr>
-      <p:grpSpPr>
-        <a:xfrm>
-          <a:off x="0" y="0"/>
-          <a:ext cx="0" cy="0"/>
-          <a:chOff x="0" y="0"/>
-          <a:chExt cx="0" cy="0"/>
-        </a:xfrm>
-      </p:grpSpPr>
-      <p:sp>
-        <p:nvSpPr>
-          <p:cNvPr id="2" name="タイトル 1"/>
-          <p:cNvSpPr>
-            <a:spLocks noGrp="1"/>
-          </p:cNvSpPr>
-          <p:nvPr>
-            <p:ph type="title"/>
-          </p:nvPr>
-        </p:nvSpPr>
-        <p:spPr/>
-        <p:txBody>
-          <a:bodyPr/>
-          <a:lstStyle/>
-          <a:p>
-            <a:r>
-              <a:rPr kumimoji="1" lang="ja-JP" altLang="en-US" dirty="0" smtClean="0"/>
-              <a:t>（（（数理伝染病学とは何か</a:t>
-            </a:r>
-            <a:endParaRPr kumimoji="1" lang="ja-JP" altLang="en-US" dirty="0"/>
-          </a:p>
-        </p:txBody>
-      </p:sp>
-      <p:sp>
-        <p:nvSpPr>
-          <p:cNvPr id="3" name="コンテンツ プレースホルダー 2"/>
-          <p:cNvSpPr>
-            <a:spLocks noGrp="1"/>
-          </p:cNvSpPr>
-          <p:nvPr>
-            <p:ph idx="1"/>
-          </p:nvPr>
-        </p:nvSpPr>
-        <p:spPr/>
-        <p:txBody>
-          <a:bodyPr/>
-          <a:lstStyle/>
-          <a:p>
-            <a:endParaRPr kumimoji="1" lang="ja-JP" altLang="en-US"/>
-          </a:p>
-        </p:txBody>
-      </p:sp>
-    </p:spTree>
-    <p:extLst>
-      <p:ext uri="{BB962C8B-B14F-4D97-AF65-F5344CB8AC3E}">
-        <p14:creationId xmlns:p14="http://schemas.microsoft.com/office/powerpoint/2010/main" val="2288893661"/>
-      </p:ext>
-    </p:extLst>
-  </p:cSld>
-  <p:clrMapOvr>
-    <a:masterClrMapping/>
-  </p:clrMapOvr>
-</p:sld>
-</file>
-
-<file path=ppt/slides/slide9.xml><?xml version="1.0" encoding="utf-8"?>
-<p:sld xmlns:a="http://schemas.openxmlformats.org/drawingml/2006/main" xmlns:r="http://schemas.openxmlformats.org/officeDocument/2006/relationships" xmlns:p="http://schemas.openxmlformats.org/presentationml/2006/main">
-  <p:cSld>
-    <p:spTree>
-      <p:nvGrpSpPr>
-        <p:cNvPr id="1" name=""/>
-        <p:cNvGrpSpPr/>
-        <p:nvPr/>
-      </p:nvGrpSpPr>
-      <p:grpSpPr>
-        <a:xfrm>
-          <a:off x="0" y="0"/>
-          <a:ext cx="0" cy="0"/>
-          <a:chOff x="0" y="0"/>
-          <a:chExt cx="0" cy="0"/>
-        </a:xfrm>
-      </p:grpSpPr>
-      <p:sp>
-        <p:nvSpPr>
-          <p:cNvPr id="2" name="タイトル 1"/>
-          <p:cNvSpPr>
-            <a:spLocks noGrp="1"/>
-          </p:cNvSpPr>
-          <p:nvPr>
-            <p:ph type="title"/>
-          </p:nvPr>
-        </p:nvSpPr>
-        <p:spPr/>
-        <p:txBody>
-          <a:bodyPr/>
-          <a:lstStyle/>
-          <a:p>
-            <a:r>
-              <a:rPr kumimoji="1" lang="en-US" altLang="ja-JP" dirty="0" smtClean="0"/>
-              <a:t>Agent Based Epidemic </a:t>
-            </a:r>
-            <a:r>
-              <a:rPr kumimoji="1" lang="en-US" altLang="ja-JP" dirty="0" smtClean="0"/>
-              <a:t>Model</a:t>
-            </a:r>
-            <a:endParaRPr kumimoji="1" lang="ja-JP" altLang="en-US" dirty="0"/>
-          </a:p>
-        </p:txBody>
-      </p:sp>
-      <p:sp>
-        <p:nvSpPr>
-          <p:cNvPr id="3" name="コンテンツ プレースホルダー 2"/>
-          <p:cNvSpPr>
-            <a:spLocks noGrp="1"/>
-          </p:cNvSpPr>
-          <p:nvPr>
-            <p:ph idx="1"/>
-          </p:nvPr>
-        </p:nvSpPr>
-        <p:spPr/>
-        <p:txBody>
-          <a:bodyPr/>
-          <a:lstStyle/>
-          <a:p>
-            <a:endParaRPr kumimoji="1" lang="ja-JP" altLang="en-US"/>
-          </a:p>
-        </p:txBody>
-      </p:sp>
-    </p:spTree>
-    <p:extLst>
-      <p:ext uri="{BB962C8B-B14F-4D97-AF65-F5344CB8AC3E}">
-        <p14:creationId xmlns:p14="http://schemas.microsoft.com/office/powerpoint/2010/main" val="1153891437"/>
       </p:ext>
     </p:extLst>
   </p:cSld>

--- a/ppt/卒業研究.pptx
+++ b/ppt/卒業研究.pptx
@@ -5,10 +5,10 @@
     <p:sldMasterId id="2147483648" r:id="rId1"/>
   </p:sldMasterIdLst>
   <p:notesMasterIdLst>
-    <p:notesMasterId r:id="rId22"/>
+    <p:notesMasterId r:id="rId23"/>
   </p:notesMasterIdLst>
   <p:handoutMasterIdLst>
-    <p:handoutMasterId r:id="rId23"/>
+    <p:handoutMasterId r:id="rId24"/>
   </p:handoutMasterIdLst>
   <p:sldIdLst>
     <p:sldId id="256" r:id="rId2"/>
@@ -25,12 +25,13 @@
     <p:sldId id="272" r:id="rId13"/>
     <p:sldId id="273" r:id="rId14"/>
     <p:sldId id="274" r:id="rId15"/>
-    <p:sldId id="275" r:id="rId16"/>
-    <p:sldId id="267" r:id="rId17"/>
-    <p:sldId id="264" r:id="rId18"/>
-    <p:sldId id="265" r:id="rId19"/>
-    <p:sldId id="268" r:id="rId20"/>
-    <p:sldId id="287" r:id="rId21"/>
+    <p:sldId id="288" r:id="rId16"/>
+    <p:sldId id="275" r:id="rId17"/>
+    <p:sldId id="267" r:id="rId18"/>
+    <p:sldId id="264" r:id="rId19"/>
+    <p:sldId id="265" r:id="rId20"/>
+    <p:sldId id="268" r:id="rId21"/>
+    <p:sldId id="287" r:id="rId22"/>
   </p:sldIdLst>
   <p:sldSz cx="9144000" cy="6858000" type="screen4x3"/>
   <p:notesSz cx="6858000" cy="9144000"/>
@@ -1007,7 +1008,7 @@
           <a:p>
             <a:fld id="{FEFB3154-A281-48F2-8DC9-C99E29F1ECF4}" type="slidenum">
               <a:rPr kumimoji="1" lang="ja-JP" altLang="en-US" smtClean="0"/>
-              <a:t>15</a:t>
+              <a:t>16</a:t>
             </a:fld>
             <a:endParaRPr kumimoji="1" lang="ja-JP" altLang="en-US"/>
           </a:p>
@@ -1091,7 +1092,7 @@
           <a:p>
             <a:fld id="{FEFB3154-A281-48F2-8DC9-C99E29F1ECF4}" type="slidenum">
               <a:rPr kumimoji="1" lang="ja-JP" altLang="en-US" smtClean="0"/>
-              <a:t>16</a:t>
+              <a:t>17</a:t>
             </a:fld>
             <a:endParaRPr kumimoji="1" lang="ja-JP" altLang="en-US"/>
           </a:p>
@@ -1175,7 +1176,7 @@
           <a:p>
             <a:fld id="{FEFB3154-A281-48F2-8DC9-C99E29F1ECF4}" type="slidenum">
               <a:rPr kumimoji="1" lang="ja-JP" altLang="en-US" smtClean="0"/>
-              <a:t>17</a:t>
+              <a:t>18</a:t>
             </a:fld>
             <a:endParaRPr kumimoji="1" lang="ja-JP" altLang="en-US"/>
           </a:p>
@@ -1271,7 +1272,7 @@
           <a:p>
             <a:fld id="{FEFB3154-A281-48F2-8DC9-C99E29F1ECF4}" type="slidenum">
               <a:rPr kumimoji="1" lang="ja-JP" altLang="en-US" smtClean="0"/>
-              <a:t>18</a:t>
+              <a:t>19</a:t>
             </a:fld>
             <a:endParaRPr kumimoji="1" lang="ja-JP" altLang="en-US"/>
           </a:p>
@@ -1355,7 +1356,7 @@
           <a:p>
             <a:fld id="{FEFB3154-A281-48F2-8DC9-C99E29F1ECF4}" type="slidenum">
               <a:rPr kumimoji="1" lang="ja-JP" altLang="en-US" smtClean="0"/>
-              <a:t>19</a:t>
+              <a:t>20</a:t>
             </a:fld>
             <a:endParaRPr kumimoji="1" lang="ja-JP" altLang="en-US"/>
           </a:p>
@@ -5368,19 +5369,11 @@
             </a:r>
             <a:r>
               <a:rPr kumimoji="1" lang="ja-JP" altLang="en-US" sz="3600" dirty="0" smtClean="0"/>
-              <a:t>電子</a:t>
-            </a:r>
-            <a:r>
-              <a:rPr kumimoji="1" lang="ja-JP" altLang="en-US" sz="3600" dirty="0" smtClean="0"/>
-              <a:t>タグを持つ</a:t>
+              <a:t>電子タグを持つ</a:t>
             </a:r>
             <a:r>
               <a:rPr kumimoji="1" lang="en-US" altLang="ja-JP" sz="3600" dirty="0" smtClean="0"/>
-              <a:t>Agent Based Epidemic </a:t>
-            </a:r>
-            <a:r>
-              <a:rPr kumimoji="1" lang="en-US" altLang="ja-JP" sz="3600" dirty="0" smtClean="0"/>
-              <a:t>Model</a:t>
+              <a:t>Agent Based Epidemic Model</a:t>
             </a:r>
             <a:endParaRPr kumimoji="1" lang="ja-JP" altLang="en-US" sz="3600" dirty="0"/>
           </a:p>
@@ -5854,11 +5847,7 @@
           <a:bodyPr/>
           <a:lstStyle/>
           <a:p>
-            <a:r>
-              <a:rPr kumimoji="1" lang="ja-JP" altLang="en-US" dirty="0" smtClean="0"/>
-              <a:t>空間非一様モデル（今後の課題）</a:t>
-            </a:r>
-            <a:endParaRPr kumimoji="1" lang="ja-JP" altLang="en-US" dirty="0"/>
+            <a:endParaRPr kumimoji="1" lang="ja-JP" altLang="en-US"/>
           </a:p>
         </p:txBody>
       </p:sp>
@@ -5876,13 +5865,6 @@
         <p:txBody>
           <a:bodyPr/>
           <a:lstStyle/>
-          <a:p>
-            <a:r>
-              <a:rPr kumimoji="1" lang="ja-JP" altLang="en-US" dirty="0" smtClean="0"/>
-              <a:t>病原体の広がりは数理疫学モデルによって表現されてきたが、抗体の広がりは十分に調べられていない。電子タグを用いることにより、抗体の社会的な広がりを表現したい。</a:t>
-            </a:r>
-            <a:endParaRPr kumimoji="1" lang="en-US" altLang="ja-JP" dirty="0" smtClean="0"/>
-          </a:p>
           <a:p>
             <a:endParaRPr kumimoji="1" lang="ja-JP" altLang="en-US" dirty="0"/>
           </a:p>
@@ -5891,20 +5873,13 @@
     </p:spTree>
     <p:extLst>
       <p:ext uri="{BB962C8B-B14F-4D97-AF65-F5344CB8AC3E}">
-        <p14:creationId xmlns:p14="http://schemas.microsoft.com/office/powerpoint/2010/main" val="4140513809"/>
+        <p14:creationId xmlns:p14="http://schemas.microsoft.com/office/powerpoint/2010/main" val="4244516124"/>
       </p:ext>
     </p:extLst>
   </p:cSld>
   <p:clrMapOvr>
     <a:masterClrMapping/>
   </p:clrMapOvr>
-  <p:timing>
-    <p:tnLst>
-      <p:par>
-        <p:cTn id="1" dur="indefinite" restart="never" nodeType="tmRoot"/>
-      </p:par>
-    </p:tnLst>
-  </p:timing>
 </p:sld>
 </file>
 
@@ -5937,14 +5912,12 @@
         </p:nvSpPr>
         <p:spPr/>
         <p:txBody>
-          <a:bodyPr>
-            <a:normAutofit fontScale="90000"/>
-          </a:bodyPr>
+          <a:bodyPr/>
           <a:lstStyle/>
           <a:p>
             <a:r>
               <a:rPr kumimoji="1" lang="ja-JP" altLang="en-US" dirty="0" smtClean="0"/>
-              <a:t>（（（電子タグを用いた免疫機構の表現の妥当性</a:t>
+              <a:t>空間非一様モデル（今後の課題）</a:t>
             </a:r>
             <a:endParaRPr kumimoji="1" lang="ja-JP" altLang="en-US" dirty="0"/>
           </a:p>
@@ -5965,14 +5938,21 @@
           <a:bodyPr/>
           <a:lstStyle/>
           <a:p>
-            <a:endParaRPr kumimoji="1" lang="ja-JP" altLang="en-US"/>
+            <a:r>
+              <a:rPr kumimoji="1" lang="ja-JP" altLang="en-US" dirty="0" smtClean="0"/>
+              <a:t>病原体の広がりは数理疫学モデルによって表現されてきたが、抗体の広がりは十分に調べられていない。電子タグを用いることにより、抗体の社会的な広がりを表現したい。</a:t>
+            </a:r>
+            <a:endParaRPr kumimoji="1" lang="en-US" altLang="ja-JP" dirty="0" smtClean="0"/>
+          </a:p>
+          <a:p>
+            <a:endParaRPr kumimoji="1" lang="ja-JP" altLang="en-US" dirty="0"/>
           </a:p>
         </p:txBody>
       </p:sp>
     </p:spTree>
     <p:extLst>
       <p:ext uri="{BB962C8B-B14F-4D97-AF65-F5344CB8AC3E}">
-        <p14:creationId xmlns:p14="http://schemas.microsoft.com/office/powerpoint/2010/main" val="296766167"/>
+        <p14:creationId xmlns:p14="http://schemas.microsoft.com/office/powerpoint/2010/main" val="4140513809"/>
       </p:ext>
     </p:extLst>
   </p:cSld>
@@ -6018,12 +5998,14 @@
         </p:nvSpPr>
         <p:spPr/>
         <p:txBody>
-          <a:bodyPr/>
+          <a:bodyPr>
+            <a:normAutofit fontScale="90000"/>
+          </a:bodyPr>
           <a:lstStyle/>
           <a:p>
             <a:r>
               <a:rPr kumimoji="1" lang="ja-JP" altLang="en-US" dirty="0" smtClean="0"/>
-              <a:t>延長された表現型とは</a:t>
+              <a:t>（（（電子タグを用いた免疫機構の表現の妥当性</a:t>
             </a:r>
             <a:endParaRPr kumimoji="1" lang="ja-JP" altLang="en-US" dirty="0"/>
           </a:p>
@@ -6044,17 +6026,14 @@
           <a:bodyPr/>
           <a:lstStyle/>
           <a:p>
-            <a:pPr marL="0" indent="0">
-              <a:buNone/>
-            </a:pPr>
-            <a:endParaRPr kumimoji="1" lang="ja-JP" altLang="en-US" dirty="0"/>
+            <a:endParaRPr kumimoji="1" lang="ja-JP" altLang="en-US"/>
           </a:p>
         </p:txBody>
       </p:sp>
     </p:spTree>
     <p:extLst>
       <p:ext uri="{BB962C8B-B14F-4D97-AF65-F5344CB8AC3E}">
-        <p14:creationId xmlns:p14="http://schemas.microsoft.com/office/powerpoint/2010/main" val="3461091930"/>
+        <p14:creationId xmlns:p14="http://schemas.microsoft.com/office/powerpoint/2010/main" val="296766167"/>
       </p:ext>
     </p:extLst>
   </p:cSld>
@@ -6105,7 +6084,7 @@
           <a:p>
             <a:r>
               <a:rPr kumimoji="1" lang="ja-JP" altLang="en-US" dirty="0" smtClean="0"/>
-              <a:t>研究目的２</a:t>
+              <a:t>延長された表現型とは</a:t>
             </a:r>
             <a:endParaRPr kumimoji="1" lang="ja-JP" altLang="en-US" dirty="0"/>
           </a:p>
@@ -6126,21 +6105,9 @@
           <a:bodyPr/>
           <a:lstStyle/>
           <a:p>
-            <a:r>
-              <a:rPr kumimoji="1" lang="en-US" altLang="ja-JP" dirty="0" smtClean="0"/>
-              <a:t>2</a:t>
-            </a:r>
-            <a:r>
-              <a:rPr kumimoji="1" lang="ja-JP" altLang="en-US" dirty="0" smtClean="0"/>
-              <a:t>種類のウイルスが流行した場合、一方のウイルスの免疫を獲得することにより他方のウイルスに対する免疫を失うことが起こりうる。</a:t>
-            </a:r>
-            <a:endParaRPr lang="en-US" altLang="ja-JP" dirty="0"/>
-          </a:p>
-          <a:p>
-            <a:r>
-              <a:rPr kumimoji="1" lang="ja-JP" altLang="en-US" dirty="0" smtClean="0"/>
-              <a:t>その結果社会全体で発生する免疫獲得とウイルス感染との間のある種の振動現象を数値解析的に再現する。</a:t>
-            </a:r>
+            <a:pPr marL="0" indent="0">
+              <a:buNone/>
+            </a:pPr>
             <a:endParaRPr kumimoji="1" lang="ja-JP" altLang="en-US" dirty="0"/>
           </a:p>
         </p:txBody>
@@ -6148,7 +6115,7 @@
     </p:spTree>
     <p:extLst>
       <p:ext uri="{BB962C8B-B14F-4D97-AF65-F5344CB8AC3E}">
-        <p14:creationId xmlns:p14="http://schemas.microsoft.com/office/powerpoint/2010/main" val="2535459551"/>
+        <p14:creationId xmlns:p14="http://schemas.microsoft.com/office/powerpoint/2010/main" val="3461091930"/>
       </p:ext>
     </p:extLst>
   </p:cSld>
@@ -6199,7 +6166,7 @@
           <a:p>
             <a:r>
               <a:rPr kumimoji="1" lang="ja-JP" altLang="en-US" dirty="0" smtClean="0"/>
-              <a:t>パラメータ集合の分類</a:t>
+              <a:t>研究目的２</a:t>
             </a:r>
             <a:endParaRPr kumimoji="1" lang="ja-JP" altLang="en-US" dirty="0"/>
           </a:p>
@@ -6221,8 +6188,19 @@
           <a:lstStyle/>
           <a:p>
             <a:r>
+              <a:rPr kumimoji="1" lang="en-US" altLang="ja-JP" dirty="0" smtClean="0"/>
+              <a:t>2</a:t>
+            </a:r>
+            <a:r>
               <a:rPr kumimoji="1" lang="ja-JP" altLang="en-US" dirty="0" smtClean="0"/>
-              <a:t>８つ</a:t>
+              <a:t>種類のウイルスが流行した場合、一方のウイルスの免疫を獲得することにより他方のウイルスに対する免疫を失うことが起こりうる。</a:t>
+            </a:r>
+            <a:endParaRPr lang="en-US" altLang="ja-JP" dirty="0"/>
+          </a:p>
+          <a:p>
+            <a:r>
+              <a:rPr kumimoji="1" lang="ja-JP" altLang="en-US" dirty="0" smtClean="0"/>
+              <a:t>その結果社会全体で発生する免疫獲得とウイルス感染との間のある種の振動現象を数値解析的に再現する。</a:t>
             </a:r>
             <a:endParaRPr kumimoji="1" lang="ja-JP" altLang="en-US" dirty="0"/>
           </a:p>
@@ -6231,7 +6209,7 @@
     </p:spTree>
     <p:extLst>
       <p:ext uri="{BB962C8B-B14F-4D97-AF65-F5344CB8AC3E}">
-        <p14:creationId xmlns:p14="http://schemas.microsoft.com/office/powerpoint/2010/main" val="3741923519"/>
+        <p14:creationId xmlns:p14="http://schemas.microsoft.com/office/powerpoint/2010/main" val="2535459551"/>
       </p:ext>
     </p:extLst>
   </p:cSld>
@@ -6305,19 +6283,7 @@
           <a:p>
             <a:r>
               <a:rPr kumimoji="1" lang="ja-JP" altLang="en-US" dirty="0" smtClean="0"/>
-              <a:t>抗原抗体反応</a:t>
-            </a:r>
-            <a:r>
-              <a:rPr kumimoji="1" lang="ja-JP" altLang="en-US" dirty="0" smtClean="0"/>
-              <a:t>を表現する電子</a:t>
-            </a:r>
-            <a:r>
-              <a:rPr kumimoji="1" lang="ja-JP" altLang="en-US" dirty="0" smtClean="0"/>
-              <a:t>タグ</a:t>
-            </a:r>
-            <a:r>
-              <a:rPr kumimoji="1" lang="ja-JP" altLang="en-US" dirty="0" smtClean="0"/>
-              <a:t>を持つエージェントによって構成される</a:t>
+              <a:t>抗原抗体反応を表現する電子タグを持つエージェントによって構成される</a:t>
             </a:r>
             <a:r>
               <a:rPr kumimoji="1" lang="en-US" altLang="ja-JP" dirty="0" smtClean="0"/>
@@ -6378,6 +6344,89 @@
           <a:p>
             <a:r>
               <a:rPr kumimoji="1" lang="ja-JP" altLang="en-US" dirty="0" smtClean="0"/>
+              <a:t>パラメータ集合の分類</a:t>
+            </a:r>
+            <a:endParaRPr kumimoji="1" lang="ja-JP" altLang="en-US" dirty="0"/>
+          </a:p>
+        </p:txBody>
+      </p:sp>
+      <p:sp>
+        <p:nvSpPr>
+          <p:cNvPr id="3" name="コンテンツ プレースホルダー 2"/>
+          <p:cNvSpPr>
+            <a:spLocks noGrp="1"/>
+          </p:cNvSpPr>
+          <p:nvPr>
+            <p:ph idx="1"/>
+          </p:nvPr>
+        </p:nvSpPr>
+        <p:spPr/>
+        <p:txBody>
+          <a:bodyPr/>
+          <a:lstStyle/>
+          <a:p>
+            <a:r>
+              <a:rPr kumimoji="1" lang="ja-JP" altLang="en-US" dirty="0" smtClean="0"/>
+              <a:t>８つ</a:t>
+            </a:r>
+            <a:endParaRPr kumimoji="1" lang="ja-JP" altLang="en-US" dirty="0"/>
+          </a:p>
+        </p:txBody>
+      </p:sp>
+    </p:spTree>
+    <p:extLst>
+      <p:ext uri="{BB962C8B-B14F-4D97-AF65-F5344CB8AC3E}">
+        <p14:creationId xmlns:p14="http://schemas.microsoft.com/office/powerpoint/2010/main" val="3741923519"/>
+      </p:ext>
+    </p:extLst>
+  </p:cSld>
+  <p:clrMapOvr>
+    <a:masterClrMapping/>
+  </p:clrMapOvr>
+  <p:timing>
+    <p:tnLst>
+      <p:par>
+        <p:cTn id="1" dur="indefinite" restart="never" nodeType="tmRoot"/>
+      </p:par>
+    </p:tnLst>
+  </p:timing>
+</p:sld>
+</file>
+
+<file path=ppt/slides/slide21.xml><?xml version="1.0" encoding="utf-8"?>
+<p:sld xmlns:a="http://schemas.openxmlformats.org/drawingml/2006/main" xmlns:r="http://schemas.openxmlformats.org/officeDocument/2006/relationships" xmlns:p="http://schemas.openxmlformats.org/presentationml/2006/main">
+  <p:cSld>
+    <p:spTree>
+      <p:nvGrpSpPr>
+        <p:cNvPr id="1" name=""/>
+        <p:cNvGrpSpPr/>
+        <p:nvPr/>
+      </p:nvGrpSpPr>
+      <p:grpSpPr>
+        <a:xfrm>
+          <a:off x="0" y="0"/>
+          <a:ext cx="0" cy="0"/>
+          <a:chOff x="0" y="0"/>
+          <a:chExt cx="0" cy="0"/>
+        </a:xfrm>
+      </p:grpSpPr>
+      <p:sp>
+        <p:nvSpPr>
+          <p:cNvPr id="2" name="タイトル 1"/>
+          <p:cNvSpPr>
+            <a:spLocks noGrp="1"/>
+          </p:cNvSpPr>
+          <p:nvPr>
+            <p:ph type="title"/>
+          </p:nvPr>
+        </p:nvSpPr>
+        <p:spPr/>
+        <p:txBody>
+          <a:bodyPr/>
+          <a:lstStyle/>
+          <a:p>
+            <a:r>
+              <a:rPr kumimoji="1" lang="ja-JP" altLang="en-US" dirty="0" smtClean="0"/>
               <a:t>（（（ＳＩＲモデルとの比較</a:t>
             </a:r>
             <a:endParaRPr kumimoji="1" lang="ja-JP" altLang="en-US" dirty="0"/>
@@ -6475,15 +6524,7 @@
           <a:p>
             <a:r>
               <a:rPr kumimoji="1" lang="ja-JP" altLang="en-US" dirty="0" smtClean="0"/>
-              <a:t>微分方程式疫学モデル</a:t>
-            </a:r>
-            <a:r>
-              <a:rPr kumimoji="1" lang="ja-JP" altLang="en-US" dirty="0" smtClean="0"/>
-              <a:t>で</a:t>
-            </a:r>
-            <a:r>
-              <a:rPr kumimoji="1" lang="ja-JP" altLang="en-US" dirty="0" smtClean="0"/>
-              <a:t>は</a:t>
+              <a:t>微分方程式疫学モデルでは</a:t>
             </a:r>
             <a:r>
               <a:rPr lang="ja-JP" altLang="en-US" dirty="0" smtClean="0"/>
@@ -6491,53 +6532,21 @@
             </a:r>
             <a:r>
               <a:rPr kumimoji="1" lang="ja-JP" altLang="en-US" dirty="0" smtClean="0"/>
-              <a:t>免疫</a:t>
-            </a:r>
+              <a:t>免疫機構の詳細は表現されていない。</a:t>
+            </a:r>
+            <a:endParaRPr kumimoji="1" lang="en-US" altLang="ja-JP" dirty="0" smtClean="0"/>
+          </a:p>
+          <a:p>
             <a:r>
               <a:rPr kumimoji="1" lang="ja-JP" altLang="en-US" dirty="0" smtClean="0"/>
-              <a:t>機構の</a:t>
-            </a:r>
+              <a:t>電子タグにより、免疫機構をモデル化することができる。</a:t>
+            </a:r>
+            <a:endParaRPr kumimoji="1" lang="en-US" altLang="ja-JP" dirty="0" smtClean="0"/>
+          </a:p>
+          <a:p>
             <a:r>
               <a:rPr kumimoji="1" lang="ja-JP" altLang="en-US" dirty="0" smtClean="0"/>
-              <a:t>詳細は表現されていない。</a:t>
-            </a:r>
-            <a:endParaRPr kumimoji="1" lang="en-US" altLang="ja-JP" dirty="0" smtClean="0"/>
-          </a:p>
-          <a:p>
-            <a:r>
-              <a:rPr kumimoji="1" lang="ja-JP" altLang="en-US" dirty="0" smtClean="0"/>
-              <a:t>電子</a:t>
-            </a:r>
-            <a:r>
-              <a:rPr kumimoji="1" lang="ja-JP" altLang="en-US" dirty="0" smtClean="0"/>
-              <a:t>タグに</a:t>
-            </a:r>
-            <a:r>
-              <a:rPr kumimoji="1" lang="ja-JP" altLang="en-US" dirty="0" smtClean="0"/>
-              <a:t>より、免疫</a:t>
-            </a:r>
-            <a:r>
-              <a:rPr kumimoji="1" lang="ja-JP" altLang="en-US" dirty="0" smtClean="0"/>
-              <a:t>機構をモデル化</a:t>
-            </a:r>
-            <a:r>
-              <a:rPr kumimoji="1" lang="ja-JP" altLang="en-US" dirty="0" smtClean="0"/>
-              <a:t>することができる。</a:t>
-            </a:r>
-            <a:endParaRPr kumimoji="1" lang="en-US" altLang="ja-JP" dirty="0" smtClean="0"/>
-          </a:p>
-          <a:p>
-            <a:r>
-              <a:rPr kumimoji="1" lang="ja-JP" altLang="en-US" dirty="0" smtClean="0"/>
-              <a:t>免疫の</a:t>
-            </a:r>
-            <a:r>
-              <a:rPr kumimoji="1" lang="ja-JP" altLang="en-US" dirty="0" smtClean="0"/>
-              <a:t>社会的な広がり</a:t>
-            </a:r>
-            <a:r>
-              <a:rPr kumimoji="1" lang="ja-JP" altLang="en-US" dirty="0" smtClean="0"/>
-              <a:t>を表現できる。</a:t>
+              <a:t>免疫の社会的な広がりを表現できる。</a:t>
             </a:r>
             <a:endParaRPr kumimoji="1" lang="en-US" altLang="ja-JP" dirty="0" smtClean="0"/>
           </a:p>

--- a/ppt/卒業研究.pptx
+++ b/ppt/卒業研究.pptx
@@ -5,33 +5,32 @@
     <p:sldMasterId id="2147483648" r:id="rId1"/>
   </p:sldMasterIdLst>
   <p:notesMasterIdLst>
-    <p:notesMasterId r:id="rId23"/>
+    <p:notesMasterId r:id="rId22"/>
   </p:notesMasterIdLst>
   <p:handoutMasterIdLst>
-    <p:handoutMasterId r:id="rId24"/>
+    <p:handoutMasterId r:id="rId23"/>
   </p:handoutMasterIdLst>
   <p:sldIdLst>
     <p:sldId id="256" r:id="rId2"/>
     <p:sldId id="258" r:id="rId3"/>
     <p:sldId id="259" r:id="rId4"/>
-    <p:sldId id="285" r:id="rId5"/>
-    <p:sldId id="260" r:id="rId6"/>
-    <p:sldId id="280" r:id="rId7"/>
-    <p:sldId id="283" r:id="rId8"/>
-    <p:sldId id="270" r:id="rId9"/>
-    <p:sldId id="266" r:id="rId10"/>
-    <p:sldId id="286" r:id="rId11"/>
-    <p:sldId id="284" r:id="rId12"/>
-    <p:sldId id="272" r:id="rId13"/>
-    <p:sldId id="273" r:id="rId14"/>
-    <p:sldId id="274" r:id="rId15"/>
-    <p:sldId id="288" r:id="rId16"/>
-    <p:sldId id="275" r:id="rId17"/>
-    <p:sldId id="267" r:id="rId18"/>
-    <p:sldId id="264" r:id="rId19"/>
-    <p:sldId id="265" r:id="rId20"/>
-    <p:sldId id="268" r:id="rId21"/>
-    <p:sldId id="287" r:id="rId22"/>
+    <p:sldId id="260" r:id="rId5"/>
+    <p:sldId id="280" r:id="rId6"/>
+    <p:sldId id="283" r:id="rId7"/>
+    <p:sldId id="270" r:id="rId8"/>
+    <p:sldId id="266" r:id="rId9"/>
+    <p:sldId id="286" r:id="rId10"/>
+    <p:sldId id="284" r:id="rId11"/>
+    <p:sldId id="272" r:id="rId12"/>
+    <p:sldId id="273" r:id="rId13"/>
+    <p:sldId id="274" r:id="rId14"/>
+    <p:sldId id="275" r:id="rId15"/>
+    <p:sldId id="267" r:id="rId16"/>
+    <p:sldId id="264" r:id="rId17"/>
+    <p:sldId id="289" r:id="rId18"/>
+    <p:sldId id="265" r:id="rId19"/>
+    <p:sldId id="268" r:id="rId20"/>
+    <p:sldId id="287" r:id="rId21"/>
   </p:sldIdLst>
   <p:sldSz cx="9144000" cy="6858000" type="screen4x3"/>
   <p:notesSz cx="6858000" cy="9144000"/>
@@ -215,7 +214,7 @@
           <a:p>
             <a:fld id="{74825FEB-C9F8-43E7-A6A0-63C03333387A}" type="datetimeFigureOut">
               <a:rPr kumimoji="1" lang="ja-JP" altLang="en-US" smtClean="0"/>
-              <a:t>2014/1/14</a:t>
+              <a:t>2014/1/15</a:t>
             </a:fld>
             <a:endParaRPr kumimoji="1" lang="ja-JP" altLang="en-US"/>
           </a:p>
@@ -380,7 +379,7 @@
           <a:p>
             <a:fld id="{7DF372ED-9A20-47C3-A076-E002DD6BB04D}" type="datetimeFigureOut">
               <a:rPr kumimoji="1" lang="ja-JP" altLang="en-US" smtClean="0"/>
-              <a:t>2014/1/14</a:t>
+              <a:t>2014/1/15</a:t>
             </a:fld>
             <a:endParaRPr kumimoji="1" lang="ja-JP" altLang="en-US"/>
           </a:p>
@@ -840,7 +839,7 @@
           <a:p>
             <a:fld id="{FEFB3154-A281-48F2-8DC9-C99E29F1ECF4}" type="slidenum">
               <a:rPr kumimoji="1" lang="ja-JP" altLang="en-US" smtClean="0"/>
-              <a:t>13</a:t>
+              <a:t>12</a:t>
             </a:fld>
             <a:endParaRPr kumimoji="1" lang="ja-JP" altLang="en-US"/>
           </a:p>
@@ -903,7 +902,7 @@
           <a:bodyPr/>
           <a:lstStyle/>
           <a:p>
-            <a:endParaRPr kumimoji="1" lang="ja-JP" altLang="en-US"/>
+            <a:endParaRPr kumimoji="1" lang="ja-JP" altLang="en-US" dirty="0"/>
           </a:p>
         </p:txBody>
       </p:sp>
@@ -924,7 +923,7 @@
           <a:p>
             <a:fld id="{FEFB3154-A281-48F2-8DC9-C99E29F1ECF4}" type="slidenum">
               <a:rPr kumimoji="1" lang="ja-JP" altLang="en-US" smtClean="0"/>
-              <a:t>14</a:t>
+              <a:t>13</a:t>
             </a:fld>
             <a:endParaRPr kumimoji="1" lang="ja-JP" altLang="en-US"/>
           </a:p>
@@ -1008,7 +1007,7 @@
           <a:p>
             <a:fld id="{FEFB3154-A281-48F2-8DC9-C99E29F1ECF4}" type="slidenum">
               <a:rPr kumimoji="1" lang="ja-JP" altLang="en-US" smtClean="0"/>
-              <a:t>16</a:t>
+              <a:t>14</a:t>
             </a:fld>
             <a:endParaRPr kumimoji="1" lang="ja-JP" altLang="en-US"/>
           </a:p>
@@ -1092,7 +1091,7 @@
           <a:p>
             <a:fld id="{FEFB3154-A281-48F2-8DC9-C99E29F1ECF4}" type="slidenum">
               <a:rPr kumimoji="1" lang="ja-JP" altLang="en-US" smtClean="0"/>
-              <a:t>17</a:t>
+              <a:t>15</a:t>
             </a:fld>
             <a:endParaRPr kumimoji="1" lang="ja-JP" altLang="en-US"/>
           </a:p>
@@ -1176,7 +1175,7 @@
           <a:p>
             <a:fld id="{FEFB3154-A281-48F2-8DC9-C99E29F1ECF4}" type="slidenum">
               <a:rPr kumimoji="1" lang="ja-JP" altLang="en-US" smtClean="0"/>
-              <a:t>18</a:t>
+              <a:t>16</a:t>
             </a:fld>
             <a:endParaRPr kumimoji="1" lang="ja-JP" altLang="en-US"/>
           </a:p>
@@ -1272,7 +1271,7 @@
           <a:p>
             <a:fld id="{FEFB3154-A281-48F2-8DC9-C99E29F1ECF4}" type="slidenum">
               <a:rPr kumimoji="1" lang="ja-JP" altLang="en-US" smtClean="0"/>
-              <a:t>19</a:t>
+              <a:t>18</a:t>
             </a:fld>
             <a:endParaRPr kumimoji="1" lang="ja-JP" altLang="en-US"/>
           </a:p>
@@ -1356,7 +1355,7 @@
           <a:p>
             <a:fld id="{FEFB3154-A281-48F2-8DC9-C99E29F1ECF4}" type="slidenum">
               <a:rPr kumimoji="1" lang="ja-JP" altLang="en-US" smtClean="0"/>
-              <a:t>20</a:t>
+              <a:t>19</a:t>
             </a:fld>
             <a:endParaRPr kumimoji="1" lang="ja-JP" altLang="en-US"/>
           </a:p>
@@ -1623,7 +1622,7 @@
           <a:p>
             <a:fld id="{FEFB3154-A281-48F2-8DC9-C99E29F1ECF4}" type="slidenum">
               <a:rPr kumimoji="1" lang="ja-JP" altLang="en-US" smtClean="0"/>
-              <a:t>5</a:t>
+              <a:t>4</a:t>
             </a:fld>
             <a:endParaRPr kumimoji="1" lang="ja-JP" altLang="en-US"/>
           </a:p>
@@ -1711,7 +1710,7 @@
           <a:p>
             <a:fld id="{FEFB3154-A281-48F2-8DC9-C99E29F1ECF4}" type="slidenum">
               <a:rPr kumimoji="1" lang="ja-JP" altLang="en-US" smtClean="0"/>
-              <a:t>6</a:t>
+              <a:t>5</a:t>
             </a:fld>
             <a:endParaRPr kumimoji="1" lang="ja-JP" altLang="en-US"/>
           </a:p>
@@ -1795,7 +1794,7 @@
           <a:p>
             <a:fld id="{FEFB3154-A281-48F2-8DC9-C99E29F1ECF4}" type="slidenum">
               <a:rPr kumimoji="1" lang="ja-JP" altLang="en-US" smtClean="0"/>
-              <a:t>8</a:t>
+              <a:t>7</a:t>
             </a:fld>
             <a:endParaRPr kumimoji="1" lang="ja-JP" altLang="en-US"/>
           </a:p>
@@ -1879,7 +1878,7 @@
           <a:p>
             <a:fld id="{FEFB3154-A281-48F2-8DC9-C99E29F1ECF4}" type="slidenum">
               <a:rPr kumimoji="1" lang="ja-JP" altLang="en-US" smtClean="0"/>
-              <a:t>9</a:t>
+              <a:t>8</a:t>
             </a:fld>
             <a:endParaRPr kumimoji="1" lang="ja-JP" altLang="en-US"/>
           </a:p>
@@ -1963,7 +1962,7 @@
           <a:p>
             <a:fld id="{FEFB3154-A281-48F2-8DC9-C99E29F1ECF4}" type="slidenum">
               <a:rPr kumimoji="1" lang="ja-JP" altLang="en-US" smtClean="0"/>
-              <a:t>10</a:t>
+              <a:t>9</a:t>
             </a:fld>
             <a:endParaRPr kumimoji="1" lang="ja-JP" altLang="en-US"/>
           </a:p>
@@ -2047,7 +2046,7 @@
           <a:p>
             <a:fld id="{FEFB3154-A281-48F2-8DC9-C99E29F1ECF4}" type="slidenum">
               <a:rPr kumimoji="1" lang="ja-JP" altLang="en-US" smtClean="0"/>
-              <a:t>12</a:t>
+              <a:t>11</a:t>
             </a:fld>
             <a:endParaRPr kumimoji="1" lang="ja-JP" altLang="en-US"/>
           </a:p>
@@ -2247,7 +2246,7 @@
           <a:p>
             <a:fld id="{764389B5-BBD8-4BB5-AA3B-F6D4F6020998}" type="datetimeFigureOut">
               <a:rPr kumimoji="1" lang="ja-JP" altLang="en-US" smtClean="0"/>
-              <a:t>2014/1/14</a:t>
+              <a:t>2014/1/15</a:t>
             </a:fld>
             <a:endParaRPr kumimoji="1" lang="ja-JP" altLang="en-US"/>
           </a:p>
@@ -2449,7 +2448,7 @@
           <a:p>
             <a:fld id="{764389B5-BBD8-4BB5-AA3B-F6D4F6020998}" type="datetimeFigureOut">
               <a:rPr kumimoji="1" lang="ja-JP" altLang="en-US" smtClean="0"/>
-              <a:t>2014/1/14</a:t>
+              <a:t>2014/1/15</a:t>
             </a:fld>
             <a:endParaRPr kumimoji="1" lang="ja-JP" altLang="en-US"/>
           </a:p>
@@ -2661,7 +2660,7 @@
           <a:p>
             <a:fld id="{764389B5-BBD8-4BB5-AA3B-F6D4F6020998}" type="datetimeFigureOut">
               <a:rPr kumimoji="1" lang="ja-JP" altLang="en-US" smtClean="0"/>
-              <a:t>2014/1/14</a:t>
+              <a:t>2014/1/15</a:t>
             </a:fld>
             <a:endParaRPr kumimoji="1" lang="ja-JP" altLang="en-US"/>
           </a:p>
@@ -2863,7 +2862,7 @@
           <a:p>
             <a:fld id="{764389B5-BBD8-4BB5-AA3B-F6D4F6020998}" type="datetimeFigureOut">
               <a:rPr kumimoji="1" lang="ja-JP" altLang="en-US" smtClean="0"/>
-              <a:t>2014/1/14</a:t>
+              <a:t>2014/1/15</a:t>
             </a:fld>
             <a:endParaRPr kumimoji="1" lang="ja-JP" altLang="en-US"/>
           </a:p>
@@ -3109,7 +3108,7 @@
           <a:p>
             <a:fld id="{764389B5-BBD8-4BB5-AA3B-F6D4F6020998}" type="datetimeFigureOut">
               <a:rPr kumimoji="1" lang="ja-JP" altLang="en-US" smtClean="0"/>
-              <a:t>2014/1/14</a:t>
+              <a:t>2014/1/15</a:t>
             </a:fld>
             <a:endParaRPr kumimoji="1" lang="ja-JP" altLang="en-US"/>
           </a:p>
@@ -3461,7 +3460,7 @@
           <a:p>
             <a:fld id="{764389B5-BBD8-4BB5-AA3B-F6D4F6020998}" type="datetimeFigureOut">
               <a:rPr kumimoji="1" lang="ja-JP" altLang="en-US" smtClean="0"/>
-              <a:t>2014/1/14</a:t>
+              <a:t>2014/1/15</a:t>
             </a:fld>
             <a:endParaRPr kumimoji="1" lang="ja-JP" altLang="en-US"/>
           </a:p>
@@ -3947,7 +3946,7 @@
           <a:p>
             <a:fld id="{764389B5-BBD8-4BB5-AA3B-F6D4F6020998}" type="datetimeFigureOut">
               <a:rPr kumimoji="1" lang="ja-JP" altLang="en-US" smtClean="0"/>
-              <a:t>2014/1/14</a:t>
+              <a:t>2014/1/15</a:t>
             </a:fld>
             <a:endParaRPr kumimoji="1" lang="ja-JP" altLang="en-US"/>
           </a:p>
@@ -4065,7 +4064,7 @@
           <a:p>
             <a:fld id="{764389B5-BBD8-4BB5-AA3B-F6D4F6020998}" type="datetimeFigureOut">
               <a:rPr kumimoji="1" lang="ja-JP" altLang="en-US" smtClean="0"/>
-              <a:t>2014/1/14</a:t>
+              <a:t>2014/1/15</a:t>
             </a:fld>
             <a:endParaRPr kumimoji="1" lang="ja-JP" altLang="en-US"/>
           </a:p>
@@ -4160,7 +4159,7 @@
           <a:p>
             <a:fld id="{764389B5-BBD8-4BB5-AA3B-F6D4F6020998}" type="datetimeFigureOut">
               <a:rPr kumimoji="1" lang="ja-JP" altLang="en-US" smtClean="0"/>
-              <a:t>2014/1/14</a:t>
+              <a:t>2014/1/15</a:t>
             </a:fld>
             <a:endParaRPr kumimoji="1" lang="ja-JP" altLang="en-US"/>
           </a:p>
@@ -4469,7 +4468,7 @@
           <a:p>
             <a:fld id="{764389B5-BBD8-4BB5-AA3B-F6D4F6020998}" type="datetimeFigureOut">
               <a:rPr kumimoji="1" lang="ja-JP" altLang="en-US" smtClean="0"/>
-              <a:t>2014/1/14</a:t>
+              <a:t>2014/1/15</a:t>
             </a:fld>
             <a:endParaRPr kumimoji="1" lang="ja-JP" altLang="en-US"/>
           </a:p>
@@ -4722,7 +4721,7 @@
           <a:p>
             <a:fld id="{764389B5-BBD8-4BB5-AA3B-F6D4F6020998}" type="datetimeFigureOut">
               <a:rPr kumimoji="1" lang="ja-JP" altLang="en-US" smtClean="0"/>
-              <a:t>2014/1/14</a:t>
+              <a:t>2014/1/15</a:t>
             </a:fld>
             <a:endParaRPr kumimoji="1" lang="ja-JP" altLang="en-US"/>
           </a:p>
@@ -4967,7 +4966,7 @@
           <a:p>
             <a:fld id="{764389B5-BBD8-4BB5-AA3B-F6D4F6020998}" type="datetimeFigureOut">
               <a:rPr kumimoji="1" lang="ja-JP" altLang="en-US" smtClean="0"/>
-              <a:t>2014/1/14</a:t>
+              <a:t>2014/1/15</a:t>
             </a:fld>
             <a:endParaRPr kumimoji="1" lang="ja-JP" altLang="en-US"/>
           </a:p>
@@ -5360,22 +5359,30 @@
           <a:lstStyle/>
           <a:p>
             <a:r>
-              <a:rPr lang="ja-JP" altLang="en-US" sz="3600" dirty="0"/>
+              <a:rPr lang="ja-JP" altLang="en-US" sz="3200" dirty="0"/>
               <a:t>抗原</a:t>
             </a:r>
             <a:r>
-              <a:rPr lang="ja-JP" altLang="en-US" sz="3600" dirty="0" smtClean="0"/>
-              <a:t>抗体反応を表現する</a:t>
-            </a:r>
-            <a:r>
-              <a:rPr kumimoji="1" lang="ja-JP" altLang="en-US" sz="3600" dirty="0" smtClean="0"/>
+              <a:rPr lang="ja-JP" altLang="en-US" sz="3200" dirty="0" smtClean="0"/>
+              <a:t>抗体反応を表現</a:t>
+            </a:r>
+            <a:r>
+              <a:rPr lang="ja-JP" altLang="en-US" sz="3200" dirty="0" smtClean="0"/>
+              <a:t>する</a:t>
+            </a:r>
+            <a:r>
+              <a:rPr kumimoji="1" lang="ja-JP" altLang="en-US" sz="3200" dirty="0" smtClean="0"/>
               <a:t>電子タグを持つ</a:t>
             </a:r>
             <a:r>
-              <a:rPr kumimoji="1" lang="en-US" altLang="ja-JP" sz="3600" dirty="0" smtClean="0"/>
-              <a:t>Agent Based Epidemic Model</a:t>
-            </a:r>
-            <a:endParaRPr kumimoji="1" lang="ja-JP" altLang="en-US" sz="3600" dirty="0"/>
+              <a:rPr kumimoji="1" lang="en-US" altLang="ja-JP" sz="3200" dirty="0" smtClean="0"/>
+              <a:t>Agent </a:t>
+            </a:r>
+            <a:r>
+              <a:rPr kumimoji="1" lang="en-US" altLang="ja-JP" sz="3200" dirty="0" smtClean="0"/>
+              <a:t>Based Epidemic Model</a:t>
+            </a:r>
+            <a:endParaRPr kumimoji="1" lang="ja-JP" altLang="en-US" sz="3200" dirty="0"/>
           </a:p>
         </p:txBody>
       </p:sp>
@@ -5389,22 +5396,33 @@
             <p:ph type="subTitle" idx="1"/>
           </p:nvPr>
         </p:nvSpPr>
-        <p:spPr/>
-        <p:txBody>
-          <a:bodyPr/>
-          <a:lstStyle/>
-          <a:p>
-            <a:r>
-              <a:rPr kumimoji="1" lang="en-US" altLang="ja-JP" dirty="0" smtClean="0"/>
+        <p:spPr>
+          <a:xfrm>
+            <a:off x="1371600" y="4653136"/>
+            <a:ext cx="6400800" cy="1440160"/>
+          </a:xfrm>
+        </p:spPr>
+        <p:txBody>
+          <a:bodyPr>
+            <a:normAutofit/>
+          </a:bodyPr>
+          <a:lstStyle/>
+          <a:p>
+            <a:r>
+              <a:rPr kumimoji="1" lang="en-US" altLang="ja-JP" sz="2400" dirty="0" smtClean="0"/>
               <a:t>1100104003</a:t>
             </a:r>
           </a:p>
           <a:p>
             <a:r>
-              <a:rPr lang="ja-JP" altLang="en-US" dirty="0" smtClean="0"/>
-              <a:t>植田　尚克</a:t>
-            </a:r>
-            <a:endParaRPr kumimoji="1" lang="ja-JP" altLang="en-US" dirty="0" smtClean="0"/>
+              <a:rPr lang="ja-JP" altLang="en-US" sz="2400" dirty="0" smtClean="0"/>
+              <a:t>植田</a:t>
+            </a:r>
+            <a:r>
+              <a:rPr lang="ja-JP" altLang="en-US" sz="2400" dirty="0" smtClean="0"/>
+              <a:t>　尚克</a:t>
+            </a:r>
+            <a:endParaRPr kumimoji="1" lang="ja-JP" altLang="en-US" sz="2400" dirty="0" smtClean="0"/>
           </a:p>
         </p:txBody>
       </p:sp>
@@ -5445,51 +5463,63 @@
           <a:chExt cx="0" cy="0"/>
         </a:xfrm>
       </p:grpSpPr>
-      <p:pic>
-        <p:nvPicPr>
-          <p:cNvPr id="1030" name="Picture 6" descr="C:\Users\Naoki\workspace\AgentBasedEpidemicModel\PPT\tag_3.png"/>
-          <p:cNvPicPr>
-            <a:picLocks noChangeAspect="1" noChangeArrowheads="1"/>
-          </p:cNvPicPr>
-          <p:nvPr/>
-        </p:nvPicPr>
-        <p:blipFill>
-          <a:blip r:embed="rId3">
-            <a:extLst>
-              <a:ext uri="{28A0092B-C50C-407E-A947-70E740481C1C}">
-                <a14:useLocalDpi xmlns:a14="http://schemas.microsoft.com/office/drawing/2010/main" val="0"/>
-              </a:ext>
-            </a:extLst>
-          </a:blip>
-          <a:srcRect/>
-          <a:stretch>
-            <a:fillRect/>
-          </a:stretch>
-        </p:blipFill>
-        <p:spPr bwMode="auto">
-          <a:xfrm>
-            <a:off x="755576" y="548680"/>
-            <a:ext cx="7687447" cy="6153072"/>
-          </a:xfrm>
-          <a:prstGeom prst="rect">
-            <a:avLst/>
-          </a:prstGeom>
-          <a:noFill/>
-          <a:extLst>
-            <a:ext uri="{909E8E84-426E-40DD-AFC4-6F175D3DCCD1}">
-              <a14:hiddenFill xmlns:a14="http://schemas.microsoft.com/office/drawing/2010/main">
-                <a:solidFill>
-                  <a:srgbClr val="FFFFFF"/>
-                </a:solidFill>
-              </a14:hiddenFill>
-            </a:ext>
-          </a:extLst>
-        </p:spPr>
-      </p:pic>
+      <p:sp>
+        <p:nvSpPr>
+          <p:cNvPr id="2" name="タイトル 1"/>
+          <p:cNvSpPr>
+            <a:spLocks noGrp="1"/>
+          </p:cNvSpPr>
+          <p:nvPr>
+            <p:ph type="title"/>
+          </p:nvPr>
+        </p:nvSpPr>
+        <p:spPr/>
+        <p:txBody>
+          <a:bodyPr/>
+          <a:lstStyle/>
+          <a:p>
+            <a:r>
+              <a:rPr kumimoji="1" lang="ja-JP" altLang="en-US" dirty="0" smtClean="0"/>
+              <a:t>抗原抗体反応とは</a:t>
+            </a:r>
+            <a:endParaRPr kumimoji="1" lang="ja-JP" altLang="en-US" dirty="0"/>
+          </a:p>
+        </p:txBody>
+      </p:sp>
+      <p:sp>
+        <p:nvSpPr>
+          <p:cNvPr id="3" name="コンテンツ プレースホルダー 2"/>
+          <p:cNvSpPr>
+            <a:spLocks noGrp="1"/>
+          </p:cNvSpPr>
+          <p:nvPr>
+            <p:ph idx="1"/>
+          </p:nvPr>
+        </p:nvSpPr>
+        <p:spPr/>
+        <p:txBody>
+          <a:bodyPr/>
+          <a:lstStyle/>
+          <a:p>
+            <a:r>
+              <a:rPr kumimoji="1" lang="ja-JP" altLang="en-US" dirty="0" smtClean="0"/>
+              <a:t>抗原に対して抗体が反応して結合する反応</a:t>
+            </a:r>
+            <a:endParaRPr kumimoji="1" lang="en-US" altLang="ja-JP" dirty="0" smtClean="0"/>
+          </a:p>
+          <a:p>
+            <a:r>
+              <a:rPr lang="ja-JP" altLang="en-US" dirty="0" smtClean="0"/>
+              <a:t>例）</a:t>
+            </a:r>
+            <a:endParaRPr kumimoji="1" lang="ja-JP" altLang="en-US" dirty="0"/>
+          </a:p>
+        </p:txBody>
+      </p:sp>
     </p:spTree>
     <p:extLst>
       <p:ext uri="{BB962C8B-B14F-4D97-AF65-F5344CB8AC3E}">
-        <p14:creationId xmlns:p14="http://schemas.microsoft.com/office/powerpoint/2010/main" val="4159369643"/>
+        <p14:creationId xmlns:p14="http://schemas.microsoft.com/office/powerpoint/2010/main" val="3859860042"/>
       </p:ext>
     </p:extLst>
   </p:cSld>
@@ -5540,37 +5570,7 @@
           <a:p>
             <a:r>
               <a:rPr kumimoji="1" lang="ja-JP" altLang="en-US" dirty="0" smtClean="0"/>
-              <a:t>抗原抗体反応とは</a:t>
-            </a:r>
-            <a:endParaRPr kumimoji="1" lang="ja-JP" altLang="en-US" dirty="0"/>
-          </a:p>
-        </p:txBody>
-      </p:sp>
-      <p:sp>
-        <p:nvSpPr>
-          <p:cNvPr id="3" name="コンテンツ プレースホルダー 2"/>
-          <p:cNvSpPr>
-            <a:spLocks noGrp="1"/>
-          </p:cNvSpPr>
-          <p:nvPr>
-            <p:ph idx="1"/>
-          </p:nvPr>
-        </p:nvSpPr>
-        <p:spPr/>
-        <p:txBody>
-          <a:bodyPr/>
-          <a:lstStyle/>
-          <a:p>
-            <a:r>
-              <a:rPr kumimoji="1" lang="ja-JP" altLang="en-US" dirty="0" smtClean="0"/>
-              <a:t>抗原に対して抗体が反応して結合する反応</a:t>
-            </a:r>
-            <a:endParaRPr kumimoji="1" lang="en-US" altLang="ja-JP" dirty="0" smtClean="0"/>
-          </a:p>
-          <a:p>
-            <a:r>
-              <a:rPr lang="ja-JP" altLang="en-US" dirty="0" smtClean="0"/>
-              <a:t>例）</a:t>
+              <a:t>数値計算結果</a:t>
             </a:r>
             <a:endParaRPr kumimoji="1" lang="ja-JP" altLang="en-US" dirty="0"/>
           </a:p>
@@ -5579,13 +5579,20 @@
     </p:spTree>
     <p:extLst>
       <p:ext uri="{BB962C8B-B14F-4D97-AF65-F5344CB8AC3E}">
-        <p14:creationId xmlns:p14="http://schemas.microsoft.com/office/powerpoint/2010/main" val="3859860042"/>
+        <p14:creationId xmlns:p14="http://schemas.microsoft.com/office/powerpoint/2010/main" val="3483215692"/>
       </p:ext>
     </p:extLst>
   </p:cSld>
   <p:clrMapOvr>
     <a:masterClrMapping/>
   </p:clrMapOvr>
+  <p:timing>
+    <p:tnLst>
+      <p:par>
+        <p:cTn id="1" dur="indefinite" restart="never" nodeType="tmRoot"/>
+      </p:par>
+    </p:tnLst>
+  </p:timing>
 </p:sld>
 </file>
 
@@ -5623,7 +5630,30 @@
           <a:p>
             <a:r>
               <a:rPr kumimoji="1" lang="ja-JP" altLang="en-US" dirty="0" smtClean="0"/>
-              <a:t>数値計算結果</a:t>
+              <a:t>数値計算結果の分析</a:t>
+            </a:r>
+            <a:endParaRPr kumimoji="1" lang="ja-JP" altLang="en-US" dirty="0"/>
+          </a:p>
+        </p:txBody>
+      </p:sp>
+      <p:sp>
+        <p:nvSpPr>
+          <p:cNvPr id="3" name="コンテンツ プレースホルダー 2"/>
+          <p:cNvSpPr>
+            <a:spLocks noGrp="1"/>
+          </p:cNvSpPr>
+          <p:nvPr>
+            <p:ph idx="1"/>
+          </p:nvPr>
+        </p:nvSpPr>
+        <p:spPr/>
+        <p:txBody>
+          <a:bodyPr/>
+          <a:lstStyle/>
+          <a:p>
+            <a:r>
+              <a:rPr kumimoji="1" lang="ja-JP" altLang="en-US" dirty="0" smtClean="0"/>
+              <a:t>多くて３、４つ</a:t>
             </a:r>
             <a:endParaRPr kumimoji="1" lang="ja-JP" altLang="en-US" dirty="0"/>
           </a:p>
@@ -5632,7 +5662,7 @@
     </p:spTree>
     <p:extLst>
       <p:ext uri="{BB962C8B-B14F-4D97-AF65-F5344CB8AC3E}">
-        <p14:creationId xmlns:p14="http://schemas.microsoft.com/office/powerpoint/2010/main" val="3483215692"/>
+        <p14:creationId xmlns:p14="http://schemas.microsoft.com/office/powerpoint/2010/main" val="3736256567"/>
       </p:ext>
     </p:extLst>
   </p:cSld>
@@ -5683,7 +5713,7 @@
           <a:p>
             <a:r>
               <a:rPr kumimoji="1" lang="ja-JP" altLang="en-US" dirty="0" smtClean="0"/>
-              <a:t>数値計算結果の分析</a:t>
+              <a:t>結論</a:t>
             </a:r>
             <a:endParaRPr kumimoji="1" lang="ja-JP" altLang="en-US" dirty="0"/>
           </a:p>
@@ -5706,16 +5736,20 @@
           <a:p>
             <a:r>
               <a:rPr kumimoji="1" lang="ja-JP" altLang="en-US" dirty="0" smtClean="0"/>
-              <a:t>多くて３、４つ</a:t>
-            </a:r>
-            <a:endParaRPr kumimoji="1" lang="ja-JP" altLang="en-US" dirty="0"/>
+              <a:t>ウイルスのタグの長さに比べて、免疫機構のタグが短い場合でもオーバーラップによって十分な抗体を作ることができる</a:t>
+            </a:r>
+            <a:r>
+              <a:rPr kumimoji="1" lang="ja-JP" altLang="en-US" dirty="0" smtClean="0"/>
+              <a:t>。</a:t>
+            </a:r>
+            <a:endParaRPr kumimoji="1" lang="en-US" altLang="ja-JP" dirty="0" smtClean="0"/>
           </a:p>
         </p:txBody>
       </p:sp>
     </p:spTree>
     <p:extLst>
       <p:ext uri="{BB962C8B-B14F-4D97-AF65-F5344CB8AC3E}">
-        <p14:creationId xmlns:p14="http://schemas.microsoft.com/office/powerpoint/2010/main" val="3736256567"/>
+        <p14:creationId xmlns:p14="http://schemas.microsoft.com/office/powerpoint/2010/main" val="3466877443"/>
       </p:ext>
     </p:extLst>
   </p:cSld>
@@ -5766,7 +5800,7 @@
           <a:p>
             <a:r>
               <a:rPr kumimoji="1" lang="ja-JP" altLang="en-US" dirty="0" smtClean="0"/>
-              <a:t>結論</a:t>
+              <a:t>空間非一様モデル（今後の課題）</a:t>
             </a:r>
             <a:endParaRPr kumimoji="1" lang="ja-JP" altLang="en-US" dirty="0"/>
           </a:p>
@@ -5789,8 +5823,11 @@
           <a:p>
             <a:r>
               <a:rPr kumimoji="1" lang="ja-JP" altLang="en-US" dirty="0" smtClean="0"/>
-              <a:t>ウイルスのタグの長さに比べて、免疫機構のタグが短い場合でもオーバーラップによって十分な抗体を作ることができる。</a:t>
-            </a:r>
+              <a:t>病原体の広がりは数理疫学モデルによって表現されてきたが、抗体の広がりは十分に調べられていない。電子タグを用いることにより、抗体の社会的な広がりを表現したい。</a:t>
+            </a:r>
+            <a:endParaRPr kumimoji="1" lang="en-US" altLang="ja-JP" dirty="0" smtClean="0"/>
+          </a:p>
+          <a:p>
             <a:endParaRPr kumimoji="1" lang="ja-JP" altLang="en-US" dirty="0"/>
           </a:p>
         </p:txBody>
@@ -5798,7 +5835,7 @@
     </p:spTree>
     <p:extLst>
       <p:ext uri="{BB962C8B-B14F-4D97-AF65-F5344CB8AC3E}">
-        <p14:creationId xmlns:p14="http://schemas.microsoft.com/office/powerpoint/2010/main" val="3466877443"/>
+        <p14:creationId xmlns:p14="http://schemas.microsoft.com/office/powerpoint/2010/main" val="4140513809"/>
       </p:ext>
     </p:extLst>
   </p:cSld>
@@ -5844,10 +5881,16 @@
         </p:nvSpPr>
         <p:spPr/>
         <p:txBody>
-          <a:bodyPr/>
-          <a:lstStyle/>
-          <a:p>
-            <a:endParaRPr kumimoji="1" lang="ja-JP" altLang="en-US"/>
+          <a:bodyPr>
+            <a:normAutofit fontScale="90000"/>
+          </a:bodyPr>
+          <a:lstStyle/>
+          <a:p>
+            <a:r>
+              <a:rPr kumimoji="1" lang="ja-JP" altLang="en-US" dirty="0" smtClean="0"/>
+              <a:t>（（（電子タグを用いた免疫機構の表現の妥当性</a:t>
+            </a:r>
+            <a:endParaRPr kumimoji="1" lang="ja-JP" altLang="en-US" dirty="0"/>
           </a:p>
         </p:txBody>
       </p:sp>
@@ -5866,20 +5909,27 @@
           <a:bodyPr/>
           <a:lstStyle/>
           <a:p>
-            <a:endParaRPr kumimoji="1" lang="ja-JP" altLang="en-US" dirty="0"/>
+            <a:endParaRPr kumimoji="1" lang="ja-JP" altLang="en-US"/>
           </a:p>
         </p:txBody>
       </p:sp>
     </p:spTree>
     <p:extLst>
       <p:ext uri="{BB962C8B-B14F-4D97-AF65-F5344CB8AC3E}">
-        <p14:creationId xmlns:p14="http://schemas.microsoft.com/office/powerpoint/2010/main" val="4244516124"/>
+        <p14:creationId xmlns:p14="http://schemas.microsoft.com/office/powerpoint/2010/main" val="296766167"/>
       </p:ext>
     </p:extLst>
   </p:cSld>
   <p:clrMapOvr>
     <a:masterClrMapping/>
   </p:clrMapOvr>
+  <p:timing>
+    <p:tnLst>
+      <p:par>
+        <p:cTn id="1" dur="indefinite" restart="never" nodeType="tmRoot"/>
+      </p:par>
+    </p:tnLst>
+  </p:timing>
 </p:sld>
 </file>
 
@@ -5917,7 +5967,11 @@
           <a:p>
             <a:r>
               <a:rPr kumimoji="1" lang="ja-JP" altLang="en-US" dirty="0" smtClean="0"/>
-              <a:t>空間非一様モデル（今後の課題）</a:t>
+              <a:t>延長</a:t>
+            </a:r>
+            <a:r>
+              <a:rPr kumimoji="1" lang="ja-JP" altLang="en-US" dirty="0" smtClean="0"/>
+              <a:t>された表現型とは</a:t>
             </a:r>
             <a:endParaRPr kumimoji="1" lang="ja-JP" altLang="en-US" dirty="0"/>
           </a:p>
@@ -5938,13 +5992,9 @@
           <a:bodyPr/>
           <a:lstStyle/>
           <a:p>
-            <a:r>
-              <a:rPr kumimoji="1" lang="ja-JP" altLang="en-US" dirty="0" smtClean="0"/>
-              <a:t>病原体の広がりは数理疫学モデルによって表現されてきたが、抗体の広がりは十分に調べられていない。電子タグを用いることにより、抗体の社会的な広がりを表現したい。</a:t>
-            </a:r>
-            <a:endParaRPr kumimoji="1" lang="en-US" altLang="ja-JP" dirty="0" smtClean="0"/>
-          </a:p>
-          <a:p>
+            <a:pPr marL="0" indent="0">
+              <a:buNone/>
+            </a:pPr>
             <a:endParaRPr kumimoji="1" lang="ja-JP" altLang="en-US" dirty="0"/>
           </a:p>
         </p:txBody>
@@ -5952,7 +6002,7 @@
     </p:spTree>
     <p:extLst>
       <p:ext uri="{BB962C8B-B14F-4D97-AF65-F5344CB8AC3E}">
-        <p14:creationId xmlns:p14="http://schemas.microsoft.com/office/powerpoint/2010/main" val="4140513809"/>
+        <p14:creationId xmlns:p14="http://schemas.microsoft.com/office/powerpoint/2010/main" val="3461091930"/>
       </p:ext>
     </p:extLst>
   </p:cSld>
@@ -5998,14 +6048,16 @@
         </p:nvSpPr>
         <p:spPr/>
         <p:txBody>
-          <a:bodyPr>
-            <a:normAutofit fontScale="90000"/>
-          </a:bodyPr>
-          <a:lstStyle/>
-          <a:p>
-            <a:r>
-              <a:rPr kumimoji="1" lang="ja-JP" altLang="en-US" dirty="0" smtClean="0"/>
-              <a:t>（（（電子タグを用いた免疫機構の表現の妥当性</a:t>
+          <a:bodyPr/>
+          <a:lstStyle/>
+          <a:p>
+            <a:r>
+              <a:rPr lang="ja-JP" altLang="en-US" dirty="0"/>
+              <a:t>利己的</a:t>
+            </a:r>
+            <a:r>
+              <a:rPr lang="ja-JP" altLang="en-US" dirty="0" smtClean="0"/>
+              <a:t>な遺伝子について</a:t>
             </a:r>
             <a:endParaRPr kumimoji="1" lang="ja-JP" altLang="en-US" dirty="0"/>
           </a:p>
@@ -6033,20 +6085,13 @@
     </p:spTree>
     <p:extLst>
       <p:ext uri="{BB962C8B-B14F-4D97-AF65-F5344CB8AC3E}">
-        <p14:creationId xmlns:p14="http://schemas.microsoft.com/office/powerpoint/2010/main" val="296766167"/>
+        <p14:creationId xmlns:p14="http://schemas.microsoft.com/office/powerpoint/2010/main" val="3143250094"/>
       </p:ext>
     </p:extLst>
   </p:cSld>
   <p:clrMapOvr>
     <a:masterClrMapping/>
   </p:clrMapOvr>
-  <p:timing>
-    <p:tnLst>
-      <p:par>
-        <p:cTn id="1" dur="indefinite" restart="never" nodeType="tmRoot"/>
-      </p:par>
-    </p:tnLst>
-  </p:timing>
 </p:sld>
 </file>
 
@@ -6084,7 +6129,11 @@
           <a:p>
             <a:r>
               <a:rPr kumimoji="1" lang="ja-JP" altLang="en-US" dirty="0" smtClean="0"/>
-              <a:t>延長された表現型とは</a:t>
+              <a:t>研究</a:t>
+            </a:r>
+            <a:r>
+              <a:rPr kumimoji="1" lang="ja-JP" altLang="en-US" dirty="0" smtClean="0"/>
+              <a:t>目的２</a:t>
             </a:r>
             <a:endParaRPr kumimoji="1" lang="ja-JP" altLang="en-US" dirty="0"/>
           </a:p>
@@ -6105,9 +6154,21 @@
           <a:bodyPr/>
           <a:lstStyle/>
           <a:p>
-            <a:pPr marL="0" indent="0">
-              <a:buNone/>
-            </a:pPr>
+            <a:r>
+              <a:rPr kumimoji="1" lang="en-US" altLang="ja-JP" dirty="0" smtClean="0"/>
+              <a:t>2</a:t>
+            </a:r>
+            <a:r>
+              <a:rPr kumimoji="1" lang="ja-JP" altLang="en-US" dirty="0" smtClean="0"/>
+              <a:t>種類のウイルスが流行した場合、一方のウイルスの免疫を獲得することにより他方のウイルスに対する免疫を失うことが起こりうる。</a:t>
+            </a:r>
+            <a:endParaRPr lang="en-US" altLang="ja-JP" dirty="0"/>
+          </a:p>
+          <a:p>
+            <a:r>
+              <a:rPr kumimoji="1" lang="ja-JP" altLang="en-US" dirty="0" smtClean="0"/>
+              <a:t>その結果社会全体で発生する免疫獲得とウイルス感染との間のある種の振動現象を数値解析的に再現する。</a:t>
+            </a:r>
             <a:endParaRPr kumimoji="1" lang="ja-JP" altLang="en-US" dirty="0"/>
           </a:p>
         </p:txBody>
@@ -6115,7 +6176,7 @@
     </p:spTree>
     <p:extLst>
       <p:ext uri="{BB962C8B-B14F-4D97-AF65-F5344CB8AC3E}">
-        <p14:creationId xmlns:p14="http://schemas.microsoft.com/office/powerpoint/2010/main" val="3461091930"/>
+        <p14:creationId xmlns:p14="http://schemas.microsoft.com/office/powerpoint/2010/main" val="2535459551"/>
       </p:ext>
     </p:extLst>
   </p:cSld>
@@ -6166,7 +6227,7 @@
           <a:p>
             <a:r>
               <a:rPr kumimoji="1" lang="ja-JP" altLang="en-US" dirty="0" smtClean="0"/>
-              <a:t>研究目的２</a:t>
+              <a:t>パラメータ集合の分類</a:t>
             </a:r>
             <a:endParaRPr kumimoji="1" lang="ja-JP" altLang="en-US" dirty="0"/>
           </a:p>
@@ -6188,19 +6249,8 @@
           <a:lstStyle/>
           <a:p>
             <a:r>
-              <a:rPr kumimoji="1" lang="en-US" altLang="ja-JP" dirty="0" smtClean="0"/>
-              <a:t>2</a:t>
-            </a:r>
-            <a:r>
               <a:rPr kumimoji="1" lang="ja-JP" altLang="en-US" dirty="0" smtClean="0"/>
-              <a:t>種類のウイルスが流行した場合、一方のウイルスの免疫を獲得することにより他方のウイルスに対する免疫を失うことが起こりうる。</a:t>
-            </a:r>
-            <a:endParaRPr lang="en-US" altLang="ja-JP" dirty="0"/>
-          </a:p>
-          <a:p>
-            <a:r>
-              <a:rPr kumimoji="1" lang="ja-JP" altLang="en-US" dirty="0" smtClean="0"/>
-              <a:t>その結果社会全体で発生する免疫獲得とウイルス感染との間のある種の振動現象を数値解析的に再現する。</a:t>
+              <a:t>８つ</a:t>
             </a:r>
             <a:endParaRPr kumimoji="1" lang="ja-JP" altLang="en-US" dirty="0"/>
           </a:p>
@@ -6209,7 +6259,7 @@
     </p:spTree>
     <p:extLst>
       <p:ext uri="{BB962C8B-B14F-4D97-AF65-F5344CB8AC3E}">
-        <p14:creationId xmlns:p14="http://schemas.microsoft.com/office/powerpoint/2010/main" val="2535459551"/>
+        <p14:creationId xmlns:p14="http://schemas.microsoft.com/office/powerpoint/2010/main" val="3741923519"/>
       </p:ext>
     </p:extLst>
   </p:cSld>
@@ -6307,6 +6357,13 @@
   <p:clrMapOvr>
     <a:masterClrMapping/>
   </p:clrMapOvr>
+  <p:timing>
+    <p:tnLst>
+      <p:par>
+        <p:cTn id="1" dur="indefinite" restart="never" nodeType="tmRoot"/>
+      </p:par>
+    </p:tnLst>
+  </p:timing>
 </p:sld>
 </file>
 
@@ -6344,7 +6401,7 @@
           <a:p>
             <a:r>
               <a:rPr kumimoji="1" lang="ja-JP" altLang="en-US" dirty="0" smtClean="0"/>
-              <a:t>パラメータ集合の分類</a:t>
+              <a:t>（（（ＳＩＲモデルとの比較</a:t>
             </a:r>
             <a:endParaRPr kumimoji="1" lang="ja-JP" altLang="en-US" dirty="0"/>
           </a:p>
@@ -6365,18 +6422,14 @@
           <a:bodyPr/>
           <a:lstStyle/>
           <a:p>
-            <a:r>
-              <a:rPr kumimoji="1" lang="ja-JP" altLang="en-US" dirty="0" smtClean="0"/>
-              <a:t>８つ</a:t>
-            </a:r>
-            <a:endParaRPr kumimoji="1" lang="ja-JP" altLang="en-US" dirty="0"/>
+            <a:endParaRPr kumimoji="1" lang="ja-JP" altLang="en-US"/>
           </a:p>
         </p:txBody>
       </p:sp>
     </p:spTree>
     <p:extLst>
       <p:ext uri="{BB962C8B-B14F-4D97-AF65-F5344CB8AC3E}">
-        <p14:creationId xmlns:p14="http://schemas.microsoft.com/office/powerpoint/2010/main" val="3741923519"/>
+        <p14:creationId xmlns:p14="http://schemas.microsoft.com/office/powerpoint/2010/main" val="3979639942"/>
       </p:ext>
     </p:extLst>
   </p:cSld>
@@ -6390,78 +6443,6 @@
       </p:par>
     </p:tnLst>
   </p:timing>
-</p:sld>
-</file>
-
-<file path=ppt/slides/slide21.xml><?xml version="1.0" encoding="utf-8"?>
-<p:sld xmlns:a="http://schemas.openxmlformats.org/drawingml/2006/main" xmlns:r="http://schemas.openxmlformats.org/officeDocument/2006/relationships" xmlns:p="http://schemas.openxmlformats.org/presentationml/2006/main">
-  <p:cSld>
-    <p:spTree>
-      <p:nvGrpSpPr>
-        <p:cNvPr id="1" name=""/>
-        <p:cNvGrpSpPr/>
-        <p:nvPr/>
-      </p:nvGrpSpPr>
-      <p:grpSpPr>
-        <a:xfrm>
-          <a:off x="0" y="0"/>
-          <a:ext cx="0" cy="0"/>
-          <a:chOff x="0" y="0"/>
-          <a:chExt cx="0" cy="0"/>
-        </a:xfrm>
-      </p:grpSpPr>
-      <p:sp>
-        <p:nvSpPr>
-          <p:cNvPr id="2" name="タイトル 1"/>
-          <p:cNvSpPr>
-            <a:spLocks noGrp="1"/>
-          </p:cNvSpPr>
-          <p:nvPr>
-            <p:ph type="title"/>
-          </p:nvPr>
-        </p:nvSpPr>
-        <p:spPr/>
-        <p:txBody>
-          <a:bodyPr/>
-          <a:lstStyle/>
-          <a:p>
-            <a:r>
-              <a:rPr kumimoji="1" lang="ja-JP" altLang="en-US" dirty="0" smtClean="0"/>
-              <a:t>（（（ＳＩＲモデルとの比較</a:t>
-            </a:r>
-            <a:endParaRPr kumimoji="1" lang="ja-JP" altLang="en-US" dirty="0"/>
-          </a:p>
-        </p:txBody>
-      </p:sp>
-      <p:sp>
-        <p:nvSpPr>
-          <p:cNvPr id="3" name="コンテンツ プレースホルダー 2"/>
-          <p:cNvSpPr>
-            <a:spLocks noGrp="1"/>
-          </p:cNvSpPr>
-          <p:nvPr>
-            <p:ph idx="1"/>
-          </p:nvPr>
-        </p:nvSpPr>
-        <p:spPr/>
-        <p:txBody>
-          <a:bodyPr/>
-          <a:lstStyle/>
-          <a:p>
-            <a:endParaRPr kumimoji="1" lang="ja-JP" altLang="en-US"/>
-          </a:p>
-        </p:txBody>
-      </p:sp>
-    </p:spTree>
-    <p:extLst>
-      <p:ext uri="{BB962C8B-B14F-4D97-AF65-F5344CB8AC3E}">
-        <p14:creationId xmlns:p14="http://schemas.microsoft.com/office/powerpoint/2010/main" val="3979639942"/>
-      </p:ext>
-    </p:extLst>
-  </p:cSld>
-  <p:clrMapOvr>
-    <a:masterClrMapping/>
-  </p:clrMapOvr>
 </p:sld>
 </file>
 
@@ -6562,6 +6543,13 @@
   <p:clrMapOvr>
     <a:masterClrMapping/>
   </p:clrMapOvr>
+  <p:timing>
+    <p:tnLst>
+      <p:par>
+        <p:cTn id="1" dur="indefinite" restart="never" nodeType="tmRoot"/>
+      </p:par>
+    </p:tnLst>
+  </p:timing>
 </p:sld>
 </file>
 
@@ -6597,6 +6585,10 @@
           <a:bodyPr/>
           <a:lstStyle/>
           <a:p>
+            <a:r>
+              <a:rPr kumimoji="1" lang="ja-JP" altLang="en-US" dirty="0" smtClean="0"/>
+              <a:t>先行研究紹介</a:t>
+            </a:r>
             <a:endParaRPr kumimoji="1" lang="ja-JP" altLang="en-US" dirty="0"/>
           </a:p>
         </p:txBody>
@@ -6613,23 +6605,80 @@
         </p:nvSpPr>
         <p:spPr/>
         <p:txBody>
-          <a:bodyPr/>
-          <a:lstStyle/>
-          <a:p>
-            <a:endParaRPr kumimoji="1" lang="ja-JP" altLang="en-US"/>
+          <a:bodyPr>
+            <a:normAutofit/>
+          </a:bodyPr>
+          <a:lstStyle/>
+          <a:p>
+            <a:r>
+              <a:rPr lang="en-US" altLang="ja-JP" sz="2000" i="1" dirty="0"/>
+              <a:t>Russell Connell, Peter Dawson* and Alex </a:t>
+            </a:r>
+            <a:r>
+              <a:rPr lang="en-US" altLang="ja-JP" sz="2000" i="1" dirty="0" err="1" smtClean="0"/>
+              <a:t>Skvortsov</a:t>
+            </a:r>
+            <a:r>
+              <a:rPr lang="en-US" altLang="ja-JP" sz="2000" i="1" dirty="0" smtClean="0"/>
+              <a:t>*,”</a:t>
+            </a:r>
+            <a:r>
+              <a:rPr lang="en-US" altLang="ja-JP" sz="2000" dirty="0" smtClean="0"/>
+              <a:t>Comparison </a:t>
+            </a:r>
+            <a:r>
+              <a:rPr lang="en-US" altLang="ja-JP" sz="2000" dirty="0"/>
+              <a:t>of an Agent-based Model of </a:t>
+            </a:r>
+            <a:r>
+              <a:rPr lang="en-US" altLang="ja-JP" sz="2000" dirty="0" smtClean="0"/>
+              <a:t>Disease</a:t>
+            </a:r>
+            <a:r>
+              <a:rPr lang="ja-JP" altLang="en-US" sz="2000" dirty="0"/>
+              <a:t> </a:t>
+            </a:r>
+            <a:r>
+              <a:rPr lang="en-US" altLang="ja-JP" sz="2000" dirty="0" smtClean="0"/>
+              <a:t>Propagation </a:t>
+            </a:r>
+            <a:r>
+              <a:rPr lang="en-US" altLang="ja-JP" sz="2000" dirty="0"/>
+              <a:t>with the </a:t>
+            </a:r>
+            <a:r>
+              <a:rPr lang="en-US" altLang="ja-JP" sz="2000" dirty="0" err="1"/>
+              <a:t>Generalised</a:t>
+            </a:r>
+            <a:r>
+              <a:rPr lang="en-US" altLang="ja-JP" sz="2000" dirty="0"/>
+              <a:t> SIR Epidemic </a:t>
+            </a:r>
+            <a:r>
+              <a:rPr lang="en-US" altLang="ja-JP" sz="2000" dirty="0" smtClean="0"/>
+              <a:t>Model”</a:t>
+            </a:r>
+            <a:endParaRPr kumimoji="1" lang="ja-JP" altLang="en-US" sz="2000" dirty="0"/>
           </a:p>
         </p:txBody>
       </p:sp>
     </p:spTree>
     <p:extLst>
       <p:ext uri="{BB962C8B-B14F-4D97-AF65-F5344CB8AC3E}">
-        <p14:creationId xmlns:p14="http://schemas.microsoft.com/office/powerpoint/2010/main" val="885643225"/>
+        <p14:creationId xmlns:p14="http://schemas.microsoft.com/office/powerpoint/2010/main" val="492649640"/>
       </p:ext>
     </p:extLst>
   </p:cSld>
   <p:clrMapOvr>
     <a:masterClrMapping/>
   </p:clrMapOvr>
+  <p:timing>
+    <p:tnLst>
+      <p:par>
+        <p:cTn id="1" dur="indefinite" restart="never" nodeType="tmRoot"/>
+      </p:par>
+    </p:tnLst>
+  </p:timing>
 </p:sld>
 </file>
 
@@ -6667,7 +6716,7 @@
           <a:p>
             <a:r>
               <a:rPr kumimoji="1" lang="ja-JP" altLang="en-US" dirty="0" smtClean="0"/>
-              <a:t>先行研究紹介</a:t>
+              <a:t>（（（数理伝染病学とは何か</a:t>
             </a:r>
             <a:endParaRPr kumimoji="1" lang="ja-JP" altLang="en-US" dirty="0"/>
           </a:p>
@@ -6695,7 +6744,7 @@
     </p:spTree>
     <p:extLst>
       <p:ext uri="{BB962C8B-B14F-4D97-AF65-F5344CB8AC3E}">
-        <p14:creationId xmlns:p14="http://schemas.microsoft.com/office/powerpoint/2010/main" val="492649640"/>
+        <p14:creationId xmlns:p14="http://schemas.microsoft.com/office/powerpoint/2010/main" val="2288893661"/>
       </p:ext>
     </p:extLst>
   </p:cSld>
@@ -6745,78 +6794,6 @@
           <a:lstStyle/>
           <a:p>
             <a:r>
-              <a:rPr kumimoji="1" lang="ja-JP" altLang="en-US" dirty="0" smtClean="0"/>
-              <a:t>（（（数理伝染病学とは何か</a:t>
-            </a:r>
-            <a:endParaRPr kumimoji="1" lang="ja-JP" altLang="en-US" dirty="0"/>
-          </a:p>
-        </p:txBody>
-      </p:sp>
-      <p:sp>
-        <p:nvSpPr>
-          <p:cNvPr id="3" name="コンテンツ プレースホルダー 2"/>
-          <p:cNvSpPr>
-            <a:spLocks noGrp="1"/>
-          </p:cNvSpPr>
-          <p:nvPr>
-            <p:ph idx="1"/>
-          </p:nvPr>
-        </p:nvSpPr>
-        <p:spPr/>
-        <p:txBody>
-          <a:bodyPr/>
-          <a:lstStyle/>
-          <a:p>
-            <a:endParaRPr kumimoji="1" lang="ja-JP" altLang="en-US"/>
-          </a:p>
-        </p:txBody>
-      </p:sp>
-    </p:spTree>
-    <p:extLst>
-      <p:ext uri="{BB962C8B-B14F-4D97-AF65-F5344CB8AC3E}">
-        <p14:creationId xmlns:p14="http://schemas.microsoft.com/office/powerpoint/2010/main" val="2288893661"/>
-      </p:ext>
-    </p:extLst>
-  </p:cSld>
-  <p:clrMapOvr>
-    <a:masterClrMapping/>
-  </p:clrMapOvr>
-</p:sld>
-</file>
-
-<file path=ppt/slides/slide7.xml><?xml version="1.0" encoding="utf-8"?>
-<p:sld xmlns:a="http://schemas.openxmlformats.org/drawingml/2006/main" xmlns:r="http://schemas.openxmlformats.org/officeDocument/2006/relationships" xmlns:p="http://schemas.openxmlformats.org/presentationml/2006/main">
-  <p:cSld>
-    <p:spTree>
-      <p:nvGrpSpPr>
-        <p:cNvPr id="1" name=""/>
-        <p:cNvGrpSpPr/>
-        <p:nvPr/>
-      </p:nvGrpSpPr>
-      <p:grpSpPr>
-        <a:xfrm>
-          <a:off x="0" y="0"/>
-          <a:ext cx="0" cy="0"/>
-          <a:chOff x="0" y="0"/>
-          <a:chExt cx="0" cy="0"/>
-        </a:xfrm>
-      </p:grpSpPr>
-      <p:sp>
-        <p:nvSpPr>
-          <p:cNvPr id="2" name="タイトル 1"/>
-          <p:cNvSpPr>
-            <a:spLocks noGrp="1"/>
-          </p:cNvSpPr>
-          <p:nvPr>
-            <p:ph type="title"/>
-          </p:nvPr>
-        </p:nvSpPr>
-        <p:spPr/>
-        <p:txBody>
-          <a:bodyPr/>
-          <a:lstStyle/>
-          <a:p>
-            <a:r>
               <a:rPr kumimoji="1" lang="en-US" altLang="ja-JP" dirty="0" smtClean="0"/>
               <a:t>Agent Based Epidemic Model</a:t>
             </a:r>
@@ -6863,7 +6840,7 @@
 </p:sld>
 </file>
 
-<file path=ppt/slides/slide8.xml><?xml version="1.0" encoding="utf-8"?>
+<file path=ppt/slides/slide7.xml><?xml version="1.0" encoding="utf-8"?>
 <p:sld xmlns:a="http://schemas.openxmlformats.org/drawingml/2006/main" xmlns:r="http://schemas.openxmlformats.org/officeDocument/2006/relationships" xmlns:p="http://schemas.openxmlformats.org/presentationml/2006/main">
   <p:cSld>
     <p:spTree>
@@ -7689,7 +7666,7 @@
 </p:sld>
 </file>
 
-<file path=ppt/slides/slide9.xml><?xml version="1.0" encoding="utf-8"?>
+<file path=ppt/slides/slide8.xml><?xml version="1.0" encoding="utf-8"?>
 <p:sld xmlns:a="http://schemas.openxmlformats.org/drawingml/2006/main" xmlns:r="http://schemas.openxmlformats.org/officeDocument/2006/relationships" xmlns:p="http://schemas.openxmlformats.org/presentationml/2006/main">
   <p:cSld>
     <p:spTree>
@@ -7733,7 +7710,7 @@
       </p:sp>
       <p:pic>
         <p:nvPicPr>
-          <p:cNvPr id="3" name="Picture 3" descr="C:\Users\Naoki\workspace\AgentBasedEpidemicModel\PPT\tag1_2.png"/>
+          <p:cNvPr id="1026" name="Picture 2" descr="C:\Users\Naoki\workspace\AgentBasedEpidemicModel\PPT\tag1_2.png"/>
           <p:cNvPicPr>
             <a:picLocks noChangeAspect="1" noChangeArrowheads="1"/>
           </p:cNvPicPr>
@@ -7754,8 +7731,8 @@
         </p:blipFill>
         <p:spPr bwMode="auto">
           <a:xfrm>
-            <a:off x="349517" y="1139340"/>
-            <a:ext cx="8537809" cy="6833707"/>
+            <a:off x="467543" y="1196752"/>
+            <a:ext cx="8537079" cy="6833124"/>
           </a:xfrm>
           <a:prstGeom prst="rect">
             <a:avLst/>
@@ -7776,6 +7753,84 @@
     <p:extLst>
       <p:ext uri="{BB962C8B-B14F-4D97-AF65-F5344CB8AC3E}">
         <p14:creationId xmlns:p14="http://schemas.microsoft.com/office/powerpoint/2010/main" val="3599667620"/>
+      </p:ext>
+    </p:extLst>
+  </p:cSld>
+  <p:clrMapOvr>
+    <a:masterClrMapping/>
+  </p:clrMapOvr>
+  <p:timing>
+    <p:tnLst>
+      <p:par>
+        <p:cTn id="1" dur="indefinite" restart="never" nodeType="tmRoot"/>
+      </p:par>
+    </p:tnLst>
+  </p:timing>
+</p:sld>
+</file>
+
+<file path=ppt/slides/slide9.xml><?xml version="1.0" encoding="utf-8"?>
+<p:sld xmlns:a="http://schemas.openxmlformats.org/drawingml/2006/main" xmlns:r="http://schemas.openxmlformats.org/officeDocument/2006/relationships" xmlns:p="http://schemas.openxmlformats.org/presentationml/2006/main">
+  <p:cSld>
+    <p:spTree>
+      <p:nvGrpSpPr>
+        <p:cNvPr id="1" name=""/>
+        <p:cNvGrpSpPr/>
+        <p:nvPr/>
+      </p:nvGrpSpPr>
+      <p:grpSpPr>
+        <a:xfrm>
+          <a:off x="0" y="0"/>
+          <a:ext cx="0" cy="0"/>
+          <a:chOff x="0" y="0"/>
+          <a:chExt cx="0" cy="0"/>
+        </a:xfrm>
+      </p:grpSpPr>
+      <p:pic>
+        <p:nvPicPr>
+          <p:cNvPr id="1030" name="Picture 6" descr="C:\Users\Naoki\workspace\AgentBasedEpidemicModel\PPT\tag_3.png"/>
+          <p:cNvPicPr>
+            <a:picLocks noChangeAspect="1" noChangeArrowheads="1"/>
+          </p:cNvPicPr>
+          <p:nvPr/>
+        </p:nvPicPr>
+        <p:blipFill>
+          <a:blip r:embed="rId3">
+            <a:extLst>
+              <a:ext uri="{28A0092B-C50C-407E-A947-70E740481C1C}">
+                <a14:useLocalDpi xmlns:a14="http://schemas.microsoft.com/office/drawing/2010/main" val="0"/>
+              </a:ext>
+            </a:extLst>
+          </a:blip>
+          <a:srcRect/>
+          <a:stretch>
+            <a:fillRect/>
+          </a:stretch>
+        </p:blipFill>
+        <p:spPr bwMode="auto">
+          <a:xfrm>
+            <a:off x="768192" y="699437"/>
+            <a:ext cx="7687447" cy="6153072"/>
+          </a:xfrm>
+          <a:prstGeom prst="rect">
+            <a:avLst/>
+          </a:prstGeom>
+          <a:noFill/>
+          <a:extLst>
+            <a:ext uri="{909E8E84-426E-40DD-AFC4-6F175D3DCCD1}">
+              <a14:hiddenFill xmlns:a14="http://schemas.microsoft.com/office/drawing/2010/main">
+                <a:solidFill>
+                  <a:srgbClr val="FFFFFF"/>
+                </a:solidFill>
+              </a14:hiddenFill>
+            </a:ext>
+          </a:extLst>
+        </p:spPr>
+      </p:pic>
+    </p:spTree>
+    <p:extLst>
+      <p:ext uri="{BB962C8B-B14F-4D97-AF65-F5344CB8AC3E}">
+        <p14:creationId xmlns:p14="http://schemas.microsoft.com/office/powerpoint/2010/main" val="4159369643"/>
       </p:ext>
     </p:extLst>
   </p:cSld>

--- a/ppt/卒業研究.pptx
+++ b/ppt/卒業研究.pptx
@@ -5,10 +5,10 @@
     <p:sldMasterId id="2147483648" r:id="rId1"/>
   </p:sldMasterIdLst>
   <p:notesMasterIdLst>
-    <p:notesMasterId r:id="rId22"/>
+    <p:notesMasterId r:id="rId23"/>
   </p:notesMasterIdLst>
   <p:handoutMasterIdLst>
-    <p:handoutMasterId r:id="rId23"/>
+    <p:handoutMasterId r:id="rId24"/>
   </p:handoutMasterIdLst>
   <p:sldIdLst>
     <p:sldId id="256" r:id="rId2"/>
@@ -18,19 +18,20 @@
     <p:sldId id="280" r:id="rId6"/>
     <p:sldId id="283" r:id="rId7"/>
     <p:sldId id="270" r:id="rId8"/>
-    <p:sldId id="266" r:id="rId9"/>
-    <p:sldId id="286" r:id="rId10"/>
-    <p:sldId id="284" r:id="rId11"/>
-    <p:sldId id="272" r:id="rId12"/>
-    <p:sldId id="273" r:id="rId13"/>
-    <p:sldId id="274" r:id="rId14"/>
-    <p:sldId id="275" r:id="rId15"/>
-    <p:sldId id="267" r:id="rId16"/>
-    <p:sldId id="264" r:id="rId17"/>
-    <p:sldId id="289" r:id="rId18"/>
-    <p:sldId id="265" r:id="rId19"/>
-    <p:sldId id="268" r:id="rId20"/>
-    <p:sldId id="287" r:id="rId21"/>
+    <p:sldId id="290" r:id="rId9"/>
+    <p:sldId id="266" r:id="rId10"/>
+    <p:sldId id="286" r:id="rId11"/>
+    <p:sldId id="284" r:id="rId12"/>
+    <p:sldId id="272" r:id="rId13"/>
+    <p:sldId id="273" r:id="rId14"/>
+    <p:sldId id="274" r:id="rId15"/>
+    <p:sldId id="275" r:id="rId16"/>
+    <p:sldId id="267" r:id="rId17"/>
+    <p:sldId id="264" r:id="rId18"/>
+    <p:sldId id="289" r:id="rId19"/>
+    <p:sldId id="265" r:id="rId20"/>
+    <p:sldId id="268" r:id="rId21"/>
+    <p:sldId id="287" r:id="rId22"/>
   </p:sldIdLst>
   <p:sldSz cx="9144000" cy="6858000" type="screen4x3"/>
   <p:notesSz cx="6858000" cy="9144000"/>
@@ -848,7 +849,7 @@
     </p:spTree>
     <p:extLst>
       <p:ext uri="{BB962C8B-B14F-4D97-AF65-F5344CB8AC3E}">
-        <p14:creationId xmlns:p14="http://schemas.microsoft.com/office/powerpoint/2010/main" val="2334585315"/>
+        <p14:creationId xmlns:p14="http://schemas.microsoft.com/office/powerpoint/2010/main" val="2603317105"/>
       </p:ext>
     </p:extLst>
   </p:cSld>
@@ -902,7 +903,7 @@
           <a:bodyPr/>
           <a:lstStyle/>
           <a:p>
-            <a:endParaRPr kumimoji="1" lang="ja-JP" altLang="en-US" dirty="0"/>
+            <a:endParaRPr kumimoji="1" lang="ja-JP" altLang="en-US"/>
           </a:p>
         </p:txBody>
       </p:sp>
@@ -932,7 +933,7 @@
     </p:spTree>
     <p:extLst>
       <p:ext uri="{BB962C8B-B14F-4D97-AF65-F5344CB8AC3E}">
-        <p14:creationId xmlns:p14="http://schemas.microsoft.com/office/powerpoint/2010/main" val="88015040"/>
+        <p14:creationId xmlns:p14="http://schemas.microsoft.com/office/powerpoint/2010/main" val="2334585315"/>
       </p:ext>
     </p:extLst>
   </p:cSld>
@@ -986,7 +987,7 @@
           <a:bodyPr/>
           <a:lstStyle/>
           <a:p>
-            <a:endParaRPr kumimoji="1" lang="ja-JP" altLang="en-US"/>
+            <a:endParaRPr kumimoji="1" lang="ja-JP" altLang="en-US" dirty="0"/>
           </a:p>
         </p:txBody>
       </p:sp>
@@ -1016,7 +1017,7 @@
     </p:spTree>
     <p:extLst>
       <p:ext uri="{BB962C8B-B14F-4D97-AF65-F5344CB8AC3E}">
-        <p14:creationId xmlns:p14="http://schemas.microsoft.com/office/powerpoint/2010/main" val="3782568936"/>
+        <p14:creationId xmlns:p14="http://schemas.microsoft.com/office/powerpoint/2010/main" val="88015040"/>
       </p:ext>
     </p:extLst>
   </p:cSld>
@@ -1100,7 +1101,7 @@
     </p:spTree>
     <p:extLst>
       <p:ext uri="{BB962C8B-B14F-4D97-AF65-F5344CB8AC3E}">
-        <p14:creationId xmlns:p14="http://schemas.microsoft.com/office/powerpoint/2010/main" val="857273442"/>
+        <p14:creationId xmlns:p14="http://schemas.microsoft.com/office/powerpoint/2010/main" val="3782568936"/>
       </p:ext>
     </p:extLst>
   </p:cSld>
@@ -1184,7 +1185,7 @@
     </p:spTree>
     <p:extLst>
       <p:ext uri="{BB962C8B-B14F-4D97-AF65-F5344CB8AC3E}">
-        <p14:creationId xmlns:p14="http://schemas.microsoft.com/office/powerpoint/2010/main" val="966408925"/>
+        <p14:creationId xmlns:p14="http://schemas.microsoft.com/office/powerpoint/2010/main" val="857273442"/>
       </p:ext>
     </p:extLst>
   </p:cSld>
@@ -1238,19 +1239,7 @@
           <a:bodyPr/>
           <a:lstStyle/>
           <a:p>
-            <a:r>
-              <a:rPr kumimoji="1" lang="ja-JP" altLang="en-US" dirty="0" smtClean="0"/>
-              <a:t>＋</a:t>
-            </a:r>
-            <a:r>
-              <a:rPr kumimoji="1" lang="en-US" altLang="ja-JP" dirty="0" smtClean="0"/>
-              <a:t>2</a:t>
-            </a:r>
-            <a:r>
-              <a:rPr kumimoji="1" lang="ja-JP" altLang="en-US" dirty="0" smtClean="0"/>
-              <a:t>種類のウイルスが流行した場合に他方の免疫を喪失する場合の実例を調べる。</a:t>
-            </a:r>
-            <a:endParaRPr kumimoji="1" lang="ja-JP" altLang="en-US" dirty="0"/>
+            <a:endParaRPr kumimoji="1" lang="ja-JP" altLang="en-US"/>
           </a:p>
         </p:txBody>
       </p:sp>
@@ -1271,7 +1260,7 @@
           <a:p>
             <a:fld id="{FEFB3154-A281-48F2-8DC9-C99E29F1ECF4}" type="slidenum">
               <a:rPr kumimoji="1" lang="ja-JP" altLang="en-US" smtClean="0"/>
-              <a:t>18</a:t>
+              <a:t>17</a:t>
             </a:fld>
             <a:endParaRPr kumimoji="1" lang="ja-JP" altLang="en-US"/>
           </a:p>
@@ -1280,7 +1269,7 @@
     </p:spTree>
     <p:extLst>
       <p:ext uri="{BB962C8B-B14F-4D97-AF65-F5344CB8AC3E}">
-        <p14:creationId xmlns:p14="http://schemas.microsoft.com/office/powerpoint/2010/main" val="1931179438"/>
+        <p14:creationId xmlns:p14="http://schemas.microsoft.com/office/powerpoint/2010/main" val="966408925"/>
       </p:ext>
     </p:extLst>
   </p:cSld>
@@ -1334,7 +1323,19 @@
           <a:bodyPr/>
           <a:lstStyle/>
           <a:p>
-            <a:endParaRPr kumimoji="1" lang="ja-JP" altLang="en-US"/>
+            <a:r>
+              <a:rPr kumimoji="1" lang="ja-JP" altLang="en-US" dirty="0" smtClean="0"/>
+              <a:t>＋</a:t>
+            </a:r>
+            <a:r>
+              <a:rPr kumimoji="1" lang="en-US" altLang="ja-JP" dirty="0" smtClean="0"/>
+              <a:t>2</a:t>
+            </a:r>
+            <a:r>
+              <a:rPr kumimoji="1" lang="ja-JP" altLang="en-US" dirty="0" smtClean="0"/>
+              <a:t>種類のウイルスが流行した場合に他方の免疫を喪失する場合の実例を調べる。</a:t>
+            </a:r>
+            <a:endParaRPr kumimoji="1" lang="ja-JP" altLang="en-US" dirty="0"/>
           </a:p>
         </p:txBody>
       </p:sp>
@@ -1356,6 +1357,90 @@
             <a:fld id="{FEFB3154-A281-48F2-8DC9-C99E29F1ECF4}" type="slidenum">
               <a:rPr kumimoji="1" lang="ja-JP" altLang="en-US" smtClean="0"/>
               <a:t>19</a:t>
+            </a:fld>
+            <a:endParaRPr kumimoji="1" lang="ja-JP" altLang="en-US"/>
+          </a:p>
+        </p:txBody>
+      </p:sp>
+    </p:spTree>
+    <p:extLst>
+      <p:ext uri="{BB962C8B-B14F-4D97-AF65-F5344CB8AC3E}">
+        <p14:creationId xmlns:p14="http://schemas.microsoft.com/office/powerpoint/2010/main" val="1931179438"/>
+      </p:ext>
+    </p:extLst>
+  </p:cSld>
+  <p:clrMapOvr>
+    <a:masterClrMapping/>
+  </p:clrMapOvr>
+</p:notes>
+</file>
+
+<file path=ppt/notesSlides/notesSlide17.xml><?xml version="1.0" encoding="utf-8"?>
+<p:notes xmlns:a="http://schemas.openxmlformats.org/drawingml/2006/main" xmlns:r="http://schemas.openxmlformats.org/officeDocument/2006/relationships" xmlns:p="http://schemas.openxmlformats.org/presentationml/2006/main">
+  <p:cSld>
+    <p:spTree>
+      <p:nvGrpSpPr>
+        <p:cNvPr id="1" name=""/>
+        <p:cNvGrpSpPr/>
+        <p:nvPr/>
+      </p:nvGrpSpPr>
+      <p:grpSpPr>
+        <a:xfrm>
+          <a:off x="0" y="0"/>
+          <a:ext cx="0" cy="0"/>
+          <a:chOff x="0" y="0"/>
+          <a:chExt cx="0" cy="0"/>
+        </a:xfrm>
+      </p:grpSpPr>
+      <p:sp>
+        <p:nvSpPr>
+          <p:cNvPr id="2" name="スライド イメージ プレースホルダー 1"/>
+          <p:cNvSpPr>
+            <a:spLocks noGrp="1" noRot="1" noChangeAspect="1"/>
+          </p:cNvSpPr>
+          <p:nvPr>
+            <p:ph type="sldImg"/>
+          </p:nvPr>
+        </p:nvSpPr>
+        <p:spPr/>
+      </p:sp>
+      <p:sp>
+        <p:nvSpPr>
+          <p:cNvPr id="3" name="ノート プレースホルダー 2"/>
+          <p:cNvSpPr>
+            <a:spLocks noGrp="1"/>
+          </p:cNvSpPr>
+          <p:nvPr>
+            <p:ph type="body" idx="1"/>
+          </p:nvPr>
+        </p:nvSpPr>
+        <p:spPr/>
+        <p:txBody>
+          <a:bodyPr/>
+          <a:lstStyle/>
+          <a:p>
+            <a:endParaRPr kumimoji="1" lang="ja-JP" altLang="en-US"/>
+          </a:p>
+        </p:txBody>
+      </p:sp>
+      <p:sp>
+        <p:nvSpPr>
+          <p:cNvPr id="4" name="スライド番号プレースホルダー 3"/>
+          <p:cNvSpPr>
+            <a:spLocks noGrp="1"/>
+          </p:cNvSpPr>
+          <p:nvPr>
+            <p:ph type="sldNum" sz="quarter" idx="10"/>
+          </p:nvPr>
+        </p:nvSpPr>
+        <p:spPr/>
+        <p:txBody>
+          <a:bodyPr/>
+          <a:lstStyle/>
+          <a:p>
+            <a:fld id="{FEFB3154-A281-48F2-8DC9-C99E29F1ECF4}" type="slidenum">
+              <a:rPr kumimoji="1" lang="ja-JP" altLang="en-US" smtClean="0"/>
+              <a:t>20</a:t>
             </a:fld>
             <a:endParaRPr kumimoji="1" lang="ja-JP" altLang="en-US"/>
           </a:p>
@@ -1887,7 +1972,7 @@
     </p:spTree>
     <p:extLst>
       <p:ext uri="{BB962C8B-B14F-4D97-AF65-F5344CB8AC3E}">
-        <p14:creationId xmlns:p14="http://schemas.microsoft.com/office/powerpoint/2010/main" val="2781046782"/>
+        <p14:creationId xmlns:p14="http://schemas.microsoft.com/office/powerpoint/2010/main" val="1465942488"/>
       </p:ext>
     </p:extLst>
   </p:cSld>
@@ -1971,7 +2056,7 @@
     </p:spTree>
     <p:extLst>
       <p:ext uri="{BB962C8B-B14F-4D97-AF65-F5344CB8AC3E}">
-        <p14:creationId xmlns:p14="http://schemas.microsoft.com/office/powerpoint/2010/main" val="2853416026"/>
+        <p14:creationId xmlns:p14="http://schemas.microsoft.com/office/powerpoint/2010/main" val="2781046782"/>
       </p:ext>
     </p:extLst>
   </p:cSld>
@@ -2025,7 +2110,7 @@
           <a:bodyPr/>
           <a:lstStyle/>
           <a:p>
-            <a:endParaRPr kumimoji="1" lang="ja-JP" altLang="en-US"/>
+            <a:endParaRPr kumimoji="1" lang="ja-JP" altLang="en-US" dirty="0"/>
           </a:p>
         </p:txBody>
       </p:sp>
@@ -2046,7 +2131,7 @@
           <a:p>
             <a:fld id="{FEFB3154-A281-48F2-8DC9-C99E29F1ECF4}" type="slidenum">
               <a:rPr kumimoji="1" lang="ja-JP" altLang="en-US" smtClean="0"/>
-              <a:t>11</a:t>
+              <a:t>10</a:t>
             </a:fld>
             <a:endParaRPr kumimoji="1" lang="ja-JP" altLang="en-US"/>
           </a:p>
@@ -2055,7 +2140,7 @@
     </p:spTree>
     <p:extLst>
       <p:ext uri="{BB962C8B-B14F-4D97-AF65-F5344CB8AC3E}">
-        <p14:creationId xmlns:p14="http://schemas.microsoft.com/office/powerpoint/2010/main" val="2603317105"/>
+        <p14:creationId xmlns:p14="http://schemas.microsoft.com/office/powerpoint/2010/main" val="2853416026"/>
       </p:ext>
     </p:extLst>
   </p:cSld>
@@ -5364,11 +5449,7 @@
             </a:r>
             <a:r>
               <a:rPr lang="ja-JP" altLang="en-US" sz="3200" dirty="0" smtClean="0"/>
-              <a:t>抗体反応を表現</a:t>
-            </a:r>
-            <a:r>
-              <a:rPr lang="ja-JP" altLang="en-US" sz="3200" dirty="0" smtClean="0"/>
-              <a:t>する</a:t>
+              <a:t>抗体反応を表現する</a:t>
             </a:r>
             <a:r>
               <a:rPr kumimoji="1" lang="ja-JP" altLang="en-US" sz="3200" dirty="0" smtClean="0"/>
@@ -5376,11 +5457,7 @@
             </a:r>
             <a:r>
               <a:rPr kumimoji="1" lang="en-US" altLang="ja-JP" sz="3200" dirty="0" smtClean="0"/>
-              <a:t>Agent </a:t>
-            </a:r>
-            <a:r>
-              <a:rPr kumimoji="1" lang="en-US" altLang="ja-JP" sz="3200" dirty="0" smtClean="0"/>
-              <a:t>Based Epidemic Model</a:t>
+              <a:t>Agent Based Epidemic Model</a:t>
             </a:r>
             <a:endParaRPr kumimoji="1" lang="ja-JP" altLang="en-US" sz="3200" dirty="0"/>
           </a:p>
@@ -5416,11 +5493,7 @@
           <a:p>
             <a:r>
               <a:rPr lang="ja-JP" altLang="en-US" sz="2400" dirty="0" smtClean="0"/>
-              <a:t>植田</a:t>
-            </a:r>
-            <a:r>
-              <a:rPr lang="ja-JP" altLang="en-US" sz="2400" dirty="0" smtClean="0"/>
-              <a:t>　尚克</a:t>
+              <a:t>植田　尚克</a:t>
             </a:r>
             <a:endParaRPr kumimoji="1" lang="ja-JP" altLang="en-US" sz="2400" dirty="0" smtClean="0"/>
           </a:p>
@@ -5463,63 +5536,51 @@
           <a:chExt cx="0" cy="0"/>
         </a:xfrm>
       </p:grpSpPr>
-      <p:sp>
-        <p:nvSpPr>
-          <p:cNvPr id="2" name="タイトル 1"/>
-          <p:cNvSpPr>
-            <a:spLocks noGrp="1"/>
-          </p:cNvSpPr>
-          <p:nvPr>
-            <p:ph type="title"/>
-          </p:nvPr>
-        </p:nvSpPr>
-        <p:spPr/>
-        <p:txBody>
-          <a:bodyPr/>
-          <a:lstStyle/>
-          <a:p>
-            <a:r>
-              <a:rPr kumimoji="1" lang="ja-JP" altLang="en-US" dirty="0" smtClean="0"/>
-              <a:t>抗原抗体反応とは</a:t>
-            </a:r>
-            <a:endParaRPr kumimoji="1" lang="ja-JP" altLang="en-US" dirty="0"/>
-          </a:p>
-        </p:txBody>
-      </p:sp>
-      <p:sp>
-        <p:nvSpPr>
-          <p:cNvPr id="3" name="コンテンツ プレースホルダー 2"/>
-          <p:cNvSpPr>
-            <a:spLocks noGrp="1"/>
-          </p:cNvSpPr>
-          <p:nvPr>
-            <p:ph idx="1"/>
-          </p:nvPr>
-        </p:nvSpPr>
-        <p:spPr/>
-        <p:txBody>
-          <a:bodyPr/>
-          <a:lstStyle/>
-          <a:p>
-            <a:r>
-              <a:rPr kumimoji="1" lang="ja-JP" altLang="en-US" dirty="0" smtClean="0"/>
-              <a:t>抗原に対して抗体が反応して結合する反応</a:t>
-            </a:r>
-            <a:endParaRPr kumimoji="1" lang="en-US" altLang="ja-JP" dirty="0" smtClean="0"/>
-          </a:p>
-          <a:p>
-            <a:r>
-              <a:rPr lang="ja-JP" altLang="en-US" dirty="0" smtClean="0"/>
-              <a:t>例）</a:t>
-            </a:r>
-            <a:endParaRPr kumimoji="1" lang="ja-JP" altLang="en-US" dirty="0"/>
-          </a:p>
-        </p:txBody>
-      </p:sp>
+      <p:pic>
+        <p:nvPicPr>
+          <p:cNvPr id="2051" name="Picture 3" descr="C:\Users\Naoki\workspace\AgentBasedEpidemicModel\PPT\tag_4.png"/>
+          <p:cNvPicPr>
+            <a:picLocks noChangeAspect="1" noChangeArrowheads="1"/>
+          </p:cNvPicPr>
+          <p:nvPr/>
+        </p:nvPicPr>
+        <p:blipFill>
+          <a:blip r:embed="rId3">
+            <a:extLst>
+              <a:ext uri="{28A0092B-C50C-407E-A947-70E740481C1C}">
+                <a14:useLocalDpi xmlns:a14="http://schemas.microsoft.com/office/drawing/2010/main" val="0"/>
+              </a:ext>
+            </a:extLst>
+          </a:blip>
+          <a:srcRect/>
+          <a:stretch>
+            <a:fillRect/>
+          </a:stretch>
+        </p:blipFill>
+        <p:spPr bwMode="auto">
+          <a:xfrm>
+            <a:off x="611560" y="116632"/>
+            <a:ext cx="8203343" cy="6565999"/>
+          </a:xfrm>
+          <a:prstGeom prst="rect">
+            <a:avLst/>
+          </a:prstGeom>
+          <a:noFill/>
+          <a:extLst>
+            <a:ext uri="{909E8E84-426E-40DD-AFC4-6F175D3DCCD1}">
+              <a14:hiddenFill xmlns:a14="http://schemas.microsoft.com/office/drawing/2010/main">
+                <a:solidFill>
+                  <a:srgbClr val="FFFFFF"/>
+                </a:solidFill>
+              </a14:hiddenFill>
+            </a:ext>
+          </a:extLst>
+        </p:spPr>
+      </p:pic>
     </p:spTree>
     <p:extLst>
       <p:ext uri="{BB962C8B-B14F-4D97-AF65-F5344CB8AC3E}">
-        <p14:creationId xmlns:p14="http://schemas.microsoft.com/office/powerpoint/2010/main" val="3859860042"/>
+        <p14:creationId xmlns:p14="http://schemas.microsoft.com/office/powerpoint/2010/main" val="4159369643"/>
       </p:ext>
     </p:extLst>
   </p:cSld>
@@ -5570,7 +5631,37 @@
           <a:p>
             <a:r>
               <a:rPr kumimoji="1" lang="ja-JP" altLang="en-US" dirty="0" smtClean="0"/>
-              <a:t>数値計算結果</a:t>
+              <a:t>抗原抗体反応とは</a:t>
+            </a:r>
+            <a:endParaRPr kumimoji="1" lang="ja-JP" altLang="en-US" dirty="0"/>
+          </a:p>
+        </p:txBody>
+      </p:sp>
+      <p:sp>
+        <p:nvSpPr>
+          <p:cNvPr id="3" name="コンテンツ プレースホルダー 2"/>
+          <p:cNvSpPr>
+            <a:spLocks noGrp="1"/>
+          </p:cNvSpPr>
+          <p:nvPr>
+            <p:ph idx="1"/>
+          </p:nvPr>
+        </p:nvSpPr>
+        <p:spPr/>
+        <p:txBody>
+          <a:bodyPr/>
+          <a:lstStyle/>
+          <a:p>
+            <a:r>
+              <a:rPr kumimoji="1" lang="ja-JP" altLang="en-US" dirty="0" smtClean="0"/>
+              <a:t>抗原に対して抗体が反応して結合する反応</a:t>
+            </a:r>
+            <a:endParaRPr kumimoji="1" lang="en-US" altLang="ja-JP" dirty="0" smtClean="0"/>
+          </a:p>
+          <a:p>
+            <a:r>
+              <a:rPr lang="ja-JP" altLang="en-US" dirty="0" smtClean="0"/>
+              <a:t>例）</a:t>
             </a:r>
             <a:endParaRPr kumimoji="1" lang="ja-JP" altLang="en-US" dirty="0"/>
           </a:p>
@@ -5579,7 +5670,7 @@
     </p:spTree>
     <p:extLst>
       <p:ext uri="{BB962C8B-B14F-4D97-AF65-F5344CB8AC3E}">
-        <p14:creationId xmlns:p14="http://schemas.microsoft.com/office/powerpoint/2010/main" val="3483215692"/>
+        <p14:creationId xmlns:p14="http://schemas.microsoft.com/office/powerpoint/2010/main" val="3859860042"/>
       </p:ext>
     </p:extLst>
   </p:cSld>
@@ -5630,30 +5721,7 @@
           <a:p>
             <a:r>
               <a:rPr kumimoji="1" lang="ja-JP" altLang="en-US" dirty="0" smtClean="0"/>
-              <a:t>数値計算結果の分析</a:t>
-            </a:r>
-            <a:endParaRPr kumimoji="1" lang="ja-JP" altLang="en-US" dirty="0"/>
-          </a:p>
-        </p:txBody>
-      </p:sp>
-      <p:sp>
-        <p:nvSpPr>
-          <p:cNvPr id="3" name="コンテンツ プレースホルダー 2"/>
-          <p:cNvSpPr>
-            <a:spLocks noGrp="1"/>
-          </p:cNvSpPr>
-          <p:nvPr>
-            <p:ph idx="1"/>
-          </p:nvPr>
-        </p:nvSpPr>
-        <p:spPr/>
-        <p:txBody>
-          <a:bodyPr/>
-          <a:lstStyle/>
-          <a:p>
-            <a:r>
-              <a:rPr kumimoji="1" lang="ja-JP" altLang="en-US" dirty="0" smtClean="0"/>
-              <a:t>多くて３、４つ</a:t>
+              <a:t>数値計算結果</a:t>
             </a:r>
             <a:endParaRPr kumimoji="1" lang="ja-JP" altLang="en-US" dirty="0"/>
           </a:p>
@@ -5662,7 +5730,7 @@
     </p:spTree>
     <p:extLst>
       <p:ext uri="{BB962C8B-B14F-4D97-AF65-F5344CB8AC3E}">
-        <p14:creationId xmlns:p14="http://schemas.microsoft.com/office/powerpoint/2010/main" val="3736256567"/>
+        <p14:creationId xmlns:p14="http://schemas.microsoft.com/office/powerpoint/2010/main" val="3483215692"/>
       </p:ext>
     </p:extLst>
   </p:cSld>
@@ -5713,7 +5781,7 @@
           <a:p>
             <a:r>
               <a:rPr kumimoji="1" lang="ja-JP" altLang="en-US" dirty="0" smtClean="0"/>
-              <a:t>結論</a:t>
+              <a:t>数値計算結果の分析</a:t>
             </a:r>
             <a:endParaRPr kumimoji="1" lang="ja-JP" altLang="en-US" dirty="0"/>
           </a:p>
@@ -5736,20 +5804,16 @@
           <a:p>
             <a:r>
               <a:rPr kumimoji="1" lang="ja-JP" altLang="en-US" dirty="0" smtClean="0"/>
-              <a:t>ウイルスのタグの長さに比べて、免疫機構のタグが短い場合でもオーバーラップによって十分な抗体を作ることができる</a:t>
-            </a:r>
-            <a:r>
-              <a:rPr kumimoji="1" lang="ja-JP" altLang="en-US" dirty="0" smtClean="0"/>
-              <a:t>。</a:t>
-            </a:r>
-            <a:endParaRPr kumimoji="1" lang="en-US" altLang="ja-JP" dirty="0" smtClean="0"/>
+              <a:t>多くて３、４つ</a:t>
+            </a:r>
+            <a:endParaRPr kumimoji="1" lang="ja-JP" altLang="en-US" dirty="0"/>
           </a:p>
         </p:txBody>
       </p:sp>
     </p:spTree>
     <p:extLst>
       <p:ext uri="{BB962C8B-B14F-4D97-AF65-F5344CB8AC3E}">
-        <p14:creationId xmlns:p14="http://schemas.microsoft.com/office/powerpoint/2010/main" val="3466877443"/>
+        <p14:creationId xmlns:p14="http://schemas.microsoft.com/office/powerpoint/2010/main" val="3736256567"/>
       </p:ext>
     </p:extLst>
   </p:cSld>
@@ -5800,7 +5864,7 @@
           <a:p>
             <a:r>
               <a:rPr kumimoji="1" lang="ja-JP" altLang="en-US" dirty="0" smtClean="0"/>
-              <a:t>空間非一様モデル（今後の課題）</a:t>
+              <a:t>結論</a:t>
             </a:r>
             <a:endParaRPr kumimoji="1" lang="ja-JP" altLang="en-US" dirty="0"/>
           </a:p>
@@ -5823,19 +5887,16 @@
           <a:p>
             <a:r>
               <a:rPr kumimoji="1" lang="ja-JP" altLang="en-US" dirty="0" smtClean="0"/>
-              <a:t>病原体の広がりは数理疫学モデルによって表現されてきたが、抗体の広がりは十分に調べられていない。電子タグを用いることにより、抗体の社会的な広がりを表現したい。</a:t>
+              <a:t>ウイルスのタグの長さに比べて、免疫機構のタグが短い場合でもオーバーラップによって十分な抗体を作ることができる。</a:t>
             </a:r>
             <a:endParaRPr kumimoji="1" lang="en-US" altLang="ja-JP" dirty="0" smtClean="0"/>
-          </a:p>
-          <a:p>
-            <a:endParaRPr kumimoji="1" lang="ja-JP" altLang="en-US" dirty="0"/>
           </a:p>
         </p:txBody>
       </p:sp>
     </p:spTree>
     <p:extLst>
       <p:ext uri="{BB962C8B-B14F-4D97-AF65-F5344CB8AC3E}">
-        <p14:creationId xmlns:p14="http://schemas.microsoft.com/office/powerpoint/2010/main" val="4140513809"/>
+        <p14:creationId xmlns:p14="http://schemas.microsoft.com/office/powerpoint/2010/main" val="3466877443"/>
       </p:ext>
     </p:extLst>
   </p:cSld>
@@ -5881,14 +5942,12 @@
         </p:nvSpPr>
         <p:spPr/>
         <p:txBody>
-          <a:bodyPr>
-            <a:normAutofit fontScale="90000"/>
-          </a:bodyPr>
+          <a:bodyPr/>
           <a:lstStyle/>
           <a:p>
             <a:r>
               <a:rPr kumimoji="1" lang="ja-JP" altLang="en-US" dirty="0" smtClean="0"/>
-              <a:t>（（（電子タグを用いた免疫機構の表現の妥当性</a:t>
+              <a:t>空間非一様モデル（今後の課題）</a:t>
             </a:r>
             <a:endParaRPr kumimoji="1" lang="ja-JP" altLang="en-US" dirty="0"/>
           </a:p>
@@ -5909,14 +5968,21 @@
           <a:bodyPr/>
           <a:lstStyle/>
           <a:p>
-            <a:endParaRPr kumimoji="1" lang="ja-JP" altLang="en-US"/>
+            <a:r>
+              <a:rPr kumimoji="1" lang="ja-JP" altLang="en-US" dirty="0" smtClean="0"/>
+              <a:t>病原体の広がりは数理疫学モデルによって表現されてきたが、抗体の広がりは十分に調べられていない。電子タグを用いることにより、抗体の社会的な広がりを表現したい。</a:t>
+            </a:r>
+            <a:endParaRPr kumimoji="1" lang="en-US" altLang="ja-JP" dirty="0" smtClean="0"/>
+          </a:p>
+          <a:p>
+            <a:endParaRPr kumimoji="1" lang="ja-JP" altLang="en-US" dirty="0"/>
           </a:p>
         </p:txBody>
       </p:sp>
     </p:spTree>
     <p:extLst>
       <p:ext uri="{BB962C8B-B14F-4D97-AF65-F5344CB8AC3E}">
-        <p14:creationId xmlns:p14="http://schemas.microsoft.com/office/powerpoint/2010/main" val="296766167"/>
+        <p14:creationId xmlns:p14="http://schemas.microsoft.com/office/powerpoint/2010/main" val="4140513809"/>
       </p:ext>
     </p:extLst>
   </p:cSld>
@@ -5962,16 +6028,14 @@
         </p:nvSpPr>
         <p:spPr/>
         <p:txBody>
-          <a:bodyPr/>
+          <a:bodyPr>
+            <a:normAutofit fontScale="90000"/>
+          </a:bodyPr>
           <a:lstStyle/>
           <a:p>
             <a:r>
               <a:rPr kumimoji="1" lang="ja-JP" altLang="en-US" dirty="0" smtClean="0"/>
-              <a:t>延長</a:t>
-            </a:r>
-            <a:r>
-              <a:rPr kumimoji="1" lang="ja-JP" altLang="en-US" dirty="0" smtClean="0"/>
-              <a:t>された表現型とは</a:t>
+              <a:t>（（（電子タグを用いた免疫機構の表現の妥当性</a:t>
             </a:r>
             <a:endParaRPr kumimoji="1" lang="ja-JP" altLang="en-US" dirty="0"/>
           </a:p>
@@ -5992,17 +6056,14 @@
           <a:bodyPr/>
           <a:lstStyle/>
           <a:p>
-            <a:pPr marL="0" indent="0">
-              <a:buNone/>
-            </a:pPr>
-            <a:endParaRPr kumimoji="1" lang="ja-JP" altLang="en-US" dirty="0"/>
+            <a:endParaRPr kumimoji="1" lang="ja-JP" altLang="en-US"/>
           </a:p>
         </p:txBody>
       </p:sp>
     </p:spTree>
     <p:extLst>
       <p:ext uri="{BB962C8B-B14F-4D97-AF65-F5344CB8AC3E}">
-        <p14:creationId xmlns:p14="http://schemas.microsoft.com/office/powerpoint/2010/main" val="3461091930"/>
+        <p14:creationId xmlns:p14="http://schemas.microsoft.com/office/powerpoint/2010/main" val="296766167"/>
       </p:ext>
     </p:extLst>
   </p:cSld>
@@ -6052,12 +6113,8 @@
           <a:lstStyle/>
           <a:p>
             <a:r>
-              <a:rPr lang="ja-JP" altLang="en-US" dirty="0"/>
-              <a:t>利己的</a:t>
-            </a:r>
-            <a:r>
-              <a:rPr lang="ja-JP" altLang="en-US" dirty="0" smtClean="0"/>
-              <a:t>な遺伝子について</a:t>
+              <a:rPr kumimoji="1" lang="ja-JP" altLang="en-US" dirty="0" smtClean="0"/>
+              <a:t>延長された表現型とは</a:t>
             </a:r>
             <a:endParaRPr kumimoji="1" lang="ja-JP" altLang="en-US" dirty="0"/>
           </a:p>
@@ -6078,20 +6135,30 @@
           <a:bodyPr/>
           <a:lstStyle/>
           <a:p>
-            <a:endParaRPr kumimoji="1" lang="ja-JP" altLang="en-US"/>
+            <a:pPr marL="0" indent="0">
+              <a:buNone/>
+            </a:pPr>
+            <a:endParaRPr kumimoji="1" lang="ja-JP" altLang="en-US" dirty="0"/>
           </a:p>
         </p:txBody>
       </p:sp>
     </p:spTree>
     <p:extLst>
       <p:ext uri="{BB962C8B-B14F-4D97-AF65-F5344CB8AC3E}">
-        <p14:creationId xmlns:p14="http://schemas.microsoft.com/office/powerpoint/2010/main" val="3143250094"/>
+        <p14:creationId xmlns:p14="http://schemas.microsoft.com/office/powerpoint/2010/main" val="3461091930"/>
       </p:ext>
     </p:extLst>
   </p:cSld>
   <p:clrMapOvr>
     <a:masterClrMapping/>
   </p:clrMapOvr>
+  <p:timing>
+    <p:tnLst>
+      <p:par>
+        <p:cTn id="1" dur="indefinite" restart="never" nodeType="tmRoot"/>
+      </p:par>
+    </p:tnLst>
+  </p:timing>
 </p:sld>
 </file>
 
@@ -6128,12 +6195,12 @@
           <a:lstStyle/>
           <a:p>
             <a:r>
-              <a:rPr kumimoji="1" lang="ja-JP" altLang="en-US" dirty="0" smtClean="0"/>
-              <a:t>研究</a:t>
-            </a:r>
-            <a:r>
-              <a:rPr kumimoji="1" lang="ja-JP" altLang="en-US" dirty="0" smtClean="0"/>
-              <a:t>目的２</a:t>
+              <a:rPr lang="ja-JP" altLang="en-US" dirty="0"/>
+              <a:t>利己的</a:t>
+            </a:r>
+            <a:r>
+              <a:rPr lang="ja-JP" altLang="en-US" dirty="0" smtClean="0"/>
+              <a:t>な遺伝子について</a:t>
             </a:r>
             <a:endParaRPr kumimoji="1" lang="ja-JP" altLang="en-US" dirty="0"/>
           </a:p>
@@ -6154,42 +6221,20 @@
           <a:bodyPr/>
           <a:lstStyle/>
           <a:p>
-            <a:r>
-              <a:rPr kumimoji="1" lang="en-US" altLang="ja-JP" dirty="0" smtClean="0"/>
-              <a:t>2</a:t>
-            </a:r>
-            <a:r>
-              <a:rPr kumimoji="1" lang="ja-JP" altLang="en-US" dirty="0" smtClean="0"/>
-              <a:t>種類のウイルスが流行した場合、一方のウイルスの免疫を獲得することにより他方のウイルスに対する免疫を失うことが起こりうる。</a:t>
-            </a:r>
-            <a:endParaRPr lang="en-US" altLang="ja-JP" dirty="0"/>
-          </a:p>
-          <a:p>
-            <a:r>
-              <a:rPr kumimoji="1" lang="ja-JP" altLang="en-US" dirty="0" smtClean="0"/>
-              <a:t>その結果社会全体で発生する免疫獲得とウイルス感染との間のある種の振動現象を数値解析的に再現する。</a:t>
-            </a:r>
-            <a:endParaRPr kumimoji="1" lang="ja-JP" altLang="en-US" dirty="0"/>
+            <a:endParaRPr kumimoji="1" lang="ja-JP" altLang="en-US"/>
           </a:p>
         </p:txBody>
       </p:sp>
     </p:spTree>
     <p:extLst>
       <p:ext uri="{BB962C8B-B14F-4D97-AF65-F5344CB8AC3E}">
-        <p14:creationId xmlns:p14="http://schemas.microsoft.com/office/powerpoint/2010/main" val="2535459551"/>
+        <p14:creationId xmlns:p14="http://schemas.microsoft.com/office/powerpoint/2010/main" val="3143250094"/>
       </p:ext>
     </p:extLst>
   </p:cSld>
   <p:clrMapOvr>
     <a:masterClrMapping/>
   </p:clrMapOvr>
-  <p:timing>
-    <p:tnLst>
-      <p:par>
-        <p:cTn id="1" dur="indefinite" restart="never" nodeType="tmRoot"/>
-      </p:par>
-    </p:tnLst>
-  </p:timing>
 </p:sld>
 </file>
 
@@ -6227,7 +6272,7 @@
           <a:p>
             <a:r>
               <a:rPr kumimoji="1" lang="ja-JP" altLang="en-US" dirty="0" smtClean="0"/>
-              <a:t>パラメータ集合の分類</a:t>
+              <a:t>研究目的２</a:t>
             </a:r>
             <a:endParaRPr kumimoji="1" lang="ja-JP" altLang="en-US" dirty="0"/>
           </a:p>
@@ -6249,8 +6294,19 @@
           <a:lstStyle/>
           <a:p>
             <a:r>
+              <a:rPr kumimoji="1" lang="en-US" altLang="ja-JP" dirty="0" smtClean="0"/>
+              <a:t>2</a:t>
+            </a:r>
+            <a:r>
               <a:rPr kumimoji="1" lang="ja-JP" altLang="en-US" dirty="0" smtClean="0"/>
-              <a:t>８つ</a:t>
+              <a:t>種類のウイルスが流行した場合、一方のウイルスの免疫を獲得することにより他方のウイルスに対する免疫を失うことが起こりうる。</a:t>
+            </a:r>
+            <a:endParaRPr lang="en-US" altLang="ja-JP" dirty="0"/>
+          </a:p>
+          <a:p>
+            <a:r>
+              <a:rPr kumimoji="1" lang="ja-JP" altLang="en-US" dirty="0" smtClean="0"/>
+              <a:t>その結果社会全体で発生する免疫獲得とウイルス感染との間のある種の振動現象を数値解析的に再現する。</a:t>
             </a:r>
             <a:endParaRPr kumimoji="1" lang="ja-JP" altLang="en-US" dirty="0"/>
           </a:p>
@@ -6259,7 +6315,7 @@
     </p:spTree>
     <p:extLst>
       <p:ext uri="{BB962C8B-B14F-4D97-AF65-F5344CB8AC3E}">
-        <p14:creationId xmlns:p14="http://schemas.microsoft.com/office/powerpoint/2010/main" val="3741923519"/>
+        <p14:creationId xmlns:p14="http://schemas.microsoft.com/office/powerpoint/2010/main" val="2535459551"/>
       </p:ext>
     </p:extLst>
   </p:cSld>
@@ -6368,6 +6424,89 @@
 </file>
 
 <file path=ppt/slides/slide20.xml><?xml version="1.0" encoding="utf-8"?>
+<p:sld xmlns:a="http://schemas.openxmlformats.org/drawingml/2006/main" xmlns:r="http://schemas.openxmlformats.org/officeDocument/2006/relationships" xmlns:p="http://schemas.openxmlformats.org/presentationml/2006/main">
+  <p:cSld>
+    <p:spTree>
+      <p:nvGrpSpPr>
+        <p:cNvPr id="1" name=""/>
+        <p:cNvGrpSpPr/>
+        <p:nvPr/>
+      </p:nvGrpSpPr>
+      <p:grpSpPr>
+        <a:xfrm>
+          <a:off x="0" y="0"/>
+          <a:ext cx="0" cy="0"/>
+          <a:chOff x="0" y="0"/>
+          <a:chExt cx="0" cy="0"/>
+        </a:xfrm>
+      </p:grpSpPr>
+      <p:sp>
+        <p:nvSpPr>
+          <p:cNvPr id="2" name="タイトル 1"/>
+          <p:cNvSpPr>
+            <a:spLocks noGrp="1"/>
+          </p:cNvSpPr>
+          <p:nvPr>
+            <p:ph type="title"/>
+          </p:nvPr>
+        </p:nvSpPr>
+        <p:spPr/>
+        <p:txBody>
+          <a:bodyPr/>
+          <a:lstStyle/>
+          <a:p>
+            <a:r>
+              <a:rPr kumimoji="1" lang="ja-JP" altLang="en-US" dirty="0" smtClean="0"/>
+              <a:t>パラメータ集合の分類</a:t>
+            </a:r>
+            <a:endParaRPr kumimoji="1" lang="ja-JP" altLang="en-US" dirty="0"/>
+          </a:p>
+        </p:txBody>
+      </p:sp>
+      <p:sp>
+        <p:nvSpPr>
+          <p:cNvPr id="3" name="コンテンツ プレースホルダー 2"/>
+          <p:cNvSpPr>
+            <a:spLocks noGrp="1"/>
+          </p:cNvSpPr>
+          <p:nvPr>
+            <p:ph idx="1"/>
+          </p:nvPr>
+        </p:nvSpPr>
+        <p:spPr/>
+        <p:txBody>
+          <a:bodyPr/>
+          <a:lstStyle/>
+          <a:p>
+            <a:r>
+              <a:rPr kumimoji="1" lang="ja-JP" altLang="en-US" dirty="0" smtClean="0"/>
+              <a:t>８つ</a:t>
+            </a:r>
+            <a:endParaRPr kumimoji="1" lang="ja-JP" altLang="en-US" dirty="0"/>
+          </a:p>
+        </p:txBody>
+      </p:sp>
+    </p:spTree>
+    <p:extLst>
+      <p:ext uri="{BB962C8B-B14F-4D97-AF65-F5344CB8AC3E}">
+        <p14:creationId xmlns:p14="http://schemas.microsoft.com/office/powerpoint/2010/main" val="3741923519"/>
+      </p:ext>
+    </p:extLst>
+  </p:cSld>
+  <p:clrMapOvr>
+    <a:masterClrMapping/>
+  </p:clrMapOvr>
+  <p:timing>
+    <p:tnLst>
+      <p:par>
+        <p:cTn id="1" dur="indefinite" restart="never" nodeType="tmRoot"/>
+      </p:par>
+    </p:tnLst>
+  </p:timing>
+</p:sld>
+</file>
+
+<file path=ppt/slides/slide21.xml><?xml version="1.0" encoding="utf-8"?>
 <p:sld xmlns:a="http://schemas.openxmlformats.org/drawingml/2006/main" xmlns:r="http://schemas.openxmlformats.org/officeDocument/2006/relationships" xmlns:p="http://schemas.openxmlformats.org/presentationml/2006/main">
   <p:cSld>
     <p:spTree>
@@ -7639,10 +7778,10 @@
           <a:lstStyle/>
           <a:p>
             <a:r>
-              <a:rPr kumimoji="1" lang="ja-JP" altLang="en-US" sz="3600" dirty="0" smtClean="0"/>
+              <a:rPr kumimoji="1" lang="ja-JP" altLang="en-US" sz="3600" u="sng" dirty="0" smtClean="0"/>
               <a:t>アルゴリズム</a:t>
             </a:r>
-            <a:endParaRPr kumimoji="1" lang="ja-JP" altLang="en-US" sz="3600" dirty="0"/>
+            <a:endParaRPr kumimoji="1" lang="ja-JP" altLang="en-US" sz="3600" u="sng" dirty="0"/>
           </a:p>
         </p:txBody>
       </p:sp>
@@ -7685,7 +7824,7 @@
       </p:grpSpPr>
       <p:sp>
         <p:nvSpPr>
-          <p:cNvPr id="2" name="タイトル 1"/>
+          <p:cNvPr id="4" name="タイトル 3"/>
           <p:cNvSpPr>
             <a:spLocks noGrp="1"/>
           </p:cNvSpPr>
@@ -7701,16 +7840,16 @@
           <a:lstStyle/>
           <a:p>
             <a:r>
-              <a:rPr kumimoji="1" lang="ja-JP" altLang="en-US" sz="3600" dirty="0" smtClean="0"/>
+              <a:rPr kumimoji="1" lang="ja-JP" altLang="en-US" sz="3600" u="sng" dirty="0" smtClean="0"/>
               <a:t>電子タグによる免疫機構の表現</a:t>
             </a:r>
-            <a:endParaRPr kumimoji="1" lang="ja-JP" altLang="en-US" sz="3600" dirty="0"/>
+            <a:endParaRPr kumimoji="1" lang="ja-JP" altLang="en-US" sz="3600" u="sng" dirty="0"/>
           </a:p>
         </p:txBody>
       </p:sp>
       <p:pic>
         <p:nvPicPr>
-          <p:cNvPr id="1026" name="Picture 2" descr="C:\Users\Naoki\workspace\AgentBasedEpidemicModel\PPT\tag1_2.png"/>
+          <p:cNvPr id="3075" name="Picture 3" descr="C:\Users\Naoki\workspace\AgentBasedEpidemicModel\PPT\tag4.png"/>
           <p:cNvPicPr>
             <a:picLocks noChangeAspect="1" noChangeArrowheads="1"/>
           </p:cNvPicPr>
@@ -7731,8 +7870,8 @@
         </p:blipFill>
         <p:spPr bwMode="auto">
           <a:xfrm>
-            <a:off x="467543" y="1196752"/>
-            <a:ext cx="8537079" cy="6833124"/>
+            <a:off x="467544" y="1556792"/>
+            <a:ext cx="9239722" cy="4615962"/>
           </a:xfrm>
           <a:prstGeom prst="rect">
             <a:avLst/>
@@ -7752,7 +7891,7 @@
     </p:spTree>
     <p:extLst>
       <p:ext uri="{BB962C8B-B14F-4D97-AF65-F5344CB8AC3E}">
-        <p14:creationId xmlns:p14="http://schemas.microsoft.com/office/powerpoint/2010/main" val="3599667620"/>
+        <p14:creationId xmlns:p14="http://schemas.microsoft.com/office/powerpoint/2010/main" val="3710276726"/>
       </p:ext>
     </p:extLst>
   </p:cSld>
@@ -7788,7 +7927,7 @@
       </p:grpSpPr>
       <p:pic>
         <p:nvPicPr>
-          <p:cNvPr id="1030" name="Picture 6" descr="C:\Users\Naoki\workspace\AgentBasedEpidemicModel\PPT\tag_3.png"/>
+          <p:cNvPr id="1030" name="Picture 6" descr="C:\Users\Naoki\workspace\AgentBasedEpidemicModel\PPT\tag1_2.png"/>
           <p:cNvPicPr>
             <a:picLocks noChangeAspect="1" noChangeArrowheads="1"/>
           </p:cNvPicPr>
@@ -7809,8 +7948,8 @@
         </p:blipFill>
         <p:spPr bwMode="auto">
           <a:xfrm>
-            <a:off x="768192" y="699437"/>
-            <a:ext cx="7687447" cy="6153072"/>
+            <a:off x="358037" y="548680"/>
+            <a:ext cx="8726549" cy="6984776"/>
           </a:xfrm>
           <a:prstGeom prst="rect">
             <a:avLst/>
@@ -7830,7 +7969,7 @@
     </p:spTree>
     <p:extLst>
       <p:ext uri="{BB962C8B-B14F-4D97-AF65-F5344CB8AC3E}">
-        <p14:creationId xmlns:p14="http://schemas.microsoft.com/office/powerpoint/2010/main" val="4159369643"/>
+        <p14:creationId xmlns:p14="http://schemas.microsoft.com/office/powerpoint/2010/main" val="3599667620"/>
       </p:ext>
     </p:extLst>
   </p:cSld>

--- a/ppt/卒業研究.pptx
+++ b/ppt/卒業研究.pptx
@@ -724,17 +724,6 @@
           <a:bodyPr/>
           <a:lstStyle/>
           <a:p>
-            <a:r>
-              <a:rPr kumimoji="1" lang="ja-JP" altLang="en-US" dirty="0" smtClean="0"/>
-              <a:t>＋フォントの大きさとかを検討する。</a:t>
-            </a:r>
-            <a:endParaRPr kumimoji="1" lang="en-US" altLang="ja-JP" dirty="0" smtClean="0"/>
-          </a:p>
-          <a:p>
-            <a:r>
-              <a:rPr kumimoji="1" lang="ja-JP" altLang="en-US" dirty="0" smtClean="0"/>
-              <a:t>＋どう見せるとか、レイアウトを検討する、最後に。</a:t>
-            </a:r>
             <a:endParaRPr kumimoji="1" lang="ja-JP" altLang="en-US" dirty="0"/>
           </a:p>
         </p:txBody>
@@ -840,7 +829,7 @@
           <a:p>
             <a:fld id="{FEFB3154-A281-48F2-8DC9-C99E29F1ECF4}" type="slidenum">
               <a:rPr kumimoji="1" lang="ja-JP" altLang="en-US" smtClean="0"/>
-              <a:t>12</a:t>
+              <a:t>11</a:t>
             </a:fld>
             <a:endParaRPr kumimoji="1" lang="ja-JP" altLang="en-US"/>
           </a:p>
@@ -849,7 +838,7 @@
     </p:spTree>
     <p:extLst>
       <p:ext uri="{BB962C8B-B14F-4D97-AF65-F5344CB8AC3E}">
-        <p14:creationId xmlns:p14="http://schemas.microsoft.com/office/powerpoint/2010/main" val="2603317105"/>
+        <p14:creationId xmlns:p14="http://schemas.microsoft.com/office/powerpoint/2010/main" val="3426562675"/>
       </p:ext>
     </p:extLst>
   </p:cSld>
@@ -924,7 +913,7 @@
           <a:p>
             <a:fld id="{FEFB3154-A281-48F2-8DC9-C99E29F1ECF4}" type="slidenum">
               <a:rPr kumimoji="1" lang="ja-JP" altLang="en-US" smtClean="0"/>
-              <a:t>13</a:t>
+              <a:t>12</a:t>
             </a:fld>
             <a:endParaRPr kumimoji="1" lang="ja-JP" altLang="en-US"/>
           </a:p>
@@ -933,7 +922,7 @@
     </p:spTree>
     <p:extLst>
       <p:ext uri="{BB962C8B-B14F-4D97-AF65-F5344CB8AC3E}">
-        <p14:creationId xmlns:p14="http://schemas.microsoft.com/office/powerpoint/2010/main" val="2334585315"/>
+        <p14:creationId xmlns:p14="http://schemas.microsoft.com/office/powerpoint/2010/main" val="2603317105"/>
       </p:ext>
     </p:extLst>
   </p:cSld>
@@ -987,7 +976,7 @@
           <a:bodyPr/>
           <a:lstStyle/>
           <a:p>
-            <a:endParaRPr kumimoji="1" lang="ja-JP" altLang="en-US" dirty="0"/>
+            <a:endParaRPr kumimoji="1" lang="ja-JP" altLang="en-US"/>
           </a:p>
         </p:txBody>
       </p:sp>
@@ -1008,7 +997,7 @@
           <a:p>
             <a:fld id="{FEFB3154-A281-48F2-8DC9-C99E29F1ECF4}" type="slidenum">
               <a:rPr kumimoji="1" lang="ja-JP" altLang="en-US" smtClean="0"/>
-              <a:t>14</a:t>
+              <a:t>13</a:t>
             </a:fld>
             <a:endParaRPr kumimoji="1" lang="ja-JP" altLang="en-US"/>
           </a:p>
@@ -1017,7 +1006,7 @@
     </p:spTree>
     <p:extLst>
       <p:ext uri="{BB962C8B-B14F-4D97-AF65-F5344CB8AC3E}">
-        <p14:creationId xmlns:p14="http://schemas.microsoft.com/office/powerpoint/2010/main" val="88015040"/>
+        <p14:creationId xmlns:p14="http://schemas.microsoft.com/office/powerpoint/2010/main" val="2334585315"/>
       </p:ext>
     </p:extLst>
   </p:cSld>
@@ -1071,7 +1060,7 @@
           <a:bodyPr/>
           <a:lstStyle/>
           <a:p>
-            <a:endParaRPr kumimoji="1" lang="ja-JP" altLang="en-US"/>
+            <a:endParaRPr kumimoji="1" lang="ja-JP" altLang="en-US" dirty="0"/>
           </a:p>
         </p:txBody>
       </p:sp>
@@ -1092,7 +1081,7 @@
           <a:p>
             <a:fld id="{FEFB3154-A281-48F2-8DC9-C99E29F1ECF4}" type="slidenum">
               <a:rPr kumimoji="1" lang="ja-JP" altLang="en-US" smtClean="0"/>
-              <a:t>15</a:t>
+              <a:t>14</a:t>
             </a:fld>
             <a:endParaRPr kumimoji="1" lang="ja-JP" altLang="en-US"/>
           </a:p>
@@ -1101,7 +1090,7 @@
     </p:spTree>
     <p:extLst>
       <p:ext uri="{BB962C8B-B14F-4D97-AF65-F5344CB8AC3E}">
-        <p14:creationId xmlns:p14="http://schemas.microsoft.com/office/powerpoint/2010/main" val="3782568936"/>
+        <p14:creationId xmlns:p14="http://schemas.microsoft.com/office/powerpoint/2010/main" val="88015040"/>
       </p:ext>
     </p:extLst>
   </p:cSld>
@@ -1176,7 +1165,7 @@
           <a:p>
             <a:fld id="{FEFB3154-A281-48F2-8DC9-C99E29F1ECF4}" type="slidenum">
               <a:rPr kumimoji="1" lang="ja-JP" altLang="en-US" smtClean="0"/>
-              <a:t>16</a:t>
+              <a:t>15</a:t>
             </a:fld>
             <a:endParaRPr kumimoji="1" lang="ja-JP" altLang="en-US"/>
           </a:p>
@@ -1185,7 +1174,7 @@
     </p:spTree>
     <p:extLst>
       <p:ext uri="{BB962C8B-B14F-4D97-AF65-F5344CB8AC3E}">
-        <p14:creationId xmlns:p14="http://schemas.microsoft.com/office/powerpoint/2010/main" val="857273442"/>
+        <p14:creationId xmlns:p14="http://schemas.microsoft.com/office/powerpoint/2010/main" val="3782568936"/>
       </p:ext>
     </p:extLst>
   </p:cSld>
@@ -1260,7 +1249,7 @@
           <a:p>
             <a:fld id="{FEFB3154-A281-48F2-8DC9-C99E29F1ECF4}" type="slidenum">
               <a:rPr kumimoji="1" lang="ja-JP" altLang="en-US" smtClean="0"/>
-              <a:t>17</a:t>
+              <a:t>16</a:t>
             </a:fld>
             <a:endParaRPr kumimoji="1" lang="ja-JP" altLang="en-US"/>
           </a:p>
@@ -1269,7 +1258,7 @@
     </p:spTree>
     <p:extLst>
       <p:ext uri="{BB962C8B-B14F-4D97-AF65-F5344CB8AC3E}">
-        <p14:creationId xmlns:p14="http://schemas.microsoft.com/office/powerpoint/2010/main" val="966408925"/>
+        <p14:creationId xmlns:p14="http://schemas.microsoft.com/office/powerpoint/2010/main" val="857273442"/>
       </p:ext>
     </p:extLst>
   </p:cSld>
@@ -1323,6 +1312,90 @@
           <a:bodyPr/>
           <a:lstStyle/>
           <a:p>
+            <a:endParaRPr kumimoji="1" lang="ja-JP" altLang="en-US"/>
+          </a:p>
+        </p:txBody>
+      </p:sp>
+      <p:sp>
+        <p:nvSpPr>
+          <p:cNvPr id="4" name="スライド番号プレースホルダー 3"/>
+          <p:cNvSpPr>
+            <a:spLocks noGrp="1"/>
+          </p:cNvSpPr>
+          <p:nvPr>
+            <p:ph type="sldNum" sz="quarter" idx="10"/>
+          </p:nvPr>
+        </p:nvSpPr>
+        <p:spPr/>
+        <p:txBody>
+          <a:bodyPr/>
+          <a:lstStyle/>
+          <a:p>
+            <a:fld id="{FEFB3154-A281-48F2-8DC9-C99E29F1ECF4}" type="slidenum">
+              <a:rPr kumimoji="1" lang="ja-JP" altLang="en-US" smtClean="0"/>
+              <a:t>17</a:t>
+            </a:fld>
+            <a:endParaRPr kumimoji="1" lang="ja-JP" altLang="en-US"/>
+          </a:p>
+        </p:txBody>
+      </p:sp>
+    </p:spTree>
+    <p:extLst>
+      <p:ext uri="{BB962C8B-B14F-4D97-AF65-F5344CB8AC3E}">
+        <p14:creationId xmlns:p14="http://schemas.microsoft.com/office/powerpoint/2010/main" val="966408925"/>
+      </p:ext>
+    </p:extLst>
+  </p:cSld>
+  <p:clrMapOvr>
+    <a:masterClrMapping/>
+  </p:clrMapOvr>
+</p:notes>
+</file>
+
+<file path=ppt/notesSlides/notesSlide17.xml><?xml version="1.0" encoding="utf-8"?>
+<p:notes xmlns:a="http://schemas.openxmlformats.org/drawingml/2006/main" xmlns:r="http://schemas.openxmlformats.org/officeDocument/2006/relationships" xmlns:p="http://schemas.openxmlformats.org/presentationml/2006/main">
+  <p:cSld>
+    <p:spTree>
+      <p:nvGrpSpPr>
+        <p:cNvPr id="1" name=""/>
+        <p:cNvGrpSpPr/>
+        <p:nvPr/>
+      </p:nvGrpSpPr>
+      <p:grpSpPr>
+        <a:xfrm>
+          <a:off x="0" y="0"/>
+          <a:ext cx="0" cy="0"/>
+          <a:chOff x="0" y="0"/>
+          <a:chExt cx="0" cy="0"/>
+        </a:xfrm>
+      </p:grpSpPr>
+      <p:sp>
+        <p:nvSpPr>
+          <p:cNvPr id="2" name="スライド イメージ プレースホルダー 1"/>
+          <p:cNvSpPr>
+            <a:spLocks noGrp="1" noRot="1" noChangeAspect="1"/>
+          </p:cNvSpPr>
+          <p:nvPr>
+            <p:ph type="sldImg"/>
+          </p:nvPr>
+        </p:nvSpPr>
+        <p:spPr/>
+      </p:sp>
+      <p:sp>
+        <p:nvSpPr>
+          <p:cNvPr id="3" name="ノート プレースホルダー 2"/>
+          <p:cNvSpPr>
+            <a:spLocks noGrp="1"/>
+          </p:cNvSpPr>
+          <p:nvPr>
+            <p:ph type="body" idx="1"/>
+          </p:nvPr>
+        </p:nvSpPr>
+        <p:spPr/>
+        <p:txBody>
+          <a:bodyPr/>
+          <a:lstStyle/>
+          <a:p>
             <a:r>
               <a:rPr kumimoji="1" lang="ja-JP" altLang="en-US" dirty="0" smtClean="0"/>
               <a:t>＋</a:t>
@@ -1375,7 +1448,7 @@
 </p:notes>
 </file>
 
-<file path=ppt/notesSlides/notesSlide17.xml><?xml version="1.0" encoding="utf-8"?>
+<file path=ppt/notesSlides/notesSlide18.xml><?xml version="1.0" encoding="utf-8"?>
 <p:notes xmlns:a="http://schemas.openxmlformats.org/drawingml/2006/main" xmlns:r="http://schemas.openxmlformats.org/officeDocument/2006/relationships" xmlns:p="http://schemas.openxmlformats.org/presentationml/2006/main">
   <p:cSld>
     <p:spTree>
@@ -1942,7 +2015,68 @@
           <a:bodyPr/>
           <a:lstStyle/>
           <a:p>
-            <a:endParaRPr kumimoji="1" lang="ja-JP" altLang="en-US" dirty="0"/>
+            <a:r>
+              <a:rPr kumimoji="1" lang="ja-JP" altLang="en-US" dirty="0" smtClean="0"/>
+              <a:t>＃　伝える内容</a:t>
+            </a:r>
+            <a:endParaRPr kumimoji="1" lang="en-US" altLang="ja-JP" dirty="0" smtClean="0"/>
+          </a:p>
+          <a:p>
+            <a:r>
+              <a:rPr kumimoji="1" lang="ja-JP" altLang="en-US" dirty="0" smtClean="0"/>
+              <a:t>＋電子タグとは、ただの１と０の配列である</a:t>
+            </a:r>
+            <a:endParaRPr kumimoji="1" lang="en-US" altLang="ja-JP" dirty="0" smtClean="0"/>
+          </a:p>
+          <a:p>
+            <a:r>
+              <a:rPr kumimoji="1" lang="ja-JP" altLang="en-US" dirty="0" smtClean="0"/>
+              <a:t>＋エージェントとウイルスは、同じように電子タグを持っている</a:t>
+            </a:r>
+            <a:endParaRPr kumimoji="1" lang="en-US" altLang="ja-JP" dirty="0" smtClean="0"/>
+          </a:p>
+          <a:p>
+            <a:r>
+              <a:rPr kumimoji="1" lang="ja-JP" altLang="en-US" dirty="0" smtClean="0"/>
+              <a:t>＋必ずエージェントのタグのほうが、ウイルスのタグの長さより長い</a:t>
+            </a:r>
+            <a:endParaRPr kumimoji="1" lang="en-US" altLang="ja-JP" dirty="0" smtClean="0"/>
+          </a:p>
+          <a:p>
+            <a:r>
+              <a:rPr kumimoji="1" lang="ja-JP" altLang="en-US" dirty="0" smtClean="0"/>
+              <a:t>＋エージェントには２つの状態がある</a:t>
+            </a:r>
+            <a:endParaRPr kumimoji="1" lang="en-US" altLang="ja-JP" dirty="0" smtClean="0"/>
+          </a:p>
+          <a:p>
+            <a:r>
+              <a:rPr kumimoji="1" lang="en-US" altLang="ja-JP" dirty="0" smtClean="0"/>
+              <a:t>	</a:t>
+            </a:r>
+            <a:r>
+              <a:rPr kumimoji="1" lang="ja-JP" altLang="en-US" dirty="0" smtClean="0"/>
+              <a:t>＋ひとつは、免疫を獲得している状態で、ウイルスのタグを、含んでいる</a:t>
+            </a:r>
+            <a:endParaRPr kumimoji="1" lang="en-US" altLang="ja-JP" dirty="0" smtClean="0"/>
+          </a:p>
+          <a:p>
+            <a:r>
+              <a:rPr kumimoji="1" lang="en-US" altLang="ja-JP" dirty="0" smtClean="0"/>
+              <a:t>	</a:t>
+            </a:r>
+            <a:r>
+              <a:rPr kumimoji="1" lang="ja-JP" altLang="en-US" dirty="0" smtClean="0"/>
+              <a:t>＋もうひとつは、免疫を獲得していない状態で、ウイルスのタグを、完全に含まない</a:t>
+            </a:r>
+            <a:endParaRPr kumimoji="1" lang="en-US" altLang="ja-JP" dirty="0" smtClean="0"/>
+          </a:p>
+          <a:p>
+            <a:r>
+              <a:rPr kumimoji="1" lang="ja-JP" altLang="en-US" dirty="0" smtClean="0"/>
+              <a:t>＋例の場合、このウイルスに感染する可能性があるのは、下の、ウイルスのタグを含まないエージェントである</a:t>
+            </a:r>
+            <a:endParaRPr kumimoji="1" lang="en-US" altLang="ja-JP" dirty="0" smtClean="0"/>
           </a:p>
         </p:txBody>
       </p:sp>
@@ -2026,7 +2160,105 @@
           <a:bodyPr/>
           <a:lstStyle/>
           <a:p>
-            <a:endParaRPr kumimoji="1" lang="ja-JP" altLang="en-US" dirty="0"/>
+            <a:r>
+              <a:rPr kumimoji="1" lang="ja-JP" altLang="en-US" dirty="0" smtClean="0"/>
+              <a:t>＃</a:t>
+            </a:r>
+            <a:r>
+              <a:rPr kumimoji="1" lang="ja-JP" altLang="en-US" dirty="0" smtClean="0"/>
+              <a:t>　伝える内容</a:t>
+            </a:r>
+            <a:endParaRPr kumimoji="1" lang="en-US" altLang="ja-JP" dirty="0" smtClean="0"/>
+          </a:p>
+          <a:p>
+            <a:r>
+              <a:rPr kumimoji="1" lang="ja-JP" altLang="en-US" dirty="0" smtClean="0"/>
+              <a:t>＋エージェントが</a:t>
+            </a:r>
+            <a:r>
+              <a:rPr kumimoji="1" lang="en-US" altLang="ja-JP" dirty="0" smtClean="0"/>
+              <a:t>11010</a:t>
+            </a:r>
+            <a:r>
+              <a:rPr kumimoji="1" lang="ja-JP" altLang="en-US" dirty="0" err="1" smtClean="0"/>
+              <a:t>、</a:t>
+            </a:r>
+            <a:r>
+              <a:rPr kumimoji="1" lang="ja-JP" altLang="en-US" dirty="0" smtClean="0"/>
+              <a:t>ウイルスが</a:t>
+            </a:r>
+            <a:r>
+              <a:rPr kumimoji="1" lang="en-US" altLang="ja-JP" dirty="0" smtClean="0"/>
+              <a:t>011</a:t>
+            </a:r>
+            <a:r>
+              <a:rPr kumimoji="1" lang="ja-JP" altLang="en-US" dirty="0" smtClean="0"/>
+              <a:t>の場合を例にとる</a:t>
+            </a:r>
+            <a:endParaRPr kumimoji="1" lang="en-US" altLang="ja-JP" dirty="0" smtClean="0"/>
+          </a:p>
+          <a:p>
+            <a:r>
+              <a:rPr kumimoji="1" lang="ja-JP" altLang="en-US" dirty="0" smtClean="0"/>
+              <a:t>＋この場合、エージェントのタグは、ウイルスのタグを完全には含まないので、このエージェントは免疫を獲得していない</a:t>
+            </a:r>
+            <a:endParaRPr kumimoji="1" lang="en-US" altLang="ja-JP" dirty="0" smtClean="0"/>
+          </a:p>
+          <a:p>
+            <a:r>
+              <a:rPr kumimoji="1" lang="ja-JP" altLang="en-US" dirty="0" smtClean="0"/>
+              <a:t>＋ウイルスは、左から順に、エージェントのタグと自分のタグを比べて、違う数字の個数を数える</a:t>
+            </a:r>
+            <a:endParaRPr kumimoji="1" lang="en-US" altLang="ja-JP" dirty="0" smtClean="0"/>
+          </a:p>
+          <a:p>
+            <a:r>
+              <a:rPr kumimoji="1" lang="ja-JP" altLang="en-US" dirty="0" smtClean="0"/>
+              <a:t>＋この違う数字の個数を、ハミング距離という</a:t>
+            </a:r>
+            <a:endParaRPr kumimoji="1" lang="en-US" altLang="ja-JP" dirty="0" smtClean="0"/>
+          </a:p>
+          <a:p>
+            <a:r>
+              <a:rPr kumimoji="1" lang="ja-JP" altLang="en-US" dirty="0" smtClean="0"/>
+              <a:t>＋ウイルスは、ハミング距離が最少となる場所にとりつく。つまり最少ハミング距離。</a:t>
+            </a:r>
+            <a:endParaRPr kumimoji="1" lang="en-US" altLang="ja-JP" dirty="0" smtClean="0"/>
+          </a:p>
+          <a:p>
+            <a:r>
+              <a:rPr kumimoji="1" lang="ja-JP" altLang="en-US" dirty="0" smtClean="0"/>
+              <a:t>＋エージェントは、免疫をかくとくするため、つまりウイルスと同じタグを保有するために、１期間に１つだけタグをフリップする。</a:t>
+            </a:r>
+            <a:endParaRPr kumimoji="1" lang="en-US" altLang="ja-JP" dirty="0" smtClean="0"/>
+          </a:p>
+          <a:p>
+            <a:r>
+              <a:rPr kumimoji="1" lang="ja-JP" altLang="en-US" dirty="0" smtClean="0"/>
+              <a:t>＋フリップするとは、０から１に、または１から０にすることである</a:t>
+            </a:r>
+            <a:endParaRPr kumimoji="1" lang="en-US" altLang="ja-JP" dirty="0" smtClean="0"/>
+          </a:p>
+          <a:p>
+            <a:r>
+              <a:rPr kumimoji="1" lang="ja-JP" altLang="en-US" dirty="0" smtClean="0"/>
+              <a:t>＋こうしてタグフリップをすることによって、エージェントはウイルスと同じタグを完全に持つことになる</a:t>
+            </a:r>
+            <a:endParaRPr kumimoji="1" lang="en-US" altLang="ja-JP" dirty="0" smtClean="0"/>
+          </a:p>
+          <a:p>
+            <a:r>
+              <a:rPr kumimoji="1" lang="ja-JP" altLang="en-US" dirty="0" smtClean="0"/>
+              <a:t>＋結果、エージェントは免疫を獲得する</a:t>
+            </a:r>
+            <a:endParaRPr kumimoji="1" lang="en-US" altLang="ja-JP" dirty="0" smtClean="0"/>
+          </a:p>
+          <a:p>
+            <a:r>
+              <a:rPr kumimoji="1" lang="ja-JP" altLang="en-US" dirty="0" smtClean="0"/>
+              <a:t>＋免疫を獲得した時点で、ウイルスは離れる</a:t>
+            </a:r>
+            <a:endParaRPr kumimoji="1" lang="en-US" altLang="ja-JP" dirty="0" smtClean="0"/>
           </a:p>
         </p:txBody>
       </p:sp>
@@ -2110,6 +2342,17 @@
           <a:bodyPr/>
           <a:lstStyle/>
           <a:p>
+            <a:r>
+              <a:rPr kumimoji="1" lang="ja-JP" altLang="en-US" dirty="0" smtClean="0"/>
+              <a:t>＃　伝える内容</a:t>
+            </a:r>
+            <a:endParaRPr kumimoji="1" lang="en-US" altLang="ja-JP" dirty="0" smtClean="0"/>
+          </a:p>
+          <a:p>
+            <a:r>
+              <a:rPr kumimoji="1" lang="ja-JP" altLang="en-US" dirty="0" smtClean="0"/>
+              <a:t>＋実際の免疫機構の経過の違いを比べてみる</a:t>
+            </a:r>
             <a:endParaRPr kumimoji="1" lang="ja-JP" altLang="en-US" dirty="0"/>
           </a:p>
         </p:txBody>
@@ -5538,9 +5781,9 @@
       </p:grpSpPr>
       <p:pic>
         <p:nvPicPr>
-          <p:cNvPr id="2051" name="Picture 3" descr="C:\Users\Naoki\workspace\AgentBasedEpidemicModel\PPT\tag_4.png"/>
+          <p:cNvPr id="2" name="図 1"/>
           <p:cNvPicPr>
-            <a:picLocks noChangeAspect="1" noChangeArrowheads="1"/>
+            <a:picLocks noChangeAspect="1"/>
           </p:cNvPicPr>
           <p:nvPr/>
         </p:nvPicPr>
@@ -5552,29 +5795,18 @@
               </a:ext>
             </a:extLst>
           </a:blip>
-          <a:srcRect/>
           <a:stretch>
             <a:fillRect/>
           </a:stretch>
         </p:blipFill>
-        <p:spPr bwMode="auto">
+        <p:spPr>
           <a:xfrm>
-            <a:off x="611560" y="116632"/>
-            <a:ext cx="8203343" cy="6565999"/>
+            <a:off x="287920" y="0"/>
+            <a:ext cx="8568159" cy="6858000"/>
           </a:xfrm>
           <a:prstGeom prst="rect">
             <a:avLst/>
           </a:prstGeom>
-          <a:noFill/>
-          <a:extLst>
-            <a:ext uri="{909E8E84-426E-40DD-AFC4-6F175D3DCCD1}">
-              <a14:hiddenFill xmlns:a14="http://schemas.microsoft.com/office/drawing/2010/main">
-                <a:solidFill>
-                  <a:srgbClr val="FFFFFF"/>
-                </a:solidFill>
-              </a14:hiddenFill>
-            </a:ext>
-          </a:extLst>
         </p:spPr>
       </p:pic>
     </p:spTree>
@@ -7849,9 +8081,9 @@
       </p:sp>
       <p:pic>
         <p:nvPicPr>
-          <p:cNvPr id="3075" name="Picture 3" descr="C:\Users\Naoki\workspace\AgentBasedEpidemicModel\PPT\tag4.png"/>
+          <p:cNvPr id="2" name="図 1"/>
           <p:cNvPicPr>
-            <a:picLocks noChangeAspect="1" noChangeArrowheads="1"/>
+            <a:picLocks noChangeAspect="1"/>
           </p:cNvPicPr>
           <p:nvPr/>
         </p:nvPicPr>
@@ -7863,29 +8095,18 @@
               </a:ext>
             </a:extLst>
           </a:blip>
-          <a:srcRect/>
           <a:stretch>
             <a:fillRect/>
           </a:stretch>
         </p:blipFill>
-        <p:spPr bwMode="auto">
+        <p:spPr>
           <a:xfrm>
-            <a:off x="467544" y="1556792"/>
-            <a:ext cx="9239722" cy="4615962"/>
+            <a:off x="467544" y="1700808"/>
+            <a:ext cx="9144000" cy="4568142"/>
           </a:xfrm>
           <a:prstGeom prst="rect">
             <a:avLst/>
           </a:prstGeom>
-          <a:noFill/>
-          <a:extLst>
-            <a:ext uri="{909E8E84-426E-40DD-AFC4-6F175D3DCCD1}">
-              <a14:hiddenFill xmlns:a14="http://schemas.microsoft.com/office/drawing/2010/main">
-                <a:solidFill>
-                  <a:srgbClr val="FFFFFF"/>
-                </a:solidFill>
-              </a14:hiddenFill>
-            </a:ext>
-          </a:extLst>
         </p:spPr>
       </p:pic>
     </p:spTree>
@@ -7927,9 +8148,9 @@
       </p:grpSpPr>
       <p:pic>
         <p:nvPicPr>
-          <p:cNvPr id="1030" name="Picture 6" descr="C:\Users\Naoki\workspace\AgentBasedEpidemicModel\PPT\tag1_2.png"/>
+          <p:cNvPr id="3" name="図 2"/>
           <p:cNvPicPr>
-            <a:picLocks noChangeAspect="1" noChangeArrowheads="1"/>
+            <a:picLocks noChangeAspect="1"/>
           </p:cNvPicPr>
           <p:nvPr/>
         </p:nvPicPr>
@@ -7941,29 +8162,18 @@
               </a:ext>
             </a:extLst>
           </a:blip>
-          <a:srcRect/>
           <a:stretch>
             <a:fillRect/>
           </a:stretch>
         </p:blipFill>
-        <p:spPr bwMode="auto">
+        <p:spPr>
           <a:xfrm>
-            <a:off x="358037" y="548680"/>
-            <a:ext cx="8726549" cy="6984776"/>
+            <a:off x="575840" y="620688"/>
+            <a:ext cx="8568159" cy="6858000"/>
           </a:xfrm>
           <a:prstGeom prst="rect">
             <a:avLst/>
           </a:prstGeom>
-          <a:noFill/>
-          <a:extLst>
-            <a:ext uri="{909E8E84-426E-40DD-AFC4-6F175D3DCCD1}">
-              <a14:hiddenFill xmlns:a14="http://schemas.microsoft.com/office/drawing/2010/main">
-                <a:solidFill>
-                  <a:srgbClr val="FFFFFF"/>
-                </a:solidFill>
-              </a14:hiddenFill>
-            </a:ext>
-          </a:extLst>
         </p:spPr>
       </p:pic>
     </p:spTree>

--- a/ppt/卒業研究.pptx
+++ b/ppt/卒業研究.pptx
@@ -2162,11 +2162,7 @@
           <a:p>
             <a:r>
               <a:rPr kumimoji="1" lang="ja-JP" altLang="en-US" dirty="0" smtClean="0"/>
-              <a:t>＃</a:t>
-            </a:r>
-            <a:r>
-              <a:rPr kumimoji="1" lang="ja-JP" altLang="en-US" dirty="0" smtClean="0"/>
-              <a:t>　伝える内容</a:t>
+              <a:t>＃　伝える内容</a:t>
             </a:r>
             <a:endParaRPr kumimoji="1" lang="en-US" altLang="ja-JP" dirty="0" smtClean="0"/>
           </a:p>
@@ -8148,7 +8144,7 @@
       </p:grpSpPr>
       <p:pic>
         <p:nvPicPr>
-          <p:cNvPr id="3" name="図 2"/>
+          <p:cNvPr id="4" name="図 3"/>
           <p:cNvPicPr>
             <a:picLocks noChangeAspect="1"/>
           </p:cNvPicPr>
@@ -8168,7 +8164,7 @@
         </p:blipFill>
         <p:spPr>
           <a:xfrm>
-            <a:off x="575840" y="620688"/>
+            <a:off x="287920" y="116632"/>
             <a:ext cx="8568159" cy="6858000"/>
           </a:xfrm>
           <a:prstGeom prst="rect">

--- a/ppt/卒業研究.pptx
+++ b/ppt/卒業研究.pptx
@@ -5,10 +5,10 @@
     <p:sldMasterId id="2147483648" r:id="rId1"/>
   </p:sldMasterIdLst>
   <p:notesMasterIdLst>
-    <p:notesMasterId r:id="rId23"/>
+    <p:notesMasterId r:id="rId26"/>
   </p:notesMasterIdLst>
   <p:handoutMasterIdLst>
-    <p:handoutMasterId r:id="rId24"/>
+    <p:handoutMasterId r:id="rId27"/>
   </p:handoutMasterIdLst>
   <p:sldIdLst>
     <p:sldId id="256" r:id="rId2"/>
@@ -18,20 +18,23 @@
     <p:sldId id="280" r:id="rId6"/>
     <p:sldId id="283" r:id="rId7"/>
     <p:sldId id="270" r:id="rId8"/>
-    <p:sldId id="290" r:id="rId9"/>
-    <p:sldId id="266" r:id="rId10"/>
-    <p:sldId id="286" r:id="rId11"/>
-    <p:sldId id="284" r:id="rId12"/>
-    <p:sldId id="272" r:id="rId13"/>
-    <p:sldId id="273" r:id="rId14"/>
-    <p:sldId id="274" r:id="rId15"/>
-    <p:sldId id="275" r:id="rId16"/>
-    <p:sldId id="267" r:id="rId17"/>
-    <p:sldId id="264" r:id="rId18"/>
-    <p:sldId id="289" r:id="rId19"/>
-    <p:sldId id="265" r:id="rId20"/>
-    <p:sldId id="268" r:id="rId21"/>
-    <p:sldId id="287" r:id="rId22"/>
+    <p:sldId id="284" r:id="rId9"/>
+    <p:sldId id="290" r:id="rId10"/>
+    <p:sldId id="266" r:id="rId11"/>
+    <p:sldId id="286" r:id="rId12"/>
+    <p:sldId id="292" r:id="rId13"/>
+    <p:sldId id="272" r:id="rId14"/>
+    <p:sldId id="293" r:id="rId15"/>
+    <p:sldId id="273" r:id="rId16"/>
+    <p:sldId id="274" r:id="rId17"/>
+    <p:sldId id="275" r:id="rId18"/>
+    <p:sldId id="291" r:id="rId19"/>
+    <p:sldId id="267" r:id="rId20"/>
+    <p:sldId id="264" r:id="rId21"/>
+    <p:sldId id="289" r:id="rId22"/>
+    <p:sldId id="265" r:id="rId23"/>
+    <p:sldId id="268" r:id="rId24"/>
+    <p:sldId id="287" r:id="rId25"/>
   </p:sldIdLst>
   <p:sldSz cx="9144000" cy="6858000" type="screen4x3"/>
   <p:notesSz cx="6858000" cy="9144000"/>
@@ -215,7 +218,7 @@
           <a:p>
             <a:fld id="{74825FEB-C9F8-43E7-A6A0-63C03333387A}" type="datetimeFigureOut">
               <a:rPr kumimoji="1" lang="ja-JP" altLang="en-US" smtClean="0"/>
-              <a:t>2014/1/15</a:t>
+              <a:t>2014/1/16</a:t>
             </a:fld>
             <a:endParaRPr kumimoji="1" lang="ja-JP" altLang="en-US"/>
           </a:p>
@@ -380,7 +383,7 @@
           <a:p>
             <a:fld id="{7DF372ED-9A20-47C3-A076-E002DD6BB04D}" type="datetimeFigureOut">
               <a:rPr kumimoji="1" lang="ja-JP" altLang="en-US" smtClean="0"/>
-              <a:t>2014/1/15</a:t>
+              <a:t>2014/1/16</a:t>
             </a:fld>
             <a:endParaRPr kumimoji="1" lang="ja-JP" altLang="en-US"/>
           </a:p>
@@ -808,7 +811,18 @@
           <a:bodyPr/>
           <a:lstStyle/>
           <a:p>
-            <a:endParaRPr kumimoji="1" lang="ja-JP" altLang="en-US"/>
+            <a:r>
+              <a:rPr kumimoji="1" lang="ja-JP" altLang="en-US" dirty="0" smtClean="0"/>
+              <a:t>＃　伝える内容</a:t>
+            </a:r>
+            <a:endParaRPr kumimoji="1" lang="en-US" altLang="ja-JP" dirty="0" smtClean="0"/>
+          </a:p>
+          <a:p>
+            <a:r>
+              <a:rPr kumimoji="1" lang="ja-JP" altLang="en-US" dirty="0" smtClean="0"/>
+              <a:t>＋実際の免疫機構の経過の違いを比べてみる</a:t>
+            </a:r>
+            <a:endParaRPr kumimoji="1" lang="ja-JP" altLang="en-US" dirty="0"/>
           </a:p>
         </p:txBody>
       </p:sp>
@@ -838,7 +852,7 @@
     </p:spTree>
     <p:extLst>
       <p:ext uri="{BB962C8B-B14F-4D97-AF65-F5344CB8AC3E}">
-        <p14:creationId xmlns:p14="http://schemas.microsoft.com/office/powerpoint/2010/main" val="3426562675"/>
+        <p14:creationId xmlns:p14="http://schemas.microsoft.com/office/powerpoint/2010/main" val="2853416026"/>
       </p:ext>
     </p:extLst>
   </p:cSld>
@@ -922,7 +936,7 @@
     </p:spTree>
     <p:extLst>
       <p:ext uri="{BB962C8B-B14F-4D97-AF65-F5344CB8AC3E}">
-        <p14:creationId xmlns:p14="http://schemas.microsoft.com/office/powerpoint/2010/main" val="2603317105"/>
+        <p14:creationId xmlns:p14="http://schemas.microsoft.com/office/powerpoint/2010/main" val="1816905889"/>
       </p:ext>
     </p:extLst>
   </p:cSld>
@@ -1006,7 +1020,7 @@
     </p:spTree>
     <p:extLst>
       <p:ext uri="{BB962C8B-B14F-4D97-AF65-F5344CB8AC3E}">
-        <p14:creationId xmlns:p14="http://schemas.microsoft.com/office/powerpoint/2010/main" val="2334585315"/>
+        <p14:creationId xmlns:p14="http://schemas.microsoft.com/office/powerpoint/2010/main" val="2603317105"/>
       </p:ext>
     </p:extLst>
   </p:cSld>
@@ -1060,7 +1074,7 @@
           <a:bodyPr/>
           <a:lstStyle/>
           <a:p>
-            <a:endParaRPr kumimoji="1" lang="ja-JP" altLang="en-US" dirty="0"/>
+            <a:endParaRPr kumimoji="1" lang="ja-JP" altLang="en-US"/>
           </a:p>
         </p:txBody>
       </p:sp>
@@ -1081,7 +1095,7 @@
           <a:p>
             <a:fld id="{FEFB3154-A281-48F2-8DC9-C99E29F1ECF4}" type="slidenum">
               <a:rPr kumimoji="1" lang="ja-JP" altLang="en-US" smtClean="0"/>
-              <a:t>14</a:t>
+              <a:t>15</a:t>
             </a:fld>
             <a:endParaRPr kumimoji="1" lang="ja-JP" altLang="en-US"/>
           </a:p>
@@ -1090,7 +1104,7 @@
     </p:spTree>
     <p:extLst>
       <p:ext uri="{BB962C8B-B14F-4D97-AF65-F5344CB8AC3E}">
-        <p14:creationId xmlns:p14="http://schemas.microsoft.com/office/powerpoint/2010/main" val="88015040"/>
+        <p14:creationId xmlns:p14="http://schemas.microsoft.com/office/powerpoint/2010/main" val="2334585315"/>
       </p:ext>
     </p:extLst>
   </p:cSld>
@@ -1144,7 +1158,7 @@
           <a:bodyPr/>
           <a:lstStyle/>
           <a:p>
-            <a:endParaRPr kumimoji="1" lang="ja-JP" altLang="en-US"/>
+            <a:endParaRPr kumimoji="1" lang="ja-JP" altLang="en-US" dirty="0"/>
           </a:p>
         </p:txBody>
       </p:sp>
@@ -1165,7 +1179,7 @@
           <a:p>
             <a:fld id="{FEFB3154-A281-48F2-8DC9-C99E29F1ECF4}" type="slidenum">
               <a:rPr kumimoji="1" lang="ja-JP" altLang="en-US" smtClean="0"/>
-              <a:t>15</a:t>
+              <a:t>16</a:t>
             </a:fld>
             <a:endParaRPr kumimoji="1" lang="ja-JP" altLang="en-US"/>
           </a:p>
@@ -1174,7 +1188,7 @@
     </p:spTree>
     <p:extLst>
       <p:ext uri="{BB962C8B-B14F-4D97-AF65-F5344CB8AC3E}">
-        <p14:creationId xmlns:p14="http://schemas.microsoft.com/office/powerpoint/2010/main" val="3782568936"/>
+        <p14:creationId xmlns:p14="http://schemas.microsoft.com/office/powerpoint/2010/main" val="88015040"/>
       </p:ext>
     </p:extLst>
   </p:cSld>
@@ -1249,7 +1263,7 @@
           <a:p>
             <a:fld id="{FEFB3154-A281-48F2-8DC9-C99E29F1ECF4}" type="slidenum">
               <a:rPr kumimoji="1" lang="ja-JP" altLang="en-US" smtClean="0"/>
-              <a:t>16</a:t>
+              <a:t>17</a:t>
             </a:fld>
             <a:endParaRPr kumimoji="1" lang="ja-JP" altLang="en-US"/>
           </a:p>
@@ -1258,7 +1272,7 @@
     </p:spTree>
     <p:extLst>
       <p:ext uri="{BB962C8B-B14F-4D97-AF65-F5344CB8AC3E}">
-        <p14:creationId xmlns:p14="http://schemas.microsoft.com/office/powerpoint/2010/main" val="857273442"/>
+        <p14:creationId xmlns:p14="http://schemas.microsoft.com/office/powerpoint/2010/main" val="3782568936"/>
       </p:ext>
     </p:extLst>
   </p:cSld>
@@ -1333,7 +1347,7 @@
           <a:p>
             <a:fld id="{FEFB3154-A281-48F2-8DC9-C99E29F1ECF4}" type="slidenum">
               <a:rPr kumimoji="1" lang="ja-JP" altLang="en-US" smtClean="0"/>
-              <a:t>17</a:t>
+              <a:t>19</a:t>
             </a:fld>
             <a:endParaRPr kumimoji="1" lang="ja-JP" altLang="en-US"/>
           </a:p>
@@ -1342,7 +1356,7 @@
     </p:spTree>
     <p:extLst>
       <p:ext uri="{BB962C8B-B14F-4D97-AF65-F5344CB8AC3E}">
-        <p14:creationId xmlns:p14="http://schemas.microsoft.com/office/powerpoint/2010/main" val="966408925"/>
+        <p14:creationId xmlns:p14="http://schemas.microsoft.com/office/powerpoint/2010/main" val="857273442"/>
       </p:ext>
     </p:extLst>
   </p:cSld>
@@ -1396,19 +1410,7 @@
           <a:bodyPr/>
           <a:lstStyle/>
           <a:p>
-            <a:r>
-              <a:rPr kumimoji="1" lang="ja-JP" altLang="en-US" dirty="0" smtClean="0"/>
-              <a:t>＋</a:t>
-            </a:r>
-            <a:r>
-              <a:rPr kumimoji="1" lang="en-US" altLang="ja-JP" dirty="0" smtClean="0"/>
-              <a:t>2</a:t>
-            </a:r>
-            <a:r>
-              <a:rPr kumimoji="1" lang="ja-JP" altLang="en-US" dirty="0" smtClean="0"/>
-              <a:t>種類のウイルスが流行した場合に他方の免疫を喪失する場合の実例を調べる。</a:t>
-            </a:r>
-            <a:endParaRPr kumimoji="1" lang="ja-JP" altLang="en-US" dirty="0"/>
+            <a:endParaRPr kumimoji="1" lang="ja-JP" altLang="en-US"/>
           </a:p>
         </p:txBody>
       </p:sp>
@@ -1429,7 +1431,7 @@
           <a:p>
             <a:fld id="{FEFB3154-A281-48F2-8DC9-C99E29F1ECF4}" type="slidenum">
               <a:rPr kumimoji="1" lang="ja-JP" altLang="en-US" smtClean="0"/>
-              <a:t>19</a:t>
+              <a:t>20</a:t>
             </a:fld>
             <a:endParaRPr kumimoji="1" lang="ja-JP" altLang="en-US"/>
           </a:p>
@@ -1438,7 +1440,7 @@
     </p:spTree>
     <p:extLst>
       <p:ext uri="{BB962C8B-B14F-4D97-AF65-F5344CB8AC3E}">
-        <p14:creationId xmlns:p14="http://schemas.microsoft.com/office/powerpoint/2010/main" val="1931179438"/>
+        <p14:creationId xmlns:p14="http://schemas.microsoft.com/office/powerpoint/2010/main" val="966408925"/>
       </p:ext>
     </p:extLst>
   </p:cSld>
@@ -1492,7 +1494,19 @@
           <a:bodyPr/>
           <a:lstStyle/>
           <a:p>
-            <a:endParaRPr kumimoji="1" lang="ja-JP" altLang="en-US"/>
+            <a:r>
+              <a:rPr kumimoji="1" lang="ja-JP" altLang="en-US" dirty="0" smtClean="0"/>
+              <a:t>＋</a:t>
+            </a:r>
+            <a:r>
+              <a:rPr kumimoji="1" lang="en-US" altLang="ja-JP" dirty="0" smtClean="0"/>
+              <a:t>2</a:t>
+            </a:r>
+            <a:r>
+              <a:rPr kumimoji="1" lang="ja-JP" altLang="en-US" dirty="0" smtClean="0"/>
+              <a:t>種類のウイルスが流行した場合に他方の免疫を喪失する場合の実例を調べる。</a:t>
+            </a:r>
+            <a:endParaRPr kumimoji="1" lang="ja-JP" altLang="en-US" dirty="0"/>
           </a:p>
         </p:txBody>
       </p:sp>
@@ -1513,7 +1527,91 @@
           <a:p>
             <a:fld id="{FEFB3154-A281-48F2-8DC9-C99E29F1ECF4}" type="slidenum">
               <a:rPr kumimoji="1" lang="ja-JP" altLang="en-US" smtClean="0"/>
-              <a:t>20</a:t>
+              <a:t>22</a:t>
+            </a:fld>
+            <a:endParaRPr kumimoji="1" lang="ja-JP" altLang="en-US"/>
+          </a:p>
+        </p:txBody>
+      </p:sp>
+    </p:spTree>
+    <p:extLst>
+      <p:ext uri="{BB962C8B-B14F-4D97-AF65-F5344CB8AC3E}">
+        <p14:creationId xmlns:p14="http://schemas.microsoft.com/office/powerpoint/2010/main" val="1931179438"/>
+      </p:ext>
+    </p:extLst>
+  </p:cSld>
+  <p:clrMapOvr>
+    <a:masterClrMapping/>
+  </p:clrMapOvr>
+</p:notes>
+</file>
+
+<file path=ppt/notesSlides/notesSlide19.xml><?xml version="1.0" encoding="utf-8"?>
+<p:notes xmlns:a="http://schemas.openxmlformats.org/drawingml/2006/main" xmlns:r="http://schemas.openxmlformats.org/officeDocument/2006/relationships" xmlns:p="http://schemas.openxmlformats.org/presentationml/2006/main">
+  <p:cSld>
+    <p:spTree>
+      <p:nvGrpSpPr>
+        <p:cNvPr id="1" name=""/>
+        <p:cNvGrpSpPr/>
+        <p:nvPr/>
+      </p:nvGrpSpPr>
+      <p:grpSpPr>
+        <a:xfrm>
+          <a:off x="0" y="0"/>
+          <a:ext cx="0" cy="0"/>
+          <a:chOff x="0" y="0"/>
+          <a:chExt cx="0" cy="0"/>
+        </a:xfrm>
+      </p:grpSpPr>
+      <p:sp>
+        <p:nvSpPr>
+          <p:cNvPr id="2" name="スライド イメージ プレースホルダー 1"/>
+          <p:cNvSpPr>
+            <a:spLocks noGrp="1" noRot="1" noChangeAspect="1"/>
+          </p:cNvSpPr>
+          <p:nvPr>
+            <p:ph type="sldImg"/>
+          </p:nvPr>
+        </p:nvSpPr>
+        <p:spPr/>
+      </p:sp>
+      <p:sp>
+        <p:nvSpPr>
+          <p:cNvPr id="3" name="ノート プレースホルダー 2"/>
+          <p:cNvSpPr>
+            <a:spLocks noGrp="1"/>
+          </p:cNvSpPr>
+          <p:nvPr>
+            <p:ph type="body" idx="1"/>
+          </p:nvPr>
+        </p:nvSpPr>
+        <p:spPr/>
+        <p:txBody>
+          <a:bodyPr/>
+          <a:lstStyle/>
+          <a:p>
+            <a:endParaRPr kumimoji="1" lang="ja-JP" altLang="en-US"/>
+          </a:p>
+        </p:txBody>
+      </p:sp>
+      <p:sp>
+        <p:nvSpPr>
+          <p:cNvPr id="4" name="スライド番号プレースホルダー 3"/>
+          <p:cNvSpPr>
+            <a:spLocks noGrp="1"/>
+          </p:cNvSpPr>
+          <p:nvPr>
+            <p:ph type="sldNum" sz="quarter" idx="10"/>
+          </p:nvPr>
+        </p:nvSpPr>
+        <p:spPr/>
+        <p:txBody>
+          <a:bodyPr/>
+          <a:lstStyle/>
+          <a:p>
+            <a:fld id="{FEFB3154-A281-48F2-8DC9-C99E29F1ECF4}" type="slidenum">
+              <a:rPr kumimoji="1" lang="ja-JP" altLang="en-US" smtClean="0"/>
+              <a:t>23</a:t>
             </a:fld>
             <a:endParaRPr kumimoji="1" lang="ja-JP" altLang="en-US"/>
           </a:p>
@@ -2015,68 +2113,7 @@
           <a:bodyPr/>
           <a:lstStyle/>
           <a:p>
-            <a:r>
-              <a:rPr kumimoji="1" lang="ja-JP" altLang="en-US" dirty="0" smtClean="0"/>
-              <a:t>＃　伝える内容</a:t>
-            </a:r>
-            <a:endParaRPr kumimoji="1" lang="en-US" altLang="ja-JP" dirty="0" smtClean="0"/>
-          </a:p>
-          <a:p>
-            <a:r>
-              <a:rPr kumimoji="1" lang="ja-JP" altLang="en-US" dirty="0" smtClean="0"/>
-              <a:t>＋電子タグとは、ただの１と０の配列である</a:t>
-            </a:r>
-            <a:endParaRPr kumimoji="1" lang="en-US" altLang="ja-JP" dirty="0" smtClean="0"/>
-          </a:p>
-          <a:p>
-            <a:r>
-              <a:rPr kumimoji="1" lang="ja-JP" altLang="en-US" dirty="0" smtClean="0"/>
-              <a:t>＋エージェントとウイルスは、同じように電子タグを持っている</a:t>
-            </a:r>
-            <a:endParaRPr kumimoji="1" lang="en-US" altLang="ja-JP" dirty="0" smtClean="0"/>
-          </a:p>
-          <a:p>
-            <a:r>
-              <a:rPr kumimoji="1" lang="ja-JP" altLang="en-US" dirty="0" smtClean="0"/>
-              <a:t>＋必ずエージェントのタグのほうが、ウイルスのタグの長さより長い</a:t>
-            </a:r>
-            <a:endParaRPr kumimoji="1" lang="en-US" altLang="ja-JP" dirty="0" smtClean="0"/>
-          </a:p>
-          <a:p>
-            <a:r>
-              <a:rPr kumimoji="1" lang="ja-JP" altLang="en-US" dirty="0" smtClean="0"/>
-              <a:t>＋エージェントには２つの状態がある</a:t>
-            </a:r>
-            <a:endParaRPr kumimoji="1" lang="en-US" altLang="ja-JP" dirty="0" smtClean="0"/>
-          </a:p>
-          <a:p>
-            <a:r>
-              <a:rPr kumimoji="1" lang="en-US" altLang="ja-JP" dirty="0" smtClean="0"/>
-              <a:t>	</a:t>
-            </a:r>
-            <a:r>
-              <a:rPr kumimoji="1" lang="ja-JP" altLang="en-US" dirty="0" smtClean="0"/>
-              <a:t>＋ひとつは、免疫を獲得している状態で、ウイルスのタグを、含んでいる</a:t>
-            </a:r>
-            <a:endParaRPr kumimoji="1" lang="en-US" altLang="ja-JP" dirty="0" smtClean="0"/>
-          </a:p>
-          <a:p>
-            <a:r>
-              <a:rPr kumimoji="1" lang="en-US" altLang="ja-JP" dirty="0" smtClean="0"/>
-              <a:t>	</a:t>
-            </a:r>
-            <a:r>
-              <a:rPr kumimoji="1" lang="ja-JP" altLang="en-US" dirty="0" smtClean="0"/>
-              <a:t>＋もうひとつは、免疫を獲得していない状態で、ウイルスのタグを、完全に含まない</a:t>
-            </a:r>
-            <a:endParaRPr kumimoji="1" lang="en-US" altLang="ja-JP" dirty="0" smtClean="0"/>
-          </a:p>
-          <a:p>
-            <a:r>
-              <a:rPr kumimoji="1" lang="ja-JP" altLang="en-US" dirty="0" smtClean="0"/>
-              <a:t>＋例の場合、このウイルスに感染する可能性があるのは、下の、ウイルスのタグを含まないエージェントである</a:t>
-            </a:r>
-            <a:endParaRPr kumimoji="1" lang="en-US" altLang="ja-JP" dirty="0" smtClean="0"/>
+            <a:endParaRPr kumimoji="1" lang="ja-JP" altLang="en-US"/>
           </a:p>
         </p:txBody>
       </p:sp>
@@ -2106,7 +2143,7 @@
     </p:spTree>
     <p:extLst>
       <p:ext uri="{BB962C8B-B14F-4D97-AF65-F5344CB8AC3E}">
-        <p14:creationId xmlns:p14="http://schemas.microsoft.com/office/powerpoint/2010/main" val="1465942488"/>
+        <p14:creationId xmlns:p14="http://schemas.microsoft.com/office/powerpoint/2010/main" val="3426562675"/>
       </p:ext>
     </p:extLst>
   </p:cSld>
@@ -2169,90 +2206,57 @@
           <a:p>
             <a:r>
               <a:rPr kumimoji="1" lang="ja-JP" altLang="en-US" dirty="0" smtClean="0"/>
-              <a:t>＋エージェントが</a:t>
-            </a:r>
+              <a:t>＋電子タグとは、ただの１と０の配列である</a:t>
+            </a:r>
+            <a:endParaRPr kumimoji="1" lang="en-US" altLang="ja-JP" dirty="0" smtClean="0"/>
+          </a:p>
+          <a:p>
+            <a:r>
+              <a:rPr kumimoji="1" lang="ja-JP" altLang="en-US" dirty="0" smtClean="0"/>
+              <a:t>＋エージェントとウイルスは、同じように電子タグを持っている</a:t>
+            </a:r>
+            <a:endParaRPr kumimoji="1" lang="en-US" altLang="ja-JP" dirty="0" smtClean="0"/>
+          </a:p>
+          <a:p>
+            <a:r>
+              <a:rPr kumimoji="1" lang="ja-JP" altLang="en-US" dirty="0" smtClean="0"/>
+              <a:t>＋必ずエージェントのタグのほうが、ウイルスのタグの長さより長い</a:t>
+            </a:r>
+            <a:endParaRPr kumimoji="1" lang="en-US" altLang="ja-JP" dirty="0" smtClean="0"/>
+          </a:p>
+          <a:p>
+            <a:r>
+              <a:rPr kumimoji="1" lang="ja-JP" altLang="en-US" dirty="0" smtClean="0"/>
+              <a:t>＋エージェントには２つの状態がある</a:t>
+            </a:r>
+            <a:endParaRPr kumimoji="1" lang="en-US" altLang="ja-JP" dirty="0" smtClean="0"/>
+          </a:p>
+          <a:p>
             <a:r>
               <a:rPr kumimoji="1" lang="en-US" altLang="ja-JP" dirty="0" smtClean="0"/>
-              <a:t>11010</a:t>
-            </a:r>
-            <a:r>
-              <a:rPr kumimoji="1" lang="ja-JP" altLang="en-US" dirty="0" err="1" smtClean="0"/>
-              <a:t>、</a:t>
+              <a:t>	</a:t>
             </a:r>
             <a:r>
               <a:rPr kumimoji="1" lang="ja-JP" altLang="en-US" dirty="0" smtClean="0"/>
-              <a:t>ウイルスが</a:t>
-            </a:r>
+              <a:t>＋ひとつは、免疫を獲得している状態で、ウイルスのタグを、含んでいる</a:t>
+            </a:r>
+            <a:endParaRPr kumimoji="1" lang="en-US" altLang="ja-JP" dirty="0" smtClean="0"/>
+          </a:p>
+          <a:p>
             <a:r>
               <a:rPr kumimoji="1" lang="en-US" altLang="ja-JP" dirty="0" smtClean="0"/>
-              <a:t>011</a:t>
+              <a:t>	</a:t>
             </a:r>
             <a:r>
               <a:rPr kumimoji="1" lang="ja-JP" altLang="en-US" dirty="0" smtClean="0"/>
-              <a:t>の場合を例にとる</a:t>
+              <a:t>＋もうひとつは、免疫を獲得していない状態で、ウイルスのタグを、完全に含まない</a:t>
             </a:r>
             <a:endParaRPr kumimoji="1" lang="en-US" altLang="ja-JP" dirty="0" smtClean="0"/>
           </a:p>
           <a:p>
             <a:r>
               <a:rPr kumimoji="1" lang="ja-JP" altLang="en-US" dirty="0" smtClean="0"/>
-              <a:t>＋この場合、エージェントのタグは、ウイルスのタグを完全には含まないので、このエージェントは免疫を獲得していない</a:t>
-            </a:r>
-            <a:endParaRPr kumimoji="1" lang="en-US" altLang="ja-JP" dirty="0" smtClean="0"/>
-          </a:p>
-          <a:p>
-            <a:r>
-              <a:rPr kumimoji="1" lang="ja-JP" altLang="en-US" dirty="0" smtClean="0"/>
-              <a:t>＋ウイルスは、左から順に、エージェントのタグと自分のタグを比べて、違う数字の個数を数える</a:t>
-            </a:r>
-            <a:endParaRPr kumimoji="1" lang="en-US" altLang="ja-JP" dirty="0" smtClean="0"/>
-          </a:p>
-          <a:p>
-            <a:r>
-              <a:rPr kumimoji="1" lang="ja-JP" altLang="en-US" dirty="0" smtClean="0"/>
-              <a:t>＋この違う数字の個数を、ハミング距離という</a:t>
-            </a:r>
-            <a:endParaRPr kumimoji="1" lang="en-US" altLang="ja-JP" dirty="0" smtClean="0"/>
-          </a:p>
-          <a:p>
-            <a:r>
-              <a:rPr kumimoji="1" lang="ja-JP" altLang="en-US" dirty="0" smtClean="0"/>
-              <a:t>＋ウイルスは、ハミング距離が最少となる場所にとりつく。つまり最少ハミング距離。</a:t>
-            </a:r>
-            <a:endParaRPr kumimoji="1" lang="en-US" altLang="ja-JP" dirty="0" smtClean="0"/>
-          </a:p>
-          <a:p>
-            <a:r>
-              <a:rPr kumimoji="1" lang="ja-JP" altLang="en-US" dirty="0" smtClean="0"/>
-              <a:t>＋エージェントは、免疫をかくとくするため、つまりウイルスと同じタグを保有するために、１期間に１つだけタグをフリップする。</a:t>
-            </a:r>
-            <a:endParaRPr kumimoji="1" lang="en-US" altLang="ja-JP" dirty="0" smtClean="0"/>
-          </a:p>
-          <a:p>
-            <a:r>
-              <a:rPr kumimoji="1" lang="ja-JP" altLang="en-US" dirty="0" smtClean="0"/>
-              <a:t>＋フリップするとは、０から１に、または１から０にすることである</a:t>
-            </a:r>
-            <a:endParaRPr kumimoji="1" lang="en-US" altLang="ja-JP" dirty="0" smtClean="0"/>
-          </a:p>
-          <a:p>
-            <a:r>
-              <a:rPr kumimoji="1" lang="ja-JP" altLang="en-US" dirty="0" smtClean="0"/>
-              <a:t>＋こうしてタグフリップをすることによって、エージェントはウイルスと同じタグを完全に持つことになる</a:t>
-            </a:r>
-            <a:endParaRPr kumimoji="1" lang="en-US" altLang="ja-JP" dirty="0" smtClean="0"/>
-          </a:p>
-          <a:p>
-            <a:r>
-              <a:rPr kumimoji="1" lang="ja-JP" altLang="en-US" dirty="0" smtClean="0"/>
-              <a:t>＋結果、エージェントは免疫を獲得する</a:t>
-            </a:r>
-            <a:endParaRPr kumimoji="1" lang="en-US" altLang="ja-JP" dirty="0" smtClean="0"/>
-          </a:p>
-          <a:p>
-            <a:r>
-              <a:rPr kumimoji="1" lang="ja-JP" altLang="en-US" dirty="0" smtClean="0"/>
-              <a:t>＋免疫を獲得した時点で、ウイルスは離れる</a:t>
+              <a:t>＋例の場合、このウイルスに感染する可能性があるのは、下の、ウイルスのタグを含まないエージェントである</a:t>
             </a:r>
             <a:endParaRPr kumimoji="1" lang="en-US" altLang="ja-JP" dirty="0" smtClean="0"/>
           </a:p>
@@ -2284,7 +2288,7 @@
     </p:spTree>
     <p:extLst>
       <p:ext uri="{BB962C8B-B14F-4D97-AF65-F5344CB8AC3E}">
-        <p14:creationId xmlns:p14="http://schemas.microsoft.com/office/powerpoint/2010/main" val="2781046782"/>
+        <p14:creationId xmlns:p14="http://schemas.microsoft.com/office/powerpoint/2010/main" val="1465942488"/>
       </p:ext>
     </p:extLst>
   </p:cSld>
@@ -2347,9 +2351,92 @@
           <a:p>
             <a:r>
               <a:rPr kumimoji="1" lang="ja-JP" altLang="en-US" dirty="0" smtClean="0"/>
-              <a:t>＋実際の免疫機構の経過の違いを比べてみる</a:t>
-            </a:r>
-            <a:endParaRPr kumimoji="1" lang="ja-JP" altLang="en-US" dirty="0"/>
+              <a:t>＋エージェントが</a:t>
+            </a:r>
+            <a:r>
+              <a:rPr kumimoji="1" lang="en-US" altLang="ja-JP" dirty="0" smtClean="0"/>
+              <a:t>11010</a:t>
+            </a:r>
+            <a:r>
+              <a:rPr kumimoji="1" lang="ja-JP" altLang="en-US" dirty="0" err="1" smtClean="0"/>
+              <a:t>、</a:t>
+            </a:r>
+            <a:r>
+              <a:rPr kumimoji="1" lang="ja-JP" altLang="en-US" dirty="0" smtClean="0"/>
+              <a:t>ウイルスが</a:t>
+            </a:r>
+            <a:r>
+              <a:rPr kumimoji="1" lang="en-US" altLang="ja-JP" dirty="0" smtClean="0"/>
+              <a:t>011</a:t>
+            </a:r>
+            <a:r>
+              <a:rPr kumimoji="1" lang="ja-JP" altLang="en-US" dirty="0" smtClean="0"/>
+              <a:t>の場合を例にとる</a:t>
+            </a:r>
+            <a:endParaRPr kumimoji="1" lang="en-US" altLang="ja-JP" dirty="0" smtClean="0"/>
+          </a:p>
+          <a:p>
+            <a:r>
+              <a:rPr kumimoji="1" lang="ja-JP" altLang="en-US" dirty="0" smtClean="0"/>
+              <a:t>＋この場合、エージェントのタグは、ウイルスのタグを完全には含まないので、このエージェントは免疫を獲得していない</a:t>
+            </a:r>
+            <a:endParaRPr kumimoji="1" lang="en-US" altLang="ja-JP" dirty="0" smtClean="0"/>
+          </a:p>
+          <a:p>
+            <a:r>
+              <a:rPr kumimoji="1" lang="ja-JP" altLang="en-US" dirty="0" smtClean="0"/>
+              <a:t>＋ウイルスは、左から順に、エージェントのタグと自分のタグを比べて、違う数字の個数を数える</a:t>
+            </a:r>
+            <a:endParaRPr kumimoji="1" lang="en-US" altLang="ja-JP" dirty="0" smtClean="0"/>
+          </a:p>
+          <a:p>
+            <a:r>
+              <a:rPr kumimoji="1" lang="ja-JP" altLang="en-US" dirty="0" smtClean="0"/>
+              <a:t>＋この違う数字の個数を、ハミング距離という</a:t>
+            </a:r>
+            <a:endParaRPr kumimoji="1" lang="en-US" altLang="ja-JP" dirty="0" smtClean="0"/>
+          </a:p>
+          <a:p>
+            <a:r>
+              <a:rPr kumimoji="1" lang="ja-JP" altLang="en-US" dirty="0" smtClean="0"/>
+              <a:t>＋ウイルスは、ハミング距離が最少となる場所にとりつく。つまり最少ハミング距離。</a:t>
+            </a:r>
+            <a:endParaRPr kumimoji="1" lang="en-US" altLang="ja-JP" dirty="0" smtClean="0"/>
+          </a:p>
+          <a:p>
+            <a:r>
+              <a:rPr kumimoji="1" lang="ja-JP" altLang="en-US" dirty="0" smtClean="0"/>
+              <a:t>＋エージェントは、免疫をかくとくするため、つまりウイルスと同じタグを保有するために、１期間に１つだけタグをフリップする。</a:t>
+            </a:r>
+            <a:endParaRPr kumimoji="1" lang="en-US" altLang="ja-JP" dirty="0" smtClean="0"/>
+          </a:p>
+          <a:p>
+            <a:r>
+              <a:rPr kumimoji="1" lang="ja-JP" altLang="en-US" dirty="0" smtClean="0"/>
+              <a:t>＋フリップするとは、０から１に、または１から０にすることである</a:t>
+            </a:r>
+            <a:endParaRPr kumimoji="1" lang="en-US" altLang="ja-JP" dirty="0" smtClean="0"/>
+          </a:p>
+          <a:p>
+            <a:r>
+              <a:rPr kumimoji="1" lang="ja-JP" altLang="en-US" dirty="0" smtClean="0"/>
+              <a:t>＋こうしてタグフリップをすることによって、エージェントはウイルスと同じタグを完全に持つことになる</a:t>
+            </a:r>
+            <a:endParaRPr kumimoji="1" lang="en-US" altLang="ja-JP" dirty="0" smtClean="0"/>
+          </a:p>
+          <a:p>
+            <a:r>
+              <a:rPr kumimoji="1" lang="ja-JP" altLang="en-US" dirty="0" smtClean="0"/>
+              <a:t>＋結果、エージェントは免疫を獲得する</a:t>
+            </a:r>
+            <a:endParaRPr kumimoji="1" lang="en-US" altLang="ja-JP" dirty="0" smtClean="0"/>
+          </a:p>
+          <a:p>
+            <a:r>
+              <a:rPr kumimoji="1" lang="ja-JP" altLang="en-US" dirty="0" smtClean="0"/>
+              <a:t>＋免疫を獲得した時点で、ウイルスは離れる</a:t>
+            </a:r>
+            <a:endParaRPr kumimoji="1" lang="en-US" altLang="ja-JP" dirty="0" smtClean="0"/>
           </a:p>
         </p:txBody>
       </p:sp>
@@ -2379,7 +2466,7 @@
     </p:spTree>
     <p:extLst>
       <p:ext uri="{BB962C8B-B14F-4D97-AF65-F5344CB8AC3E}">
-        <p14:creationId xmlns:p14="http://schemas.microsoft.com/office/powerpoint/2010/main" val="2853416026"/>
+        <p14:creationId xmlns:p14="http://schemas.microsoft.com/office/powerpoint/2010/main" val="2781046782"/>
       </p:ext>
     </p:extLst>
   </p:cSld>
@@ -2570,7 +2657,7 @@
           <a:p>
             <a:fld id="{764389B5-BBD8-4BB5-AA3B-F6D4F6020998}" type="datetimeFigureOut">
               <a:rPr kumimoji="1" lang="ja-JP" altLang="en-US" smtClean="0"/>
-              <a:t>2014/1/15</a:t>
+              <a:t>2014/1/16</a:t>
             </a:fld>
             <a:endParaRPr kumimoji="1" lang="ja-JP" altLang="en-US"/>
           </a:p>
@@ -2772,7 +2859,7 @@
           <a:p>
             <a:fld id="{764389B5-BBD8-4BB5-AA3B-F6D4F6020998}" type="datetimeFigureOut">
               <a:rPr kumimoji="1" lang="ja-JP" altLang="en-US" smtClean="0"/>
-              <a:t>2014/1/15</a:t>
+              <a:t>2014/1/16</a:t>
             </a:fld>
             <a:endParaRPr kumimoji="1" lang="ja-JP" altLang="en-US"/>
           </a:p>
@@ -2984,7 +3071,7 @@
           <a:p>
             <a:fld id="{764389B5-BBD8-4BB5-AA3B-F6D4F6020998}" type="datetimeFigureOut">
               <a:rPr kumimoji="1" lang="ja-JP" altLang="en-US" smtClean="0"/>
-              <a:t>2014/1/15</a:t>
+              <a:t>2014/1/16</a:t>
             </a:fld>
             <a:endParaRPr kumimoji="1" lang="ja-JP" altLang="en-US"/>
           </a:p>
@@ -3186,7 +3273,7 @@
           <a:p>
             <a:fld id="{764389B5-BBD8-4BB5-AA3B-F6D4F6020998}" type="datetimeFigureOut">
               <a:rPr kumimoji="1" lang="ja-JP" altLang="en-US" smtClean="0"/>
-              <a:t>2014/1/15</a:t>
+              <a:t>2014/1/16</a:t>
             </a:fld>
             <a:endParaRPr kumimoji="1" lang="ja-JP" altLang="en-US"/>
           </a:p>
@@ -3432,7 +3519,7 @@
           <a:p>
             <a:fld id="{764389B5-BBD8-4BB5-AA3B-F6D4F6020998}" type="datetimeFigureOut">
               <a:rPr kumimoji="1" lang="ja-JP" altLang="en-US" smtClean="0"/>
-              <a:t>2014/1/15</a:t>
+              <a:t>2014/1/16</a:t>
             </a:fld>
             <a:endParaRPr kumimoji="1" lang="ja-JP" altLang="en-US"/>
           </a:p>
@@ -3784,7 +3871,7 @@
           <a:p>
             <a:fld id="{764389B5-BBD8-4BB5-AA3B-F6D4F6020998}" type="datetimeFigureOut">
               <a:rPr kumimoji="1" lang="ja-JP" altLang="en-US" smtClean="0"/>
-              <a:t>2014/1/15</a:t>
+              <a:t>2014/1/16</a:t>
             </a:fld>
             <a:endParaRPr kumimoji="1" lang="ja-JP" altLang="en-US"/>
           </a:p>
@@ -4270,7 +4357,7 @@
           <a:p>
             <a:fld id="{764389B5-BBD8-4BB5-AA3B-F6D4F6020998}" type="datetimeFigureOut">
               <a:rPr kumimoji="1" lang="ja-JP" altLang="en-US" smtClean="0"/>
-              <a:t>2014/1/15</a:t>
+              <a:t>2014/1/16</a:t>
             </a:fld>
             <a:endParaRPr kumimoji="1" lang="ja-JP" altLang="en-US"/>
           </a:p>
@@ -4388,7 +4475,7 @@
           <a:p>
             <a:fld id="{764389B5-BBD8-4BB5-AA3B-F6D4F6020998}" type="datetimeFigureOut">
               <a:rPr kumimoji="1" lang="ja-JP" altLang="en-US" smtClean="0"/>
-              <a:t>2014/1/15</a:t>
+              <a:t>2014/1/16</a:t>
             </a:fld>
             <a:endParaRPr kumimoji="1" lang="ja-JP" altLang="en-US"/>
           </a:p>
@@ -4483,7 +4570,7 @@
           <a:p>
             <a:fld id="{764389B5-BBD8-4BB5-AA3B-F6D4F6020998}" type="datetimeFigureOut">
               <a:rPr kumimoji="1" lang="ja-JP" altLang="en-US" smtClean="0"/>
-              <a:t>2014/1/15</a:t>
+              <a:t>2014/1/16</a:t>
             </a:fld>
             <a:endParaRPr kumimoji="1" lang="ja-JP" altLang="en-US"/>
           </a:p>
@@ -4792,7 +4879,7 @@
           <a:p>
             <a:fld id="{764389B5-BBD8-4BB5-AA3B-F6D4F6020998}" type="datetimeFigureOut">
               <a:rPr kumimoji="1" lang="ja-JP" altLang="en-US" smtClean="0"/>
-              <a:t>2014/1/15</a:t>
+              <a:t>2014/1/16</a:t>
             </a:fld>
             <a:endParaRPr kumimoji="1" lang="ja-JP" altLang="en-US"/>
           </a:p>
@@ -5045,7 +5132,7 @@
           <a:p>
             <a:fld id="{764389B5-BBD8-4BB5-AA3B-F6D4F6020998}" type="datetimeFigureOut">
               <a:rPr kumimoji="1" lang="ja-JP" altLang="en-US" smtClean="0"/>
-              <a:t>2014/1/15</a:t>
+              <a:t>2014/1/16</a:t>
             </a:fld>
             <a:endParaRPr kumimoji="1" lang="ja-JP" altLang="en-US"/>
           </a:p>
@@ -5290,7 +5377,7 @@
           <a:p>
             <a:fld id="{764389B5-BBD8-4BB5-AA3B-F6D4F6020998}" type="datetimeFigureOut">
               <a:rPr kumimoji="1" lang="ja-JP" altLang="en-US" smtClean="0"/>
-              <a:t>2014/1/15</a:t>
+              <a:t>2014/1/16</a:t>
             </a:fld>
             <a:endParaRPr kumimoji="1" lang="ja-JP" altLang="en-US"/>
           </a:p>
@@ -5777,7 +5864,74 @@
       </p:grpSpPr>
       <p:pic>
         <p:nvPicPr>
-          <p:cNvPr id="2" name="図 1"/>
+          <p:cNvPr id="4" name="図 3"/>
+          <p:cNvPicPr>
+            <a:picLocks noChangeAspect="1"/>
+          </p:cNvPicPr>
+          <p:nvPr/>
+        </p:nvPicPr>
+        <p:blipFill>
+          <a:blip r:embed="rId3">
+            <a:extLst>
+              <a:ext uri="{28A0092B-C50C-407E-A947-70E740481C1C}">
+                <a14:useLocalDpi xmlns:a14="http://schemas.microsoft.com/office/drawing/2010/main" val="0"/>
+              </a:ext>
+            </a:extLst>
+          </a:blip>
+          <a:stretch>
+            <a:fillRect/>
+          </a:stretch>
+        </p:blipFill>
+        <p:spPr>
+          <a:xfrm>
+            <a:off x="287920" y="116632"/>
+            <a:ext cx="8568159" cy="6858000"/>
+          </a:xfrm>
+          <a:prstGeom prst="rect">
+            <a:avLst/>
+          </a:prstGeom>
+        </p:spPr>
+      </p:pic>
+    </p:spTree>
+    <p:extLst>
+      <p:ext uri="{BB962C8B-B14F-4D97-AF65-F5344CB8AC3E}">
+        <p14:creationId xmlns:p14="http://schemas.microsoft.com/office/powerpoint/2010/main" val="3599667620"/>
+      </p:ext>
+    </p:extLst>
+  </p:cSld>
+  <p:clrMapOvr>
+    <a:masterClrMapping/>
+  </p:clrMapOvr>
+  <p:timing>
+    <p:tnLst>
+      <p:par>
+        <p:cTn id="1" dur="indefinite" restart="never" nodeType="tmRoot"/>
+      </p:par>
+    </p:tnLst>
+  </p:timing>
+</p:sld>
+</file>
+
+<file path=ppt/slides/slide11.xml><?xml version="1.0" encoding="utf-8"?>
+<p:sld xmlns:a="http://schemas.openxmlformats.org/drawingml/2006/main" xmlns:r="http://schemas.openxmlformats.org/officeDocument/2006/relationships" xmlns:p="http://schemas.openxmlformats.org/presentationml/2006/main">
+  <p:cSld>
+    <p:spTree>
+      <p:nvGrpSpPr>
+        <p:cNvPr id="1" name=""/>
+        <p:cNvGrpSpPr/>
+        <p:nvPr/>
+      </p:nvGrpSpPr>
+      <p:grpSpPr>
+        <a:xfrm>
+          <a:off x="0" y="0"/>
+          <a:ext cx="0" cy="0"/>
+          <a:chOff x="0" y="0"/>
+          <a:chExt cx="0" cy="0"/>
+        </a:xfrm>
+      </p:grpSpPr>
+      <p:pic>
+        <p:nvPicPr>
+          <p:cNvPr id="3" name="図 2"/>
           <p:cNvPicPr>
             <a:picLocks noChangeAspect="1"/>
           </p:cNvPicPr>
@@ -5825,96 +5979,6 @@
 </p:sld>
 </file>
 
-<file path=ppt/slides/slide11.xml><?xml version="1.0" encoding="utf-8"?>
-<p:sld xmlns:a="http://schemas.openxmlformats.org/drawingml/2006/main" xmlns:r="http://schemas.openxmlformats.org/officeDocument/2006/relationships" xmlns:p="http://schemas.openxmlformats.org/presentationml/2006/main">
-  <p:cSld>
-    <p:spTree>
-      <p:nvGrpSpPr>
-        <p:cNvPr id="1" name=""/>
-        <p:cNvGrpSpPr/>
-        <p:nvPr/>
-      </p:nvGrpSpPr>
-      <p:grpSpPr>
-        <a:xfrm>
-          <a:off x="0" y="0"/>
-          <a:ext cx="0" cy="0"/>
-          <a:chOff x="0" y="0"/>
-          <a:chExt cx="0" cy="0"/>
-        </a:xfrm>
-      </p:grpSpPr>
-      <p:sp>
-        <p:nvSpPr>
-          <p:cNvPr id="2" name="タイトル 1"/>
-          <p:cNvSpPr>
-            <a:spLocks noGrp="1"/>
-          </p:cNvSpPr>
-          <p:nvPr>
-            <p:ph type="title"/>
-          </p:nvPr>
-        </p:nvSpPr>
-        <p:spPr/>
-        <p:txBody>
-          <a:bodyPr/>
-          <a:lstStyle/>
-          <a:p>
-            <a:r>
-              <a:rPr kumimoji="1" lang="ja-JP" altLang="en-US" dirty="0" smtClean="0"/>
-              <a:t>抗原抗体反応とは</a:t>
-            </a:r>
-            <a:endParaRPr kumimoji="1" lang="ja-JP" altLang="en-US" dirty="0"/>
-          </a:p>
-        </p:txBody>
-      </p:sp>
-      <p:sp>
-        <p:nvSpPr>
-          <p:cNvPr id="3" name="コンテンツ プレースホルダー 2"/>
-          <p:cNvSpPr>
-            <a:spLocks noGrp="1"/>
-          </p:cNvSpPr>
-          <p:nvPr>
-            <p:ph idx="1"/>
-          </p:nvPr>
-        </p:nvSpPr>
-        <p:spPr/>
-        <p:txBody>
-          <a:bodyPr/>
-          <a:lstStyle/>
-          <a:p>
-            <a:r>
-              <a:rPr kumimoji="1" lang="ja-JP" altLang="en-US" dirty="0" smtClean="0"/>
-              <a:t>抗原に対して抗体が反応して結合する反応</a:t>
-            </a:r>
-            <a:endParaRPr kumimoji="1" lang="en-US" altLang="ja-JP" dirty="0" smtClean="0"/>
-          </a:p>
-          <a:p>
-            <a:r>
-              <a:rPr lang="ja-JP" altLang="en-US" dirty="0" smtClean="0"/>
-              <a:t>例）</a:t>
-            </a:r>
-            <a:endParaRPr kumimoji="1" lang="ja-JP" altLang="en-US" dirty="0"/>
-          </a:p>
-        </p:txBody>
-      </p:sp>
-    </p:spTree>
-    <p:extLst>
-      <p:ext uri="{BB962C8B-B14F-4D97-AF65-F5344CB8AC3E}">
-        <p14:creationId xmlns:p14="http://schemas.microsoft.com/office/powerpoint/2010/main" val="3859860042"/>
-      </p:ext>
-    </p:extLst>
-  </p:cSld>
-  <p:clrMapOvr>
-    <a:masterClrMapping/>
-  </p:clrMapOvr>
-  <p:timing>
-    <p:tnLst>
-      <p:par>
-        <p:cTn id="1" dur="indefinite" restart="never" nodeType="tmRoot"/>
-      </p:par>
-    </p:tnLst>
-  </p:timing>
-</p:sld>
-</file>
-
 <file path=ppt/slides/slide12.xml><?xml version="1.0" encoding="utf-8"?>
 <p:sld xmlns:a="http://schemas.openxmlformats.org/drawingml/2006/main" xmlns:r="http://schemas.openxmlformats.org/officeDocument/2006/relationships" xmlns:p="http://schemas.openxmlformats.org/presentationml/2006/main">
   <p:cSld>
@@ -5955,10 +6019,201 @@
           </a:p>
         </p:txBody>
       </p:sp>
+      <p:graphicFrame>
+        <p:nvGraphicFramePr>
+          <p:cNvPr id="4" name="コンテンツ プレースホルダー 3"/>
+          <p:cNvGraphicFramePr>
+            <a:graphicFrameLocks noGrp="1"/>
+          </p:cNvGraphicFramePr>
+          <p:nvPr>
+            <p:ph idx="1"/>
+            <p:extLst>
+              <p:ext uri="{D42A27DB-BD31-4B8C-83A1-F6EECF244321}">
+                <p14:modId xmlns:p14="http://schemas.microsoft.com/office/powerpoint/2010/main" val="158175611"/>
+              </p:ext>
+            </p:extLst>
+          </p:nvPr>
+        </p:nvGraphicFramePr>
+        <p:xfrm>
+          <a:off x="457200" y="2276872"/>
+          <a:ext cx="8230263" cy="1097280"/>
+        </p:xfrm>
+        <a:graphic>
+          <a:graphicData uri="http://schemas.openxmlformats.org/drawingml/2006/table">
+            <a:tbl>
+              <a:tblPr firstRow="1" firstCol="1">
+                <a:tableStyleId>{F5AB1C69-6EDB-4FF4-983F-18BD219EF322}</a:tableStyleId>
+              </a:tblPr>
+              <a:tblGrid>
+                <a:gridCol w="2743421"/>
+                <a:gridCol w="2743421"/>
+                <a:gridCol w="2743421"/>
+              </a:tblGrid>
+              <a:tr h="266328">
+                <a:tc>
+                  <a:txBody>
+                    <a:bodyPr/>
+                    <a:lstStyle/>
+                    <a:p>
+                      <a:endParaRPr kumimoji="1" lang="ja-JP" altLang="en-US" dirty="0"/>
+                    </a:p>
+                  </a:txBody>
+                  <a:tcPr marL="94034" marR="94034"/>
+                </a:tc>
+                <a:tc>
+                  <a:txBody>
+                    <a:bodyPr/>
+                    <a:lstStyle/>
+                    <a:p>
+                      <a:r>
+                        <a:rPr kumimoji="1" lang="ja-JP" altLang="en-US" dirty="0" smtClean="0"/>
+                        <a:t>タグの長さ</a:t>
+                      </a:r>
+                      <a:endParaRPr kumimoji="1" lang="ja-JP" altLang="en-US" dirty="0"/>
+                    </a:p>
+                  </a:txBody>
+                  <a:tcPr marL="94034" marR="94034"/>
+                </a:tc>
+                <a:tc>
+                  <a:txBody>
+                    <a:bodyPr/>
+                    <a:lstStyle/>
+                    <a:p>
+                      <a:r>
+                        <a:rPr kumimoji="1" lang="ja-JP" altLang="en-US" dirty="0" smtClean="0"/>
+                        <a:t>個体数</a:t>
+                      </a:r>
+                      <a:endParaRPr kumimoji="1" lang="ja-JP" altLang="en-US" dirty="0"/>
+                    </a:p>
+                  </a:txBody>
+                  <a:tcPr marL="94034" marR="94034"/>
+                </a:tc>
+              </a:tr>
+              <a:tr h="266328">
+                <a:tc>
+                  <a:txBody>
+                    <a:bodyPr/>
+                    <a:lstStyle/>
+                    <a:p>
+                      <a:r>
+                        <a:rPr kumimoji="1" lang="ja-JP" altLang="en-US" dirty="0" smtClean="0"/>
+                        <a:t>エージェント</a:t>
+                      </a:r>
+                      <a:endParaRPr kumimoji="1" lang="ja-JP" altLang="en-US" dirty="0"/>
+                    </a:p>
+                  </a:txBody>
+                  <a:tcPr marL="94034" marR="94034"/>
+                </a:tc>
+                <a:tc>
+                  <a:txBody>
+                    <a:bodyPr/>
+                    <a:lstStyle/>
+                    <a:p>
+                      <a:r>
+                        <a:rPr kumimoji="1" lang="en-US" altLang="ja-JP" dirty="0" smtClean="0"/>
+                        <a:t>30</a:t>
+                      </a:r>
+                      <a:endParaRPr kumimoji="1" lang="ja-JP" altLang="en-US" dirty="0"/>
+                    </a:p>
+                  </a:txBody>
+                  <a:tcPr marL="94034" marR="94034"/>
+                </a:tc>
+                <a:tc>
+                  <a:txBody>
+                    <a:bodyPr/>
+                    <a:lstStyle/>
+                    <a:p>
+                      <a:r>
+                        <a:rPr kumimoji="1" lang="en-US" altLang="ja-JP" dirty="0" smtClean="0"/>
+                        <a:t>1000</a:t>
+                      </a:r>
+                    </a:p>
+                  </a:txBody>
+                  <a:tcPr marL="94034" marR="94034"/>
+                </a:tc>
+              </a:tr>
+              <a:tr h="266328">
+                <a:tc>
+                  <a:txBody>
+                    <a:bodyPr/>
+                    <a:lstStyle/>
+                    <a:p>
+                      <a:r>
+                        <a:rPr kumimoji="1" lang="ja-JP" altLang="en-US" dirty="0" smtClean="0"/>
+                        <a:t>ウイルス</a:t>
+                      </a:r>
+                      <a:endParaRPr kumimoji="1" lang="ja-JP" altLang="en-US" dirty="0"/>
+                    </a:p>
+                  </a:txBody>
+                  <a:tcPr marL="94034" marR="94034"/>
+                </a:tc>
+                <a:tc>
+                  <a:txBody>
+                    <a:bodyPr/>
+                    <a:lstStyle/>
+                    <a:p>
+                      <a:r>
+                        <a:rPr kumimoji="1" lang="en-US" altLang="ja-JP" dirty="0" smtClean="0"/>
+                        <a:t>16</a:t>
+                      </a:r>
+                      <a:endParaRPr kumimoji="1" lang="ja-JP" altLang="en-US" dirty="0"/>
+                    </a:p>
+                  </a:txBody>
+                  <a:tcPr marL="94034" marR="94034"/>
+                </a:tc>
+                <a:tc>
+                  <a:txBody>
+                    <a:bodyPr/>
+                    <a:lstStyle/>
+                    <a:p>
+                      <a:r>
+                        <a:rPr kumimoji="1" lang="en-US" altLang="ja-JP" dirty="0" smtClean="0"/>
+                        <a:t>2</a:t>
+                      </a:r>
+                    </a:p>
+                  </a:txBody>
+                  <a:tcPr marL="94034" marR="94034"/>
+                </a:tc>
+              </a:tr>
+            </a:tbl>
+          </a:graphicData>
+        </a:graphic>
+      </p:graphicFrame>
+      <p:sp>
+        <p:nvSpPr>
+          <p:cNvPr id="8" name="テキスト ボックス 7"/>
+          <p:cNvSpPr txBox="1"/>
+          <p:nvPr/>
+        </p:nvSpPr>
+        <p:spPr>
+          <a:xfrm>
+            <a:off x="2627784" y="1772816"/>
+            <a:ext cx="3960440" cy="461665"/>
+          </a:xfrm>
+          <a:prstGeom prst="rect">
+            <a:avLst/>
+          </a:prstGeom>
+          <a:noFill/>
+        </p:spPr>
+        <p:txBody>
+          <a:bodyPr wrap="square" rtlCol="0">
+            <a:spAutoFit/>
+          </a:bodyPr>
+          <a:lstStyle/>
+          <a:p>
+            <a:pPr algn="ctr"/>
+            <a:r>
+              <a:rPr kumimoji="1" lang="ja-JP" altLang="en-US" sz="2400" u="sng" dirty="0" smtClean="0"/>
+              <a:t>初期パラメータ</a:t>
+            </a:r>
+            <a:endParaRPr kumimoji="1" lang="en-US" altLang="ja-JP" sz="2400" u="sng" dirty="0" smtClean="0"/>
+          </a:p>
+        </p:txBody>
+      </p:sp>
     </p:spTree>
     <p:extLst>
       <p:ext uri="{BB962C8B-B14F-4D97-AF65-F5344CB8AC3E}">
-        <p14:creationId xmlns:p14="http://schemas.microsoft.com/office/powerpoint/2010/main" val="3483215692"/>
+        <p14:creationId xmlns:p14="http://schemas.microsoft.com/office/powerpoint/2010/main" val="1172132391"/>
       </p:ext>
     </p:extLst>
   </p:cSld>
@@ -6009,39 +6264,57 @@
           <a:p>
             <a:r>
               <a:rPr kumimoji="1" lang="ja-JP" altLang="en-US" dirty="0" smtClean="0"/>
-              <a:t>数値計算結果の分析</a:t>
+              <a:t>感染者数</a:t>
             </a:r>
             <a:endParaRPr kumimoji="1" lang="ja-JP" altLang="en-US" dirty="0"/>
           </a:p>
         </p:txBody>
       </p:sp>
-      <p:sp>
-        <p:nvSpPr>
-          <p:cNvPr id="3" name="コンテンツ プレースホルダー 2"/>
-          <p:cNvSpPr>
-            <a:spLocks noGrp="1"/>
-          </p:cNvSpPr>
-          <p:nvPr>
-            <p:ph idx="1"/>
-          </p:nvPr>
-        </p:nvSpPr>
-        <p:spPr/>
-        <p:txBody>
-          <a:bodyPr/>
-          <a:lstStyle/>
-          <a:p>
-            <a:r>
-              <a:rPr kumimoji="1" lang="ja-JP" altLang="en-US" dirty="0" smtClean="0"/>
-              <a:t>多くて３、４つ</a:t>
-            </a:r>
-            <a:endParaRPr kumimoji="1" lang="ja-JP" altLang="en-US" dirty="0"/>
-          </a:p>
-        </p:txBody>
-      </p:sp>
+      <p:pic>
+        <p:nvPicPr>
+          <p:cNvPr id="1027" name="Picture 3" descr="F:\140116120147\assets\HasVirus.png"/>
+          <p:cNvPicPr>
+            <a:picLocks noChangeAspect="1" noChangeArrowheads="1"/>
+          </p:cNvPicPr>
+          <p:nvPr/>
+        </p:nvPicPr>
+        <p:blipFill>
+          <a:blip r:embed="rId3">
+            <a:extLst>
+              <a:ext uri="{28A0092B-C50C-407E-A947-70E740481C1C}">
+                <a14:useLocalDpi xmlns:a14="http://schemas.microsoft.com/office/drawing/2010/main" val="0"/>
+              </a:ext>
+            </a:extLst>
+          </a:blip>
+          <a:srcRect/>
+          <a:stretch>
+            <a:fillRect/>
+          </a:stretch>
+        </p:blipFill>
+        <p:spPr bwMode="auto">
+          <a:xfrm>
+            <a:off x="2267744" y="1268760"/>
+            <a:ext cx="4762500" cy="4762500"/>
+          </a:xfrm>
+          <a:prstGeom prst="rect">
+            <a:avLst/>
+          </a:prstGeom>
+          <a:noFill/>
+          <a:extLst>
+            <a:ext uri="{909E8E84-426E-40DD-AFC4-6F175D3DCCD1}">
+              <a14:hiddenFill xmlns:a14="http://schemas.microsoft.com/office/drawing/2010/main">
+                <a:solidFill>
+                  <a:srgbClr val="FFFFFF"/>
+                </a:solidFill>
+              </a14:hiddenFill>
+            </a:ext>
+          </a:extLst>
+        </p:spPr>
+      </p:pic>
     </p:spTree>
     <p:extLst>
       <p:ext uri="{BB962C8B-B14F-4D97-AF65-F5344CB8AC3E}">
-        <p14:creationId xmlns:p14="http://schemas.microsoft.com/office/powerpoint/2010/main" val="3736256567"/>
+        <p14:creationId xmlns:p14="http://schemas.microsoft.com/office/powerpoint/2010/main" val="3483215692"/>
       </p:ext>
     </p:extLst>
   </p:cSld>
@@ -6091,40 +6364,62 @@
           <a:lstStyle/>
           <a:p>
             <a:r>
-              <a:rPr kumimoji="1" lang="ja-JP" altLang="en-US" dirty="0" smtClean="0"/>
-              <a:t>結論</a:t>
+              <a:rPr lang="ja-JP" altLang="en-US" dirty="0"/>
+              <a:t>免疫</a:t>
+            </a:r>
+            <a:r>
+              <a:rPr lang="ja-JP" altLang="en-US" dirty="0" smtClean="0"/>
+              <a:t>獲得者数</a:t>
             </a:r>
             <a:endParaRPr kumimoji="1" lang="ja-JP" altLang="en-US" dirty="0"/>
           </a:p>
         </p:txBody>
       </p:sp>
-      <p:sp>
-        <p:nvSpPr>
-          <p:cNvPr id="3" name="コンテンツ プレースホルダー 2"/>
-          <p:cNvSpPr>
-            <a:spLocks noGrp="1"/>
-          </p:cNvSpPr>
-          <p:nvPr>
-            <p:ph idx="1"/>
-          </p:nvPr>
-        </p:nvSpPr>
-        <p:spPr/>
-        <p:txBody>
-          <a:bodyPr/>
-          <a:lstStyle/>
-          <a:p>
-            <a:r>
-              <a:rPr kumimoji="1" lang="ja-JP" altLang="en-US" dirty="0" smtClean="0"/>
-              <a:t>ウイルスのタグの長さに比べて、免疫機構のタグが短い場合でもオーバーラップによって十分な抗体を作ることができる。</a:t>
-            </a:r>
-            <a:endParaRPr kumimoji="1" lang="en-US" altLang="ja-JP" dirty="0" smtClean="0"/>
-          </a:p>
-        </p:txBody>
-      </p:sp>
+      <p:pic>
+        <p:nvPicPr>
+          <p:cNvPr id="4" name="Picture 2" descr="F:\140116120147\assets\HasImmunity.png"/>
+          <p:cNvPicPr>
+            <a:picLocks noChangeAspect="1" noChangeArrowheads="1"/>
+          </p:cNvPicPr>
+          <p:nvPr/>
+        </p:nvPicPr>
+        <p:blipFill>
+          <a:blip r:embed="rId2">
+            <a:extLst>
+              <a:ext uri="{28A0092B-C50C-407E-A947-70E740481C1C}">
+                <a14:useLocalDpi xmlns:a14="http://schemas.microsoft.com/office/drawing/2010/main" val="0"/>
+              </a:ext>
+            </a:extLst>
+          </a:blip>
+          <a:srcRect/>
+          <a:stretch>
+            <a:fillRect/>
+          </a:stretch>
+        </p:blipFill>
+        <p:spPr bwMode="auto">
+          <a:xfrm>
+            <a:off x="2267744" y="1556792"/>
+            <a:ext cx="4762500" cy="4762500"/>
+          </a:xfrm>
+          <a:prstGeom prst="rect">
+            <a:avLst/>
+          </a:prstGeom>
+          <a:noFill/>
+          <a:extLst>
+            <a:ext uri="{909E8E84-426E-40DD-AFC4-6F175D3DCCD1}">
+              <a14:hiddenFill xmlns:a14="http://schemas.microsoft.com/office/drawing/2010/main">
+                <a:solidFill>
+                  <a:srgbClr val="FFFFFF"/>
+                </a:solidFill>
+              </a14:hiddenFill>
+            </a:ext>
+          </a:extLst>
+        </p:spPr>
+      </p:pic>
     </p:spTree>
     <p:extLst>
       <p:ext uri="{BB962C8B-B14F-4D97-AF65-F5344CB8AC3E}">
-        <p14:creationId xmlns:p14="http://schemas.microsoft.com/office/powerpoint/2010/main" val="3466877443"/>
+        <p14:creationId xmlns:p14="http://schemas.microsoft.com/office/powerpoint/2010/main" val="2077962118"/>
       </p:ext>
     </p:extLst>
   </p:cSld>
@@ -6175,7 +6470,7 @@
           <a:p>
             <a:r>
               <a:rPr kumimoji="1" lang="ja-JP" altLang="en-US" dirty="0" smtClean="0"/>
-              <a:t>空間非一様モデル（今後の課題）</a:t>
+              <a:t>数値計算結果の分析</a:t>
             </a:r>
             <a:endParaRPr kumimoji="1" lang="ja-JP" altLang="en-US" dirty="0"/>
           </a:p>
@@ -6197,20 +6492,25 @@
           <a:lstStyle/>
           <a:p>
             <a:r>
-              <a:rPr kumimoji="1" lang="ja-JP" altLang="en-US" dirty="0" smtClean="0"/>
-              <a:t>病原体の広がりは数理疫学モデルによって表現されてきたが、抗体の広がりは十分に調べられていない。電子タグを用いることにより、抗体の社会的な広がりを表現したい。</a:t>
-            </a:r>
-            <a:endParaRPr kumimoji="1" lang="en-US" altLang="ja-JP" dirty="0" smtClean="0"/>
-          </a:p>
-          <a:p>
-            <a:endParaRPr kumimoji="1" lang="ja-JP" altLang="en-US" dirty="0"/>
+              <a:rPr lang="ja-JP" altLang="en-US" dirty="0" smtClean="0"/>
+              <a:t>ウイルスのタグ長１６</a:t>
+            </a:r>
+            <a:r>
+              <a:rPr lang="en-US" altLang="ja-JP" dirty="0" smtClean="0"/>
+              <a:t>×</a:t>
+            </a:r>
+            <a:r>
+              <a:rPr lang="ja-JP" altLang="en-US" dirty="0" smtClean="0"/>
+              <a:t>２＝３２に比べてエージェントのタグ長３０のほうが短いが、両方のウイルスに対する免疫を獲得しているエージェントが増えている</a:t>
+            </a:r>
+            <a:endParaRPr lang="en-US" altLang="ja-JP" dirty="0" smtClean="0"/>
           </a:p>
         </p:txBody>
       </p:sp>
     </p:spTree>
     <p:extLst>
       <p:ext uri="{BB962C8B-B14F-4D97-AF65-F5344CB8AC3E}">
-        <p14:creationId xmlns:p14="http://schemas.microsoft.com/office/powerpoint/2010/main" val="4140513809"/>
+        <p14:creationId xmlns:p14="http://schemas.microsoft.com/office/powerpoint/2010/main" val="3736256567"/>
       </p:ext>
     </p:extLst>
   </p:cSld>
@@ -6256,14 +6556,12 @@
         </p:nvSpPr>
         <p:spPr/>
         <p:txBody>
-          <a:bodyPr>
-            <a:normAutofit fontScale="90000"/>
-          </a:bodyPr>
+          <a:bodyPr/>
           <a:lstStyle/>
           <a:p>
             <a:r>
               <a:rPr kumimoji="1" lang="ja-JP" altLang="en-US" dirty="0" smtClean="0"/>
-              <a:t>（（（電子タグを用いた免疫機構の表現の妥当性</a:t>
+              <a:t>結論</a:t>
             </a:r>
             <a:endParaRPr kumimoji="1" lang="ja-JP" altLang="en-US" dirty="0"/>
           </a:p>
@@ -6284,14 +6582,18 @@
           <a:bodyPr/>
           <a:lstStyle/>
           <a:p>
-            <a:endParaRPr kumimoji="1" lang="ja-JP" altLang="en-US"/>
+            <a:r>
+              <a:rPr kumimoji="1" lang="ja-JP" altLang="en-US" dirty="0" smtClean="0"/>
+              <a:t>ウイルスのタグの長さに比べて、免疫機構のタグが短い場合でもオーバーラップによって十分な抗体を作ることができる。</a:t>
+            </a:r>
+            <a:endParaRPr kumimoji="1" lang="en-US" altLang="ja-JP" dirty="0" smtClean="0"/>
           </a:p>
         </p:txBody>
       </p:sp>
     </p:spTree>
     <p:extLst>
       <p:ext uri="{BB962C8B-B14F-4D97-AF65-F5344CB8AC3E}">
-        <p14:creationId xmlns:p14="http://schemas.microsoft.com/office/powerpoint/2010/main" val="296766167"/>
+        <p14:creationId xmlns:p14="http://schemas.microsoft.com/office/powerpoint/2010/main" val="3466877443"/>
       </p:ext>
     </p:extLst>
   </p:cSld>
@@ -6342,7 +6644,7 @@
           <a:p>
             <a:r>
               <a:rPr kumimoji="1" lang="ja-JP" altLang="en-US" dirty="0" smtClean="0"/>
-              <a:t>延長された表現型とは</a:t>
+              <a:t>空間非一様モデル（今後の課題）</a:t>
             </a:r>
             <a:endParaRPr kumimoji="1" lang="ja-JP" altLang="en-US" dirty="0"/>
           </a:p>
@@ -6363,9 +6665,13 @@
           <a:bodyPr/>
           <a:lstStyle/>
           <a:p>
-            <a:pPr marL="0" indent="0">
-              <a:buNone/>
-            </a:pPr>
+            <a:r>
+              <a:rPr kumimoji="1" lang="ja-JP" altLang="en-US" dirty="0" smtClean="0"/>
+              <a:t>病原体の広がりは数理疫学モデルによって表現されてきたが、抗体の広がりは十分に調べられていない。電子タグを用いることにより、抗体の社会的な広がりを表現したい。</a:t>
+            </a:r>
+            <a:endParaRPr kumimoji="1" lang="en-US" altLang="ja-JP" dirty="0" smtClean="0"/>
+          </a:p>
+          <a:p>
             <a:endParaRPr kumimoji="1" lang="ja-JP" altLang="en-US" dirty="0"/>
           </a:p>
         </p:txBody>
@@ -6373,7 +6679,7 @@
     </p:spTree>
     <p:extLst>
       <p:ext uri="{BB962C8B-B14F-4D97-AF65-F5344CB8AC3E}">
-        <p14:creationId xmlns:p14="http://schemas.microsoft.com/office/powerpoint/2010/main" val="3461091930"/>
+        <p14:creationId xmlns:p14="http://schemas.microsoft.com/office/powerpoint/2010/main" val="4140513809"/>
       </p:ext>
     </p:extLst>
   </p:cSld>
@@ -6423,12 +6729,8 @@
           <a:lstStyle/>
           <a:p>
             <a:r>
-              <a:rPr lang="ja-JP" altLang="en-US" dirty="0"/>
-              <a:t>利己的</a:t>
-            </a:r>
-            <a:r>
               <a:rPr lang="ja-JP" altLang="en-US" dirty="0" smtClean="0"/>
-              <a:t>な遺伝子について</a:t>
+              <a:t>（（（これで研究発表を終わります</a:t>
             </a:r>
             <a:endParaRPr kumimoji="1" lang="ja-JP" altLang="en-US" dirty="0"/>
           </a:p>
@@ -6456,13 +6758,20 @@
     </p:spTree>
     <p:extLst>
       <p:ext uri="{BB962C8B-B14F-4D97-AF65-F5344CB8AC3E}">
-        <p14:creationId xmlns:p14="http://schemas.microsoft.com/office/powerpoint/2010/main" val="3143250094"/>
+        <p14:creationId xmlns:p14="http://schemas.microsoft.com/office/powerpoint/2010/main" val="3484841545"/>
       </p:ext>
     </p:extLst>
   </p:cSld>
   <p:clrMapOvr>
     <a:masterClrMapping/>
   </p:clrMapOvr>
+  <p:timing>
+    <p:tnLst>
+      <p:par>
+        <p:cTn id="1" dur="indefinite" restart="never" nodeType="tmRoot"/>
+      </p:par>
+    </p:tnLst>
+  </p:timing>
 </p:sld>
 </file>
 
@@ -6495,12 +6804,14 @@
         </p:nvSpPr>
         <p:spPr/>
         <p:txBody>
-          <a:bodyPr/>
+          <a:bodyPr>
+            <a:normAutofit fontScale="90000"/>
+          </a:bodyPr>
           <a:lstStyle/>
           <a:p>
             <a:r>
               <a:rPr kumimoji="1" lang="ja-JP" altLang="en-US" dirty="0" smtClean="0"/>
-              <a:t>研究目的２</a:t>
+              <a:t>（（（電子タグを用いた免疫機構の表現の妥当性</a:t>
             </a:r>
             <a:endParaRPr kumimoji="1" lang="ja-JP" altLang="en-US" dirty="0"/>
           </a:p>
@@ -6521,29 +6832,14 @@
           <a:bodyPr/>
           <a:lstStyle/>
           <a:p>
-            <a:r>
-              <a:rPr kumimoji="1" lang="en-US" altLang="ja-JP" dirty="0" smtClean="0"/>
-              <a:t>2</a:t>
-            </a:r>
-            <a:r>
-              <a:rPr kumimoji="1" lang="ja-JP" altLang="en-US" dirty="0" smtClean="0"/>
-              <a:t>種類のウイルスが流行した場合、一方のウイルスの免疫を獲得することにより他方のウイルスに対する免疫を失うことが起こりうる。</a:t>
-            </a:r>
-            <a:endParaRPr lang="en-US" altLang="ja-JP" dirty="0"/>
-          </a:p>
-          <a:p>
-            <a:r>
-              <a:rPr kumimoji="1" lang="ja-JP" altLang="en-US" dirty="0" smtClean="0"/>
-              <a:t>その結果社会全体で発生する免疫獲得とウイルス感染との間のある種の振動現象を数値解析的に再現する。</a:t>
-            </a:r>
-            <a:endParaRPr kumimoji="1" lang="ja-JP" altLang="en-US" dirty="0"/>
+            <a:endParaRPr kumimoji="1" lang="ja-JP" altLang="en-US"/>
           </a:p>
         </p:txBody>
       </p:sp>
     </p:spTree>
     <p:extLst>
       <p:ext uri="{BB962C8B-B14F-4D97-AF65-F5344CB8AC3E}">
-        <p14:creationId xmlns:p14="http://schemas.microsoft.com/office/powerpoint/2010/main" val="2535459551"/>
+        <p14:creationId xmlns:p14="http://schemas.microsoft.com/office/powerpoint/2010/main" val="296766167"/>
       </p:ext>
     </p:extLst>
   </p:cSld>
@@ -6685,6 +6981,265 @@
           <a:p>
             <a:r>
               <a:rPr kumimoji="1" lang="ja-JP" altLang="en-US" dirty="0" smtClean="0"/>
+              <a:t>延長された表現型とは</a:t>
+            </a:r>
+            <a:endParaRPr kumimoji="1" lang="ja-JP" altLang="en-US" dirty="0"/>
+          </a:p>
+        </p:txBody>
+      </p:sp>
+      <p:sp>
+        <p:nvSpPr>
+          <p:cNvPr id="3" name="コンテンツ プレースホルダー 2"/>
+          <p:cNvSpPr>
+            <a:spLocks noGrp="1"/>
+          </p:cNvSpPr>
+          <p:nvPr>
+            <p:ph idx="1"/>
+          </p:nvPr>
+        </p:nvSpPr>
+        <p:spPr/>
+        <p:txBody>
+          <a:bodyPr/>
+          <a:lstStyle/>
+          <a:p>
+            <a:pPr marL="0" indent="0">
+              <a:buNone/>
+            </a:pPr>
+            <a:endParaRPr kumimoji="1" lang="ja-JP" altLang="en-US" dirty="0"/>
+          </a:p>
+        </p:txBody>
+      </p:sp>
+    </p:spTree>
+    <p:extLst>
+      <p:ext uri="{BB962C8B-B14F-4D97-AF65-F5344CB8AC3E}">
+        <p14:creationId xmlns:p14="http://schemas.microsoft.com/office/powerpoint/2010/main" val="3461091930"/>
+      </p:ext>
+    </p:extLst>
+  </p:cSld>
+  <p:clrMapOvr>
+    <a:masterClrMapping/>
+  </p:clrMapOvr>
+  <p:timing>
+    <p:tnLst>
+      <p:par>
+        <p:cTn id="1" dur="indefinite" restart="never" nodeType="tmRoot"/>
+      </p:par>
+    </p:tnLst>
+  </p:timing>
+</p:sld>
+</file>
+
+<file path=ppt/slides/slide21.xml><?xml version="1.0" encoding="utf-8"?>
+<p:sld xmlns:a="http://schemas.openxmlformats.org/drawingml/2006/main" xmlns:r="http://schemas.openxmlformats.org/officeDocument/2006/relationships" xmlns:p="http://schemas.openxmlformats.org/presentationml/2006/main">
+  <p:cSld>
+    <p:spTree>
+      <p:nvGrpSpPr>
+        <p:cNvPr id="1" name=""/>
+        <p:cNvGrpSpPr/>
+        <p:nvPr/>
+      </p:nvGrpSpPr>
+      <p:grpSpPr>
+        <a:xfrm>
+          <a:off x="0" y="0"/>
+          <a:ext cx="0" cy="0"/>
+          <a:chOff x="0" y="0"/>
+          <a:chExt cx="0" cy="0"/>
+        </a:xfrm>
+      </p:grpSpPr>
+      <p:sp>
+        <p:nvSpPr>
+          <p:cNvPr id="2" name="タイトル 1"/>
+          <p:cNvSpPr>
+            <a:spLocks noGrp="1"/>
+          </p:cNvSpPr>
+          <p:nvPr>
+            <p:ph type="title"/>
+          </p:nvPr>
+        </p:nvSpPr>
+        <p:spPr/>
+        <p:txBody>
+          <a:bodyPr/>
+          <a:lstStyle/>
+          <a:p>
+            <a:r>
+              <a:rPr lang="ja-JP" altLang="en-US" dirty="0"/>
+              <a:t>利己的</a:t>
+            </a:r>
+            <a:r>
+              <a:rPr lang="ja-JP" altLang="en-US" dirty="0" smtClean="0"/>
+              <a:t>な遺伝子について</a:t>
+            </a:r>
+            <a:endParaRPr kumimoji="1" lang="ja-JP" altLang="en-US" dirty="0"/>
+          </a:p>
+        </p:txBody>
+      </p:sp>
+      <p:sp>
+        <p:nvSpPr>
+          <p:cNvPr id="3" name="コンテンツ プレースホルダー 2"/>
+          <p:cNvSpPr>
+            <a:spLocks noGrp="1"/>
+          </p:cNvSpPr>
+          <p:nvPr>
+            <p:ph idx="1"/>
+          </p:nvPr>
+        </p:nvSpPr>
+        <p:spPr/>
+        <p:txBody>
+          <a:bodyPr/>
+          <a:lstStyle/>
+          <a:p>
+            <a:endParaRPr kumimoji="1" lang="ja-JP" altLang="en-US"/>
+          </a:p>
+        </p:txBody>
+      </p:sp>
+    </p:spTree>
+    <p:extLst>
+      <p:ext uri="{BB962C8B-B14F-4D97-AF65-F5344CB8AC3E}">
+        <p14:creationId xmlns:p14="http://schemas.microsoft.com/office/powerpoint/2010/main" val="3143250094"/>
+      </p:ext>
+    </p:extLst>
+  </p:cSld>
+  <p:clrMapOvr>
+    <a:masterClrMapping/>
+  </p:clrMapOvr>
+  <p:timing>
+    <p:tnLst>
+      <p:par>
+        <p:cTn id="1" dur="indefinite" restart="never" nodeType="tmRoot"/>
+      </p:par>
+    </p:tnLst>
+  </p:timing>
+</p:sld>
+</file>
+
+<file path=ppt/slides/slide22.xml><?xml version="1.0" encoding="utf-8"?>
+<p:sld xmlns:a="http://schemas.openxmlformats.org/drawingml/2006/main" xmlns:r="http://schemas.openxmlformats.org/officeDocument/2006/relationships" xmlns:p="http://schemas.openxmlformats.org/presentationml/2006/main">
+  <p:cSld>
+    <p:spTree>
+      <p:nvGrpSpPr>
+        <p:cNvPr id="1" name=""/>
+        <p:cNvGrpSpPr/>
+        <p:nvPr/>
+      </p:nvGrpSpPr>
+      <p:grpSpPr>
+        <a:xfrm>
+          <a:off x="0" y="0"/>
+          <a:ext cx="0" cy="0"/>
+          <a:chOff x="0" y="0"/>
+          <a:chExt cx="0" cy="0"/>
+        </a:xfrm>
+      </p:grpSpPr>
+      <p:sp>
+        <p:nvSpPr>
+          <p:cNvPr id="2" name="タイトル 1"/>
+          <p:cNvSpPr>
+            <a:spLocks noGrp="1"/>
+          </p:cNvSpPr>
+          <p:nvPr>
+            <p:ph type="title"/>
+          </p:nvPr>
+        </p:nvSpPr>
+        <p:spPr/>
+        <p:txBody>
+          <a:bodyPr/>
+          <a:lstStyle/>
+          <a:p>
+            <a:r>
+              <a:rPr kumimoji="1" lang="ja-JP" altLang="en-US" dirty="0" smtClean="0"/>
+              <a:t>研究目的２</a:t>
+            </a:r>
+            <a:endParaRPr kumimoji="1" lang="ja-JP" altLang="en-US" dirty="0"/>
+          </a:p>
+        </p:txBody>
+      </p:sp>
+      <p:sp>
+        <p:nvSpPr>
+          <p:cNvPr id="3" name="コンテンツ プレースホルダー 2"/>
+          <p:cNvSpPr>
+            <a:spLocks noGrp="1"/>
+          </p:cNvSpPr>
+          <p:nvPr>
+            <p:ph idx="1"/>
+          </p:nvPr>
+        </p:nvSpPr>
+        <p:spPr/>
+        <p:txBody>
+          <a:bodyPr/>
+          <a:lstStyle/>
+          <a:p>
+            <a:r>
+              <a:rPr kumimoji="1" lang="en-US" altLang="ja-JP" dirty="0" smtClean="0"/>
+              <a:t>2</a:t>
+            </a:r>
+            <a:r>
+              <a:rPr kumimoji="1" lang="ja-JP" altLang="en-US" dirty="0" smtClean="0"/>
+              <a:t>種類のウイルスが流行した場合、一方のウイルスの免疫を獲得することにより他方のウイルスに対する免疫を失うことが起こりうる。</a:t>
+            </a:r>
+            <a:endParaRPr lang="en-US" altLang="ja-JP" dirty="0"/>
+          </a:p>
+          <a:p>
+            <a:r>
+              <a:rPr kumimoji="1" lang="ja-JP" altLang="en-US" dirty="0" smtClean="0"/>
+              <a:t>その結果社会全体で発生する免疫獲得とウイルス感染との間のある種の振動現象を数値解析的に再現する。</a:t>
+            </a:r>
+            <a:endParaRPr kumimoji="1" lang="ja-JP" altLang="en-US" dirty="0"/>
+          </a:p>
+        </p:txBody>
+      </p:sp>
+    </p:spTree>
+    <p:extLst>
+      <p:ext uri="{BB962C8B-B14F-4D97-AF65-F5344CB8AC3E}">
+        <p14:creationId xmlns:p14="http://schemas.microsoft.com/office/powerpoint/2010/main" val="2535459551"/>
+      </p:ext>
+    </p:extLst>
+  </p:cSld>
+  <p:clrMapOvr>
+    <a:masterClrMapping/>
+  </p:clrMapOvr>
+  <p:timing>
+    <p:tnLst>
+      <p:par>
+        <p:cTn id="1" dur="indefinite" restart="never" nodeType="tmRoot"/>
+      </p:par>
+    </p:tnLst>
+  </p:timing>
+</p:sld>
+</file>
+
+<file path=ppt/slides/slide23.xml><?xml version="1.0" encoding="utf-8"?>
+<p:sld xmlns:a="http://schemas.openxmlformats.org/drawingml/2006/main" xmlns:r="http://schemas.openxmlformats.org/officeDocument/2006/relationships" xmlns:p="http://schemas.openxmlformats.org/presentationml/2006/main">
+  <p:cSld>
+    <p:spTree>
+      <p:nvGrpSpPr>
+        <p:cNvPr id="1" name=""/>
+        <p:cNvGrpSpPr/>
+        <p:nvPr/>
+      </p:nvGrpSpPr>
+      <p:grpSpPr>
+        <a:xfrm>
+          <a:off x="0" y="0"/>
+          <a:ext cx="0" cy="0"/>
+          <a:chOff x="0" y="0"/>
+          <a:chExt cx="0" cy="0"/>
+        </a:xfrm>
+      </p:grpSpPr>
+      <p:sp>
+        <p:nvSpPr>
+          <p:cNvPr id="2" name="タイトル 1"/>
+          <p:cNvSpPr>
+            <a:spLocks noGrp="1"/>
+          </p:cNvSpPr>
+          <p:nvPr>
+            <p:ph type="title"/>
+          </p:nvPr>
+        </p:nvSpPr>
+        <p:spPr/>
+        <p:txBody>
+          <a:bodyPr/>
+          <a:lstStyle/>
+          <a:p>
+            <a:r>
+              <a:rPr kumimoji="1" lang="ja-JP" altLang="en-US" dirty="0" smtClean="0"/>
               <a:t>パラメータ集合の分類</a:t>
             </a:r>
             <a:endParaRPr kumimoji="1" lang="ja-JP" altLang="en-US" dirty="0"/>
@@ -6734,7 +7289,7 @@
 </p:sld>
 </file>
 
-<file path=ppt/slides/slide21.xml><?xml version="1.0" encoding="utf-8"?>
+<file path=ppt/slides/slide24.xml><?xml version="1.0" encoding="utf-8"?>
 <p:sld xmlns:a="http://schemas.openxmlformats.org/drawingml/2006/main" xmlns:r="http://schemas.openxmlformats.org/officeDocument/2006/relationships" xmlns:p="http://schemas.openxmlformats.org/presentationml/2006/main">
   <p:cSld>
     <p:spTree>
@@ -6978,16 +7533,16 @@
           <a:lstStyle/>
           <a:p>
             <a:r>
-              <a:rPr lang="en-US" altLang="ja-JP" sz="2000" i="1" dirty="0"/>
+              <a:rPr lang="en-US" altLang="ja-JP" sz="2000" dirty="0"/>
               <a:t>Russell Connell, Peter Dawson* and Alex </a:t>
             </a:r>
             <a:r>
-              <a:rPr lang="en-US" altLang="ja-JP" sz="2000" i="1" dirty="0" err="1" smtClean="0"/>
+              <a:rPr lang="en-US" altLang="ja-JP" sz="2000" dirty="0" err="1" smtClean="0"/>
               <a:t>Skvortsov</a:t>
             </a:r>
             <a:r>
-              <a:rPr lang="en-US" altLang="ja-JP" sz="2000" i="1" dirty="0" smtClean="0"/>
-              <a:t>*,”</a:t>
+              <a:rPr lang="en-US" altLang="ja-JP" sz="2000" dirty="0" smtClean="0"/>
+              <a:t>*:”</a:t>
             </a:r>
             <a:r>
               <a:rPr lang="en-US" altLang="ja-JP" sz="2000" dirty="0" smtClean="0"/>
@@ -7023,9 +7578,50 @@
             </a:r>
             <a:r>
               <a:rPr lang="en-US" altLang="ja-JP" sz="2000" dirty="0" smtClean="0"/>
-              <a:t>Model”</a:t>
-            </a:r>
-            <a:endParaRPr kumimoji="1" lang="ja-JP" altLang="en-US" sz="2000" dirty="0"/>
+              <a:t>Model</a:t>
+            </a:r>
+            <a:r>
+              <a:rPr lang="en-US" altLang="ja-JP" sz="2000" dirty="0" smtClean="0"/>
+              <a:t>”</a:t>
+            </a:r>
+          </a:p>
+          <a:p>
+            <a:r>
+              <a:rPr lang="en-US" altLang="ja-JP" sz="2000" dirty="0" smtClean="0"/>
+              <a:t>Enrique </a:t>
+            </a:r>
+            <a:r>
+              <a:rPr lang="en-US" altLang="ja-JP" sz="2000" dirty="0" err="1" smtClean="0"/>
+              <a:t>Fr´ıas-Mart´ınez</a:t>
+            </a:r>
+            <a:r>
+              <a:rPr lang="en-US" altLang="ja-JP" sz="2000" dirty="0" smtClean="0"/>
+              <a:t> z, Graham Williamson , Vanessa </a:t>
+            </a:r>
+            <a:r>
+              <a:rPr lang="en-US" altLang="ja-JP" sz="2000" dirty="0" err="1" smtClean="0"/>
+              <a:t>Fr´ıas-Mart´ınez</a:t>
+            </a:r>
+            <a:r>
+              <a:rPr lang="en-US" altLang="ja-JP" sz="2000" dirty="0" smtClean="0"/>
+              <a:t>:” </a:t>
+            </a:r>
+            <a:r>
+              <a:rPr lang="en-US" altLang="ja-JP" sz="2000" dirty="0"/>
+              <a:t>An Agent-Based Model of Epidemic Spread </a:t>
+            </a:r>
+            <a:r>
+              <a:rPr lang="en-US" altLang="ja-JP" sz="2000" dirty="0" smtClean="0"/>
+              <a:t>using Human Mobility and </a:t>
+            </a:r>
+            <a:r>
+              <a:rPr lang="en-US" altLang="ja-JP" sz="2000" dirty="0"/>
+              <a:t>Social Network </a:t>
+            </a:r>
+            <a:r>
+              <a:rPr lang="en-US" altLang="ja-JP" sz="2000" dirty="0" smtClean="0"/>
+              <a:t>Information”</a:t>
+            </a:r>
           </a:p>
         </p:txBody>
       </p:sp>
@@ -7078,12 +7674,18 @@
         </p:nvSpPr>
         <p:spPr/>
         <p:txBody>
-          <a:bodyPr/>
+          <a:bodyPr>
+            <a:normAutofit/>
+          </a:bodyPr>
           <a:lstStyle/>
           <a:p>
             <a:r>
               <a:rPr kumimoji="1" lang="ja-JP" altLang="en-US" dirty="0" smtClean="0"/>
-              <a:t>（（（数理伝染病学とは何か</a:t>
+              <a:t>数理</a:t>
+            </a:r>
+            <a:r>
+              <a:rPr kumimoji="1" lang="ja-JP" altLang="en-US" dirty="0" smtClean="0"/>
+              <a:t>伝染病学とは何か</a:t>
             </a:r>
             <a:endParaRPr kumimoji="1" lang="ja-JP" altLang="en-US" dirty="0"/>
           </a:p>
@@ -7104,7 +7706,11 @@
           <a:bodyPr/>
           <a:lstStyle/>
           <a:p>
-            <a:endParaRPr kumimoji="1" lang="ja-JP" altLang="en-US"/>
+            <a:r>
+              <a:rPr kumimoji="1" lang="ja-JP" altLang="en-US" dirty="0" smtClean="0"/>
+              <a:t>疾病感染の過程を数理モデルで表現し、解析することで感染メカニズムを数理的な観点から追及する学問である。</a:t>
+            </a:r>
+            <a:endParaRPr kumimoji="1" lang="ja-JP" altLang="en-US" dirty="0"/>
           </a:p>
         </p:txBody>
       </p:sp>
@@ -7183,7 +7789,7 @@
           <a:bodyPr/>
           <a:lstStyle/>
           <a:p>
-            <a:endParaRPr kumimoji="1" lang="ja-JP" altLang="en-US"/>
+            <a:endParaRPr kumimoji="1" lang="ja-JP" altLang="en-US" dirty="0"/>
           </a:p>
         </p:txBody>
       </p:sp>
@@ -8052,6 +8658,96 @@
       </p:grpSpPr>
       <p:sp>
         <p:nvSpPr>
+          <p:cNvPr id="2" name="タイトル 1"/>
+          <p:cNvSpPr>
+            <a:spLocks noGrp="1"/>
+          </p:cNvSpPr>
+          <p:nvPr>
+            <p:ph type="title"/>
+          </p:nvPr>
+        </p:nvSpPr>
+        <p:spPr/>
+        <p:txBody>
+          <a:bodyPr/>
+          <a:lstStyle/>
+          <a:p>
+            <a:r>
+              <a:rPr kumimoji="1" lang="ja-JP" altLang="en-US" dirty="0" smtClean="0"/>
+              <a:t>抗原抗体反応とは</a:t>
+            </a:r>
+            <a:endParaRPr kumimoji="1" lang="ja-JP" altLang="en-US" dirty="0"/>
+          </a:p>
+        </p:txBody>
+      </p:sp>
+      <p:sp>
+        <p:nvSpPr>
+          <p:cNvPr id="3" name="コンテンツ プレースホルダー 2"/>
+          <p:cNvSpPr>
+            <a:spLocks noGrp="1"/>
+          </p:cNvSpPr>
+          <p:nvPr>
+            <p:ph idx="1"/>
+          </p:nvPr>
+        </p:nvSpPr>
+        <p:spPr/>
+        <p:txBody>
+          <a:bodyPr/>
+          <a:lstStyle/>
+          <a:p>
+            <a:r>
+              <a:rPr kumimoji="1" lang="ja-JP" altLang="en-US" dirty="0" smtClean="0"/>
+              <a:t>抗原に対して抗体が反応して結合する反応</a:t>
+            </a:r>
+            <a:endParaRPr kumimoji="1" lang="en-US" altLang="ja-JP" dirty="0" smtClean="0"/>
+          </a:p>
+          <a:p>
+            <a:r>
+              <a:rPr lang="ja-JP" altLang="en-US" dirty="0" smtClean="0"/>
+              <a:t>例）</a:t>
+            </a:r>
+            <a:endParaRPr kumimoji="1" lang="ja-JP" altLang="en-US" dirty="0"/>
+          </a:p>
+        </p:txBody>
+      </p:sp>
+    </p:spTree>
+    <p:extLst>
+      <p:ext uri="{BB962C8B-B14F-4D97-AF65-F5344CB8AC3E}">
+        <p14:creationId xmlns:p14="http://schemas.microsoft.com/office/powerpoint/2010/main" val="3859860042"/>
+      </p:ext>
+    </p:extLst>
+  </p:cSld>
+  <p:clrMapOvr>
+    <a:masterClrMapping/>
+  </p:clrMapOvr>
+  <p:timing>
+    <p:tnLst>
+      <p:par>
+        <p:cTn id="1" dur="indefinite" restart="never" nodeType="tmRoot"/>
+      </p:par>
+    </p:tnLst>
+  </p:timing>
+</p:sld>
+</file>
+
+<file path=ppt/slides/slide9.xml><?xml version="1.0" encoding="utf-8"?>
+<p:sld xmlns:a="http://schemas.openxmlformats.org/drawingml/2006/main" xmlns:r="http://schemas.openxmlformats.org/officeDocument/2006/relationships" xmlns:p="http://schemas.openxmlformats.org/presentationml/2006/main">
+  <p:cSld>
+    <p:spTree>
+      <p:nvGrpSpPr>
+        <p:cNvPr id="1" name=""/>
+        <p:cNvGrpSpPr/>
+        <p:nvPr/>
+      </p:nvGrpSpPr>
+      <p:grpSpPr>
+        <a:xfrm>
+          <a:off x="0" y="0"/>
+          <a:ext cx="0" cy="0"/>
+          <a:chOff x="0" y="0"/>
+          <a:chExt cx="0" cy="0"/>
+        </a:xfrm>
+      </p:grpSpPr>
+      <p:sp>
+        <p:nvSpPr>
           <p:cNvPr id="4" name="タイトル 3"/>
           <p:cNvSpPr>
             <a:spLocks noGrp="1"/>
@@ -8109,73 +8805,6 @@
     <p:extLst>
       <p:ext uri="{BB962C8B-B14F-4D97-AF65-F5344CB8AC3E}">
         <p14:creationId xmlns:p14="http://schemas.microsoft.com/office/powerpoint/2010/main" val="3710276726"/>
-      </p:ext>
-    </p:extLst>
-  </p:cSld>
-  <p:clrMapOvr>
-    <a:masterClrMapping/>
-  </p:clrMapOvr>
-  <p:timing>
-    <p:tnLst>
-      <p:par>
-        <p:cTn id="1" dur="indefinite" restart="never" nodeType="tmRoot"/>
-      </p:par>
-    </p:tnLst>
-  </p:timing>
-</p:sld>
-</file>
-
-<file path=ppt/slides/slide9.xml><?xml version="1.0" encoding="utf-8"?>
-<p:sld xmlns:a="http://schemas.openxmlformats.org/drawingml/2006/main" xmlns:r="http://schemas.openxmlformats.org/officeDocument/2006/relationships" xmlns:p="http://schemas.openxmlformats.org/presentationml/2006/main">
-  <p:cSld>
-    <p:spTree>
-      <p:nvGrpSpPr>
-        <p:cNvPr id="1" name=""/>
-        <p:cNvGrpSpPr/>
-        <p:nvPr/>
-      </p:nvGrpSpPr>
-      <p:grpSpPr>
-        <a:xfrm>
-          <a:off x="0" y="0"/>
-          <a:ext cx="0" cy="0"/>
-          <a:chOff x="0" y="0"/>
-          <a:chExt cx="0" cy="0"/>
-        </a:xfrm>
-      </p:grpSpPr>
-      <p:pic>
-        <p:nvPicPr>
-          <p:cNvPr id="4" name="図 3"/>
-          <p:cNvPicPr>
-            <a:picLocks noChangeAspect="1"/>
-          </p:cNvPicPr>
-          <p:nvPr/>
-        </p:nvPicPr>
-        <p:blipFill>
-          <a:blip r:embed="rId3">
-            <a:extLst>
-              <a:ext uri="{28A0092B-C50C-407E-A947-70E740481C1C}">
-                <a14:useLocalDpi xmlns:a14="http://schemas.microsoft.com/office/drawing/2010/main" val="0"/>
-              </a:ext>
-            </a:extLst>
-          </a:blip>
-          <a:stretch>
-            <a:fillRect/>
-          </a:stretch>
-        </p:blipFill>
-        <p:spPr>
-          <a:xfrm>
-            <a:off x="287920" y="116632"/>
-            <a:ext cx="8568159" cy="6858000"/>
-          </a:xfrm>
-          <a:prstGeom prst="rect">
-            <a:avLst/>
-          </a:prstGeom>
-        </p:spPr>
-      </p:pic>
-    </p:spTree>
-    <p:extLst>
-      <p:ext uri="{BB962C8B-B14F-4D97-AF65-F5344CB8AC3E}">
-        <p14:creationId xmlns:p14="http://schemas.microsoft.com/office/powerpoint/2010/main" val="3599667620"/>
       </p:ext>
     </p:extLst>
   </p:cSld>

--- a/ppt/卒業研究.pptx
+++ b/ppt/卒業研究.pptx
@@ -136,6 +136,5465 @@
 </p:presentation>
 </file>
 
+<file path=ppt/charts/chart1.xml><?xml version="1.0" encoding="utf-8"?>
+<c:chartSpace xmlns:c="http://schemas.openxmlformats.org/drawingml/2006/chart" xmlns:a="http://schemas.openxmlformats.org/drawingml/2006/main" xmlns:r="http://schemas.openxmlformats.org/officeDocument/2006/relationships">
+  <c:date1904 val="0"/>
+  <c:lang val="ja-JP"/>
+  <c:roundedCorners val="0"/>
+  <mc:AlternateContent xmlns:mc="http://schemas.openxmlformats.org/markup-compatibility/2006">
+    <mc:Choice xmlns:c14="http://schemas.microsoft.com/office/drawing/2007/8/2/chart" Requires="c14">
+      <c14:style val="102"/>
+    </mc:Choice>
+    <mc:Fallback>
+      <c:style val="2"/>
+    </mc:Fallback>
+  </mc:AlternateContent>
+  <c:clrMapOvr bg1="lt1" tx1="dk1" bg2="lt2" tx2="dk2" accent1="accent1" accent2="accent2" accent3="accent3" accent4="accent4" accent5="accent5" accent6="accent6" hlink="hlink" folHlink="folHlink"/>
+  <c:chart>
+    <c:title>
+      <c:tx>
+        <c:rich>
+          <a:bodyPr/>
+          <a:lstStyle/>
+          <a:p>
+            <a:pPr>
+              <a:defRPr sz="2800"/>
+            </a:pPr>
+            <a:r>
+              <a:rPr lang="ja-JP" altLang="en-US" sz="2800"/>
+              <a:t>感染者</a:t>
+            </a:r>
+          </a:p>
+        </c:rich>
+      </c:tx>
+      <c:layout/>
+      <c:overlay val="0"/>
+    </c:title>
+    <c:autoTitleDeleted val="0"/>
+    <c:plotArea>
+      <c:layout/>
+      <c:lineChart>
+        <c:grouping val="standard"/>
+        <c:varyColors val="0"/>
+        <c:ser>
+          <c:idx val="0"/>
+          <c:order val="0"/>
+          <c:tx>
+            <c:strRef>
+              <c:f>hasVirus!$B$1</c:f>
+              <c:strCache>
+                <c:ptCount val="1"/>
+                <c:pt idx="0">
+                  <c:v>ウイルス１</c:v>
+                </c:pt>
+              </c:strCache>
+            </c:strRef>
+          </c:tx>
+          <c:marker>
+            <c:symbol val="none"/>
+          </c:marker>
+          <c:val>
+            <c:numRef>
+              <c:f>hasVirus!$B$2:$B$279</c:f>
+              <c:numCache>
+                <c:formatCode>General</c:formatCode>
+                <c:ptCount val="278"/>
+                <c:pt idx="0">
+                  <c:v>241</c:v>
+                </c:pt>
+                <c:pt idx="1">
+                  <c:v>428</c:v>
+                </c:pt>
+                <c:pt idx="2">
+                  <c:v>474</c:v>
+                </c:pt>
+                <c:pt idx="3">
+                  <c:v>444</c:v>
+                </c:pt>
+                <c:pt idx="4">
+                  <c:v>380</c:v>
+                </c:pt>
+                <c:pt idx="5">
+                  <c:v>312</c:v>
+                </c:pt>
+                <c:pt idx="6">
+                  <c:v>274</c:v>
+                </c:pt>
+                <c:pt idx="7">
+                  <c:v>289</c:v>
+                </c:pt>
+                <c:pt idx="8">
+                  <c:v>355</c:v>
+                </c:pt>
+                <c:pt idx="9">
+                  <c:v>383</c:v>
+                </c:pt>
+                <c:pt idx="10">
+                  <c:v>362</c:v>
+                </c:pt>
+                <c:pt idx="11">
+                  <c:v>326</c:v>
+                </c:pt>
+                <c:pt idx="12">
+                  <c:v>302</c:v>
+                </c:pt>
+                <c:pt idx="13">
+                  <c:v>290</c:v>
+                </c:pt>
+                <c:pt idx="14">
+                  <c:v>301</c:v>
+                </c:pt>
+                <c:pt idx="15">
+                  <c:v>284</c:v>
+                </c:pt>
+                <c:pt idx="16">
+                  <c:v>280</c:v>
+                </c:pt>
+                <c:pt idx="17">
+                  <c:v>246</c:v>
+                </c:pt>
+                <c:pt idx="18">
+                  <c:v>227</c:v>
+                </c:pt>
+                <c:pt idx="19">
+                  <c:v>197</c:v>
+                </c:pt>
+                <c:pt idx="20">
+                  <c:v>169</c:v>
+                </c:pt>
+                <c:pt idx="21">
+                  <c:v>162</c:v>
+                </c:pt>
+                <c:pt idx="22">
+                  <c:v>188</c:v>
+                </c:pt>
+                <c:pt idx="23">
+                  <c:v>191</c:v>
+                </c:pt>
+                <c:pt idx="24">
+                  <c:v>197</c:v>
+                </c:pt>
+                <c:pt idx="25">
+                  <c:v>197</c:v>
+                </c:pt>
+                <c:pt idx="26">
+                  <c:v>206</c:v>
+                </c:pt>
+                <c:pt idx="27">
+                  <c:v>227</c:v>
+                </c:pt>
+                <c:pt idx="28">
+                  <c:v>215</c:v>
+                </c:pt>
+                <c:pt idx="29">
+                  <c:v>210</c:v>
+                </c:pt>
+                <c:pt idx="30">
+                  <c:v>176</c:v>
+                </c:pt>
+                <c:pt idx="31">
+                  <c:v>154</c:v>
+                </c:pt>
+                <c:pt idx="32">
+                  <c:v>146</c:v>
+                </c:pt>
+                <c:pt idx="33">
+                  <c:v>147</c:v>
+                </c:pt>
+                <c:pt idx="34">
+                  <c:v>128</c:v>
+                </c:pt>
+                <c:pt idx="35">
+                  <c:v>131</c:v>
+                </c:pt>
+                <c:pt idx="36">
+                  <c:v>152</c:v>
+                </c:pt>
+                <c:pt idx="37">
+                  <c:v>162</c:v>
+                </c:pt>
+                <c:pt idx="38">
+                  <c:v>160</c:v>
+                </c:pt>
+                <c:pt idx="39">
+                  <c:v>172</c:v>
+                </c:pt>
+                <c:pt idx="40">
+                  <c:v>163</c:v>
+                </c:pt>
+                <c:pt idx="41">
+                  <c:v>163</c:v>
+                </c:pt>
+                <c:pt idx="42">
+                  <c:v>164</c:v>
+                </c:pt>
+                <c:pt idx="43">
+                  <c:v>158</c:v>
+                </c:pt>
+                <c:pt idx="44">
+                  <c:v>140</c:v>
+                </c:pt>
+                <c:pt idx="45">
+                  <c:v>128</c:v>
+                </c:pt>
+                <c:pt idx="46">
+                  <c:v>117</c:v>
+                </c:pt>
+                <c:pt idx="47">
+                  <c:v>118</c:v>
+                </c:pt>
+                <c:pt idx="48">
+                  <c:v>136</c:v>
+                </c:pt>
+                <c:pt idx="49">
+                  <c:v>134</c:v>
+                </c:pt>
+                <c:pt idx="50">
+                  <c:v>133</c:v>
+                </c:pt>
+                <c:pt idx="51">
+                  <c:v>149</c:v>
+                </c:pt>
+                <c:pt idx="52">
+                  <c:v>146</c:v>
+                </c:pt>
+                <c:pt idx="53">
+                  <c:v>121</c:v>
+                </c:pt>
+                <c:pt idx="54">
+                  <c:v>141</c:v>
+                </c:pt>
+                <c:pt idx="55">
+                  <c:v>135</c:v>
+                </c:pt>
+                <c:pt idx="56">
+                  <c:v>146</c:v>
+                </c:pt>
+                <c:pt idx="57">
+                  <c:v>148</c:v>
+                </c:pt>
+                <c:pt idx="58">
+                  <c:v>159</c:v>
+                </c:pt>
+                <c:pt idx="59">
+                  <c:v>147</c:v>
+                </c:pt>
+                <c:pt idx="60">
+                  <c:v>131</c:v>
+                </c:pt>
+                <c:pt idx="61">
+                  <c:v>122</c:v>
+                </c:pt>
+                <c:pt idx="62">
+                  <c:v>109</c:v>
+                </c:pt>
+                <c:pt idx="63">
+                  <c:v>112</c:v>
+                </c:pt>
+                <c:pt idx="64">
+                  <c:v>124</c:v>
+                </c:pt>
+                <c:pt idx="65">
+                  <c:v>128</c:v>
+                </c:pt>
+                <c:pt idx="66">
+                  <c:v>118</c:v>
+                </c:pt>
+                <c:pt idx="67">
+                  <c:v>127</c:v>
+                </c:pt>
+                <c:pt idx="68">
+                  <c:v>130</c:v>
+                </c:pt>
+                <c:pt idx="69">
+                  <c:v>132</c:v>
+                </c:pt>
+                <c:pt idx="70">
+                  <c:v>134</c:v>
+                </c:pt>
+                <c:pt idx="71">
+                  <c:v>131</c:v>
+                </c:pt>
+                <c:pt idx="72">
+                  <c:v>120</c:v>
+                </c:pt>
+                <c:pt idx="73">
+                  <c:v>107</c:v>
+                </c:pt>
+                <c:pt idx="74">
+                  <c:v>113</c:v>
+                </c:pt>
+                <c:pt idx="75">
+                  <c:v>108</c:v>
+                </c:pt>
+                <c:pt idx="76">
+                  <c:v>98</c:v>
+                </c:pt>
+                <c:pt idx="77">
+                  <c:v>114</c:v>
+                </c:pt>
+                <c:pt idx="78">
+                  <c:v>119</c:v>
+                </c:pt>
+                <c:pt idx="79">
+                  <c:v>129</c:v>
+                </c:pt>
+                <c:pt idx="80">
+                  <c:v>142</c:v>
+                </c:pt>
+                <c:pt idx="81">
+                  <c:v>127</c:v>
+                </c:pt>
+                <c:pt idx="82">
+                  <c:v>108</c:v>
+                </c:pt>
+                <c:pt idx="83">
+                  <c:v>106</c:v>
+                </c:pt>
+                <c:pt idx="84">
+                  <c:v>106</c:v>
+                </c:pt>
+                <c:pt idx="85">
+                  <c:v>108</c:v>
+                </c:pt>
+                <c:pt idx="86">
+                  <c:v>101</c:v>
+                </c:pt>
+                <c:pt idx="87">
+                  <c:v>103</c:v>
+                </c:pt>
+                <c:pt idx="88">
+                  <c:v>99</c:v>
+                </c:pt>
+                <c:pt idx="89">
+                  <c:v>105</c:v>
+                </c:pt>
+                <c:pt idx="90">
+                  <c:v>103</c:v>
+                </c:pt>
+                <c:pt idx="91">
+                  <c:v>119</c:v>
+                </c:pt>
+                <c:pt idx="92">
+                  <c:v>121</c:v>
+                </c:pt>
+                <c:pt idx="93">
+                  <c:v>117</c:v>
+                </c:pt>
+                <c:pt idx="94">
+                  <c:v>110</c:v>
+                </c:pt>
+                <c:pt idx="95">
+                  <c:v>118</c:v>
+                </c:pt>
+                <c:pt idx="96">
+                  <c:v>113</c:v>
+                </c:pt>
+                <c:pt idx="97">
+                  <c:v>110</c:v>
+                </c:pt>
+                <c:pt idx="98">
+                  <c:v>97</c:v>
+                </c:pt>
+                <c:pt idx="99">
+                  <c:v>102</c:v>
+                </c:pt>
+                <c:pt idx="100">
+                  <c:v>112</c:v>
+                </c:pt>
+                <c:pt idx="101">
+                  <c:v>97</c:v>
+                </c:pt>
+                <c:pt idx="102">
+                  <c:v>101</c:v>
+                </c:pt>
+                <c:pt idx="103">
+                  <c:v>94</c:v>
+                </c:pt>
+                <c:pt idx="104">
+                  <c:v>86</c:v>
+                </c:pt>
+                <c:pt idx="105">
+                  <c:v>99</c:v>
+                </c:pt>
+                <c:pt idx="106">
+                  <c:v>106</c:v>
+                </c:pt>
+                <c:pt idx="107">
+                  <c:v>107</c:v>
+                </c:pt>
+                <c:pt idx="108">
+                  <c:v>107</c:v>
+                </c:pt>
+                <c:pt idx="109">
+                  <c:v>124</c:v>
+                </c:pt>
+                <c:pt idx="110">
+                  <c:v>122</c:v>
+                </c:pt>
+                <c:pt idx="111">
+                  <c:v>132</c:v>
+                </c:pt>
+                <c:pt idx="112">
+                  <c:v>137</c:v>
+                </c:pt>
+                <c:pt idx="113">
+                  <c:v>118</c:v>
+                </c:pt>
+                <c:pt idx="114">
+                  <c:v>118</c:v>
+                </c:pt>
+                <c:pt idx="115">
+                  <c:v>99</c:v>
+                </c:pt>
+                <c:pt idx="116">
+                  <c:v>94</c:v>
+                </c:pt>
+                <c:pt idx="117">
+                  <c:v>95</c:v>
+                </c:pt>
+                <c:pt idx="118">
+                  <c:v>78</c:v>
+                </c:pt>
+                <c:pt idx="119">
+                  <c:v>70</c:v>
+                </c:pt>
+                <c:pt idx="120">
+                  <c:v>66</c:v>
+                </c:pt>
+                <c:pt idx="121">
+                  <c:v>84</c:v>
+                </c:pt>
+                <c:pt idx="122">
+                  <c:v>94</c:v>
+                </c:pt>
+                <c:pt idx="123">
+                  <c:v>110</c:v>
+                </c:pt>
+                <c:pt idx="124">
+                  <c:v>117</c:v>
+                </c:pt>
+                <c:pt idx="125">
+                  <c:v>120</c:v>
+                </c:pt>
+                <c:pt idx="126">
+                  <c:v>128</c:v>
+                </c:pt>
+                <c:pt idx="127">
+                  <c:v>124</c:v>
+                </c:pt>
+                <c:pt idx="128">
+                  <c:v>130</c:v>
+                </c:pt>
+                <c:pt idx="129">
+                  <c:v>125</c:v>
+                </c:pt>
+                <c:pt idx="130">
+                  <c:v>106</c:v>
+                </c:pt>
+                <c:pt idx="131">
+                  <c:v>83</c:v>
+                </c:pt>
+                <c:pt idx="132">
+                  <c:v>80</c:v>
+                </c:pt>
+                <c:pt idx="133">
+                  <c:v>64</c:v>
+                </c:pt>
+                <c:pt idx="134">
+                  <c:v>71</c:v>
+                </c:pt>
+                <c:pt idx="135">
+                  <c:v>72</c:v>
+                </c:pt>
+                <c:pt idx="136">
+                  <c:v>59</c:v>
+                </c:pt>
+                <c:pt idx="137">
+                  <c:v>56</c:v>
+                </c:pt>
+                <c:pt idx="138">
+                  <c:v>51</c:v>
+                </c:pt>
+                <c:pt idx="139">
+                  <c:v>72</c:v>
+                </c:pt>
+                <c:pt idx="140">
+                  <c:v>84</c:v>
+                </c:pt>
+                <c:pt idx="141">
+                  <c:v>102</c:v>
+                </c:pt>
+                <c:pt idx="142">
+                  <c:v>132</c:v>
+                </c:pt>
+                <c:pt idx="143">
+                  <c:v>167</c:v>
+                </c:pt>
+                <c:pt idx="144">
+                  <c:v>182</c:v>
+                </c:pt>
+                <c:pt idx="145">
+                  <c:v>164</c:v>
+                </c:pt>
+                <c:pt idx="146">
+                  <c:v>143</c:v>
+                </c:pt>
+                <c:pt idx="147">
+                  <c:v>134</c:v>
+                </c:pt>
+                <c:pt idx="148">
+                  <c:v>97</c:v>
+                </c:pt>
+                <c:pt idx="149">
+                  <c:v>72</c:v>
+                </c:pt>
+                <c:pt idx="150">
+                  <c:v>65</c:v>
+                </c:pt>
+                <c:pt idx="151">
+                  <c:v>54</c:v>
+                </c:pt>
+                <c:pt idx="152">
+                  <c:v>57</c:v>
+                </c:pt>
+                <c:pt idx="153">
+                  <c:v>61</c:v>
+                </c:pt>
+                <c:pt idx="154">
+                  <c:v>70</c:v>
+                </c:pt>
+                <c:pt idx="155">
+                  <c:v>81</c:v>
+                </c:pt>
+                <c:pt idx="156">
+                  <c:v>106</c:v>
+                </c:pt>
+                <c:pt idx="157">
+                  <c:v>119</c:v>
+                </c:pt>
+                <c:pt idx="158">
+                  <c:v>135</c:v>
+                </c:pt>
+                <c:pt idx="159">
+                  <c:v>160</c:v>
+                </c:pt>
+                <c:pt idx="160">
+                  <c:v>173</c:v>
+                </c:pt>
+                <c:pt idx="161">
+                  <c:v>195</c:v>
+                </c:pt>
+                <c:pt idx="162">
+                  <c:v>168</c:v>
+                </c:pt>
+                <c:pt idx="163">
+                  <c:v>129</c:v>
+                </c:pt>
+                <c:pt idx="164">
+                  <c:v>95</c:v>
+                </c:pt>
+                <c:pt idx="165">
+                  <c:v>77</c:v>
+                </c:pt>
+                <c:pt idx="166">
+                  <c:v>46</c:v>
+                </c:pt>
+                <c:pt idx="167">
+                  <c:v>39</c:v>
+                </c:pt>
+                <c:pt idx="168">
+                  <c:v>34</c:v>
+                </c:pt>
+                <c:pt idx="169">
+                  <c:v>30</c:v>
+                </c:pt>
+                <c:pt idx="170">
+                  <c:v>37</c:v>
+                </c:pt>
+                <c:pt idx="171">
+                  <c:v>51</c:v>
+                </c:pt>
+                <c:pt idx="172">
+                  <c:v>69</c:v>
+                </c:pt>
+                <c:pt idx="173">
+                  <c:v>109</c:v>
+                </c:pt>
+                <c:pt idx="174">
+                  <c:v>139</c:v>
+                </c:pt>
+                <c:pt idx="175">
+                  <c:v>173</c:v>
+                </c:pt>
+                <c:pt idx="176">
+                  <c:v>181</c:v>
+                </c:pt>
+                <c:pt idx="177">
+                  <c:v>179</c:v>
+                </c:pt>
+                <c:pt idx="178">
+                  <c:v>142</c:v>
+                </c:pt>
+                <c:pt idx="179">
+                  <c:v>117</c:v>
+                </c:pt>
+                <c:pt idx="180">
+                  <c:v>83</c:v>
+                </c:pt>
+                <c:pt idx="181">
+                  <c:v>53</c:v>
+                </c:pt>
+                <c:pt idx="182">
+                  <c:v>41</c:v>
+                </c:pt>
+                <c:pt idx="183">
+                  <c:v>26</c:v>
+                </c:pt>
+                <c:pt idx="184">
+                  <c:v>20</c:v>
+                </c:pt>
+                <c:pt idx="185">
+                  <c:v>27</c:v>
+                </c:pt>
+                <c:pt idx="186">
+                  <c:v>39</c:v>
+                </c:pt>
+                <c:pt idx="187">
+                  <c:v>44</c:v>
+                </c:pt>
+                <c:pt idx="188">
+                  <c:v>62</c:v>
+                </c:pt>
+                <c:pt idx="189">
+                  <c:v>81</c:v>
+                </c:pt>
+                <c:pt idx="190">
+                  <c:v>125</c:v>
+                </c:pt>
+                <c:pt idx="191">
+                  <c:v>154</c:v>
+                </c:pt>
+                <c:pt idx="192">
+                  <c:v>175</c:v>
+                </c:pt>
+                <c:pt idx="193">
+                  <c:v>184</c:v>
+                </c:pt>
+                <c:pt idx="194">
+                  <c:v>171</c:v>
+                </c:pt>
+                <c:pt idx="195">
+                  <c:v>141</c:v>
+                </c:pt>
+                <c:pt idx="196">
+                  <c:v>124</c:v>
+                </c:pt>
+                <c:pt idx="197">
+                  <c:v>82</c:v>
+                </c:pt>
+                <c:pt idx="198">
+                  <c:v>59</c:v>
+                </c:pt>
+                <c:pt idx="199">
+                  <c:v>47</c:v>
+                </c:pt>
+                <c:pt idx="200">
+                  <c:v>34</c:v>
+                </c:pt>
+                <c:pt idx="201">
+                  <c:v>22</c:v>
+                </c:pt>
+                <c:pt idx="202">
+                  <c:v>27</c:v>
+                </c:pt>
+                <c:pt idx="203">
+                  <c:v>31</c:v>
+                </c:pt>
+                <c:pt idx="204">
+                  <c:v>35</c:v>
+                </c:pt>
+                <c:pt idx="205">
+                  <c:v>53</c:v>
+                </c:pt>
+                <c:pt idx="206">
+                  <c:v>82</c:v>
+                </c:pt>
+                <c:pt idx="207">
+                  <c:v>130</c:v>
+                </c:pt>
+                <c:pt idx="208">
+                  <c:v>166</c:v>
+                </c:pt>
+                <c:pt idx="209">
+                  <c:v>202</c:v>
+                </c:pt>
+                <c:pt idx="210">
+                  <c:v>201</c:v>
+                </c:pt>
+                <c:pt idx="211">
+                  <c:v>159</c:v>
+                </c:pt>
+                <c:pt idx="212">
+                  <c:v>148</c:v>
+                </c:pt>
+                <c:pt idx="213">
+                  <c:v>118</c:v>
+                </c:pt>
+                <c:pt idx="214">
+                  <c:v>89</c:v>
+                </c:pt>
+                <c:pt idx="215">
+                  <c:v>67</c:v>
+                </c:pt>
+                <c:pt idx="216">
+                  <c:v>44</c:v>
+                </c:pt>
+                <c:pt idx="217">
+                  <c:v>31</c:v>
+                </c:pt>
+                <c:pt idx="218">
+                  <c:v>33</c:v>
+                </c:pt>
+                <c:pt idx="219">
+                  <c:v>18</c:v>
+                </c:pt>
+                <c:pt idx="220">
+                  <c:v>20</c:v>
+                </c:pt>
+                <c:pt idx="221">
+                  <c:v>29</c:v>
+                </c:pt>
+                <c:pt idx="222">
+                  <c:v>37</c:v>
+                </c:pt>
+                <c:pt idx="223">
+                  <c:v>65</c:v>
+                </c:pt>
+                <c:pt idx="224">
+                  <c:v>116</c:v>
+                </c:pt>
+                <c:pt idx="225">
+                  <c:v>179</c:v>
+                </c:pt>
+                <c:pt idx="226">
+                  <c:v>240</c:v>
+                </c:pt>
+                <c:pt idx="227">
+                  <c:v>228</c:v>
+                </c:pt>
+                <c:pt idx="228">
+                  <c:v>193</c:v>
+                </c:pt>
+                <c:pt idx="229">
+                  <c:v>145</c:v>
+                </c:pt>
+                <c:pt idx="230">
+                  <c:v>95</c:v>
+                </c:pt>
+                <c:pt idx="231">
+                  <c:v>59</c:v>
+                </c:pt>
+                <c:pt idx="232">
+                  <c:v>36</c:v>
+                </c:pt>
+                <c:pt idx="233">
+                  <c:v>21</c:v>
+                </c:pt>
+                <c:pt idx="234">
+                  <c:v>9</c:v>
+                </c:pt>
+                <c:pt idx="235">
+                  <c:v>6</c:v>
+                </c:pt>
+                <c:pt idx="236">
+                  <c:v>2</c:v>
+                </c:pt>
+                <c:pt idx="237">
+                  <c:v>2</c:v>
+                </c:pt>
+                <c:pt idx="238">
+                  <c:v>2</c:v>
+                </c:pt>
+                <c:pt idx="239">
+                  <c:v>2</c:v>
+                </c:pt>
+                <c:pt idx="240">
+                  <c:v>6</c:v>
+                </c:pt>
+                <c:pt idx="241">
+                  <c:v>11</c:v>
+                </c:pt>
+                <c:pt idx="242">
+                  <c:v>22</c:v>
+                </c:pt>
+                <c:pt idx="243">
+                  <c:v>40</c:v>
+                </c:pt>
+                <c:pt idx="244">
+                  <c:v>73</c:v>
+                </c:pt>
+                <c:pt idx="245">
+                  <c:v>116</c:v>
+                </c:pt>
+                <c:pt idx="246">
+                  <c:v>192</c:v>
+                </c:pt>
+                <c:pt idx="247">
+                  <c:v>252</c:v>
+                </c:pt>
+                <c:pt idx="248">
+                  <c:v>255</c:v>
+                </c:pt>
+                <c:pt idx="249">
+                  <c:v>216</c:v>
+                </c:pt>
+                <c:pt idx="250">
+                  <c:v>140</c:v>
+                </c:pt>
+                <c:pt idx="251">
+                  <c:v>93</c:v>
+                </c:pt>
+                <c:pt idx="252">
+                  <c:v>39</c:v>
+                </c:pt>
+                <c:pt idx="253">
+                  <c:v>19</c:v>
+                </c:pt>
+                <c:pt idx="254">
+                  <c:v>11</c:v>
+                </c:pt>
+                <c:pt idx="255">
+                  <c:v>5</c:v>
+                </c:pt>
+                <c:pt idx="256">
+                  <c:v>3</c:v>
+                </c:pt>
+                <c:pt idx="257">
+                  <c:v>0</c:v>
+                </c:pt>
+                <c:pt idx="258">
+                  <c:v>0</c:v>
+                </c:pt>
+                <c:pt idx="259">
+                  <c:v>0</c:v>
+                </c:pt>
+                <c:pt idx="260">
+                  <c:v>0</c:v>
+                </c:pt>
+                <c:pt idx="261">
+                  <c:v>0</c:v>
+                </c:pt>
+                <c:pt idx="262">
+                  <c:v>0</c:v>
+                </c:pt>
+                <c:pt idx="263">
+                  <c:v>0</c:v>
+                </c:pt>
+                <c:pt idx="264">
+                  <c:v>0</c:v>
+                </c:pt>
+                <c:pt idx="265">
+                  <c:v>0</c:v>
+                </c:pt>
+                <c:pt idx="266">
+                  <c:v>0</c:v>
+                </c:pt>
+                <c:pt idx="267">
+                  <c:v>0</c:v>
+                </c:pt>
+                <c:pt idx="268">
+                  <c:v>0</c:v>
+                </c:pt>
+                <c:pt idx="269">
+                  <c:v>0</c:v>
+                </c:pt>
+                <c:pt idx="270">
+                  <c:v>0</c:v>
+                </c:pt>
+                <c:pt idx="271">
+                  <c:v>0</c:v>
+                </c:pt>
+                <c:pt idx="272">
+                  <c:v>0</c:v>
+                </c:pt>
+                <c:pt idx="273">
+                  <c:v>0</c:v>
+                </c:pt>
+                <c:pt idx="274">
+                  <c:v>0</c:v>
+                </c:pt>
+                <c:pt idx="275">
+                  <c:v>0</c:v>
+                </c:pt>
+                <c:pt idx="276">
+                  <c:v>0</c:v>
+                </c:pt>
+                <c:pt idx="277">
+                  <c:v>0</c:v>
+                </c:pt>
+              </c:numCache>
+            </c:numRef>
+          </c:val>
+          <c:smooth val="0"/>
+        </c:ser>
+        <c:ser>
+          <c:idx val="1"/>
+          <c:order val="1"/>
+          <c:tx>
+            <c:strRef>
+              <c:f>hasVirus!$C$1</c:f>
+              <c:strCache>
+                <c:ptCount val="1"/>
+                <c:pt idx="0">
+                  <c:v>ウイルス２</c:v>
+                </c:pt>
+              </c:strCache>
+            </c:strRef>
+          </c:tx>
+          <c:marker>
+            <c:symbol val="none"/>
+          </c:marker>
+          <c:val>
+            <c:numRef>
+              <c:f>hasVirus!$C$2:$C$279</c:f>
+              <c:numCache>
+                <c:formatCode>General</c:formatCode>
+                <c:ptCount val="278"/>
+                <c:pt idx="0">
+                  <c:v>275</c:v>
+                </c:pt>
+                <c:pt idx="1">
+                  <c:v>446</c:v>
+                </c:pt>
+                <c:pt idx="2">
+                  <c:v>474</c:v>
+                </c:pt>
+                <c:pt idx="3">
+                  <c:v>437</c:v>
+                </c:pt>
+                <c:pt idx="4">
+                  <c:v>378</c:v>
+                </c:pt>
+                <c:pt idx="5">
+                  <c:v>342</c:v>
+                </c:pt>
+                <c:pt idx="6">
+                  <c:v>356</c:v>
+                </c:pt>
+                <c:pt idx="7">
+                  <c:v>383</c:v>
+                </c:pt>
+                <c:pt idx="8">
+                  <c:v>421</c:v>
+                </c:pt>
+                <c:pt idx="9">
+                  <c:v>409</c:v>
+                </c:pt>
+                <c:pt idx="10">
+                  <c:v>368</c:v>
+                </c:pt>
+                <c:pt idx="11">
+                  <c:v>325</c:v>
+                </c:pt>
+                <c:pt idx="12">
+                  <c:v>257</c:v>
+                </c:pt>
+                <c:pt idx="13">
+                  <c:v>222</c:v>
+                </c:pt>
+                <c:pt idx="14">
+                  <c:v>208</c:v>
+                </c:pt>
+                <c:pt idx="15">
+                  <c:v>211</c:v>
+                </c:pt>
+                <c:pt idx="16">
+                  <c:v>226</c:v>
+                </c:pt>
+                <c:pt idx="17">
+                  <c:v>231</c:v>
+                </c:pt>
+                <c:pt idx="18">
+                  <c:v>231</c:v>
+                </c:pt>
+                <c:pt idx="19">
+                  <c:v>218</c:v>
+                </c:pt>
+                <c:pt idx="20">
+                  <c:v>234</c:v>
+                </c:pt>
+                <c:pt idx="21">
+                  <c:v>229</c:v>
+                </c:pt>
+                <c:pt idx="22">
+                  <c:v>209</c:v>
+                </c:pt>
+                <c:pt idx="23">
+                  <c:v>199</c:v>
+                </c:pt>
+                <c:pt idx="24">
+                  <c:v>170</c:v>
+                </c:pt>
+                <c:pt idx="25">
+                  <c:v>166</c:v>
+                </c:pt>
+                <c:pt idx="26">
+                  <c:v>163</c:v>
+                </c:pt>
+                <c:pt idx="27">
+                  <c:v>162</c:v>
+                </c:pt>
+                <c:pt idx="28">
+                  <c:v>161</c:v>
+                </c:pt>
+                <c:pt idx="29">
+                  <c:v>172</c:v>
+                </c:pt>
+                <c:pt idx="30">
+                  <c:v>174</c:v>
+                </c:pt>
+                <c:pt idx="31">
+                  <c:v>187</c:v>
+                </c:pt>
+                <c:pt idx="32">
+                  <c:v>188</c:v>
+                </c:pt>
+                <c:pt idx="33">
+                  <c:v>200</c:v>
+                </c:pt>
+                <c:pt idx="34">
+                  <c:v>181</c:v>
+                </c:pt>
+                <c:pt idx="35">
+                  <c:v>164</c:v>
+                </c:pt>
+                <c:pt idx="36">
+                  <c:v>146</c:v>
+                </c:pt>
+                <c:pt idx="37">
+                  <c:v>138</c:v>
+                </c:pt>
+                <c:pt idx="38">
+                  <c:v>121</c:v>
+                </c:pt>
+                <c:pt idx="39">
+                  <c:v>122</c:v>
+                </c:pt>
+                <c:pt idx="40">
+                  <c:v>111</c:v>
+                </c:pt>
+                <c:pt idx="41">
+                  <c:v>125</c:v>
+                </c:pt>
+                <c:pt idx="42">
+                  <c:v>138</c:v>
+                </c:pt>
+                <c:pt idx="43">
+                  <c:v>138</c:v>
+                </c:pt>
+                <c:pt idx="44">
+                  <c:v>149</c:v>
+                </c:pt>
+                <c:pt idx="45">
+                  <c:v>161</c:v>
+                </c:pt>
+                <c:pt idx="46">
+                  <c:v>167</c:v>
+                </c:pt>
+                <c:pt idx="47">
+                  <c:v>152</c:v>
+                </c:pt>
+                <c:pt idx="48">
+                  <c:v>155</c:v>
+                </c:pt>
+                <c:pt idx="49">
+                  <c:v>142</c:v>
+                </c:pt>
+                <c:pt idx="50">
+                  <c:v>130</c:v>
+                </c:pt>
+                <c:pt idx="51">
+                  <c:v>138</c:v>
+                </c:pt>
+                <c:pt idx="52">
+                  <c:v>150</c:v>
+                </c:pt>
+                <c:pt idx="53">
+                  <c:v>141</c:v>
+                </c:pt>
+                <c:pt idx="54">
+                  <c:v>136</c:v>
+                </c:pt>
+                <c:pt idx="55">
+                  <c:v>139</c:v>
+                </c:pt>
+                <c:pt idx="56">
+                  <c:v>119</c:v>
+                </c:pt>
+                <c:pt idx="57">
+                  <c:v>126</c:v>
+                </c:pt>
+                <c:pt idx="58">
+                  <c:v>126</c:v>
+                </c:pt>
+                <c:pt idx="59">
+                  <c:v>124</c:v>
+                </c:pt>
+                <c:pt idx="60">
+                  <c:v>126</c:v>
+                </c:pt>
+                <c:pt idx="61">
+                  <c:v>135</c:v>
+                </c:pt>
+                <c:pt idx="62">
+                  <c:v>133</c:v>
+                </c:pt>
+                <c:pt idx="63">
+                  <c:v>128</c:v>
+                </c:pt>
+                <c:pt idx="64">
+                  <c:v>119</c:v>
+                </c:pt>
+                <c:pt idx="65">
+                  <c:v>103</c:v>
+                </c:pt>
+                <c:pt idx="66">
+                  <c:v>117</c:v>
+                </c:pt>
+                <c:pt idx="67">
+                  <c:v>126</c:v>
+                </c:pt>
+                <c:pt idx="68">
+                  <c:v>115</c:v>
+                </c:pt>
+                <c:pt idx="69">
+                  <c:v>113</c:v>
+                </c:pt>
+                <c:pt idx="70">
+                  <c:v>113</c:v>
+                </c:pt>
+                <c:pt idx="71">
+                  <c:v>108</c:v>
+                </c:pt>
+                <c:pt idx="72">
+                  <c:v>124</c:v>
+                </c:pt>
+                <c:pt idx="73">
+                  <c:v>129</c:v>
+                </c:pt>
+                <c:pt idx="74">
+                  <c:v>118</c:v>
+                </c:pt>
+                <c:pt idx="75">
+                  <c:v>118</c:v>
+                </c:pt>
+                <c:pt idx="76">
+                  <c:v>121</c:v>
+                </c:pt>
+                <c:pt idx="77">
+                  <c:v>121</c:v>
+                </c:pt>
+                <c:pt idx="78">
+                  <c:v>115</c:v>
+                </c:pt>
+                <c:pt idx="79">
+                  <c:v>115</c:v>
+                </c:pt>
+                <c:pt idx="80">
+                  <c:v>115</c:v>
+                </c:pt>
+                <c:pt idx="81">
+                  <c:v>116</c:v>
+                </c:pt>
+                <c:pt idx="82">
+                  <c:v>119</c:v>
+                </c:pt>
+                <c:pt idx="83">
+                  <c:v>141</c:v>
+                </c:pt>
+                <c:pt idx="84">
+                  <c:v>119</c:v>
+                </c:pt>
+                <c:pt idx="85">
+                  <c:v>96</c:v>
+                </c:pt>
+                <c:pt idx="86">
+                  <c:v>97</c:v>
+                </c:pt>
+                <c:pt idx="87">
+                  <c:v>98</c:v>
+                </c:pt>
+                <c:pt idx="88">
+                  <c:v>111</c:v>
+                </c:pt>
+                <c:pt idx="89">
+                  <c:v>111</c:v>
+                </c:pt>
+                <c:pt idx="90">
+                  <c:v>104</c:v>
+                </c:pt>
+                <c:pt idx="91">
+                  <c:v>98</c:v>
+                </c:pt>
+                <c:pt idx="92">
+                  <c:v>103</c:v>
+                </c:pt>
+                <c:pt idx="93">
+                  <c:v>91</c:v>
+                </c:pt>
+                <c:pt idx="94">
+                  <c:v>92</c:v>
+                </c:pt>
+                <c:pt idx="95">
+                  <c:v>96</c:v>
+                </c:pt>
+                <c:pt idx="96">
+                  <c:v>97</c:v>
+                </c:pt>
+                <c:pt idx="97">
+                  <c:v>114</c:v>
+                </c:pt>
+                <c:pt idx="98">
+                  <c:v>133</c:v>
+                </c:pt>
+                <c:pt idx="99">
+                  <c:v>141</c:v>
+                </c:pt>
+                <c:pt idx="100">
+                  <c:v>135</c:v>
+                </c:pt>
+                <c:pt idx="101">
+                  <c:v>121</c:v>
+                </c:pt>
+                <c:pt idx="102">
+                  <c:v>117</c:v>
+                </c:pt>
+                <c:pt idx="103">
+                  <c:v>125</c:v>
+                </c:pt>
+                <c:pt idx="104">
+                  <c:v>100</c:v>
+                </c:pt>
+                <c:pt idx="105">
+                  <c:v>94</c:v>
+                </c:pt>
+                <c:pt idx="106">
+                  <c:v>96</c:v>
+                </c:pt>
+                <c:pt idx="107">
+                  <c:v>93</c:v>
+                </c:pt>
+                <c:pt idx="108">
+                  <c:v>94</c:v>
+                </c:pt>
+                <c:pt idx="109">
+                  <c:v>83</c:v>
+                </c:pt>
+                <c:pt idx="110">
+                  <c:v>82</c:v>
+                </c:pt>
+                <c:pt idx="111">
+                  <c:v>86</c:v>
+                </c:pt>
+                <c:pt idx="112">
+                  <c:v>92</c:v>
+                </c:pt>
+                <c:pt idx="113">
+                  <c:v>87</c:v>
+                </c:pt>
+                <c:pt idx="114">
+                  <c:v>104</c:v>
+                </c:pt>
+                <c:pt idx="115">
+                  <c:v>112</c:v>
+                </c:pt>
+                <c:pt idx="116">
+                  <c:v>127</c:v>
+                </c:pt>
+                <c:pt idx="117">
+                  <c:v>136</c:v>
+                </c:pt>
+                <c:pt idx="118">
+                  <c:v>125</c:v>
+                </c:pt>
+                <c:pt idx="119">
+                  <c:v>142</c:v>
+                </c:pt>
+                <c:pt idx="120">
+                  <c:v>137</c:v>
+                </c:pt>
+                <c:pt idx="121">
+                  <c:v>141</c:v>
+                </c:pt>
+                <c:pt idx="122">
+                  <c:v>113</c:v>
+                </c:pt>
+                <c:pt idx="123">
+                  <c:v>100</c:v>
+                </c:pt>
+                <c:pt idx="124">
+                  <c:v>88</c:v>
+                </c:pt>
+                <c:pt idx="125">
+                  <c:v>83</c:v>
+                </c:pt>
+                <c:pt idx="126">
+                  <c:v>65</c:v>
+                </c:pt>
+                <c:pt idx="127">
+                  <c:v>53</c:v>
+                </c:pt>
+                <c:pt idx="128">
+                  <c:v>55</c:v>
+                </c:pt>
+                <c:pt idx="129">
+                  <c:v>61</c:v>
+                </c:pt>
+                <c:pt idx="130">
+                  <c:v>62</c:v>
+                </c:pt>
+                <c:pt idx="131">
+                  <c:v>81</c:v>
+                </c:pt>
+                <c:pt idx="132">
+                  <c:v>96</c:v>
+                </c:pt>
+                <c:pt idx="133">
+                  <c:v>112</c:v>
+                </c:pt>
+                <c:pt idx="134">
+                  <c:v>124</c:v>
+                </c:pt>
+                <c:pt idx="135">
+                  <c:v>137</c:v>
+                </c:pt>
+                <c:pt idx="136">
+                  <c:v>147</c:v>
+                </c:pt>
+                <c:pt idx="137">
+                  <c:v>139</c:v>
+                </c:pt>
+                <c:pt idx="138">
+                  <c:v>134</c:v>
+                </c:pt>
+                <c:pt idx="139">
+                  <c:v>115</c:v>
+                </c:pt>
+                <c:pt idx="140">
+                  <c:v>101</c:v>
+                </c:pt>
+                <c:pt idx="141">
+                  <c:v>78</c:v>
+                </c:pt>
+                <c:pt idx="142">
+                  <c:v>59</c:v>
+                </c:pt>
+                <c:pt idx="143">
+                  <c:v>58</c:v>
+                </c:pt>
+                <c:pt idx="144">
+                  <c:v>50</c:v>
+                </c:pt>
+                <c:pt idx="145">
+                  <c:v>57</c:v>
+                </c:pt>
+                <c:pt idx="146">
+                  <c:v>55</c:v>
+                </c:pt>
+                <c:pt idx="147">
+                  <c:v>53</c:v>
+                </c:pt>
+                <c:pt idx="148">
+                  <c:v>80</c:v>
+                </c:pt>
+                <c:pt idx="149">
+                  <c:v>84</c:v>
+                </c:pt>
+                <c:pt idx="150">
+                  <c:v>125</c:v>
+                </c:pt>
+                <c:pt idx="151">
+                  <c:v>162</c:v>
+                </c:pt>
+                <c:pt idx="152">
+                  <c:v>169</c:v>
+                </c:pt>
+                <c:pt idx="153">
+                  <c:v>185</c:v>
+                </c:pt>
+                <c:pt idx="154">
+                  <c:v>186</c:v>
+                </c:pt>
+                <c:pt idx="155">
+                  <c:v>151</c:v>
+                </c:pt>
+                <c:pt idx="156">
+                  <c:v>119</c:v>
+                </c:pt>
+                <c:pt idx="157">
+                  <c:v>95</c:v>
+                </c:pt>
+                <c:pt idx="158">
+                  <c:v>77</c:v>
+                </c:pt>
+                <c:pt idx="159">
+                  <c:v>59</c:v>
+                </c:pt>
+                <c:pt idx="160">
+                  <c:v>49</c:v>
+                </c:pt>
+                <c:pt idx="161">
+                  <c:v>50</c:v>
+                </c:pt>
+                <c:pt idx="162">
+                  <c:v>53</c:v>
+                </c:pt>
+                <c:pt idx="163">
+                  <c:v>62</c:v>
+                </c:pt>
+                <c:pt idx="164">
+                  <c:v>88</c:v>
+                </c:pt>
+                <c:pt idx="165">
+                  <c:v>104</c:v>
+                </c:pt>
+                <c:pt idx="166">
+                  <c:v>127</c:v>
+                </c:pt>
+                <c:pt idx="167">
+                  <c:v>167</c:v>
+                </c:pt>
+                <c:pt idx="168">
+                  <c:v>176</c:v>
+                </c:pt>
+                <c:pt idx="169">
+                  <c:v>168</c:v>
+                </c:pt>
+                <c:pt idx="170">
+                  <c:v>142</c:v>
+                </c:pt>
+                <c:pt idx="171">
+                  <c:v>124</c:v>
+                </c:pt>
+                <c:pt idx="172">
+                  <c:v>89</c:v>
+                </c:pt>
+                <c:pt idx="173">
+                  <c:v>63</c:v>
+                </c:pt>
+                <c:pt idx="174">
+                  <c:v>50</c:v>
+                </c:pt>
+                <c:pt idx="175">
+                  <c:v>35</c:v>
+                </c:pt>
+                <c:pt idx="176">
+                  <c:v>27</c:v>
+                </c:pt>
+                <c:pt idx="177">
+                  <c:v>34</c:v>
+                </c:pt>
+                <c:pt idx="178">
+                  <c:v>39</c:v>
+                </c:pt>
+                <c:pt idx="179">
+                  <c:v>43</c:v>
+                </c:pt>
+                <c:pt idx="180">
+                  <c:v>57</c:v>
+                </c:pt>
+                <c:pt idx="181">
+                  <c:v>72</c:v>
+                </c:pt>
+                <c:pt idx="182">
+                  <c:v>112</c:v>
+                </c:pt>
+                <c:pt idx="183">
+                  <c:v>160</c:v>
+                </c:pt>
+                <c:pt idx="184">
+                  <c:v>176</c:v>
+                </c:pt>
+                <c:pt idx="185">
+                  <c:v>178</c:v>
+                </c:pt>
+                <c:pt idx="186">
+                  <c:v>172</c:v>
+                </c:pt>
+                <c:pt idx="187">
+                  <c:v>140</c:v>
+                </c:pt>
+                <c:pt idx="188">
+                  <c:v>103</c:v>
+                </c:pt>
+                <c:pt idx="189">
+                  <c:v>75</c:v>
+                </c:pt>
+                <c:pt idx="190">
+                  <c:v>59</c:v>
+                </c:pt>
+                <c:pt idx="191">
+                  <c:v>50</c:v>
+                </c:pt>
+                <c:pt idx="192">
+                  <c:v>42</c:v>
+                </c:pt>
+                <c:pt idx="193">
+                  <c:v>42</c:v>
+                </c:pt>
+                <c:pt idx="194">
+                  <c:v>37</c:v>
+                </c:pt>
+                <c:pt idx="195">
+                  <c:v>39</c:v>
+                </c:pt>
+                <c:pt idx="196">
+                  <c:v>40</c:v>
+                </c:pt>
+                <c:pt idx="197">
+                  <c:v>55</c:v>
+                </c:pt>
+                <c:pt idx="198">
+                  <c:v>75</c:v>
+                </c:pt>
+                <c:pt idx="199">
+                  <c:v>113</c:v>
+                </c:pt>
+                <c:pt idx="200">
+                  <c:v>167</c:v>
+                </c:pt>
+                <c:pt idx="201">
+                  <c:v>181</c:v>
+                </c:pt>
+                <c:pt idx="202">
+                  <c:v>194</c:v>
+                </c:pt>
+                <c:pt idx="203">
+                  <c:v>181</c:v>
+                </c:pt>
+                <c:pt idx="204">
+                  <c:v>152</c:v>
+                </c:pt>
+                <c:pt idx="205">
+                  <c:v>106</c:v>
+                </c:pt>
+                <c:pt idx="206">
+                  <c:v>71</c:v>
+                </c:pt>
+                <c:pt idx="207">
+                  <c:v>50</c:v>
+                </c:pt>
+                <c:pt idx="208">
+                  <c:v>33</c:v>
+                </c:pt>
+                <c:pt idx="209">
+                  <c:v>34</c:v>
+                </c:pt>
+                <c:pt idx="210">
+                  <c:v>37</c:v>
+                </c:pt>
+                <c:pt idx="211">
+                  <c:v>37</c:v>
+                </c:pt>
+                <c:pt idx="212">
+                  <c:v>47</c:v>
+                </c:pt>
+                <c:pt idx="213">
+                  <c:v>56</c:v>
+                </c:pt>
+                <c:pt idx="214">
+                  <c:v>73</c:v>
+                </c:pt>
+                <c:pt idx="215">
+                  <c:v>100</c:v>
+                </c:pt>
+                <c:pt idx="216">
+                  <c:v>136</c:v>
+                </c:pt>
+                <c:pt idx="217">
+                  <c:v>177</c:v>
+                </c:pt>
+                <c:pt idx="218">
+                  <c:v>204</c:v>
+                </c:pt>
+                <c:pt idx="219">
+                  <c:v>188</c:v>
+                </c:pt>
+                <c:pt idx="220">
+                  <c:v>172</c:v>
+                </c:pt>
+                <c:pt idx="221">
+                  <c:v>137</c:v>
+                </c:pt>
+                <c:pt idx="222">
+                  <c:v>80</c:v>
+                </c:pt>
+                <c:pt idx="223">
+                  <c:v>58</c:v>
+                </c:pt>
+                <c:pt idx="224">
+                  <c:v>38</c:v>
+                </c:pt>
+                <c:pt idx="225">
+                  <c:v>17</c:v>
+                </c:pt>
+                <c:pt idx="226">
+                  <c:v>18</c:v>
+                </c:pt>
+                <c:pt idx="227">
+                  <c:v>13</c:v>
+                </c:pt>
+                <c:pt idx="228">
+                  <c:v>13</c:v>
+                </c:pt>
+                <c:pt idx="229">
+                  <c:v>12</c:v>
+                </c:pt>
+                <c:pt idx="230">
+                  <c:v>17</c:v>
+                </c:pt>
+                <c:pt idx="231">
+                  <c:v>31</c:v>
+                </c:pt>
+                <c:pt idx="232">
+                  <c:v>50</c:v>
+                </c:pt>
+                <c:pt idx="233">
+                  <c:v>77</c:v>
+                </c:pt>
+                <c:pt idx="234">
+                  <c:v>117</c:v>
+                </c:pt>
+                <c:pt idx="235">
+                  <c:v>183</c:v>
+                </c:pt>
+                <c:pt idx="236">
+                  <c:v>220</c:v>
+                </c:pt>
+                <c:pt idx="237">
+                  <c:v>221</c:v>
+                </c:pt>
+                <c:pt idx="238">
+                  <c:v>189</c:v>
+                </c:pt>
+                <c:pt idx="239">
+                  <c:v>152</c:v>
+                </c:pt>
+                <c:pt idx="240">
+                  <c:v>105</c:v>
+                </c:pt>
+                <c:pt idx="241">
+                  <c:v>58</c:v>
+                </c:pt>
+                <c:pt idx="242">
+                  <c:v>31</c:v>
+                </c:pt>
+                <c:pt idx="243">
+                  <c:v>14</c:v>
+                </c:pt>
+                <c:pt idx="244">
+                  <c:v>8</c:v>
+                </c:pt>
+                <c:pt idx="245">
+                  <c:v>3</c:v>
+                </c:pt>
+                <c:pt idx="246">
+                  <c:v>3</c:v>
+                </c:pt>
+                <c:pt idx="247">
+                  <c:v>1</c:v>
+                </c:pt>
+                <c:pt idx="248">
+                  <c:v>1</c:v>
+                </c:pt>
+                <c:pt idx="249">
+                  <c:v>0</c:v>
+                </c:pt>
+                <c:pt idx="250">
+                  <c:v>0</c:v>
+                </c:pt>
+                <c:pt idx="251">
+                  <c:v>0</c:v>
+                </c:pt>
+                <c:pt idx="252">
+                  <c:v>0</c:v>
+                </c:pt>
+                <c:pt idx="253">
+                  <c:v>0</c:v>
+                </c:pt>
+                <c:pt idx="254">
+                  <c:v>0</c:v>
+                </c:pt>
+                <c:pt idx="255">
+                  <c:v>0</c:v>
+                </c:pt>
+                <c:pt idx="256">
+                  <c:v>0</c:v>
+                </c:pt>
+                <c:pt idx="257">
+                  <c:v>0</c:v>
+                </c:pt>
+                <c:pt idx="258">
+                  <c:v>0</c:v>
+                </c:pt>
+                <c:pt idx="259">
+                  <c:v>0</c:v>
+                </c:pt>
+                <c:pt idx="260">
+                  <c:v>0</c:v>
+                </c:pt>
+                <c:pt idx="261">
+                  <c:v>0</c:v>
+                </c:pt>
+                <c:pt idx="262">
+                  <c:v>0</c:v>
+                </c:pt>
+                <c:pt idx="263">
+                  <c:v>0</c:v>
+                </c:pt>
+                <c:pt idx="264">
+                  <c:v>0</c:v>
+                </c:pt>
+                <c:pt idx="265">
+                  <c:v>0</c:v>
+                </c:pt>
+                <c:pt idx="266">
+                  <c:v>0</c:v>
+                </c:pt>
+                <c:pt idx="267">
+                  <c:v>0</c:v>
+                </c:pt>
+                <c:pt idx="268">
+                  <c:v>0</c:v>
+                </c:pt>
+                <c:pt idx="269">
+                  <c:v>0</c:v>
+                </c:pt>
+                <c:pt idx="270">
+                  <c:v>0</c:v>
+                </c:pt>
+                <c:pt idx="271">
+                  <c:v>0</c:v>
+                </c:pt>
+                <c:pt idx="272">
+                  <c:v>0</c:v>
+                </c:pt>
+                <c:pt idx="273">
+                  <c:v>0</c:v>
+                </c:pt>
+                <c:pt idx="274">
+                  <c:v>0</c:v>
+                </c:pt>
+                <c:pt idx="275">
+                  <c:v>0</c:v>
+                </c:pt>
+                <c:pt idx="276">
+                  <c:v>0</c:v>
+                </c:pt>
+                <c:pt idx="277">
+                  <c:v>0</c:v>
+                </c:pt>
+              </c:numCache>
+            </c:numRef>
+          </c:val>
+          <c:smooth val="0"/>
+        </c:ser>
+        <c:ser>
+          <c:idx val="2"/>
+          <c:order val="2"/>
+          <c:tx>
+            <c:strRef>
+              <c:f>hasVirus!$D$1</c:f>
+              <c:strCache>
+                <c:ptCount val="1"/>
+                <c:pt idx="0">
+                  <c:v>全ウイルス</c:v>
+                </c:pt>
+              </c:strCache>
+            </c:strRef>
+          </c:tx>
+          <c:marker>
+            <c:symbol val="none"/>
+          </c:marker>
+          <c:val>
+            <c:numRef>
+              <c:f>hasVirus!$D$2:$D$279</c:f>
+              <c:numCache>
+                <c:formatCode>General</c:formatCode>
+                <c:ptCount val="278"/>
+                <c:pt idx="0">
+                  <c:v>0</c:v>
+                </c:pt>
+                <c:pt idx="1">
+                  <c:v>0</c:v>
+                </c:pt>
+                <c:pt idx="2">
+                  <c:v>0</c:v>
+                </c:pt>
+                <c:pt idx="3">
+                  <c:v>0</c:v>
+                </c:pt>
+                <c:pt idx="4">
+                  <c:v>0</c:v>
+                </c:pt>
+                <c:pt idx="5">
+                  <c:v>0</c:v>
+                </c:pt>
+                <c:pt idx="6">
+                  <c:v>0</c:v>
+                </c:pt>
+                <c:pt idx="7">
+                  <c:v>0</c:v>
+                </c:pt>
+                <c:pt idx="8">
+                  <c:v>0</c:v>
+                </c:pt>
+                <c:pt idx="9">
+                  <c:v>0</c:v>
+                </c:pt>
+                <c:pt idx="10">
+                  <c:v>0</c:v>
+                </c:pt>
+                <c:pt idx="11">
+                  <c:v>0</c:v>
+                </c:pt>
+                <c:pt idx="12">
+                  <c:v>0</c:v>
+                </c:pt>
+                <c:pt idx="13">
+                  <c:v>0</c:v>
+                </c:pt>
+                <c:pt idx="14">
+                  <c:v>0</c:v>
+                </c:pt>
+                <c:pt idx="15">
+                  <c:v>0</c:v>
+                </c:pt>
+                <c:pt idx="16">
+                  <c:v>0</c:v>
+                </c:pt>
+                <c:pt idx="17">
+                  <c:v>0</c:v>
+                </c:pt>
+                <c:pt idx="18">
+                  <c:v>0</c:v>
+                </c:pt>
+                <c:pt idx="19">
+                  <c:v>0</c:v>
+                </c:pt>
+                <c:pt idx="20">
+                  <c:v>0</c:v>
+                </c:pt>
+                <c:pt idx="21">
+                  <c:v>0</c:v>
+                </c:pt>
+                <c:pt idx="22">
+                  <c:v>0</c:v>
+                </c:pt>
+                <c:pt idx="23">
+                  <c:v>0</c:v>
+                </c:pt>
+                <c:pt idx="24">
+                  <c:v>0</c:v>
+                </c:pt>
+                <c:pt idx="25">
+                  <c:v>0</c:v>
+                </c:pt>
+                <c:pt idx="26">
+                  <c:v>0</c:v>
+                </c:pt>
+                <c:pt idx="27">
+                  <c:v>0</c:v>
+                </c:pt>
+                <c:pt idx="28">
+                  <c:v>0</c:v>
+                </c:pt>
+                <c:pt idx="29">
+                  <c:v>0</c:v>
+                </c:pt>
+                <c:pt idx="30">
+                  <c:v>0</c:v>
+                </c:pt>
+                <c:pt idx="31">
+                  <c:v>0</c:v>
+                </c:pt>
+                <c:pt idx="32">
+                  <c:v>0</c:v>
+                </c:pt>
+                <c:pt idx="33">
+                  <c:v>0</c:v>
+                </c:pt>
+                <c:pt idx="34">
+                  <c:v>0</c:v>
+                </c:pt>
+                <c:pt idx="35">
+                  <c:v>0</c:v>
+                </c:pt>
+                <c:pt idx="36">
+                  <c:v>0</c:v>
+                </c:pt>
+                <c:pt idx="37">
+                  <c:v>0</c:v>
+                </c:pt>
+                <c:pt idx="38">
+                  <c:v>0</c:v>
+                </c:pt>
+                <c:pt idx="39">
+                  <c:v>0</c:v>
+                </c:pt>
+                <c:pt idx="40">
+                  <c:v>0</c:v>
+                </c:pt>
+                <c:pt idx="41">
+                  <c:v>0</c:v>
+                </c:pt>
+                <c:pt idx="42">
+                  <c:v>0</c:v>
+                </c:pt>
+                <c:pt idx="43">
+                  <c:v>0</c:v>
+                </c:pt>
+                <c:pt idx="44">
+                  <c:v>0</c:v>
+                </c:pt>
+                <c:pt idx="45">
+                  <c:v>0</c:v>
+                </c:pt>
+                <c:pt idx="46">
+                  <c:v>0</c:v>
+                </c:pt>
+                <c:pt idx="47">
+                  <c:v>0</c:v>
+                </c:pt>
+                <c:pt idx="48">
+                  <c:v>0</c:v>
+                </c:pt>
+                <c:pt idx="49">
+                  <c:v>0</c:v>
+                </c:pt>
+                <c:pt idx="50">
+                  <c:v>0</c:v>
+                </c:pt>
+                <c:pt idx="51">
+                  <c:v>0</c:v>
+                </c:pt>
+                <c:pt idx="52">
+                  <c:v>0</c:v>
+                </c:pt>
+                <c:pt idx="53">
+                  <c:v>0</c:v>
+                </c:pt>
+                <c:pt idx="54">
+                  <c:v>0</c:v>
+                </c:pt>
+                <c:pt idx="55">
+                  <c:v>0</c:v>
+                </c:pt>
+                <c:pt idx="56">
+                  <c:v>0</c:v>
+                </c:pt>
+                <c:pt idx="57">
+                  <c:v>0</c:v>
+                </c:pt>
+                <c:pt idx="58">
+                  <c:v>0</c:v>
+                </c:pt>
+                <c:pt idx="59">
+                  <c:v>0</c:v>
+                </c:pt>
+                <c:pt idx="60">
+                  <c:v>0</c:v>
+                </c:pt>
+                <c:pt idx="61">
+                  <c:v>0</c:v>
+                </c:pt>
+                <c:pt idx="62">
+                  <c:v>0</c:v>
+                </c:pt>
+                <c:pt idx="63">
+                  <c:v>0</c:v>
+                </c:pt>
+                <c:pt idx="64">
+                  <c:v>0</c:v>
+                </c:pt>
+                <c:pt idx="65">
+                  <c:v>0</c:v>
+                </c:pt>
+                <c:pt idx="66">
+                  <c:v>0</c:v>
+                </c:pt>
+                <c:pt idx="67">
+                  <c:v>0</c:v>
+                </c:pt>
+                <c:pt idx="68">
+                  <c:v>0</c:v>
+                </c:pt>
+                <c:pt idx="69">
+                  <c:v>0</c:v>
+                </c:pt>
+                <c:pt idx="70">
+                  <c:v>0</c:v>
+                </c:pt>
+                <c:pt idx="71">
+                  <c:v>0</c:v>
+                </c:pt>
+                <c:pt idx="72">
+                  <c:v>0</c:v>
+                </c:pt>
+                <c:pt idx="73">
+                  <c:v>0</c:v>
+                </c:pt>
+                <c:pt idx="74">
+                  <c:v>0</c:v>
+                </c:pt>
+                <c:pt idx="75">
+                  <c:v>0</c:v>
+                </c:pt>
+                <c:pt idx="76">
+                  <c:v>0</c:v>
+                </c:pt>
+                <c:pt idx="77">
+                  <c:v>0</c:v>
+                </c:pt>
+                <c:pt idx="78">
+                  <c:v>0</c:v>
+                </c:pt>
+                <c:pt idx="79">
+                  <c:v>0</c:v>
+                </c:pt>
+                <c:pt idx="80">
+                  <c:v>0</c:v>
+                </c:pt>
+                <c:pt idx="81">
+                  <c:v>0</c:v>
+                </c:pt>
+                <c:pt idx="82">
+                  <c:v>0</c:v>
+                </c:pt>
+                <c:pt idx="83">
+                  <c:v>0</c:v>
+                </c:pt>
+                <c:pt idx="84">
+                  <c:v>0</c:v>
+                </c:pt>
+                <c:pt idx="85">
+                  <c:v>0</c:v>
+                </c:pt>
+                <c:pt idx="86">
+                  <c:v>0</c:v>
+                </c:pt>
+                <c:pt idx="87">
+                  <c:v>0</c:v>
+                </c:pt>
+                <c:pt idx="88">
+                  <c:v>0</c:v>
+                </c:pt>
+                <c:pt idx="89">
+                  <c:v>0</c:v>
+                </c:pt>
+                <c:pt idx="90">
+                  <c:v>0</c:v>
+                </c:pt>
+                <c:pt idx="91">
+                  <c:v>0</c:v>
+                </c:pt>
+                <c:pt idx="92">
+                  <c:v>0</c:v>
+                </c:pt>
+                <c:pt idx="93">
+                  <c:v>0</c:v>
+                </c:pt>
+                <c:pt idx="94">
+                  <c:v>0</c:v>
+                </c:pt>
+                <c:pt idx="95">
+                  <c:v>0</c:v>
+                </c:pt>
+                <c:pt idx="96">
+                  <c:v>0</c:v>
+                </c:pt>
+                <c:pt idx="97">
+                  <c:v>0</c:v>
+                </c:pt>
+                <c:pt idx="98">
+                  <c:v>0</c:v>
+                </c:pt>
+                <c:pt idx="99">
+                  <c:v>0</c:v>
+                </c:pt>
+                <c:pt idx="100">
+                  <c:v>0</c:v>
+                </c:pt>
+                <c:pt idx="101">
+                  <c:v>0</c:v>
+                </c:pt>
+                <c:pt idx="102">
+                  <c:v>0</c:v>
+                </c:pt>
+                <c:pt idx="103">
+                  <c:v>0</c:v>
+                </c:pt>
+                <c:pt idx="104">
+                  <c:v>0</c:v>
+                </c:pt>
+                <c:pt idx="105">
+                  <c:v>0</c:v>
+                </c:pt>
+                <c:pt idx="106">
+                  <c:v>0</c:v>
+                </c:pt>
+                <c:pt idx="107">
+                  <c:v>0</c:v>
+                </c:pt>
+                <c:pt idx="108">
+                  <c:v>0</c:v>
+                </c:pt>
+                <c:pt idx="109">
+                  <c:v>0</c:v>
+                </c:pt>
+                <c:pt idx="110">
+                  <c:v>0</c:v>
+                </c:pt>
+                <c:pt idx="111">
+                  <c:v>0</c:v>
+                </c:pt>
+                <c:pt idx="112">
+                  <c:v>0</c:v>
+                </c:pt>
+                <c:pt idx="113">
+                  <c:v>0</c:v>
+                </c:pt>
+                <c:pt idx="114">
+                  <c:v>0</c:v>
+                </c:pt>
+                <c:pt idx="115">
+                  <c:v>0</c:v>
+                </c:pt>
+                <c:pt idx="116">
+                  <c:v>0</c:v>
+                </c:pt>
+                <c:pt idx="117">
+                  <c:v>0</c:v>
+                </c:pt>
+                <c:pt idx="118">
+                  <c:v>0</c:v>
+                </c:pt>
+                <c:pt idx="119">
+                  <c:v>0</c:v>
+                </c:pt>
+                <c:pt idx="120">
+                  <c:v>0</c:v>
+                </c:pt>
+                <c:pt idx="121">
+                  <c:v>0</c:v>
+                </c:pt>
+                <c:pt idx="122">
+                  <c:v>0</c:v>
+                </c:pt>
+                <c:pt idx="123">
+                  <c:v>0</c:v>
+                </c:pt>
+                <c:pt idx="124">
+                  <c:v>0</c:v>
+                </c:pt>
+                <c:pt idx="125">
+                  <c:v>0</c:v>
+                </c:pt>
+                <c:pt idx="126">
+                  <c:v>0</c:v>
+                </c:pt>
+                <c:pt idx="127">
+                  <c:v>0</c:v>
+                </c:pt>
+                <c:pt idx="128">
+                  <c:v>0</c:v>
+                </c:pt>
+                <c:pt idx="129">
+                  <c:v>0</c:v>
+                </c:pt>
+                <c:pt idx="130">
+                  <c:v>0</c:v>
+                </c:pt>
+                <c:pt idx="131">
+                  <c:v>0</c:v>
+                </c:pt>
+                <c:pt idx="132">
+                  <c:v>0</c:v>
+                </c:pt>
+                <c:pt idx="133">
+                  <c:v>0</c:v>
+                </c:pt>
+                <c:pt idx="134">
+                  <c:v>0</c:v>
+                </c:pt>
+                <c:pt idx="135">
+                  <c:v>0</c:v>
+                </c:pt>
+                <c:pt idx="136">
+                  <c:v>0</c:v>
+                </c:pt>
+                <c:pt idx="137">
+                  <c:v>0</c:v>
+                </c:pt>
+                <c:pt idx="138">
+                  <c:v>0</c:v>
+                </c:pt>
+                <c:pt idx="139">
+                  <c:v>0</c:v>
+                </c:pt>
+                <c:pt idx="140">
+                  <c:v>0</c:v>
+                </c:pt>
+                <c:pt idx="141">
+                  <c:v>0</c:v>
+                </c:pt>
+                <c:pt idx="142">
+                  <c:v>0</c:v>
+                </c:pt>
+                <c:pt idx="143">
+                  <c:v>0</c:v>
+                </c:pt>
+                <c:pt idx="144">
+                  <c:v>0</c:v>
+                </c:pt>
+                <c:pt idx="145">
+                  <c:v>0</c:v>
+                </c:pt>
+                <c:pt idx="146">
+                  <c:v>0</c:v>
+                </c:pt>
+                <c:pt idx="147">
+                  <c:v>0</c:v>
+                </c:pt>
+                <c:pt idx="148">
+                  <c:v>0</c:v>
+                </c:pt>
+                <c:pt idx="149">
+                  <c:v>0</c:v>
+                </c:pt>
+                <c:pt idx="150">
+                  <c:v>0</c:v>
+                </c:pt>
+                <c:pt idx="151">
+                  <c:v>0</c:v>
+                </c:pt>
+                <c:pt idx="152">
+                  <c:v>0</c:v>
+                </c:pt>
+                <c:pt idx="153">
+                  <c:v>0</c:v>
+                </c:pt>
+                <c:pt idx="154">
+                  <c:v>0</c:v>
+                </c:pt>
+                <c:pt idx="155">
+                  <c:v>0</c:v>
+                </c:pt>
+                <c:pt idx="156">
+                  <c:v>0</c:v>
+                </c:pt>
+                <c:pt idx="157">
+                  <c:v>0</c:v>
+                </c:pt>
+                <c:pt idx="158">
+                  <c:v>0</c:v>
+                </c:pt>
+                <c:pt idx="159">
+                  <c:v>0</c:v>
+                </c:pt>
+                <c:pt idx="160">
+                  <c:v>0</c:v>
+                </c:pt>
+                <c:pt idx="161">
+                  <c:v>0</c:v>
+                </c:pt>
+                <c:pt idx="162">
+                  <c:v>0</c:v>
+                </c:pt>
+                <c:pt idx="163">
+                  <c:v>0</c:v>
+                </c:pt>
+                <c:pt idx="164">
+                  <c:v>0</c:v>
+                </c:pt>
+                <c:pt idx="165">
+                  <c:v>0</c:v>
+                </c:pt>
+                <c:pt idx="166">
+                  <c:v>0</c:v>
+                </c:pt>
+                <c:pt idx="167">
+                  <c:v>0</c:v>
+                </c:pt>
+                <c:pt idx="168">
+                  <c:v>0</c:v>
+                </c:pt>
+                <c:pt idx="169">
+                  <c:v>0</c:v>
+                </c:pt>
+                <c:pt idx="170">
+                  <c:v>0</c:v>
+                </c:pt>
+                <c:pt idx="171">
+                  <c:v>0</c:v>
+                </c:pt>
+                <c:pt idx="172">
+                  <c:v>0</c:v>
+                </c:pt>
+                <c:pt idx="173">
+                  <c:v>0</c:v>
+                </c:pt>
+                <c:pt idx="174">
+                  <c:v>0</c:v>
+                </c:pt>
+                <c:pt idx="175">
+                  <c:v>0</c:v>
+                </c:pt>
+                <c:pt idx="176">
+                  <c:v>0</c:v>
+                </c:pt>
+                <c:pt idx="177">
+                  <c:v>0</c:v>
+                </c:pt>
+                <c:pt idx="178">
+                  <c:v>0</c:v>
+                </c:pt>
+                <c:pt idx="179">
+                  <c:v>0</c:v>
+                </c:pt>
+                <c:pt idx="180">
+                  <c:v>0</c:v>
+                </c:pt>
+                <c:pt idx="181">
+                  <c:v>0</c:v>
+                </c:pt>
+                <c:pt idx="182">
+                  <c:v>0</c:v>
+                </c:pt>
+                <c:pt idx="183">
+                  <c:v>0</c:v>
+                </c:pt>
+                <c:pt idx="184">
+                  <c:v>0</c:v>
+                </c:pt>
+                <c:pt idx="185">
+                  <c:v>0</c:v>
+                </c:pt>
+                <c:pt idx="186">
+                  <c:v>0</c:v>
+                </c:pt>
+                <c:pt idx="187">
+                  <c:v>0</c:v>
+                </c:pt>
+                <c:pt idx="188">
+                  <c:v>0</c:v>
+                </c:pt>
+                <c:pt idx="189">
+                  <c:v>0</c:v>
+                </c:pt>
+                <c:pt idx="190">
+                  <c:v>0</c:v>
+                </c:pt>
+                <c:pt idx="191">
+                  <c:v>0</c:v>
+                </c:pt>
+                <c:pt idx="192">
+                  <c:v>0</c:v>
+                </c:pt>
+                <c:pt idx="193">
+                  <c:v>0</c:v>
+                </c:pt>
+                <c:pt idx="194">
+                  <c:v>0</c:v>
+                </c:pt>
+                <c:pt idx="195">
+                  <c:v>0</c:v>
+                </c:pt>
+                <c:pt idx="196">
+                  <c:v>0</c:v>
+                </c:pt>
+                <c:pt idx="197">
+                  <c:v>0</c:v>
+                </c:pt>
+                <c:pt idx="198">
+                  <c:v>0</c:v>
+                </c:pt>
+                <c:pt idx="199">
+                  <c:v>0</c:v>
+                </c:pt>
+                <c:pt idx="200">
+                  <c:v>0</c:v>
+                </c:pt>
+                <c:pt idx="201">
+                  <c:v>0</c:v>
+                </c:pt>
+                <c:pt idx="202">
+                  <c:v>0</c:v>
+                </c:pt>
+                <c:pt idx="203">
+                  <c:v>0</c:v>
+                </c:pt>
+                <c:pt idx="204">
+                  <c:v>0</c:v>
+                </c:pt>
+                <c:pt idx="205">
+                  <c:v>0</c:v>
+                </c:pt>
+                <c:pt idx="206">
+                  <c:v>0</c:v>
+                </c:pt>
+                <c:pt idx="207">
+                  <c:v>0</c:v>
+                </c:pt>
+                <c:pt idx="208">
+                  <c:v>0</c:v>
+                </c:pt>
+                <c:pt idx="209">
+                  <c:v>0</c:v>
+                </c:pt>
+                <c:pt idx="210">
+                  <c:v>0</c:v>
+                </c:pt>
+                <c:pt idx="211">
+                  <c:v>0</c:v>
+                </c:pt>
+                <c:pt idx="212">
+                  <c:v>0</c:v>
+                </c:pt>
+                <c:pt idx="213">
+                  <c:v>0</c:v>
+                </c:pt>
+                <c:pt idx="214">
+                  <c:v>0</c:v>
+                </c:pt>
+                <c:pt idx="215">
+                  <c:v>0</c:v>
+                </c:pt>
+                <c:pt idx="216">
+                  <c:v>0</c:v>
+                </c:pt>
+                <c:pt idx="217">
+                  <c:v>0</c:v>
+                </c:pt>
+                <c:pt idx="218">
+                  <c:v>0</c:v>
+                </c:pt>
+                <c:pt idx="219">
+                  <c:v>0</c:v>
+                </c:pt>
+                <c:pt idx="220">
+                  <c:v>0</c:v>
+                </c:pt>
+                <c:pt idx="221">
+                  <c:v>0</c:v>
+                </c:pt>
+                <c:pt idx="222">
+                  <c:v>0</c:v>
+                </c:pt>
+                <c:pt idx="223">
+                  <c:v>0</c:v>
+                </c:pt>
+                <c:pt idx="224">
+                  <c:v>0</c:v>
+                </c:pt>
+                <c:pt idx="225">
+                  <c:v>0</c:v>
+                </c:pt>
+                <c:pt idx="226">
+                  <c:v>0</c:v>
+                </c:pt>
+                <c:pt idx="227">
+                  <c:v>0</c:v>
+                </c:pt>
+                <c:pt idx="228">
+                  <c:v>0</c:v>
+                </c:pt>
+                <c:pt idx="229">
+                  <c:v>0</c:v>
+                </c:pt>
+                <c:pt idx="230">
+                  <c:v>0</c:v>
+                </c:pt>
+                <c:pt idx="231">
+                  <c:v>0</c:v>
+                </c:pt>
+                <c:pt idx="232">
+                  <c:v>0</c:v>
+                </c:pt>
+                <c:pt idx="233">
+                  <c:v>0</c:v>
+                </c:pt>
+                <c:pt idx="234">
+                  <c:v>0</c:v>
+                </c:pt>
+                <c:pt idx="235">
+                  <c:v>0</c:v>
+                </c:pt>
+                <c:pt idx="236">
+                  <c:v>0</c:v>
+                </c:pt>
+                <c:pt idx="237">
+                  <c:v>0</c:v>
+                </c:pt>
+                <c:pt idx="238">
+                  <c:v>0</c:v>
+                </c:pt>
+                <c:pt idx="239">
+                  <c:v>0</c:v>
+                </c:pt>
+                <c:pt idx="240">
+                  <c:v>0</c:v>
+                </c:pt>
+                <c:pt idx="241">
+                  <c:v>0</c:v>
+                </c:pt>
+                <c:pt idx="242">
+                  <c:v>0</c:v>
+                </c:pt>
+                <c:pt idx="243">
+                  <c:v>0</c:v>
+                </c:pt>
+                <c:pt idx="244">
+                  <c:v>0</c:v>
+                </c:pt>
+                <c:pt idx="245">
+                  <c:v>0</c:v>
+                </c:pt>
+                <c:pt idx="246">
+                  <c:v>0</c:v>
+                </c:pt>
+                <c:pt idx="247">
+                  <c:v>0</c:v>
+                </c:pt>
+                <c:pt idx="248">
+                  <c:v>0</c:v>
+                </c:pt>
+                <c:pt idx="249">
+                  <c:v>0</c:v>
+                </c:pt>
+                <c:pt idx="250">
+                  <c:v>0</c:v>
+                </c:pt>
+                <c:pt idx="251">
+                  <c:v>0</c:v>
+                </c:pt>
+                <c:pt idx="252">
+                  <c:v>0</c:v>
+                </c:pt>
+                <c:pt idx="253">
+                  <c:v>0</c:v>
+                </c:pt>
+                <c:pt idx="254">
+                  <c:v>0</c:v>
+                </c:pt>
+                <c:pt idx="255">
+                  <c:v>0</c:v>
+                </c:pt>
+                <c:pt idx="256">
+                  <c:v>0</c:v>
+                </c:pt>
+                <c:pt idx="257">
+                  <c:v>0</c:v>
+                </c:pt>
+                <c:pt idx="258">
+                  <c:v>0</c:v>
+                </c:pt>
+                <c:pt idx="259">
+                  <c:v>0</c:v>
+                </c:pt>
+                <c:pt idx="260">
+                  <c:v>0</c:v>
+                </c:pt>
+                <c:pt idx="261">
+                  <c:v>0</c:v>
+                </c:pt>
+                <c:pt idx="262">
+                  <c:v>0</c:v>
+                </c:pt>
+                <c:pt idx="263">
+                  <c:v>0</c:v>
+                </c:pt>
+                <c:pt idx="264">
+                  <c:v>0</c:v>
+                </c:pt>
+                <c:pt idx="265">
+                  <c:v>0</c:v>
+                </c:pt>
+                <c:pt idx="266">
+                  <c:v>0</c:v>
+                </c:pt>
+                <c:pt idx="267">
+                  <c:v>0</c:v>
+                </c:pt>
+                <c:pt idx="268">
+                  <c:v>0</c:v>
+                </c:pt>
+                <c:pt idx="269">
+                  <c:v>0</c:v>
+                </c:pt>
+                <c:pt idx="270">
+                  <c:v>0</c:v>
+                </c:pt>
+                <c:pt idx="271">
+                  <c:v>0</c:v>
+                </c:pt>
+                <c:pt idx="272">
+                  <c:v>0</c:v>
+                </c:pt>
+                <c:pt idx="273">
+                  <c:v>0</c:v>
+                </c:pt>
+                <c:pt idx="274">
+                  <c:v>0</c:v>
+                </c:pt>
+                <c:pt idx="275">
+                  <c:v>0</c:v>
+                </c:pt>
+                <c:pt idx="276">
+                  <c:v>0</c:v>
+                </c:pt>
+                <c:pt idx="277">
+                  <c:v>0</c:v>
+                </c:pt>
+              </c:numCache>
+            </c:numRef>
+          </c:val>
+          <c:smooth val="0"/>
+        </c:ser>
+        <c:dLbls>
+          <c:showLegendKey val="0"/>
+          <c:showVal val="0"/>
+          <c:showCatName val="0"/>
+          <c:showSerName val="0"/>
+          <c:showPercent val="0"/>
+          <c:showBubbleSize val="0"/>
+        </c:dLbls>
+        <c:marker val="1"/>
+        <c:smooth val="0"/>
+        <c:axId val="26013056"/>
+        <c:axId val="26428928"/>
+      </c:lineChart>
+      <c:catAx>
+        <c:axId val="26013056"/>
+        <c:scaling>
+          <c:orientation val="minMax"/>
+        </c:scaling>
+        <c:delete val="0"/>
+        <c:axPos val="b"/>
+        <c:title>
+          <c:tx>
+            <c:rich>
+              <a:bodyPr/>
+              <a:lstStyle/>
+              <a:p>
+                <a:pPr>
+                  <a:defRPr sz="2000"/>
+                </a:pPr>
+                <a:r>
+                  <a:rPr lang="en-US" altLang="ja-JP" sz="2000"/>
+                  <a:t>Term</a:t>
+                </a:r>
+                <a:endParaRPr lang="ja-JP" altLang="en-US" sz="2000"/>
+              </a:p>
+            </c:rich>
+          </c:tx>
+          <c:layout/>
+          <c:overlay val="0"/>
+        </c:title>
+        <c:numFmt formatCode="General" sourceLinked="0"/>
+        <c:majorTickMark val="out"/>
+        <c:minorTickMark val="none"/>
+        <c:tickLblPos val="nextTo"/>
+        <c:crossAx val="26428928"/>
+        <c:crosses val="autoZero"/>
+        <c:auto val="1"/>
+        <c:lblAlgn val="ctr"/>
+        <c:lblOffset val="100"/>
+        <c:tickLblSkip val="10"/>
+        <c:tickMarkSkip val="10"/>
+        <c:noMultiLvlLbl val="0"/>
+      </c:catAx>
+      <c:valAx>
+        <c:axId val="26428928"/>
+        <c:scaling>
+          <c:orientation val="minMax"/>
+        </c:scaling>
+        <c:delete val="0"/>
+        <c:axPos val="l"/>
+        <c:majorGridlines/>
+        <c:title>
+          <c:tx>
+            <c:rich>
+              <a:bodyPr rot="-5400000" vert="horz"/>
+              <a:lstStyle/>
+              <a:p>
+                <a:pPr>
+                  <a:defRPr sz="2000"/>
+                </a:pPr>
+                <a:r>
+                  <a:rPr lang="en-US" altLang="ja-JP" sz="2000"/>
+                  <a:t>Agent</a:t>
+                </a:r>
+              </a:p>
+            </c:rich>
+          </c:tx>
+          <c:layout/>
+          <c:overlay val="0"/>
+        </c:title>
+        <c:numFmt formatCode="General" sourceLinked="1"/>
+        <c:majorTickMark val="none"/>
+        <c:minorTickMark val="none"/>
+        <c:tickLblPos val="nextTo"/>
+        <c:crossAx val="26013056"/>
+        <c:crosses val="autoZero"/>
+        <c:crossBetween val="midCat"/>
+      </c:valAx>
+    </c:plotArea>
+    <c:legend>
+      <c:legendPos val="t"/>
+      <c:layout/>
+      <c:overlay val="0"/>
+    </c:legend>
+    <c:plotVisOnly val="1"/>
+    <c:dispBlanksAs val="gap"/>
+    <c:showDLblsOverMax val="0"/>
+  </c:chart>
+  <c:externalData r:id="rId2">
+    <c:autoUpdate val="0"/>
+  </c:externalData>
+</c:chartSpace>
+</file>
+
+<file path=ppt/charts/chart2.xml><?xml version="1.0" encoding="utf-8"?>
+<c:chartSpace xmlns:c="http://schemas.openxmlformats.org/drawingml/2006/chart" xmlns:a="http://schemas.openxmlformats.org/drawingml/2006/main" xmlns:r="http://schemas.openxmlformats.org/officeDocument/2006/relationships">
+  <c:date1904 val="0"/>
+  <c:lang val="ja-JP"/>
+  <c:roundedCorners val="0"/>
+  <mc:AlternateContent xmlns:mc="http://schemas.openxmlformats.org/markup-compatibility/2006">
+    <mc:Choice xmlns:c14="http://schemas.microsoft.com/office/drawing/2007/8/2/chart" Requires="c14">
+      <c14:style val="102"/>
+    </mc:Choice>
+    <mc:Fallback>
+      <c:style val="2"/>
+    </mc:Fallback>
+  </mc:AlternateContent>
+  <c:clrMapOvr bg1="lt1" tx1="dk1" bg2="lt2" tx2="dk2" accent1="accent1" accent2="accent2" accent3="accent3" accent4="accent4" accent5="accent5" accent6="accent6" hlink="hlink" folHlink="folHlink"/>
+  <c:chart>
+    <c:title>
+      <c:tx>
+        <c:rich>
+          <a:bodyPr/>
+          <a:lstStyle/>
+          <a:p>
+            <a:pPr>
+              <a:defRPr sz="2800"/>
+            </a:pPr>
+            <a:r>
+              <a:rPr lang="ja-JP" altLang="en-US" sz="2800"/>
+              <a:t>免疫獲得者</a:t>
+            </a:r>
+          </a:p>
+        </c:rich>
+      </c:tx>
+      <c:layout/>
+      <c:overlay val="0"/>
+    </c:title>
+    <c:autoTitleDeleted val="0"/>
+    <c:plotArea>
+      <c:layout/>
+      <c:lineChart>
+        <c:grouping val="standard"/>
+        <c:varyColors val="0"/>
+        <c:ser>
+          <c:idx val="0"/>
+          <c:order val="0"/>
+          <c:tx>
+            <c:strRef>
+              <c:f>hasImmunity!$B$1</c:f>
+              <c:strCache>
+                <c:ptCount val="1"/>
+                <c:pt idx="0">
+                  <c:v>ウイルス１</c:v>
+                </c:pt>
+              </c:strCache>
+            </c:strRef>
+          </c:tx>
+          <c:marker>
+            <c:symbol val="none"/>
+          </c:marker>
+          <c:val>
+            <c:numRef>
+              <c:f>hasImmunity!$B$2:$B$279</c:f>
+              <c:numCache>
+                <c:formatCode>General</c:formatCode>
+                <c:ptCount val="278"/>
+                <c:pt idx="0">
+                  <c:v>1</c:v>
+                </c:pt>
+                <c:pt idx="1">
+                  <c:v>5</c:v>
+                </c:pt>
+                <c:pt idx="2">
+                  <c:v>11</c:v>
+                </c:pt>
+                <c:pt idx="3">
+                  <c:v>62</c:v>
+                </c:pt>
+                <c:pt idx="4">
+                  <c:v>132</c:v>
+                </c:pt>
+                <c:pt idx="5">
+                  <c:v>213</c:v>
+                </c:pt>
+                <c:pt idx="6">
+                  <c:v>243</c:v>
+                </c:pt>
+                <c:pt idx="7">
+                  <c:v>225</c:v>
+                </c:pt>
+                <c:pt idx="8">
+                  <c:v>147</c:v>
+                </c:pt>
+                <c:pt idx="9">
+                  <c:v>132</c:v>
+                </c:pt>
+                <c:pt idx="10">
+                  <c:v>172</c:v>
+                </c:pt>
+                <c:pt idx="11">
+                  <c:v>209</c:v>
+                </c:pt>
+                <c:pt idx="12">
+                  <c:v>253</c:v>
+                </c:pt>
+                <c:pt idx="13">
+                  <c:v>274</c:v>
+                </c:pt>
+                <c:pt idx="14">
+                  <c:v>297</c:v>
+                </c:pt>
+                <c:pt idx="15">
+                  <c:v>338</c:v>
+                </c:pt>
+                <c:pt idx="16">
+                  <c:v>334</c:v>
+                </c:pt>
+                <c:pt idx="17">
+                  <c:v>340</c:v>
+                </c:pt>
+                <c:pt idx="18">
+                  <c:v>361</c:v>
+                </c:pt>
+                <c:pt idx="19">
+                  <c:v>376</c:v>
+                </c:pt>
+                <c:pt idx="20">
+                  <c:v>381</c:v>
+                </c:pt>
+                <c:pt idx="21">
+                  <c:v>345</c:v>
+                </c:pt>
+                <c:pt idx="22">
+                  <c:v>335</c:v>
+                </c:pt>
+                <c:pt idx="23">
+                  <c:v>353</c:v>
+                </c:pt>
+                <c:pt idx="24">
+                  <c:v>376</c:v>
+                </c:pt>
+                <c:pt idx="25">
+                  <c:v>379</c:v>
+                </c:pt>
+                <c:pt idx="26">
+                  <c:v>399</c:v>
+                </c:pt>
+                <c:pt idx="27">
+                  <c:v>395</c:v>
+                </c:pt>
+                <c:pt idx="28">
+                  <c:v>423</c:v>
+                </c:pt>
+                <c:pt idx="29">
+                  <c:v>449</c:v>
+                </c:pt>
+                <c:pt idx="30">
+                  <c:v>456</c:v>
+                </c:pt>
+                <c:pt idx="31">
+                  <c:v>445</c:v>
+                </c:pt>
+                <c:pt idx="32">
+                  <c:v>432</c:v>
+                </c:pt>
+                <c:pt idx="33">
+                  <c:v>411</c:v>
+                </c:pt>
+                <c:pt idx="34">
+                  <c:v>408</c:v>
+                </c:pt>
+                <c:pt idx="35">
+                  <c:v>398</c:v>
+                </c:pt>
+                <c:pt idx="36">
+                  <c:v>394</c:v>
+                </c:pt>
+                <c:pt idx="37">
+                  <c:v>417</c:v>
+                </c:pt>
+                <c:pt idx="38">
+                  <c:v>445</c:v>
+                </c:pt>
+                <c:pt idx="39">
+                  <c:v>459</c:v>
+                </c:pt>
+                <c:pt idx="40">
+                  <c:v>493</c:v>
+                </c:pt>
+                <c:pt idx="41">
+                  <c:v>507</c:v>
+                </c:pt>
+                <c:pt idx="42">
+                  <c:v>498</c:v>
+                </c:pt>
+                <c:pt idx="43">
+                  <c:v>500</c:v>
+                </c:pt>
+                <c:pt idx="44">
+                  <c:v>515</c:v>
+                </c:pt>
+                <c:pt idx="45">
+                  <c:v>493</c:v>
+                </c:pt>
+                <c:pt idx="46">
+                  <c:v>476</c:v>
+                </c:pt>
+                <c:pt idx="47">
+                  <c:v>464</c:v>
+                </c:pt>
+                <c:pt idx="48">
+                  <c:v>433</c:v>
+                </c:pt>
+                <c:pt idx="49">
+                  <c:v>441</c:v>
+                </c:pt>
+                <c:pt idx="50">
+                  <c:v>465</c:v>
+                </c:pt>
+                <c:pt idx="51">
+                  <c:v>443</c:v>
+                </c:pt>
+                <c:pt idx="52">
+                  <c:v>453</c:v>
+                </c:pt>
+                <c:pt idx="53">
+                  <c:v>461</c:v>
+                </c:pt>
+                <c:pt idx="54">
+                  <c:v>445</c:v>
+                </c:pt>
+                <c:pt idx="55">
+                  <c:v>464</c:v>
+                </c:pt>
+                <c:pt idx="56">
+                  <c:v>459</c:v>
+                </c:pt>
+                <c:pt idx="57">
+                  <c:v>474</c:v>
+                </c:pt>
+                <c:pt idx="58">
+                  <c:v>483</c:v>
+                </c:pt>
+                <c:pt idx="59">
+                  <c:v>493</c:v>
+                </c:pt>
+                <c:pt idx="60">
+                  <c:v>505</c:v>
+                </c:pt>
+                <c:pt idx="61">
+                  <c:v>499</c:v>
+                </c:pt>
+                <c:pt idx="62">
+                  <c:v>492</c:v>
+                </c:pt>
+                <c:pt idx="63">
+                  <c:v>478</c:v>
+                </c:pt>
+                <c:pt idx="64">
+                  <c:v>485</c:v>
+                </c:pt>
+                <c:pt idx="65">
+                  <c:v>506</c:v>
+                </c:pt>
+                <c:pt idx="66">
+                  <c:v>518</c:v>
+                </c:pt>
+                <c:pt idx="67">
+                  <c:v>492</c:v>
+                </c:pt>
+                <c:pt idx="68">
+                  <c:v>486</c:v>
+                </c:pt>
+                <c:pt idx="69">
+                  <c:v>496</c:v>
+                </c:pt>
+                <c:pt idx="70">
+                  <c:v>495</c:v>
+                </c:pt>
+                <c:pt idx="71">
+                  <c:v>512</c:v>
+                </c:pt>
+                <c:pt idx="72">
+                  <c:v>506</c:v>
+                </c:pt>
+                <c:pt idx="73">
+                  <c:v>500</c:v>
+                </c:pt>
+                <c:pt idx="74">
+                  <c:v>497</c:v>
+                </c:pt>
+                <c:pt idx="75">
+                  <c:v>505</c:v>
+                </c:pt>
+                <c:pt idx="76">
+                  <c:v>506</c:v>
+                </c:pt>
+                <c:pt idx="77">
+                  <c:v>496</c:v>
+                </c:pt>
+                <c:pt idx="78">
+                  <c:v>503</c:v>
+                </c:pt>
+                <c:pt idx="79">
+                  <c:v>491</c:v>
+                </c:pt>
+                <c:pt idx="80">
+                  <c:v>503</c:v>
+                </c:pt>
+                <c:pt idx="81">
+                  <c:v>511</c:v>
+                </c:pt>
+                <c:pt idx="82">
+                  <c:v>518</c:v>
+                </c:pt>
+                <c:pt idx="83">
+                  <c:v>501</c:v>
+                </c:pt>
+                <c:pt idx="84">
+                  <c:v>483</c:v>
+                </c:pt>
+                <c:pt idx="85">
+                  <c:v>494</c:v>
+                </c:pt>
+                <c:pt idx="86">
+                  <c:v>497</c:v>
+                </c:pt>
+                <c:pt idx="87">
+                  <c:v>503</c:v>
+                </c:pt>
+                <c:pt idx="88">
+                  <c:v>500</c:v>
+                </c:pt>
+                <c:pt idx="89">
+                  <c:v>495</c:v>
+                </c:pt>
+                <c:pt idx="90">
+                  <c:v>501</c:v>
+                </c:pt>
+                <c:pt idx="91">
+                  <c:v>509</c:v>
+                </c:pt>
+                <c:pt idx="92">
+                  <c:v>514</c:v>
+                </c:pt>
+                <c:pt idx="93">
+                  <c:v>541</c:v>
+                </c:pt>
+                <c:pt idx="94">
+                  <c:v>548</c:v>
+                </c:pt>
+                <c:pt idx="95">
+                  <c:v>545</c:v>
+                </c:pt>
+                <c:pt idx="96">
+                  <c:v>563</c:v>
+                </c:pt>
+                <c:pt idx="97">
+                  <c:v>553</c:v>
+                </c:pt>
+                <c:pt idx="98">
+                  <c:v>540</c:v>
+                </c:pt>
+                <c:pt idx="99">
+                  <c:v>502</c:v>
+                </c:pt>
+                <c:pt idx="100">
+                  <c:v>485</c:v>
+                </c:pt>
+                <c:pt idx="101">
+                  <c:v>495</c:v>
+                </c:pt>
+                <c:pt idx="102">
+                  <c:v>500</c:v>
+                </c:pt>
+                <c:pt idx="103">
+                  <c:v>492</c:v>
+                </c:pt>
+                <c:pt idx="104">
+                  <c:v>492</c:v>
+                </c:pt>
+                <c:pt idx="105">
+                  <c:v>501</c:v>
+                </c:pt>
+                <c:pt idx="106">
+                  <c:v>511</c:v>
+                </c:pt>
+                <c:pt idx="107">
+                  <c:v>502</c:v>
+                </c:pt>
+                <c:pt idx="108">
+                  <c:v>496</c:v>
+                </c:pt>
+                <c:pt idx="109">
+                  <c:v>505</c:v>
+                </c:pt>
+                <c:pt idx="110">
+                  <c:v>525</c:v>
+                </c:pt>
+                <c:pt idx="111">
+                  <c:v>545</c:v>
+                </c:pt>
+                <c:pt idx="112">
+                  <c:v>542</c:v>
+                </c:pt>
+                <c:pt idx="113">
+                  <c:v>579</c:v>
+                </c:pt>
+                <c:pt idx="114">
+                  <c:v>578</c:v>
+                </c:pt>
+                <c:pt idx="115">
+                  <c:v>587</c:v>
+                </c:pt>
+                <c:pt idx="116">
+                  <c:v>556</c:v>
+                </c:pt>
+                <c:pt idx="117">
+                  <c:v>526</c:v>
+                </c:pt>
+                <c:pt idx="118">
+                  <c:v>512</c:v>
+                </c:pt>
+                <c:pt idx="119">
+                  <c:v>488</c:v>
+                </c:pt>
+                <c:pt idx="120">
+                  <c:v>459</c:v>
+                </c:pt>
+                <c:pt idx="121">
+                  <c:v>416</c:v>
+                </c:pt>
+                <c:pt idx="122">
+                  <c:v>427</c:v>
+                </c:pt>
+                <c:pt idx="123">
+                  <c:v>426</c:v>
+                </c:pt>
+                <c:pt idx="124">
+                  <c:v>458</c:v>
+                </c:pt>
+                <c:pt idx="125">
+                  <c:v>493</c:v>
+                </c:pt>
+                <c:pt idx="126">
+                  <c:v>512</c:v>
+                </c:pt>
+                <c:pt idx="127">
+                  <c:v>543</c:v>
+                </c:pt>
+                <c:pt idx="128">
+                  <c:v>574</c:v>
+                </c:pt>
+                <c:pt idx="129">
+                  <c:v>600</c:v>
+                </c:pt>
+                <c:pt idx="130">
+                  <c:v>618</c:v>
+                </c:pt>
+                <c:pt idx="131">
+                  <c:v>622</c:v>
+                </c:pt>
+                <c:pt idx="132">
+                  <c:v>609</c:v>
+                </c:pt>
+                <c:pt idx="133">
+                  <c:v>593</c:v>
+                </c:pt>
+                <c:pt idx="134">
+                  <c:v>539</c:v>
+                </c:pt>
+                <c:pt idx="135">
+                  <c:v>510</c:v>
+                </c:pt>
+                <c:pt idx="136">
+                  <c:v>489</c:v>
+                </c:pt>
+                <c:pt idx="137">
+                  <c:v>451</c:v>
+                </c:pt>
+                <c:pt idx="138">
+                  <c:v>431</c:v>
+                </c:pt>
+                <c:pt idx="139">
+                  <c:v>415</c:v>
+                </c:pt>
+                <c:pt idx="140">
+                  <c:v>407</c:v>
+                </c:pt>
+                <c:pt idx="141">
+                  <c:v>428</c:v>
+                </c:pt>
+                <c:pt idx="142">
+                  <c:v>455</c:v>
+                </c:pt>
+                <c:pt idx="143">
+                  <c:v>500</c:v>
+                </c:pt>
+                <c:pt idx="144">
+                  <c:v>548</c:v>
+                </c:pt>
+                <c:pt idx="145">
+                  <c:v>596</c:v>
+                </c:pt>
+                <c:pt idx="146">
+                  <c:v>633</c:v>
+                </c:pt>
+                <c:pt idx="147">
+                  <c:v>667</c:v>
+                </c:pt>
+                <c:pt idx="148">
+                  <c:v>683</c:v>
+                </c:pt>
+                <c:pt idx="149">
+                  <c:v>671</c:v>
+                </c:pt>
+                <c:pt idx="150">
+                  <c:v>627</c:v>
+                </c:pt>
+                <c:pt idx="151">
+                  <c:v>564</c:v>
+                </c:pt>
+                <c:pt idx="152">
+                  <c:v>494</c:v>
+                </c:pt>
+                <c:pt idx="153">
+                  <c:v>428</c:v>
+                </c:pt>
+                <c:pt idx="154">
+                  <c:v>397</c:v>
+                </c:pt>
+                <c:pt idx="155">
+                  <c:v>387</c:v>
+                </c:pt>
+                <c:pt idx="156">
+                  <c:v>400</c:v>
+                </c:pt>
+                <c:pt idx="157">
+                  <c:v>429</c:v>
+                </c:pt>
+                <c:pt idx="158">
+                  <c:v>463</c:v>
+                </c:pt>
+                <c:pt idx="159">
+                  <c:v>496</c:v>
+                </c:pt>
+                <c:pt idx="160">
+                  <c:v>547</c:v>
+                </c:pt>
+                <c:pt idx="161">
+                  <c:v>591</c:v>
+                </c:pt>
+                <c:pt idx="162">
+                  <c:v>650</c:v>
+                </c:pt>
+                <c:pt idx="163">
+                  <c:v>691</c:v>
+                </c:pt>
+                <c:pt idx="164">
+                  <c:v>675</c:v>
+                </c:pt>
+                <c:pt idx="165">
+                  <c:v>652</c:v>
+                </c:pt>
+                <c:pt idx="166">
+                  <c:v>620</c:v>
+                </c:pt>
+                <c:pt idx="167">
+                  <c:v>556</c:v>
+                </c:pt>
+                <c:pt idx="168">
+                  <c:v>472</c:v>
+                </c:pt>
+                <c:pt idx="169">
+                  <c:v>431</c:v>
+                </c:pt>
+                <c:pt idx="170">
+                  <c:v>398</c:v>
+                </c:pt>
+                <c:pt idx="171">
+                  <c:v>372</c:v>
+                </c:pt>
+                <c:pt idx="172">
+                  <c:v>372</c:v>
+                </c:pt>
+                <c:pt idx="173">
+                  <c:v>386</c:v>
+                </c:pt>
+                <c:pt idx="174">
+                  <c:v>440</c:v>
+                </c:pt>
+                <c:pt idx="175">
+                  <c:v>511</c:v>
+                </c:pt>
+                <c:pt idx="176">
+                  <c:v>583</c:v>
+                </c:pt>
+                <c:pt idx="177">
+                  <c:v>630</c:v>
+                </c:pt>
+                <c:pt idx="178">
+                  <c:v>700</c:v>
+                </c:pt>
+                <c:pt idx="179">
+                  <c:v>722</c:v>
+                </c:pt>
+                <c:pt idx="180">
+                  <c:v>740</c:v>
+                </c:pt>
+                <c:pt idx="181">
+                  <c:v>727</c:v>
+                </c:pt>
+                <c:pt idx="182">
+                  <c:v>680</c:v>
+                </c:pt>
+                <c:pt idx="183">
+                  <c:v>594</c:v>
+                </c:pt>
+                <c:pt idx="184">
+                  <c:v>505</c:v>
+                </c:pt>
+                <c:pt idx="185">
+                  <c:v>423</c:v>
+                </c:pt>
+                <c:pt idx="186">
+                  <c:v>374</c:v>
+                </c:pt>
+                <c:pt idx="187">
+                  <c:v>370</c:v>
+                </c:pt>
+                <c:pt idx="188">
+                  <c:v>356</c:v>
+                </c:pt>
+                <c:pt idx="189">
+                  <c:v>367</c:v>
+                </c:pt>
+                <c:pt idx="190">
+                  <c:v>399</c:v>
+                </c:pt>
+                <c:pt idx="191">
+                  <c:v>439</c:v>
+                </c:pt>
+                <c:pt idx="192">
+                  <c:v>502</c:v>
+                </c:pt>
+                <c:pt idx="193">
+                  <c:v>571</c:v>
+                </c:pt>
+                <c:pt idx="194">
+                  <c:v>634</c:v>
+                </c:pt>
+                <c:pt idx="195">
+                  <c:v>685</c:v>
+                </c:pt>
+                <c:pt idx="196">
+                  <c:v>720</c:v>
+                </c:pt>
+                <c:pt idx="197">
+                  <c:v>746</c:v>
+                </c:pt>
+                <c:pt idx="198">
+                  <c:v>725</c:v>
+                </c:pt>
+                <c:pt idx="199">
+                  <c:v>682</c:v>
+                </c:pt>
+                <c:pt idx="200">
+                  <c:v>592</c:v>
+                </c:pt>
+                <c:pt idx="201">
+                  <c:v>511</c:v>
+                </c:pt>
+                <c:pt idx="202">
+                  <c:v>426</c:v>
+                </c:pt>
+                <c:pt idx="203">
+                  <c:v>377</c:v>
+                </c:pt>
+                <c:pt idx="204">
+                  <c:v>358</c:v>
+                </c:pt>
+                <c:pt idx="205">
+                  <c:v>355</c:v>
+                </c:pt>
+                <c:pt idx="206">
+                  <c:v>365</c:v>
+                </c:pt>
+                <c:pt idx="207">
+                  <c:v>386</c:v>
+                </c:pt>
+                <c:pt idx="208">
+                  <c:v>450</c:v>
+                </c:pt>
+                <c:pt idx="209">
+                  <c:v>513</c:v>
+                </c:pt>
+                <c:pt idx="210">
+                  <c:v>579</c:v>
+                </c:pt>
+                <c:pt idx="211">
+                  <c:v>659</c:v>
+                </c:pt>
+                <c:pt idx="212">
+                  <c:v>683</c:v>
+                </c:pt>
+                <c:pt idx="213">
+                  <c:v>696</c:v>
+                </c:pt>
+                <c:pt idx="214">
+                  <c:v>710</c:v>
+                </c:pt>
+                <c:pt idx="215">
+                  <c:v>693</c:v>
+                </c:pt>
+                <c:pt idx="216">
+                  <c:v>652</c:v>
+                </c:pt>
+                <c:pt idx="217">
+                  <c:v>572</c:v>
+                </c:pt>
+                <c:pt idx="218">
+                  <c:v>474</c:v>
+                </c:pt>
+                <c:pt idx="219">
+                  <c:v>397</c:v>
+                </c:pt>
+                <c:pt idx="220">
+                  <c:v>353</c:v>
+                </c:pt>
+                <c:pt idx="221">
+                  <c:v>324</c:v>
+                </c:pt>
+                <c:pt idx="222">
+                  <c:v>325</c:v>
+                </c:pt>
+                <c:pt idx="223">
+                  <c:v>327</c:v>
+                </c:pt>
+                <c:pt idx="224">
+                  <c:v>356</c:v>
+                </c:pt>
+                <c:pt idx="225">
+                  <c:v>409</c:v>
+                </c:pt>
+                <c:pt idx="226">
+                  <c:v>490</c:v>
+                </c:pt>
+                <c:pt idx="227">
+                  <c:v>613</c:v>
+                </c:pt>
+                <c:pt idx="228">
+                  <c:v>701</c:v>
+                </c:pt>
+                <c:pt idx="229">
+                  <c:v>774</c:v>
+                </c:pt>
+                <c:pt idx="230">
+                  <c:v>829</c:v>
+                </c:pt>
+                <c:pt idx="231">
+                  <c:v>851</c:v>
+                </c:pt>
+                <c:pt idx="232">
+                  <c:v>840</c:v>
+                </c:pt>
+                <c:pt idx="233">
+                  <c:v>804</c:v>
+                </c:pt>
+                <c:pt idx="234">
+                  <c:v>729</c:v>
+                </c:pt>
+                <c:pt idx="235">
+                  <c:v>615</c:v>
+                </c:pt>
+                <c:pt idx="236">
+                  <c:v>486</c:v>
+                </c:pt>
+                <c:pt idx="237">
+                  <c:v>389</c:v>
+                </c:pt>
+                <c:pt idx="238">
+                  <c:v>333</c:v>
+                </c:pt>
+                <c:pt idx="239">
+                  <c:v>293</c:v>
+                </c:pt>
+                <c:pt idx="240">
+                  <c:v>280</c:v>
+                </c:pt>
+                <c:pt idx="241">
+                  <c:v>273</c:v>
+                </c:pt>
+                <c:pt idx="242">
+                  <c:v>274</c:v>
+                </c:pt>
+                <c:pt idx="243">
+                  <c:v>285</c:v>
+                </c:pt>
+                <c:pt idx="244">
+                  <c:v>314</c:v>
+                </c:pt>
+                <c:pt idx="245">
+                  <c:v>361</c:v>
+                </c:pt>
+                <c:pt idx="246">
+                  <c:v>422</c:v>
+                </c:pt>
+                <c:pt idx="247">
+                  <c:v>514</c:v>
+                </c:pt>
+                <c:pt idx="248">
+                  <c:v>626</c:v>
+                </c:pt>
+                <c:pt idx="249">
+                  <c:v>717</c:v>
+                </c:pt>
+                <c:pt idx="250">
+                  <c:v>815</c:v>
+                </c:pt>
+                <c:pt idx="251">
+                  <c:v>879</c:v>
+                </c:pt>
+                <c:pt idx="252">
+                  <c:v>938</c:v>
+                </c:pt>
+                <c:pt idx="253">
+                  <c:v>960</c:v>
+                </c:pt>
+                <c:pt idx="254">
+                  <c:v>970</c:v>
+                </c:pt>
+                <c:pt idx="255">
+                  <c:v>977</c:v>
+                </c:pt>
+                <c:pt idx="256">
+                  <c:v>979</c:v>
+                </c:pt>
+                <c:pt idx="257">
+                  <c:v>982</c:v>
+                </c:pt>
+                <c:pt idx="258">
+                  <c:v>982</c:v>
+                </c:pt>
+                <c:pt idx="259">
+                  <c:v>982</c:v>
+                </c:pt>
+                <c:pt idx="260">
+                  <c:v>982</c:v>
+                </c:pt>
+                <c:pt idx="261">
+                  <c:v>982</c:v>
+                </c:pt>
+                <c:pt idx="262">
+                  <c:v>982</c:v>
+                </c:pt>
+                <c:pt idx="263">
+                  <c:v>982</c:v>
+                </c:pt>
+                <c:pt idx="264">
+                  <c:v>982</c:v>
+                </c:pt>
+                <c:pt idx="265">
+                  <c:v>982</c:v>
+                </c:pt>
+                <c:pt idx="266">
+                  <c:v>982</c:v>
+                </c:pt>
+                <c:pt idx="267">
+                  <c:v>982</c:v>
+                </c:pt>
+                <c:pt idx="268">
+                  <c:v>982</c:v>
+                </c:pt>
+                <c:pt idx="269">
+                  <c:v>982</c:v>
+                </c:pt>
+                <c:pt idx="270">
+                  <c:v>982</c:v>
+                </c:pt>
+                <c:pt idx="271">
+                  <c:v>982</c:v>
+                </c:pt>
+                <c:pt idx="272">
+                  <c:v>982</c:v>
+                </c:pt>
+                <c:pt idx="273">
+                  <c:v>982</c:v>
+                </c:pt>
+                <c:pt idx="274">
+                  <c:v>982</c:v>
+                </c:pt>
+                <c:pt idx="275">
+                  <c:v>982</c:v>
+                </c:pt>
+                <c:pt idx="276">
+                  <c:v>982</c:v>
+                </c:pt>
+                <c:pt idx="277">
+                  <c:v>982</c:v>
+                </c:pt>
+              </c:numCache>
+            </c:numRef>
+          </c:val>
+          <c:smooth val="0"/>
+        </c:ser>
+        <c:ser>
+          <c:idx val="1"/>
+          <c:order val="1"/>
+          <c:tx>
+            <c:strRef>
+              <c:f>hasImmunity!$C$1</c:f>
+              <c:strCache>
+                <c:ptCount val="1"/>
+                <c:pt idx="0">
+                  <c:v>ウイルス２</c:v>
+                </c:pt>
+              </c:strCache>
+            </c:strRef>
+          </c:tx>
+          <c:marker>
+            <c:symbol val="none"/>
+          </c:marker>
+          <c:val>
+            <c:numRef>
+              <c:f>hasImmunity!$C$2:$C$279</c:f>
+              <c:numCache>
+                <c:formatCode>General</c:formatCode>
+                <c:ptCount val="278"/>
+                <c:pt idx="0">
+                  <c:v>2</c:v>
+                </c:pt>
+                <c:pt idx="1">
+                  <c:v>11</c:v>
+                </c:pt>
+                <c:pt idx="2">
+                  <c:v>34</c:v>
+                </c:pt>
+                <c:pt idx="3">
+                  <c:v>80</c:v>
+                </c:pt>
+                <c:pt idx="4">
+                  <c:v>158</c:v>
+                </c:pt>
+                <c:pt idx="5">
+                  <c:v>211</c:v>
+                </c:pt>
+                <c:pt idx="6">
+                  <c:v>261</c:v>
+                </c:pt>
+                <c:pt idx="7">
+                  <c:v>260</c:v>
+                </c:pt>
+                <c:pt idx="8">
+                  <c:v>224</c:v>
+                </c:pt>
+                <c:pt idx="9">
+                  <c:v>224</c:v>
+                </c:pt>
+                <c:pt idx="10">
+                  <c:v>228</c:v>
+                </c:pt>
+                <c:pt idx="11">
+                  <c:v>261</c:v>
+                </c:pt>
+                <c:pt idx="12">
+                  <c:v>321</c:v>
+                </c:pt>
+                <c:pt idx="13">
+                  <c:v>364</c:v>
+                </c:pt>
+                <c:pt idx="14">
+                  <c:v>343</c:v>
+                </c:pt>
+                <c:pt idx="15">
+                  <c:v>316</c:v>
+                </c:pt>
+                <c:pt idx="16">
+                  <c:v>316</c:v>
+                </c:pt>
+                <c:pt idx="17">
+                  <c:v>331</c:v>
+                </c:pt>
+                <c:pt idx="18">
+                  <c:v>335</c:v>
+                </c:pt>
+                <c:pt idx="19">
+                  <c:v>364</c:v>
+                </c:pt>
+                <c:pt idx="20">
+                  <c:v>371</c:v>
+                </c:pt>
+                <c:pt idx="21">
+                  <c:v>420</c:v>
+                </c:pt>
+                <c:pt idx="22">
+                  <c:v>429</c:v>
+                </c:pt>
+                <c:pt idx="23">
+                  <c:v>415</c:v>
+                </c:pt>
+                <c:pt idx="24">
+                  <c:v>428</c:v>
+                </c:pt>
+                <c:pt idx="25">
+                  <c:v>432</c:v>
+                </c:pt>
+                <c:pt idx="26">
+                  <c:v>420</c:v>
+                </c:pt>
+                <c:pt idx="27">
+                  <c:v>403</c:v>
+                </c:pt>
+                <c:pt idx="28">
+                  <c:v>388</c:v>
+                </c:pt>
+                <c:pt idx="29">
+                  <c:v>360</c:v>
+                </c:pt>
+                <c:pt idx="30">
+                  <c:v>388</c:v>
+                </c:pt>
+                <c:pt idx="31">
+                  <c:v>402</c:v>
+                </c:pt>
+                <c:pt idx="32">
+                  <c:v>426</c:v>
+                </c:pt>
+                <c:pt idx="33">
+                  <c:v>434</c:v>
+                </c:pt>
+                <c:pt idx="34">
+                  <c:v>474</c:v>
+                </c:pt>
+                <c:pt idx="35">
+                  <c:v>500</c:v>
+                </c:pt>
+                <c:pt idx="36">
+                  <c:v>503</c:v>
+                </c:pt>
+                <c:pt idx="37">
+                  <c:v>481</c:v>
+                </c:pt>
+                <c:pt idx="38">
+                  <c:v>473</c:v>
+                </c:pt>
+                <c:pt idx="39">
+                  <c:v>450</c:v>
+                </c:pt>
+                <c:pt idx="40">
+                  <c:v>439</c:v>
+                </c:pt>
+                <c:pt idx="41">
+                  <c:v>418</c:v>
+                </c:pt>
+                <c:pt idx="42">
+                  <c:v>405</c:v>
+                </c:pt>
+                <c:pt idx="43">
+                  <c:v>407</c:v>
+                </c:pt>
+                <c:pt idx="44">
+                  <c:v>402</c:v>
+                </c:pt>
+                <c:pt idx="45">
+                  <c:v>425</c:v>
+                </c:pt>
+                <c:pt idx="46">
+                  <c:v>449</c:v>
+                </c:pt>
+                <c:pt idx="47">
+                  <c:v>476</c:v>
+                </c:pt>
+                <c:pt idx="48">
+                  <c:v>485</c:v>
+                </c:pt>
+                <c:pt idx="49">
+                  <c:v>492</c:v>
+                </c:pt>
+                <c:pt idx="50">
+                  <c:v>486</c:v>
+                </c:pt>
+                <c:pt idx="51">
+                  <c:v>486</c:v>
+                </c:pt>
+                <c:pt idx="52">
+                  <c:v>468</c:v>
+                </c:pt>
+                <c:pt idx="53">
+                  <c:v>492</c:v>
+                </c:pt>
+                <c:pt idx="54">
+                  <c:v>493</c:v>
+                </c:pt>
+                <c:pt idx="55">
+                  <c:v>476</c:v>
+                </c:pt>
+                <c:pt idx="56">
+                  <c:v>489</c:v>
+                </c:pt>
+                <c:pt idx="57">
+                  <c:v>469</c:v>
+                </c:pt>
+                <c:pt idx="58">
+                  <c:v>454</c:v>
+                </c:pt>
+                <c:pt idx="59">
+                  <c:v>459</c:v>
+                </c:pt>
+                <c:pt idx="60">
+                  <c:v>461</c:v>
+                </c:pt>
+                <c:pt idx="61">
+                  <c:v>473</c:v>
+                </c:pt>
+                <c:pt idx="62">
+                  <c:v>494</c:v>
+                </c:pt>
+                <c:pt idx="63">
+                  <c:v>508</c:v>
+                </c:pt>
+                <c:pt idx="64">
+                  <c:v>502</c:v>
+                </c:pt>
+                <c:pt idx="65">
+                  <c:v>494</c:v>
+                </c:pt>
+                <c:pt idx="66">
+                  <c:v>478</c:v>
+                </c:pt>
+                <c:pt idx="67">
+                  <c:v>485</c:v>
+                </c:pt>
+                <c:pt idx="68">
+                  <c:v>499</c:v>
+                </c:pt>
+                <c:pt idx="69">
+                  <c:v>490</c:v>
+                </c:pt>
+                <c:pt idx="70">
+                  <c:v>488</c:v>
+                </c:pt>
+                <c:pt idx="71">
+                  <c:v>479</c:v>
+                </c:pt>
+                <c:pt idx="72">
+                  <c:v>482</c:v>
+                </c:pt>
+                <c:pt idx="73">
+                  <c:v>494</c:v>
+                </c:pt>
+                <c:pt idx="74">
+                  <c:v>501</c:v>
+                </c:pt>
+                <c:pt idx="75">
+                  <c:v>499</c:v>
+                </c:pt>
+                <c:pt idx="76">
+                  <c:v>508</c:v>
+                </c:pt>
+                <c:pt idx="77">
+                  <c:v>502</c:v>
+                </c:pt>
+                <c:pt idx="78">
+                  <c:v>496</c:v>
+                </c:pt>
+                <c:pt idx="79">
+                  <c:v>500</c:v>
+                </c:pt>
+                <c:pt idx="80">
+                  <c:v>476</c:v>
+                </c:pt>
+                <c:pt idx="81">
+                  <c:v>480</c:v>
+                </c:pt>
+                <c:pt idx="82">
+                  <c:v>493</c:v>
+                </c:pt>
+                <c:pt idx="83">
+                  <c:v>487</c:v>
+                </c:pt>
+                <c:pt idx="84">
+                  <c:v>528</c:v>
+                </c:pt>
+                <c:pt idx="85">
+                  <c:v>540</c:v>
+                </c:pt>
+                <c:pt idx="86">
+                  <c:v>542</c:v>
+                </c:pt>
+                <c:pt idx="87">
+                  <c:v>533</c:v>
+                </c:pt>
+                <c:pt idx="88">
+                  <c:v>529</c:v>
+                </c:pt>
+                <c:pt idx="89">
+                  <c:v>528</c:v>
+                </c:pt>
+                <c:pt idx="90">
+                  <c:v>531</c:v>
+                </c:pt>
+                <c:pt idx="91">
+                  <c:v>514</c:v>
+                </c:pt>
+                <c:pt idx="92">
+                  <c:v>503</c:v>
+                </c:pt>
+                <c:pt idx="93">
+                  <c:v>490</c:v>
+                </c:pt>
+                <c:pt idx="94">
+                  <c:v>489</c:v>
+                </c:pt>
+                <c:pt idx="95">
+                  <c:v>482</c:v>
+                </c:pt>
+                <c:pt idx="96">
+                  <c:v>469</c:v>
+                </c:pt>
+                <c:pt idx="97">
+                  <c:v>465</c:v>
+                </c:pt>
+                <c:pt idx="98">
+                  <c:v>470</c:v>
+                </c:pt>
+                <c:pt idx="99">
+                  <c:v>495</c:v>
+                </c:pt>
+                <c:pt idx="100">
+                  <c:v>508</c:v>
+                </c:pt>
+                <c:pt idx="101">
+                  <c:v>527</c:v>
+                </c:pt>
+                <c:pt idx="102">
+                  <c:v>522</c:v>
+                </c:pt>
+                <c:pt idx="103">
+                  <c:v>532</c:v>
+                </c:pt>
+                <c:pt idx="104">
+                  <c:v>563</c:v>
+                </c:pt>
+                <c:pt idx="105">
+                  <c:v>547</c:v>
+                </c:pt>
+                <c:pt idx="106">
+                  <c:v>528</c:v>
+                </c:pt>
+                <c:pt idx="107">
+                  <c:v>540</c:v>
+                </c:pt>
+                <c:pt idx="108">
+                  <c:v>545</c:v>
+                </c:pt>
+                <c:pt idx="109">
+                  <c:v>532</c:v>
+                </c:pt>
+                <c:pt idx="110">
+                  <c:v>513</c:v>
+                </c:pt>
+                <c:pt idx="111">
+                  <c:v>480</c:v>
+                </c:pt>
+                <c:pt idx="112">
+                  <c:v>473</c:v>
+                </c:pt>
+                <c:pt idx="113">
+                  <c:v>459</c:v>
+                </c:pt>
+                <c:pt idx="114">
+                  <c:v>443</c:v>
+                </c:pt>
+                <c:pt idx="115">
+                  <c:v>445</c:v>
+                </c:pt>
+                <c:pt idx="116">
+                  <c:v>466</c:v>
+                </c:pt>
+                <c:pt idx="117">
+                  <c:v>486</c:v>
+                </c:pt>
+                <c:pt idx="118">
+                  <c:v>528</c:v>
+                </c:pt>
+                <c:pt idx="119">
+                  <c:v>544</c:v>
+                </c:pt>
+                <c:pt idx="120">
+                  <c:v>581</c:v>
+                </c:pt>
+                <c:pt idx="121">
+                  <c:v>602</c:v>
+                </c:pt>
+                <c:pt idx="122">
+                  <c:v>609</c:v>
+                </c:pt>
+                <c:pt idx="123">
+                  <c:v>607</c:v>
+                </c:pt>
+                <c:pt idx="124">
+                  <c:v>580</c:v>
+                </c:pt>
+                <c:pt idx="125">
+                  <c:v>547</c:v>
+                </c:pt>
+                <c:pt idx="126">
+                  <c:v>538</c:v>
+                </c:pt>
+                <c:pt idx="127">
+                  <c:v>524</c:v>
+                </c:pt>
+                <c:pt idx="128">
+                  <c:v>484</c:v>
+                </c:pt>
+                <c:pt idx="129">
+                  <c:v>457</c:v>
+                </c:pt>
+                <c:pt idx="130">
+                  <c:v>457</c:v>
+                </c:pt>
+                <c:pt idx="131">
+                  <c:v>457</c:v>
+                </c:pt>
+                <c:pt idx="132">
+                  <c:v>459</c:v>
+                </c:pt>
+                <c:pt idx="133">
+                  <c:v>476</c:v>
+                </c:pt>
+                <c:pt idx="134">
+                  <c:v>511</c:v>
+                </c:pt>
+                <c:pt idx="135">
+                  <c:v>525</c:v>
+                </c:pt>
+                <c:pt idx="136">
+                  <c:v>549</c:v>
+                </c:pt>
+                <c:pt idx="137">
+                  <c:v>598</c:v>
+                </c:pt>
+                <c:pt idx="138">
+                  <c:v>628</c:v>
+                </c:pt>
+                <c:pt idx="139">
+                  <c:v>642</c:v>
+                </c:pt>
+                <c:pt idx="140">
+                  <c:v>652</c:v>
+                </c:pt>
+                <c:pt idx="141">
+                  <c:v>636</c:v>
+                </c:pt>
+                <c:pt idx="142">
+                  <c:v>598</c:v>
+                </c:pt>
+                <c:pt idx="143">
+                  <c:v>519</c:v>
+                </c:pt>
+                <c:pt idx="144">
+                  <c:v>464</c:v>
+                </c:pt>
+                <c:pt idx="145">
+                  <c:v>427</c:v>
+                </c:pt>
+                <c:pt idx="146">
+                  <c:v>413</c:v>
+                </c:pt>
+                <c:pt idx="147">
+                  <c:v>390</c:v>
+                </c:pt>
+                <c:pt idx="148">
+                  <c:v>385</c:v>
+                </c:pt>
+                <c:pt idx="149">
+                  <c:v>417</c:v>
+                </c:pt>
+                <c:pt idx="150">
+                  <c:v>427</c:v>
+                </c:pt>
+                <c:pt idx="151">
+                  <c:v>464</c:v>
+                </c:pt>
+                <c:pt idx="152">
+                  <c:v>524</c:v>
+                </c:pt>
+                <c:pt idx="153">
+                  <c:v>570</c:v>
+                </c:pt>
+                <c:pt idx="154">
+                  <c:v>591</c:v>
+                </c:pt>
+                <c:pt idx="155">
+                  <c:v>625</c:v>
+                </c:pt>
+                <c:pt idx="156">
+                  <c:v>620</c:v>
+                </c:pt>
+                <c:pt idx="157">
+                  <c:v>602</c:v>
+                </c:pt>
+                <c:pt idx="158">
+                  <c:v>570</c:v>
+                </c:pt>
+                <c:pt idx="159">
+                  <c:v>530</c:v>
+                </c:pt>
+                <c:pt idx="160">
+                  <c:v>476</c:v>
+                </c:pt>
+                <c:pt idx="161">
+                  <c:v>409</c:v>
+                </c:pt>
+                <c:pt idx="162">
+                  <c:v>374</c:v>
+                </c:pt>
+                <c:pt idx="163">
+                  <c:v>363</c:v>
+                </c:pt>
+                <c:pt idx="164">
+                  <c:v>387</c:v>
+                </c:pt>
+                <c:pt idx="165">
+                  <c:v>412</c:v>
+                </c:pt>
+                <c:pt idx="166">
+                  <c:v>452</c:v>
+                </c:pt>
+                <c:pt idx="167">
+                  <c:v>483</c:v>
+                </c:pt>
+                <c:pt idx="168">
+                  <c:v>563</c:v>
+                </c:pt>
+                <c:pt idx="169">
+                  <c:v>616</c:v>
+                </c:pt>
+                <c:pt idx="170">
+                  <c:v>668</c:v>
+                </c:pt>
+                <c:pt idx="171">
+                  <c:v>698</c:v>
+                </c:pt>
+                <c:pt idx="172">
+                  <c:v>715</c:v>
+                </c:pt>
+                <c:pt idx="173">
+                  <c:v>687</c:v>
+                </c:pt>
+                <c:pt idx="174">
+                  <c:v>616</c:v>
+                </c:pt>
+                <c:pt idx="175">
+                  <c:v>526</c:v>
+                </c:pt>
+                <c:pt idx="176">
+                  <c:v>454</c:v>
+                </c:pt>
+                <c:pt idx="177">
+                  <c:v>402</c:v>
+                </c:pt>
+                <c:pt idx="178">
+                  <c:v>364</c:v>
+                </c:pt>
+                <c:pt idx="179">
+                  <c:v>363</c:v>
+                </c:pt>
+                <c:pt idx="180">
+                  <c:v>365</c:v>
+                </c:pt>
+                <c:pt idx="181">
+                  <c:v>393</c:v>
+                </c:pt>
+                <c:pt idx="182">
+                  <c:v>412</c:v>
+                </c:pt>
+                <c:pt idx="183">
+                  <c:v>465</c:v>
+                </c:pt>
+                <c:pt idx="184">
+                  <c:v>544</c:v>
+                </c:pt>
+                <c:pt idx="185">
+                  <c:v>617</c:v>
+                </c:pt>
+                <c:pt idx="186">
+                  <c:v>660</c:v>
+                </c:pt>
+                <c:pt idx="187">
+                  <c:v>691</c:v>
+                </c:pt>
+                <c:pt idx="188">
+                  <c:v>724</c:v>
+                </c:pt>
+                <c:pt idx="189">
+                  <c:v>722</c:v>
+                </c:pt>
+                <c:pt idx="190">
+                  <c:v>662</c:v>
+                </c:pt>
+                <c:pt idx="191">
+                  <c:v>602</c:v>
+                </c:pt>
+                <c:pt idx="192">
+                  <c:v>526</c:v>
+                </c:pt>
+                <c:pt idx="193">
+                  <c:v>448</c:v>
+                </c:pt>
+                <c:pt idx="194">
+                  <c:v>403</c:v>
+                </c:pt>
+                <c:pt idx="195">
+                  <c:v>380</c:v>
+                </c:pt>
+                <c:pt idx="196">
+                  <c:v>361</c:v>
+                </c:pt>
+                <c:pt idx="197">
+                  <c:v>362</c:v>
+                </c:pt>
+                <c:pt idx="198">
+                  <c:v>386</c:v>
+                </c:pt>
+                <c:pt idx="199">
+                  <c:v>403</c:v>
+                </c:pt>
+                <c:pt idx="200">
+                  <c:v>452</c:v>
+                </c:pt>
+                <c:pt idx="201">
+                  <c:v>531</c:v>
+                </c:pt>
+                <c:pt idx="202">
+                  <c:v>598</c:v>
+                </c:pt>
+                <c:pt idx="203">
+                  <c:v>656</c:v>
+                </c:pt>
+                <c:pt idx="204">
+                  <c:v>700</c:v>
+                </c:pt>
+                <c:pt idx="205">
+                  <c:v>731</c:v>
+                </c:pt>
+                <c:pt idx="206">
+                  <c:v>727</c:v>
+                </c:pt>
+                <c:pt idx="207">
+                  <c:v>679</c:v>
+                </c:pt>
+                <c:pt idx="208">
+                  <c:v>596</c:v>
+                </c:pt>
+                <c:pt idx="209">
+                  <c:v>496</c:v>
+                </c:pt>
+                <c:pt idx="210">
+                  <c:v>428</c:v>
+                </c:pt>
+                <c:pt idx="211">
+                  <c:v>390</c:v>
+                </c:pt>
+                <c:pt idx="212">
+                  <c:v>367</c:v>
+                </c:pt>
+                <c:pt idx="213">
+                  <c:v>375</c:v>
+                </c:pt>
+                <c:pt idx="214">
+                  <c:v>373</c:v>
+                </c:pt>
+                <c:pt idx="215">
+                  <c:v>385</c:v>
+                </c:pt>
+                <c:pt idx="216">
+                  <c:v>413</c:v>
+                </c:pt>
+                <c:pt idx="217">
+                  <c:v>465</c:v>
+                </c:pt>
+                <c:pt idx="218">
+                  <c:v>534</c:v>
+                </c:pt>
+                <c:pt idx="219">
+                  <c:v>642</c:v>
+                </c:pt>
+                <c:pt idx="220">
+                  <c:v>700</c:v>
+                </c:pt>
+                <c:pt idx="221">
+                  <c:v>755</c:v>
+                </c:pt>
+                <c:pt idx="222">
+                  <c:v>803</c:v>
+                </c:pt>
+                <c:pt idx="223">
+                  <c:v>795</c:v>
+                </c:pt>
+                <c:pt idx="224">
+                  <c:v>735</c:v>
+                </c:pt>
+                <c:pt idx="225">
+                  <c:v>640</c:v>
+                </c:pt>
+                <c:pt idx="226">
+                  <c:v>497</c:v>
+                </c:pt>
+                <c:pt idx="227">
+                  <c:v>391</c:v>
+                </c:pt>
+                <c:pt idx="228">
+                  <c:v>338</c:v>
+                </c:pt>
+                <c:pt idx="229">
+                  <c:v>314</c:v>
+                </c:pt>
+                <c:pt idx="230">
+                  <c:v>304</c:v>
+                </c:pt>
+                <c:pt idx="231">
+                  <c:v>304</c:v>
+                </c:pt>
+                <c:pt idx="232">
+                  <c:v>319</c:v>
+                </c:pt>
+                <c:pt idx="233">
+                  <c:v>343</c:v>
+                </c:pt>
+                <c:pt idx="234">
+                  <c:v>390</c:v>
+                </c:pt>
+                <c:pt idx="235">
+                  <c:v>441</c:v>
+                </c:pt>
+                <c:pt idx="236">
+                  <c:v>537</c:v>
+                </c:pt>
+                <c:pt idx="237">
+                  <c:v>633</c:v>
+                </c:pt>
+                <c:pt idx="238">
+                  <c:v>721</c:v>
+                </c:pt>
+                <c:pt idx="239">
+                  <c:v>798</c:v>
+                </c:pt>
+                <c:pt idx="240">
+                  <c:v>854</c:v>
+                </c:pt>
+                <c:pt idx="241">
+                  <c:v>903</c:v>
+                </c:pt>
+                <c:pt idx="242">
+                  <c:v>918</c:v>
+                </c:pt>
+                <c:pt idx="243">
+                  <c:v>906</c:v>
+                </c:pt>
+                <c:pt idx="244">
+                  <c:v>850</c:v>
+                </c:pt>
+                <c:pt idx="245">
+                  <c:v>765</c:v>
+                </c:pt>
+                <c:pt idx="246">
+                  <c:v>628</c:v>
+                </c:pt>
+                <c:pt idx="247">
+                  <c:v>478</c:v>
+                </c:pt>
+                <c:pt idx="248">
+                  <c:v>363</c:v>
+                </c:pt>
+                <c:pt idx="249">
+                  <c:v>312</c:v>
+                </c:pt>
+                <c:pt idx="250">
+                  <c:v>290</c:v>
+                </c:pt>
+                <c:pt idx="251">
+                  <c:v>273</c:v>
+                </c:pt>
+                <c:pt idx="252">
+                  <c:v>268</c:v>
+                </c:pt>
+                <c:pt idx="253">
+                  <c:v>266</c:v>
+                </c:pt>
+                <c:pt idx="254">
+                  <c:v>264</c:v>
+                </c:pt>
+                <c:pt idx="255">
+                  <c:v>263</c:v>
+                </c:pt>
+                <c:pt idx="256">
+                  <c:v>263</c:v>
+                </c:pt>
+                <c:pt idx="257">
+                  <c:v>263</c:v>
+                </c:pt>
+                <c:pt idx="258">
+                  <c:v>263</c:v>
+                </c:pt>
+                <c:pt idx="259">
+                  <c:v>263</c:v>
+                </c:pt>
+                <c:pt idx="260">
+                  <c:v>263</c:v>
+                </c:pt>
+                <c:pt idx="261">
+                  <c:v>263</c:v>
+                </c:pt>
+                <c:pt idx="262">
+                  <c:v>263</c:v>
+                </c:pt>
+                <c:pt idx="263">
+                  <c:v>263</c:v>
+                </c:pt>
+                <c:pt idx="264">
+                  <c:v>263</c:v>
+                </c:pt>
+                <c:pt idx="265">
+                  <c:v>263</c:v>
+                </c:pt>
+                <c:pt idx="266">
+                  <c:v>263</c:v>
+                </c:pt>
+                <c:pt idx="267">
+                  <c:v>263</c:v>
+                </c:pt>
+                <c:pt idx="268">
+                  <c:v>263</c:v>
+                </c:pt>
+                <c:pt idx="269">
+                  <c:v>263</c:v>
+                </c:pt>
+                <c:pt idx="270">
+                  <c:v>263</c:v>
+                </c:pt>
+                <c:pt idx="271">
+                  <c:v>263</c:v>
+                </c:pt>
+                <c:pt idx="272">
+                  <c:v>263</c:v>
+                </c:pt>
+                <c:pt idx="273">
+                  <c:v>263</c:v>
+                </c:pt>
+                <c:pt idx="274">
+                  <c:v>263</c:v>
+                </c:pt>
+                <c:pt idx="275">
+                  <c:v>263</c:v>
+                </c:pt>
+                <c:pt idx="276">
+                  <c:v>263</c:v>
+                </c:pt>
+                <c:pt idx="277">
+                  <c:v>263</c:v>
+                </c:pt>
+              </c:numCache>
+            </c:numRef>
+          </c:val>
+          <c:smooth val="0"/>
+        </c:ser>
+        <c:ser>
+          <c:idx val="2"/>
+          <c:order val="2"/>
+          <c:tx>
+            <c:strRef>
+              <c:f>hasImmunity!$D$1</c:f>
+              <c:strCache>
+                <c:ptCount val="1"/>
+                <c:pt idx="0">
+                  <c:v>全ウイルス</c:v>
+                </c:pt>
+              </c:strCache>
+            </c:strRef>
+          </c:tx>
+          <c:marker>
+            <c:symbol val="none"/>
+          </c:marker>
+          <c:val>
+            <c:numRef>
+              <c:f>hasImmunity!$D$2:$D$279</c:f>
+              <c:numCache>
+                <c:formatCode>General</c:formatCode>
+                <c:ptCount val="278"/>
+                <c:pt idx="0">
+                  <c:v>0</c:v>
+                </c:pt>
+                <c:pt idx="1">
+                  <c:v>0</c:v>
+                </c:pt>
+                <c:pt idx="2">
+                  <c:v>0</c:v>
+                </c:pt>
+                <c:pt idx="3">
+                  <c:v>1</c:v>
+                </c:pt>
+                <c:pt idx="4">
+                  <c:v>2</c:v>
+                </c:pt>
+                <c:pt idx="5">
+                  <c:v>2</c:v>
+                </c:pt>
+                <c:pt idx="6">
+                  <c:v>5</c:v>
+                </c:pt>
+                <c:pt idx="7">
+                  <c:v>10</c:v>
+                </c:pt>
+                <c:pt idx="8">
+                  <c:v>18</c:v>
+                </c:pt>
+                <c:pt idx="9">
+                  <c:v>31</c:v>
+                </c:pt>
+                <c:pt idx="10">
+                  <c:v>46</c:v>
+                </c:pt>
+                <c:pt idx="11">
+                  <c:v>58</c:v>
+                </c:pt>
+                <c:pt idx="12">
+                  <c:v>69</c:v>
+                </c:pt>
+                <c:pt idx="13">
+                  <c:v>77</c:v>
+                </c:pt>
+                <c:pt idx="14">
+                  <c:v>85</c:v>
+                </c:pt>
+                <c:pt idx="15">
+                  <c:v>96</c:v>
+                </c:pt>
+                <c:pt idx="16">
+                  <c:v>109</c:v>
+                </c:pt>
+                <c:pt idx="17">
+                  <c:v>113</c:v>
+                </c:pt>
+                <c:pt idx="18">
+                  <c:v>123</c:v>
+                </c:pt>
+                <c:pt idx="19">
+                  <c:v>127</c:v>
+                </c:pt>
+                <c:pt idx="20">
+                  <c:v>134</c:v>
+                </c:pt>
+                <c:pt idx="21">
+                  <c:v>140</c:v>
+                </c:pt>
+                <c:pt idx="22">
+                  <c:v>144</c:v>
+                </c:pt>
+                <c:pt idx="23">
+                  <c:v>146</c:v>
+                </c:pt>
+                <c:pt idx="24">
+                  <c:v>153</c:v>
+                </c:pt>
+                <c:pt idx="25">
+                  <c:v>156</c:v>
+                </c:pt>
+                <c:pt idx="26">
+                  <c:v>158</c:v>
+                </c:pt>
+                <c:pt idx="27">
+                  <c:v>162</c:v>
+                </c:pt>
+                <c:pt idx="28">
+                  <c:v>167</c:v>
+                </c:pt>
+                <c:pt idx="29">
+                  <c:v>169</c:v>
+                </c:pt>
+                <c:pt idx="30">
+                  <c:v>173</c:v>
+                </c:pt>
+                <c:pt idx="31">
+                  <c:v>176</c:v>
+                </c:pt>
+                <c:pt idx="32">
+                  <c:v>178</c:v>
+                </c:pt>
+                <c:pt idx="33">
+                  <c:v>179</c:v>
+                </c:pt>
+                <c:pt idx="34">
+                  <c:v>181</c:v>
+                </c:pt>
+                <c:pt idx="35">
+                  <c:v>185</c:v>
+                </c:pt>
+                <c:pt idx="36">
+                  <c:v>186</c:v>
+                </c:pt>
+                <c:pt idx="37">
+                  <c:v>187</c:v>
+                </c:pt>
+                <c:pt idx="38">
+                  <c:v>191</c:v>
+                </c:pt>
+                <c:pt idx="39">
+                  <c:v>194</c:v>
+                </c:pt>
+                <c:pt idx="40">
+                  <c:v>194</c:v>
+                </c:pt>
+                <c:pt idx="41">
+                  <c:v>195</c:v>
+                </c:pt>
+                <c:pt idx="42">
+                  <c:v>196</c:v>
+                </c:pt>
+                <c:pt idx="43">
+                  <c:v>197</c:v>
+                </c:pt>
+                <c:pt idx="44">
+                  <c:v>198</c:v>
+                </c:pt>
+                <c:pt idx="45">
+                  <c:v>199</c:v>
+                </c:pt>
+                <c:pt idx="46">
+                  <c:v>200</c:v>
+                </c:pt>
+                <c:pt idx="47">
+                  <c:v>204</c:v>
+                </c:pt>
+                <c:pt idx="48">
+                  <c:v>204</c:v>
+                </c:pt>
+                <c:pt idx="49">
+                  <c:v>204</c:v>
+                </c:pt>
+                <c:pt idx="50">
+                  <c:v>207</c:v>
+                </c:pt>
+                <c:pt idx="51">
+                  <c:v>208</c:v>
+                </c:pt>
+                <c:pt idx="52">
+                  <c:v>209</c:v>
+                </c:pt>
+                <c:pt idx="53">
+                  <c:v>210</c:v>
+                </c:pt>
+                <c:pt idx="54">
+                  <c:v>210</c:v>
+                </c:pt>
+                <c:pt idx="55">
+                  <c:v>210</c:v>
+                </c:pt>
+                <c:pt idx="56">
+                  <c:v>210</c:v>
+                </c:pt>
+                <c:pt idx="57">
+                  <c:v>211</c:v>
+                </c:pt>
+                <c:pt idx="58">
+                  <c:v>214</c:v>
+                </c:pt>
+                <c:pt idx="59">
+                  <c:v>214</c:v>
+                </c:pt>
+                <c:pt idx="60">
+                  <c:v>215</c:v>
+                </c:pt>
+                <c:pt idx="61">
+                  <c:v>217</c:v>
+                </c:pt>
+                <c:pt idx="62">
+                  <c:v>218</c:v>
+                </c:pt>
+                <c:pt idx="63">
+                  <c:v>221</c:v>
+                </c:pt>
+                <c:pt idx="64">
+                  <c:v>223</c:v>
+                </c:pt>
+                <c:pt idx="65">
+                  <c:v>225</c:v>
+                </c:pt>
+                <c:pt idx="66">
+                  <c:v>226</c:v>
+                </c:pt>
+                <c:pt idx="67">
+                  <c:v>226</c:v>
+                </c:pt>
+                <c:pt idx="68">
+                  <c:v>226</c:v>
+                </c:pt>
+                <c:pt idx="69">
+                  <c:v>226</c:v>
+                </c:pt>
+                <c:pt idx="70">
+                  <c:v>226</c:v>
+                </c:pt>
+                <c:pt idx="71">
+                  <c:v>228</c:v>
+                </c:pt>
+                <c:pt idx="72">
+                  <c:v>228</c:v>
+                </c:pt>
+                <c:pt idx="73">
+                  <c:v>228</c:v>
+                </c:pt>
+                <c:pt idx="74">
+                  <c:v>228</c:v>
+                </c:pt>
+                <c:pt idx="75">
+                  <c:v>229</c:v>
+                </c:pt>
+                <c:pt idx="76">
+                  <c:v>229</c:v>
+                </c:pt>
+                <c:pt idx="77">
+                  <c:v>230</c:v>
+                </c:pt>
+                <c:pt idx="78">
+                  <c:v>230</c:v>
+                </c:pt>
+                <c:pt idx="79">
+                  <c:v>231</c:v>
+                </c:pt>
+                <c:pt idx="80">
+                  <c:v>231</c:v>
+                </c:pt>
+                <c:pt idx="81">
+                  <c:v>231</c:v>
+                </c:pt>
+                <c:pt idx="82">
+                  <c:v>234</c:v>
+                </c:pt>
+                <c:pt idx="83">
+                  <c:v>234</c:v>
+                </c:pt>
+                <c:pt idx="84">
+                  <c:v>234</c:v>
+                </c:pt>
+                <c:pt idx="85">
+                  <c:v>234</c:v>
+                </c:pt>
+                <c:pt idx="86">
+                  <c:v>234</c:v>
+                </c:pt>
+                <c:pt idx="87">
+                  <c:v>234</c:v>
+                </c:pt>
+                <c:pt idx="88">
+                  <c:v>236</c:v>
+                </c:pt>
+                <c:pt idx="89">
+                  <c:v>237</c:v>
+                </c:pt>
+                <c:pt idx="90">
+                  <c:v>238</c:v>
+                </c:pt>
+                <c:pt idx="91">
+                  <c:v>238</c:v>
+                </c:pt>
+                <c:pt idx="92">
+                  <c:v>238</c:v>
+                </c:pt>
+                <c:pt idx="93">
+                  <c:v>238</c:v>
+                </c:pt>
+                <c:pt idx="94">
+                  <c:v>238</c:v>
+                </c:pt>
+                <c:pt idx="95">
+                  <c:v>239</c:v>
+                </c:pt>
+                <c:pt idx="96">
+                  <c:v>239</c:v>
+                </c:pt>
+                <c:pt idx="97">
+                  <c:v>240</c:v>
+                </c:pt>
+                <c:pt idx="98">
+                  <c:v>240</c:v>
+                </c:pt>
+                <c:pt idx="99">
+                  <c:v>240</c:v>
+                </c:pt>
+                <c:pt idx="100">
+                  <c:v>240</c:v>
+                </c:pt>
+                <c:pt idx="101">
+                  <c:v>240</c:v>
+                </c:pt>
+                <c:pt idx="102">
+                  <c:v>240</c:v>
+                </c:pt>
+                <c:pt idx="103">
+                  <c:v>241</c:v>
+                </c:pt>
+                <c:pt idx="104">
+                  <c:v>241</c:v>
+                </c:pt>
+                <c:pt idx="105">
+                  <c:v>241</c:v>
+                </c:pt>
+                <c:pt idx="106">
+                  <c:v>241</c:v>
+                </c:pt>
+                <c:pt idx="107">
+                  <c:v>241</c:v>
+                </c:pt>
+                <c:pt idx="108">
+                  <c:v>241</c:v>
+                </c:pt>
+                <c:pt idx="109">
+                  <c:v>241</c:v>
+                </c:pt>
+                <c:pt idx="110">
+                  <c:v>241</c:v>
+                </c:pt>
+                <c:pt idx="111">
+                  <c:v>242</c:v>
+                </c:pt>
+                <c:pt idx="112">
+                  <c:v>242</c:v>
+                </c:pt>
+                <c:pt idx="113">
+                  <c:v>242</c:v>
+                </c:pt>
+                <c:pt idx="114">
+                  <c:v>243</c:v>
+                </c:pt>
+                <c:pt idx="115">
+                  <c:v>243</c:v>
+                </c:pt>
+                <c:pt idx="116">
+                  <c:v>243</c:v>
+                </c:pt>
+                <c:pt idx="117">
+                  <c:v>243</c:v>
+                </c:pt>
+                <c:pt idx="118">
+                  <c:v>243</c:v>
+                </c:pt>
+                <c:pt idx="119">
+                  <c:v>243</c:v>
+                </c:pt>
+                <c:pt idx="120">
+                  <c:v>243</c:v>
+                </c:pt>
+                <c:pt idx="121">
+                  <c:v>243</c:v>
+                </c:pt>
+                <c:pt idx="122">
+                  <c:v>243</c:v>
+                </c:pt>
+                <c:pt idx="123">
+                  <c:v>243</c:v>
+                </c:pt>
+                <c:pt idx="124">
+                  <c:v>243</c:v>
+                </c:pt>
+                <c:pt idx="125">
+                  <c:v>243</c:v>
+                </c:pt>
+                <c:pt idx="126">
+                  <c:v>243</c:v>
+                </c:pt>
+                <c:pt idx="127">
+                  <c:v>243</c:v>
+                </c:pt>
+                <c:pt idx="128">
+                  <c:v>243</c:v>
+                </c:pt>
+                <c:pt idx="129">
+                  <c:v>243</c:v>
+                </c:pt>
+                <c:pt idx="130">
+                  <c:v>243</c:v>
+                </c:pt>
+                <c:pt idx="131">
+                  <c:v>243</c:v>
+                </c:pt>
+                <c:pt idx="132">
+                  <c:v>244</c:v>
+                </c:pt>
+                <c:pt idx="133">
+                  <c:v>244</c:v>
+                </c:pt>
+                <c:pt idx="134">
+                  <c:v>244</c:v>
+                </c:pt>
+                <c:pt idx="135">
+                  <c:v>244</c:v>
+                </c:pt>
+                <c:pt idx="136">
+                  <c:v>244</c:v>
+                </c:pt>
+                <c:pt idx="137">
+                  <c:v>244</c:v>
+                </c:pt>
+                <c:pt idx="138">
+                  <c:v>244</c:v>
+                </c:pt>
+                <c:pt idx="139">
+                  <c:v>244</c:v>
+                </c:pt>
+                <c:pt idx="140">
+                  <c:v>244</c:v>
+                </c:pt>
+                <c:pt idx="141">
+                  <c:v>244</c:v>
+                </c:pt>
+                <c:pt idx="142">
+                  <c:v>244</c:v>
+                </c:pt>
+                <c:pt idx="143">
+                  <c:v>244</c:v>
+                </c:pt>
+                <c:pt idx="144">
+                  <c:v>244</c:v>
+                </c:pt>
+                <c:pt idx="145">
+                  <c:v>244</c:v>
+                </c:pt>
+                <c:pt idx="146">
+                  <c:v>244</c:v>
+                </c:pt>
+                <c:pt idx="147">
+                  <c:v>244</c:v>
+                </c:pt>
+                <c:pt idx="148">
+                  <c:v>244</c:v>
+                </c:pt>
+                <c:pt idx="149">
+                  <c:v>244</c:v>
+                </c:pt>
+                <c:pt idx="150">
+                  <c:v>244</c:v>
+                </c:pt>
+                <c:pt idx="151">
+                  <c:v>244</c:v>
+                </c:pt>
+                <c:pt idx="152">
+                  <c:v>244</c:v>
+                </c:pt>
+                <c:pt idx="153">
+                  <c:v>244</c:v>
+                </c:pt>
+                <c:pt idx="154">
+                  <c:v>244</c:v>
+                </c:pt>
+                <c:pt idx="155">
+                  <c:v>244</c:v>
+                </c:pt>
+                <c:pt idx="156">
+                  <c:v>245</c:v>
+                </c:pt>
+                <c:pt idx="157">
+                  <c:v>245</c:v>
+                </c:pt>
+                <c:pt idx="158">
+                  <c:v>245</c:v>
+                </c:pt>
+                <c:pt idx="159">
+                  <c:v>245</c:v>
+                </c:pt>
+                <c:pt idx="160">
+                  <c:v>245</c:v>
+                </c:pt>
+                <c:pt idx="161">
+                  <c:v>245</c:v>
+                </c:pt>
+                <c:pt idx="162">
+                  <c:v>245</c:v>
+                </c:pt>
+                <c:pt idx="163">
+                  <c:v>245</c:v>
+                </c:pt>
+                <c:pt idx="164">
+                  <c:v>245</c:v>
+                </c:pt>
+                <c:pt idx="165">
+                  <c:v>245</c:v>
+                </c:pt>
+                <c:pt idx="166">
+                  <c:v>245</c:v>
+                </c:pt>
+                <c:pt idx="167">
+                  <c:v>245</c:v>
+                </c:pt>
+                <c:pt idx="168">
+                  <c:v>245</c:v>
+                </c:pt>
+                <c:pt idx="169">
+                  <c:v>245</c:v>
+                </c:pt>
+                <c:pt idx="170">
+                  <c:v>245</c:v>
+                </c:pt>
+                <c:pt idx="171">
+                  <c:v>245</c:v>
+                </c:pt>
+                <c:pt idx="172">
+                  <c:v>245</c:v>
+                </c:pt>
+                <c:pt idx="173">
+                  <c:v>245</c:v>
+                </c:pt>
+                <c:pt idx="174">
+                  <c:v>245</c:v>
+                </c:pt>
+                <c:pt idx="175">
+                  <c:v>245</c:v>
+                </c:pt>
+                <c:pt idx="176">
+                  <c:v>245</c:v>
+                </c:pt>
+                <c:pt idx="177">
+                  <c:v>245</c:v>
+                </c:pt>
+                <c:pt idx="178">
+                  <c:v>245</c:v>
+                </c:pt>
+                <c:pt idx="179">
+                  <c:v>245</c:v>
+                </c:pt>
+                <c:pt idx="180">
+                  <c:v>245</c:v>
+                </c:pt>
+                <c:pt idx="181">
+                  <c:v>245</c:v>
+                </c:pt>
+                <c:pt idx="182">
+                  <c:v>245</c:v>
+                </c:pt>
+                <c:pt idx="183">
+                  <c:v>245</c:v>
+                </c:pt>
+                <c:pt idx="184">
+                  <c:v>245</c:v>
+                </c:pt>
+                <c:pt idx="185">
+                  <c:v>245</c:v>
+                </c:pt>
+                <c:pt idx="186">
+                  <c:v>245</c:v>
+                </c:pt>
+                <c:pt idx="187">
+                  <c:v>245</c:v>
+                </c:pt>
+                <c:pt idx="188">
+                  <c:v>245</c:v>
+                </c:pt>
+                <c:pt idx="189">
+                  <c:v>245</c:v>
+                </c:pt>
+                <c:pt idx="190">
+                  <c:v>245</c:v>
+                </c:pt>
+                <c:pt idx="191">
+                  <c:v>245</c:v>
+                </c:pt>
+                <c:pt idx="192">
+                  <c:v>245</c:v>
+                </c:pt>
+                <c:pt idx="193">
+                  <c:v>245</c:v>
+                </c:pt>
+                <c:pt idx="194">
+                  <c:v>245</c:v>
+                </c:pt>
+                <c:pt idx="195">
+                  <c:v>245</c:v>
+                </c:pt>
+                <c:pt idx="196">
+                  <c:v>245</c:v>
+                </c:pt>
+                <c:pt idx="197">
+                  <c:v>245</c:v>
+                </c:pt>
+                <c:pt idx="198">
+                  <c:v>245</c:v>
+                </c:pt>
+                <c:pt idx="199">
+                  <c:v>245</c:v>
+                </c:pt>
+                <c:pt idx="200">
+                  <c:v>245</c:v>
+                </c:pt>
+                <c:pt idx="201">
+                  <c:v>245</c:v>
+                </c:pt>
+                <c:pt idx="202">
+                  <c:v>245</c:v>
+                </c:pt>
+                <c:pt idx="203">
+                  <c:v>245</c:v>
+                </c:pt>
+                <c:pt idx="204">
+                  <c:v>245</c:v>
+                </c:pt>
+                <c:pt idx="205">
+                  <c:v>245</c:v>
+                </c:pt>
+                <c:pt idx="206">
+                  <c:v>245</c:v>
+                </c:pt>
+                <c:pt idx="207">
+                  <c:v>245</c:v>
+                </c:pt>
+                <c:pt idx="208">
+                  <c:v>245</c:v>
+                </c:pt>
+                <c:pt idx="209">
+                  <c:v>245</c:v>
+                </c:pt>
+                <c:pt idx="210">
+                  <c:v>245</c:v>
+                </c:pt>
+                <c:pt idx="211">
+                  <c:v>245</c:v>
+                </c:pt>
+                <c:pt idx="212">
+                  <c:v>245</c:v>
+                </c:pt>
+                <c:pt idx="213">
+                  <c:v>245</c:v>
+                </c:pt>
+                <c:pt idx="214">
+                  <c:v>245</c:v>
+                </c:pt>
+                <c:pt idx="215">
+                  <c:v>245</c:v>
+                </c:pt>
+                <c:pt idx="216">
+                  <c:v>245</c:v>
+                </c:pt>
+                <c:pt idx="217">
+                  <c:v>245</c:v>
+                </c:pt>
+                <c:pt idx="218">
+                  <c:v>245</c:v>
+                </c:pt>
+                <c:pt idx="219">
+                  <c:v>245</c:v>
+                </c:pt>
+                <c:pt idx="220">
+                  <c:v>245</c:v>
+                </c:pt>
+                <c:pt idx="221">
+                  <c:v>245</c:v>
+                </c:pt>
+                <c:pt idx="222">
+                  <c:v>245</c:v>
+                </c:pt>
+                <c:pt idx="223">
+                  <c:v>245</c:v>
+                </c:pt>
+                <c:pt idx="224">
+                  <c:v>245</c:v>
+                </c:pt>
+                <c:pt idx="225">
+                  <c:v>245</c:v>
+                </c:pt>
+                <c:pt idx="226">
+                  <c:v>245</c:v>
+                </c:pt>
+                <c:pt idx="227">
+                  <c:v>245</c:v>
+                </c:pt>
+                <c:pt idx="228">
+                  <c:v>245</c:v>
+                </c:pt>
+                <c:pt idx="229">
+                  <c:v>245</c:v>
+                </c:pt>
+                <c:pt idx="230">
+                  <c:v>245</c:v>
+                </c:pt>
+                <c:pt idx="231">
+                  <c:v>245</c:v>
+                </c:pt>
+                <c:pt idx="232">
+                  <c:v>245</c:v>
+                </c:pt>
+                <c:pt idx="233">
+                  <c:v>245</c:v>
+                </c:pt>
+                <c:pt idx="234">
+                  <c:v>245</c:v>
+                </c:pt>
+                <c:pt idx="235">
+                  <c:v>245</c:v>
+                </c:pt>
+                <c:pt idx="236">
+                  <c:v>245</c:v>
+                </c:pt>
+                <c:pt idx="237">
+                  <c:v>245</c:v>
+                </c:pt>
+                <c:pt idx="238">
+                  <c:v>245</c:v>
+                </c:pt>
+                <c:pt idx="239">
+                  <c:v>245</c:v>
+                </c:pt>
+                <c:pt idx="240">
+                  <c:v>245</c:v>
+                </c:pt>
+                <c:pt idx="241">
+                  <c:v>245</c:v>
+                </c:pt>
+                <c:pt idx="242">
+                  <c:v>245</c:v>
+                </c:pt>
+                <c:pt idx="243">
+                  <c:v>245</c:v>
+                </c:pt>
+                <c:pt idx="244">
+                  <c:v>245</c:v>
+                </c:pt>
+                <c:pt idx="245">
+                  <c:v>245</c:v>
+                </c:pt>
+                <c:pt idx="246">
+                  <c:v>245</c:v>
+                </c:pt>
+                <c:pt idx="247">
+                  <c:v>245</c:v>
+                </c:pt>
+                <c:pt idx="248">
+                  <c:v>245</c:v>
+                </c:pt>
+                <c:pt idx="249">
+                  <c:v>245</c:v>
+                </c:pt>
+                <c:pt idx="250">
+                  <c:v>245</c:v>
+                </c:pt>
+                <c:pt idx="251">
+                  <c:v>245</c:v>
+                </c:pt>
+                <c:pt idx="252">
+                  <c:v>245</c:v>
+                </c:pt>
+                <c:pt idx="253">
+                  <c:v>245</c:v>
+                </c:pt>
+                <c:pt idx="254">
+                  <c:v>245</c:v>
+                </c:pt>
+                <c:pt idx="255">
+                  <c:v>245</c:v>
+                </c:pt>
+                <c:pt idx="256">
+                  <c:v>245</c:v>
+                </c:pt>
+                <c:pt idx="257">
+                  <c:v>245</c:v>
+                </c:pt>
+                <c:pt idx="258">
+                  <c:v>245</c:v>
+                </c:pt>
+                <c:pt idx="259">
+                  <c:v>245</c:v>
+                </c:pt>
+                <c:pt idx="260">
+                  <c:v>245</c:v>
+                </c:pt>
+                <c:pt idx="261">
+                  <c:v>245</c:v>
+                </c:pt>
+                <c:pt idx="262">
+                  <c:v>245</c:v>
+                </c:pt>
+                <c:pt idx="263">
+                  <c:v>245</c:v>
+                </c:pt>
+                <c:pt idx="264">
+                  <c:v>245</c:v>
+                </c:pt>
+                <c:pt idx="265">
+                  <c:v>245</c:v>
+                </c:pt>
+                <c:pt idx="266">
+                  <c:v>245</c:v>
+                </c:pt>
+                <c:pt idx="267">
+                  <c:v>245</c:v>
+                </c:pt>
+                <c:pt idx="268">
+                  <c:v>245</c:v>
+                </c:pt>
+                <c:pt idx="269">
+                  <c:v>245</c:v>
+                </c:pt>
+                <c:pt idx="270">
+                  <c:v>245</c:v>
+                </c:pt>
+                <c:pt idx="271">
+                  <c:v>245</c:v>
+                </c:pt>
+                <c:pt idx="272">
+                  <c:v>245</c:v>
+                </c:pt>
+                <c:pt idx="273">
+                  <c:v>245</c:v>
+                </c:pt>
+                <c:pt idx="274">
+                  <c:v>245</c:v>
+                </c:pt>
+                <c:pt idx="275">
+                  <c:v>245</c:v>
+                </c:pt>
+                <c:pt idx="276">
+                  <c:v>245</c:v>
+                </c:pt>
+                <c:pt idx="277">
+                  <c:v>245</c:v>
+                </c:pt>
+              </c:numCache>
+            </c:numRef>
+          </c:val>
+          <c:smooth val="0"/>
+        </c:ser>
+        <c:dLbls>
+          <c:showLegendKey val="0"/>
+          <c:showVal val="0"/>
+          <c:showCatName val="0"/>
+          <c:showSerName val="0"/>
+          <c:showPercent val="0"/>
+          <c:showBubbleSize val="0"/>
+        </c:dLbls>
+        <c:marker val="1"/>
+        <c:smooth val="0"/>
+        <c:axId val="66030976"/>
+        <c:axId val="66033152"/>
+      </c:lineChart>
+      <c:catAx>
+        <c:axId val="66030976"/>
+        <c:scaling>
+          <c:orientation val="minMax"/>
+        </c:scaling>
+        <c:delete val="0"/>
+        <c:axPos val="b"/>
+        <c:title>
+          <c:tx>
+            <c:rich>
+              <a:bodyPr/>
+              <a:lstStyle/>
+              <a:p>
+                <a:pPr>
+                  <a:defRPr sz="2000"/>
+                </a:pPr>
+                <a:r>
+                  <a:rPr lang="en-US" altLang="ja-JP" sz="2000"/>
+                  <a:t>Term</a:t>
+                </a:r>
+                <a:endParaRPr lang="ja-JP" altLang="en-US" sz="2000"/>
+              </a:p>
+            </c:rich>
+          </c:tx>
+          <c:layout/>
+          <c:overlay val="0"/>
+        </c:title>
+        <c:majorTickMark val="out"/>
+        <c:minorTickMark val="none"/>
+        <c:tickLblPos val="nextTo"/>
+        <c:crossAx val="66033152"/>
+        <c:crosses val="autoZero"/>
+        <c:auto val="1"/>
+        <c:lblAlgn val="ctr"/>
+        <c:lblOffset val="100"/>
+        <c:tickLblSkip val="10"/>
+        <c:tickMarkSkip val="10"/>
+        <c:noMultiLvlLbl val="0"/>
+      </c:catAx>
+      <c:valAx>
+        <c:axId val="66033152"/>
+        <c:scaling>
+          <c:orientation val="minMax"/>
+        </c:scaling>
+        <c:delete val="0"/>
+        <c:axPos val="l"/>
+        <c:majorGridlines/>
+        <c:title>
+          <c:tx>
+            <c:rich>
+              <a:bodyPr rot="-5400000" vert="horz"/>
+              <a:lstStyle/>
+              <a:p>
+                <a:pPr>
+                  <a:defRPr sz="2000"/>
+                </a:pPr>
+                <a:r>
+                  <a:rPr lang="en-US" altLang="ja-JP" sz="2000"/>
+                  <a:t>Agent</a:t>
+                </a:r>
+              </a:p>
+            </c:rich>
+          </c:tx>
+          <c:layout/>
+          <c:overlay val="0"/>
+        </c:title>
+        <c:numFmt formatCode="General" sourceLinked="1"/>
+        <c:majorTickMark val="none"/>
+        <c:minorTickMark val="none"/>
+        <c:tickLblPos val="nextTo"/>
+        <c:crossAx val="66030976"/>
+        <c:crossesAt val="1"/>
+        <c:crossBetween val="between"/>
+      </c:valAx>
+    </c:plotArea>
+    <c:legend>
+      <c:legendPos val="t"/>
+      <c:layout/>
+      <c:overlay val="0"/>
+    </c:legend>
+    <c:plotVisOnly val="1"/>
+    <c:dispBlanksAs val="gap"/>
+    <c:showDLblsOverMax val="0"/>
+  </c:chart>
+  <c:externalData r:id="rId2">
+    <c:autoUpdate val="0"/>
+  </c:externalData>
+</c:chartSpace>
+</file>
+
 <file path=ppt/handoutMasters/handoutMaster1.xml><?xml version="1.0" encoding="utf-8"?>
 <p:handoutMaster xmlns:a="http://schemas.openxmlformats.org/drawingml/2006/main" xmlns:r="http://schemas.openxmlformats.org/officeDocument/2006/relationships" xmlns:p="http://schemas.openxmlformats.org/presentationml/2006/main">
   <p:cSld>
@@ -1941,10 +7400,29 @@
           <a:bodyPr/>
           <a:lstStyle/>
           <a:p>
-            <a:r>
-              <a:rPr kumimoji="1" lang="ja-JP" altLang="en-US" dirty="0" smtClean="0"/>
-              <a:t>テスト</a:t>
-            </a:r>
+            <a:pPr marL="0" marR="0" indent="0" algn="l" defTabSz="914400" rtl="0" eaLnBrk="1" fontAlgn="auto" latinLnBrk="0" hangingPunct="1">
+              <a:lnSpc>
+                <a:spcPct val="100000"/>
+              </a:lnSpc>
+              <a:spcBef>
+                <a:spcPts val="0"/>
+              </a:spcBef>
+              <a:spcAft>
+                <a:spcPts val="0"/>
+              </a:spcAft>
+              <a:buClrTx/>
+              <a:buSzTx/>
+              <a:buFontTx/>
+              <a:buNone/>
+              <a:tabLst/>
+              <a:defRPr/>
+            </a:pPr>
+            <a:r>
+              <a:rPr lang="ja-JP" altLang="en-US" dirty="0" smtClean="0"/>
+              <a:t>個人ではなく集団を対象とした学問</a:t>
+            </a:r>
+          </a:p>
+          <a:p>
             <a:endParaRPr kumimoji="1" lang="en-US" altLang="ja-JP" dirty="0" smtClean="0"/>
           </a:p>
         </p:txBody>
@@ -2029,7 +7507,7 @@
           <a:bodyPr/>
           <a:lstStyle/>
           <a:p>
-            <a:endParaRPr kumimoji="1" lang="ja-JP" altLang="en-US"/>
+            <a:endParaRPr kumimoji="1" lang="ja-JP" altLang="en-US" dirty="0"/>
           </a:p>
         </p:txBody>
       </p:sp>
@@ -5864,7 +11342,7 @@
       </p:grpSpPr>
       <p:pic>
         <p:nvPicPr>
-          <p:cNvPr id="4" name="図 3"/>
+          <p:cNvPr id="3" name="図 2"/>
           <p:cNvPicPr>
             <a:picLocks noChangeAspect="1"/>
           </p:cNvPicPr>
@@ -5884,8 +11362,8 @@
         </p:blipFill>
         <p:spPr>
           <a:xfrm>
-            <a:off x="287920" y="116632"/>
-            <a:ext cx="8568159" cy="6858000"/>
+            <a:off x="288598" y="0"/>
+            <a:ext cx="8566804" cy="6858000"/>
           </a:xfrm>
           <a:prstGeom prst="rect">
             <a:avLst/>
@@ -6013,7 +11491,7 @@
           <a:p>
             <a:r>
               <a:rPr kumimoji="1" lang="ja-JP" altLang="en-US" dirty="0" smtClean="0"/>
-              <a:t>数値計算結果</a:t>
+              <a:t>初期設定</a:t>
             </a:r>
             <a:endParaRPr kumimoji="1" lang="ja-JP" altLang="en-US" dirty="0"/>
           </a:p>
@@ -6029,13 +11507,13 @@
             <p:ph idx="1"/>
             <p:extLst>
               <p:ext uri="{D42A27DB-BD31-4B8C-83A1-F6EECF244321}">
-                <p14:modId xmlns:p14="http://schemas.microsoft.com/office/powerpoint/2010/main" val="158175611"/>
+                <p14:modId xmlns:p14="http://schemas.microsoft.com/office/powerpoint/2010/main" val="3375043551"/>
               </p:ext>
             </p:extLst>
           </p:nvPr>
         </p:nvGraphicFramePr>
         <p:xfrm>
-          <a:off x="457200" y="2276872"/>
+          <a:off x="457200" y="1628800"/>
           <a:ext cx="8230263" cy="1097280"/>
         </p:xfrm>
         <a:graphic>
@@ -6055,6 +11533,7 @@
                     <a:bodyPr/>
                     <a:lstStyle/>
                     <a:p>
+                      <a:pPr algn="ctr"/>
                       <a:endParaRPr kumimoji="1" lang="ja-JP" altLang="en-US" dirty="0"/>
                     </a:p>
                   </a:txBody>
@@ -6065,6 +11544,7 @@
                     <a:bodyPr/>
                     <a:lstStyle/>
                     <a:p>
+                      <a:pPr algn="ctr"/>
                       <a:r>
                         <a:rPr kumimoji="1" lang="ja-JP" altLang="en-US" dirty="0" smtClean="0"/>
                         <a:t>タグの長さ</a:t>
@@ -6079,6 +11559,7 @@
                     <a:bodyPr/>
                     <a:lstStyle/>
                     <a:p>
+                      <a:pPr algn="ctr"/>
                       <a:r>
                         <a:rPr kumimoji="1" lang="ja-JP" altLang="en-US" dirty="0" smtClean="0"/>
                         <a:t>個体数</a:t>
@@ -6095,6 +11576,7 @@
                     <a:bodyPr/>
                     <a:lstStyle/>
                     <a:p>
+                      <a:pPr algn="ctr"/>
                       <a:r>
                         <a:rPr kumimoji="1" lang="ja-JP" altLang="en-US" dirty="0" smtClean="0"/>
                         <a:t>エージェント</a:t>
@@ -6109,6 +11591,7 @@
                     <a:bodyPr/>
                     <a:lstStyle/>
                     <a:p>
+                      <a:pPr algn="ctr"/>
                       <a:r>
                         <a:rPr kumimoji="1" lang="en-US" altLang="ja-JP" dirty="0" smtClean="0"/>
                         <a:t>30</a:t>
@@ -6123,6 +11606,7 @@
                     <a:bodyPr/>
                     <a:lstStyle/>
                     <a:p>
+                      <a:pPr algn="ctr"/>
                       <a:r>
                         <a:rPr kumimoji="1" lang="en-US" altLang="ja-JP" dirty="0" smtClean="0"/>
                         <a:t>1000</a:t>
@@ -6138,6 +11622,7 @@
                     <a:bodyPr/>
                     <a:lstStyle/>
                     <a:p>
+                      <a:pPr algn="ctr"/>
                       <a:r>
                         <a:rPr kumimoji="1" lang="ja-JP" altLang="en-US" dirty="0" smtClean="0"/>
                         <a:t>ウイルス</a:t>
@@ -6152,6 +11637,7 @@
                     <a:bodyPr/>
                     <a:lstStyle/>
                     <a:p>
+                      <a:pPr algn="ctr"/>
                       <a:r>
                         <a:rPr kumimoji="1" lang="en-US" altLang="ja-JP" dirty="0" smtClean="0"/>
                         <a:t>16</a:t>
@@ -6166,6 +11652,7 @@
                     <a:bodyPr/>
                     <a:lstStyle/>
                     <a:p>
+                      <a:pPr algn="ctr"/>
                       <a:r>
                         <a:rPr kumimoji="1" lang="en-US" altLang="ja-JP" dirty="0" smtClean="0"/>
                         <a:t>2</a:t>
@@ -6179,37 +11666,6 @@
           </a:graphicData>
         </a:graphic>
       </p:graphicFrame>
-      <p:sp>
-        <p:nvSpPr>
-          <p:cNvPr id="8" name="テキスト ボックス 7"/>
-          <p:cNvSpPr txBox="1"/>
-          <p:nvPr/>
-        </p:nvSpPr>
-        <p:spPr>
-          <a:xfrm>
-            <a:off x="2627784" y="1772816"/>
-            <a:ext cx="3960440" cy="461665"/>
-          </a:xfrm>
-          <a:prstGeom prst="rect">
-            <a:avLst/>
-          </a:prstGeom>
-          <a:noFill/>
-        </p:spPr>
-        <p:txBody>
-          <a:bodyPr wrap="square" rtlCol="0">
-            <a:spAutoFit/>
-          </a:bodyPr>
-          <a:lstStyle/>
-          <a:p>
-            <a:pPr algn="ctr"/>
-            <a:r>
-              <a:rPr kumimoji="1" lang="ja-JP" altLang="en-US" sz="2400" u="sng" dirty="0" smtClean="0"/>
-              <a:t>初期パラメータ</a:t>
-            </a:r>
-            <a:endParaRPr kumimoji="1" lang="en-US" altLang="ja-JP" sz="2400" u="sng" dirty="0" smtClean="0"/>
-          </a:p>
-        </p:txBody>
-      </p:sp>
     </p:spTree>
     <p:extLst>
       <p:ext uri="{BB962C8B-B14F-4D97-AF65-F5344CB8AC3E}">
@@ -6247,70 +11703,30 @@
           <a:chExt cx="0" cy="0"/>
         </a:xfrm>
       </p:grpSpPr>
-      <p:sp>
-        <p:nvSpPr>
-          <p:cNvPr id="2" name="タイトル 1"/>
-          <p:cNvSpPr>
-            <a:spLocks noGrp="1"/>
-          </p:cNvSpPr>
-          <p:nvPr>
-            <p:ph type="title"/>
-          </p:nvPr>
-        </p:nvSpPr>
-        <p:spPr/>
-        <p:txBody>
-          <a:bodyPr/>
-          <a:lstStyle/>
-          <a:p>
-            <a:r>
-              <a:rPr kumimoji="1" lang="ja-JP" altLang="en-US" dirty="0" smtClean="0"/>
-              <a:t>感染者数</a:t>
-            </a:r>
-            <a:endParaRPr kumimoji="1" lang="ja-JP" altLang="en-US" dirty="0"/>
-          </a:p>
-        </p:txBody>
-      </p:sp>
-      <p:pic>
-        <p:nvPicPr>
-          <p:cNvPr id="1027" name="Picture 3" descr="F:\140116120147\assets\HasVirus.png"/>
-          <p:cNvPicPr>
-            <a:picLocks noChangeAspect="1" noChangeArrowheads="1"/>
-          </p:cNvPicPr>
-          <p:nvPr/>
-        </p:nvPicPr>
-        <p:blipFill>
-          <a:blip r:embed="rId3">
-            <a:extLst>
-              <a:ext uri="{28A0092B-C50C-407E-A947-70E740481C1C}">
-                <a14:useLocalDpi xmlns:a14="http://schemas.microsoft.com/office/drawing/2010/main" val="0"/>
-              </a:ext>
-            </a:extLst>
-          </a:blip>
-          <a:srcRect/>
-          <a:stretch>
-            <a:fillRect/>
-          </a:stretch>
-        </p:blipFill>
-        <p:spPr bwMode="auto">
-          <a:xfrm>
-            <a:off x="2267744" y="1268760"/>
-            <a:ext cx="4762500" cy="4762500"/>
-          </a:xfrm>
-          <a:prstGeom prst="rect">
-            <a:avLst/>
-          </a:prstGeom>
-          <a:noFill/>
-          <a:extLst>
-            <a:ext uri="{909E8E84-426E-40DD-AFC4-6F175D3DCCD1}">
-              <a14:hiddenFill xmlns:a14="http://schemas.microsoft.com/office/drawing/2010/main">
-                <a:solidFill>
-                  <a:srgbClr val="FFFFFF"/>
-                </a:solidFill>
-              </a14:hiddenFill>
-            </a:ext>
-          </a:extLst>
-        </p:spPr>
-      </p:pic>
+      <p:graphicFrame>
+        <p:nvGraphicFramePr>
+          <p:cNvPr id="4" name="グラフ 3"/>
+          <p:cNvGraphicFramePr>
+            <a:graphicFrameLocks/>
+          </p:cNvGraphicFramePr>
+          <p:nvPr>
+            <p:extLst>
+              <p:ext uri="{D42A27DB-BD31-4B8C-83A1-F6EECF244321}">
+                <p14:modId xmlns:p14="http://schemas.microsoft.com/office/powerpoint/2010/main" val="3797267496"/>
+              </p:ext>
+            </p:extLst>
+          </p:nvPr>
+        </p:nvGraphicFramePr>
+        <p:xfrm>
+          <a:off x="72000" y="729000"/>
+          <a:ext cx="9000000" cy="5400000"/>
+        </p:xfrm>
+        <a:graphic>
+          <a:graphicData uri="http://schemas.openxmlformats.org/drawingml/2006/chart">
+            <c:chart xmlns:c="http://schemas.openxmlformats.org/drawingml/2006/chart" xmlns:r="http://schemas.openxmlformats.org/officeDocument/2006/relationships" r:id="rId3"/>
+          </a:graphicData>
+        </a:graphic>
+      </p:graphicFrame>
     </p:spTree>
     <p:extLst>
       <p:ext uri="{BB962C8B-B14F-4D97-AF65-F5344CB8AC3E}">
@@ -6348,74 +11764,30 @@
           <a:chExt cx="0" cy="0"/>
         </a:xfrm>
       </p:grpSpPr>
-      <p:sp>
-        <p:nvSpPr>
-          <p:cNvPr id="2" name="タイトル 1"/>
-          <p:cNvSpPr>
-            <a:spLocks noGrp="1"/>
-          </p:cNvSpPr>
-          <p:nvPr>
-            <p:ph type="title"/>
-          </p:nvPr>
-        </p:nvSpPr>
-        <p:spPr/>
-        <p:txBody>
-          <a:bodyPr/>
-          <a:lstStyle/>
-          <a:p>
-            <a:r>
-              <a:rPr lang="ja-JP" altLang="en-US" dirty="0"/>
-              <a:t>免疫</a:t>
-            </a:r>
-            <a:r>
-              <a:rPr lang="ja-JP" altLang="en-US" dirty="0" smtClean="0"/>
-              <a:t>獲得者数</a:t>
-            </a:r>
-            <a:endParaRPr kumimoji="1" lang="ja-JP" altLang="en-US" dirty="0"/>
-          </a:p>
-        </p:txBody>
-      </p:sp>
-      <p:pic>
-        <p:nvPicPr>
-          <p:cNvPr id="4" name="Picture 2" descr="F:\140116120147\assets\HasImmunity.png"/>
-          <p:cNvPicPr>
-            <a:picLocks noChangeAspect="1" noChangeArrowheads="1"/>
-          </p:cNvPicPr>
-          <p:nvPr/>
-        </p:nvPicPr>
-        <p:blipFill>
-          <a:blip r:embed="rId2">
-            <a:extLst>
-              <a:ext uri="{28A0092B-C50C-407E-A947-70E740481C1C}">
-                <a14:useLocalDpi xmlns:a14="http://schemas.microsoft.com/office/drawing/2010/main" val="0"/>
-              </a:ext>
-            </a:extLst>
-          </a:blip>
-          <a:srcRect/>
-          <a:stretch>
-            <a:fillRect/>
-          </a:stretch>
-        </p:blipFill>
-        <p:spPr bwMode="auto">
-          <a:xfrm>
-            <a:off x="2267744" y="1556792"/>
-            <a:ext cx="4762500" cy="4762500"/>
-          </a:xfrm>
-          <a:prstGeom prst="rect">
-            <a:avLst/>
-          </a:prstGeom>
-          <a:noFill/>
-          <a:extLst>
-            <a:ext uri="{909E8E84-426E-40DD-AFC4-6F175D3DCCD1}">
-              <a14:hiddenFill xmlns:a14="http://schemas.microsoft.com/office/drawing/2010/main">
-                <a:solidFill>
-                  <a:srgbClr val="FFFFFF"/>
-                </a:solidFill>
-              </a14:hiddenFill>
-            </a:ext>
-          </a:extLst>
-        </p:spPr>
-      </p:pic>
+      <p:graphicFrame>
+        <p:nvGraphicFramePr>
+          <p:cNvPr id="4" name="グラフ 3"/>
+          <p:cNvGraphicFramePr>
+            <a:graphicFrameLocks/>
+          </p:cNvGraphicFramePr>
+          <p:nvPr>
+            <p:extLst>
+              <p:ext uri="{D42A27DB-BD31-4B8C-83A1-F6EECF244321}">
+                <p14:modId xmlns:p14="http://schemas.microsoft.com/office/powerpoint/2010/main" val="2658738651"/>
+              </p:ext>
+            </p:extLst>
+          </p:nvPr>
+        </p:nvGraphicFramePr>
+        <p:xfrm>
+          <a:off x="72000" y="729000"/>
+          <a:ext cx="9000000" cy="5400000"/>
+        </p:xfrm>
+        <a:graphic>
+          <a:graphicData uri="http://schemas.openxmlformats.org/drawingml/2006/chart">
+            <c:chart xmlns:c="http://schemas.openxmlformats.org/drawingml/2006/chart" xmlns:r="http://schemas.openxmlformats.org/officeDocument/2006/relationships" r:id="rId2"/>
+          </a:graphicData>
+        </a:graphic>
+      </p:graphicFrame>
     </p:spTree>
     <p:extLst>
       <p:ext uri="{BB962C8B-B14F-4D97-AF65-F5344CB8AC3E}">
@@ -6493,7 +11865,15 @@
           <a:p>
             <a:r>
               <a:rPr lang="ja-JP" altLang="en-US" dirty="0" smtClean="0"/>
-              <a:t>ウイルスのタグ長１６</a:t>
+              <a:t>２つのウイルス</a:t>
+            </a:r>
+            <a:r>
+              <a:rPr lang="ja-JP" altLang="en-US" dirty="0" smtClean="0"/>
+              <a:t>のタグ</a:t>
+            </a:r>
+            <a:r>
+              <a:rPr lang="ja-JP" altLang="en-US" dirty="0" smtClean="0"/>
+              <a:t>長３２（＝１６</a:t>
             </a:r>
             <a:r>
               <a:rPr lang="en-US" altLang="ja-JP" dirty="0" smtClean="0"/>
@@ -6501,7 +11881,15 @@
             </a:r>
             <a:r>
               <a:rPr lang="ja-JP" altLang="en-US" dirty="0" smtClean="0"/>
-              <a:t>２＝３２に比べてエージェントのタグ長３０のほうが短いが、両方のウイルスに対する免疫を獲得しているエージェントが増えている</a:t>
+              <a:t>２）に比べて、エージェント</a:t>
+            </a:r>
+            <a:r>
+              <a:rPr lang="ja-JP" altLang="en-US" dirty="0" smtClean="0"/>
+              <a:t>のタグ長３０のほうが短いが、両方のウイルスに対する免疫を獲得しているエージェント</a:t>
+            </a:r>
+            <a:r>
+              <a:rPr lang="ja-JP" altLang="en-US" dirty="0" smtClean="0"/>
+              <a:t>が存在し、かつ増加している</a:t>
             </a:r>
             <a:endParaRPr lang="en-US" altLang="ja-JP" dirty="0" smtClean="0"/>
           </a:p>
@@ -6729,10 +12117,18 @@
           <a:lstStyle/>
           <a:p>
             <a:r>
-              <a:rPr lang="ja-JP" altLang="en-US" dirty="0" smtClean="0"/>
+              <a:rPr lang="ja-JP" altLang="en-US" dirty="0" smtClean="0">
+                <a:solidFill>
+                  <a:srgbClr val="FF0000"/>
+                </a:solidFill>
+              </a:rPr>
               <a:t>（（（これで研究発表を終わります</a:t>
             </a:r>
-            <a:endParaRPr kumimoji="1" lang="ja-JP" altLang="en-US" dirty="0"/>
+            <a:endParaRPr kumimoji="1" lang="ja-JP" altLang="en-US" dirty="0">
+              <a:solidFill>
+                <a:srgbClr val="FF0000"/>
+              </a:solidFill>
+            </a:endParaRPr>
           </a:p>
         </p:txBody>
       </p:sp>
@@ -6751,7 +12147,7 @@
           <a:bodyPr/>
           <a:lstStyle/>
           <a:p>
-            <a:endParaRPr kumimoji="1" lang="ja-JP" altLang="en-US"/>
+            <a:endParaRPr kumimoji="1" lang="ja-JP" altLang="en-US" dirty="0"/>
           </a:p>
         </p:txBody>
       </p:sp>
@@ -7534,7 +12930,15 @@
           <a:p>
             <a:r>
               <a:rPr lang="en-US" altLang="ja-JP" sz="2000" dirty="0"/>
-              <a:t>Russell Connell, Peter Dawson* and Alex </a:t>
+              <a:t>Russell Connell, Peter </a:t>
+            </a:r>
+            <a:r>
+              <a:rPr lang="en-US" altLang="ja-JP" sz="2000" dirty="0" smtClean="0"/>
+              <a:t>Dawson </a:t>
+            </a:r>
+            <a:r>
+              <a:rPr lang="en-US" altLang="ja-JP" sz="2000" dirty="0"/>
+              <a:t>and Alex </a:t>
             </a:r>
             <a:r>
               <a:rPr lang="en-US" altLang="ja-JP" sz="2000" dirty="0" err="1" smtClean="0"/>
@@ -7542,11 +12946,7 @@
             </a:r>
             <a:r>
               <a:rPr lang="en-US" altLang="ja-JP" sz="2000" dirty="0" smtClean="0"/>
-              <a:t>*:”</a:t>
-            </a:r>
-            <a:r>
-              <a:rPr lang="en-US" altLang="ja-JP" sz="2000" dirty="0" smtClean="0"/>
-              <a:t>Comparison </a:t>
+              <a:t>:”Comparison </a:t>
             </a:r>
             <a:r>
               <a:rPr lang="en-US" altLang="ja-JP" sz="2000" dirty="0"/>
@@ -7578,11 +12978,7 @@
             </a:r>
             <a:r>
               <a:rPr lang="en-US" altLang="ja-JP" sz="2000" dirty="0" smtClean="0"/>
-              <a:t>Model</a:t>
-            </a:r>
-            <a:r>
-              <a:rPr lang="en-US" altLang="ja-JP" sz="2000" dirty="0" smtClean="0"/>
-              <a:t>”</a:t>
+              <a:t>Model”</a:t>
             </a:r>
           </a:p>
           <a:p>
@@ -7681,11 +13077,7 @@
           <a:p>
             <a:r>
               <a:rPr kumimoji="1" lang="ja-JP" altLang="en-US" dirty="0" smtClean="0"/>
-              <a:t>数理</a:t>
-            </a:r>
-            <a:r>
-              <a:rPr kumimoji="1" lang="ja-JP" altLang="en-US" dirty="0" smtClean="0"/>
-              <a:t>伝染病学とは何か</a:t>
+              <a:t>数理伝染病学とは何か</a:t>
             </a:r>
             <a:endParaRPr kumimoji="1" lang="ja-JP" altLang="en-US" dirty="0"/>
           </a:p>
@@ -7707,10 +13099,64 @@
           <a:lstStyle/>
           <a:p>
             <a:r>
+              <a:rPr lang="ja-JP" altLang="en-US" dirty="0"/>
+              <a:t>感染症</a:t>
+            </a:r>
+            <a:r>
+              <a:rPr lang="ja-JP" altLang="en-US" dirty="0" smtClean="0"/>
+              <a:t>の流行</a:t>
+            </a:r>
+            <a:r>
               <a:rPr kumimoji="1" lang="ja-JP" altLang="en-US" dirty="0" smtClean="0"/>
-              <a:t>疾病感染の過程を数理モデルで表現し、解析することで感染メカニズムを数理的な観点から追及する学問である。</a:t>
-            </a:r>
-            <a:endParaRPr kumimoji="1" lang="ja-JP" altLang="en-US" dirty="0"/>
+              <a:t>を数理モデルで表現</a:t>
+            </a:r>
+            <a:r>
+              <a:rPr kumimoji="1" lang="ja-JP" altLang="en-US" dirty="0" smtClean="0"/>
+              <a:t>し</a:t>
+            </a:r>
+            <a:r>
+              <a:rPr lang="ja-JP" altLang="en-US" dirty="0"/>
+              <a:t>、</a:t>
+            </a:r>
+            <a:r>
+              <a:rPr kumimoji="1" lang="ja-JP" altLang="en-US" dirty="0" smtClean="0"/>
+              <a:t>解析</a:t>
+            </a:r>
+            <a:r>
+              <a:rPr kumimoji="1" lang="ja-JP" altLang="en-US" dirty="0" smtClean="0"/>
+              <a:t>することで、</a:t>
+            </a:r>
+            <a:r>
+              <a:rPr lang="ja-JP" altLang="en-US" dirty="0" smtClean="0"/>
+              <a:t>流行の</a:t>
+            </a:r>
+            <a:r>
+              <a:rPr lang="ja-JP" altLang="en-US" dirty="0"/>
+              <a:t>全体像</a:t>
+            </a:r>
+            <a:r>
+              <a:rPr lang="ja-JP" altLang="en-US" dirty="0" smtClean="0"/>
+              <a:t>を理解する学問</a:t>
+            </a:r>
+            <a:endParaRPr lang="en-US" altLang="ja-JP" dirty="0" smtClean="0"/>
+          </a:p>
+          <a:p>
+            <a:r>
+              <a:rPr lang="ja-JP" altLang="en-US" dirty="0"/>
+              <a:t>感染の予防や制御</a:t>
+            </a:r>
+            <a:r>
+              <a:rPr lang="ja-JP" altLang="en-US" dirty="0" smtClean="0"/>
+              <a:t>に役立てる</a:t>
+            </a:r>
+            <a:r>
+              <a:rPr lang="ja-JP" altLang="en-US" dirty="0"/>
+              <a:t>ため</a:t>
+            </a:r>
+            <a:r>
+              <a:rPr lang="ja-JP" altLang="en-US" dirty="0" smtClean="0"/>
+              <a:t>の学問</a:t>
+            </a:r>
           </a:p>
         </p:txBody>
       </p:sp>
@@ -7763,14 +13209,20 @@
         </p:nvSpPr>
         <p:spPr/>
         <p:txBody>
-          <a:bodyPr/>
+          <a:bodyPr>
+            <a:normAutofit/>
+          </a:bodyPr>
           <a:lstStyle/>
           <a:p>
             <a:r>
-              <a:rPr kumimoji="1" lang="en-US" altLang="ja-JP" dirty="0" smtClean="0"/>
+              <a:rPr kumimoji="1" lang="en-US" altLang="ja-JP" sz="4000" dirty="0" smtClean="0"/>
               <a:t>Agent Based Epidemic Model</a:t>
             </a:r>
-            <a:endParaRPr kumimoji="1" lang="ja-JP" altLang="en-US" dirty="0"/>
+            <a:r>
+              <a:rPr kumimoji="1" lang="ja-JP" altLang="en-US" sz="4000" dirty="0" smtClean="0"/>
+              <a:t>とは</a:t>
+            </a:r>
+            <a:endParaRPr kumimoji="1" lang="ja-JP" altLang="en-US" sz="4000" dirty="0"/>
           </a:p>
         </p:txBody>
       </p:sp>
@@ -7786,10 +13238,16 @@
         </p:nvSpPr>
         <p:spPr/>
         <p:txBody>
-          <a:bodyPr/>
+          <a:bodyPr>
+            <a:normAutofit/>
+          </a:bodyPr>
           <a:lstStyle/>
           <a:p>
-            <a:endParaRPr kumimoji="1" lang="ja-JP" altLang="en-US" dirty="0"/>
+            <a:r>
+              <a:rPr lang="ja-JP" altLang="en-US" dirty="0" smtClean="0"/>
+              <a:t>通常のＡＢＭに免疫システムを導入することによって、感染の広がりや免疫の獲得などを追跡することができる。</a:t>
+            </a:r>
+            <a:endParaRPr lang="en-US" altLang="ja-JP" dirty="0" smtClean="0"/>
           </a:p>
         </p:txBody>
       </p:sp>
@@ -8673,7 +14131,7 @@
           <a:p>
             <a:r>
               <a:rPr kumimoji="1" lang="ja-JP" altLang="en-US" dirty="0" smtClean="0"/>
-              <a:t>抗原抗体反応とは</a:t>
+              <a:t>抗原抗体反応</a:t>
             </a:r>
             <a:endParaRPr kumimoji="1" lang="ja-JP" altLang="en-US" dirty="0"/>
           </a:p>
@@ -8695,17 +14153,45 @@
           <a:lstStyle/>
           <a:p>
             <a:r>
-              <a:rPr kumimoji="1" lang="ja-JP" altLang="en-US" dirty="0" smtClean="0"/>
-              <a:t>抗原に対して抗体が反応して結合する反応</a:t>
-            </a:r>
-            <a:endParaRPr kumimoji="1" lang="en-US" altLang="ja-JP" dirty="0" smtClean="0"/>
-          </a:p>
-          <a:p>
+              <a:rPr lang="ja-JP" altLang="en-US" dirty="0"/>
+              <a:t>抗原が</a:t>
+            </a:r>
             <a:r>
               <a:rPr lang="ja-JP" altLang="en-US" dirty="0" smtClean="0"/>
-              <a:t>例）</a:t>
-            </a:r>
-            <a:endParaRPr kumimoji="1" lang="ja-JP" altLang="en-US" dirty="0"/>
+              <a:t>それに</a:t>
+            </a:r>
+            <a:r>
+              <a:rPr lang="ja-JP" altLang="en-US" dirty="0"/>
+              <a:t>対応する抗体に結合する</a:t>
+            </a:r>
+            <a:r>
+              <a:rPr lang="ja-JP" altLang="en-US" dirty="0" smtClean="0"/>
+              <a:t>反応</a:t>
+            </a:r>
+            <a:endParaRPr lang="en-US" altLang="ja-JP" dirty="0" smtClean="0"/>
+          </a:p>
+          <a:p>
+            <a:pPr lvl="1"/>
+            <a:r>
+              <a:rPr lang="ja-JP" altLang="en-US" dirty="0"/>
+              <a:t>抗原と</a:t>
+            </a:r>
+            <a:r>
+              <a:rPr lang="ja-JP" altLang="en-US" dirty="0" smtClean="0"/>
+              <a:t>は通常、細菌やウイルスなどの外来病原体や人為的な注射などで体内に入るたんぱく質</a:t>
+            </a:r>
+            <a:endParaRPr lang="en-US" altLang="ja-JP" dirty="0" smtClean="0"/>
+          </a:p>
+          <a:p>
+            <a:pPr lvl="1"/>
+            <a:r>
+              <a:rPr lang="ja-JP" altLang="en-US" dirty="0"/>
+              <a:t>抗体と</a:t>
+            </a:r>
+            <a:r>
+              <a:rPr lang="ja-JP" altLang="en-US" dirty="0" smtClean="0"/>
+              <a:t>は主に血液中や体液中に存在し、体内に侵入してきた細菌・ウイルスなどの微生物や、微生物に感染した細胞を抗原として認識して結合する</a:t>
+            </a:r>
           </a:p>
         </p:txBody>
       </p:sp>
@@ -9674,4 +15160,566 @@
   <a:objectDefaults/>
   <a:extraClrSchemeLst/>
 </a:theme>
+</file>
+
+<file path=ppt/theme/themeOverride1.xml><?xml version="1.0" encoding="utf-8"?>
+<a:themeOverride xmlns:a="http://schemas.openxmlformats.org/drawingml/2006/main">
+  <a:clrScheme name="Office">
+    <a:dk1>
+      <a:sysClr val="windowText" lastClr="000000"/>
+    </a:dk1>
+    <a:lt1>
+      <a:sysClr val="window" lastClr="FFFFFF"/>
+    </a:lt1>
+    <a:dk2>
+      <a:srgbClr val="1F497D"/>
+    </a:dk2>
+    <a:lt2>
+      <a:srgbClr val="EEECE1"/>
+    </a:lt2>
+    <a:accent1>
+      <a:srgbClr val="4F81BD"/>
+    </a:accent1>
+    <a:accent2>
+      <a:srgbClr val="C0504D"/>
+    </a:accent2>
+    <a:accent3>
+      <a:srgbClr val="9BBB59"/>
+    </a:accent3>
+    <a:accent4>
+      <a:srgbClr val="8064A2"/>
+    </a:accent4>
+    <a:accent5>
+      <a:srgbClr val="4BACC6"/>
+    </a:accent5>
+    <a:accent6>
+      <a:srgbClr val="F79646"/>
+    </a:accent6>
+    <a:hlink>
+      <a:srgbClr val="0000FF"/>
+    </a:hlink>
+    <a:folHlink>
+      <a:srgbClr val="800080"/>
+    </a:folHlink>
+  </a:clrScheme>
+  <a:fontScheme name="Office">
+    <a:majorFont>
+      <a:latin typeface="Cambria"/>
+      <a:ea typeface=""/>
+      <a:cs typeface=""/>
+      <a:font script="Jpan" typeface="ＭＳ Ｐゴシック"/>
+      <a:font script="Hang" typeface="맑은 고딕"/>
+      <a:font script="Hans" typeface="宋体"/>
+      <a:font script="Hant" typeface="新細明體"/>
+      <a:font script="Arab" typeface="Times New Roman"/>
+      <a:font script="Hebr" typeface="Times New Roman"/>
+      <a:font script="Thai" typeface="Tahoma"/>
+      <a:font script="Ethi" typeface="Nyala"/>
+      <a:font script="Beng" typeface="Vrinda"/>
+      <a:font script="Gujr" typeface="Shruti"/>
+      <a:font script="Khmr" typeface="MoolBoran"/>
+      <a:font script="Knda" typeface="Tunga"/>
+      <a:font script="Guru" typeface="Raavi"/>
+      <a:font script="Cans" typeface="Euphemia"/>
+      <a:font script="Cher" typeface="Plantagenet Cherokee"/>
+      <a:font script="Yiii" typeface="Microsoft Yi Baiti"/>
+      <a:font script="Tibt" typeface="Microsoft Himalaya"/>
+      <a:font script="Thaa" typeface="MV Boli"/>
+      <a:font script="Deva" typeface="Mangal"/>
+      <a:font script="Telu" typeface="Gautami"/>
+      <a:font script="Taml" typeface="Latha"/>
+      <a:font script="Syrc" typeface="Estrangelo Edessa"/>
+      <a:font script="Orya" typeface="Kalinga"/>
+      <a:font script="Mlym" typeface="Kartika"/>
+      <a:font script="Laoo" typeface="DokChampa"/>
+      <a:font script="Sinh" typeface="Iskoola Pota"/>
+      <a:font script="Mong" typeface="Mongolian Baiti"/>
+      <a:font script="Viet" typeface="Times New Roman"/>
+      <a:font script="Uigh" typeface="Microsoft Uighur"/>
+      <a:font script="Geor" typeface="Sylfaen"/>
+    </a:majorFont>
+    <a:minorFont>
+      <a:latin typeface="Calibri"/>
+      <a:ea typeface=""/>
+      <a:cs typeface=""/>
+      <a:font script="Jpan" typeface="ＭＳ Ｐゴシック"/>
+      <a:font script="Hang" typeface="맑은 고딕"/>
+      <a:font script="Hans" typeface="宋体"/>
+      <a:font script="Hant" typeface="新細明體"/>
+      <a:font script="Arab" typeface="Arial"/>
+      <a:font script="Hebr" typeface="Arial"/>
+      <a:font script="Thai" typeface="Tahoma"/>
+      <a:font script="Ethi" typeface="Nyala"/>
+      <a:font script="Beng" typeface="Vrinda"/>
+      <a:font script="Gujr" typeface="Shruti"/>
+      <a:font script="Khmr" typeface="DaunPenh"/>
+      <a:font script="Knda" typeface="Tunga"/>
+      <a:font script="Guru" typeface="Raavi"/>
+      <a:font script="Cans" typeface="Euphemia"/>
+      <a:font script="Cher" typeface="Plantagenet Cherokee"/>
+      <a:font script="Yiii" typeface="Microsoft Yi Baiti"/>
+      <a:font script="Tibt" typeface="Microsoft Himalaya"/>
+      <a:font script="Thaa" typeface="MV Boli"/>
+      <a:font script="Deva" typeface="Mangal"/>
+      <a:font script="Telu" typeface="Gautami"/>
+      <a:font script="Taml" typeface="Latha"/>
+      <a:font script="Syrc" typeface="Estrangelo Edessa"/>
+      <a:font script="Orya" typeface="Kalinga"/>
+      <a:font script="Mlym" typeface="Kartika"/>
+      <a:font script="Laoo" typeface="DokChampa"/>
+      <a:font script="Sinh" typeface="Iskoola Pota"/>
+      <a:font script="Mong" typeface="Mongolian Baiti"/>
+      <a:font script="Viet" typeface="Arial"/>
+      <a:font script="Uigh" typeface="Microsoft Uighur"/>
+      <a:font script="Geor" typeface="Sylfaen"/>
+    </a:minorFont>
+  </a:fontScheme>
+  <a:fmtScheme name="Office">
+    <a:fillStyleLst>
+      <a:solidFill>
+        <a:schemeClr val="phClr"/>
+      </a:solidFill>
+      <a:gradFill rotWithShape="1">
+        <a:gsLst>
+          <a:gs pos="0">
+            <a:schemeClr val="phClr">
+              <a:tint val="50000"/>
+              <a:satMod val="300000"/>
+            </a:schemeClr>
+          </a:gs>
+          <a:gs pos="35000">
+            <a:schemeClr val="phClr">
+              <a:tint val="37000"/>
+              <a:satMod val="300000"/>
+            </a:schemeClr>
+          </a:gs>
+          <a:gs pos="100000">
+            <a:schemeClr val="phClr">
+              <a:tint val="15000"/>
+              <a:satMod val="350000"/>
+            </a:schemeClr>
+          </a:gs>
+        </a:gsLst>
+        <a:lin ang="16200000" scaled="1"/>
+      </a:gradFill>
+      <a:gradFill rotWithShape="1">
+        <a:gsLst>
+          <a:gs pos="0">
+            <a:schemeClr val="phClr">
+              <a:shade val="51000"/>
+              <a:satMod val="130000"/>
+            </a:schemeClr>
+          </a:gs>
+          <a:gs pos="80000">
+            <a:schemeClr val="phClr">
+              <a:shade val="93000"/>
+              <a:satMod val="130000"/>
+            </a:schemeClr>
+          </a:gs>
+          <a:gs pos="100000">
+            <a:schemeClr val="phClr">
+              <a:shade val="94000"/>
+              <a:satMod val="135000"/>
+            </a:schemeClr>
+          </a:gs>
+        </a:gsLst>
+        <a:lin ang="16200000" scaled="0"/>
+      </a:gradFill>
+    </a:fillStyleLst>
+    <a:lnStyleLst>
+      <a:ln w="9525" cap="flat" cmpd="sng" algn="ctr">
+        <a:solidFill>
+          <a:schemeClr val="phClr">
+            <a:shade val="95000"/>
+            <a:satMod val="105000"/>
+          </a:schemeClr>
+        </a:solidFill>
+        <a:prstDash val="solid"/>
+      </a:ln>
+      <a:ln w="25400" cap="flat" cmpd="sng" algn="ctr">
+        <a:solidFill>
+          <a:schemeClr val="phClr"/>
+        </a:solidFill>
+        <a:prstDash val="solid"/>
+      </a:ln>
+      <a:ln w="38100" cap="flat" cmpd="sng" algn="ctr">
+        <a:solidFill>
+          <a:schemeClr val="phClr"/>
+        </a:solidFill>
+        <a:prstDash val="solid"/>
+      </a:ln>
+    </a:lnStyleLst>
+    <a:effectStyleLst>
+      <a:effectStyle>
+        <a:effectLst>
+          <a:outerShdw blurRad="40000" dist="20000" dir="5400000" rotWithShape="0">
+            <a:srgbClr val="000000">
+              <a:alpha val="38000"/>
+            </a:srgbClr>
+          </a:outerShdw>
+        </a:effectLst>
+      </a:effectStyle>
+      <a:effectStyle>
+        <a:effectLst>
+          <a:outerShdw blurRad="40000" dist="23000" dir="5400000" rotWithShape="0">
+            <a:srgbClr val="000000">
+              <a:alpha val="35000"/>
+            </a:srgbClr>
+          </a:outerShdw>
+        </a:effectLst>
+      </a:effectStyle>
+      <a:effectStyle>
+        <a:effectLst>
+          <a:outerShdw blurRad="40000" dist="23000" dir="5400000" rotWithShape="0">
+            <a:srgbClr val="000000">
+              <a:alpha val="35000"/>
+            </a:srgbClr>
+          </a:outerShdw>
+        </a:effectLst>
+        <a:scene3d>
+          <a:camera prst="orthographicFront">
+            <a:rot lat="0" lon="0" rev="0"/>
+          </a:camera>
+          <a:lightRig rig="threePt" dir="t">
+            <a:rot lat="0" lon="0" rev="1200000"/>
+          </a:lightRig>
+        </a:scene3d>
+        <a:sp3d>
+          <a:bevelT w="63500" h="25400"/>
+        </a:sp3d>
+      </a:effectStyle>
+    </a:effectStyleLst>
+    <a:bgFillStyleLst>
+      <a:solidFill>
+        <a:schemeClr val="phClr"/>
+      </a:solidFill>
+      <a:gradFill rotWithShape="1">
+        <a:gsLst>
+          <a:gs pos="0">
+            <a:schemeClr val="phClr">
+              <a:tint val="40000"/>
+              <a:satMod val="350000"/>
+            </a:schemeClr>
+          </a:gs>
+          <a:gs pos="40000">
+            <a:schemeClr val="phClr">
+              <a:tint val="45000"/>
+              <a:shade val="99000"/>
+              <a:satMod val="350000"/>
+            </a:schemeClr>
+          </a:gs>
+          <a:gs pos="100000">
+            <a:schemeClr val="phClr">
+              <a:shade val="20000"/>
+              <a:satMod val="255000"/>
+            </a:schemeClr>
+          </a:gs>
+        </a:gsLst>
+        <a:path path="circle">
+          <a:fillToRect l="50000" t="-80000" r="50000" b="180000"/>
+        </a:path>
+      </a:gradFill>
+      <a:gradFill rotWithShape="1">
+        <a:gsLst>
+          <a:gs pos="0">
+            <a:schemeClr val="phClr">
+              <a:tint val="80000"/>
+              <a:satMod val="300000"/>
+            </a:schemeClr>
+          </a:gs>
+          <a:gs pos="100000">
+            <a:schemeClr val="phClr">
+              <a:shade val="30000"/>
+              <a:satMod val="200000"/>
+            </a:schemeClr>
+          </a:gs>
+        </a:gsLst>
+        <a:path path="circle">
+          <a:fillToRect l="50000" t="50000" r="50000" b="50000"/>
+        </a:path>
+      </a:gradFill>
+    </a:bgFillStyleLst>
+  </a:fmtScheme>
+</a:themeOverride>
+</file>
+
+<file path=ppt/theme/themeOverride2.xml><?xml version="1.0" encoding="utf-8"?>
+<a:themeOverride xmlns:a="http://schemas.openxmlformats.org/drawingml/2006/main">
+  <a:clrScheme name="Office">
+    <a:dk1>
+      <a:sysClr val="windowText" lastClr="000000"/>
+    </a:dk1>
+    <a:lt1>
+      <a:sysClr val="window" lastClr="FFFFFF"/>
+    </a:lt1>
+    <a:dk2>
+      <a:srgbClr val="1F497D"/>
+    </a:dk2>
+    <a:lt2>
+      <a:srgbClr val="EEECE1"/>
+    </a:lt2>
+    <a:accent1>
+      <a:srgbClr val="4F81BD"/>
+    </a:accent1>
+    <a:accent2>
+      <a:srgbClr val="C0504D"/>
+    </a:accent2>
+    <a:accent3>
+      <a:srgbClr val="9BBB59"/>
+    </a:accent3>
+    <a:accent4>
+      <a:srgbClr val="8064A2"/>
+    </a:accent4>
+    <a:accent5>
+      <a:srgbClr val="4BACC6"/>
+    </a:accent5>
+    <a:accent6>
+      <a:srgbClr val="F79646"/>
+    </a:accent6>
+    <a:hlink>
+      <a:srgbClr val="0000FF"/>
+    </a:hlink>
+    <a:folHlink>
+      <a:srgbClr val="800080"/>
+    </a:folHlink>
+  </a:clrScheme>
+  <a:fontScheme name="Office">
+    <a:majorFont>
+      <a:latin typeface="Cambria"/>
+      <a:ea typeface=""/>
+      <a:cs typeface=""/>
+      <a:font script="Jpan" typeface="ＭＳ Ｐゴシック"/>
+      <a:font script="Hang" typeface="맑은 고딕"/>
+      <a:font script="Hans" typeface="宋体"/>
+      <a:font script="Hant" typeface="新細明體"/>
+      <a:font script="Arab" typeface="Times New Roman"/>
+      <a:font script="Hebr" typeface="Times New Roman"/>
+      <a:font script="Thai" typeface="Tahoma"/>
+      <a:font script="Ethi" typeface="Nyala"/>
+      <a:font script="Beng" typeface="Vrinda"/>
+      <a:font script="Gujr" typeface="Shruti"/>
+      <a:font script="Khmr" typeface="MoolBoran"/>
+      <a:font script="Knda" typeface="Tunga"/>
+      <a:font script="Guru" typeface="Raavi"/>
+      <a:font script="Cans" typeface="Euphemia"/>
+      <a:font script="Cher" typeface="Plantagenet Cherokee"/>
+      <a:font script="Yiii" typeface="Microsoft Yi Baiti"/>
+      <a:font script="Tibt" typeface="Microsoft Himalaya"/>
+      <a:font script="Thaa" typeface="MV Boli"/>
+      <a:font script="Deva" typeface="Mangal"/>
+      <a:font script="Telu" typeface="Gautami"/>
+      <a:font script="Taml" typeface="Latha"/>
+      <a:font script="Syrc" typeface="Estrangelo Edessa"/>
+      <a:font script="Orya" typeface="Kalinga"/>
+      <a:font script="Mlym" typeface="Kartika"/>
+      <a:font script="Laoo" typeface="DokChampa"/>
+      <a:font script="Sinh" typeface="Iskoola Pota"/>
+      <a:font script="Mong" typeface="Mongolian Baiti"/>
+      <a:font script="Viet" typeface="Times New Roman"/>
+      <a:font script="Uigh" typeface="Microsoft Uighur"/>
+      <a:font script="Geor" typeface="Sylfaen"/>
+    </a:majorFont>
+    <a:minorFont>
+      <a:latin typeface="Calibri"/>
+      <a:ea typeface=""/>
+      <a:cs typeface=""/>
+      <a:font script="Jpan" typeface="ＭＳ Ｐゴシック"/>
+      <a:font script="Hang" typeface="맑은 고딕"/>
+      <a:font script="Hans" typeface="宋体"/>
+      <a:font script="Hant" typeface="新細明體"/>
+      <a:font script="Arab" typeface="Arial"/>
+      <a:font script="Hebr" typeface="Arial"/>
+      <a:font script="Thai" typeface="Tahoma"/>
+      <a:font script="Ethi" typeface="Nyala"/>
+      <a:font script="Beng" typeface="Vrinda"/>
+      <a:font script="Gujr" typeface="Shruti"/>
+      <a:font script="Khmr" typeface="DaunPenh"/>
+      <a:font script="Knda" typeface="Tunga"/>
+      <a:font script="Guru" typeface="Raavi"/>
+      <a:font script="Cans" typeface="Euphemia"/>
+      <a:font script="Cher" typeface="Plantagenet Cherokee"/>
+      <a:font script="Yiii" typeface="Microsoft Yi Baiti"/>
+      <a:font script="Tibt" typeface="Microsoft Himalaya"/>
+      <a:font script="Thaa" typeface="MV Boli"/>
+      <a:font script="Deva" typeface="Mangal"/>
+      <a:font script="Telu" typeface="Gautami"/>
+      <a:font script="Taml" typeface="Latha"/>
+      <a:font script="Syrc" typeface="Estrangelo Edessa"/>
+      <a:font script="Orya" typeface="Kalinga"/>
+      <a:font script="Mlym" typeface="Kartika"/>
+      <a:font script="Laoo" typeface="DokChampa"/>
+      <a:font script="Sinh" typeface="Iskoola Pota"/>
+      <a:font script="Mong" typeface="Mongolian Baiti"/>
+      <a:font script="Viet" typeface="Arial"/>
+      <a:font script="Uigh" typeface="Microsoft Uighur"/>
+      <a:font script="Geor" typeface="Sylfaen"/>
+    </a:minorFont>
+  </a:fontScheme>
+  <a:fmtScheme name="Office">
+    <a:fillStyleLst>
+      <a:solidFill>
+        <a:schemeClr val="phClr"/>
+      </a:solidFill>
+      <a:gradFill rotWithShape="1">
+        <a:gsLst>
+          <a:gs pos="0">
+            <a:schemeClr val="phClr">
+              <a:tint val="50000"/>
+              <a:satMod val="300000"/>
+            </a:schemeClr>
+          </a:gs>
+          <a:gs pos="35000">
+            <a:schemeClr val="phClr">
+              <a:tint val="37000"/>
+              <a:satMod val="300000"/>
+            </a:schemeClr>
+          </a:gs>
+          <a:gs pos="100000">
+            <a:schemeClr val="phClr">
+              <a:tint val="15000"/>
+              <a:satMod val="350000"/>
+            </a:schemeClr>
+          </a:gs>
+        </a:gsLst>
+        <a:lin ang="16200000" scaled="1"/>
+      </a:gradFill>
+      <a:gradFill rotWithShape="1">
+        <a:gsLst>
+          <a:gs pos="0">
+            <a:schemeClr val="phClr">
+              <a:shade val="51000"/>
+              <a:satMod val="130000"/>
+            </a:schemeClr>
+          </a:gs>
+          <a:gs pos="80000">
+            <a:schemeClr val="phClr">
+              <a:shade val="93000"/>
+              <a:satMod val="130000"/>
+            </a:schemeClr>
+          </a:gs>
+          <a:gs pos="100000">
+            <a:schemeClr val="phClr">
+              <a:shade val="94000"/>
+              <a:satMod val="135000"/>
+            </a:schemeClr>
+          </a:gs>
+        </a:gsLst>
+        <a:lin ang="16200000" scaled="0"/>
+      </a:gradFill>
+    </a:fillStyleLst>
+    <a:lnStyleLst>
+      <a:ln w="9525" cap="flat" cmpd="sng" algn="ctr">
+        <a:solidFill>
+          <a:schemeClr val="phClr">
+            <a:shade val="95000"/>
+            <a:satMod val="105000"/>
+          </a:schemeClr>
+        </a:solidFill>
+        <a:prstDash val="solid"/>
+      </a:ln>
+      <a:ln w="25400" cap="flat" cmpd="sng" algn="ctr">
+        <a:solidFill>
+          <a:schemeClr val="phClr"/>
+        </a:solidFill>
+        <a:prstDash val="solid"/>
+      </a:ln>
+      <a:ln w="38100" cap="flat" cmpd="sng" algn="ctr">
+        <a:solidFill>
+          <a:schemeClr val="phClr"/>
+        </a:solidFill>
+        <a:prstDash val="solid"/>
+      </a:ln>
+    </a:lnStyleLst>
+    <a:effectStyleLst>
+      <a:effectStyle>
+        <a:effectLst>
+          <a:outerShdw blurRad="40000" dist="20000" dir="5400000" rotWithShape="0">
+            <a:srgbClr val="000000">
+              <a:alpha val="38000"/>
+            </a:srgbClr>
+          </a:outerShdw>
+        </a:effectLst>
+      </a:effectStyle>
+      <a:effectStyle>
+        <a:effectLst>
+          <a:outerShdw blurRad="40000" dist="23000" dir="5400000" rotWithShape="0">
+            <a:srgbClr val="000000">
+              <a:alpha val="35000"/>
+            </a:srgbClr>
+          </a:outerShdw>
+        </a:effectLst>
+      </a:effectStyle>
+      <a:effectStyle>
+        <a:effectLst>
+          <a:outerShdw blurRad="40000" dist="23000" dir="5400000" rotWithShape="0">
+            <a:srgbClr val="000000">
+              <a:alpha val="35000"/>
+            </a:srgbClr>
+          </a:outerShdw>
+        </a:effectLst>
+        <a:scene3d>
+          <a:camera prst="orthographicFront">
+            <a:rot lat="0" lon="0" rev="0"/>
+          </a:camera>
+          <a:lightRig rig="threePt" dir="t">
+            <a:rot lat="0" lon="0" rev="1200000"/>
+          </a:lightRig>
+        </a:scene3d>
+        <a:sp3d>
+          <a:bevelT w="63500" h="25400"/>
+        </a:sp3d>
+      </a:effectStyle>
+    </a:effectStyleLst>
+    <a:bgFillStyleLst>
+      <a:solidFill>
+        <a:schemeClr val="phClr"/>
+      </a:solidFill>
+      <a:gradFill rotWithShape="1">
+        <a:gsLst>
+          <a:gs pos="0">
+            <a:schemeClr val="phClr">
+              <a:tint val="40000"/>
+              <a:satMod val="350000"/>
+            </a:schemeClr>
+          </a:gs>
+          <a:gs pos="40000">
+            <a:schemeClr val="phClr">
+              <a:tint val="45000"/>
+              <a:shade val="99000"/>
+              <a:satMod val="350000"/>
+            </a:schemeClr>
+          </a:gs>
+          <a:gs pos="100000">
+            <a:schemeClr val="phClr">
+              <a:shade val="20000"/>
+              <a:satMod val="255000"/>
+            </a:schemeClr>
+          </a:gs>
+        </a:gsLst>
+        <a:path path="circle">
+          <a:fillToRect l="50000" t="-80000" r="50000" b="180000"/>
+        </a:path>
+      </a:gradFill>
+      <a:gradFill rotWithShape="1">
+        <a:gsLst>
+          <a:gs pos="0">
+            <a:schemeClr val="phClr">
+              <a:tint val="80000"/>
+              <a:satMod val="300000"/>
+            </a:schemeClr>
+          </a:gs>
+          <a:gs pos="100000">
+            <a:schemeClr val="phClr">
+              <a:shade val="30000"/>
+              <a:satMod val="200000"/>
+            </a:schemeClr>
+          </a:gs>
+        </a:gsLst>
+        <a:path path="circle">
+          <a:fillToRect l="50000" t="50000" r="50000" b="50000"/>
+        </a:path>
+      </a:gradFill>
+    </a:bgFillStyleLst>
+  </a:fmtScheme>
+</a:themeOverride>
 </file>
--- a/ppt/卒業研究.pptx
+++ b/ppt/卒業研究.pptx
@@ -5,10 +5,10 @@
     <p:sldMasterId id="2147483648" r:id="rId1"/>
   </p:sldMasterIdLst>
   <p:notesMasterIdLst>
-    <p:notesMasterId r:id="rId26"/>
+    <p:notesMasterId r:id="rId27"/>
   </p:notesMasterIdLst>
   <p:handoutMasterIdLst>
-    <p:handoutMasterId r:id="rId27"/>
+    <p:handoutMasterId r:id="rId28"/>
   </p:handoutMasterIdLst>
   <p:sldIdLst>
     <p:sldId id="256" r:id="rId2"/>
@@ -19,22 +19,23 @@
     <p:sldId id="283" r:id="rId7"/>
     <p:sldId id="270" r:id="rId8"/>
     <p:sldId id="284" r:id="rId9"/>
-    <p:sldId id="290" r:id="rId10"/>
-    <p:sldId id="266" r:id="rId11"/>
-    <p:sldId id="286" r:id="rId12"/>
-    <p:sldId id="292" r:id="rId13"/>
-    <p:sldId id="272" r:id="rId14"/>
-    <p:sldId id="293" r:id="rId15"/>
-    <p:sldId id="273" r:id="rId16"/>
-    <p:sldId id="274" r:id="rId17"/>
-    <p:sldId id="275" r:id="rId18"/>
-    <p:sldId id="291" r:id="rId19"/>
-    <p:sldId id="267" r:id="rId20"/>
-    <p:sldId id="264" r:id="rId21"/>
-    <p:sldId id="289" r:id="rId22"/>
-    <p:sldId id="265" r:id="rId23"/>
-    <p:sldId id="268" r:id="rId24"/>
-    <p:sldId id="287" r:id="rId25"/>
+    <p:sldId id="295" r:id="rId10"/>
+    <p:sldId id="290" r:id="rId11"/>
+    <p:sldId id="266" r:id="rId12"/>
+    <p:sldId id="286" r:id="rId13"/>
+    <p:sldId id="292" r:id="rId14"/>
+    <p:sldId id="272" r:id="rId15"/>
+    <p:sldId id="293" r:id="rId16"/>
+    <p:sldId id="273" r:id="rId17"/>
+    <p:sldId id="274" r:id="rId18"/>
+    <p:sldId id="275" r:id="rId19"/>
+    <p:sldId id="291" r:id="rId20"/>
+    <p:sldId id="294" r:id="rId21"/>
+    <p:sldId id="264" r:id="rId22"/>
+    <p:sldId id="289" r:id="rId23"/>
+    <p:sldId id="265" r:id="rId24"/>
+    <p:sldId id="268" r:id="rId25"/>
+    <p:sldId id="287" r:id="rId26"/>
   </p:sldIdLst>
   <p:sldSz cx="9144000" cy="6858000" type="screen4x3"/>
   <p:notesSz cx="6858000" cy="9144000"/>
@@ -2772,11 +2773,11 @@
         </c:dLbls>
         <c:marker val="1"/>
         <c:smooth val="0"/>
-        <c:axId val="26013056"/>
-        <c:axId val="26428928"/>
+        <c:axId val="33164288"/>
+        <c:axId val="33182848"/>
       </c:lineChart>
       <c:catAx>
-        <c:axId val="26013056"/>
+        <c:axId val="33164288"/>
         <c:scaling>
           <c:orientation val="minMax"/>
         </c:scaling>
@@ -2806,7 +2807,7 @@
         <c:majorTickMark val="out"/>
         <c:minorTickMark val="none"/>
         <c:tickLblPos val="nextTo"/>
-        <c:crossAx val="26428928"/>
+        <c:crossAx val="33182848"/>
         <c:crosses val="autoZero"/>
         <c:auto val="1"/>
         <c:lblAlgn val="ctr"/>
@@ -2816,7 +2817,7 @@
         <c:noMultiLvlLbl val="0"/>
       </c:catAx>
       <c:valAx>
-        <c:axId val="26428928"/>
+        <c:axId val="33182848"/>
         <c:scaling>
           <c:orientation val="minMax"/>
         </c:scaling>
@@ -2846,7 +2847,7 @@
         <c:majorTickMark val="none"/>
         <c:minorTickMark val="none"/>
         <c:tickLblPos val="nextTo"/>
-        <c:crossAx val="26013056"/>
+        <c:crossAx val="33164288"/>
         <c:crosses val="autoZero"/>
         <c:crossBetween val="midCat"/>
       </c:valAx>
@@ -5502,11 +5503,11 @@
         </c:dLbls>
         <c:marker val="1"/>
         <c:smooth val="0"/>
-        <c:axId val="66030976"/>
-        <c:axId val="66033152"/>
+        <c:axId val="55718656"/>
+        <c:axId val="55720576"/>
       </c:lineChart>
       <c:catAx>
-        <c:axId val="66030976"/>
+        <c:axId val="55718656"/>
         <c:scaling>
           <c:orientation val="minMax"/>
         </c:scaling>
@@ -5535,7 +5536,7 @@
         <c:majorTickMark val="out"/>
         <c:minorTickMark val="none"/>
         <c:tickLblPos val="nextTo"/>
-        <c:crossAx val="66033152"/>
+        <c:crossAx val="55720576"/>
         <c:crosses val="autoZero"/>
         <c:auto val="1"/>
         <c:lblAlgn val="ctr"/>
@@ -5545,7 +5546,7 @@
         <c:noMultiLvlLbl val="0"/>
       </c:catAx>
       <c:valAx>
-        <c:axId val="66033152"/>
+        <c:axId val="55720576"/>
         <c:scaling>
           <c:orientation val="minMax"/>
         </c:scaling>
@@ -5575,7 +5576,7 @@
         <c:majorTickMark val="none"/>
         <c:minorTickMark val="none"/>
         <c:tickLblPos val="nextTo"/>
-        <c:crossAx val="66030976"/>
+        <c:crossAx val="55718656"/>
         <c:crossesAt val="1"/>
         <c:crossBetween val="between"/>
       </c:valAx>
@@ -5677,7 +5678,7 @@
           <a:p>
             <a:fld id="{74825FEB-C9F8-43E7-A6A0-63C03333387A}" type="datetimeFigureOut">
               <a:rPr kumimoji="1" lang="ja-JP" altLang="en-US" smtClean="0"/>
-              <a:t>2014/1/16</a:t>
+              <a:t>2014/1/17</a:t>
             </a:fld>
             <a:endParaRPr kumimoji="1" lang="ja-JP" altLang="en-US"/>
           </a:p>
@@ -5842,7 +5843,7 @@
           <a:p>
             <a:fld id="{7DF372ED-9A20-47C3-A076-E002DD6BB04D}" type="datetimeFigureOut">
               <a:rPr kumimoji="1" lang="ja-JP" altLang="en-US" smtClean="0"/>
-              <a:t>2014/1/16</a:t>
+              <a:t>2014/1/17</a:t>
             </a:fld>
             <a:endParaRPr kumimoji="1" lang="ja-JP" altLang="en-US"/>
           </a:p>
@@ -6302,7 +6303,7 @@
           <a:p>
             <a:fld id="{FEFB3154-A281-48F2-8DC9-C99E29F1ECF4}" type="slidenum">
               <a:rPr kumimoji="1" lang="ja-JP" altLang="en-US" smtClean="0"/>
-              <a:t>11</a:t>
+              <a:t>12</a:t>
             </a:fld>
             <a:endParaRPr kumimoji="1" lang="ja-JP" altLang="en-US"/>
           </a:p>
@@ -6386,7 +6387,7 @@
           <a:p>
             <a:fld id="{FEFB3154-A281-48F2-8DC9-C99E29F1ECF4}" type="slidenum">
               <a:rPr kumimoji="1" lang="ja-JP" altLang="en-US" smtClean="0"/>
-              <a:t>12</a:t>
+              <a:t>13</a:t>
             </a:fld>
             <a:endParaRPr kumimoji="1" lang="ja-JP" altLang="en-US"/>
           </a:p>
@@ -6449,7 +6450,7 @@
           <a:bodyPr/>
           <a:lstStyle/>
           <a:p>
-            <a:endParaRPr kumimoji="1" lang="ja-JP" altLang="en-US"/>
+            <a:endParaRPr kumimoji="1" lang="ja-JP" altLang="en-US" dirty="0"/>
           </a:p>
         </p:txBody>
       </p:sp>
@@ -6470,7 +6471,7 @@
           <a:p>
             <a:fld id="{FEFB3154-A281-48F2-8DC9-C99E29F1ECF4}" type="slidenum">
               <a:rPr kumimoji="1" lang="ja-JP" altLang="en-US" smtClean="0"/>
-              <a:t>13</a:t>
+              <a:t>14</a:t>
             </a:fld>
             <a:endParaRPr kumimoji="1" lang="ja-JP" altLang="en-US"/>
           </a:p>
@@ -6554,7 +6555,7 @@
           <a:p>
             <a:fld id="{FEFB3154-A281-48F2-8DC9-C99E29F1ECF4}" type="slidenum">
               <a:rPr kumimoji="1" lang="ja-JP" altLang="en-US" smtClean="0"/>
-              <a:t>15</a:t>
+              <a:t>16</a:t>
             </a:fld>
             <a:endParaRPr kumimoji="1" lang="ja-JP" altLang="en-US"/>
           </a:p>
@@ -6638,7 +6639,7 @@
           <a:p>
             <a:fld id="{FEFB3154-A281-48F2-8DC9-C99E29F1ECF4}" type="slidenum">
               <a:rPr kumimoji="1" lang="ja-JP" altLang="en-US" smtClean="0"/>
-              <a:t>16</a:t>
+              <a:t>17</a:t>
             </a:fld>
             <a:endParaRPr kumimoji="1" lang="ja-JP" altLang="en-US"/>
           </a:p>
@@ -6722,7 +6723,7 @@
           <a:p>
             <a:fld id="{FEFB3154-A281-48F2-8DC9-C99E29F1ECF4}" type="slidenum">
               <a:rPr kumimoji="1" lang="ja-JP" altLang="en-US" smtClean="0"/>
-              <a:t>17</a:t>
+              <a:t>18</a:t>
             </a:fld>
             <a:endParaRPr kumimoji="1" lang="ja-JP" altLang="en-US"/>
           </a:p>
@@ -6806,7 +6807,7 @@
           <a:p>
             <a:fld id="{FEFB3154-A281-48F2-8DC9-C99E29F1ECF4}" type="slidenum">
               <a:rPr kumimoji="1" lang="ja-JP" altLang="en-US" smtClean="0"/>
-              <a:t>19</a:t>
+              <a:t>21</a:t>
             </a:fld>
             <a:endParaRPr kumimoji="1" lang="ja-JP" altLang="en-US"/>
           </a:p>
@@ -6815,7 +6816,7 @@
     </p:spTree>
     <p:extLst>
       <p:ext uri="{BB962C8B-B14F-4D97-AF65-F5344CB8AC3E}">
-        <p14:creationId xmlns:p14="http://schemas.microsoft.com/office/powerpoint/2010/main" val="857273442"/>
+        <p14:creationId xmlns:p14="http://schemas.microsoft.com/office/powerpoint/2010/main" val="966408925"/>
       </p:ext>
     </p:extLst>
   </p:cSld>
@@ -6869,7 +6870,19 @@
           <a:bodyPr/>
           <a:lstStyle/>
           <a:p>
-            <a:endParaRPr kumimoji="1" lang="ja-JP" altLang="en-US"/>
+            <a:r>
+              <a:rPr kumimoji="1" lang="ja-JP" altLang="en-US" dirty="0" smtClean="0"/>
+              <a:t>＋</a:t>
+            </a:r>
+            <a:r>
+              <a:rPr kumimoji="1" lang="en-US" altLang="ja-JP" dirty="0" smtClean="0"/>
+              <a:t>2</a:t>
+            </a:r>
+            <a:r>
+              <a:rPr kumimoji="1" lang="ja-JP" altLang="en-US" dirty="0" smtClean="0"/>
+              <a:t>種類のウイルスが流行した場合に他方の免疫を喪失する場合の実例を調べる。</a:t>
+            </a:r>
+            <a:endParaRPr kumimoji="1" lang="ja-JP" altLang="en-US" dirty="0"/>
           </a:p>
         </p:txBody>
       </p:sp>
@@ -6890,7 +6903,7 @@
           <a:p>
             <a:fld id="{FEFB3154-A281-48F2-8DC9-C99E29F1ECF4}" type="slidenum">
               <a:rPr kumimoji="1" lang="ja-JP" altLang="en-US" smtClean="0"/>
-              <a:t>20</a:t>
+              <a:t>23</a:t>
             </a:fld>
             <a:endParaRPr kumimoji="1" lang="ja-JP" altLang="en-US"/>
           </a:p>
@@ -6899,7 +6912,7 @@
     </p:spTree>
     <p:extLst>
       <p:ext uri="{BB962C8B-B14F-4D97-AF65-F5344CB8AC3E}">
-        <p14:creationId xmlns:p14="http://schemas.microsoft.com/office/powerpoint/2010/main" val="966408925"/>
+        <p14:creationId xmlns:p14="http://schemas.microsoft.com/office/powerpoint/2010/main" val="1931179438"/>
       </p:ext>
     </p:extLst>
   </p:cSld>
@@ -6953,19 +6966,7 @@
           <a:bodyPr/>
           <a:lstStyle/>
           <a:p>
-            <a:r>
-              <a:rPr kumimoji="1" lang="ja-JP" altLang="en-US" dirty="0" smtClean="0"/>
-              <a:t>＋</a:t>
-            </a:r>
-            <a:r>
-              <a:rPr kumimoji="1" lang="en-US" altLang="ja-JP" dirty="0" smtClean="0"/>
-              <a:t>2</a:t>
-            </a:r>
-            <a:r>
-              <a:rPr kumimoji="1" lang="ja-JP" altLang="en-US" dirty="0" smtClean="0"/>
-              <a:t>種類のウイルスが流行した場合に他方の免疫を喪失する場合の実例を調べる。</a:t>
-            </a:r>
-            <a:endParaRPr kumimoji="1" lang="ja-JP" altLang="en-US" dirty="0"/>
+            <a:endParaRPr kumimoji="1" lang="ja-JP" altLang="en-US"/>
           </a:p>
         </p:txBody>
       </p:sp>
@@ -6986,91 +6987,7 @@
           <a:p>
             <a:fld id="{FEFB3154-A281-48F2-8DC9-C99E29F1ECF4}" type="slidenum">
               <a:rPr kumimoji="1" lang="ja-JP" altLang="en-US" smtClean="0"/>
-              <a:t>22</a:t>
-            </a:fld>
-            <a:endParaRPr kumimoji="1" lang="ja-JP" altLang="en-US"/>
-          </a:p>
-        </p:txBody>
-      </p:sp>
-    </p:spTree>
-    <p:extLst>
-      <p:ext uri="{BB962C8B-B14F-4D97-AF65-F5344CB8AC3E}">
-        <p14:creationId xmlns:p14="http://schemas.microsoft.com/office/powerpoint/2010/main" val="1931179438"/>
-      </p:ext>
-    </p:extLst>
-  </p:cSld>
-  <p:clrMapOvr>
-    <a:masterClrMapping/>
-  </p:clrMapOvr>
-</p:notes>
-</file>
-
-<file path=ppt/notesSlides/notesSlide19.xml><?xml version="1.0" encoding="utf-8"?>
-<p:notes xmlns:a="http://schemas.openxmlformats.org/drawingml/2006/main" xmlns:r="http://schemas.openxmlformats.org/officeDocument/2006/relationships" xmlns:p="http://schemas.openxmlformats.org/presentationml/2006/main">
-  <p:cSld>
-    <p:spTree>
-      <p:nvGrpSpPr>
-        <p:cNvPr id="1" name=""/>
-        <p:cNvGrpSpPr/>
-        <p:nvPr/>
-      </p:nvGrpSpPr>
-      <p:grpSpPr>
-        <a:xfrm>
-          <a:off x="0" y="0"/>
-          <a:ext cx="0" cy="0"/>
-          <a:chOff x="0" y="0"/>
-          <a:chExt cx="0" cy="0"/>
-        </a:xfrm>
-      </p:grpSpPr>
-      <p:sp>
-        <p:nvSpPr>
-          <p:cNvPr id="2" name="スライド イメージ プレースホルダー 1"/>
-          <p:cNvSpPr>
-            <a:spLocks noGrp="1" noRot="1" noChangeAspect="1"/>
-          </p:cNvSpPr>
-          <p:nvPr>
-            <p:ph type="sldImg"/>
-          </p:nvPr>
-        </p:nvSpPr>
-        <p:spPr/>
-      </p:sp>
-      <p:sp>
-        <p:nvSpPr>
-          <p:cNvPr id="3" name="ノート プレースホルダー 2"/>
-          <p:cNvSpPr>
-            <a:spLocks noGrp="1"/>
-          </p:cNvSpPr>
-          <p:nvPr>
-            <p:ph type="body" idx="1"/>
-          </p:nvPr>
-        </p:nvSpPr>
-        <p:spPr/>
-        <p:txBody>
-          <a:bodyPr/>
-          <a:lstStyle/>
-          <a:p>
-            <a:endParaRPr kumimoji="1" lang="ja-JP" altLang="en-US"/>
-          </a:p>
-        </p:txBody>
-      </p:sp>
-      <p:sp>
-        <p:nvSpPr>
-          <p:cNvPr id="4" name="スライド番号プレースホルダー 3"/>
-          <p:cNvSpPr>
-            <a:spLocks noGrp="1"/>
-          </p:cNvSpPr>
-          <p:nvPr>
-            <p:ph type="sldNum" sz="quarter" idx="10"/>
-          </p:nvPr>
-        </p:nvSpPr>
-        <p:spPr/>
-        <p:txBody>
-          <a:bodyPr/>
-          <a:lstStyle/>
-          <a:p>
-            <a:fld id="{FEFB3154-A281-48F2-8DC9-C99E29F1ECF4}" type="slidenum">
-              <a:rPr kumimoji="1" lang="ja-JP" altLang="en-US" smtClean="0"/>
-              <a:t>23</a:t>
+              <a:t>24</a:t>
             </a:fld>
             <a:endParaRPr kumimoji="1" lang="ja-JP" altLang="en-US"/>
           </a:p>
@@ -7425,6 +7342,20 @@
           <a:p>
             <a:endParaRPr kumimoji="1" lang="en-US" altLang="ja-JP" dirty="0" smtClean="0"/>
           </a:p>
+          <a:p>
+            <a:r>
+              <a:rPr kumimoji="1" lang="ja-JP" altLang="en-US" dirty="0" smtClean="0"/>
+              <a:t>モデリングに用いられる数学的道具はさまざまである。</a:t>
+            </a:r>
+            <a:endParaRPr kumimoji="1" lang="en-US" altLang="ja-JP" dirty="0" smtClean="0"/>
+          </a:p>
+          <a:p>
+            <a:r>
+              <a:rPr kumimoji="1" lang="ja-JP" altLang="en-US" dirty="0" smtClean="0"/>
+              <a:t>道具によって方法論は大きく異なる</a:t>
+            </a:r>
+            <a:endParaRPr kumimoji="1" lang="en-US" altLang="ja-JP" dirty="0" smtClean="0"/>
+          </a:p>
         </p:txBody>
       </p:sp>
       <p:sp>
@@ -7757,7 +7688,7 @@
           <a:p>
             <a:fld id="{FEFB3154-A281-48F2-8DC9-C99E29F1ECF4}" type="slidenum">
               <a:rPr kumimoji="1" lang="ja-JP" altLang="en-US" smtClean="0"/>
-              <a:t>9</a:t>
+              <a:t>10</a:t>
             </a:fld>
             <a:endParaRPr kumimoji="1" lang="ja-JP" altLang="en-US"/>
           </a:p>
@@ -7935,7 +7866,7 @@
           <a:p>
             <a:fld id="{FEFB3154-A281-48F2-8DC9-C99E29F1ECF4}" type="slidenum">
               <a:rPr kumimoji="1" lang="ja-JP" altLang="en-US" smtClean="0"/>
-              <a:t>10</a:t>
+              <a:t>11</a:t>
             </a:fld>
             <a:endParaRPr kumimoji="1" lang="ja-JP" altLang="en-US"/>
           </a:p>
@@ -8135,7 +8066,7 @@
           <a:p>
             <a:fld id="{764389B5-BBD8-4BB5-AA3B-F6D4F6020998}" type="datetimeFigureOut">
               <a:rPr kumimoji="1" lang="ja-JP" altLang="en-US" smtClean="0"/>
-              <a:t>2014/1/16</a:t>
+              <a:t>2014/1/17</a:t>
             </a:fld>
             <a:endParaRPr kumimoji="1" lang="ja-JP" altLang="en-US"/>
           </a:p>
@@ -8337,7 +8268,7 @@
           <a:p>
             <a:fld id="{764389B5-BBD8-4BB5-AA3B-F6D4F6020998}" type="datetimeFigureOut">
               <a:rPr kumimoji="1" lang="ja-JP" altLang="en-US" smtClean="0"/>
-              <a:t>2014/1/16</a:t>
+              <a:t>2014/1/17</a:t>
             </a:fld>
             <a:endParaRPr kumimoji="1" lang="ja-JP" altLang="en-US"/>
           </a:p>
@@ -8549,7 +8480,7 @@
           <a:p>
             <a:fld id="{764389B5-BBD8-4BB5-AA3B-F6D4F6020998}" type="datetimeFigureOut">
               <a:rPr kumimoji="1" lang="ja-JP" altLang="en-US" smtClean="0"/>
-              <a:t>2014/1/16</a:t>
+              <a:t>2014/1/17</a:t>
             </a:fld>
             <a:endParaRPr kumimoji="1" lang="ja-JP" altLang="en-US"/>
           </a:p>
@@ -8751,7 +8682,7 @@
           <a:p>
             <a:fld id="{764389B5-BBD8-4BB5-AA3B-F6D4F6020998}" type="datetimeFigureOut">
               <a:rPr kumimoji="1" lang="ja-JP" altLang="en-US" smtClean="0"/>
-              <a:t>2014/1/16</a:t>
+              <a:t>2014/1/17</a:t>
             </a:fld>
             <a:endParaRPr kumimoji="1" lang="ja-JP" altLang="en-US"/>
           </a:p>
@@ -8997,7 +8928,7 @@
           <a:p>
             <a:fld id="{764389B5-BBD8-4BB5-AA3B-F6D4F6020998}" type="datetimeFigureOut">
               <a:rPr kumimoji="1" lang="ja-JP" altLang="en-US" smtClean="0"/>
-              <a:t>2014/1/16</a:t>
+              <a:t>2014/1/17</a:t>
             </a:fld>
             <a:endParaRPr kumimoji="1" lang="ja-JP" altLang="en-US"/>
           </a:p>
@@ -9349,7 +9280,7 @@
           <a:p>
             <a:fld id="{764389B5-BBD8-4BB5-AA3B-F6D4F6020998}" type="datetimeFigureOut">
               <a:rPr kumimoji="1" lang="ja-JP" altLang="en-US" smtClean="0"/>
-              <a:t>2014/1/16</a:t>
+              <a:t>2014/1/17</a:t>
             </a:fld>
             <a:endParaRPr kumimoji="1" lang="ja-JP" altLang="en-US"/>
           </a:p>
@@ -9835,7 +9766,7 @@
           <a:p>
             <a:fld id="{764389B5-BBD8-4BB5-AA3B-F6D4F6020998}" type="datetimeFigureOut">
               <a:rPr kumimoji="1" lang="ja-JP" altLang="en-US" smtClean="0"/>
-              <a:t>2014/1/16</a:t>
+              <a:t>2014/1/17</a:t>
             </a:fld>
             <a:endParaRPr kumimoji="1" lang="ja-JP" altLang="en-US"/>
           </a:p>
@@ -9953,7 +9884,7 @@
           <a:p>
             <a:fld id="{764389B5-BBD8-4BB5-AA3B-F6D4F6020998}" type="datetimeFigureOut">
               <a:rPr kumimoji="1" lang="ja-JP" altLang="en-US" smtClean="0"/>
-              <a:t>2014/1/16</a:t>
+              <a:t>2014/1/17</a:t>
             </a:fld>
             <a:endParaRPr kumimoji="1" lang="ja-JP" altLang="en-US"/>
           </a:p>
@@ -10048,7 +9979,7 @@
           <a:p>
             <a:fld id="{764389B5-BBD8-4BB5-AA3B-F6D4F6020998}" type="datetimeFigureOut">
               <a:rPr kumimoji="1" lang="ja-JP" altLang="en-US" smtClean="0"/>
-              <a:t>2014/1/16</a:t>
+              <a:t>2014/1/17</a:t>
             </a:fld>
             <a:endParaRPr kumimoji="1" lang="ja-JP" altLang="en-US"/>
           </a:p>
@@ -10357,7 +10288,7 @@
           <a:p>
             <a:fld id="{764389B5-BBD8-4BB5-AA3B-F6D4F6020998}" type="datetimeFigureOut">
               <a:rPr kumimoji="1" lang="ja-JP" altLang="en-US" smtClean="0"/>
-              <a:t>2014/1/16</a:t>
+              <a:t>2014/1/17</a:t>
             </a:fld>
             <a:endParaRPr kumimoji="1" lang="ja-JP" altLang="en-US"/>
           </a:p>
@@ -10610,7 +10541,7 @@
           <a:p>
             <a:fld id="{764389B5-BBD8-4BB5-AA3B-F6D4F6020998}" type="datetimeFigureOut">
               <a:rPr kumimoji="1" lang="ja-JP" altLang="en-US" smtClean="0"/>
-              <a:t>2014/1/16</a:t>
+              <a:t>2014/1/17</a:t>
             </a:fld>
             <a:endParaRPr kumimoji="1" lang="ja-JP" altLang="en-US"/>
           </a:p>
@@ -10855,7 +10786,7 @@
           <a:p>
             <a:fld id="{764389B5-BBD8-4BB5-AA3B-F6D4F6020998}" type="datetimeFigureOut">
               <a:rPr kumimoji="1" lang="ja-JP" altLang="en-US" smtClean="0"/>
-              <a:t>2014/1/16</a:t>
+              <a:t>2014/1/17</a:t>
             </a:fld>
             <a:endParaRPr kumimoji="1" lang="ja-JP" altLang="en-US"/>
           </a:p>
@@ -11340,6 +11271,102 @@
           <a:chExt cx="0" cy="0"/>
         </a:xfrm>
       </p:grpSpPr>
+      <p:sp>
+        <p:nvSpPr>
+          <p:cNvPr id="4" name="タイトル 3"/>
+          <p:cNvSpPr>
+            <a:spLocks noGrp="1"/>
+          </p:cNvSpPr>
+          <p:nvPr>
+            <p:ph type="title"/>
+          </p:nvPr>
+        </p:nvSpPr>
+        <p:spPr/>
+        <p:txBody>
+          <a:bodyPr>
+            <a:normAutofit/>
+          </a:bodyPr>
+          <a:lstStyle/>
+          <a:p>
+            <a:r>
+              <a:rPr kumimoji="1" lang="ja-JP" altLang="en-US" sz="3600" dirty="0" smtClean="0"/>
+              <a:t>電子</a:t>
+            </a:r>
+            <a:r>
+              <a:rPr kumimoji="1" lang="ja-JP" altLang="en-US" sz="3600" dirty="0" smtClean="0"/>
+              <a:t>タグの役割</a:t>
+            </a:r>
+            <a:endParaRPr kumimoji="1" lang="ja-JP" altLang="en-US" sz="3600" dirty="0"/>
+          </a:p>
+        </p:txBody>
+      </p:sp>
+      <p:pic>
+        <p:nvPicPr>
+          <p:cNvPr id="2" name="図 1"/>
+          <p:cNvPicPr>
+            <a:picLocks noChangeAspect="1"/>
+          </p:cNvPicPr>
+          <p:nvPr/>
+        </p:nvPicPr>
+        <p:blipFill>
+          <a:blip r:embed="rId3">
+            <a:extLst>
+              <a:ext uri="{28A0092B-C50C-407E-A947-70E740481C1C}">
+                <a14:useLocalDpi xmlns:a14="http://schemas.microsoft.com/office/drawing/2010/main" val="0"/>
+              </a:ext>
+            </a:extLst>
+          </a:blip>
+          <a:stretch>
+            <a:fillRect/>
+          </a:stretch>
+        </p:blipFill>
+        <p:spPr>
+          <a:xfrm>
+            <a:off x="467544" y="1700808"/>
+            <a:ext cx="9144000" cy="4568142"/>
+          </a:xfrm>
+          <a:prstGeom prst="rect">
+            <a:avLst/>
+          </a:prstGeom>
+        </p:spPr>
+      </p:pic>
+    </p:spTree>
+    <p:extLst>
+      <p:ext uri="{BB962C8B-B14F-4D97-AF65-F5344CB8AC3E}">
+        <p14:creationId xmlns:p14="http://schemas.microsoft.com/office/powerpoint/2010/main" val="3710276726"/>
+      </p:ext>
+    </p:extLst>
+  </p:cSld>
+  <p:clrMapOvr>
+    <a:masterClrMapping/>
+  </p:clrMapOvr>
+  <p:timing>
+    <p:tnLst>
+      <p:par>
+        <p:cTn id="1" dur="indefinite" restart="never" nodeType="tmRoot"/>
+      </p:par>
+    </p:tnLst>
+  </p:timing>
+</p:sld>
+</file>
+
+<file path=ppt/slides/slide11.xml><?xml version="1.0" encoding="utf-8"?>
+<p:sld xmlns:a="http://schemas.openxmlformats.org/drawingml/2006/main" xmlns:r="http://schemas.openxmlformats.org/officeDocument/2006/relationships" xmlns:p="http://schemas.openxmlformats.org/presentationml/2006/main">
+  <p:cSld>
+    <p:spTree>
+      <p:nvGrpSpPr>
+        <p:cNvPr id="1" name=""/>
+        <p:cNvGrpSpPr/>
+        <p:nvPr/>
+      </p:nvGrpSpPr>
+      <p:grpSpPr>
+        <a:xfrm>
+          <a:off x="0" y="0"/>
+          <a:ext cx="0" cy="0"/>
+          <a:chOff x="0" y="0"/>
+          <a:chExt cx="0" cy="0"/>
+        </a:xfrm>
+      </p:grpSpPr>
       <p:pic>
         <p:nvPicPr>
           <p:cNvPr id="3" name="図 2"/>
@@ -11390,7 +11417,7 @@
 </p:sld>
 </file>
 
-<file path=ppt/slides/slide11.xml><?xml version="1.0" encoding="utf-8"?>
+<file path=ppt/slides/slide12.xml><?xml version="1.0" encoding="utf-8"?>
 <p:sld xmlns:a="http://schemas.openxmlformats.org/drawingml/2006/main" xmlns:r="http://schemas.openxmlformats.org/officeDocument/2006/relationships" xmlns:p="http://schemas.openxmlformats.org/presentationml/2006/main">
   <p:cSld>
     <p:spTree>
@@ -11457,7 +11484,7 @@
 </p:sld>
 </file>
 
-<file path=ppt/slides/slide12.xml><?xml version="1.0" encoding="utf-8"?>
+<file path=ppt/slides/slide13.xml><?xml version="1.0" encoding="utf-8"?>
 <p:sld xmlns:a="http://schemas.openxmlformats.org/drawingml/2006/main" xmlns:r="http://schemas.openxmlformats.org/officeDocument/2006/relationships" xmlns:p="http://schemas.openxmlformats.org/presentationml/2006/main">
   <p:cSld>
     <p:spTree>
@@ -11686,67 +11713,6 @@
 </p:sld>
 </file>
 
-<file path=ppt/slides/slide13.xml><?xml version="1.0" encoding="utf-8"?>
-<p:sld xmlns:a="http://schemas.openxmlformats.org/drawingml/2006/main" xmlns:r="http://schemas.openxmlformats.org/officeDocument/2006/relationships" xmlns:p="http://schemas.openxmlformats.org/presentationml/2006/main">
-  <p:cSld>
-    <p:spTree>
-      <p:nvGrpSpPr>
-        <p:cNvPr id="1" name=""/>
-        <p:cNvGrpSpPr/>
-        <p:nvPr/>
-      </p:nvGrpSpPr>
-      <p:grpSpPr>
-        <a:xfrm>
-          <a:off x="0" y="0"/>
-          <a:ext cx="0" cy="0"/>
-          <a:chOff x="0" y="0"/>
-          <a:chExt cx="0" cy="0"/>
-        </a:xfrm>
-      </p:grpSpPr>
-      <p:graphicFrame>
-        <p:nvGraphicFramePr>
-          <p:cNvPr id="4" name="グラフ 3"/>
-          <p:cNvGraphicFramePr>
-            <a:graphicFrameLocks/>
-          </p:cNvGraphicFramePr>
-          <p:nvPr>
-            <p:extLst>
-              <p:ext uri="{D42A27DB-BD31-4B8C-83A1-F6EECF244321}">
-                <p14:modId xmlns:p14="http://schemas.microsoft.com/office/powerpoint/2010/main" val="3797267496"/>
-              </p:ext>
-            </p:extLst>
-          </p:nvPr>
-        </p:nvGraphicFramePr>
-        <p:xfrm>
-          <a:off x="72000" y="729000"/>
-          <a:ext cx="9000000" cy="5400000"/>
-        </p:xfrm>
-        <a:graphic>
-          <a:graphicData uri="http://schemas.openxmlformats.org/drawingml/2006/chart">
-            <c:chart xmlns:c="http://schemas.openxmlformats.org/drawingml/2006/chart" xmlns:r="http://schemas.openxmlformats.org/officeDocument/2006/relationships" r:id="rId3"/>
-          </a:graphicData>
-        </a:graphic>
-      </p:graphicFrame>
-    </p:spTree>
-    <p:extLst>
-      <p:ext uri="{BB962C8B-B14F-4D97-AF65-F5344CB8AC3E}">
-        <p14:creationId xmlns:p14="http://schemas.microsoft.com/office/powerpoint/2010/main" val="3483215692"/>
-      </p:ext>
-    </p:extLst>
-  </p:cSld>
-  <p:clrMapOvr>
-    <a:masterClrMapping/>
-  </p:clrMapOvr>
-  <p:timing>
-    <p:tnLst>
-      <p:par>
-        <p:cTn id="1" dur="indefinite" restart="never" nodeType="tmRoot"/>
-      </p:par>
-    </p:tnLst>
-  </p:timing>
-</p:sld>
-</file>
-
 <file path=ppt/slides/slide14.xml><?xml version="1.0" encoding="utf-8"?>
 <p:sld xmlns:a="http://schemas.openxmlformats.org/drawingml/2006/main" xmlns:r="http://schemas.openxmlformats.org/officeDocument/2006/relationships" xmlns:p="http://schemas.openxmlformats.org/presentationml/2006/main">
   <p:cSld>
@@ -11773,7 +11739,7 @@
           <p:nvPr>
             <p:extLst>
               <p:ext uri="{D42A27DB-BD31-4B8C-83A1-F6EECF244321}">
-                <p14:modId xmlns:p14="http://schemas.microsoft.com/office/powerpoint/2010/main" val="2658738651"/>
+                <p14:modId xmlns:p14="http://schemas.microsoft.com/office/powerpoint/2010/main" val="3797267496"/>
               </p:ext>
             </p:extLst>
           </p:nvPr>
@@ -11784,14 +11750,14 @@
         </p:xfrm>
         <a:graphic>
           <a:graphicData uri="http://schemas.openxmlformats.org/drawingml/2006/chart">
-            <c:chart xmlns:c="http://schemas.openxmlformats.org/drawingml/2006/chart" xmlns:r="http://schemas.openxmlformats.org/officeDocument/2006/relationships" r:id="rId2"/>
+            <c:chart xmlns:c="http://schemas.openxmlformats.org/drawingml/2006/chart" xmlns:r="http://schemas.openxmlformats.org/officeDocument/2006/relationships" r:id="rId3"/>
           </a:graphicData>
         </a:graphic>
       </p:graphicFrame>
     </p:spTree>
     <p:extLst>
       <p:ext uri="{BB962C8B-B14F-4D97-AF65-F5344CB8AC3E}">
-        <p14:creationId xmlns:p14="http://schemas.microsoft.com/office/powerpoint/2010/main" val="2077962118"/>
+        <p14:creationId xmlns:p14="http://schemas.microsoft.com/office/powerpoint/2010/main" val="3483215692"/>
       </p:ext>
     </p:extLst>
   </p:cSld>
@@ -11825,80 +11791,34 @@
           <a:chExt cx="0" cy="0"/>
         </a:xfrm>
       </p:grpSpPr>
-      <p:sp>
-        <p:nvSpPr>
-          <p:cNvPr id="2" name="タイトル 1"/>
-          <p:cNvSpPr>
-            <a:spLocks noGrp="1"/>
-          </p:cNvSpPr>
-          <p:nvPr>
-            <p:ph type="title"/>
-          </p:nvPr>
-        </p:nvSpPr>
-        <p:spPr/>
-        <p:txBody>
-          <a:bodyPr/>
-          <a:lstStyle/>
-          <a:p>
-            <a:r>
-              <a:rPr kumimoji="1" lang="ja-JP" altLang="en-US" dirty="0" smtClean="0"/>
-              <a:t>数値計算結果の分析</a:t>
-            </a:r>
-            <a:endParaRPr kumimoji="1" lang="ja-JP" altLang="en-US" dirty="0"/>
-          </a:p>
-        </p:txBody>
-      </p:sp>
-      <p:sp>
-        <p:nvSpPr>
-          <p:cNvPr id="3" name="コンテンツ プレースホルダー 2"/>
-          <p:cNvSpPr>
-            <a:spLocks noGrp="1"/>
-          </p:cNvSpPr>
-          <p:nvPr>
-            <p:ph idx="1"/>
-          </p:nvPr>
-        </p:nvSpPr>
-        <p:spPr/>
-        <p:txBody>
-          <a:bodyPr/>
-          <a:lstStyle/>
-          <a:p>
-            <a:r>
-              <a:rPr lang="ja-JP" altLang="en-US" dirty="0" smtClean="0"/>
-              <a:t>２つのウイルス</a:t>
-            </a:r>
-            <a:r>
-              <a:rPr lang="ja-JP" altLang="en-US" dirty="0" smtClean="0"/>
-              <a:t>のタグ</a:t>
-            </a:r>
-            <a:r>
-              <a:rPr lang="ja-JP" altLang="en-US" dirty="0" smtClean="0"/>
-              <a:t>長３２（＝１６</a:t>
-            </a:r>
-            <a:r>
-              <a:rPr lang="en-US" altLang="ja-JP" dirty="0" smtClean="0"/>
-              <a:t>×</a:t>
-            </a:r>
-            <a:r>
-              <a:rPr lang="ja-JP" altLang="en-US" dirty="0" smtClean="0"/>
-              <a:t>２）に比べて、エージェント</a:t>
-            </a:r>
-            <a:r>
-              <a:rPr lang="ja-JP" altLang="en-US" dirty="0" smtClean="0"/>
-              <a:t>のタグ長３０のほうが短いが、両方のウイルスに対する免疫を獲得しているエージェント</a:t>
-            </a:r>
-            <a:r>
-              <a:rPr lang="ja-JP" altLang="en-US" dirty="0" smtClean="0"/>
-              <a:t>が存在し、かつ増加している</a:t>
-            </a:r>
-            <a:endParaRPr lang="en-US" altLang="ja-JP" dirty="0" smtClean="0"/>
-          </a:p>
-        </p:txBody>
-      </p:sp>
+      <p:graphicFrame>
+        <p:nvGraphicFramePr>
+          <p:cNvPr id="4" name="グラフ 3"/>
+          <p:cNvGraphicFramePr>
+            <a:graphicFrameLocks/>
+          </p:cNvGraphicFramePr>
+          <p:nvPr>
+            <p:extLst>
+              <p:ext uri="{D42A27DB-BD31-4B8C-83A1-F6EECF244321}">
+                <p14:modId xmlns:p14="http://schemas.microsoft.com/office/powerpoint/2010/main" val="2658738651"/>
+              </p:ext>
+            </p:extLst>
+          </p:nvPr>
+        </p:nvGraphicFramePr>
+        <p:xfrm>
+          <a:off x="72000" y="729000"/>
+          <a:ext cx="9000000" cy="5400000"/>
+        </p:xfrm>
+        <a:graphic>
+          <a:graphicData uri="http://schemas.openxmlformats.org/drawingml/2006/chart">
+            <c:chart xmlns:c="http://schemas.openxmlformats.org/drawingml/2006/chart" xmlns:r="http://schemas.openxmlformats.org/officeDocument/2006/relationships" r:id="rId2"/>
+          </a:graphicData>
+        </a:graphic>
+      </p:graphicFrame>
     </p:spTree>
     <p:extLst>
       <p:ext uri="{BB962C8B-B14F-4D97-AF65-F5344CB8AC3E}">
-        <p14:creationId xmlns:p14="http://schemas.microsoft.com/office/powerpoint/2010/main" val="3736256567"/>
+        <p14:creationId xmlns:p14="http://schemas.microsoft.com/office/powerpoint/2010/main" val="2077962118"/>
       </p:ext>
     </p:extLst>
   </p:cSld>
@@ -11949,7 +11869,7 @@
           <a:p>
             <a:r>
               <a:rPr kumimoji="1" lang="ja-JP" altLang="en-US" dirty="0" smtClean="0"/>
-              <a:t>結論</a:t>
+              <a:t>数値計算結果の分析</a:t>
             </a:r>
             <a:endParaRPr kumimoji="1" lang="ja-JP" altLang="en-US" dirty="0"/>
           </a:p>
@@ -11971,17 +11891,25 @@
           <a:lstStyle/>
           <a:p>
             <a:r>
-              <a:rPr kumimoji="1" lang="ja-JP" altLang="en-US" dirty="0" smtClean="0"/>
-              <a:t>ウイルスのタグの長さに比べて、免疫機構のタグが短い場合でもオーバーラップによって十分な抗体を作ることができる。</a:t>
-            </a:r>
-            <a:endParaRPr kumimoji="1" lang="en-US" altLang="ja-JP" dirty="0" smtClean="0"/>
+              <a:rPr lang="ja-JP" altLang="en-US" dirty="0" smtClean="0"/>
+              <a:t>２つのウイルスのタグ長３２（＝１６</a:t>
+            </a:r>
+            <a:r>
+              <a:rPr lang="en-US" altLang="ja-JP" dirty="0" smtClean="0"/>
+              <a:t>×</a:t>
+            </a:r>
+            <a:r>
+              <a:rPr lang="ja-JP" altLang="en-US" dirty="0" smtClean="0"/>
+              <a:t>２）に比べて、エージェントのタグ長３０のほうが短いが、両方のウイルスに対する免疫を獲得しているエージェントが存在し、かつ増加している</a:t>
+            </a:r>
+            <a:endParaRPr lang="en-US" altLang="ja-JP" dirty="0" smtClean="0"/>
           </a:p>
         </p:txBody>
       </p:sp>
     </p:spTree>
     <p:extLst>
       <p:ext uri="{BB962C8B-B14F-4D97-AF65-F5344CB8AC3E}">
-        <p14:creationId xmlns:p14="http://schemas.microsoft.com/office/powerpoint/2010/main" val="3466877443"/>
+        <p14:creationId xmlns:p14="http://schemas.microsoft.com/office/powerpoint/2010/main" val="3736256567"/>
       </p:ext>
     </p:extLst>
   </p:cSld>
@@ -12032,7 +11960,7 @@
           <a:p>
             <a:r>
               <a:rPr kumimoji="1" lang="ja-JP" altLang="en-US" dirty="0" smtClean="0"/>
-              <a:t>空間非一様モデル（今後の課題）</a:t>
+              <a:t>結論</a:t>
             </a:r>
             <a:endParaRPr kumimoji="1" lang="ja-JP" altLang="en-US" dirty="0"/>
           </a:p>
@@ -12055,19 +11983,35 @@
           <a:p>
             <a:r>
               <a:rPr kumimoji="1" lang="ja-JP" altLang="en-US" dirty="0" smtClean="0"/>
-              <a:t>病原体の広がりは数理疫学モデルによって表現されてきたが、抗体の広がりは十分に調べられていない。電子タグを用いることにより、抗体の社会的な広がりを表現したい。</a:t>
+              <a:t>ウイルスのタグの長さに比べて、免疫機構のタグが短い場合でもオーバーラップによって十分な抗体を作ることができる</a:t>
+            </a:r>
+            <a:r>
+              <a:rPr kumimoji="1" lang="ja-JP" altLang="en-US" dirty="0" smtClean="0"/>
+              <a:t>。</a:t>
             </a:r>
             <a:endParaRPr kumimoji="1" lang="en-US" altLang="ja-JP" dirty="0" smtClean="0"/>
           </a:p>
           <a:p>
-            <a:endParaRPr kumimoji="1" lang="ja-JP" altLang="en-US" dirty="0"/>
+            <a:r>
+              <a:rPr lang="ja-JP" altLang="en-US" dirty="0" smtClean="0"/>
+              <a:t>各ウイルスの電子タグの頭としっぽの構造によって感染伝播の振動現象が起きたり</a:t>
+            </a:r>
+            <a:r>
+              <a:rPr lang="en-US" altLang="ja-JP" dirty="0" smtClean="0"/>
+              <a:t>die out</a:t>
+            </a:r>
+            <a:r>
+              <a:rPr lang="ja-JP" altLang="en-US" dirty="0" smtClean="0"/>
+              <a:t>が起きたりすることが分かった。</a:t>
+            </a:r>
+            <a:endParaRPr kumimoji="1" lang="en-US" altLang="ja-JP" dirty="0" smtClean="0"/>
           </a:p>
         </p:txBody>
       </p:sp>
     </p:spTree>
     <p:extLst>
       <p:ext uri="{BB962C8B-B14F-4D97-AF65-F5344CB8AC3E}">
-        <p14:creationId xmlns:p14="http://schemas.microsoft.com/office/powerpoint/2010/main" val="4140513809"/>
+        <p14:creationId xmlns:p14="http://schemas.microsoft.com/office/powerpoint/2010/main" val="3466877443"/>
       </p:ext>
     </p:extLst>
   </p:cSld>
@@ -12117,18 +12061,14 @@
           <a:lstStyle/>
           <a:p>
             <a:r>
-              <a:rPr lang="ja-JP" altLang="en-US" dirty="0" smtClean="0">
-                <a:solidFill>
-                  <a:srgbClr val="FF0000"/>
-                </a:solidFill>
-              </a:rPr>
-              <a:t>（（（これで研究発表を終わります</a:t>
-            </a:r>
-            <a:endParaRPr kumimoji="1" lang="ja-JP" altLang="en-US" dirty="0">
-              <a:solidFill>
-                <a:srgbClr val="FF0000"/>
-              </a:solidFill>
-            </a:endParaRPr>
+              <a:rPr kumimoji="1" lang="ja-JP" altLang="en-US" dirty="0" smtClean="0"/>
+              <a:t>今後</a:t>
+            </a:r>
+            <a:r>
+              <a:rPr lang="ja-JP" altLang="en-US" dirty="0" smtClean="0"/>
+              <a:t>の研究</a:t>
+            </a:r>
+            <a:endParaRPr kumimoji="1" lang="ja-JP" altLang="en-US" dirty="0"/>
           </a:p>
         </p:txBody>
       </p:sp>
@@ -12147,6 +12087,24 @@
           <a:bodyPr/>
           <a:lstStyle/>
           <a:p>
+            <a:r>
+              <a:rPr lang="ja-JP" altLang="en-US" dirty="0"/>
+              <a:t>空間非一様モデル</a:t>
+            </a:r>
+            <a:endParaRPr kumimoji="1" lang="en-US" altLang="ja-JP" dirty="0" smtClean="0"/>
+          </a:p>
+          <a:p>
+            <a:r>
+              <a:rPr kumimoji="1" lang="ja-JP" altLang="en-US" dirty="0" smtClean="0"/>
+              <a:t>病原体</a:t>
+            </a:r>
+            <a:r>
+              <a:rPr kumimoji="1" lang="ja-JP" altLang="en-US" dirty="0" smtClean="0"/>
+              <a:t>の広がりは数理疫学モデルによって表現されてきたが、抗体の広がりは十分に調べられていない。電子タグを用いることにより、抗体の社会的な広がりを表現したい。</a:t>
+            </a:r>
+            <a:endParaRPr kumimoji="1" lang="en-US" altLang="ja-JP" dirty="0" smtClean="0"/>
+          </a:p>
+          <a:p>
             <a:endParaRPr kumimoji="1" lang="ja-JP" altLang="en-US" dirty="0"/>
           </a:p>
         </p:txBody>
@@ -12154,7 +12112,7 @@
     </p:spTree>
     <p:extLst>
       <p:ext uri="{BB962C8B-B14F-4D97-AF65-F5344CB8AC3E}">
-        <p14:creationId xmlns:p14="http://schemas.microsoft.com/office/powerpoint/2010/main" val="3484841545"/>
+        <p14:creationId xmlns:p14="http://schemas.microsoft.com/office/powerpoint/2010/main" val="4140513809"/>
       </p:ext>
     </p:extLst>
   </p:cSld>
@@ -12200,16 +12158,22 @@
         </p:nvSpPr>
         <p:spPr/>
         <p:txBody>
-          <a:bodyPr>
-            <a:normAutofit fontScale="90000"/>
-          </a:bodyPr>
+          <a:bodyPr/>
           <a:lstStyle/>
           <a:p>
             <a:r>
-              <a:rPr kumimoji="1" lang="ja-JP" altLang="en-US" dirty="0" smtClean="0"/>
-              <a:t>（（（電子タグを用いた免疫機構の表現の妥当性</a:t>
-            </a:r>
-            <a:endParaRPr kumimoji="1" lang="ja-JP" altLang="en-US" dirty="0"/>
+              <a:rPr lang="ja-JP" altLang="en-US" dirty="0" smtClean="0">
+                <a:solidFill>
+                  <a:srgbClr val="FF0000"/>
+                </a:solidFill>
+              </a:rPr>
+              <a:t>（（（これで研究発表を終わります</a:t>
+            </a:r>
+            <a:endParaRPr kumimoji="1" lang="ja-JP" altLang="en-US" dirty="0">
+              <a:solidFill>
+                <a:srgbClr val="FF0000"/>
+              </a:solidFill>
+            </a:endParaRPr>
           </a:p>
         </p:txBody>
       </p:sp>
@@ -12228,14 +12192,14 @@
           <a:bodyPr/>
           <a:lstStyle/>
           <a:p>
-            <a:endParaRPr kumimoji="1" lang="ja-JP" altLang="en-US"/>
+            <a:endParaRPr kumimoji="1" lang="ja-JP" altLang="en-US" dirty="0"/>
           </a:p>
         </p:txBody>
       </p:sp>
     </p:spTree>
     <p:extLst>
       <p:ext uri="{BB962C8B-B14F-4D97-AF65-F5344CB8AC3E}">
-        <p14:creationId xmlns:p14="http://schemas.microsoft.com/office/powerpoint/2010/main" val="296766167"/>
+        <p14:creationId xmlns:p14="http://schemas.microsoft.com/office/powerpoint/2010/main" val="3484841545"/>
       </p:ext>
     </p:extLst>
   </p:cSld>
@@ -12362,7 +12326,7 @@
       </p:grpSpPr>
       <p:sp>
         <p:nvSpPr>
-          <p:cNvPr id="2" name="タイトル 1"/>
+          <p:cNvPr id="4" name="タイトル 3"/>
           <p:cNvSpPr>
             <a:spLocks noGrp="1"/>
           </p:cNvSpPr>
@@ -12370,45 +12334,67 @@
             <p:ph type="title"/>
           </p:nvPr>
         </p:nvSpPr>
-        <p:spPr/>
+        <p:spPr>
+          <a:xfrm>
+            <a:off x="457200" y="274638"/>
+            <a:ext cx="8229600" cy="562074"/>
+          </a:xfrm>
+        </p:spPr>
         <p:txBody>
-          <a:bodyPr/>
+          <a:bodyPr>
+            <a:noAutofit/>
+          </a:bodyPr>
           <a:lstStyle/>
           <a:p>
             <a:r>
-              <a:rPr kumimoji="1" lang="ja-JP" altLang="en-US" dirty="0" smtClean="0"/>
-              <a:t>延長された表現型とは</a:t>
-            </a:r>
-            <a:endParaRPr kumimoji="1" lang="ja-JP" altLang="en-US" dirty="0"/>
+              <a:rPr lang="ja-JP" altLang="en-US" sz="3600" dirty="0"/>
+              <a:t>免疫</a:t>
+            </a:r>
+            <a:r>
+              <a:rPr lang="ja-JP" altLang="en-US" sz="3600" dirty="0" smtClean="0"/>
+              <a:t>の</a:t>
+            </a:r>
+            <a:r>
+              <a:rPr lang="ja-JP" altLang="en-US" sz="3600" dirty="0"/>
+              <a:t>喪失</a:t>
+            </a:r>
+            <a:endParaRPr kumimoji="1" lang="ja-JP" altLang="en-US" sz="3600" dirty="0"/>
           </a:p>
         </p:txBody>
       </p:sp>
-      <p:sp>
-        <p:nvSpPr>
-          <p:cNvPr id="3" name="コンテンツ プレースホルダー 2"/>
-          <p:cNvSpPr>
-            <a:spLocks noGrp="1"/>
-          </p:cNvSpPr>
+      <p:pic>
+        <p:nvPicPr>
+          <p:cNvPr id="8" name="コンテンツ プレースホルダー 7"/>
+          <p:cNvPicPr>
+            <a:picLocks noGrp="1" noChangeAspect="1"/>
+          </p:cNvPicPr>
           <p:nvPr>
             <p:ph idx="1"/>
           </p:nvPr>
-        </p:nvSpPr>
-        <p:spPr/>
-        <p:txBody>
-          <a:bodyPr/>
-          <a:lstStyle/>
-          <a:p>
-            <a:pPr marL="0" indent="0">
-              <a:buNone/>
-            </a:pPr>
-            <a:endParaRPr kumimoji="1" lang="ja-JP" altLang="en-US" dirty="0"/>
-          </a:p>
-        </p:txBody>
-      </p:sp>
+        </p:nvPicPr>
+        <p:blipFill>
+          <a:blip r:embed="rId2">
+            <a:extLst>
+              <a:ext uri="{28A0092B-C50C-407E-A947-70E740481C1C}">
+                <a14:useLocalDpi xmlns:a14="http://schemas.microsoft.com/office/drawing/2010/main" val="0"/>
+              </a:ext>
+            </a:extLst>
+          </a:blip>
+          <a:stretch>
+            <a:fillRect/>
+          </a:stretch>
+        </p:blipFill>
+        <p:spPr>
+          <a:xfrm>
+            <a:off x="598882" y="836712"/>
+            <a:ext cx="8005566" cy="6408712"/>
+          </a:xfrm>
+        </p:spPr>
+      </p:pic>
     </p:spTree>
     <p:extLst>
       <p:ext uri="{BB962C8B-B14F-4D97-AF65-F5344CB8AC3E}">
-        <p14:creationId xmlns:p14="http://schemas.microsoft.com/office/powerpoint/2010/main" val="3461091930"/>
+        <p14:creationId xmlns:p14="http://schemas.microsoft.com/office/powerpoint/2010/main" val="420104905"/>
       </p:ext>
     </p:extLst>
   </p:cSld>
@@ -12458,12 +12444,8 @@
           <a:lstStyle/>
           <a:p>
             <a:r>
-              <a:rPr lang="ja-JP" altLang="en-US" dirty="0"/>
-              <a:t>利己的</a:t>
-            </a:r>
-            <a:r>
-              <a:rPr lang="ja-JP" altLang="en-US" dirty="0" smtClean="0"/>
-              <a:t>な遺伝子について</a:t>
+              <a:rPr kumimoji="1" lang="ja-JP" altLang="en-US" dirty="0" smtClean="0"/>
+              <a:t>延長された表現型とは</a:t>
             </a:r>
             <a:endParaRPr kumimoji="1" lang="ja-JP" altLang="en-US" dirty="0"/>
           </a:p>
@@ -12484,14 +12466,17 @@
           <a:bodyPr/>
           <a:lstStyle/>
           <a:p>
-            <a:endParaRPr kumimoji="1" lang="ja-JP" altLang="en-US"/>
+            <a:pPr marL="0" indent="0">
+              <a:buNone/>
+            </a:pPr>
+            <a:endParaRPr kumimoji="1" lang="ja-JP" altLang="en-US" dirty="0"/>
           </a:p>
         </p:txBody>
       </p:sp>
     </p:spTree>
     <p:extLst>
       <p:ext uri="{BB962C8B-B14F-4D97-AF65-F5344CB8AC3E}">
-        <p14:creationId xmlns:p14="http://schemas.microsoft.com/office/powerpoint/2010/main" val="3143250094"/>
+        <p14:creationId xmlns:p14="http://schemas.microsoft.com/office/powerpoint/2010/main" val="3461091930"/>
       </p:ext>
     </p:extLst>
   </p:cSld>
@@ -12541,8 +12526,12 @@
           <a:lstStyle/>
           <a:p>
             <a:r>
-              <a:rPr kumimoji="1" lang="ja-JP" altLang="en-US" dirty="0" smtClean="0"/>
-              <a:t>研究目的２</a:t>
+              <a:rPr lang="ja-JP" altLang="en-US" dirty="0"/>
+              <a:t>利己的</a:t>
+            </a:r>
+            <a:r>
+              <a:rPr lang="ja-JP" altLang="en-US" dirty="0" smtClean="0"/>
+              <a:t>な遺伝子について</a:t>
             </a:r>
             <a:endParaRPr kumimoji="1" lang="ja-JP" altLang="en-US" dirty="0"/>
           </a:p>
@@ -12563,29 +12552,14 @@
           <a:bodyPr/>
           <a:lstStyle/>
           <a:p>
-            <a:r>
-              <a:rPr kumimoji="1" lang="en-US" altLang="ja-JP" dirty="0" smtClean="0"/>
-              <a:t>2</a:t>
-            </a:r>
-            <a:r>
-              <a:rPr kumimoji="1" lang="ja-JP" altLang="en-US" dirty="0" smtClean="0"/>
-              <a:t>種類のウイルスが流行した場合、一方のウイルスの免疫を獲得することにより他方のウイルスに対する免疫を失うことが起こりうる。</a:t>
-            </a:r>
-            <a:endParaRPr lang="en-US" altLang="ja-JP" dirty="0"/>
-          </a:p>
-          <a:p>
-            <a:r>
-              <a:rPr kumimoji="1" lang="ja-JP" altLang="en-US" dirty="0" smtClean="0"/>
-              <a:t>その結果社会全体で発生する免疫獲得とウイルス感染との間のある種の振動現象を数値解析的に再現する。</a:t>
-            </a:r>
-            <a:endParaRPr kumimoji="1" lang="ja-JP" altLang="en-US" dirty="0"/>
+            <a:endParaRPr kumimoji="1" lang="ja-JP" altLang="en-US"/>
           </a:p>
         </p:txBody>
       </p:sp>
     </p:spTree>
     <p:extLst>
       <p:ext uri="{BB962C8B-B14F-4D97-AF65-F5344CB8AC3E}">
-        <p14:creationId xmlns:p14="http://schemas.microsoft.com/office/powerpoint/2010/main" val="2535459551"/>
+        <p14:creationId xmlns:p14="http://schemas.microsoft.com/office/powerpoint/2010/main" val="3143250094"/>
       </p:ext>
     </p:extLst>
   </p:cSld>
@@ -12636,6 +12610,100 @@
           <a:p>
             <a:r>
               <a:rPr kumimoji="1" lang="ja-JP" altLang="en-US" dirty="0" smtClean="0"/>
+              <a:t>研究目的２</a:t>
+            </a:r>
+            <a:endParaRPr kumimoji="1" lang="ja-JP" altLang="en-US" dirty="0"/>
+          </a:p>
+        </p:txBody>
+      </p:sp>
+      <p:sp>
+        <p:nvSpPr>
+          <p:cNvPr id="3" name="コンテンツ プレースホルダー 2"/>
+          <p:cNvSpPr>
+            <a:spLocks noGrp="1"/>
+          </p:cNvSpPr>
+          <p:nvPr>
+            <p:ph idx="1"/>
+          </p:nvPr>
+        </p:nvSpPr>
+        <p:spPr/>
+        <p:txBody>
+          <a:bodyPr/>
+          <a:lstStyle/>
+          <a:p>
+            <a:r>
+              <a:rPr kumimoji="1" lang="en-US" altLang="ja-JP" dirty="0" smtClean="0"/>
+              <a:t>2</a:t>
+            </a:r>
+            <a:r>
+              <a:rPr kumimoji="1" lang="ja-JP" altLang="en-US" dirty="0" smtClean="0"/>
+              <a:t>種類のウイルスが流行した場合、一方のウイルスの免疫を獲得することにより他方のウイルスに対する免疫を失うことが起こりうる。</a:t>
+            </a:r>
+            <a:endParaRPr lang="en-US" altLang="ja-JP" dirty="0"/>
+          </a:p>
+          <a:p>
+            <a:r>
+              <a:rPr kumimoji="1" lang="ja-JP" altLang="en-US" dirty="0" smtClean="0"/>
+              <a:t>その結果社会全体で発生する免疫獲得とウイルス感染との間のある種の振動現象を数値解析的に再現する。</a:t>
+            </a:r>
+            <a:endParaRPr kumimoji="1" lang="ja-JP" altLang="en-US" dirty="0"/>
+          </a:p>
+        </p:txBody>
+      </p:sp>
+    </p:spTree>
+    <p:extLst>
+      <p:ext uri="{BB962C8B-B14F-4D97-AF65-F5344CB8AC3E}">
+        <p14:creationId xmlns:p14="http://schemas.microsoft.com/office/powerpoint/2010/main" val="2535459551"/>
+      </p:ext>
+    </p:extLst>
+  </p:cSld>
+  <p:clrMapOvr>
+    <a:masterClrMapping/>
+  </p:clrMapOvr>
+  <p:timing>
+    <p:tnLst>
+      <p:par>
+        <p:cTn id="1" dur="indefinite" restart="never" nodeType="tmRoot"/>
+      </p:par>
+    </p:tnLst>
+  </p:timing>
+</p:sld>
+</file>
+
+<file path=ppt/slides/slide24.xml><?xml version="1.0" encoding="utf-8"?>
+<p:sld xmlns:a="http://schemas.openxmlformats.org/drawingml/2006/main" xmlns:r="http://schemas.openxmlformats.org/officeDocument/2006/relationships" xmlns:p="http://schemas.openxmlformats.org/presentationml/2006/main">
+  <p:cSld>
+    <p:spTree>
+      <p:nvGrpSpPr>
+        <p:cNvPr id="1" name=""/>
+        <p:cNvGrpSpPr/>
+        <p:nvPr/>
+      </p:nvGrpSpPr>
+      <p:grpSpPr>
+        <a:xfrm>
+          <a:off x="0" y="0"/>
+          <a:ext cx="0" cy="0"/>
+          <a:chOff x="0" y="0"/>
+          <a:chExt cx="0" cy="0"/>
+        </a:xfrm>
+      </p:grpSpPr>
+      <p:sp>
+        <p:nvSpPr>
+          <p:cNvPr id="2" name="タイトル 1"/>
+          <p:cNvSpPr>
+            <a:spLocks noGrp="1"/>
+          </p:cNvSpPr>
+          <p:nvPr>
+            <p:ph type="title"/>
+          </p:nvPr>
+        </p:nvSpPr>
+        <p:spPr/>
+        <p:txBody>
+          <a:bodyPr/>
+          <a:lstStyle/>
+          <a:p>
+            <a:r>
+              <a:rPr kumimoji="1" lang="ja-JP" altLang="en-US" dirty="0" smtClean="0"/>
               <a:t>パラメータ集合の分類</a:t>
             </a:r>
             <a:endParaRPr kumimoji="1" lang="ja-JP" altLang="en-US" dirty="0"/>
@@ -12685,7 +12753,7 @@
 </p:sld>
 </file>
 
-<file path=ppt/slides/slide24.xml><?xml version="1.0" encoding="utf-8"?>
+<file path=ppt/slides/slide25.xml><?xml version="1.0" encoding="utf-8"?>
 <p:sld xmlns:a="http://schemas.openxmlformats.org/drawingml/2006/main" xmlns:r="http://schemas.openxmlformats.org/officeDocument/2006/relationships" xmlns:p="http://schemas.openxmlformats.org/presentationml/2006/main">
   <p:cSld>
     <p:spTree>
@@ -12823,29 +12891,26 @@
           <a:p>
             <a:r>
               <a:rPr kumimoji="1" lang="ja-JP" altLang="en-US" dirty="0" smtClean="0"/>
-              <a:t>微分方程式疫学モデルでは</a:t>
-            </a:r>
-            <a:r>
-              <a:rPr lang="ja-JP" altLang="en-US" dirty="0" smtClean="0"/>
-              <a:t>生体内の</a:t>
+              <a:t>微分</a:t>
             </a:r>
             <a:r>
               <a:rPr kumimoji="1" lang="ja-JP" altLang="en-US" dirty="0" smtClean="0"/>
-              <a:t>免疫機構の詳細は表現されていない。</a:t>
+              <a:t>方程式モデルには免疫機構のメカニズムは組み込まれていない。</a:t>
             </a:r>
             <a:endParaRPr kumimoji="1" lang="en-US" altLang="ja-JP" dirty="0" smtClean="0"/>
           </a:p>
           <a:p>
             <a:r>
               <a:rPr kumimoji="1" lang="ja-JP" altLang="en-US" dirty="0" smtClean="0"/>
-              <a:t>電子タグにより、免疫機構をモデル化することができる。</a:t>
-            </a:r>
-            <a:endParaRPr kumimoji="1" lang="en-US" altLang="ja-JP" dirty="0" smtClean="0"/>
-          </a:p>
-          <a:p>
+              <a:t>エージェントに電子タグを持たせることにより、</a:t>
+            </a:r>
             <a:r>
               <a:rPr kumimoji="1" lang="ja-JP" altLang="en-US" dirty="0" smtClean="0"/>
-              <a:t>免疫の社会的な広がりを表現できる。</a:t>
+              <a:t>免疫機構をモデル化することができる</a:t>
+            </a:r>
+            <a:r>
+              <a:rPr kumimoji="1" lang="ja-JP" altLang="en-US" dirty="0" smtClean="0"/>
+              <a:t>。</a:t>
             </a:r>
             <a:endParaRPr kumimoji="1" lang="en-US" altLang="ja-JP" dirty="0" smtClean="0"/>
           </a:p>
@@ -13099,64 +13164,54 @@
           <a:lstStyle/>
           <a:p>
             <a:r>
+              <a:rPr lang="ja-JP" altLang="en-US" dirty="0" smtClean="0"/>
+              <a:t>伝染病の</a:t>
+            </a:r>
+            <a:r>
+              <a:rPr lang="ja-JP" altLang="en-US" dirty="0" smtClean="0"/>
+              <a:t>流行</a:t>
+            </a:r>
+            <a:r>
+              <a:rPr kumimoji="1" lang="ja-JP" altLang="en-US" dirty="0" smtClean="0"/>
+              <a:t>を数理</a:t>
+            </a:r>
+            <a:r>
+              <a:rPr kumimoji="1" lang="ja-JP" altLang="en-US" dirty="0" smtClean="0"/>
+              <a:t>モデルを用いて解析する応用数学の一分野</a:t>
+            </a:r>
+            <a:endParaRPr kumimoji="1" lang="en-US" altLang="ja-JP" dirty="0" smtClean="0"/>
+          </a:p>
+          <a:p>
+            <a:r>
               <a:rPr lang="ja-JP" altLang="en-US" dirty="0"/>
-              <a:t>感染症</a:t>
+              <a:t>モデリング</a:t>
             </a:r>
             <a:r>
               <a:rPr lang="ja-JP" altLang="en-US" dirty="0" smtClean="0"/>
-              <a:t>の流行</a:t>
-            </a:r>
+              <a:t>に用いられる数学的道具</a:t>
+            </a:r>
+            <a:endParaRPr lang="en-US" altLang="ja-JP" dirty="0" smtClean="0"/>
+          </a:p>
+          <a:p>
             <a:r>
               <a:rPr kumimoji="1" lang="ja-JP" altLang="en-US" dirty="0" smtClean="0"/>
-              <a:t>を数理モデルで表現</a:t>
-            </a:r>
-            <a:r>
-              <a:rPr kumimoji="1" lang="ja-JP" altLang="en-US" dirty="0" smtClean="0"/>
-              <a:t>し</a:t>
-            </a:r>
-            <a:r>
-              <a:rPr lang="ja-JP" altLang="en-US" dirty="0"/>
-              <a:t>、</a:t>
-            </a:r>
-            <a:r>
-              <a:rPr kumimoji="1" lang="ja-JP" altLang="en-US" dirty="0" smtClean="0"/>
-              <a:t>解析</a:t>
-            </a:r>
-            <a:r>
-              <a:rPr kumimoji="1" lang="ja-JP" altLang="en-US" dirty="0" smtClean="0"/>
-              <a:t>することで、</a:t>
-            </a:r>
+              <a:t>微分方程式</a:t>
+            </a:r>
+            <a:endParaRPr kumimoji="1" lang="en-US" altLang="ja-JP" dirty="0" smtClean="0"/>
+          </a:p>
+          <a:p>
             <a:r>
               <a:rPr lang="ja-JP" altLang="en-US" dirty="0" smtClean="0"/>
-              <a:t>流行の</a:t>
-            </a:r>
-            <a:r>
-              <a:rPr lang="ja-JP" altLang="en-US" dirty="0"/>
-              <a:t>全体像</a:t>
-            </a:r>
+              <a:t>確率過程論</a:t>
+            </a:r>
+            <a:endParaRPr lang="en-US" altLang="ja-JP" dirty="0"/>
+          </a:p>
+          <a:p>
             <a:r>
               <a:rPr lang="ja-JP" altLang="en-US" dirty="0" smtClean="0"/>
-              <a:t>を理解する学問</a:t>
+              <a:t>ＡＢＭ</a:t>
             </a:r>
             <a:endParaRPr lang="en-US" altLang="ja-JP" dirty="0" smtClean="0"/>
-          </a:p>
-          <a:p>
-            <a:r>
-              <a:rPr lang="ja-JP" altLang="en-US" dirty="0"/>
-              <a:t>感染の予防や制御</a:t>
-            </a:r>
-            <a:r>
-              <a:rPr lang="ja-JP" altLang="en-US" dirty="0" smtClean="0"/>
-              <a:t>に役立てる</a:t>
-            </a:r>
-            <a:r>
-              <a:rPr lang="ja-JP" altLang="en-US" dirty="0"/>
-              <a:t>ため</a:t>
-            </a:r>
-            <a:r>
-              <a:rPr lang="ja-JP" altLang="en-US" dirty="0" smtClean="0"/>
-              <a:t>の学問</a:t>
-            </a:r>
           </a:p>
         </p:txBody>
       </p:sp>
@@ -13216,11 +13271,11 @@
           <a:p>
             <a:r>
               <a:rPr kumimoji="1" lang="en-US" altLang="ja-JP" sz="4000" dirty="0" smtClean="0"/>
-              <a:t>Agent Based Epidemic Model</a:t>
-            </a:r>
-            <a:r>
-              <a:rPr kumimoji="1" lang="ja-JP" altLang="en-US" sz="4000" dirty="0" smtClean="0"/>
-              <a:t>とは</a:t>
+              <a:t>Agent Based Epidemic </a:t>
+            </a:r>
+            <a:r>
+              <a:rPr kumimoji="1" lang="en-US" altLang="ja-JP" sz="4000" dirty="0" smtClean="0"/>
+              <a:t>Model</a:t>
             </a:r>
             <a:endParaRPr kumimoji="1" lang="ja-JP" altLang="en-US" sz="4000" dirty="0"/>
           </a:p>
@@ -13245,7 +13300,38 @@
           <a:p>
             <a:r>
               <a:rPr lang="ja-JP" altLang="en-US" dirty="0" smtClean="0"/>
-              <a:t>通常のＡＢＭに免疫システムを導入することによって、感染の広がりや免疫の獲得などを追跡することができる。</a:t>
+              <a:t>長所</a:t>
+            </a:r>
+            <a:r>
+              <a:rPr lang="ja-JP" altLang="en-US" dirty="0"/>
+              <a:t>　</a:t>
+            </a:r>
+            <a:r>
+              <a:rPr lang="ja-JP" altLang="en-US" dirty="0" smtClean="0"/>
+              <a:t>各エージェントに免疫機構を組み込むことにより、個体レベルで起きる抗原抗体反応や免疫の喪失現象が与える疫学的効果を表現することができる</a:t>
+            </a:r>
+            <a:endParaRPr lang="en-US" altLang="ja-JP" dirty="0" smtClean="0"/>
+          </a:p>
+          <a:p>
+            <a:r>
+              <a:rPr lang="ja-JP" altLang="en-US" dirty="0" smtClean="0"/>
+              <a:t>短所　</a:t>
+            </a:r>
+            <a:r>
+              <a:rPr lang="en-US" altLang="ja-JP" dirty="0" smtClean="0"/>
+              <a:t>Stochastic</a:t>
+            </a:r>
+            <a:r>
+              <a:rPr lang="ja-JP" altLang="en-US" dirty="0"/>
+              <a:t> </a:t>
+            </a:r>
+            <a:r>
+              <a:rPr lang="en-US" altLang="ja-JP" dirty="0" smtClean="0"/>
+              <a:t>Model</a:t>
+            </a:r>
+            <a:r>
+              <a:rPr lang="ja-JP" altLang="en-US" dirty="0" smtClean="0"/>
+              <a:t>　であるため、シミュレーションごとに結果が変化するので、定性的な結果を得ることが難しい</a:t>
             </a:r>
             <a:endParaRPr lang="en-US" altLang="ja-JP" dirty="0" smtClean="0"/>
           </a:p>
@@ -14178,7 +14264,19 @@
             </a:r>
             <a:r>
               <a:rPr lang="ja-JP" altLang="en-US" dirty="0" smtClean="0"/>
-              <a:t>は通常、細菌やウイルスなどの外来病原体や人為的な注射などで体内に入るたんぱく質</a:t>
+              <a:t>は通常、細菌や</a:t>
+            </a:r>
+            <a:r>
+              <a:rPr lang="ja-JP" altLang="en-US" dirty="0" smtClean="0"/>
+              <a:t>ウイルス、注射</a:t>
+            </a:r>
+            <a:r>
+              <a:rPr lang="ja-JP" altLang="en-US" dirty="0" smtClean="0"/>
+              <a:t>などで体内に入るたんぱく</a:t>
+            </a:r>
+            <a:r>
+              <a:rPr lang="ja-JP" altLang="en-US" dirty="0" smtClean="0"/>
+              <a:t>質のこと</a:t>
             </a:r>
             <a:endParaRPr lang="en-US" altLang="ja-JP" dirty="0" smtClean="0"/>
           </a:p>
@@ -14234,7 +14332,7 @@
       </p:grpSpPr>
       <p:sp>
         <p:nvSpPr>
-          <p:cNvPr id="4" name="タイトル 3"/>
+          <p:cNvPr id="2" name="タイトル 1"/>
           <p:cNvSpPr>
             <a:spLocks noGrp="1"/>
           </p:cNvSpPr>
@@ -14244,66 +14342,50 @@
         </p:nvSpPr>
         <p:spPr/>
         <p:txBody>
-          <a:bodyPr>
-            <a:normAutofit/>
-          </a:bodyPr>
+          <a:bodyPr/>
           <a:lstStyle/>
           <a:p>
             <a:r>
-              <a:rPr kumimoji="1" lang="ja-JP" altLang="en-US" sz="3600" u="sng" dirty="0" smtClean="0"/>
-              <a:t>電子タグによる免疫機構の表現</a:t>
-            </a:r>
-            <a:endParaRPr kumimoji="1" lang="ja-JP" altLang="en-US" sz="3600" u="sng" dirty="0"/>
+              <a:rPr kumimoji="1" lang="ja-JP" altLang="en-US" dirty="0" smtClean="0"/>
+              <a:t>電子タグによるモデル化</a:t>
+            </a:r>
+            <a:endParaRPr kumimoji="1" lang="ja-JP" altLang="en-US" dirty="0"/>
           </a:p>
         </p:txBody>
       </p:sp>
-      <p:pic>
-        <p:nvPicPr>
-          <p:cNvPr id="2" name="図 1"/>
-          <p:cNvPicPr>
-            <a:picLocks noChangeAspect="1"/>
-          </p:cNvPicPr>
-          <p:nvPr/>
-        </p:nvPicPr>
-        <p:blipFill>
-          <a:blip r:embed="rId3">
-            <a:extLst>
-              <a:ext uri="{28A0092B-C50C-407E-A947-70E740481C1C}">
-                <a14:useLocalDpi xmlns:a14="http://schemas.microsoft.com/office/drawing/2010/main" val="0"/>
-              </a:ext>
-            </a:extLst>
-          </a:blip>
-          <a:stretch>
-            <a:fillRect/>
-          </a:stretch>
-        </p:blipFill>
-        <p:spPr>
-          <a:xfrm>
-            <a:off x="467544" y="1700808"/>
-            <a:ext cx="9144000" cy="4568142"/>
-          </a:xfrm>
-          <a:prstGeom prst="rect">
-            <a:avLst/>
-          </a:prstGeom>
-        </p:spPr>
-      </p:pic>
+      <p:sp>
+        <p:nvSpPr>
+          <p:cNvPr id="3" name="コンテンツ プレースホルダー 2"/>
+          <p:cNvSpPr>
+            <a:spLocks noGrp="1"/>
+          </p:cNvSpPr>
+          <p:nvPr>
+            <p:ph idx="1"/>
+          </p:nvPr>
+        </p:nvSpPr>
+        <p:spPr/>
+        <p:txBody>
+          <a:bodyPr/>
+          <a:lstStyle/>
+          <a:p>
+            <a:r>
+              <a:rPr kumimoji="1" lang="ja-JP" altLang="en-US" dirty="0" smtClean="0"/>
+              <a:t>抗原や抗体が持つ塩基配列を電子タグを用いてモデル化する</a:t>
+            </a:r>
+            <a:endParaRPr kumimoji="1" lang="ja-JP" altLang="en-US" dirty="0"/>
+          </a:p>
+        </p:txBody>
+      </p:sp>
     </p:spTree>
     <p:extLst>
       <p:ext uri="{BB962C8B-B14F-4D97-AF65-F5344CB8AC3E}">
-        <p14:creationId xmlns:p14="http://schemas.microsoft.com/office/powerpoint/2010/main" val="3710276726"/>
+        <p14:creationId xmlns:p14="http://schemas.microsoft.com/office/powerpoint/2010/main" val="94756569"/>
       </p:ext>
     </p:extLst>
   </p:cSld>
   <p:clrMapOvr>
     <a:masterClrMapping/>
   </p:clrMapOvr>
-  <p:timing>
-    <p:tnLst>
-      <p:par>
-        <p:cTn id="1" dur="indefinite" restart="never" nodeType="tmRoot"/>
-      </p:par>
-    </p:tnLst>
-  </p:timing>
 </p:sld>
 </file>
 
